--- a/Plan de proyecto.pptx
+++ b/Plan de proyecto.pptx
@@ -1,11 +1,11 @@
 
 <file path=ppt/presentation.xml><?xml version="1.0" encoding="utf-8"?>
-<p:presentation xmlns:a="http://schemas.openxmlformats.org/drawingml/2006/main" xmlns:r="http://schemas.openxmlformats.org/officeDocument/2006/relationships" xmlns:p="http://schemas.openxmlformats.org/presentationml/2006/main">
+<p:presentation xmlns:a="http://schemas.openxmlformats.org/drawingml/2006/main" xmlns:r="http://schemas.openxmlformats.org/officeDocument/2006/relationships" xmlns:p="http://schemas.openxmlformats.org/presentationml/2006/main" showSpecialPlsOnTitleSld="0">
   <p:sldMasterIdLst>
     <p:sldMasterId id="2147483648" r:id="rId1"/>
   </p:sldMasterIdLst>
   <p:notesMasterIdLst>
-    <p:notesMasterId r:id="rId23"/>
+    <p:notesMasterId r:id="rId25"/>
   </p:notesMasterIdLst>
   <p:sldIdLst>
     <p:sldId id="256" r:id="rId2"/>
@@ -18,17 +18,19 @@
     <p:sldId id="261" r:id="rId9"/>
     <p:sldId id="262" r:id="rId10"/>
     <p:sldId id="263" r:id="rId11"/>
-    <p:sldId id="264" r:id="rId12"/>
-    <p:sldId id="265" r:id="rId13"/>
-    <p:sldId id="266" r:id="rId14"/>
-    <p:sldId id="267" r:id="rId15"/>
-    <p:sldId id="268" r:id="rId16"/>
-    <p:sldId id="269" r:id="rId17"/>
-    <p:sldId id="270" r:id="rId18"/>
-    <p:sldId id="271" r:id="rId19"/>
-    <p:sldId id="272" r:id="rId20"/>
-    <p:sldId id="273" r:id="rId21"/>
-    <p:sldId id="274" r:id="rId22"/>
+    <p:sldId id="278" r:id="rId12"/>
+    <p:sldId id="279" r:id="rId13"/>
+    <p:sldId id="264" r:id="rId14"/>
+    <p:sldId id="265" r:id="rId15"/>
+    <p:sldId id="266" r:id="rId16"/>
+    <p:sldId id="267" r:id="rId17"/>
+    <p:sldId id="268" r:id="rId18"/>
+    <p:sldId id="269" r:id="rId19"/>
+    <p:sldId id="270" r:id="rId20"/>
+    <p:sldId id="271" r:id="rId21"/>
+    <p:sldId id="272" r:id="rId22"/>
+    <p:sldId id="273" r:id="rId23"/>
+    <p:sldId id="274" r:id="rId24"/>
   </p:sldIdLst>
   <p:sldSz cx="24384000" cy="13716000"/>
   <p:notesSz cx="6858000" cy="9144000"/>
@@ -526,6 +528,204 @@
 </p:notesMaster>
 </file>
 
+<file path=ppt/notesSlides/notesSlide1.xml><?xml version="1.0" encoding="utf-8"?>
+<p:notes xmlns:a="http://schemas.openxmlformats.org/drawingml/2006/main" xmlns:r="http://schemas.openxmlformats.org/officeDocument/2006/relationships" xmlns:p="http://schemas.openxmlformats.org/presentationml/2006/main">
+  <p:cSld>
+    <p:spTree>
+      <p:nvGrpSpPr>
+        <p:cNvPr id="1" name=""/>
+        <p:cNvGrpSpPr/>
+        <p:nvPr/>
+      </p:nvGrpSpPr>
+      <p:grpSpPr>
+        <a:xfrm>
+          <a:off x="0" y="0"/>
+          <a:ext cx="0" cy="0"/>
+          <a:chOff x="0" y="0"/>
+          <a:chExt cx="0" cy="0"/>
+        </a:xfrm>
+      </p:grpSpPr>
+      <p:sp>
+        <p:nvSpPr>
+          <p:cNvPr id="2" name="Marcador de imagen de diapositiva 1"/>
+          <p:cNvSpPr>
+            <a:spLocks noGrp="1" noRot="1" noChangeAspect="1"/>
+          </p:cNvSpPr>
+          <p:nvPr>
+            <p:ph type="sldImg"/>
+          </p:nvPr>
+        </p:nvSpPr>
+        <p:spPr>
+          <a:xfrm>
+            <a:off x="381000" y="685800"/>
+            <a:ext cx="6096000" cy="3429000"/>
+          </a:xfrm>
+        </p:spPr>
+      </p:sp>
+      <p:sp>
+        <p:nvSpPr>
+          <p:cNvPr id="3" name="Marcador de notas 2"/>
+          <p:cNvSpPr>
+            <a:spLocks noGrp="1"/>
+          </p:cNvSpPr>
+          <p:nvPr>
+            <p:ph type="body" idx="1"/>
+          </p:nvPr>
+        </p:nvSpPr>
+        <p:spPr/>
+        <p:txBody>
+          <a:bodyPr/>
+          <a:lstStyle/>
+          <a:p>
+            <a:endParaRPr lang="es-ES"/>
+          </a:p>
+        </p:txBody>
+      </p:sp>
+    </p:spTree>
+    <p:extLst>
+      <p:ext uri="{BB962C8B-B14F-4D97-AF65-F5344CB8AC3E}">
+        <p14:creationId xmlns:p14="http://schemas.microsoft.com/office/powerpoint/2010/main" val="2995615901"/>
+      </p:ext>
+    </p:extLst>
+  </p:cSld>
+  <p:clrMapOvr>
+    <a:masterClrMapping/>
+  </p:clrMapOvr>
+</p:notes>
+</file>
+
+<file path=ppt/notesSlides/notesSlide2.xml><?xml version="1.0" encoding="utf-8"?>
+<p:notes xmlns:a="http://schemas.openxmlformats.org/drawingml/2006/main" xmlns:r="http://schemas.openxmlformats.org/officeDocument/2006/relationships" xmlns:p="http://schemas.openxmlformats.org/presentationml/2006/main">
+  <p:cSld>
+    <p:spTree>
+      <p:nvGrpSpPr>
+        <p:cNvPr id="1" name=""/>
+        <p:cNvGrpSpPr/>
+        <p:nvPr/>
+      </p:nvGrpSpPr>
+      <p:grpSpPr>
+        <a:xfrm>
+          <a:off x="0" y="0"/>
+          <a:ext cx="0" cy="0"/>
+          <a:chOff x="0" y="0"/>
+          <a:chExt cx="0" cy="0"/>
+        </a:xfrm>
+      </p:grpSpPr>
+      <p:sp>
+        <p:nvSpPr>
+          <p:cNvPr id="2" name="Marcador de imagen de diapositiva 1"/>
+          <p:cNvSpPr>
+            <a:spLocks noGrp="1" noRot="1" noChangeAspect="1"/>
+          </p:cNvSpPr>
+          <p:nvPr>
+            <p:ph type="sldImg"/>
+          </p:nvPr>
+        </p:nvSpPr>
+        <p:spPr>
+          <a:xfrm>
+            <a:off x="381000" y="685800"/>
+            <a:ext cx="6096000" cy="3429000"/>
+          </a:xfrm>
+        </p:spPr>
+      </p:sp>
+      <p:sp>
+        <p:nvSpPr>
+          <p:cNvPr id="3" name="Marcador de notas 2"/>
+          <p:cNvSpPr>
+            <a:spLocks noGrp="1"/>
+          </p:cNvSpPr>
+          <p:nvPr>
+            <p:ph type="body" idx="1"/>
+          </p:nvPr>
+        </p:nvSpPr>
+        <p:spPr/>
+        <p:txBody>
+          <a:bodyPr/>
+          <a:lstStyle/>
+          <a:p>
+            <a:endParaRPr lang="es-ES"/>
+          </a:p>
+        </p:txBody>
+      </p:sp>
+    </p:spTree>
+    <p:extLst>
+      <p:ext uri="{BB962C8B-B14F-4D97-AF65-F5344CB8AC3E}">
+        <p14:creationId xmlns:p14="http://schemas.microsoft.com/office/powerpoint/2010/main" val="1464814474"/>
+      </p:ext>
+    </p:extLst>
+  </p:cSld>
+  <p:clrMapOvr>
+    <a:masterClrMapping/>
+  </p:clrMapOvr>
+</p:notes>
+</file>
+
+<file path=ppt/notesSlides/notesSlide3.xml><?xml version="1.0" encoding="utf-8"?>
+<p:notes xmlns:a="http://schemas.openxmlformats.org/drawingml/2006/main" xmlns:r="http://schemas.openxmlformats.org/officeDocument/2006/relationships" xmlns:p="http://schemas.openxmlformats.org/presentationml/2006/main">
+  <p:cSld>
+    <p:spTree>
+      <p:nvGrpSpPr>
+        <p:cNvPr id="1" name=""/>
+        <p:cNvGrpSpPr/>
+        <p:nvPr/>
+      </p:nvGrpSpPr>
+      <p:grpSpPr>
+        <a:xfrm>
+          <a:off x="0" y="0"/>
+          <a:ext cx="0" cy="0"/>
+          <a:chOff x="0" y="0"/>
+          <a:chExt cx="0" cy="0"/>
+        </a:xfrm>
+      </p:grpSpPr>
+      <p:sp>
+        <p:nvSpPr>
+          <p:cNvPr id="2" name="Marcador de imagen de diapositiva 1"/>
+          <p:cNvSpPr>
+            <a:spLocks noGrp="1" noRot="1" noChangeAspect="1"/>
+          </p:cNvSpPr>
+          <p:nvPr>
+            <p:ph type="sldImg"/>
+          </p:nvPr>
+        </p:nvSpPr>
+        <p:spPr>
+          <a:xfrm>
+            <a:off x="381000" y="685800"/>
+            <a:ext cx="6096000" cy="3429000"/>
+          </a:xfrm>
+        </p:spPr>
+      </p:sp>
+      <p:sp>
+        <p:nvSpPr>
+          <p:cNvPr id="3" name="Marcador de notas 2"/>
+          <p:cNvSpPr>
+            <a:spLocks noGrp="1"/>
+          </p:cNvSpPr>
+          <p:nvPr>
+            <p:ph type="body" idx="1"/>
+          </p:nvPr>
+        </p:nvSpPr>
+        <p:spPr/>
+        <p:txBody>
+          <a:bodyPr/>
+          <a:lstStyle/>
+          <a:p>
+            <a:endParaRPr lang="es-ES"/>
+          </a:p>
+        </p:txBody>
+      </p:sp>
+    </p:spTree>
+    <p:extLst>
+      <p:ext uri="{BB962C8B-B14F-4D97-AF65-F5344CB8AC3E}">
+        <p14:creationId xmlns:p14="http://schemas.microsoft.com/office/powerpoint/2010/main" val="4125746635"/>
+      </p:ext>
+    </p:extLst>
+  </p:cSld>
+  <p:clrMapOvr>
+    <a:masterClrMapping/>
+  </p:clrMapOvr>
+</p:notes>
+</file>
+
 <file path=ppt/slideLayouts/slideLayout1.xml><?xml version="1.0" encoding="utf-8"?>
 <p:sldLayout xmlns:a="http://schemas.openxmlformats.org/drawingml/2006/main" xmlns:r="http://schemas.openxmlformats.org/officeDocument/2006/relationships" xmlns:p="http://schemas.openxmlformats.org/presentationml/2006/main" showMasterSp="0" type="title">
   <p:cSld name="Título y subtítulo">
@@ -3720,6 +3920,7 @@
     <p:sldLayoutId id="2147483664" r:id="rId16"/>
   </p:sldLayoutIdLst>
   <p:transition spd="med"/>
+  <p:hf hdr="0" ftr="0" dt="0"/>
   <p:txStyles>
     <p:titleStyle>
       <a:lvl1pPr marL="0" marR="0" indent="0" algn="l" defTabSz="825500" rtl="0" latinLnBrk="0">
@@ -4576,7 +4777,7 @@
           <p:nvPr/>
         </p:nvPicPr>
         <p:blipFill>
-          <a:blip r:embed="rId2">
+          <a:blip r:embed="rId3">
             <a:extLst/>
           </a:blip>
           <a:srcRect l="556" t="556" r="556" b="556"/>
@@ -4829,7 +5030,7 @@
           <p:nvPr/>
         </p:nvPicPr>
         <p:blipFill>
-          <a:blip r:embed="rId3">
+          <a:blip r:embed="rId4">
             <a:extLst/>
           </a:blip>
           <a:stretch>
@@ -4942,49 +5143,6 @@
       </p:pic>
       <p:sp>
         <p:nvSpPr>
-          <p:cNvPr id="246" name="Shape 246"/>
-          <p:cNvSpPr/>
-          <p:nvPr/>
-        </p:nvSpPr>
-        <p:spPr>
-          <a:xfrm>
-            <a:off x="23281766" y="535886"/>
-            <a:ext cx="386335" cy="723901"/>
-          </a:xfrm>
-          <a:prstGeom prst="rect">
-            <a:avLst/>
-          </a:prstGeom>
-          <a:ln w="12700">
-            <a:miter lim="400000"/>
-          </a:ln>
-          <a:extLst>
-            <a:ext uri="{C572A759-6A51-4108-AA02-DFA0A04FC94B}">
-              <ma14:wrappingTextBoxFlag xmlns="" xmlns:ma14="http://schemas.microsoft.com/office/mac/drawingml/2011/main" val="1"/>
-            </a:ext>
-          </a:extLst>
-        </p:spPr>
-        <p:txBody>
-          <a:bodyPr wrap="none" lIns="50800" tIns="50800" rIns="50800" bIns="50800" anchor="ctr">
-            <a:spAutoFit/>
-          </a:bodyPr>
-          <a:lstStyle>
-            <a:lvl1pPr>
-              <a:defRPr sz="3600">
-                <a:solidFill>
-                  <a:srgbClr val="C1C0C2"/>
-                </a:solidFill>
-              </a:defRPr>
-            </a:lvl1pPr>
-          </a:lstStyle>
-          <a:p>
-            <a:r>
-              <a:t>1</a:t>
-            </a:r>
-          </a:p>
-        </p:txBody>
-      </p:sp>
-      <p:sp>
-        <p:nvSpPr>
           <p:cNvPr id="247" name="Shape 247"/>
           <p:cNvSpPr/>
           <p:nvPr/>
@@ -4992,7 +5150,7 @@
         <p:spPr>
           <a:xfrm>
             <a:off x="1044066" y="500292"/>
-            <a:ext cx="5777223" cy="795089"/>
+            <a:ext cx="5392502" cy="795089"/>
           </a:xfrm>
           <a:prstGeom prst="rect">
             <a:avLst/>
@@ -5033,19 +5191,19 @@
               <a:t>. </a:t>
             </a:r>
             <a:r>
-              <a:rPr lang="pt-PT" b="1" dirty="0"/>
+              <a:rPr lang="pt-PT" dirty="0"/>
               <a:t>G</a:t>
             </a:r>
             <a:r>
-              <a:rPr lang="pt-PT" b="1" dirty="0" smtClean="0"/>
+              <a:rPr lang="pt-PT" dirty="0" smtClean="0"/>
               <a:t>esti</a:t>
             </a:r>
             <a:r>
-              <a:rPr lang="es-ES_tradnl" b="1" dirty="0" err="1"/>
+              <a:rPr lang="es-ES_tradnl" dirty="0" err="1"/>
               <a:t>ón</a:t>
             </a:r>
             <a:r>
-              <a:rPr lang="es-ES_tradnl" b="1" dirty="0"/>
+              <a:rPr lang="es-ES_tradnl" dirty="0"/>
               <a:t> del riesgo</a:t>
             </a:r>
             <a:endParaRPr dirty="0"/>
@@ -5144,15 +5302,7 @@
                   <a:srgbClr val="FFFFFF"/>
                 </a:solidFill>
               </a:rPr>
-              <a:t>1 Priorización </a:t>
-            </a:r>
-            <a:r>
-              <a:rPr lang="es-ES_tradnl" dirty="0">
-                <a:solidFill>
-                  <a:srgbClr val="FFFFFF"/>
-                </a:solidFill>
-              </a:rPr>
-              <a:t>de riesgos del proyecto </a:t>
+              <a:t>1 Priorización de riesgos del proyecto </a:t>
             </a:r>
             <a:endParaRPr lang="es-ES" dirty="0">
               <a:solidFill>
@@ -7864,6 +8014,29 @@
           </a:graphicData>
         </a:graphic>
       </p:graphicFrame>
+      <p:sp>
+        <p:nvSpPr>
+          <p:cNvPr id="4" name="Marcador de número de diapositiva 3"/>
+          <p:cNvSpPr>
+            <a:spLocks noGrp="1"/>
+          </p:cNvSpPr>
+          <p:nvPr>
+            <p:ph type="sldNum" sz="quarter" idx="2"/>
+          </p:nvPr>
+        </p:nvSpPr>
+        <p:spPr/>
+        <p:txBody>
+          <a:bodyPr/>
+          <a:lstStyle/>
+          <a:p>
+            <a:fld id="{86CB4B4D-7CA3-9044-876B-883B54F8677D}" type="slidenum">
+              <a:rPr lang="es-ES" smtClean="0"/>
+              <a:t>10</a:t>
+            </a:fld>
+            <a:endParaRPr lang="es-ES"/>
+          </a:p>
+        </p:txBody>
+      </p:sp>
     </p:spTree>
   </p:cSld>
   <p:clrMapOvr>
@@ -7881,6 +8054,2165 @@
 </file>
 
 <file path=ppt/slides/slide11.xml><?xml version="1.0" encoding="utf-8"?>
+<p:sld xmlns:a="http://schemas.openxmlformats.org/drawingml/2006/main" xmlns:r="http://schemas.openxmlformats.org/officeDocument/2006/relationships" xmlns:p="http://schemas.openxmlformats.org/presentationml/2006/main">
+  <p:cSld>
+    <p:spTree>
+      <p:nvGrpSpPr>
+        <p:cNvPr id="1" name=""/>
+        <p:cNvGrpSpPr/>
+        <p:nvPr/>
+      </p:nvGrpSpPr>
+      <p:grpSpPr>
+        <a:xfrm>
+          <a:off x="0" y="0"/>
+          <a:ext cx="0" cy="0"/>
+          <a:chOff x="0" y="0"/>
+          <a:chExt cx="0" cy="0"/>
+        </a:xfrm>
+      </p:grpSpPr>
+      <p:pic>
+        <p:nvPicPr>
+          <p:cNvPr id="244" name="pasted-image.tiff"/>
+          <p:cNvPicPr>
+            <a:picLocks noChangeAspect="1"/>
+          </p:cNvPicPr>
+          <p:nvPr/>
+        </p:nvPicPr>
+        <p:blipFill>
+          <a:blip r:embed="rId2">
+            <a:extLst/>
+          </a:blip>
+          <a:stretch>
+            <a:fillRect/>
+          </a:stretch>
+        </p:blipFill>
+        <p:spPr>
+          <a:xfrm>
+            <a:off x="-816206" y="-529723"/>
+            <a:ext cx="26829216" cy="2397845"/>
+          </a:xfrm>
+          <a:prstGeom prst="rect">
+            <a:avLst/>
+          </a:prstGeom>
+          <a:ln w="12700">
+            <a:miter lim="400000"/>
+          </a:ln>
+        </p:spPr>
+      </p:pic>
+      <p:pic>
+        <p:nvPicPr>
+          <p:cNvPr id="245" name="pasted-image.tiff"/>
+          <p:cNvPicPr>
+            <a:picLocks noChangeAspect="1"/>
+          </p:cNvPicPr>
+          <p:nvPr/>
+        </p:nvPicPr>
+        <p:blipFill>
+          <a:blip r:embed="rId3">
+            <a:extLst/>
+          </a:blip>
+          <a:stretch>
+            <a:fillRect/>
+          </a:stretch>
+        </p:blipFill>
+        <p:spPr>
+          <a:xfrm>
+            <a:off x="20120528" y="596900"/>
+            <a:ext cx="2416329" cy="766806"/>
+          </a:xfrm>
+          <a:prstGeom prst="rect">
+            <a:avLst/>
+          </a:prstGeom>
+          <a:ln w="12700">
+            <a:miter lim="400000"/>
+          </a:ln>
+        </p:spPr>
+      </p:pic>
+      <p:sp>
+        <p:nvSpPr>
+          <p:cNvPr id="247" name="Shape 247"/>
+          <p:cNvSpPr/>
+          <p:nvPr/>
+        </p:nvSpPr>
+        <p:spPr>
+          <a:xfrm>
+            <a:off x="1044066" y="500292"/>
+            <a:ext cx="5392502" cy="795089"/>
+          </a:xfrm>
+          <a:prstGeom prst="rect">
+            <a:avLst/>
+          </a:prstGeom>
+          <a:ln w="12700">
+            <a:miter lim="400000"/>
+          </a:ln>
+          <a:extLst>
+            <a:ext uri="{C572A759-6A51-4108-AA02-DFA0A04FC94B}">
+              <ma14:wrappingTextBoxFlag xmlns="" xmlns:ma14="http://schemas.microsoft.com/office/mac/drawingml/2011/main" val="1"/>
+            </a:ext>
+          </a:extLst>
+        </p:spPr>
+        <p:txBody>
+          <a:bodyPr wrap="none" lIns="50800" tIns="50800" rIns="50800" bIns="50800" anchor="ctr">
+            <a:spAutoFit/>
+          </a:bodyPr>
+          <a:lstStyle>
+            <a:lvl1pPr>
+              <a:defRPr sz="4500">
+                <a:solidFill>
+                  <a:srgbClr val="FFFFFF"/>
+                </a:solidFill>
+                <a:latin typeface="Helvetica Neue"/>
+                <a:ea typeface="Helvetica Neue"/>
+                <a:cs typeface="Helvetica Neue"/>
+                <a:sym typeface="Helvetica Neue"/>
+              </a:defRPr>
+            </a:lvl1pPr>
+          </a:lstStyle>
+          <a:p>
+            <a:r>
+              <a:rPr lang="es-ES" dirty="0" smtClean="0"/>
+              <a:t>3</a:t>
+            </a:r>
+            <a:r>
+              <a:rPr dirty="0" smtClean="0"/>
+              <a:t>. </a:t>
+            </a:r>
+            <a:r>
+              <a:rPr lang="pt-PT" dirty="0"/>
+              <a:t>G</a:t>
+            </a:r>
+            <a:r>
+              <a:rPr lang="pt-PT" dirty="0" smtClean="0"/>
+              <a:t>esti</a:t>
+            </a:r>
+            <a:r>
+              <a:rPr lang="es-ES_tradnl" dirty="0" err="1"/>
+              <a:t>ón</a:t>
+            </a:r>
+            <a:r>
+              <a:rPr lang="es-ES_tradnl" dirty="0"/>
+              <a:t> del riesgo</a:t>
+            </a:r>
+            <a:endParaRPr dirty="0"/>
+          </a:p>
+        </p:txBody>
+      </p:sp>
+      <p:sp>
+        <p:nvSpPr>
+          <p:cNvPr id="249" name="Shape 249"/>
+          <p:cNvSpPr/>
+          <p:nvPr/>
+        </p:nvSpPr>
+        <p:spPr>
+          <a:xfrm>
+            <a:off x="8651067" y="2219816"/>
+            <a:ext cx="8298727" cy="771399"/>
+          </a:xfrm>
+          <a:prstGeom prst="roundRect">
+            <a:avLst>
+              <a:gd name="adj" fmla="val 33536"/>
+            </a:avLst>
+          </a:prstGeom>
+          <a:solidFill>
+            <a:srgbClr val="BA6B89"/>
+          </a:solidFill>
+          <a:ln w="12700">
+            <a:miter lim="400000"/>
+          </a:ln>
+        </p:spPr>
+        <p:txBody>
+          <a:bodyPr lIns="50800" tIns="50800" rIns="50800" bIns="50800" anchor="ctr"/>
+          <a:lstStyle/>
+          <a:p>
+            <a:pPr algn="ctr">
+              <a:lnSpc>
+                <a:spcPct val="80000"/>
+              </a:lnSpc>
+              <a:spcBef>
+                <a:spcPts val="0"/>
+              </a:spcBef>
+              <a:defRPr sz="4000" cap="all">
+                <a:solidFill>
+                  <a:srgbClr val="FFFFFF"/>
+                </a:solidFill>
+                <a:latin typeface="+mn-lt"/>
+                <a:ea typeface="+mn-ea"/>
+                <a:cs typeface="+mn-cs"/>
+                <a:sym typeface="DIN Condensed"/>
+              </a:defRPr>
+            </a:pPr>
+            <a:endParaRPr/>
+          </a:p>
+        </p:txBody>
+      </p:sp>
+      <p:sp>
+        <p:nvSpPr>
+          <p:cNvPr id="250" name="Shape 250"/>
+          <p:cNvSpPr/>
+          <p:nvPr/>
+        </p:nvSpPr>
+        <p:spPr>
+          <a:xfrm>
+            <a:off x="8911911" y="2323387"/>
+            <a:ext cx="7808228" cy="564257"/>
+          </a:xfrm>
+          <a:prstGeom prst="rect">
+            <a:avLst/>
+          </a:prstGeom>
+          <a:ln w="12700">
+            <a:miter lim="400000"/>
+          </a:ln>
+          <a:extLst>
+            <a:ext uri="{C572A759-6A51-4108-AA02-DFA0A04FC94B}">
+              <ma14:wrappingTextBoxFlag xmlns="" xmlns:ma14="http://schemas.microsoft.com/office/mac/drawingml/2011/main" val="1"/>
+            </a:ext>
+          </a:extLst>
+        </p:spPr>
+        <p:txBody>
+          <a:bodyPr wrap="none" lIns="50800" tIns="50800" rIns="50800" bIns="50800" anchor="ctr">
+            <a:spAutoFit/>
+          </a:bodyPr>
+          <a:lstStyle>
+            <a:lvl1pPr>
+              <a:defRPr>
+                <a:solidFill>
+                  <a:srgbClr val="FFFFFF"/>
+                </a:solidFill>
+              </a:defRPr>
+            </a:lvl1pPr>
+          </a:lstStyle>
+          <a:p>
+            <a:pPr lvl="1" indent="0"/>
+            <a:r>
+              <a:rPr lang="es-ES_tradnl" dirty="0" smtClean="0">
+                <a:solidFill>
+                  <a:srgbClr val="FFFFFF"/>
+                </a:solidFill>
+              </a:rPr>
+              <a:t>2 </a:t>
+            </a:r>
+            <a:r>
+              <a:rPr lang="es-ES" dirty="0">
+                <a:solidFill>
+                  <a:srgbClr val="FFFFFF"/>
+                </a:solidFill>
+              </a:rPr>
+              <a:t>Reducción, supervisión y gestión del riesgo</a:t>
+            </a:r>
+          </a:p>
+        </p:txBody>
+      </p:sp>
+      <p:sp>
+        <p:nvSpPr>
+          <p:cNvPr id="4" name="Marcador de número de diapositiva 3"/>
+          <p:cNvSpPr>
+            <a:spLocks noGrp="1"/>
+          </p:cNvSpPr>
+          <p:nvPr>
+            <p:ph type="sldNum" sz="quarter" idx="2"/>
+          </p:nvPr>
+        </p:nvSpPr>
+        <p:spPr/>
+        <p:txBody>
+          <a:bodyPr/>
+          <a:lstStyle/>
+          <a:p>
+            <a:fld id="{86CB4B4D-7CA3-9044-876B-883B54F8677D}" type="slidenum">
+              <a:rPr lang="es-ES" smtClean="0"/>
+              <a:t>11</a:t>
+            </a:fld>
+            <a:endParaRPr lang="es-ES"/>
+          </a:p>
+        </p:txBody>
+      </p:sp>
+      <p:sp>
+        <p:nvSpPr>
+          <p:cNvPr id="9" name="Shape 249"/>
+          <p:cNvSpPr/>
+          <p:nvPr/>
+        </p:nvSpPr>
+        <p:spPr>
+          <a:xfrm>
+            <a:off x="10889673" y="3342909"/>
+            <a:ext cx="3435928" cy="771399"/>
+          </a:xfrm>
+          <a:prstGeom prst="roundRect">
+            <a:avLst>
+              <a:gd name="adj" fmla="val 33536"/>
+            </a:avLst>
+          </a:prstGeom>
+          <a:solidFill>
+            <a:srgbClr val="BA6B89"/>
+          </a:solidFill>
+          <a:ln w="12700">
+            <a:miter lim="400000"/>
+          </a:ln>
+        </p:spPr>
+        <p:txBody>
+          <a:bodyPr lIns="50800" tIns="50800" rIns="50800" bIns="50800" anchor="ctr"/>
+          <a:lstStyle/>
+          <a:p>
+            <a:pPr algn="ctr">
+              <a:lnSpc>
+                <a:spcPct val="80000"/>
+              </a:lnSpc>
+              <a:spcBef>
+                <a:spcPts val="0"/>
+              </a:spcBef>
+              <a:defRPr sz="4000" cap="all">
+                <a:solidFill>
+                  <a:srgbClr val="FFFFFF"/>
+                </a:solidFill>
+                <a:latin typeface="+mn-lt"/>
+                <a:ea typeface="+mn-ea"/>
+                <a:cs typeface="+mn-cs"/>
+                <a:sym typeface="DIN Condensed"/>
+              </a:defRPr>
+            </a:pPr>
+            <a:endParaRPr/>
+          </a:p>
+        </p:txBody>
+      </p:sp>
+      <p:sp>
+        <p:nvSpPr>
+          <p:cNvPr id="10" name="Shape 250"/>
+          <p:cNvSpPr/>
+          <p:nvPr/>
+        </p:nvSpPr>
+        <p:spPr>
+          <a:xfrm>
+            <a:off x="11233060" y="3446479"/>
+            <a:ext cx="2877391" cy="564257"/>
+          </a:xfrm>
+          <a:prstGeom prst="rect">
+            <a:avLst/>
+          </a:prstGeom>
+          <a:ln w="12700">
+            <a:miter lim="400000"/>
+          </a:ln>
+          <a:extLst>
+            <a:ext uri="{C572A759-6A51-4108-AA02-DFA0A04FC94B}">
+              <ma14:wrappingTextBoxFlag xmlns="" xmlns:ma14="http://schemas.microsoft.com/office/mac/drawingml/2011/main" val="1"/>
+            </a:ext>
+          </a:extLst>
+        </p:spPr>
+        <p:txBody>
+          <a:bodyPr wrap="none" lIns="50800" tIns="50800" rIns="50800" bIns="50800" anchor="ctr">
+            <a:spAutoFit/>
+          </a:bodyPr>
+          <a:lstStyle>
+            <a:lvl1pPr>
+              <a:defRPr>
+                <a:solidFill>
+                  <a:srgbClr val="FFFFFF"/>
+                </a:solidFill>
+              </a:defRPr>
+            </a:lvl1pPr>
+          </a:lstStyle>
+          <a:p>
+            <a:pPr lvl="1" indent="0"/>
+            <a:r>
+              <a:rPr lang="es-ES_tradnl" dirty="0" smtClean="0">
+                <a:solidFill>
+                  <a:srgbClr val="FFFFFF"/>
+                </a:solidFill>
+              </a:rPr>
+              <a:t>2.0.1 </a:t>
+            </a:r>
+            <a:r>
+              <a:rPr lang="es-ES" dirty="0" smtClean="0">
+                <a:solidFill>
+                  <a:srgbClr val="FFFFFF"/>
+                </a:solidFill>
+              </a:rPr>
+              <a:t>Reducción</a:t>
+            </a:r>
+            <a:endParaRPr lang="es-ES" dirty="0">
+              <a:solidFill>
+                <a:srgbClr val="FFFFFF"/>
+              </a:solidFill>
+            </a:endParaRPr>
+          </a:p>
+        </p:txBody>
+      </p:sp>
+      <p:sp>
+        <p:nvSpPr>
+          <p:cNvPr id="11" name="Shape 230"/>
+          <p:cNvSpPr/>
+          <p:nvPr/>
+        </p:nvSpPr>
+        <p:spPr>
+          <a:xfrm>
+            <a:off x="4809823" y="4477226"/>
+            <a:ext cx="16067821" cy="1432979"/>
+          </a:xfrm>
+          <a:prstGeom prst="roundRect">
+            <a:avLst>
+              <a:gd name="adj" fmla="val 7944"/>
+            </a:avLst>
+          </a:prstGeom>
+          <a:ln w="50800">
+            <a:solidFill>
+              <a:srgbClr val="5B5854"/>
+            </a:solidFill>
+            <a:miter lim="400000"/>
+          </a:ln>
+        </p:spPr>
+        <p:txBody>
+          <a:bodyPr lIns="50800" tIns="50800" rIns="50800" bIns="50800" anchor="ctr"/>
+          <a:lstStyle/>
+          <a:p>
+            <a:pPr algn="ctr">
+              <a:lnSpc>
+                <a:spcPct val="80000"/>
+              </a:lnSpc>
+              <a:spcBef>
+                <a:spcPts val="0"/>
+              </a:spcBef>
+              <a:defRPr sz="100" cap="all">
+                <a:solidFill>
+                  <a:srgbClr val="FFFFFF"/>
+                </a:solidFill>
+                <a:latin typeface="+mn-lt"/>
+                <a:ea typeface="+mn-ea"/>
+                <a:cs typeface="+mn-cs"/>
+                <a:sym typeface="DIN Condensed"/>
+              </a:defRPr>
+            </a:pPr>
+            <a:endParaRPr/>
+          </a:p>
+        </p:txBody>
+      </p:sp>
+      <p:sp>
+        <p:nvSpPr>
+          <p:cNvPr id="2" name="CuadroTexto 1"/>
+          <p:cNvSpPr txBox="1"/>
+          <p:nvPr/>
+        </p:nvSpPr>
+        <p:spPr>
+          <a:xfrm>
+            <a:off x="5362867" y="4293058"/>
+            <a:ext cx="15114152" cy="2205732"/>
+          </a:xfrm>
+          <a:prstGeom prst="rect">
+            <a:avLst/>
+          </a:prstGeom>
+          <a:noFill/>
+          <a:ln w="12700" cap="flat">
+            <a:noFill/>
+            <a:miter lim="400000"/>
+          </a:ln>
+          <a:effectLst/>
+          <a:sp3d/>
+        </p:spPr>
+        <p:style>
+          <a:lnRef idx="0">
+            <a:scrgbClr r="0" g="0" b="0"/>
+          </a:lnRef>
+          <a:fillRef idx="0">
+            <a:scrgbClr r="0" g="0" b="0"/>
+          </a:fillRef>
+          <a:effectRef idx="0">
+            <a:scrgbClr r="0" g="0" b="0"/>
+          </a:effectRef>
+          <a:fontRef idx="none"/>
+        </p:style>
+        <p:txBody>
+          <a:bodyPr rot="0" spcFirstLastPara="1" vertOverflow="overflow" horzOverflow="overflow" vert="horz" wrap="square" lIns="50800" tIns="50800" rIns="50800" bIns="50800" numCol="1" spcCol="38100" rtlCol="0" anchor="ctr">
+            <a:spAutoFit/>
+          </a:bodyPr>
+          <a:lstStyle/>
+          <a:p>
+            <a:pPr algn="just"/>
+            <a:r>
+              <a:rPr lang="es-ES_tradnl" sz="2500" dirty="0">
+                <a:solidFill>
+                  <a:srgbClr val="00000A"/>
+                </a:solidFill>
+                <a:uFill>
+                  <a:solidFill>
+                    <a:srgbClr val="00000A"/>
+                  </a:solidFill>
+                </a:uFill>
+                <a:latin typeface="Helvetica Neue"/>
+                <a:ea typeface="Helvetica Neue"/>
+                <a:cs typeface="Helvetica Neue"/>
+              </a:rPr>
+              <a:t>Ayudarnos de herramientas para la planificación temporal del proyecto tales como diagramas </a:t>
+            </a:r>
+            <a:r>
+              <a:rPr lang="es-ES_tradnl" sz="2500" dirty="0" smtClean="0">
+                <a:solidFill>
+                  <a:srgbClr val="00000A"/>
+                </a:solidFill>
+                <a:uFill>
+                  <a:solidFill>
+                    <a:srgbClr val="00000A"/>
+                  </a:solidFill>
+                </a:uFill>
+                <a:latin typeface="Helvetica Neue"/>
+                <a:ea typeface="Helvetica Neue"/>
+                <a:cs typeface="Helvetica Neue"/>
+              </a:rPr>
+              <a:t>GANTT.</a:t>
+            </a:r>
+            <a:r>
+              <a:rPr lang="es-ES" sz="2500" dirty="0">
+                <a:solidFill>
+                  <a:srgbClr val="00000A"/>
+                </a:solidFill>
+                <a:uFill>
+                  <a:solidFill>
+                    <a:srgbClr val="00000A"/>
+                  </a:solidFill>
+                </a:uFill>
+                <a:latin typeface="Helvetica Neue"/>
+                <a:ea typeface="Helvetica Neue"/>
+                <a:cs typeface="Helvetica Neue"/>
+              </a:rPr>
+              <a:t> </a:t>
+            </a:r>
+            <a:r>
+              <a:rPr lang="es-ES_tradnl" sz="2500" dirty="0" smtClean="0">
+                <a:solidFill>
+                  <a:srgbClr val="00000A"/>
+                </a:solidFill>
+                <a:uFill>
+                  <a:solidFill>
+                    <a:srgbClr val="00000A"/>
+                  </a:solidFill>
+                </a:uFill>
+                <a:latin typeface="Helvetica Neue"/>
+                <a:ea typeface="Helvetica Neue"/>
+                <a:cs typeface="Helvetica Neue"/>
+              </a:rPr>
+              <a:t>Conocer </a:t>
+            </a:r>
+            <a:r>
+              <a:rPr lang="es-ES_tradnl" sz="2500" dirty="0">
+                <a:solidFill>
+                  <a:srgbClr val="00000A"/>
+                </a:solidFill>
+                <a:uFill>
+                  <a:solidFill>
+                    <a:srgbClr val="00000A"/>
+                  </a:solidFill>
+                </a:uFill>
+                <a:latin typeface="Helvetica Neue"/>
+                <a:ea typeface="Helvetica Neue"/>
+                <a:cs typeface="Helvetica Neue"/>
+              </a:rPr>
+              <a:t>bien los recursos con que contamos y su disponibilidad tanto presentes como futuras.</a:t>
+            </a:r>
+            <a:endParaRPr lang="es-ES" sz="2500" dirty="0">
+              <a:solidFill>
+                <a:srgbClr val="00000A"/>
+              </a:solidFill>
+              <a:uFill>
+                <a:solidFill>
+                  <a:srgbClr val="00000A"/>
+                </a:solidFill>
+              </a:uFill>
+              <a:latin typeface="Helvetica Neue"/>
+              <a:ea typeface="Helvetica Neue"/>
+              <a:cs typeface="Helvetica Neue"/>
+            </a:endParaRPr>
+          </a:p>
+          <a:p>
+            <a:pPr marL="0" marR="0" indent="0" algn="l" defTabSz="825500" rtl="0" fontAlgn="auto" latinLnBrk="0" hangingPunct="0">
+              <a:lnSpc>
+                <a:spcPct val="100000"/>
+              </a:lnSpc>
+              <a:spcBef>
+                <a:spcPts val="3400"/>
+              </a:spcBef>
+              <a:spcAft>
+                <a:spcPts val="0"/>
+              </a:spcAft>
+              <a:buClrTx/>
+              <a:buSzTx/>
+              <a:buFontTx/>
+              <a:buNone/>
+              <a:tabLst/>
+            </a:pPr>
+            <a:endParaRPr kumimoji="0" lang="es-ES" sz="3000" b="0" i="0" u="none" strike="noStrike" cap="none" spc="0" normalizeH="0" baseline="0" dirty="0">
+              <a:ln>
+                <a:noFill/>
+              </a:ln>
+              <a:solidFill>
+                <a:srgbClr val="838787"/>
+              </a:solidFill>
+              <a:effectLst/>
+              <a:uFillTx/>
+              <a:latin typeface="Avenir Next Medium"/>
+              <a:ea typeface="Avenir Next Medium"/>
+              <a:cs typeface="Avenir Next Medium"/>
+              <a:sym typeface="Avenir Next Medium"/>
+            </a:endParaRPr>
+          </a:p>
+        </p:txBody>
+      </p:sp>
+      <p:sp>
+        <p:nvSpPr>
+          <p:cNvPr id="13" name="Shape 249"/>
+          <p:cNvSpPr/>
+          <p:nvPr/>
+        </p:nvSpPr>
+        <p:spPr>
+          <a:xfrm>
+            <a:off x="10889673" y="6267025"/>
+            <a:ext cx="3435928" cy="771399"/>
+          </a:xfrm>
+          <a:prstGeom prst="roundRect">
+            <a:avLst>
+              <a:gd name="adj" fmla="val 33536"/>
+            </a:avLst>
+          </a:prstGeom>
+          <a:solidFill>
+            <a:srgbClr val="BA6B89"/>
+          </a:solidFill>
+          <a:ln w="12700">
+            <a:miter lim="400000"/>
+          </a:ln>
+        </p:spPr>
+        <p:txBody>
+          <a:bodyPr lIns="50800" tIns="50800" rIns="50800" bIns="50800" anchor="ctr"/>
+          <a:lstStyle/>
+          <a:p>
+            <a:pPr algn="ctr">
+              <a:lnSpc>
+                <a:spcPct val="80000"/>
+              </a:lnSpc>
+              <a:spcBef>
+                <a:spcPts val="0"/>
+              </a:spcBef>
+              <a:defRPr sz="4000" cap="all">
+                <a:solidFill>
+                  <a:srgbClr val="FFFFFF"/>
+                </a:solidFill>
+                <a:latin typeface="+mn-lt"/>
+                <a:ea typeface="+mn-ea"/>
+                <a:cs typeface="+mn-cs"/>
+                <a:sym typeface="DIN Condensed"/>
+              </a:defRPr>
+            </a:pPr>
+            <a:endParaRPr/>
+          </a:p>
+        </p:txBody>
+      </p:sp>
+      <p:sp>
+        <p:nvSpPr>
+          <p:cNvPr id="14" name="Shape 250"/>
+          <p:cNvSpPr/>
+          <p:nvPr/>
+        </p:nvSpPr>
+        <p:spPr>
+          <a:xfrm>
+            <a:off x="11136879" y="6399032"/>
+            <a:ext cx="3069751" cy="564257"/>
+          </a:xfrm>
+          <a:prstGeom prst="rect">
+            <a:avLst/>
+          </a:prstGeom>
+          <a:ln w="12700">
+            <a:miter lim="400000"/>
+          </a:ln>
+          <a:extLst>
+            <a:ext uri="{C572A759-6A51-4108-AA02-DFA0A04FC94B}">
+              <ma14:wrappingTextBoxFlag xmlns="" xmlns:ma14="http://schemas.microsoft.com/office/mac/drawingml/2011/main" val="1"/>
+            </a:ext>
+          </a:extLst>
+        </p:spPr>
+        <p:txBody>
+          <a:bodyPr wrap="none" lIns="50800" tIns="50800" rIns="50800" bIns="50800" anchor="ctr">
+            <a:spAutoFit/>
+          </a:bodyPr>
+          <a:lstStyle>
+            <a:lvl1pPr>
+              <a:defRPr>
+                <a:solidFill>
+                  <a:srgbClr val="FFFFFF"/>
+                </a:solidFill>
+              </a:defRPr>
+            </a:lvl1pPr>
+          </a:lstStyle>
+          <a:p>
+            <a:pPr lvl="1" indent="0"/>
+            <a:r>
+              <a:rPr lang="es-ES" dirty="0" smtClean="0">
+                <a:solidFill>
+                  <a:srgbClr val="FFFFFF"/>
+                </a:solidFill>
+              </a:rPr>
+              <a:t>2.0.2 </a:t>
+            </a:r>
+            <a:r>
+              <a:rPr lang="es-ES" dirty="0" smtClean="0">
+                <a:solidFill>
+                  <a:srgbClr val="FFFFFF"/>
+                </a:solidFill>
+              </a:rPr>
+              <a:t>Supervisión</a:t>
+            </a:r>
+            <a:endParaRPr lang="es-ES" dirty="0">
+              <a:solidFill>
+                <a:srgbClr val="FFFFFF"/>
+              </a:solidFill>
+            </a:endParaRPr>
+          </a:p>
+        </p:txBody>
+      </p:sp>
+      <p:sp>
+        <p:nvSpPr>
+          <p:cNvPr id="15" name="Shape 230"/>
+          <p:cNvSpPr/>
+          <p:nvPr/>
+        </p:nvSpPr>
+        <p:spPr>
+          <a:xfrm>
+            <a:off x="4809823" y="7427937"/>
+            <a:ext cx="16067821" cy="1282330"/>
+          </a:xfrm>
+          <a:prstGeom prst="roundRect">
+            <a:avLst>
+              <a:gd name="adj" fmla="val 7944"/>
+            </a:avLst>
+          </a:prstGeom>
+          <a:ln w="50800">
+            <a:solidFill>
+              <a:srgbClr val="5B5854"/>
+            </a:solidFill>
+            <a:miter lim="400000"/>
+          </a:ln>
+        </p:spPr>
+        <p:txBody>
+          <a:bodyPr lIns="50800" tIns="50800" rIns="50800" bIns="50800" anchor="ctr"/>
+          <a:lstStyle/>
+          <a:p>
+            <a:pPr algn="ctr">
+              <a:lnSpc>
+                <a:spcPct val="80000"/>
+              </a:lnSpc>
+              <a:spcBef>
+                <a:spcPts val="0"/>
+              </a:spcBef>
+              <a:defRPr sz="100" cap="all">
+                <a:solidFill>
+                  <a:srgbClr val="FFFFFF"/>
+                </a:solidFill>
+                <a:latin typeface="+mn-lt"/>
+                <a:ea typeface="+mn-ea"/>
+                <a:cs typeface="+mn-cs"/>
+                <a:sym typeface="DIN Condensed"/>
+              </a:defRPr>
+            </a:pPr>
+            <a:endParaRPr/>
+          </a:p>
+        </p:txBody>
+      </p:sp>
+      <p:sp>
+        <p:nvSpPr>
+          <p:cNvPr id="16" name="CuadroTexto 15"/>
+          <p:cNvSpPr txBox="1"/>
+          <p:nvPr/>
+        </p:nvSpPr>
+        <p:spPr>
+          <a:xfrm>
+            <a:off x="5362867" y="7112147"/>
+            <a:ext cx="14713527" cy="2128788"/>
+          </a:xfrm>
+          <a:prstGeom prst="rect">
+            <a:avLst/>
+          </a:prstGeom>
+          <a:noFill/>
+          <a:ln w="12700" cap="flat">
+            <a:noFill/>
+            <a:miter lim="400000"/>
+          </a:ln>
+          <a:effectLst/>
+          <a:sp3d/>
+        </p:spPr>
+        <p:style>
+          <a:lnRef idx="0">
+            <a:scrgbClr r="0" g="0" b="0"/>
+          </a:lnRef>
+          <a:fillRef idx="0">
+            <a:scrgbClr r="0" g="0" b="0"/>
+          </a:fillRef>
+          <a:effectRef idx="0">
+            <a:scrgbClr r="0" g="0" b="0"/>
+          </a:effectRef>
+          <a:fontRef idx="none"/>
+        </p:style>
+        <p:txBody>
+          <a:bodyPr rot="0" spcFirstLastPara="1" vertOverflow="overflow" horzOverflow="overflow" vert="horz" wrap="square" lIns="50800" tIns="50800" rIns="50800" bIns="50800" numCol="1" spcCol="38100" rtlCol="0" anchor="ctr">
+            <a:spAutoFit/>
+          </a:bodyPr>
+          <a:lstStyle/>
+          <a:p>
+            <a:pPr algn="just"/>
+            <a:r>
+              <a:rPr lang="es-ES_tradnl" sz="2500" dirty="0">
+                <a:solidFill>
+                  <a:srgbClr val="00000A"/>
+                </a:solidFill>
+                <a:uFill>
+                  <a:solidFill>
+                    <a:srgbClr val="00000A"/>
+                  </a:solidFill>
+                </a:uFill>
+                <a:latin typeface="Helvetica Neue"/>
+                <a:ea typeface="Helvetica Neue"/>
+                <a:cs typeface="Helvetica Neue"/>
+              </a:rPr>
+              <a:t>Controlar los plazos de entrega y fomentar la comunicación entre los integrantes del grupo a fin de evitar duplicidades o dejar temas sin abordar por no tener persona asignada. </a:t>
+            </a:r>
+            <a:endParaRPr lang="es-ES" sz="2500" dirty="0">
+              <a:solidFill>
+                <a:srgbClr val="00000A"/>
+              </a:solidFill>
+              <a:uFill>
+                <a:solidFill>
+                  <a:srgbClr val="00000A"/>
+                </a:solidFill>
+              </a:uFill>
+              <a:latin typeface="Helvetica Neue"/>
+              <a:ea typeface="Helvetica Neue"/>
+              <a:cs typeface="Helvetica Neue"/>
+            </a:endParaRPr>
+          </a:p>
+          <a:p>
+            <a:pPr algn="just"/>
+            <a:endParaRPr lang="es-ES" sz="2500" dirty="0">
+              <a:solidFill>
+                <a:srgbClr val="00000A"/>
+              </a:solidFill>
+              <a:uFill>
+                <a:solidFill>
+                  <a:srgbClr val="00000A"/>
+                </a:solidFill>
+              </a:uFill>
+              <a:latin typeface="Helvetica Neue"/>
+              <a:ea typeface="Helvetica Neue"/>
+              <a:cs typeface="Helvetica Neue"/>
+            </a:endParaRPr>
+          </a:p>
+        </p:txBody>
+      </p:sp>
+      <p:sp>
+        <p:nvSpPr>
+          <p:cNvPr id="17" name="Shape 249"/>
+          <p:cNvSpPr/>
+          <p:nvPr/>
+        </p:nvSpPr>
+        <p:spPr>
+          <a:xfrm>
+            <a:off x="10369535" y="8941008"/>
+            <a:ext cx="4831796" cy="771399"/>
+          </a:xfrm>
+          <a:prstGeom prst="roundRect">
+            <a:avLst>
+              <a:gd name="adj" fmla="val 33536"/>
+            </a:avLst>
+          </a:prstGeom>
+          <a:solidFill>
+            <a:srgbClr val="BA6B89"/>
+          </a:solidFill>
+          <a:ln w="12700">
+            <a:miter lim="400000"/>
+          </a:ln>
+        </p:spPr>
+        <p:txBody>
+          <a:bodyPr lIns="50800" tIns="50800" rIns="50800" bIns="50800" anchor="ctr"/>
+          <a:lstStyle/>
+          <a:p>
+            <a:pPr algn="ctr">
+              <a:lnSpc>
+                <a:spcPct val="80000"/>
+              </a:lnSpc>
+              <a:spcBef>
+                <a:spcPts val="0"/>
+              </a:spcBef>
+              <a:defRPr sz="4000" cap="all">
+                <a:solidFill>
+                  <a:srgbClr val="FFFFFF"/>
+                </a:solidFill>
+                <a:latin typeface="+mn-lt"/>
+                <a:ea typeface="+mn-ea"/>
+                <a:cs typeface="+mn-cs"/>
+                <a:sym typeface="DIN Condensed"/>
+              </a:defRPr>
+            </a:pPr>
+            <a:endParaRPr/>
+          </a:p>
+        </p:txBody>
+      </p:sp>
+      <p:sp>
+        <p:nvSpPr>
+          <p:cNvPr id="18" name="Shape 250"/>
+          <p:cNvSpPr/>
+          <p:nvPr/>
+        </p:nvSpPr>
+        <p:spPr>
+          <a:xfrm>
+            <a:off x="10488502" y="9014731"/>
+            <a:ext cx="4712829" cy="564257"/>
+          </a:xfrm>
+          <a:prstGeom prst="rect">
+            <a:avLst/>
+          </a:prstGeom>
+          <a:ln w="12700">
+            <a:miter lim="400000"/>
+          </a:ln>
+          <a:extLst>
+            <a:ext uri="{C572A759-6A51-4108-AA02-DFA0A04FC94B}">
+              <ma14:wrappingTextBoxFlag xmlns="" xmlns:ma14="http://schemas.microsoft.com/office/mac/drawingml/2011/main" val="1"/>
+            </a:ext>
+          </a:extLst>
+        </p:spPr>
+        <p:txBody>
+          <a:bodyPr wrap="none" lIns="50800" tIns="50800" rIns="50800" bIns="50800" anchor="ctr">
+            <a:spAutoFit/>
+          </a:bodyPr>
+          <a:lstStyle>
+            <a:lvl1pPr>
+              <a:defRPr>
+                <a:solidFill>
+                  <a:srgbClr val="FFFFFF"/>
+                </a:solidFill>
+              </a:defRPr>
+            </a:lvl1pPr>
+          </a:lstStyle>
+          <a:p>
+            <a:pPr lvl="1" indent="0"/>
+            <a:r>
+              <a:rPr lang="es-ES_tradnl" dirty="0" smtClean="0">
+                <a:solidFill>
+                  <a:srgbClr val="FFFFFF"/>
+                </a:solidFill>
+              </a:rPr>
+              <a:t>2.0.3 </a:t>
+            </a:r>
+            <a:r>
+              <a:rPr lang="es-ES" dirty="0">
+                <a:solidFill>
+                  <a:srgbClr val="FFFFFF"/>
+                </a:solidFill>
+              </a:rPr>
+              <a:t>Plan de Contingencia</a:t>
+            </a:r>
+          </a:p>
+        </p:txBody>
+      </p:sp>
+      <p:sp>
+        <p:nvSpPr>
+          <p:cNvPr id="19" name="Shape 230"/>
+          <p:cNvSpPr/>
+          <p:nvPr/>
+        </p:nvSpPr>
+        <p:spPr>
+          <a:xfrm>
+            <a:off x="4809823" y="10115681"/>
+            <a:ext cx="16067821" cy="2447104"/>
+          </a:xfrm>
+          <a:prstGeom prst="roundRect">
+            <a:avLst>
+              <a:gd name="adj" fmla="val 7944"/>
+            </a:avLst>
+          </a:prstGeom>
+          <a:ln w="50800">
+            <a:solidFill>
+              <a:srgbClr val="5B5854"/>
+            </a:solidFill>
+            <a:miter lim="400000"/>
+          </a:ln>
+        </p:spPr>
+        <p:txBody>
+          <a:bodyPr lIns="50800" tIns="50800" rIns="50800" bIns="50800" anchor="ctr"/>
+          <a:lstStyle/>
+          <a:p>
+            <a:pPr algn="ctr">
+              <a:lnSpc>
+                <a:spcPct val="80000"/>
+              </a:lnSpc>
+              <a:spcBef>
+                <a:spcPts val="0"/>
+              </a:spcBef>
+              <a:defRPr sz="100" cap="all">
+                <a:solidFill>
+                  <a:srgbClr val="FFFFFF"/>
+                </a:solidFill>
+                <a:latin typeface="+mn-lt"/>
+                <a:ea typeface="+mn-ea"/>
+                <a:cs typeface="+mn-cs"/>
+                <a:sym typeface="DIN Condensed"/>
+              </a:defRPr>
+            </a:pPr>
+            <a:endParaRPr/>
+          </a:p>
+        </p:txBody>
+      </p:sp>
+      <p:sp>
+        <p:nvSpPr>
+          <p:cNvPr id="20" name="CuadroTexto 19"/>
+          <p:cNvSpPr txBox="1"/>
+          <p:nvPr/>
+        </p:nvSpPr>
+        <p:spPr>
+          <a:xfrm>
+            <a:off x="5362867" y="10170082"/>
+            <a:ext cx="15114152" cy="2590453"/>
+          </a:xfrm>
+          <a:prstGeom prst="rect">
+            <a:avLst/>
+          </a:prstGeom>
+          <a:noFill/>
+          <a:ln w="12700" cap="flat">
+            <a:noFill/>
+            <a:miter lim="400000"/>
+          </a:ln>
+          <a:effectLst/>
+          <a:sp3d/>
+        </p:spPr>
+        <p:style>
+          <a:lnRef idx="0">
+            <a:scrgbClr r="0" g="0" b="0"/>
+          </a:lnRef>
+          <a:fillRef idx="0">
+            <a:scrgbClr r="0" g="0" b="0"/>
+          </a:fillRef>
+          <a:effectRef idx="0">
+            <a:scrgbClr r="0" g="0" b="0"/>
+          </a:effectRef>
+          <a:fontRef idx="none"/>
+        </p:style>
+        <p:txBody>
+          <a:bodyPr rot="0" spcFirstLastPara="1" vertOverflow="overflow" horzOverflow="overflow" vert="horz" wrap="square" lIns="50800" tIns="50800" rIns="50800" bIns="50800" numCol="1" spcCol="38100" rtlCol="0" anchor="ctr">
+            <a:spAutoFit/>
+          </a:bodyPr>
+          <a:lstStyle/>
+          <a:p>
+            <a:r>
+              <a:rPr lang="es-ES" sz="2500" dirty="0">
+                <a:solidFill>
+                  <a:srgbClr val="00000A"/>
+                </a:solidFill>
+                <a:uFill>
+                  <a:solidFill>
+                    <a:srgbClr val="00000A"/>
+                  </a:solidFill>
+                </a:uFill>
+                <a:latin typeface="Helvetica Neue"/>
+                <a:ea typeface="Helvetica Neue"/>
+                <a:cs typeface="Helvetica Neue"/>
+              </a:rPr>
+              <a:t>Redimensionar la carga de trabajo de manera equitativa entre los integrantes con el fin de </a:t>
+            </a:r>
+            <a:r>
+              <a:rPr lang="es-ES" sz="2500" dirty="0" smtClean="0">
+                <a:solidFill>
+                  <a:srgbClr val="00000A"/>
+                </a:solidFill>
+                <a:uFill>
+                  <a:solidFill>
+                    <a:srgbClr val="00000A"/>
+                  </a:solidFill>
+                </a:uFill>
+                <a:latin typeface="Helvetica Neue"/>
+                <a:ea typeface="Helvetica Neue"/>
+                <a:cs typeface="Helvetica Neue"/>
+              </a:rPr>
+              <a:t>cumplir los </a:t>
+            </a:r>
+            <a:r>
+              <a:rPr lang="es-ES" sz="2500" dirty="0">
+                <a:solidFill>
+                  <a:srgbClr val="00000A"/>
+                </a:solidFill>
+                <a:uFill>
+                  <a:solidFill>
+                    <a:srgbClr val="00000A"/>
+                  </a:solidFill>
+                </a:uFill>
+                <a:latin typeface="Helvetica Neue"/>
+                <a:ea typeface="Helvetica Neue"/>
+                <a:cs typeface="Helvetica Neue"/>
+              </a:rPr>
+              <a:t>plazos </a:t>
+            </a:r>
+            <a:r>
+              <a:rPr lang="es-ES" sz="2500" dirty="0" smtClean="0">
+                <a:solidFill>
+                  <a:srgbClr val="00000A"/>
+                </a:solidFill>
+                <a:uFill>
+                  <a:solidFill>
+                    <a:srgbClr val="00000A"/>
+                  </a:solidFill>
+                </a:uFill>
+                <a:latin typeface="Helvetica Neue"/>
+                <a:ea typeface="Helvetica Neue"/>
+                <a:cs typeface="Helvetica Neue"/>
+              </a:rPr>
+              <a:t>estimados.                                                                                                                                         Reconfigurar </a:t>
+            </a:r>
+            <a:r>
+              <a:rPr lang="es-ES" sz="2500" dirty="0">
+                <a:solidFill>
+                  <a:srgbClr val="00000A"/>
+                </a:solidFill>
+                <a:uFill>
+                  <a:solidFill>
+                    <a:srgbClr val="00000A"/>
+                  </a:solidFill>
+                </a:uFill>
+                <a:latin typeface="Helvetica Neue"/>
+                <a:ea typeface="Helvetica Neue"/>
+                <a:cs typeface="Helvetica Neue"/>
+              </a:rPr>
+              <a:t>parte del proyecto para poder simplificar o modificar o eliminar algún aspecto del mismo.</a:t>
+            </a:r>
+          </a:p>
+          <a:p>
+            <a:pPr marL="0" marR="0" indent="0" algn="l" defTabSz="825500" rtl="0" fontAlgn="auto" latinLnBrk="0" hangingPunct="0">
+              <a:lnSpc>
+                <a:spcPct val="100000"/>
+              </a:lnSpc>
+              <a:spcBef>
+                <a:spcPts val="3400"/>
+              </a:spcBef>
+              <a:spcAft>
+                <a:spcPts val="0"/>
+              </a:spcAft>
+              <a:buClrTx/>
+              <a:buSzTx/>
+              <a:buFontTx/>
+              <a:buNone/>
+              <a:tabLst/>
+            </a:pPr>
+            <a:endParaRPr kumimoji="0" lang="es-ES" sz="3000" b="0" i="0" u="none" strike="noStrike" cap="none" spc="0" normalizeH="0" baseline="0" dirty="0">
+              <a:ln>
+                <a:noFill/>
+              </a:ln>
+              <a:solidFill>
+                <a:srgbClr val="838787"/>
+              </a:solidFill>
+              <a:effectLst/>
+              <a:uFillTx/>
+              <a:latin typeface="Avenir Next Medium"/>
+              <a:ea typeface="Avenir Next Medium"/>
+              <a:cs typeface="Avenir Next Medium"/>
+              <a:sym typeface="Avenir Next Medium"/>
+            </a:endParaRPr>
+          </a:p>
+        </p:txBody>
+      </p:sp>
+    </p:spTree>
+    <p:extLst>
+      <p:ext uri="{BB962C8B-B14F-4D97-AF65-F5344CB8AC3E}">
+        <p14:creationId xmlns:p14="http://schemas.microsoft.com/office/powerpoint/2010/main" val="52790690"/>
+      </p:ext>
+    </p:extLst>
+  </p:cSld>
+  <p:clrMapOvr>
+    <a:masterClrMapping/>
+  </p:clrMapOvr>
+  <p:transition spd="med"/>
+  <p:timing>
+    <p:tnLst>
+      <p:par>
+        <p:cTn id="1" dur="indefinite" restart="never" nodeType="tmRoot"/>
+      </p:par>
+    </p:tnLst>
+  </p:timing>
+</p:sld>
+</file>
+
+<file path=ppt/slides/slide12.xml><?xml version="1.0" encoding="utf-8"?>
+<p:sld xmlns:a="http://schemas.openxmlformats.org/drawingml/2006/main" xmlns:r="http://schemas.openxmlformats.org/officeDocument/2006/relationships" xmlns:p="http://schemas.openxmlformats.org/presentationml/2006/main">
+  <p:cSld>
+    <p:spTree>
+      <p:nvGrpSpPr>
+        <p:cNvPr id="1" name=""/>
+        <p:cNvGrpSpPr/>
+        <p:nvPr/>
+      </p:nvGrpSpPr>
+      <p:grpSpPr>
+        <a:xfrm>
+          <a:off x="0" y="0"/>
+          <a:ext cx="0" cy="0"/>
+          <a:chOff x="0" y="0"/>
+          <a:chExt cx="0" cy="0"/>
+        </a:xfrm>
+      </p:grpSpPr>
+      <p:pic>
+        <p:nvPicPr>
+          <p:cNvPr id="244" name="pasted-image.tiff"/>
+          <p:cNvPicPr>
+            <a:picLocks noChangeAspect="1"/>
+          </p:cNvPicPr>
+          <p:nvPr/>
+        </p:nvPicPr>
+        <p:blipFill>
+          <a:blip r:embed="rId2">
+            <a:extLst/>
+          </a:blip>
+          <a:stretch>
+            <a:fillRect/>
+          </a:stretch>
+        </p:blipFill>
+        <p:spPr>
+          <a:xfrm>
+            <a:off x="-816206" y="-529723"/>
+            <a:ext cx="26829216" cy="2397845"/>
+          </a:xfrm>
+          <a:prstGeom prst="rect">
+            <a:avLst/>
+          </a:prstGeom>
+          <a:ln w="12700">
+            <a:miter lim="400000"/>
+          </a:ln>
+        </p:spPr>
+      </p:pic>
+      <p:pic>
+        <p:nvPicPr>
+          <p:cNvPr id="245" name="pasted-image.tiff"/>
+          <p:cNvPicPr>
+            <a:picLocks noChangeAspect="1"/>
+          </p:cNvPicPr>
+          <p:nvPr/>
+        </p:nvPicPr>
+        <p:blipFill>
+          <a:blip r:embed="rId3">
+            <a:extLst/>
+          </a:blip>
+          <a:stretch>
+            <a:fillRect/>
+          </a:stretch>
+        </p:blipFill>
+        <p:spPr>
+          <a:xfrm>
+            <a:off x="20120528" y="596900"/>
+            <a:ext cx="2416329" cy="766806"/>
+          </a:xfrm>
+          <a:prstGeom prst="rect">
+            <a:avLst/>
+          </a:prstGeom>
+          <a:ln w="12700">
+            <a:miter lim="400000"/>
+          </a:ln>
+        </p:spPr>
+      </p:pic>
+      <p:sp>
+        <p:nvSpPr>
+          <p:cNvPr id="247" name="Shape 247"/>
+          <p:cNvSpPr/>
+          <p:nvPr/>
+        </p:nvSpPr>
+        <p:spPr>
+          <a:xfrm>
+            <a:off x="1044066" y="500292"/>
+            <a:ext cx="5392502" cy="795089"/>
+          </a:xfrm>
+          <a:prstGeom prst="rect">
+            <a:avLst/>
+          </a:prstGeom>
+          <a:ln w="12700">
+            <a:miter lim="400000"/>
+          </a:ln>
+          <a:extLst>
+            <a:ext uri="{C572A759-6A51-4108-AA02-DFA0A04FC94B}">
+              <ma14:wrappingTextBoxFlag xmlns="" xmlns:ma14="http://schemas.microsoft.com/office/mac/drawingml/2011/main" val="1"/>
+            </a:ext>
+          </a:extLst>
+        </p:spPr>
+        <p:txBody>
+          <a:bodyPr wrap="none" lIns="50800" tIns="50800" rIns="50800" bIns="50800" anchor="ctr">
+            <a:spAutoFit/>
+          </a:bodyPr>
+          <a:lstStyle>
+            <a:lvl1pPr>
+              <a:defRPr sz="4500">
+                <a:solidFill>
+                  <a:srgbClr val="FFFFFF"/>
+                </a:solidFill>
+                <a:latin typeface="Helvetica Neue"/>
+                <a:ea typeface="Helvetica Neue"/>
+                <a:cs typeface="Helvetica Neue"/>
+                <a:sym typeface="Helvetica Neue"/>
+              </a:defRPr>
+            </a:lvl1pPr>
+          </a:lstStyle>
+          <a:p>
+            <a:r>
+              <a:rPr lang="es-ES" dirty="0" smtClean="0"/>
+              <a:t>3</a:t>
+            </a:r>
+            <a:r>
+              <a:rPr dirty="0" smtClean="0"/>
+              <a:t>. </a:t>
+            </a:r>
+            <a:r>
+              <a:rPr lang="pt-PT" dirty="0"/>
+              <a:t>G</a:t>
+            </a:r>
+            <a:r>
+              <a:rPr lang="pt-PT" dirty="0" smtClean="0"/>
+              <a:t>esti</a:t>
+            </a:r>
+            <a:r>
+              <a:rPr lang="es-ES_tradnl" dirty="0" err="1"/>
+              <a:t>ón</a:t>
+            </a:r>
+            <a:r>
+              <a:rPr lang="es-ES_tradnl" dirty="0"/>
+              <a:t> del riesgo</a:t>
+            </a:r>
+            <a:endParaRPr dirty="0"/>
+          </a:p>
+        </p:txBody>
+      </p:sp>
+      <p:sp>
+        <p:nvSpPr>
+          <p:cNvPr id="249" name="Shape 249"/>
+          <p:cNvSpPr/>
+          <p:nvPr/>
+        </p:nvSpPr>
+        <p:spPr>
+          <a:xfrm>
+            <a:off x="8651067" y="2219816"/>
+            <a:ext cx="8298727" cy="771399"/>
+          </a:xfrm>
+          <a:prstGeom prst="roundRect">
+            <a:avLst>
+              <a:gd name="adj" fmla="val 33536"/>
+            </a:avLst>
+          </a:prstGeom>
+          <a:solidFill>
+            <a:srgbClr val="BA6B89"/>
+          </a:solidFill>
+          <a:ln w="12700">
+            <a:miter lim="400000"/>
+          </a:ln>
+        </p:spPr>
+        <p:txBody>
+          <a:bodyPr lIns="50800" tIns="50800" rIns="50800" bIns="50800" anchor="ctr"/>
+          <a:lstStyle/>
+          <a:p>
+            <a:pPr algn="ctr">
+              <a:lnSpc>
+                <a:spcPct val="80000"/>
+              </a:lnSpc>
+              <a:spcBef>
+                <a:spcPts val="0"/>
+              </a:spcBef>
+              <a:defRPr sz="4000" cap="all">
+                <a:solidFill>
+                  <a:srgbClr val="FFFFFF"/>
+                </a:solidFill>
+                <a:latin typeface="+mn-lt"/>
+                <a:ea typeface="+mn-ea"/>
+                <a:cs typeface="+mn-cs"/>
+                <a:sym typeface="DIN Condensed"/>
+              </a:defRPr>
+            </a:pPr>
+            <a:endParaRPr/>
+          </a:p>
+        </p:txBody>
+      </p:sp>
+      <p:sp>
+        <p:nvSpPr>
+          <p:cNvPr id="250" name="Shape 250"/>
+          <p:cNvSpPr/>
+          <p:nvPr/>
+        </p:nvSpPr>
+        <p:spPr>
+          <a:xfrm>
+            <a:off x="9345107" y="2323386"/>
+            <a:ext cx="6506589" cy="564257"/>
+          </a:xfrm>
+          <a:prstGeom prst="rect">
+            <a:avLst/>
+          </a:prstGeom>
+          <a:ln w="12700">
+            <a:miter lim="400000"/>
+          </a:ln>
+          <a:extLst>
+            <a:ext uri="{C572A759-6A51-4108-AA02-DFA0A04FC94B}">
+              <ma14:wrappingTextBoxFlag xmlns="" xmlns:ma14="http://schemas.microsoft.com/office/mac/drawingml/2011/main" val="1"/>
+            </a:ext>
+          </a:extLst>
+        </p:spPr>
+        <p:txBody>
+          <a:bodyPr wrap="none" lIns="50800" tIns="50800" rIns="50800" bIns="50800" anchor="ctr">
+            <a:spAutoFit/>
+          </a:bodyPr>
+          <a:lstStyle>
+            <a:lvl1pPr>
+              <a:defRPr>
+                <a:solidFill>
+                  <a:srgbClr val="FFFFFF"/>
+                </a:solidFill>
+              </a:defRPr>
+            </a:lvl1pPr>
+          </a:lstStyle>
+          <a:p>
+            <a:pPr lvl="1" indent="0"/>
+            <a:r>
+              <a:rPr lang="es-ES" dirty="0">
+                <a:solidFill>
+                  <a:srgbClr val="FFFFFF"/>
+                </a:solidFill>
+              </a:rPr>
+              <a:t>2.1 Riesgo: Fallos de implementación</a:t>
+            </a:r>
+            <a:endParaRPr lang="es-ES" dirty="0">
+              <a:solidFill>
+                <a:srgbClr val="FFFFFF"/>
+              </a:solidFill>
+            </a:endParaRPr>
+          </a:p>
+        </p:txBody>
+      </p:sp>
+      <p:sp>
+        <p:nvSpPr>
+          <p:cNvPr id="4" name="Marcador de número de diapositiva 3"/>
+          <p:cNvSpPr>
+            <a:spLocks noGrp="1"/>
+          </p:cNvSpPr>
+          <p:nvPr>
+            <p:ph type="sldNum" sz="quarter" idx="2"/>
+          </p:nvPr>
+        </p:nvSpPr>
+        <p:spPr/>
+        <p:txBody>
+          <a:bodyPr/>
+          <a:lstStyle/>
+          <a:p>
+            <a:fld id="{86CB4B4D-7CA3-9044-876B-883B54F8677D}" type="slidenum">
+              <a:rPr lang="es-ES" smtClean="0"/>
+              <a:t>12</a:t>
+            </a:fld>
+            <a:endParaRPr lang="es-ES"/>
+          </a:p>
+        </p:txBody>
+      </p:sp>
+      <p:sp>
+        <p:nvSpPr>
+          <p:cNvPr id="9" name="Shape 249"/>
+          <p:cNvSpPr/>
+          <p:nvPr/>
+        </p:nvSpPr>
+        <p:spPr>
+          <a:xfrm>
+            <a:off x="10889673" y="3342909"/>
+            <a:ext cx="3435928" cy="771399"/>
+          </a:xfrm>
+          <a:prstGeom prst="roundRect">
+            <a:avLst>
+              <a:gd name="adj" fmla="val 33536"/>
+            </a:avLst>
+          </a:prstGeom>
+          <a:solidFill>
+            <a:srgbClr val="BA6B89"/>
+          </a:solidFill>
+          <a:ln w="12700">
+            <a:miter lim="400000"/>
+          </a:ln>
+        </p:spPr>
+        <p:txBody>
+          <a:bodyPr lIns="50800" tIns="50800" rIns="50800" bIns="50800" anchor="ctr"/>
+          <a:lstStyle/>
+          <a:p>
+            <a:pPr algn="ctr">
+              <a:lnSpc>
+                <a:spcPct val="80000"/>
+              </a:lnSpc>
+              <a:spcBef>
+                <a:spcPts val="0"/>
+              </a:spcBef>
+              <a:defRPr sz="4000" cap="all">
+                <a:solidFill>
+                  <a:srgbClr val="FFFFFF"/>
+                </a:solidFill>
+                <a:latin typeface="+mn-lt"/>
+                <a:ea typeface="+mn-ea"/>
+                <a:cs typeface="+mn-cs"/>
+                <a:sym typeface="DIN Condensed"/>
+              </a:defRPr>
+            </a:pPr>
+            <a:endParaRPr/>
+          </a:p>
+        </p:txBody>
+      </p:sp>
+      <p:sp>
+        <p:nvSpPr>
+          <p:cNvPr id="10" name="Shape 250"/>
+          <p:cNvSpPr/>
+          <p:nvPr/>
+        </p:nvSpPr>
+        <p:spPr>
+          <a:xfrm>
+            <a:off x="11233060" y="3446479"/>
+            <a:ext cx="2877391" cy="564257"/>
+          </a:xfrm>
+          <a:prstGeom prst="rect">
+            <a:avLst/>
+          </a:prstGeom>
+          <a:ln w="12700">
+            <a:miter lim="400000"/>
+          </a:ln>
+          <a:extLst>
+            <a:ext uri="{C572A759-6A51-4108-AA02-DFA0A04FC94B}">
+              <ma14:wrappingTextBoxFlag xmlns="" xmlns:ma14="http://schemas.microsoft.com/office/mac/drawingml/2011/main" val="1"/>
+            </a:ext>
+          </a:extLst>
+        </p:spPr>
+        <p:txBody>
+          <a:bodyPr wrap="none" lIns="50800" tIns="50800" rIns="50800" bIns="50800" anchor="ctr">
+            <a:spAutoFit/>
+          </a:bodyPr>
+          <a:lstStyle>
+            <a:lvl1pPr>
+              <a:defRPr>
+                <a:solidFill>
+                  <a:srgbClr val="FFFFFF"/>
+                </a:solidFill>
+              </a:defRPr>
+            </a:lvl1pPr>
+          </a:lstStyle>
+          <a:p>
+            <a:pPr lvl="1" indent="0"/>
+            <a:r>
+              <a:rPr lang="es-ES_tradnl" dirty="0" smtClean="0">
+                <a:solidFill>
+                  <a:srgbClr val="FFFFFF"/>
+                </a:solidFill>
+              </a:rPr>
+              <a:t>2.1.1 </a:t>
+            </a:r>
+            <a:r>
+              <a:rPr lang="es-ES" dirty="0" smtClean="0">
+                <a:solidFill>
+                  <a:srgbClr val="FFFFFF"/>
+                </a:solidFill>
+              </a:rPr>
+              <a:t>Reducción</a:t>
+            </a:r>
+            <a:endParaRPr lang="es-ES" dirty="0">
+              <a:solidFill>
+                <a:srgbClr val="FFFFFF"/>
+              </a:solidFill>
+            </a:endParaRPr>
+          </a:p>
+        </p:txBody>
+      </p:sp>
+      <p:sp>
+        <p:nvSpPr>
+          <p:cNvPr id="11" name="Shape 230"/>
+          <p:cNvSpPr/>
+          <p:nvPr/>
+        </p:nvSpPr>
+        <p:spPr>
+          <a:xfrm>
+            <a:off x="4809823" y="4477226"/>
+            <a:ext cx="16067821" cy="2321167"/>
+          </a:xfrm>
+          <a:prstGeom prst="roundRect">
+            <a:avLst>
+              <a:gd name="adj" fmla="val 7944"/>
+            </a:avLst>
+          </a:prstGeom>
+          <a:ln w="50800">
+            <a:solidFill>
+              <a:srgbClr val="5B5854"/>
+            </a:solidFill>
+            <a:miter lim="400000"/>
+          </a:ln>
+        </p:spPr>
+        <p:txBody>
+          <a:bodyPr lIns="50800" tIns="50800" rIns="50800" bIns="50800" anchor="ctr"/>
+          <a:lstStyle/>
+          <a:p>
+            <a:pPr algn="ctr">
+              <a:lnSpc>
+                <a:spcPct val="80000"/>
+              </a:lnSpc>
+              <a:spcBef>
+                <a:spcPts val="0"/>
+              </a:spcBef>
+              <a:defRPr sz="100" cap="all">
+                <a:solidFill>
+                  <a:srgbClr val="FFFFFF"/>
+                </a:solidFill>
+                <a:latin typeface="+mn-lt"/>
+                <a:ea typeface="+mn-ea"/>
+                <a:cs typeface="+mn-cs"/>
+                <a:sym typeface="DIN Condensed"/>
+              </a:defRPr>
+            </a:pPr>
+            <a:endParaRPr/>
+          </a:p>
+        </p:txBody>
+      </p:sp>
+      <p:sp>
+        <p:nvSpPr>
+          <p:cNvPr id="2" name="CuadroTexto 1"/>
+          <p:cNvSpPr txBox="1"/>
+          <p:nvPr/>
+        </p:nvSpPr>
+        <p:spPr>
+          <a:xfrm>
+            <a:off x="5763492" y="4199596"/>
+            <a:ext cx="15114152" cy="2513509"/>
+          </a:xfrm>
+          <a:prstGeom prst="rect">
+            <a:avLst/>
+          </a:prstGeom>
+          <a:noFill/>
+          <a:ln w="12700" cap="flat">
+            <a:noFill/>
+            <a:miter lim="400000"/>
+          </a:ln>
+          <a:effectLst/>
+          <a:sp3d/>
+        </p:spPr>
+        <p:style>
+          <a:lnRef idx="0">
+            <a:scrgbClr r="0" g="0" b="0"/>
+          </a:lnRef>
+          <a:fillRef idx="0">
+            <a:scrgbClr r="0" g="0" b="0"/>
+          </a:fillRef>
+          <a:effectRef idx="0">
+            <a:scrgbClr r="0" g="0" b="0"/>
+          </a:effectRef>
+          <a:fontRef idx="none"/>
+        </p:style>
+        <p:txBody>
+          <a:bodyPr rot="0" spcFirstLastPara="1" vertOverflow="overflow" horzOverflow="overflow" vert="horz" wrap="square" lIns="50800" tIns="50800" rIns="50800" bIns="50800" numCol="1" spcCol="38100" rtlCol="0" anchor="ctr">
+            <a:spAutoFit/>
+          </a:bodyPr>
+          <a:lstStyle/>
+          <a:p>
+            <a:r>
+              <a:rPr lang="es-ES" sz="2500" dirty="0">
+                <a:solidFill>
+                  <a:srgbClr val="00000A"/>
+                </a:solidFill>
+                <a:uFill>
+                  <a:solidFill>
+                    <a:srgbClr val="00000A"/>
+                  </a:solidFill>
+                </a:uFill>
+                <a:latin typeface="Helvetica Neue"/>
+                <a:ea typeface="Helvetica Neue"/>
+                <a:cs typeface="Helvetica Neue"/>
+              </a:rPr>
+              <a:t>Al comienzo de cada módulo se releen con atención los requisitos para asegurarnos de que la programación se ajuste a ellos. </a:t>
+            </a:r>
+          </a:p>
+          <a:p>
+            <a:pPr algn="just"/>
+            <a:r>
+              <a:rPr lang="es-ES" sz="2500" dirty="0">
+                <a:solidFill>
+                  <a:srgbClr val="00000A"/>
+                </a:solidFill>
+                <a:uFill>
+                  <a:solidFill>
+                    <a:srgbClr val="00000A"/>
+                  </a:solidFill>
+                </a:uFill>
+                <a:latin typeface="Helvetica Neue"/>
+                <a:ea typeface="Helvetica Neue"/>
+                <a:cs typeface="Helvetica Neue"/>
+              </a:rPr>
+              <a:t>Aumentar la frecuencia de las pruebas y revisiones disminuirá el posible impacto que pueda tener un fallo sobre el resto del proyecto. </a:t>
+            </a:r>
+            <a:endParaRPr kumimoji="0" lang="es-ES" sz="3000" b="0" i="0" u="none" strike="noStrike" cap="none" spc="0" normalizeH="0" baseline="0" dirty="0">
+              <a:ln>
+                <a:noFill/>
+              </a:ln>
+              <a:solidFill>
+                <a:srgbClr val="838787"/>
+              </a:solidFill>
+              <a:effectLst/>
+              <a:uFillTx/>
+              <a:latin typeface="Avenir Next Medium"/>
+              <a:ea typeface="Avenir Next Medium"/>
+              <a:cs typeface="Avenir Next Medium"/>
+              <a:sym typeface="Avenir Next Medium"/>
+            </a:endParaRPr>
+          </a:p>
+        </p:txBody>
+      </p:sp>
+      <p:sp>
+        <p:nvSpPr>
+          <p:cNvPr id="21" name="Shape 249"/>
+          <p:cNvSpPr/>
+          <p:nvPr/>
+        </p:nvSpPr>
+        <p:spPr>
+          <a:xfrm>
+            <a:off x="10889673" y="7071098"/>
+            <a:ext cx="3435928" cy="771399"/>
+          </a:xfrm>
+          <a:prstGeom prst="roundRect">
+            <a:avLst>
+              <a:gd name="adj" fmla="val 33536"/>
+            </a:avLst>
+          </a:prstGeom>
+          <a:solidFill>
+            <a:srgbClr val="BA6B89"/>
+          </a:solidFill>
+          <a:ln w="12700">
+            <a:miter lim="400000"/>
+          </a:ln>
+        </p:spPr>
+        <p:txBody>
+          <a:bodyPr lIns="50800" tIns="50800" rIns="50800" bIns="50800" anchor="ctr"/>
+          <a:lstStyle/>
+          <a:p>
+            <a:pPr algn="ctr">
+              <a:lnSpc>
+                <a:spcPct val="80000"/>
+              </a:lnSpc>
+              <a:spcBef>
+                <a:spcPts val="0"/>
+              </a:spcBef>
+              <a:defRPr sz="4000" cap="all">
+                <a:solidFill>
+                  <a:srgbClr val="FFFFFF"/>
+                </a:solidFill>
+                <a:latin typeface="+mn-lt"/>
+                <a:ea typeface="+mn-ea"/>
+                <a:cs typeface="+mn-cs"/>
+                <a:sym typeface="DIN Condensed"/>
+              </a:defRPr>
+            </a:pPr>
+            <a:endParaRPr/>
+          </a:p>
+        </p:txBody>
+      </p:sp>
+      <p:sp>
+        <p:nvSpPr>
+          <p:cNvPr id="22" name="Shape 250"/>
+          <p:cNvSpPr/>
+          <p:nvPr/>
+        </p:nvSpPr>
+        <p:spPr>
+          <a:xfrm>
+            <a:off x="11136879" y="7203105"/>
+            <a:ext cx="3069751" cy="564257"/>
+          </a:xfrm>
+          <a:prstGeom prst="rect">
+            <a:avLst/>
+          </a:prstGeom>
+          <a:ln w="12700">
+            <a:miter lim="400000"/>
+          </a:ln>
+          <a:extLst>
+            <a:ext uri="{C572A759-6A51-4108-AA02-DFA0A04FC94B}">
+              <ma14:wrappingTextBoxFlag xmlns="" xmlns:ma14="http://schemas.microsoft.com/office/mac/drawingml/2011/main" val="1"/>
+            </a:ext>
+          </a:extLst>
+        </p:spPr>
+        <p:txBody>
+          <a:bodyPr wrap="none" lIns="50800" tIns="50800" rIns="50800" bIns="50800" anchor="ctr">
+            <a:spAutoFit/>
+          </a:bodyPr>
+          <a:lstStyle>
+            <a:lvl1pPr>
+              <a:defRPr>
+                <a:solidFill>
+                  <a:srgbClr val="FFFFFF"/>
+                </a:solidFill>
+              </a:defRPr>
+            </a:lvl1pPr>
+          </a:lstStyle>
+          <a:p>
+            <a:pPr lvl="1" indent="0"/>
+            <a:r>
+              <a:rPr lang="es-ES" dirty="0" smtClean="0">
+                <a:solidFill>
+                  <a:srgbClr val="FFFFFF"/>
+                </a:solidFill>
+              </a:rPr>
+              <a:t>2.1.2 </a:t>
+            </a:r>
+            <a:r>
+              <a:rPr lang="es-ES" dirty="0" smtClean="0">
+                <a:solidFill>
+                  <a:srgbClr val="FFFFFF"/>
+                </a:solidFill>
+              </a:rPr>
+              <a:t>Supervisión</a:t>
+            </a:r>
+            <a:endParaRPr lang="es-ES" dirty="0">
+              <a:solidFill>
+                <a:srgbClr val="FFFFFF"/>
+              </a:solidFill>
+            </a:endParaRPr>
+          </a:p>
+        </p:txBody>
+      </p:sp>
+      <p:sp>
+        <p:nvSpPr>
+          <p:cNvPr id="23" name="Shape 230"/>
+          <p:cNvSpPr/>
+          <p:nvPr/>
+        </p:nvSpPr>
+        <p:spPr>
+          <a:xfrm>
+            <a:off x="4809823" y="8188608"/>
+            <a:ext cx="16067821" cy="1282330"/>
+          </a:xfrm>
+          <a:prstGeom prst="roundRect">
+            <a:avLst>
+              <a:gd name="adj" fmla="val 7944"/>
+            </a:avLst>
+          </a:prstGeom>
+          <a:ln w="50800">
+            <a:solidFill>
+              <a:srgbClr val="5B5854"/>
+            </a:solidFill>
+            <a:miter lim="400000"/>
+          </a:ln>
+        </p:spPr>
+        <p:txBody>
+          <a:bodyPr lIns="50800" tIns="50800" rIns="50800" bIns="50800" anchor="ctr"/>
+          <a:lstStyle/>
+          <a:p>
+            <a:pPr algn="ctr">
+              <a:lnSpc>
+                <a:spcPct val="80000"/>
+              </a:lnSpc>
+              <a:spcBef>
+                <a:spcPts val="0"/>
+              </a:spcBef>
+              <a:defRPr sz="100" cap="all">
+                <a:solidFill>
+                  <a:srgbClr val="FFFFFF"/>
+                </a:solidFill>
+                <a:latin typeface="+mn-lt"/>
+                <a:ea typeface="+mn-ea"/>
+                <a:cs typeface="+mn-cs"/>
+                <a:sym typeface="DIN Condensed"/>
+              </a:defRPr>
+            </a:pPr>
+            <a:endParaRPr/>
+          </a:p>
+        </p:txBody>
+      </p:sp>
+      <p:sp>
+        <p:nvSpPr>
+          <p:cNvPr id="24" name="CuadroTexto 23"/>
+          <p:cNvSpPr txBox="1"/>
+          <p:nvPr/>
+        </p:nvSpPr>
+        <p:spPr>
+          <a:xfrm>
+            <a:off x="5763492" y="8103320"/>
+            <a:ext cx="14713527" cy="923330"/>
+          </a:xfrm>
+          <a:prstGeom prst="rect">
+            <a:avLst/>
+          </a:prstGeom>
+          <a:noFill/>
+          <a:ln w="12700" cap="flat">
+            <a:noFill/>
+            <a:miter lim="400000"/>
+          </a:ln>
+          <a:effectLst/>
+          <a:sp3d/>
+        </p:spPr>
+        <p:style>
+          <a:lnRef idx="0">
+            <a:scrgbClr r="0" g="0" b="0"/>
+          </a:lnRef>
+          <a:fillRef idx="0">
+            <a:scrgbClr r="0" g="0" b="0"/>
+          </a:fillRef>
+          <a:effectRef idx="0">
+            <a:scrgbClr r="0" g="0" b="0"/>
+          </a:effectRef>
+          <a:fontRef idx="none"/>
+        </p:style>
+        <p:txBody>
+          <a:bodyPr rot="0" spcFirstLastPara="1" vertOverflow="overflow" horzOverflow="overflow" vert="horz" wrap="square" lIns="50800" tIns="50800" rIns="50800" bIns="50800" numCol="1" spcCol="38100" rtlCol="0" anchor="ctr">
+            <a:spAutoFit/>
+          </a:bodyPr>
+          <a:lstStyle/>
+          <a:p>
+            <a:pPr algn="just"/>
+            <a:r>
+              <a:rPr lang="es-ES" sz="2500" dirty="0">
+                <a:solidFill>
+                  <a:srgbClr val="00000A"/>
+                </a:solidFill>
+                <a:uFill>
+                  <a:solidFill>
+                    <a:srgbClr val="00000A"/>
+                  </a:solidFill>
+                </a:uFill>
+                <a:latin typeface="Helvetica Neue"/>
+                <a:ea typeface="Helvetica Neue"/>
+                <a:cs typeface="Helvetica Neue"/>
+              </a:rPr>
+              <a:t>Diseñar una batería de pruebas para poder medir el correcto funcionamiento del sistema.</a:t>
+            </a:r>
+            <a:endParaRPr lang="es-ES" sz="2500" dirty="0">
+              <a:solidFill>
+                <a:srgbClr val="00000A"/>
+              </a:solidFill>
+              <a:uFill>
+                <a:solidFill>
+                  <a:srgbClr val="00000A"/>
+                </a:solidFill>
+              </a:uFill>
+              <a:latin typeface="Helvetica Neue"/>
+              <a:ea typeface="Helvetica Neue"/>
+              <a:cs typeface="Helvetica Neue"/>
+            </a:endParaRPr>
+          </a:p>
+        </p:txBody>
+      </p:sp>
+      <p:sp>
+        <p:nvSpPr>
+          <p:cNvPr id="25" name="Shape 249"/>
+          <p:cNvSpPr/>
+          <p:nvPr/>
+        </p:nvSpPr>
+        <p:spPr>
+          <a:xfrm>
+            <a:off x="10325993" y="9778885"/>
+            <a:ext cx="4831796" cy="771399"/>
+          </a:xfrm>
+          <a:prstGeom prst="roundRect">
+            <a:avLst>
+              <a:gd name="adj" fmla="val 33536"/>
+            </a:avLst>
+          </a:prstGeom>
+          <a:solidFill>
+            <a:srgbClr val="BA6B89"/>
+          </a:solidFill>
+          <a:ln w="12700">
+            <a:miter lim="400000"/>
+          </a:ln>
+        </p:spPr>
+        <p:txBody>
+          <a:bodyPr lIns="50800" tIns="50800" rIns="50800" bIns="50800" anchor="ctr"/>
+          <a:lstStyle/>
+          <a:p>
+            <a:pPr algn="ctr">
+              <a:lnSpc>
+                <a:spcPct val="80000"/>
+              </a:lnSpc>
+              <a:spcBef>
+                <a:spcPts val="0"/>
+              </a:spcBef>
+              <a:defRPr sz="4000" cap="all">
+                <a:solidFill>
+                  <a:srgbClr val="FFFFFF"/>
+                </a:solidFill>
+                <a:latin typeface="+mn-lt"/>
+                <a:ea typeface="+mn-ea"/>
+                <a:cs typeface="+mn-cs"/>
+                <a:sym typeface="DIN Condensed"/>
+              </a:defRPr>
+            </a:pPr>
+            <a:endParaRPr/>
+          </a:p>
+        </p:txBody>
+      </p:sp>
+      <p:sp>
+        <p:nvSpPr>
+          <p:cNvPr id="26" name="Shape 250"/>
+          <p:cNvSpPr/>
+          <p:nvPr/>
+        </p:nvSpPr>
+        <p:spPr>
+          <a:xfrm>
+            <a:off x="10444960" y="9852608"/>
+            <a:ext cx="4712829" cy="564257"/>
+          </a:xfrm>
+          <a:prstGeom prst="rect">
+            <a:avLst/>
+          </a:prstGeom>
+          <a:ln w="12700">
+            <a:miter lim="400000"/>
+          </a:ln>
+          <a:extLst>
+            <a:ext uri="{C572A759-6A51-4108-AA02-DFA0A04FC94B}">
+              <ma14:wrappingTextBoxFlag xmlns="" xmlns:ma14="http://schemas.microsoft.com/office/mac/drawingml/2011/main" val="1"/>
+            </a:ext>
+          </a:extLst>
+        </p:spPr>
+        <p:txBody>
+          <a:bodyPr wrap="none" lIns="50800" tIns="50800" rIns="50800" bIns="50800" anchor="ctr">
+            <a:spAutoFit/>
+          </a:bodyPr>
+          <a:lstStyle>
+            <a:lvl1pPr>
+              <a:defRPr>
+                <a:solidFill>
+                  <a:srgbClr val="FFFFFF"/>
+                </a:solidFill>
+              </a:defRPr>
+            </a:lvl1pPr>
+          </a:lstStyle>
+          <a:p>
+            <a:pPr lvl="1" indent="0"/>
+            <a:r>
+              <a:rPr lang="es-ES_tradnl" dirty="0" smtClean="0">
+                <a:solidFill>
+                  <a:srgbClr val="FFFFFF"/>
+                </a:solidFill>
+              </a:rPr>
+              <a:t>2.1.3 </a:t>
+            </a:r>
+            <a:r>
+              <a:rPr lang="es-ES" dirty="0">
+                <a:solidFill>
+                  <a:srgbClr val="FFFFFF"/>
+                </a:solidFill>
+              </a:rPr>
+              <a:t>Plan de Contingencia</a:t>
+            </a:r>
+          </a:p>
+        </p:txBody>
+      </p:sp>
+      <p:sp>
+        <p:nvSpPr>
+          <p:cNvPr id="27" name="Shape 230"/>
+          <p:cNvSpPr/>
+          <p:nvPr/>
+        </p:nvSpPr>
+        <p:spPr>
+          <a:xfrm>
+            <a:off x="4766281" y="10858231"/>
+            <a:ext cx="16067821" cy="2447104"/>
+          </a:xfrm>
+          <a:prstGeom prst="roundRect">
+            <a:avLst>
+              <a:gd name="adj" fmla="val 7944"/>
+            </a:avLst>
+          </a:prstGeom>
+          <a:ln w="50800">
+            <a:solidFill>
+              <a:srgbClr val="5B5854"/>
+            </a:solidFill>
+            <a:miter lim="400000"/>
+          </a:ln>
+        </p:spPr>
+        <p:txBody>
+          <a:bodyPr lIns="50800" tIns="50800" rIns="50800" bIns="50800" anchor="ctr"/>
+          <a:lstStyle/>
+          <a:p>
+            <a:pPr algn="ctr">
+              <a:lnSpc>
+                <a:spcPct val="80000"/>
+              </a:lnSpc>
+              <a:spcBef>
+                <a:spcPts val="0"/>
+              </a:spcBef>
+              <a:defRPr sz="100" cap="all">
+                <a:solidFill>
+                  <a:srgbClr val="FFFFFF"/>
+                </a:solidFill>
+                <a:latin typeface="+mn-lt"/>
+                <a:ea typeface="+mn-ea"/>
+                <a:cs typeface="+mn-cs"/>
+                <a:sym typeface="DIN Condensed"/>
+              </a:defRPr>
+            </a:pPr>
+            <a:endParaRPr/>
+          </a:p>
+        </p:txBody>
+      </p:sp>
+      <p:sp>
+        <p:nvSpPr>
+          <p:cNvPr id="3" name="CuadroTexto 2"/>
+          <p:cNvSpPr txBox="1"/>
+          <p:nvPr/>
+        </p:nvSpPr>
+        <p:spPr>
+          <a:xfrm>
+            <a:off x="5763492" y="10991650"/>
+            <a:ext cx="14357036" cy="1308050"/>
+          </a:xfrm>
+          <a:prstGeom prst="rect">
+            <a:avLst/>
+          </a:prstGeom>
+          <a:noFill/>
+          <a:ln w="12700" cap="flat">
+            <a:noFill/>
+            <a:miter lim="400000"/>
+          </a:ln>
+          <a:effectLst/>
+          <a:sp3d/>
+        </p:spPr>
+        <p:style>
+          <a:lnRef idx="0">
+            <a:scrgbClr r="0" g="0" b="0"/>
+          </a:lnRef>
+          <a:fillRef idx="0">
+            <a:scrgbClr r="0" g="0" b="0"/>
+          </a:fillRef>
+          <a:effectRef idx="0">
+            <a:scrgbClr r="0" g="0" b="0"/>
+          </a:effectRef>
+          <a:fontRef idx="none"/>
+        </p:style>
+        <p:txBody>
+          <a:bodyPr rot="0" spcFirstLastPara="1" vertOverflow="overflow" horzOverflow="overflow" vert="horz" wrap="square" lIns="50800" tIns="50800" rIns="50800" bIns="50800" numCol="1" spcCol="38100" rtlCol="0" anchor="ctr">
+            <a:spAutoFit/>
+          </a:bodyPr>
+          <a:lstStyle/>
+          <a:p>
+            <a:pPr algn="just"/>
+            <a:r>
+              <a:rPr lang="es-ES" sz="2500" dirty="0">
+                <a:solidFill>
+                  <a:srgbClr val="00000A"/>
+                </a:solidFill>
+                <a:uFill>
+                  <a:solidFill>
+                    <a:srgbClr val="00000A"/>
+                  </a:solidFill>
+                </a:uFill>
+                <a:latin typeface="Helvetica Neue"/>
+                <a:ea typeface="Helvetica Neue"/>
+                <a:cs typeface="Helvetica Neue"/>
+              </a:rPr>
+              <a:t>La persona o personas encargadas se disponen a solucionarlo de inmediato, en especial si se tratara de una parte crítica del sistema o hubiese otros módulos que dependen de la parte errónea.</a:t>
+            </a:r>
+          </a:p>
+        </p:txBody>
+      </p:sp>
+    </p:spTree>
+    <p:extLst>
+      <p:ext uri="{BB962C8B-B14F-4D97-AF65-F5344CB8AC3E}">
+        <p14:creationId xmlns:p14="http://schemas.microsoft.com/office/powerpoint/2010/main" val="1367278728"/>
+      </p:ext>
+    </p:extLst>
+  </p:cSld>
+  <p:clrMapOvr>
+    <a:masterClrMapping/>
+  </p:clrMapOvr>
+  <p:transition spd="med"/>
+  <p:timing>
+    <p:tnLst>
+      <p:par>
+        <p:cTn id="1" dur="indefinite" restart="never" nodeType="tmRoot"/>
+      </p:par>
+    </p:tnLst>
+  </p:timing>
+</p:sld>
+</file>
+
+<file path=ppt/slides/slide13.xml><?xml version="1.0" encoding="utf-8"?>
 <p:sld xmlns:a="http://schemas.openxmlformats.org/drawingml/2006/main" xmlns:r="http://schemas.openxmlformats.org/officeDocument/2006/relationships" xmlns:p="http://schemas.openxmlformats.org/presentationml/2006/main">
   <p:cSld>
     <p:spTree>
@@ -7957,49 +10289,6 @@
       </p:pic>
       <p:sp>
         <p:nvSpPr>
-          <p:cNvPr id="254" name="Shape 254"/>
-          <p:cNvSpPr/>
-          <p:nvPr/>
-        </p:nvSpPr>
-        <p:spPr>
-          <a:xfrm>
-            <a:off x="23281766" y="535886"/>
-            <a:ext cx="386335" cy="723901"/>
-          </a:xfrm>
-          <a:prstGeom prst="rect">
-            <a:avLst/>
-          </a:prstGeom>
-          <a:ln w="12700">
-            <a:miter lim="400000"/>
-          </a:ln>
-          <a:extLst>
-            <a:ext uri="{C572A759-6A51-4108-AA02-DFA0A04FC94B}">
-              <ma14:wrappingTextBoxFlag xmlns="" xmlns:ma14="http://schemas.microsoft.com/office/mac/drawingml/2011/main" val="1"/>
-            </a:ext>
-          </a:extLst>
-        </p:spPr>
-        <p:txBody>
-          <a:bodyPr wrap="none" lIns="50800" tIns="50800" rIns="50800" bIns="50800" anchor="ctr">
-            <a:spAutoFit/>
-          </a:bodyPr>
-          <a:lstStyle>
-            <a:lvl1pPr>
-              <a:defRPr sz="3600">
-                <a:solidFill>
-                  <a:srgbClr val="C1C0C2"/>
-                </a:solidFill>
-              </a:defRPr>
-            </a:lvl1pPr>
-          </a:lstStyle>
-          <a:p>
-            <a:r>
-              <a:t>1</a:t>
-            </a:r>
-          </a:p>
-        </p:txBody>
-      </p:sp>
-      <p:sp>
-        <p:nvSpPr>
           <p:cNvPr id="255" name="Shape 255"/>
           <p:cNvSpPr/>
           <p:nvPr/>
@@ -8198,6 +10487,29 @@
           </a:p>
         </p:txBody>
       </p:sp>
+      <p:sp>
+        <p:nvSpPr>
+          <p:cNvPr id="3" name="Marcador de número de diapositiva 2"/>
+          <p:cNvSpPr>
+            <a:spLocks noGrp="1"/>
+          </p:cNvSpPr>
+          <p:nvPr>
+            <p:ph type="sldNum" sz="quarter" idx="2"/>
+          </p:nvPr>
+        </p:nvSpPr>
+        <p:spPr/>
+        <p:txBody>
+          <a:bodyPr/>
+          <a:lstStyle/>
+          <a:p>
+            <a:fld id="{86CB4B4D-7CA3-9044-876B-883B54F8677D}" type="slidenum">
+              <a:rPr lang="es-ES" smtClean="0"/>
+              <a:t>13</a:t>
+            </a:fld>
+            <a:endParaRPr lang="es-ES"/>
+          </a:p>
+        </p:txBody>
+      </p:sp>
     </p:spTree>
   </p:cSld>
   <p:clrMapOvr>
@@ -8214,7 +10526,7 @@
 </p:sld>
 </file>
 
-<file path=ppt/slides/slide12.xml><?xml version="1.0" encoding="utf-8"?>
+<file path=ppt/slides/slide14.xml><?xml version="1.0" encoding="utf-8"?>
 <p:sld xmlns:a="http://schemas.openxmlformats.org/drawingml/2006/main" xmlns:r="http://schemas.openxmlformats.org/officeDocument/2006/relationships" xmlns:p="http://schemas.openxmlformats.org/presentationml/2006/main">
   <p:cSld>
     <p:spTree>
@@ -8297,8 +10609,8 @@
         </p:nvSpPr>
         <p:spPr>
           <a:xfrm>
-            <a:off x="23281766" y="535886"/>
-            <a:ext cx="386335" cy="723901"/>
+            <a:off x="23281766" y="569541"/>
+            <a:ext cx="102657" cy="656590"/>
           </a:xfrm>
           <a:prstGeom prst="rect">
             <a:avLst/>
@@ -8326,9 +10638,7 @@
             </a:lvl1pPr>
           </a:lstStyle>
           <a:p>
-            <a:r>
-              <a:t>1</a:t>
-            </a:r>
+            <a:endParaRPr dirty="0"/>
           </a:p>
         </p:txBody>
       </p:sp>
@@ -9156,6 +11466,29 @@
           </a:p>
         </p:txBody>
       </p:sp>
+      <p:sp>
+        <p:nvSpPr>
+          <p:cNvPr id="3" name="Marcador de número de diapositiva 2"/>
+          <p:cNvSpPr>
+            <a:spLocks noGrp="1"/>
+          </p:cNvSpPr>
+          <p:nvPr>
+            <p:ph type="sldNum" sz="quarter" idx="2"/>
+          </p:nvPr>
+        </p:nvSpPr>
+        <p:spPr/>
+        <p:txBody>
+          <a:bodyPr/>
+          <a:lstStyle/>
+          <a:p>
+            <a:fld id="{86CB4B4D-7CA3-9044-876B-883B54F8677D}" type="slidenum">
+              <a:rPr lang="es-ES" smtClean="0"/>
+              <a:t>14</a:t>
+            </a:fld>
+            <a:endParaRPr lang="es-ES"/>
+          </a:p>
+        </p:txBody>
+      </p:sp>
     </p:spTree>
   </p:cSld>
   <p:clrMapOvr>
@@ -9172,7 +11505,7 @@
 </p:sld>
 </file>
 
-<file path=ppt/slides/slide13.xml><?xml version="1.0" encoding="utf-8"?>
+<file path=ppt/slides/slide15.xml><?xml version="1.0" encoding="utf-8"?>
 <p:sld xmlns:a="http://schemas.openxmlformats.org/drawingml/2006/main" xmlns:r="http://schemas.openxmlformats.org/officeDocument/2006/relationships" xmlns:p="http://schemas.openxmlformats.org/presentationml/2006/main">
   <p:cSld>
     <p:spTree>
@@ -9249,49 +11582,6 @@
       </p:pic>
       <p:sp>
         <p:nvSpPr>
-          <p:cNvPr id="275" name="Shape 275"/>
-          <p:cNvSpPr/>
-          <p:nvPr/>
-        </p:nvSpPr>
-        <p:spPr>
-          <a:xfrm>
-            <a:off x="23281766" y="535886"/>
-            <a:ext cx="386335" cy="723901"/>
-          </a:xfrm>
-          <a:prstGeom prst="rect">
-            <a:avLst/>
-          </a:prstGeom>
-          <a:ln w="12700">
-            <a:miter lim="400000"/>
-          </a:ln>
-          <a:extLst>
-            <a:ext uri="{C572A759-6A51-4108-AA02-DFA0A04FC94B}">
-              <ma14:wrappingTextBoxFlag xmlns="" xmlns:ma14="http://schemas.microsoft.com/office/mac/drawingml/2011/main" val="1"/>
-            </a:ext>
-          </a:extLst>
-        </p:spPr>
-        <p:txBody>
-          <a:bodyPr wrap="none" lIns="50800" tIns="50800" rIns="50800" bIns="50800" anchor="ctr">
-            <a:spAutoFit/>
-          </a:bodyPr>
-          <a:lstStyle>
-            <a:lvl1pPr>
-              <a:defRPr sz="3600">
-                <a:solidFill>
-                  <a:srgbClr val="C1C0C2"/>
-                </a:solidFill>
-              </a:defRPr>
-            </a:lvl1pPr>
-          </a:lstStyle>
-          <a:p>
-            <a:r>
-              <a:t>1</a:t>
-            </a:r>
-          </a:p>
-        </p:txBody>
-      </p:sp>
-      <p:sp>
-        <p:nvSpPr>
           <p:cNvPr id="276" name="Shape 276"/>
           <p:cNvSpPr/>
           <p:nvPr/>
@@ -9760,16 +12050,46 @@
           </a:p>
         </p:txBody>
       </p:sp>
+      <p:sp>
+        <p:nvSpPr>
+          <p:cNvPr id="3" name="Marcador de número de diapositiva 2"/>
+          <p:cNvSpPr>
+            <a:spLocks noGrp="1"/>
+          </p:cNvSpPr>
+          <p:nvPr>
+            <p:ph type="sldNum" sz="quarter" idx="2"/>
+          </p:nvPr>
+        </p:nvSpPr>
+        <p:spPr/>
+        <p:txBody>
+          <a:bodyPr/>
+          <a:lstStyle/>
+          <a:p>
+            <a:fld id="{86CB4B4D-7CA3-9044-876B-883B54F8677D}" type="slidenum">
+              <a:rPr lang="es-ES" smtClean="0"/>
+              <a:t>15</a:t>
+            </a:fld>
+            <a:endParaRPr lang="es-ES"/>
+          </a:p>
+        </p:txBody>
+      </p:sp>
     </p:spTree>
   </p:cSld>
   <p:clrMapOvr>
     <a:masterClrMapping/>
   </p:clrMapOvr>
   <p:transition spd="med"/>
+  <p:timing>
+    <p:tnLst>
+      <p:par>
+        <p:cTn id="1" dur="indefinite" restart="never" nodeType="tmRoot"/>
+      </p:par>
+    </p:tnLst>
+  </p:timing>
 </p:sld>
 </file>
 
-<file path=ppt/slides/slide14.xml><?xml version="1.0" encoding="utf-8"?>
+<file path=ppt/slides/slide16.xml><?xml version="1.0" encoding="utf-8"?>
 <p:sld xmlns:a="http://schemas.openxmlformats.org/drawingml/2006/main" xmlns:r="http://schemas.openxmlformats.org/officeDocument/2006/relationships" xmlns:p="http://schemas.openxmlformats.org/presentationml/2006/main">
   <p:cSld>
     <p:spTree>
@@ -9852,8 +12172,8 @@
         </p:nvSpPr>
         <p:spPr>
           <a:xfrm>
-            <a:off x="23281766" y="535886"/>
-            <a:ext cx="386335" cy="723901"/>
+            <a:off x="23281766" y="569541"/>
+            <a:ext cx="102657" cy="656590"/>
           </a:xfrm>
           <a:prstGeom prst="rect">
             <a:avLst/>
@@ -9881,9 +12201,7 @@
             </a:lvl1pPr>
           </a:lstStyle>
           <a:p>
-            <a:r>
-              <a:t>1</a:t>
-            </a:r>
+            <a:endParaRPr dirty="0"/>
           </a:p>
         </p:txBody>
       </p:sp>
@@ -11477,16 +13795,46 @@
           </a:p>
         </p:txBody>
       </p:sp>
+      <p:sp>
+        <p:nvSpPr>
+          <p:cNvPr id="3" name="Marcador de número de diapositiva 2"/>
+          <p:cNvSpPr>
+            <a:spLocks noGrp="1"/>
+          </p:cNvSpPr>
+          <p:nvPr>
+            <p:ph type="sldNum" sz="quarter" idx="2"/>
+          </p:nvPr>
+        </p:nvSpPr>
+        <p:spPr/>
+        <p:txBody>
+          <a:bodyPr/>
+          <a:lstStyle/>
+          <a:p>
+            <a:fld id="{86CB4B4D-7CA3-9044-876B-883B54F8677D}" type="slidenum">
+              <a:rPr lang="es-ES" smtClean="0"/>
+              <a:t>16</a:t>
+            </a:fld>
+            <a:endParaRPr lang="es-ES"/>
+          </a:p>
+        </p:txBody>
+      </p:sp>
     </p:spTree>
   </p:cSld>
   <p:clrMapOvr>
     <a:masterClrMapping/>
   </p:clrMapOvr>
   <p:transition spd="med"/>
+  <p:timing>
+    <p:tnLst>
+      <p:par>
+        <p:cTn id="1" dur="indefinite" restart="never" nodeType="tmRoot"/>
+      </p:par>
+    </p:tnLst>
+  </p:timing>
 </p:sld>
 </file>
 
-<file path=ppt/slides/slide15.xml><?xml version="1.0" encoding="utf-8"?>
+<file path=ppt/slides/slide17.xml><?xml version="1.0" encoding="utf-8"?>
 <p:sld xmlns:a="http://schemas.openxmlformats.org/drawingml/2006/main" xmlns:r="http://schemas.openxmlformats.org/officeDocument/2006/relationships" xmlns:p="http://schemas.openxmlformats.org/presentationml/2006/main">
   <p:cSld>
     <p:spTree>
@@ -11563,49 +13911,6 @@
       </p:pic>
       <p:sp>
         <p:nvSpPr>
-          <p:cNvPr id="302" name="Shape 302"/>
-          <p:cNvSpPr/>
-          <p:nvPr/>
-        </p:nvSpPr>
-        <p:spPr>
-          <a:xfrm>
-            <a:off x="23281766" y="535886"/>
-            <a:ext cx="386335" cy="723901"/>
-          </a:xfrm>
-          <a:prstGeom prst="rect">
-            <a:avLst/>
-          </a:prstGeom>
-          <a:ln w="12700">
-            <a:miter lim="400000"/>
-          </a:ln>
-          <a:extLst>
-            <a:ext uri="{C572A759-6A51-4108-AA02-DFA0A04FC94B}">
-              <ma14:wrappingTextBoxFlag xmlns="" xmlns:ma14="http://schemas.microsoft.com/office/mac/drawingml/2011/main" val="1"/>
-            </a:ext>
-          </a:extLst>
-        </p:spPr>
-        <p:txBody>
-          <a:bodyPr wrap="none" lIns="50800" tIns="50800" rIns="50800" bIns="50800" anchor="ctr">
-            <a:spAutoFit/>
-          </a:bodyPr>
-          <a:lstStyle>
-            <a:lvl1pPr>
-              <a:defRPr sz="3600">
-                <a:solidFill>
-                  <a:srgbClr val="C1C0C2"/>
-                </a:solidFill>
-              </a:defRPr>
-            </a:lvl1pPr>
-          </a:lstStyle>
-          <a:p>
-            <a:r>
-              <a:t>1</a:t>
-            </a:r>
-          </a:p>
-        </p:txBody>
-      </p:sp>
-      <p:sp>
-        <p:nvSpPr>
           <p:cNvPr id="303" name="Shape 303"/>
           <p:cNvSpPr/>
           <p:nvPr/>
@@ -13088,16 +15393,46 @@
           </a:p>
         </p:txBody>
       </p:sp>
+      <p:sp>
+        <p:nvSpPr>
+          <p:cNvPr id="3" name="Marcador de número de diapositiva 2"/>
+          <p:cNvSpPr>
+            <a:spLocks noGrp="1"/>
+          </p:cNvSpPr>
+          <p:nvPr>
+            <p:ph type="sldNum" sz="quarter" idx="2"/>
+          </p:nvPr>
+        </p:nvSpPr>
+        <p:spPr/>
+        <p:txBody>
+          <a:bodyPr/>
+          <a:lstStyle/>
+          <a:p>
+            <a:fld id="{86CB4B4D-7CA3-9044-876B-883B54F8677D}" type="slidenum">
+              <a:rPr lang="es-ES" smtClean="0"/>
+              <a:t>17</a:t>
+            </a:fld>
+            <a:endParaRPr lang="es-ES"/>
+          </a:p>
+        </p:txBody>
+      </p:sp>
     </p:spTree>
   </p:cSld>
   <p:clrMapOvr>
     <a:masterClrMapping/>
   </p:clrMapOvr>
   <p:transition spd="med"/>
+  <p:timing>
+    <p:tnLst>
+      <p:par>
+        <p:cTn id="1" dur="indefinite" restart="never" nodeType="tmRoot"/>
+      </p:par>
+    </p:tnLst>
+  </p:timing>
 </p:sld>
 </file>
 
-<file path=ppt/slides/slide16.xml><?xml version="1.0" encoding="utf-8"?>
+<file path=ppt/slides/slide18.xml><?xml version="1.0" encoding="utf-8"?>
 <p:sld xmlns:a="http://schemas.openxmlformats.org/drawingml/2006/main" xmlns:r="http://schemas.openxmlformats.org/officeDocument/2006/relationships" xmlns:p="http://schemas.openxmlformats.org/presentationml/2006/main">
   <p:cSld>
     <p:spTree>
@@ -13174,49 +15509,6 @@
       </p:pic>
       <p:sp>
         <p:nvSpPr>
-          <p:cNvPr id="316" name="Shape 316"/>
-          <p:cNvSpPr/>
-          <p:nvPr/>
-        </p:nvSpPr>
-        <p:spPr>
-          <a:xfrm>
-            <a:off x="23281766" y="535886"/>
-            <a:ext cx="386335" cy="723901"/>
-          </a:xfrm>
-          <a:prstGeom prst="rect">
-            <a:avLst/>
-          </a:prstGeom>
-          <a:ln w="12700">
-            <a:miter lim="400000"/>
-          </a:ln>
-          <a:extLst>
-            <a:ext uri="{C572A759-6A51-4108-AA02-DFA0A04FC94B}">
-              <ma14:wrappingTextBoxFlag xmlns="" xmlns:ma14="http://schemas.microsoft.com/office/mac/drawingml/2011/main" val="1"/>
-            </a:ext>
-          </a:extLst>
-        </p:spPr>
-        <p:txBody>
-          <a:bodyPr wrap="none" lIns="50800" tIns="50800" rIns="50800" bIns="50800" anchor="ctr">
-            <a:spAutoFit/>
-          </a:bodyPr>
-          <a:lstStyle>
-            <a:lvl1pPr>
-              <a:defRPr sz="3600">
-                <a:solidFill>
-                  <a:srgbClr val="C1C0C2"/>
-                </a:solidFill>
-              </a:defRPr>
-            </a:lvl1pPr>
-          </a:lstStyle>
-          <a:p>
-            <a:r>
-              <a:t>1</a:t>
-            </a:r>
-          </a:p>
-        </p:txBody>
-      </p:sp>
-      <p:sp>
-        <p:nvSpPr>
           <p:cNvPr id="317" name="Shape 317"/>
           <p:cNvSpPr/>
           <p:nvPr/>
@@ -14663,16 +16955,46 @@
           </a:ln>
         </p:spPr>
       </p:pic>
+      <p:sp>
+        <p:nvSpPr>
+          <p:cNvPr id="3" name="Marcador de número de diapositiva 2"/>
+          <p:cNvSpPr>
+            <a:spLocks noGrp="1"/>
+          </p:cNvSpPr>
+          <p:nvPr>
+            <p:ph type="sldNum" sz="quarter" idx="2"/>
+          </p:nvPr>
+        </p:nvSpPr>
+        <p:spPr/>
+        <p:txBody>
+          <a:bodyPr/>
+          <a:lstStyle/>
+          <a:p>
+            <a:fld id="{86CB4B4D-7CA3-9044-876B-883B54F8677D}" type="slidenum">
+              <a:rPr lang="es-ES" smtClean="0"/>
+              <a:t>18</a:t>
+            </a:fld>
+            <a:endParaRPr lang="es-ES"/>
+          </a:p>
+        </p:txBody>
+      </p:sp>
     </p:spTree>
   </p:cSld>
   <p:clrMapOvr>
     <a:masterClrMapping/>
   </p:clrMapOvr>
   <p:transition spd="med"/>
+  <p:timing>
+    <p:tnLst>
+      <p:par>
+        <p:cTn id="1" dur="indefinite" restart="never" nodeType="tmRoot"/>
+      </p:par>
+    </p:tnLst>
+  </p:timing>
 </p:sld>
 </file>
 
-<file path=ppt/slides/slide17.xml><?xml version="1.0" encoding="utf-8"?>
+<file path=ppt/slides/slide19.xml><?xml version="1.0" encoding="utf-8"?>
 <p:sld xmlns:a="http://schemas.openxmlformats.org/drawingml/2006/main" xmlns:r="http://schemas.openxmlformats.org/officeDocument/2006/relationships" xmlns:p="http://schemas.openxmlformats.org/presentationml/2006/main">
   <p:cSld>
     <p:spTree>
@@ -14749,49 +17071,6 @@
       </p:pic>
       <p:sp>
         <p:nvSpPr>
-          <p:cNvPr id="330" name="Shape 330"/>
-          <p:cNvSpPr/>
-          <p:nvPr/>
-        </p:nvSpPr>
-        <p:spPr>
-          <a:xfrm>
-            <a:off x="23281766" y="535886"/>
-            <a:ext cx="386335" cy="723901"/>
-          </a:xfrm>
-          <a:prstGeom prst="rect">
-            <a:avLst/>
-          </a:prstGeom>
-          <a:ln w="12700">
-            <a:miter lim="400000"/>
-          </a:ln>
-          <a:extLst>
-            <a:ext uri="{C572A759-6A51-4108-AA02-DFA0A04FC94B}">
-              <ma14:wrappingTextBoxFlag xmlns="" xmlns:ma14="http://schemas.microsoft.com/office/mac/drawingml/2011/main" val="1"/>
-            </a:ext>
-          </a:extLst>
-        </p:spPr>
-        <p:txBody>
-          <a:bodyPr wrap="none" lIns="50800" tIns="50800" rIns="50800" bIns="50800" anchor="ctr">
-            <a:spAutoFit/>
-          </a:bodyPr>
-          <a:lstStyle>
-            <a:lvl1pPr>
-              <a:defRPr sz="3600">
-                <a:solidFill>
-                  <a:srgbClr val="C1C0C2"/>
-                </a:solidFill>
-              </a:defRPr>
-            </a:lvl1pPr>
-          </a:lstStyle>
-          <a:p>
-            <a:r>
-              <a:t>1</a:t>
-            </a:r>
-          </a:p>
-        </p:txBody>
-      </p:sp>
-      <p:sp>
-        <p:nvSpPr>
           <p:cNvPr id="331" name="Shape 331"/>
           <p:cNvSpPr/>
           <p:nvPr/>
@@ -16205,16 +18484,2000 @@
           </a:ln>
         </p:spPr>
       </p:pic>
+      <p:sp>
+        <p:nvSpPr>
+          <p:cNvPr id="3" name="Marcador de número de diapositiva 2"/>
+          <p:cNvSpPr>
+            <a:spLocks noGrp="1"/>
+          </p:cNvSpPr>
+          <p:nvPr>
+            <p:ph type="sldNum" sz="quarter" idx="2"/>
+          </p:nvPr>
+        </p:nvSpPr>
+        <p:spPr/>
+        <p:txBody>
+          <a:bodyPr/>
+          <a:lstStyle/>
+          <a:p>
+            <a:fld id="{86CB4B4D-7CA3-9044-876B-883B54F8677D}" type="slidenum">
+              <a:rPr lang="es-ES" smtClean="0"/>
+              <a:t>19</a:t>
+            </a:fld>
+            <a:endParaRPr lang="es-ES"/>
+          </a:p>
+        </p:txBody>
+      </p:sp>
     </p:spTree>
   </p:cSld>
   <p:clrMapOvr>
     <a:masterClrMapping/>
   </p:clrMapOvr>
   <p:transition spd="med"/>
+  <p:timing>
+    <p:tnLst>
+      <p:par>
+        <p:cTn id="1" dur="indefinite" restart="never" nodeType="tmRoot"/>
+      </p:par>
+    </p:tnLst>
+  </p:timing>
 </p:sld>
 </file>
 
-<file path=ppt/slides/slide18.xml><?xml version="1.0" encoding="utf-8"?>
+<file path=ppt/slides/slide2.xml><?xml version="1.0" encoding="utf-8"?>
+<p:sld xmlns:a="http://schemas.openxmlformats.org/drawingml/2006/main" xmlns:r="http://schemas.openxmlformats.org/officeDocument/2006/relationships" xmlns:p="http://schemas.openxmlformats.org/presentationml/2006/main">
+  <p:cSld>
+    <p:spTree>
+      <p:nvGrpSpPr>
+        <p:cNvPr id="1" name=""/>
+        <p:cNvGrpSpPr/>
+        <p:nvPr/>
+      </p:nvGrpSpPr>
+      <p:grpSpPr>
+        <a:xfrm>
+          <a:off x="0" y="0"/>
+          <a:ext cx="0" cy="0"/>
+          <a:chOff x="0" y="0"/>
+          <a:chExt cx="0" cy="0"/>
+        </a:xfrm>
+      </p:grpSpPr>
+      <p:pic>
+        <p:nvPicPr>
+          <p:cNvPr id="168" name="pasted-image.tiff"/>
+          <p:cNvPicPr>
+            <a:picLocks noChangeAspect="1"/>
+          </p:cNvPicPr>
+          <p:nvPr/>
+        </p:nvPicPr>
+        <p:blipFill>
+          <a:blip r:embed="rId3">
+            <a:extLst/>
+          </a:blip>
+          <a:stretch>
+            <a:fillRect/>
+          </a:stretch>
+        </p:blipFill>
+        <p:spPr>
+          <a:xfrm>
+            <a:off x="-816206" y="-529723"/>
+            <a:ext cx="26829216" cy="2397845"/>
+          </a:xfrm>
+          <a:prstGeom prst="rect">
+            <a:avLst/>
+          </a:prstGeom>
+          <a:ln w="12700">
+            <a:miter lim="400000"/>
+          </a:ln>
+        </p:spPr>
+      </p:pic>
+      <p:pic>
+        <p:nvPicPr>
+          <p:cNvPr id="169" name="pasted-image.tiff"/>
+          <p:cNvPicPr>
+            <a:picLocks noChangeAspect="1"/>
+          </p:cNvPicPr>
+          <p:nvPr/>
+        </p:nvPicPr>
+        <p:blipFill>
+          <a:blip r:embed="rId4">
+            <a:extLst/>
+          </a:blip>
+          <a:stretch>
+            <a:fillRect/>
+          </a:stretch>
+        </p:blipFill>
+        <p:spPr>
+          <a:xfrm>
+            <a:off x="20120527" y="590633"/>
+            <a:ext cx="2416330" cy="766807"/>
+          </a:xfrm>
+          <a:prstGeom prst="rect">
+            <a:avLst/>
+          </a:prstGeom>
+          <a:ln w="12700">
+            <a:miter lim="400000"/>
+          </a:ln>
+        </p:spPr>
+      </p:pic>
+      <p:sp>
+        <p:nvSpPr>
+          <p:cNvPr id="171" name="Shape 171"/>
+          <p:cNvSpPr/>
+          <p:nvPr/>
+        </p:nvSpPr>
+        <p:spPr>
+          <a:xfrm>
+            <a:off x="1044067" y="512137"/>
+            <a:ext cx="1659636" cy="771399"/>
+          </a:xfrm>
+          <a:prstGeom prst="rect">
+            <a:avLst/>
+          </a:prstGeom>
+          <a:ln w="12700">
+            <a:miter lim="400000"/>
+          </a:ln>
+          <a:extLst>
+            <a:ext uri="{C572A759-6A51-4108-AA02-DFA0A04FC94B}">
+              <ma14:wrappingTextBoxFlag xmlns="" xmlns:ma14="http://schemas.microsoft.com/office/mac/drawingml/2011/main" val="1"/>
+            </a:ext>
+          </a:extLst>
+        </p:spPr>
+        <p:txBody>
+          <a:bodyPr wrap="none" lIns="50800" tIns="50800" rIns="50800" bIns="50800" anchor="ctr">
+            <a:spAutoFit/>
+          </a:bodyPr>
+          <a:lstStyle>
+            <a:lvl1pPr>
+              <a:defRPr sz="4500">
+                <a:solidFill>
+                  <a:srgbClr val="FFFFFF"/>
+                </a:solidFill>
+                <a:latin typeface="Helvetica Neue"/>
+                <a:ea typeface="Helvetica Neue"/>
+                <a:cs typeface="Helvetica Neue"/>
+                <a:sym typeface="Helvetica Neue"/>
+              </a:defRPr>
+            </a:lvl1pPr>
+          </a:lstStyle>
+          <a:p>
+            <a:r>
+              <a:t>Indice</a:t>
+            </a:r>
+          </a:p>
+        </p:txBody>
+      </p:sp>
+      <p:sp>
+        <p:nvSpPr>
+          <p:cNvPr id="172" name="Shape 172"/>
+          <p:cNvSpPr/>
+          <p:nvPr/>
+        </p:nvSpPr>
+        <p:spPr>
+          <a:xfrm>
+            <a:off x="1721031" y="5738951"/>
+            <a:ext cx="3084056" cy="4103688"/>
+          </a:xfrm>
+          <a:prstGeom prst="rect">
+            <a:avLst/>
+          </a:prstGeom>
+          <a:ln w="12700">
+            <a:miter lim="400000"/>
+          </a:ln>
+          <a:extLst>
+            <a:ext uri="{C572A759-6A51-4108-AA02-DFA0A04FC94B}">
+              <ma14:wrappingTextBoxFlag xmlns="" xmlns:ma14="http://schemas.microsoft.com/office/mac/drawingml/2011/main" val="1"/>
+            </a:ext>
+          </a:extLst>
+        </p:spPr>
+        <p:txBody>
+          <a:bodyPr wrap="square" lIns="50800" tIns="50800" rIns="50800" bIns="50800" anchor="ctr">
+            <a:spAutoFit/>
+          </a:bodyPr>
+          <a:lstStyle>
+            <a:lvl1pPr defTabSz="457200">
+              <a:spcBef>
+                <a:spcPts val="0"/>
+              </a:spcBef>
+              <a:defRPr sz="2000">
+                <a:solidFill>
+                  <a:srgbClr val="000000"/>
+                </a:solidFill>
+                <a:uFill>
+                  <a:solidFill>
+                    <a:srgbClr val="000000"/>
+                  </a:solidFill>
+                </a:uFill>
+                <a:latin typeface="Helvetica Neue"/>
+                <a:ea typeface="Helvetica Neue"/>
+                <a:cs typeface="Helvetica Neue"/>
+                <a:sym typeface="Helvetica Neue"/>
+              </a:defRPr>
+            </a:lvl1pPr>
+          </a:lstStyle>
+          <a:p>
+            <a:r>
+              <a:rPr lang="es-ES_tradnl" dirty="0" smtClean="0"/>
+              <a:t>1 </a:t>
+            </a:r>
+            <a:r>
+              <a:rPr lang="es-ES_tradnl" dirty="0" err="1" smtClean="0"/>
+              <a:t>Propó</a:t>
+            </a:r>
+            <a:r>
+              <a:rPr lang="it-IT" dirty="0"/>
+              <a:t>sito del </a:t>
+            </a:r>
+            <a:r>
+              <a:rPr lang="it-IT" dirty="0" smtClean="0"/>
+              <a:t>plan</a:t>
+            </a:r>
+            <a:r>
+              <a:rPr lang="it-IT" dirty="0"/>
+              <a:t>	</a:t>
+            </a:r>
+            <a:endParaRPr lang="es-ES" dirty="0"/>
+          </a:p>
+          <a:p>
+            <a:r>
+              <a:rPr lang="es-ES_tradnl" dirty="0" smtClean="0"/>
+              <a:t>2 Ámbito </a:t>
+            </a:r>
+            <a:r>
+              <a:rPr lang="es-ES_tradnl" dirty="0"/>
+              <a:t>del proyecto y objetivos	</a:t>
+            </a:r>
+            <a:endParaRPr lang="es-ES" dirty="0"/>
+          </a:p>
+          <a:p>
+            <a:r>
+              <a:rPr lang="es-ES_tradnl" dirty="0" smtClean="0"/>
+              <a:t>	2.1</a:t>
+            </a:r>
+            <a:r>
+              <a:rPr lang="es-ES_tradnl" dirty="0"/>
+              <a:t>	Declaración del </a:t>
+            </a:r>
+            <a:r>
+              <a:rPr lang="es-ES_tradnl" dirty="0" smtClean="0"/>
+              <a:t>			á</a:t>
+            </a:r>
+            <a:r>
+              <a:rPr lang="it-IT" dirty="0"/>
+              <a:t>mbito	</a:t>
+            </a:r>
+            <a:endParaRPr lang="es-ES" dirty="0"/>
+          </a:p>
+          <a:p>
+            <a:r>
+              <a:rPr lang="es-ES_tradnl" dirty="0" smtClean="0"/>
+              <a:t>	2.2</a:t>
+            </a:r>
+            <a:r>
+              <a:rPr lang="es-ES_tradnl" dirty="0"/>
+              <a:t>	Funciones </a:t>
+            </a:r>
+            <a:r>
+              <a:rPr lang="es-ES_tradnl" dirty="0" smtClean="0"/>
+              <a:t>				principales</a:t>
+            </a:r>
+            <a:r>
+              <a:rPr lang="es-ES_tradnl" dirty="0"/>
+              <a:t>	</a:t>
+            </a:r>
+            <a:endParaRPr lang="es-ES" dirty="0"/>
+          </a:p>
+          <a:p>
+            <a:r>
+              <a:rPr lang="es-ES_tradnl" dirty="0" smtClean="0"/>
+              <a:t>	2.3</a:t>
+            </a:r>
+            <a:r>
+              <a:rPr lang="es-ES_tradnl" dirty="0"/>
+              <a:t>	Aspectos de </a:t>
+            </a:r>
+            <a:r>
+              <a:rPr lang="es-ES_tradnl" dirty="0" smtClean="0"/>
+              <a:t>			rendimiento</a:t>
+            </a:r>
+            <a:r>
+              <a:rPr lang="es-ES_tradnl" dirty="0"/>
+              <a:t>	</a:t>
+            </a:r>
+            <a:endParaRPr lang="es-ES" dirty="0"/>
+          </a:p>
+          <a:p>
+            <a:r>
+              <a:rPr lang="es-ES_tradnl" dirty="0" smtClean="0"/>
+              <a:t>	2.4 Restricciones </a:t>
+            </a:r>
+            <a:r>
+              <a:rPr lang="es-ES_tradnl" dirty="0"/>
+              <a:t>y </a:t>
+            </a:r>
+            <a:r>
+              <a:rPr lang="es-ES_tradnl" dirty="0" smtClean="0"/>
+              <a:t>			té</a:t>
+            </a:r>
+            <a:r>
+              <a:rPr lang="pt-PT" dirty="0"/>
+              <a:t>cnicas de </a:t>
+            </a:r>
+            <a:r>
+              <a:rPr lang="pt-PT" dirty="0" smtClean="0"/>
+              <a:t>				gesti</a:t>
+            </a:r>
+            <a:r>
+              <a:rPr lang="es-ES_tradnl" dirty="0"/>
+              <a:t>ón	</a:t>
+            </a:r>
+            <a:endParaRPr lang="es-ES" dirty="0"/>
+          </a:p>
+          <a:p>
+            <a:r>
+              <a:rPr lang="es-ES_tradnl" dirty="0" smtClean="0"/>
+              <a:t>3 Modelo </a:t>
+            </a:r>
+            <a:r>
+              <a:rPr lang="es-ES_tradnl" dirty="0"/>
+              <a:t>de proceso</a:t>
+            </a:r>
+            <a:r>
+              <a:rPr dirty="0"/>
+              <a:t>	</a:t>
+            </a:r>
+          </a:p>
+        </p:txBody>
+      </p:sp>
+      <p:sp>
+        <p:nvSpPr>
+          <p:cNvPr id="173" name="Shape 173"/>
+          <p:cNvSpPr/>
+          <p:nvPr/>
+        </p:nvSpPr>
+        <p:spPr>
+          <a:xfrm>
+            <a:off x="20120527" y="5742120"/>
+            <a:ext cx="2665794" cy="1641475"/>
+          </a:xfrm>
+          <a:prstGeom prst="rect">
+            <a:avLst/>
+          </a:prstGeom>
+          <a:ln w="12700">
+            <a:miter lim="400000"/>
+          </a:ln>
+          <a:extLst>
+            <a:ext uri="{C572A759-6A51-4108-AA02-DFA0A04FC94B}">
+              <ma14:wrappingTextBoxFlag xmlns="" xmlns:ma14="http://schemas.microsoft.com/office/mac/drawingml/2011/main" val="1"/>
+            </a:ext>
+          </a:extLst>
+        </p:spPr>
+        <p:txBody>
+          <a:bodyPr wrap="none" lIns="50800" tIns="50800" rIns="50800" bIns="50800" anchor="ctr">
+            <a:spAutoFit/>
+          </a:bodyPr>
+          <a:lstStyle>
+            <a:lvl1pPr marL="153670" indent="-153670" defTabSz="457200">
+              <a:spcBef>
+                <a:spcPts val="0"/>
+              </a:spcBef>
+              <a:buSzPct val="100000"/>
+              <a:buAutoNum type="arabicPeriod"/>
+              <a:defRPr sz="2000">
+                <a:solidFill>
+                  <a:srgbClr val="000000"/>
+                </a:solidFill>
+                <a:uFill>
+                  <a:solidFill>
+                    <a:srgbClr val="000000"/>
+                  </a:solidFill>
+                </a:uFill>
+                <a:latin typeface="Helvetica Neue"/>
+                <a:ea typeface="Helvetica Neue"/>
+                <a:cs typeface="Helvetica Neue"/>
+                <a:sym typeface="Helvetica Neue"/>
+              </a:defRPr>
+            </a:lvl1pPr>
+          </a:lstStyle>
+          <a:p>
+            <a:pPr marL="0" indent="0">
+              <a:buNone/>
+            </a:pPr>
+            <a:r>
+              <a:rPr lang="es-ES_tradnl" dirty="0" smtClean="0"/>
+              <a:t>1 </a:t>
+            </a:r>
+            <a:r>
+              <a:rPr lang="it-IT" dirty="0" smtClean="0"/>
+              <a:t>Personal</a:t>
+            </a:r>
+            <a:r>
+              <a:rPr lang="it-IT" dirty="0"/>
+              <a:t>	</a:t>
+            </a:r>
+            <a:endParaRPr lang="es-ES" dirty="0"/>
+          </a:p>
+          <a:p>
+            <a:pPr marL="0" indent="0">
+              <a:buNone/>
+            </a:pPr>
+            <a:r>
+              <a:rPr lang="es-ES_tradnl" dirty="0" smtClean="0"/>
+              <a:t>2 Hardware </a:t>
+            </a:r>
+            <a:r>
+              <a:rPr lang="es-ES_tradnl" dirty="0"/>
+              <a:t>y software</a:t>
+            </a:r>
+            <a:endParaRPr lang="es-ES" dirty="0"/>
+          </a:p>
+          <a:p>
+            <a:pPr marL="0" indent="0">
+              <a:buNone/>
+            </a:pPr>
+            <a:r>
+              <a:rPr lang="nl-NL" dirty="0"/>
+              <a:t>	</a:t>
+            </a:r>
+            <a:r>
+              <a:rPr lang="nl-NL" dirty="0" smtClean="0"/>
+              <a:t>2.1 </a:t>
+            </a:r>
+            <a:r>
+              <a:rPr lang="nl-NL" dirty="0"/>
+              <a:t>Hardware</a:t>
+            </a:r>
+            <a:endParaRPr lang="es-ES" dirty="0"/>
+          </a:p>
+          <a:p>
+            <a:pPr marL="0" indent="0">
+              <a:buNone/>
+            </a:pPr>
+            <a:r>
+              <a:rPr lang="es-ES" dirty="0" smtClean="0"/>
+              <a:t>	2.2 Software</a:t>
+            </a:r>
+          </a:p>
+          <a:p>
+            <a:pPr marL="0" indent="0">
+              <a:buNone/>
+            </a:pPr>
+            <a:r>
+              <a:rPr lang="es-ES" dirty="0" smtClean="0"/>
+              <a:t>3 </a:t>
+            </a:r>
+            <a:r>
+              <a:rPr lang="pt-PT" dirty="0" smtClean="0"/>
+              <a:t>Lista </a:t>
+            </a:r>
+            <a:r>
+              <a:rPr lang="pt-PT" dirty="0"/>
+              <a:t>de recursos</a:t>
+            </a:r>
+            <a:endParaRPr dirty="0"/>
+          </a:p>
+        </p:txBody>
+      </p:sp>
+      <p:sp>
+        <p:nvSpPr>
+          <p:cNvPr id="174" name="Shape 174"/>
+          <p:cNvSpPr/>
+          <p:nvPr/>
+        </p:nvSpPr>
+        <p:spPr>
+          <a:xfrm>
+            <a:off x="5805533" y="5885989"/>
+            <a:ext cx="3593050" cy="1025922"/>
+          </a:xfrm>
+          <a:prstGeom prst="rect">
+            <a:avLst/>
+          </a:prstGeom>
+          <a:ln w="12700">
+            <a:miter lim="400000"/>
+          </a:ln>
+          <a:extLst>
+            <a:ext uri="{C572A759-6A51-4108-AA02-DFA0A04FC94B}">
+              <ma14:wrappingTextBoxFlag xmlns="" xmlns:ma14="http://schemas.microsoft.com/office/mac/drawingml/2011/main" val="1"/>
+            </a:ext>
+          </a:extLst>
+        </p:spPr>
+        <p:txBody>
+          <a:bodyPr wrap="square" lIns="50800" tIns="50800" rIns="50800" bIns="50800" anchor="ctr">
+            <a:spAutoFit/>
+          </a:bodyPr>
+          <a:lstStyle/>
+          <a:p>
+            <a:pPr defTabSz="457200">
+              <a:spcBef>
+                <a:spcPts val="0"/>
+              </a:spcBef>
+            </a:pPr>
+            <a:r>
+              <a:rPr lang="es-ES_tradnl" sz="2000" dirty="0" smtClean="0">
+                <a:solidFill>
+                  <a:srgbClr val="000000"/>
+                </a:solidFill>
+                <a:uFill>
+                  <a:solidFill>
+                    <a:srgbClr val="000000"/>
+                  </a:solidFill>
+                </a:uFill>
+                <a:latin typeface="Helvetica Neue"/>
+                <a:ea typeface="Helvetica Neue"/>
+                <a:cs typeface="Helvetica Neue"/>
+                <a:sym typeface="Helvetica Neue"/>
+              </a:rPr>
+              <a:t>1 Técnicas </a:t>
+            </a:r>
+            <a:r>
+              <a:rPr lang="es-ES_tradnl" sz="2000" dirty="0">
+                <a:solidFill>
+                  <a:srgbClr val="000000"/>
+                </a:solidFill>
+                <a:uFill>
+                  <a:solidFill>
+                    <a:srgbClr val="000000"/>
+                  </a:solidFill>
+                </a:uFill>
+                <a:latin typeface="Helvetica Neue"/>
+                <a:ea typeface="Helvetica Neue"/>
+                <a:cs typeface="Helvetica Neue"/>
+                <a:sym typeface="Helvetica Neue"/>
+              </a:rPr>
+              <a:t>de estimación	</a:t>
+            </a:r>
+            <a:endParaRPr lang="es-ES" sz="2000" dirty="0">
+              <a:solidFill>
+                <a:srgbClr val="000000"/>
+              </a:solidFill>
+              <a:uFill>
+                <a:solidFill>
+                  <a:srgbClr val="000000"/>
+                </a:solidFill>
+              </a:uFill>
+              <a:latin typeface="Helvetica Neue"/>
+              <a:ea typeface="Helvetica Neue"/>
+              <a:cs typeface="Helvetica Neue"/>
+              <a:sym typeface="Helvetica Neue"/>
+            </a:endParaRPr>
+          </a:p>
+          <a:p>
+            <a:pPr defTabSz="457200">
+              <a:spcBef>
+                <a:spcPts val="0"/>
+              </a:spcBef>
+            </a:pPr>
+            <a:r>
+              <a:rPr lang="es-ES_tradnl" sz="2000" dirty="0">
+                <a:solidFill>
+                  <a:srgbClr val="000000"/>
+                </a:solidFill>
+                <a:uFill>
+                  <a:solidFill>
+                    <a:srgbClr val="000000"/>
+                  </a:solidFill>
+                </a:uFill>
+                <a:latin typeface="Helvetica Neue"/>
+                <a:ea typeface="Helvetica Neue"/>
+                <a:cs typeface="Helvetica Neue"/>
+                <a:sym typeface="Helvetica Neue"/>
+              </a:rPr>
+              <a:t>2</a:t>
+            </a:r>
+            <a:r>
+              <a:rPr lang="es-ES_tradnl" sz="2000" dirty="0" smtClean="0">
+                <a:solidFill>
+                  <a:srgbClr val="000000"/>
+                </a:solidFill>
+                <a:uFill>
+                  <a:solidFill>
+                    <a:srgbClr val="000000"/>
+                  </a:solidFill>
+                </a:uFill>
+                <a:latin typeface="Helvetica Neue"/>
+                <a:ea typeface="Helvetica Neue"/>
+                <a:cs typeface="Helvetica Neue"/>
+                <a:sym typeface="Helvetica Neue"/>
+              </a:rPr>
+              <a:t> Estimaciones </a:t>
+            </a:r>
+            <a:r>
+              <a:rPr lang="es-ES_tradnl" sz="2000" dirty="0">
+                <a:solidFill>
+                  <a:srgbClr val="000000"/>
+                </a:solidFill>
+                <a:uFill>
+                  <a:solidFill>
+                    <a:srgbClr val="000000"/>
+                  </a:solidFill>
+                </a:uFill>
+                <a:latin typeface="Helvetica Neue"/>
+                <a:ea typeface="Helvetica Neue"/>
+                <a:cs typeface="Helvetica Neue"/>
+                <a:sym typeface="Helvetica Neue"/>
+              </a:rPr>
+              <a:t>de esfuerzo,  </a:t>
+            </a:r>
+            <a:r>
+              <a:rPr lang="es-ES_tradnl" sz="2000" dirty="0" smtClean="0">
+                <a:solidFill>
+                  <a:srgbClr val="000000"/>
+                </a:solidFill>
+                <a:uFill>
+                  <a:solidFill>
+                    <a:srgbClr val="000000"/>
+                  </a:solidFill>
+                </a:uFill>
+                <a:latin typeface="Helvetica Neue"/>
+                <a:ea typeface="Helvetica Neue"/>
+                <a:cs typeface="Helvetica Neue"/>
+                <a:sym typeface="Helvetica Neue"/>
+              </a:rPr>
+              <a:t>          coste </a:t>
+            </a:r>
+            <a:r>
+              <a:rPr lang="es-ES_tradnl" sz="2000" dirty="0">
+                <a:solidFill>
+                  <a:srgbClr val="000000"/>
+                </a:solidFill>
+                <a:uFill>
+                  <a:solidFill>
+                    <a:srgbClr val="000000"/>
+                  </a:solidFill>
+                </a:uFill>
+                <a:latin typeface="Helvetica Neue"/>
+                <a:ea typeface="Helvetica Neue"/>
+                <a:cs typeface="Helvetica Neue"/>
+                <a:sym typeface="Helvetica Neue"/>
+              </a:rPr>
+              <a:t>y duración</a:t>
+            </a:r>
+            <a:endParaRPr sz="2000" dirty="0">
+              <a:solidFill>
+                <a:srgbClr val="000000"/>
+              </a:solidFill>
+              <a:uFill>
+                <a:solidFill>
+                  <a:srgbClr val="000000"/>
+                </a:solidFill>
+              </a:uFill>
+              <a:latin typeface="Helvetica Neue"/>
+              <a:ea typeface="Helvetica Neue"/>
+              <a:cs typeface="Helvetica Neue"/>
+              <a:sym typeface="Helvetica Neue"/>
+            </a:endParaRPr>
+          </a:p>
+        </p:txBody>
+      </p:sp>
+      <p:sp>
+        <p:nvSpPr>
+          <p:cNvPr id="175" name="Shape 175"/>
+          <p:cNvSpPr/>
+          <p:nvPr/>
+        </p:nvSpPr>
+        <p:spPr>
+          <a:xfrm>
+            <a:off x="10289724" y="5905250"/>
+            <a:ext cx="3977486" cy="2718693"/>
+          </a:xfrm>
+          <a:prstGeom prst="rect">
+            <a:avLst/>
+          </a:prstGeom>
+          <a:ln w="12700">
+            <a:miter lim="400000"/>
+          </a:ln>
+          <a:extLst>
+            <a:ext uri="{C572A759-6A51-4108-AA02-DFA0A04FC94B}">
+              <ma14:wrappingTextBoxFlag xmlns="" xmlns:ma14="http://schemas.microsoft.com/office/mac/drawingml/2011/main" val="1"/>
+            </a:ext>
+          </a:extLst>
+        </p:spPr>
+        <p:txBody>
+          <a:bodyPr lIns="50800" tIns="50800" rIns="50800" bIns="50800" anchor="ctr">
+            <a:spAutoFit/>
+          </a:bodyPr>
+          <a:lstStyle/>
+          <a:p>
+            <a:pPr defTabSz="457200">
+              <a:spcBef>
+                <a:spcPts val="0"/>
+              </a:spcBef>
+            </a:pPr>
+            <a:r>
+              <a:rPr lang="es-ES_tradnl" sz="2000" dirty="0" smtClean="0">
+                <a:solidFill>
+                  <a:srgbClr val="000000"/>
+                </a:solidFill>
+                <a:uFill>
+                  <a:solidFill>
+                    <a:srgbClr val="000000"/>
+                  </a:solidFill>
+                </a:uFill>
+                <a:latin typeface="Helvetica Neue"/>
+                <a:ea typeface="Helvetica Neue"/>
+                <a:cs typeface="Helvetica Neue"/>
+                <a:sym typeface="Helvetica Neue"/>
+              </a:rPr>
+              <a:t>1 Priorización </a:t>
+            </a:r>
+            <a:r>
+              <a:rPr lang="es-ES_tradnl" sz="2000" dirty="0">
+                <a:solidFill>
+                  <a:srgbClr val="000000"/>
+                </a:solidFill>
+                <a:uFill>
+                  <a:solidFill>
+                    <a:srgbClr val="000000"/>
+                  </a:solidFill>
+                </a:uFill>
+                <a:latin typeface="Helvetica Neue"/>
+                <a:ea typeface="Helvetica Neue"/>
+                <a:cs typeface="Helvetica Neue"/>
+                <a:sym typeface="Helvetica Neue"/>
+              </a:rPr>
+              <a:t>de riesgos del proyecto	</a:t>
+            </a:r>
+            <a:endParaRPr lang="es-ES" sz="2000" dirty="0">
+              <a:solidFill>
+                <a:srgbClr val="000000"/>
+              </a:solidFill>
+              <a:uFill>
+                <a:solidFill>
+                  <a:srgbClr val="000000"/>
+                </a:solidFill>
+              </a:uFill>
+              <a:latin typeface="Helvetica Neue"/>
+              <a:ea typeface="Helvetica Neue"/>
+              <a:cs typeface="Helvetica Neue"/>
+              <a:sym typeface="Helvetica Neue"/>
+            </a:endParaRPr>
+          </a:p>
+          <a:p>
+            <a:pPr defTabSz="457200">
+              <a:spcBef>
+                <a:spcPts val="0"/>
+              </a:spcBef>
+            </a:pPr>
+            <a:r>
+              <a:rPr lang="es-ES_tradnl" sz="2000" dirty="0">
+                <a:solidFill>
+                  <a:srgbClr val="000000"/>
+                </a:solidFill>
+                <a:uFill>
+                  <a:solidFill>
+                    <a:srgbClr val="000000"/>
+                  </a:solidFill>
+                </a:uFill>
+                <a:latin typeface="Helvetica Neue"/>
+                <a:ea typeface="Helvetica Neue"/>
+                <a:cs typeface="Helvetica Neue"/>
+                <a:sym typeface="Helvetica Neue"/>
+              </a:rPr>
+              <a:t>2</a:t>
+            </a:r>
+            <a:r>
+              <a:rPr lang="es-ES_tradnl" sz="2000" dirty="0" smtClean="0">
+                <a:solidFill>
+                  <a:srgbClr val="000000"/>
+                </a:solidFill>
+                <a:uFill>
+                  <a:solidFill>
+                    <a:srgbClr val="000000"/>
+                  </a:solidFill>
+                </a:uFill>
+                <a:latin typeface="Helvetica Neue"/>
+                <a:ea typeface="Helvetica Neue"/>
+                <a:cs typeface="Helvetica Neue"/>
+                <a:sym typeface="Helvetica Neue"/>
+              </a:rPr>
+              <a:t> </a:t>
+            </a:r>
+            <a:r>
+              <a:rPr lang="nl-NL" sz="2000" dirty="0" smtClean="0">
+                <a:solidFill>
+                  <a:srgbClr val="000000"/>
+                </a:solidFill>
+                <a:uFill>
+                  <a:solidFill>
+                    <a:srgbClr val="000000"/>
+                  </a:solidFill>
+                </a:uFill>
+                <a:latin typeface="Helvetica Neue"/>
+                <a:ea typeface="Helvetica Neue"/>
+                <a:cs typeface="Helvetica Neue"/>
+                <a:sym typeface="Helvetica Neue"/>
+              </a:rPr>
+              <a:t>Plan </a:t>
+            </a:r>
+            <a:r>
+              <a:rPr lang="nl-NL" sz="2000" dirty="0">
+                <a:solidFill>
+                  <a:srgbClr val="000000"/>
+                </a:solidFill>
+                <a:uFill>
+                  <a:solidFill>
+                    <a:srgbClr val="000000"/>
+                  </a:solidFill>
+                </a:uFill>
+                <a:latin typeface="Helvetica Neue"/>
+                <a:ea typeface="Helvetica Neue"/>
+                <a:cs typeface="Helvetica Neue"/>
+                <a:sym typeface="Helvetica Neue"/>
+              </a:rPr>
+              <a:t>de gesti</a:t>
+            </a:r>
+            <a:r>
+              <a:rPr lang="es-ES_tradnl" sz="2000" dirty="0">
+                <a:solidFill>
+                  <a:srgbClr val="000000"/>
+                </a:solidFill>
+                <a:uFill>
+                  <a:solidFill>
+                    <a:srgbClr val="000000"/>
+                  </a:solidFill>
+                </a:uFill>
+                <a:latin typeface="Helvetica Neue"/>
+                <a:ea typeface="Helvetica Neue"/>
+                <a:cs typeface="Helvetica Neue"/>
+                <a:sym typeface="Helvetica Neue"/>
+              </a:rPr>
+              <a:t>ón del riesgo Reducción, supervisión y gestión del riesgo	</a:t>
+            </a:r>
+            <a:endParaRPr lang="es-ES" sz="2000" dirty="0">
+              <a:solidFill>
+                <a:srgbClr val="000000"/>
+              </a:solidFill>
+              <a:uFill>
+                <a:solidFill>
+                  <a:srgbClr val="000000"/>
+                </a:solidFill>
+              </a:uFill>
+              <a:latin typeface="Helvetica Neue"/>
+              <a:ea typeface="Helvetica Neue"/>
+              <a:cs typeface="Helvetica Neue"/>
+              <a:sym typeface="Helvetica Neue"/>
+            </a:endParaRPr>
+          </a:p>
+          <a:p>
+            <a:pPr defTabSz="457200">
+              <a:spcBef>
+                <a:spcPts val="0"/>
+              </a:spcBef>
+            </a:pPr>
+            <a:r>
+              <a:rPr lang="es-ES_tradnl" sz="2000" dirty="0">
+                <a:solidFill>
+                  <a:srgbClr val="000000"/>
+                </a:solidFill>
+                <a:uFill>
+                  <a:solidFill>
+                    <a:srgbClr val="000000"/>
+                  </a:solidFill>
+                </a:uFill>
+                <a:latin typeface="Helvetica Neue"/>
+                <a:ea typeface="Helvetica Neue"/>
+                <a:cs typeface="Helvetica Neue"/>
+                <a:sym typeface="Helvetica Neue"/>
+              </a:rPr>
+              <a:t>3</a:t>
+            </a:r>
+            <a:r>
+              <a:rPr lang="es-ES_tradnl" sz="2000" dirty="0" smtClean="0">
+                <a:solidFill>
+                  <a:srgbClr val="000000"/>
+                </a:solidFill>
+                <a:uFill>
+                  <a:solidFill>
+                    <a:srgbClr val="000000"/>
+                  </a:solidFill>
+                </a:uFill>
+                <a:latin typeface="Helvetica Neue"/>
+                <a:ea typeface="Helvetica Neue"/>
+                <a:cs typeface="Helvetica Neue"/>
+                <a:sym typeface="Helvetica Neue"/>
+              </a:rPr>
+              <a:t> Planificación </a:t>
+            </a:r>
+            <a:r>
+              <a:rPr lang="es-ES_tradnl" sz="2000" dirty="0">
+                <a:solidFill>
+                  <a:srgbClr val="000000"/>
+                </a:solidFill>
+                <a:uFill>
+                  <a:solidFill>
+                    <a:srgbClr val="000000"/>
+                  </a:solidFill>
+                </a:uFill>
+                <a:latin typeface="Helvetica Neue"/>
+                <a:ea typeface="Helvetica Neue"/>
+                <a:cs typeface="Helvetica Neue"/>
+                <a:sym typeface="Helvetica Neue"/>
+              </a:rPr>
+              <a:t>temporal del Control de Riesgos	</a:t>
+            </a:r>
+            <a:endParaRPr lang="es-ES" sz="2000" dirty="0">
+              <a:solidFill>
+                <a:srgbClr val="000000"/>
+              </a:solidFill>
+              <a:uFill>
+                <a:solidFill>
+                  <a:srgbClr val="000000"/>
+                </a:solidFill>
+              </a:uFill>
+              <a:latin typeface="Helvetica Neue"/>
+              <a:ea typeface="Helvetica Neue"/>
+              <a:cs typeface="Helvetica Neue"/>
+              <a:sym typeface="Helvetica Neue"/>
+            </a:endParaRPr>
+          </a:p>
+          <a:p>
+            <a:pPr defTabSz="457200">
+              <a:spcBef>
+                <a:spcPts val="0"/>
+              </a:spcBef>
+            </a:pPr>
+            <a:r>
+              <a:rPr lang="es-ES_tradnl" sz="2000" dirty="0">
+                <a:solidFill>
+                  <a:srgbClr val="000000"/>
+                </a:solidFill>
+                <a:uFill>
+                  <a:solidFill>
+                    <a:srgbClr val="000000"/>
+                  </a:solidFill>
+                </a:uFill>
+                <a:latin typeface="Helvetica Neue"/>
+                <a:ea typeface="Helvetica Neue"/>
+                <a:cs typeface="Helvetica Neue"/>
+                <a:sym typeface="Helvetica Neue"/>
+              </a:rPr>
+              <a:t>4</a:t>
+            </a:r>
+            <a:r>
+              <a:rPr lang="es-ES_tradnl" sz="2000" dirty="0" smtClean="0">
+                <a:solidFill>
+                  <a:srgbClr val="000000"/>
+                </a:solidFill>
+                <a:uFill>
+                  <a:solidFill>
+                    <a:srgbClr val="000000"/>
+                  </a:solidFill>
+                </a:uFill>
+                <a:latin typeface="Helvetica Neue"/>
+                <a:ea typeface="Helvetica Neue"/>
+                <a:cs typeface="Helvetica Neue"/>
+                <a:sym typeface="Helvetica Neue"/>
+              </a:rPr>
+              <a:t> Resumen</a:t>
+            </a:r>
+            <a:r>
+              <a:rPr sz="2000" dirty="0">
+                <a:solidFill>
+                  <a:srgbClr val="000000"/>
+                </a:solidFill>
+                <a:uFill>
+                  <a:solidFill>
+                    <a:srgbClr val="000000"/>
+                  </a:solidFill>
+                </a:uFill>
+                <a:latin typeface="Helvetica Neue"/>
+                <a:ea typeface="Helvetica Neue"/>
+                <a:cs typeface="Helvetica Neue"/>
+                <a:sym typeface="Helvetica Neue"/>
+              </a:rPr>
+              <a:t>	</a:t>
+            </a:r>
+            <a:r>
+              <a:rPr dirty="0" smtClean="0"/>
+              <a:t>	</a:t>
+            </a:r>
+            <a:endParaRPr dirty="0"/>
+          </a:p>
+        </p:txBody>
+      </p:sp>
+      <p:sp>
+        <p:nvSpPr>
+          <p:cNvPr id="176" name="Shape 176">
+            <a:hlinkClick r:id="rId5" action="ppaction://hlinksldjump"/>
+          </p:cNvPr>
+          <p:cNvSpPr/>
+          <p:nvPr/>
+        </p:nvSpPr>
+        <p:spPr>
+          <a:xfrm>
+            <a:off x="996710" y="3562138"/>
+            <a:ext cx="4030812" cy="622301"/>
+          </a:xfrm>
+          <a:prstGeom prst="roundRect">
+            <a:avLst>
+              <a:gd name="adj" fmla="val 33536"/>
+            </a:avLst>
+          </a:prstGeom>
+          <a:solidFill>
+            <a:srgbClr val="BA6B89"/>
+          </a:solidFill>
+          <a:ln w="12700">
+            <a:miter lim="400000"/>
+          </a:ln>
+        </p:spPr>
+        <p:txBody>
+          <a:bodyPr lIns="50800" tIns="50800" rIns="50800" bIns="50800" anchor="ctr"/>
+          <a:lstStyle/>
+          <a:p>
+            <a:pPr algn="ctr">
+              <a:lnSpc>
+                <a:spcPct val="80000"/>
+              </a:lnSpc>
+              <a:spcBef>
+                <a:spcPts val="0"/>
+              </a:spcBef>
+              <a:defRPr sz="4000" cap="all">
+                <a:solidFill>
+                  <a:srgbClr val="FFFFFF"/>
+                </a:solidFill>
+                <a:latin typeface="+mn-lt"/>
+                <a:ea typeface="+mn-ea"/>
+                <a:cs typeface="+mn-cs"/>
+                <a:sym typeface="DIN Condensed"/>
+              </a:defRPr>
+            </a:pPr>
+            <a:endParaRPr/>
+          </a:p>
+        </p:txBody>
+      </p:sp>
+      <p:sp>
+        <p:nvSpPr>
+          <p:cNvPr id="177" name="Shape 177"/>
+          <p:cNvSpPr/>
+          <p:nvPr/>
+        </p:nvSpPr>
+        <p:spPr>
+          <a:xfrm>
+            <a:off x="1930317" y="3655091"/>
+            <a:ext cx="2163598" cy="436396"/>
+          </a:xfrm>
+          <a:prstGeom prst="rect">
+            <a:avLst/>
+          </a:prstGeom>
+          <a:ln w="12700">
+            <a:miter lim="400000"/>
+          </a:ln>
+          <a:extLst>
+            <a:ext uri="{C572A759-6A51-4108-AA02-DFA0A04FC94B}">
+              <ma14:wrappingTextBoxFlag xmlns="" xmlns:ma14="http://schemas.microsoft.com/office/mac/drawingml/2011/main" val="1"/>
+            </a:ext>
+          </a:extLst>
+        </p:spPr>
+        <p:txBody>
+          <a:bodyPr lIns="50800" tIns="50800" rIns="50800" bIns="50800" anchor="ctr">
+            <a:spAutoFit/>
+          </a:bodyPr>
+          <a:lstStyle>
+            <a:lvl1pPr>
+              <a:defRPr sz="2200" b="1">
+                <a:solidFill>
+                  <a:srgbClr val="FFFFFF"/>
+                </a:solidFill>
+                <a:latin typeface="Helvetica Neue"/>
+                <a:ea typeface="Helvetica Neue"/>
+                <a:cs typeface="Helvetica Neue"/>
+                <a:sym typeface="Helvetica Neue"/>
+              </a:defRPr>
+            </a:lvl1pPr>
+          </a:lstStyle>
+          <a:p>
+            <a:r>
+              <a:t>1 Introduccion</a:t>
+            </a:r>
+          </a:p>
+        </p:txBody>
+      </p:sp>
+      <p:sp>
+        <p:nvSpPr>
+          <p:cNvPr id="178" name="Shape 178">
+            <a:hlinkClick r:id="rId5" action="ppaction://hlinksldjump"/>
+          </p:cNvPr>
+          <p:cNvSpPr/>
+          <p:nvPr/>
+        </p:nvSpPr>
+        <p:spPr>
+          <a:xfrm>
+            <a:off x="5586652" y="3562138"/>
+            <a:ext cx="4030812" cy="622301"/>
+          </a:xfrm>
+          <a:prstGeom prst="roundRect">
+            <a:avLst>
+              <a:gd name="adj" fmla="val 33536"/>
+            </a:avLst>
+          </a:prstGeom>
+          <a:solidFill>
+            <a:srgbClr val="BA6B89"/>
+          </a:solidFill>
+          <a:ln w="12700">
+            <a:miter lim="400000"/>
+          </a:ln>
+        </p:spPr>
+        <p:txBody>
+          <a:bodyPr lIns="50800" tIns="50800" rIns="50800" bIns="50800" anchor="ctr"/>
+          <a:lstStyle/>
+          <a:p>
+            <a:pPr algn="ctr">
+              <a:lnSpc>
+                <a:spcPct val="80000"/>
+              </a:lnSpc>
+              <a:spcBef>
+                <a:spcPts val="0"/>
+              </a:spcBef>
+              <a:defRPr sz="4000" cap="all">
+                <a:solidFill>
+                  <a:srgbClr val="FFFFFF"/>
+                </a:solidFill>
+                <a:latin typeface="+mn-lt"/>
+                <a:ea typeface="+mn-ea"/>
+                <a:cs typeface="+mn-cs"/>
+                <a:sym typeface="DIN Condensed"/>
+              </a:defRPr>
+            </a:pPr>
+            <a:endParaRPr/>
+          </a:p>
+        </p:txBody>
+      </p:sp>
+      <p:sp>
+        <p:nvSpPr>
+          <p:cNvPr id="179" name="Shape 179"/>
+          <p:cNvSpPr/>
+          <p:nvPr/>
+        </p:nvSpPr>
+        <p:spPr>
+          <a:xfrm>
+            <a:off x="5687179" y="3647832"/>
+            <a:ext cx="4841922" cy="441146"/>
+          </a:xfrm>
+          <a:prstGeom prst="rect">
+            <a:avLst/>
+          </a:prstGeom>
+          <a:ln w="12700">
+            <a:miter lim="400000"/>
+          </a:ln>
+          <a:extLst>
+            <a:ext uri="{C572A759-6A51-4108-AA02-DFA0A04FC94B}">
+              <ma14:wrappingTextBoxFlag xmlns="" xmlns:ma14="http://schemas.microsoft.com/office/mac/drawingml/2011/main" val="1"/>
+            </a:ext>
+          </a:extLst>
+        </p:spPr>
+        <p:txBody>
+          <a:bodyPr wrap="square" lIns="50800" tIns="50800" rIns="50800" bIns="50800" anchor="ctr">
+            <a:spAutoFit/>
+          </a:bodyPr>
+          <a:lstStyle>
+            <a:lvl1pPr>
+              <a:defRPr sz="2200" b="1">
+                <a:solidFill>
+                  <a:srgbClr val="FFFFFF"/>
+                </a:solidFill>
+                <a:latin typeface="Helvetica Neue"/>
+                <a:ea typeface="Helvetica Neue"/>
+                <a:cs typeface="Helvetica Neue"/>
+                <a:sym typeface="Helvetica Neue"/>
+              </a:defRPr>
+            </a:lvl1pPr>
+          </a:lstStyle>
+          <a:p>
+            <a:r>
+              <a:rPr dirty="0"/>
+              <a:t>2 </a:t>
+            </a:r>
+            <a:r>
+              <a:rPr lang="es-ES_tradnl" dirty="0"/>
+              <a:t>Estimaciones </a:t>
+            </a:r>
+            <a:r>
+              <a:rPr lang="es-ES_tradnl" dirty="0" smtClean="0"/>
+              <a:t>del proyecto</a:t>
+            </a:r>
+            <a:endParaRPr dirty="0"/>
+          </a:p>
+        </p:txBody>
+      </p:sp>
+      <p:sp>
+        <p:nvSpPr>
+          <p:cNvPr id="180" name="Shape 180">
+            <a:hlinkClick r:id="rId5" action="ppaction://hlinksldjump"/>
+          </p:cNvPr>
+          <p:cNvSpPr/>
+          <p:nvPr/>
+        </p:nvSpPr>
+        <p:spPr>
+          <a:xfrm>
+            <a:off x="10176594" y="3593818"/>
+            <a:ext cx="4030812" cy="622301"/>
+          </a:xfrm>
+          <a:prstGeom prst="roundRect">
+            <a:avLst>
+              <a:gd name="adj" fmla="val 33536"/>
+            </a:avLst>
+          </a:prstGeom>
+          <a:solidFill>
+            <a:srgbClr val="BA6B89"/>
+          </a:solidFill>
+          <a:ln w="12700">
+            <a:miter lim="400000"/>
+          </a:ln>
+        </p:spPr>
+        <p:txBody>
+          <a:bodyPr lIns="50800" tIns="50800" rIns="50800" bIns="50800" anchor="ctr"/>
+          <a:lstStyle/>
+          <a:p>
+            <a:pPr algn="ctr">
+              <a:lnSpc>
+                <a:spcPct val="80000"/>
+              </a:lnSpc>
+              <a:spcBef>
+                <a:spcPts val="0"/>
+              </a:spcBef>
+              <a:defRPr sz="4000" cap="all">
+                <a:solidFill>
+                  <a:srgbClr val="FFFFFF"/>
+                </a:solidFill>
+                <a:latin typeface="+mn-lt"/>
+                <a:ea typeface="+mn-ea"/>
+                <a:cs typeface="+mn-cs"/>
+                <a:sym typeface="DIN Condensed"/>
+              </a:defRPr>
+            </a:pPr>
+            <a:endParaRPr/>
+          </a:p>
+        </p:txBody>
+      </p:sp>
+      <p:sp>
+        <p:nvSpPr>
+          <p:cNvPr id="181" name="Shape 181"/>
+          <p:cNvSpPr/>
+          <p:nvPr/>
+        </p:nvSpPr>
+        <p:spPr>
+          <a:xfrm>
+            <a:off x="10094771" y="3684394"/>
+            <a:ext cx="4237434" cy="441146"/>
+          </a:xfrm>
+          <a:prstGeom prst="rect">
+            <a:avLst/>
+          </a:prstGeom>
+          <a:ln w="12700">
+            <a:miter lim="400000"/>
+          </a:ln>
+          <a:extLst>
+            <a:ext uri="{C572A759-6A51-4108-AA02-DFA0A04FC94B}">
+              <ma14:wrappingTextBoxFlag xmlns="" xmlns:ma14="http://schemas.microsoft.com/office/mac/drawingml/2011/main" val="1"/>
+            </a:ext>
+          </a:extLst>
+        </p:spPr>
+        <p:txBody>
+          <a:bodyPr wrap="square" lIns="50800" tIns="50800" rIns="50800" bIns="50800" anchor="ctr">
+            <a:spAutoFit/>
+          </a:bodyPr>
+          <a:lstStyle>
+            <a:lvl1pPr>
+              <a:defRPr sz="2200" b="1">
+                <a:solidFill>
+                  <a:srgbClr val="FFFFFF"/>
+                </a:solidFill>
+                <a:latin typeface="Helvetica Neue"/>
+                <a:ea typeface="Helvetica Neue"/>
+                <a:cs typeface="Helvetica Neue"/>
+                <a:sym typeface="Helvetica Neue"/>
+              </a:defRPr>
+            </a:lvl1pPr>
+          </a:lstStyle>
+          <a:p>
+            <a:pPr algn="ctr"/>
+            <a:r>
+              <a:rPr dirty="0"/>
+              <a:t>3 </a:t>
+            </a:r>
+            <a:r>
+              <a:rPr lang="es-ES" dirty="0" smtClean="0"/>
+              <a:t>G</a:t>
+            </a:r>
+            <a:r>
+              <a:rPr lang="pt-PT" dirty="0" smtClean="0"/>
+              <a:t>esti</a:t>
+            </a:r>
+            <a:r>
+              <a:rPr lang="es-ES_tradnl" dirty="0" err="1" smtClean="0"/>
+              <a:t>ón</a:t>
+            </a:r>
+            <a:r>
+              <a:rPr lang="es-ES_tradnl" dirty="0" smtClean="0"/>
+              <a:t> </a:t>
+            </a:r>
+            <a:r>
+              <a:rPr lang="es-ES_tradnl" dirty="0"/>
+              <a:t>del riesgo</a:t>
+            </a:r>
+            <a:endParaRPr dirty="0"/>
+          </a:p>
+        </p:txBody>
+      </p:sp>
+      <p:sp>
+        <p:nvSpPr>
+          <p:cNvPr id="182" name="Shape 182">
+            <a:hlinkClick r:id="rId5" action="ppaction://hlinksldjump"/>
+          </p:cNvPr>
+          <p:cNvSpPr/>
+          <p:nvPr/>
+        </p:nvSpPr>
+        <p:spPr>
+          <a:xfrm>
+            <a:off x="14766536" y="3625497"/>
+            <a:ext cx="4030812" cy="622301"/>
+          </a:xfrm>
+          <a:prstGeom prst="roundRect">
+            <a:avLst>
+              <a:gd name="adj" fmla="val 33536"/>
+            </a:avLst>
+          </a:prstGeom>
+          <a:solidFill>
+            <a:srgbClr val="BA6B89"/>
+          </a:solidFill>
+          <a:ln w="12700">
+            <a:miter lim="400000"/>
+          </a:ln>
+        </p:spPr>
+        <p:txBody>
+          <a:bodyPr lIns="50800" tIns="50800" rIns="50800" bIns="50800" anchor="ctr"/>
+          <a:lstStyle/>
+          <a:p>
+            <a:pPr algn="ctr">
+              <a:lnSpc>
+                <a:spcPct val="80000"/>
+              </a:lnSpc>
+              <a:spcBef>
+                <a:spcPts val="0"/>
+              </a:spcBef>
+              <a:defRPr sz="4000" cap="all">
+                <a:solidFill>
+                  <a:srgbClr val="FFFFFF"/>
+                </a:solidFill>
+                <a:latin typeface="+mn-lt"/>
+                <a:ea typeface="+mn-ea"/>
+                <a:cs typeface="+mn-cs"/>
+                <a:sym typeface="DIN Condensed"/>
+              </a:defRPr>
+            </a:pPr>
+            <a:endParaRPr/>
+          </a:p>
+        </p:txBody>
+      </p:sp>
+      <p:sp>
+        <p:nvSpPr>
+          <p:cNvPr id="183" name="Shape 183"/>
+          <p:cNvSpPr/>
+          <p:nvPr/>
+        </p:nvSpPr>
+        <p:spPr>
+          <a:xfrm>
+            <a:off x="15048307" y="3710085"/>
+            <a:ext cx="3749041" cy="441146"/>
+          </a:xfrm>
+          <a:prstGeom prst="rect">
+            <a:avLst/>
+          </a:prstGeom>
+          <a:ln w="12700">
+            <a:miter lim="400000"/>
+          </a:ln>
+          <a:extLst>
+            <a:ext uri="{C572A759-6A51-4108-AA02-DFA0A04FC94B}">
+              <ma14:wrappingTextBoxFlag xmlns="" xmlns:ma14="http://schemas.microsoft.com/office/mac/drawingml/2011/main" val="1"/>
+            </a:ext>
+          </a:extLst>
+        </p:spPr>
+        <p:txBody>
+          <a:bodyPr wrap="square" lIns="50800" tIns="50800" rIns="50800" bIns="50800" anchor="ctr">
+            <a:spAutoFit/>
+          </a:bodyPr>
+          <a:lstStyle>
+            <a:lvl1pPr>
+              <a:defRPr sz="2200" b="1">
+                <a:solidFill>
+                  <a:srgbClr val="FFFFFF"/>
+                </a:solidFill>
+                <a:latin typeface="Helvetica Neue"/>
+                <a:ea typeface="Helvetica Neue"/>
+                <a:cs typeface="Helvetica Neue"/>
+                <a:sym typeface="Helvetica Neue"/>
+              </a:defRPr>
+            </a:lvl1pPr>
+          </a:lstStyle>
+          <a:p>
+            <a:r>
+              <a:rPr dirty="0"/>
+              <a:t>4 </a:t>
+            </a:r>
+            <a:r>
+              <a:rPr lang="es-ES_tradnl" dirty="0" err="1"/>
+              <a:t>Planificació</a:t>
+            </a:r>
+            <a:r>
+              <a:rPr lang="it-IT" dirty="0"/>
+              <a:t>n temporal</a:t>
+            </a:r>
+            <a:endParaRPr dirty="0"/>
+          </a:p>
+        </p:txBody>
+      </p:sp>
+      <p:sp>
+        <p:nvSpPr>
+          <p:cNvPr id="184" name="Shape 184">
+            <a:hlinkClick r:id="rId5" action="ppaction://hlinksldjump"/>
+          </p:cNvPr>
+          <p:cNvSpPr/>
+          <p:nvPr/>
+        </p:nvSpPr>
+        <p:spPr>
+          <a:xfrm>
+            <a:off x="19356478" y="3593818"/>
+            <a:ext cx="4030812" cy="622301"/>
+          </a:xfrm>
+          <a:prstGeom prst="roundRect">
+            <a:avLst>
+              <a:gd name="adj" fmla="val 33536"/>
+            </a:avLst>
+          </a:prstGeom>
+          <a:solidFill>
+            <a:srgbClr val="BA6B89"/>
+          </a:solidFill>
+          <a:ln w="12700">
+            <a:miter lim="400000"/>
+          </a:ln>
+        </p:spPr>
+        <p:txBody>
+          <a:bodyPr lIns="50800" tIns="50800" rIns="50800" bIns="50800" anchor="ctr"/>
+          <a:lstStyle/>
+          <a:p>
+            <a:pPr algn="ctr">
+              <a:lnSpc>
+                <a:spcPct val="80000"/>
+              </a:lnSpc>
+              <a:spcBef>
+                <a:spcPts val="0"/>
+              </a:spcBef>
+              <a:defRPr sz="4000" cap="all">
+                <a:solidFill>
+                  <a:srgbClr val="FFFFFF"/>
+                </a:solidFill>
+                <a:latin typeface="+mn-lt"/>
+                <a:ea typeface="+mn-ea"/>
+                <a:cs typeface="+mn-cs"/>
+                <a:sym typeface="DIN Condensed"/>
+              </a:defRPr>
+            </a:pPr>
+            <a:endParaRPr/>
+          </a:p>
+        </p:txBody>
+      </p:sp>
+      <p:sp>
+        <p:nvSpPr>
+          <p:cNvPr id="185" name="Shape 185"/>
+          <p:cNvSpPr/>
+          <p:nvPr/>
+        </p:nvSpPr>
+        <p:spPr>
+          <a:xfrm>
+            <a:off x="19649630" y="3684394"/>
+            <a:ext cx="4768210" cy="441146"/>
+          </a:xfrm>
+          <a:prstGeom prst="rect">
+            <a:avLst/>
+          </a:prstGeom>
+          <a:ln w="12700">
+            <a:miter lim="400000"/>
+          </a:ln>
+          <a:extLst>
+            <a:ext uri="{C572A759-6A51-4108-AA02-DFA0A04FC94B}">
+              <ma14:wrappingTextBoxFlag xmlns="" xmlns:ma14="http://schemas.microsoft.com/office/mac/drawingml/2011/main" val="1"/>
+            </a:ext>
+          </a:extLst>
+        </p:spPr>
+        <p:txBody>
+          <a:bodyPr wrap="square" lIns="50800" tIns="50800" rIns="50800" bIns="50800" anchor="ctr">
+            <a:spAutoFit/>
+          </a:bodyPr>
+          <a:lstStyle>
+            <a:lvl1pPr>
+              <a:defRPr sz="2200" b="1">
+                <a:solidFill>
+                  <a:srgbClr val="FFFFFF"/>
+                </a:solidFill>
+                <a:latin typeface="Helvetica Neue"/>
+                <a:ea typeface="Helvetica Neue"/>
+                <a:cs typeface="Helvetica Neue"/>
+                <a:sym typeface="Helvetica Neue"/>
+              </a:defRPr>
+            </a:lvl1pPr>
+          </a:lstStyle>
+          <a:p>
+            <a:r>
+              <a:rPr dirty="0"/>
+              <a:t>5 </a:t>
+            </a:r>
+            <a:r>
+              <a:rPr lang="es-ES_tradnl" dirty="0"/>
+              <a:t>Recursos del proyecto</a:t>
+            </a:r>
+            <a:endParaRPr dirty="0"/>
+          </a:p>
+        </p:txBody>
+      </p:sp>
+      <p:sp>
+        <p:nvSpPr>
+          <p:cNvPr id="186" name="Shape 186"/>
+          <p:cNvSpPr/>
+          <p:nvPr/>
+        </p:nvSpPr>
+        <p:spPr>
+          <a:xfrm>
+            <a:off x="936906" y="4844942"/>
+            <a:ext cx="4150420" cy="5656803"/>
+          </a:xfrm>
+          <a:prstGeom prst="roundRect">
+            <a:avLst>
+              <a:gd name="adj" fmla="val 32015"/>
+            </a:avLst>
+          </a:prstGeom>
+          <a:ln w="38100">
+            <a:solidFill>
+              <a:srgbClr val="5B5854"/>
+            </a:solidFill>
+            <a:miter lim="400000"/>
+          </a:ln>
+        </p:spPr>
+        <p:txBody>
+          <a:bodyPr lIns="50800" tIns="50800" rIns="50800" bIns="50800" anchor="ctr"/>
+          <a:lstStyle/>
+          <a:p>
+            <a:pPr algn="ctr">
+              <a:lnSpc>
+                <a:spcPct val="80000"/>
+              </a:lnSpc>
+              <a:spcBef>
+                <a:spcPts val="0"/>
+              </a:spcBef>
+              <a:defRPr sz="100" cap="all">
+                <a:solidFill>
+                  <a:srgbClr val="FFFFFF"/>
+                </a:solidFill>
+                <a:latin typeface="+mn-lt"/>
+                <a:ea typeface="+mn-ea"/>
+                <a:cs typeface="+mn-cs"/>
+                <a:sym typeface="DIN Condensed"/>
+              </a:defRPr>
+            </a:pPr>
+            <a:endParaRPr/>
+          </a:p>
+        </p:txBody>
+      </p:sp>
+      <p:sp>
+        <p:nvSpPr>
+          <p:cNvPr id="187" name="Shape 187"/>
+          <p:cNvSpPr/>
+          <p:nvPr/>
+        </p:nvSpPr>
+        <p:spPr>
+          <a:xfrm>
+            <a:off x="5526848" y="4844943"/>
+            <a:ext cx="4150420" cy="5656802"/>
+          </a:xfrm>
+          <a:prstGeom prst="roundRect">
+            <a:avLst>
+              <a:gd name="adj" fmla="val 21900"/>
+            </a:avLst>
+          </a:prstGeom>
+          <a:ln w="38100">
+            <a:solidFill>
+              <a:srgbClr val="5B5854"/>
+            </a:solidFill>
+            <a:miter lim="400000"/>
+          </a:ln>
+        </p:spPr>
+        <p:txBody>
+          <a:bodyPr lIns="50800" tIns="50800" rIns="50800" bIns="50800" anchor="ctr"/>
+          <a:lstStyle/>
+          <a:p>
+            <a:pPr algn="ctr">
+              <a:lnSpc>
+                <a:spcPct val="80000"/>
+              </a:lnSpc>
+              <a:spcBef>
+                <a:spcPts val="0"/>
+              </a:spcBef>
+              <a:defRPr sz="100" cap="all">
+                <a:solidFill>
+                  <a:srgbClr val="FFFFFF"/>
+                </a:solidFill>
+                <a:latin typeface="+mn-lt"/>
+                <a:ea typeface="+mn-ea"/>
+                <a:cs typeface="+mn-cs"/>
+                <a:sym typeface="DIN Condensed"/>
+              </a:defRPr>
+            </a:pPr>
+            <a:endParaRPr/>
+          </a:p>
+        </p:txBody>
+      </p:sp>
+      <p:sp>
+        <p:nvSpPr>
+          <p:cNvPr id="188" name="Shape 188"/>
+          <p:cNvSpPr/>
+          <p:nvPr/>
+        </p:nvSpPr>
+        <p:spPr>
+          <a:xfrm>
+            <a:off x="10116790" y="4844943"/>
+            <a:ext cx="4150420" cy="5656802"/>
+          </a:xfrm>
+          <a:prstGeom prst="roundRect">
+            <a:avLst>
+              <a:gd name="adj" fmla="val 18996"/>
+            </a:avLst>
+          </a:prstGeom>
+          <a:ln w="38100">
+            <a:solidFill>
+              <a:srgbClr val="5B5854"/>
+            </a:solidFill>
+            <a:miter lim="400000"/>
+          </a:ln>
+        </p:spPr>
+        <p:txBody>
+          <a:bodyPr lIns="50800" tIns="50800" rIns="50800" bIns="50800" anchor="ctr"/>
+          <a:lstStyle/>
+          <a:p>
+            <a:pPr algn="ctr">
+              <a:lnSpc>
+                <a:spcPct val="80000"/>
+              </a:lnSpc>
+              <a:spcBef>
+                <a:spcPts val="0"/>
+              </a:spcBef>
+              <a:defRPr sz="100" cap="all">
+                <a:solidFill>
+                  <a:srgbClr val="FFFFFF"/>
+                </a:solidFill>
+                <a:latin typeface="+mn-lt"/>
+                <a:ea typeface="+mn-ea"/>
+                <a:cs typeface="+mn-cs"/>
+                <a:sym typeface="DIN Condensed"/>
+              </a:defRPr>
+            </a:pPr>
+            <a:endParaRPr/>
+          </a:p>
+        </p:txBody>
+      </p:sp>
+      <p:sp>
+        <p:nvSpPr>
+          <p:cNvPr id="189" name="Shape 189"/>
+          <p:cNvSpPr/>
+          <p:nvPr/>
+        </p:nvSpPr>
+        <p:spPr>
+          <a:xfrm>
+            <a:off x="14706732" y="4844943"/>
+            <a:ext cx="4150420" cy="5656802"/>
+          </a:xfrm>
+          <a:prstGeom prst="roundRect">
+            <a:avLst>
+              <a:gd name="adj" fmla="val 21900"/>
+            </a:avLst>
+          </a:prstGeom>
+          <a:ln w="38100">
+            <a:solidFill>
+              <a:srgbClr val="5B5854"/>
+            </a:solidFill>
+            <a:miter lim="400000"/>
+          </a:ln>
+        </p:spPr>
+        <p:txBody>
+          <a:bodyPr lIns="50800" tIns="50800" rIns="50800" bIns="50800" anchor="ctr"/>
+          <a:lstStyle/>
+          <a:p>
+            <a:pPr algn="ctr">
+              <a:lnSpc>
+                <a:spcPct val="80000"/>
+              </a:lnSpc>
+              <a:spcBef>
+                <a:spcPts val="0"/>
+              </a:spcBef>
+              <a:defRPr sz="100" cap="all">
+                <a:solidFill>
+                  <a:srgbClr val="FFFFFF"/>
+                </a:solidFill>
+                <a:latin typeface="+mn-lt"/>
+                <a:ea typeface="+mn-ea"/>
+                <a:cs typeface="+mn-cs"/>
+                <a:sym typeface="DIN Condensed"/>
+              </a:defRPr>
+            </a:pPr>
+            <a:endParaRPr/>
+          </a:p>
+        </p:txBody>
+      </p:sp>
+      <p:sp>
+        <p:nvSpPr>
+          <p:cNvPr id="191" name="Shape 191"/>
+          <p:cNvSpPr/>
+          <p:nvPr/>
+        </p:nvSpPr>
+        <p:spPr>
+          <a:xfrm>
+            <a:off x="15102776" y="5738951"/>
+            <a:ext cx="3516784" cy="1949252"/>
+          </a:xfrm>
+          <a:prstGeom prst="rect">
+            <a:avLst/>
+          </a:prstGeom>
+          <a:ln w="12700">
+            <a:miter lim="400000"/>
+          </a:ln>
+          <a:extLst>
+            <a:ext uri="{C572A759-6A51-4108-AA02-DFA0A04FC94B}">
+              <ma14:wrappingTextBoxFlag xmlns="" xmlns:ma14="http://schemas.microsoft.com/office/mac/drawingml/2011/main" val="1"/>
+            </a:ext>
+          </a:extLst>
+        </p:spPr>
+        <p:txBody>
+          <a:bodyPr wrap="square" lIns="50800" tIns="50800" rIns="50800" bIns="50800" anchor="ctr">
+            <a:spAutoFit/>
+          </a:bodyPr>
+          <a:lstStyle/>
+          <a:p>
+            <a:pPr defTabSz="457200">
+              <a:spcBef>
+                <a:spcPts val="0"/>
+              </a:spcBef>
+              <a:defRPr sz="2000">
+                <a:solidFill>
+                  <a:srgbClr val="000000"/>
+                </a:solidFill>
+                <a:uFill>
+                  <a:solidFill>
+                    <a:srgbClr val="000000"/>
+                  </a:solidFill>
+                </a:uFill>
+                <a:latin typeface="Times New Roman"/>
+                <a:ea typeface="Times New Roman"/>
+                <a:cs typeface="Times New Roman"/>
+                <a:sym typeface="Times New Roman"/>
+              </a:defRPr>
+            </a:pPr>
+            <a:r>
+              <a:rPr lang="es-ES" dirty="0" smtClean="0">
+                <a:latin typeface="Helvetica Neue"/>
+                <a:ea typeface="Helvetica Neue"/>
+                <a:cs typeface="Helvetica Neue"/>
+                <a:sym typeface="Helvetica Neue"/>
+              </a:rPr>
+              <a:t>1 Estructura </a:t>
+            </a:r>
+            <a:r>
+              <a:rPr lang="es-ES" dirty="0">
+                <a:latin typeface="Helvetica Neue"/>
+                <a:ea typeface="Helvetica Neue"/>
+                <a:cs typeface="Helvetica Neue"/>
+                <a:sym typeface="Helvetica Neue"/>
+              </a:rPr>
+              <a:t>de descomposición del trabajo/Planificación </a:t>
+            </a:r>
+            <a:r>
+              <a:rPr lang="es-ES" dirty="0" smtClean="0">
+                <a:latin typeface="Helvetica Neue"/>
+                <a:ea typeface="Helvetica Neue"/>
+                <a:cs typeface="Helvetica Neue"/>
+                <a:sym typeface="Helvetica Neue"/>
+              </a:rPr>
+              <a:t>temporal</a:t>
+            </a:r>
+          </a:p>
+          <a:p>
+            <a:pPr defTabSz="457200">
+              <a:spcBef>
+                <a:spcPts val="0"/>
+              </a:spcBef>
+              <a:defRPr sz="2000">
+                <a:solidFill>
+                  <a:srgbClr val="000000"/>
+                </a:solidFill>
+                <a:uFill>
+                  <a:solidFill>
+                    <a:srgbClr val="000000"/>
+                  </a:solidFill>
+                </a:uFill>
+                <a:latin typeface="Times New Roman"/>
+                <a:ea typeface="Times New Roman"/>
+                <a:cs typeface="Times New Roman"/>
+                <a:sym typeface="Times New Roman"/>
+              </a:defRPr>
+            </a:pPr>
+            <a:r>
+              <a:rPr lang="es-ES" dirty="0" smtClean="0">
+                <a:latin typeface="Helvetica Neue"/>
+                <a:ea typeface="Helvetica Neue"/>
+                <a:cs typeface="Helvetica Neue"/>
+                <a:sym typeface="Helvetica Neue"/>
+              </a:rPr>
+              <a:t>2 Gráfico Gantt	</a:t>
+            </a:r>
+          </a:p>
+          <a:p>
+            <a:pPr defTabSz="457200">
+              <a:spcBef>
+                <a:spcPts val="0"/>
+              </a:spcBef>
+              <a:defRPr sz="2000">
+                <a:solidFill>
+                  <a:srgbClr val="000000"/>
+                </a:solidFill>
+                <a:uFill>
+                  <a:solidFill>
+                    <a:srgbClr val="000000"/>
+                  </a:solidFill>
+                </a:uFill>
+                <a:latin typeface="Times New Roman"/>
+                <a:ea typeface="Times New Roman"/>
+                <a:cs typeface="Times New Roman"/>
+                <a:sym typeface="Times New Roman"/>
+              </a:defRPr>
+            </a:pPr>
+            <a:r>
+              <a:rPr lang="es-ES" dirty="0" smtClean="0">
+                <a:latin typeface="Helvetica Neue"/>
+                <a:ea typeface="Helvetica Neue"/>
+                <a:cs typeface="Helvetica Neue"/>
+                <a:sym typeface="Helvetica Neue"/>
+              </a:rPr>
+              <a:t>3 Red </a:t>
+            </a:r>
+            <a:r>
+              <a:rPr lang="es-ES" dirty="0">
+                <a:latin typeface="Helvetica Neue"/>
+                <a:ea typeface="Helvetica Neue"/>
+                <a:cs typeface="Helvetica Neue"/>
+                <a:sym typeface="Helvetica Neue"/>
+              </a:rPr>
+              <a:t>de tareas	</a:t>
+            </a:r>
+          </a:p>
+          <a:p>
+            <a:pPr defTabSz="457200">
+              <a:spcBef>
+                <a:spcPts val="0"/>
+              </a:spcBef>
+              <a:defRPr sz="2000">
+                <a:solidFill>
+                  <a:srgbClr val="000000"/>
+                </a:solidFill>
+                <a:uFill>
+                  <a:solidFill>
+                    <a:srgbClr val="000000"/>
+                  </a:solidFill>
+                </a:uFill>
+                <a:latin typeface="Times New Roman"/>
+                <a:ea typeface="Times New Roman"/>
+                <a:cs typeface="Times New Roman"/>
+                <a:sym typeface="Times New Roman"/>
+              </a:defRPr>
+            </a:pPr>
+            <a:r>
+              <a:rPr lang="es-ES" dirty="0" smtClean="0">
+                <a:latin typeface="Helvetica Neue"/>
+                <a:ea typeface="Helvetica Neue"/>
+                <a:cs typeface="Helvetica Neue"/>
+                <a:sym typeface="Helvetica Neue"/>
+              </a:rPr>
+              <a:t>4 Tabla </a:t>
+            </a:r>
+            <a:r>
+              <a:rPr lang="es-ES" dirty="0">
+                <a:latin typeface="Helvetica Neue"/>
+                <a:ea typeface="Helvetica Neue"/>
+                <a:cs typeface="Helvetica Neue"/>
+                <a:sym typeface="Helvetica Neue"/>
+              </a:rPr>
+              <a:t>de uso de recursos</a:t>
+            </a:r>
+          </a:p>
+        </p:txBody>
+      </p:sp>
+      <p:sp>
+        <p:nvSpPr>
+          <p:cNvPr id="26" name="Shape 187"/>
+          <p:cNvSpPr/>
+          <p:nvPr/>
+        </p:nvSpPr>
+        <p:spPr>
+          <a:xfrm>
+            <a:off x="19356478" y="4844943"/>
+            <a:ext cx="4150420" cy="5656802"/>
+          </a:xfrm>
+          <a:prstGeom prst="roundRect">
+            <a:avLst>
+              <a:gd name="adj" fmla="val 21900"/>
+            </a:avLst>
+          </a:prstGeom>
+          <a:ln w="38100">
+            <a:solidFill>
+              <a:srgbClr val="5B5854"/>
+            </a:solidFill>
+            <a:miter lim="400000"/>
+          </a:ln>
+        </p:spPr>
+        <p:txBody>
+          <a:bodyPr lIns="50800" tIns="50800" rIns="50800" bIns="50800" anchor="ctr"/>
+          <a:lstStyle/>
+          <a:p>
+            <a:pPr algn="ctr">
+              <a:lnSpc>
+                <a:spcPct val="80000"/>
+              </a:lnSpc>
+              <a:spcBef>
+                <a:spcPts val="0"/>
+              </a:spcBef>
+              <a:defRPr sz="100" cap="all">
+                <a:solidFill>
+                  <a:srgbClr val="FFFFFF"/>
+                </a:solidFill>
+                <a:latin typeface="+mn-lt"/>
+                <a:ea typeface="+mn-ea"/>
+                <a:cs typeface="+mn-cs"/>
+                <a:sym typeface="DIN Condensed"/>
+              </a:defRPr>
+            </a:pPr>
+            <a:endParaRPr/>
+          </a:p>
+        </p:txBody>
+      </p:sp>
+      <p:sp>
+        <p:nvSpPr>
+          <p:cNvPr id="4" name="Marcador de número de diapositiva 3"/>
+          <p:cNvSpPr>
+            <a:spLocks noGrp="1"/>
+          </p:cNvSpPr>
+          <p:nvPr>
+            <p:ph type="sldNum" sz="quarter" idx="2"/>
+          </p:nvPr>
+        </p:nvSpPr>
+        <p:spPr/>
+        <p:txBody>
+          <a:bodyPr/>
+          <a:lstStyle/>
+          <a:p>
+            <a:fld id="{86CB4B4D-7CA3-9044-876B-883B54F8677D}" type="slidenum">
+              <a:rPr lang="es-ES" smtClean="0"/>
+              <a:t>2</a:t>
+            </a:fld>
+            <a:endParaRPr lang="es-ES"/>
+          </a:p>
+        </p:txBody>
+      </p:sp>
+    </p:spTree>
+    <p:extLst>
+      <p:ext uri="{BB962C8B-B14F-4D97-AF65-F5344CB8AC3E}">
+        <p14:creationId xmlns:p14="http://schemas.microsoft.com/office/powerpoint/2010/main" val="778317248"/>
+      </p:ext>
+    </p:extLst>
+  </p:cSld>
+  <p:clrMapOvr>
+    <a:masterClrMapping/>
+  </p:clrMapOvr>
+  <p:transition spd="med"/>
+  <p:timing>
+    <p:tnLst>
+      <p:par>
+        <p:cTn id="1" dur="indefinite" restart="never" nodeType="tmRoot"/>
+      </p:par>
+    </p:tnLst>
+  </p:timing>
+</p:sld>
+</file>
+
+<file path=ppt/slides/slide20.xml><?xml version="1.0" encoding="utf-8"?>
 <p:sld xmlns:a="http://schemas.openxmlformats.org/drawingml/2006/main" xmlns:r="http://schemas.openxmlformats.org/officeDocument/2006/relationships" xmlns:p="http://schemas.openxmlformats.org/presentationml/2006/main">
   <p:cSld>
     <p:spTree>
@@ -16291,49 +20554,6 @@
       </p:pic>
       <p:sp>
         <p:nvSpPr>
-          <p:cNvPr id="344" name="Shape 344"/>
-          <p:cNvSpPr/>
-          <p:nvPr/>
-        </p:nvSpPr>
-        <p:spPr>
-          <a:xfrm>
-            <a:off x="23281766" y="535886"/>
-            <a:ext cx="386335" cy="723901"/>
-          </a:xfrm>
-          <a:prstGeom prst="rect">
-            <a:avLst/>
-          </a:prstGeom>
-          <a:ln w="12700">
-            <a:miter lim="400000"/>
-          </a:ln>
-          <a:extLst>
-            <a:ext uri="{C572A759-6A51-4108-AA02-DFA0A04FC94B}">
-              <ma14:wrappingTextBoxFlag xmlns="" xmlns:ma14="http://schemas.microsoft.com/office/mac/drawingml/2011/main" val="1"/>
-            </a:ext>
-          </a:extLst>
-        </p:spPr>
-        <p:txBody>
-          <a:bodyPr wrap="none" lIns="50800" tIns="50800" rIns="50800" bIns="50800" anchor="ctr">
-            <a:spAutoFit/>
-          </a:bodyPr>
-          <a:lstStyle>
-            <a:lvl1pPr>
-              <a:defRPr sz="3600">
-                <a:solidFill>
-                  <a:srgbClr val="C1C0C2"/>
-                </a:solidFill>
-              </a:defRPr>
-            </a:lvl1pPr>
-          </a:lstStyle>
-          <a:p>
-            <a:r>
-              <a:t>1</a:t>
-            </a:r>
-          </a:p>
-        </p:txBody>
-      </p:sp>
-      <p:sp>
-        <p:nvSpPr>
           <p:cNvPr id="345" name="Shape 345"/>
           <p:cNvSpPr/>
           <p:nvPr/>
@@ -17746,16 +21966,46 @@
           </a:ln>
         </p:spPr>
       </p:pic>
+      <p:sp>
+        <p:nvSpPr>
+          <p:cNvPr id="3" name="Marcador de número de diapositiva 2"/>
+          <p:cNvSpPr>
+            <a:spLocks noGrp="1"/>
+          </p:cNvSpPr>
+          <p:nvPr>
+            <p:ph type="sldNum" sz="quarter" idx="2"/>
+          </p:nvPr>
+        </p:nvSpPr>
+        <p:spPr/>
+        <p:txBody>
+          <a:bodyPr/>
+          <a:lstStyle/>
+          <a:p>
+            <a:fld id="{86CB4B4D-7CA3-9044-876B-883B54F8677D}" type="slidenum">
+              <a:rPr lang="es-ES" smtClean="0"/>
+              <a:t>20</a:t>
+            </a:fld>
+            <a:endParaRPr lang="es-ES"/>
+          </a:p>
+        </p:txBody>
+      </p:sp>
     </p:spTree>
   </p:cSld>
   <p:clrMapOvr>
     <a:masterClrMapping/>
   </p:clrMapOvr>
   <p:transition spd="med"/>
+  <p:timing>
+    <p:tnLst>
+      <p:par>
+        <p:cTn id="1" dur="indefinite" restart="never" nodeType="tmRoot"/>
+      </p:par>
+    </p:tnLst>
+  </p:timing>
 </p:sld>
 </file>
 
-<file path=ppt/slides/slide19.xml><?xml version="1.0" encoding="utf-8"?>
+<file path=ppt/slides/slide21.xml><?xml version="1.0" encoding="utf-8"?>
 <p:sld xmlns:a="http://schemas.openxmlformats.org/drawingml/2006/main" xmlns:r="http://schemas.openxmlformats.org/officeDocument/2006/relationships" xmlns:p="http://schemas.openxmlformats.org/presentationml/2006/main">
   <p:cSld>
     <p:spTree>
@@ -17838,8 +22088,8 @@
         </p:nvSpPr>
         <p:spPr>
           <a:xfrm>
-            <a:off x="23281766" y="535886"/>
-            <a:ext cx="386335" cy="723901"/>
+            <a:off x="23281766" y="569541"/>
+            <a:ext cx="102657" cy="656590"/>
           </a:xfrm>
           <a:prstGeom prst="rect">
             <a:avLst/>
@@ -17867,9 +22117,7 @@
             </a:lvl1pPr>
           </a:lstStyle>
           <a:p>
-            <a:r>
-              <a:t>1</a:t>
-            </a:r>
+            <a:endParaRPr dirty="0"/>
           </a:p>
         </p:txBody>
       </p:sp>
@@ -19275,2059 +23523,30 @@
           </a:ln>
         </p:spPr>
       </p:pic>
-    </p:spTree>
-  </p:cSld>
-  <p:clrMapOvr>
-    <a:masterClrMapping/>
-  </p:clrMapOvr>
-  <p:transition spd="med"/>
-</p:sld>
-</file>
-
-<file path=ppt/slides/slide2.xml><?xml version="1.0" encoding="utf-8"?>
-<p:sld xmlns:a="http://schemas.openxmlformats.org/drawingml/2006/main" xmlns:r="http://schemas.openxmlformats.org/officeDocument/2006/relationships" xmlns:p="http://schemas.openxmlformats.org/presentationml/2006/main">
-  <p:cSld>
-    <p:spTree>
-      <p:nvGrpSpPr>
-        <p:cNvPr id="1" name=""/>
-        <p:cNvGrpSpPr/>
-        <p:nvPr/>
-      </p:nvGrpSpPr>
-      <p:grpSpPr>
-        <a:xfrm>
-          <a:off x="0" y="0"/>
-          <a:ext cx="0" cy="0"/>
-          <a:chOff x="0" y="0"/>
-          <a:chExt cx="0" cy="0"/>
-        </a:xfrm>
-      </p:grpSpPr>
-      <p:pic>
-        <p:nvPicPr>
-          <p:cNvPr id="168" name="pasted-image.tiff"/>
-          <p:cNvPicPr>
-            <a:picLocks noChangeAspect="1"/>
-          </p:cNvPicPr>
-          <p:nvPr/>
-        </p:nvPicPr>
-        <p:blipFill>
-          <a:blip r:embed="rId2">
-            <a:extLst/>
-          </a:blip>
-          <a:stretch>
-            <a:fillRect/>
-          </a:stretch>
-        </p:blipFill>
-        <p:spPr>
-          <a:xfrm>
-            <a:off x="-816206" y="-529723"/>
-            <a:ext cx="26829216" cy="2397845"/>
-          </a:xfrm>
-          <a:prstGeom prst="rect">
-            <a:avLst/>
-          </a:prstGeom>
-          <a:ln w="12700">
-            <a:miter lim="400000"/>
-          </a:ln>
-        </p:spPr>
-      </p:pic>
-      <p:pic>
-        <p:nvPicPr>
-          <p:cNvPr id="169" name="pasted-image.tiff"/>
-          <p:cNvPicPr>
-            <a:picLocks noChangeAspect="1"/>
-          </p:cNvPicPr>
-          <p:nvPr/>
-        </p:nvPicPr>
-        <p:blipFill>
-          <a:blip r:embed="rId3">
-            <a:extLst/>
-          </a:blip>
-          <a:stretch>
-            <a:fillRect/>
-          </a:stretch>
-        </p:blipFill>
-        <p:spPr>
-          <a:xfrm>
-            <a:off x="20120527" y="590633"/>
-            <a:ext cx="2416330" cy="766807"/>
-          </a:xfrm>
-          <a:prstGeom prst="rect">
-            <a:avLst/>
-          </a:prstGeom>
-          <a:ln w="12700">
-            <a:miter lim="400000"/>
-          </a:ln>
-        </p:spPr>
-      </p:pic>
       <p:sp>
         <p:nvSpPr>
-          <p:cNvPr id="170" name="Shape 170"/>
-          <p:cNvSpPr/>
-          <p:nvPr/>
+          <p:cNvPr id="3" name="Marcador de número de diapositiva 2"/>
+          <p:cNvSpPr>
+            <a:spLocks noGrp="1"/>
+          </p:cNvSpPr>
+          <p:nvPr>
+            <p:ph type="sldNum" sz="quarter" idx="2"/>
+          </p:nvPr>
         </p:nvSpPr>
-        <p:spPr>
-          <a:xfrm>
-            <a:off x="23281767" y="535886"/>
-            <a:ext cx="386334" cy="723901"/>
-          </a:xfrm>
-          <a:prstGeom prst="rect">
-            <a:avLst/>
-          </a:prstGeom>
-          <a:ln w="12700">
-            <a:miter lim="400000"/>
-          </a:ln>
-          <a:extLst>
-            <a:ext uri="{C572A759-6A51-4108-AA02-DFA0A04FC94B}">
-              <ma14:wrappingTextBoxFlag xmlns="" xmlns:ma14="http://schemas.microsoft.com/office/mac/drawingml/2011/main" val="1"/>
-            </a:ext>
-          </a:extLst>
-        </p:spPr>
+        <p:spPr/>
         <p:txBody>
-          <a:bodyPr wrap="none" lIns="50800" tIns="50800" rIns="50800" bIns="50800" anchor="ctr">
-            <a:spAutoFit/>
-          </a:bodyPr>
-          <a:lstStyle>
-            <a:lvl1pPr>
-              <a:defRPr sz="3600">
-                <a:solidFill>
-                  <a:srgbClr val="C1C0C2"/>
-                </a:solidFill>
-              </a:defRPr>
-            </a:lvl1pPr>
-          </a:lstStyle>
-          <a:p>
-            <a:r>
-              <a:t>1</a:t>
-            </a:r>
-          </a:p>
-        </p:txBody>
-      </p:sp>
-      <p:sp>
-        <p:nvSpPr>
-          <p:cNvPr id="171" name="Shape 171"/>
-          <p:cNvSpPr/>
-          <p:nvPr/>
-        </p:nvSpPr>
-        <p:spPr>
-          <a:xfrm>
-            <a:off x="1044067" y="512137"/>
-            <a:ext cx="1659636" cy="771399"/>
-          </a:xfrm>
-          <a:prstGeom prst="rect">
-            <a:avLst/>
-          </a:prstGeom>
-          <a:ln w="12700">
-            <a:miter lim="400000"/>
-          </a:ln>
-          <a:extLst>
-            <a:ext uri="{C572A759-6A51-4108-AA02-DFA0A04FC94B}">
-              <ma14:wrappingTextBoxFlag xmlns="" xmlns:ma14="http://schemas.microsoft.com/office/mac/drawingml/2011/main" val="1"/>
-            </a:ext>
-          </a:extLst>
-        </p:spPr>
-        <p:txBody>
-          <a:bodyPr wrap="none" lIns="50800" tIns="50800" rIns="50800" bIns="50800" anchor="ctr">
-            <a:spAutoFit/>
-          </a:bodyPr>
-          <a:lstStyle>
-            <a:lvl1pPr>
-              <a:defRPr sz="4500">
-                <a:solidFill>
-                  <a:srgbClr val="FFFFFF"/>
-                </a:solidFill>
-                <a:latin typeface="Helvetica Neue"/>
-                <a:ea typeface="Helvetica Neue"/>
-                <a:cs typeface="Helvetica Neue"/>
-                <a:sym typeface="Helvetica Neue"/>
-              </a:defRPr>
-            </a:lvl1pPr>
-          </a:lstStyle>
-          <a:p>
-            <a:r>
-              <a:t>Indice</a:t>
-            </a:r>
-          </a:p>
-        </p:txBody>
-      </p:sp>
-      <p:sp>
-        <p:nvSpPr>
-          <p:cNvPr id="172" name="Shape 172"/>
-          <p:cNvSpPr/>
-          <p:nvPr/>
-        </p:nvSpPr>
-        <p:spPr>
-          <a:xfrm>
-            <a:off x="1791960" y="5603476"/>
-            <a:ext cx="3084056" cy="4103688"/>
-          </a:xfrm>
-          <a:prstGeom prst="rect">
-            <a:avLst/>
-          </a:prstGeom>
-          <a:ln w="12700">
-            <a:miter lim="400000"/>
-          </a:ln>
-          <a:extLst>
-            <a:ext uri="{C572A759-6A51-4108-AA02-DFA0A04FC94B}">
-              <ma14:wrappingTextBoxFlag xmlns="" xmlns:ma14="http://schemas.microsoft.com/office/mac/drawingml/2011/main" val="1"/>
-            </a:ext>
-          </a:extLst>
-        </p:spPr>
-        <p:txBody>
-          <a:bodyPr wrap="square" lIns="50800" tIns="50800" rIns="50800" bIns="50800" anchor="ctr">
-            <a:spAutoFit/>
-          </a:bodyPr>
-          <a:lstStyle>
-            <a:lvl1pPr defTabSz="457200">
-              <a:spcBef>
-                <a:spcPts val="0"/>
-              </a:spcBef>
-              <a:defRPr sz="2000">
-                <a:solidFill>
-                  <a:srgbClr val="000000"/>
-                </a:solidFill>
-                <a:uFill>
-                  <a:solidFill>
-                    <a:srgbClr val="000000"/>
-                  </a:solidFill>
-                </a:uFill>
-                <a:latin typeface="Helvetica Neue"/>
-                <a:ea typeface="Helvetica Neue"/>
-                <a:cs typeface="Helvetica Neue"/>
-                <a:sym typeface="Helvetica Neue"/>
-              </a:defRPr>
-            </a:lvl1pPr>
-          </a:lstStyle>
-          <a:p>
-            <a:r>
-              <a:rPr lang="es-ES_tradnl" dirty="0" smtClean="0"/>
-              <a:t>1 </a:t>
-            </a:r>
-            <a:r>
-              <a:rPr lang="es-ES_tradnl" dirty="0" err="1" smtClean="0"/>
-              <a:t>Propó</a:t>
-            </a:r>
-            <a:r>
-              <a:rPr lang="it-IT" dirty="0"/>
-              <a:t>sito del </a:t>
-            </a:r>
-            <a:r>
-              <a:rPr lang="it-IT" dirty="0" smtClean="0"/>
-              <a:t>plan</a:t>
-            </a:r>
-            <a:r>
-              <a:rPr lang="it-IT" dirty="0"/>
-              <a:t>	</a:t>
-            </a:r>
-            <a:endParaRPr lang="es-ES" dirty="0"/>
-          </a:p>
-          <a:p>
-            <a:r>
-              <a:rPr lang="es-ES_tradnl" dirty="0" smtClean="0"/>
-              <a:t>2 Ámbito </a:t>
-            </a:r>
-            <a:r>
-              <a:rPr lang="es-ES_tradnl" dirty="0"/>
-              <a:t>del proyecto y objetivos	</a:t>
-            </a:r>
-            <a:endParaRPr lang="es-ES" dirty="0"/>
-          </a:p>
-          <a:p>
-            <a:r>
-              <a:rPr lang="es-ES_tradnl" dirty="0" smtClean="0"/>
-              <a:t>	2.1</a:t>
-            </a:r>
-            <a:r>
-              <a:rPr lang="es-ES_tradnl" dirty="0"/>
-              <a:t>	Declaración del </a:t>
-            </a:r>
-            <a:r>
-              <a:rPr lang="es-ES_tradnl" dirty="0" smtClean="0"/>
-              <a:t>			á</a:t>
-            </a:r>
-            <a:r>
-              <a:rPr lang="it-IT" dirty="0"/>
-              <a:t>mbito	</a:t>
-            </a:r>
-            <a:endParaRPr lang="es-ES" dirty="0"/>
-          </a:p>
-          <a:p>
-            <a:r>
-              <a:rPr lang="es-ES_tradnl" dirty="0" smtClean="0"/>
-              <a:t>	2.2</a:t>
-            </a:r>
-            <a:r>
-              <a:rPr lang="es-ES_tradnl" dirty="0"/>
-              <a:t>	Funciones </a:t>
-            </a:r>
-            <a:r>
-              <a:rPr lang="es-ES_tradnl" dirty="0" smtClean="0"/>
-              <a:t>				principales</a:t>
-            </a:r>
-            <a:r>
-              <a:rPr lang="es-ES_tradnl" dirty="0"/>
-              <a:t>	</a:t>
-            </a:r>
-            <a:endParaRPr lang="es-ES" dirty="0"/>
-          </a:p>
-          <a:p>
-            <a:r>
-              <a:rPr lang="es-ES_tradnl" dirty="0" smtClean="0"/>
-              <a:t>	2.3</a:t>
-            </a:r>
-            <a:r>
-              <a:rPr lang="es-ES_tradnl" dirty="0"/>
-              <a:t>	Aspectos de </a:t>
-            </a:r>
-            <a:r>
-              <a:rPr lang="es-ES_tradnl" dirty="0" smtClean="0"/>
-              <a:t>			rendimiento</a:t>
-            </a:r>
-            <a:r>
-              <a:rPr lang="es-ES_tradnl" dirty="0"/>
-              <a:t>	</a:t>
-            </a:r>
-            <a:endParaRPr lang="es-ES" dirty="0"/>
-          </a:p>
-          <a:p>
-            <a:r>
-              <a:rPr lang="es-ES_tradnl" dirty="0" smtClean="0"/>
-              <a:t>	2.4 Restricciones </a:t>
-            </a:r>
-            <a:r>
-              <a:rPr lang="es-ES_tradnl" dirty="0"/>
-              <a:t>y </a:t>
-            </a:r>
-            <a:r>
-              <a:rPr lang="es-ES_tradnl" dirty="0" smtClean="0"/>
-              <a:t>			té</a:t>
-            </a:r>
-            <a:r>
-              <a:rPr lang="pt-PT" dirty="0"/>
-              <a:t>cnicas de </a:t>
-            </a:r>
-            <a:r>
-              <a:rPr lang="pt-PT" dirty="0" smtClean="0"/>
-              <a:t>				gesti</a:t>
-            </a:r>
-            <a:r>
-              <a:rPr lang="es-ES_tradnl" dirty="0"/>
-              <a:t>ón	</a:t>
-            </a:r>
-            <a:endParaRPr lang="es-ES" dirty="0"/>
-          </a:p>
-          <a:p>
-            <a:r>
-              <a:rPr lang="es-ES_tradnl" dirty="0" smtClean="0"/>
-              <a:t>3 Modelo </a:t>
-            </a:r>
-            <a:r>
-              <a:rPr lang="es-ES_tradnl" dirty="0"/>
-              <a:t>de proceso</a:t>
-            </a:r>
-            <a:r>
-              <a:rPr dirty="0"/>
-              <a:t>	</a:t>
-            </a:r>
-          </a:p>
-        </p:txBody>
-      </p:sp>
-      <p:sp>
-        <p:nvSpPr>
-          <p:cNvPr id="173" name="Shape 173"/>
-          <p:cNvSpPr/>
-          <p:nvPr/>
-        </p:nvSpPr>
-        <p:spPr>
-          <a:xfrm>
-            <a:off x="20120527" y="5738951"/>
-            <a:ext cx="2665794" cy="1641475"/>
-          </a:xfrm>
-          <a:prstGeom prst="rect">
-            <a:avLst/>
-          </a:prstGeom>
-          <a:ln w="12700">
-            <a:miter lim="400000"/>
-          </a:ln>
-          <a:extLst>
-            <a:ext uri="{C572A759-6A51-4108-AA02-DFA0A04FC94B}">
-              <ma14:wrappingTextBoxFlag xmlns="" xmlns:ma14="http://schemas.microsoft.com/office/mac/drawingml/2011/main" val="1"/>
-            </a:ext>
-          </a:extLst>
-        </p:spPr>
-        <p:txBody>
-          <a:bodyPr wrap="none" lIns="50800" tIns="50800" rIns="50800" bIns="50800" anchor="ctr">
-            <a:spAutoFit/>
-          </a:bodyPr>
-          <a:lstStyle>
-            <a:lvl1pPr marL="153670" indent="-153670" defTabSz="457200">
-              <a:spcBef>
-                <a:spcPts val="0"/>
-              </a:spcBef>
-              <a:buSzPct val="100000"/>
-              <a:buAutoNum type="arabicPeriod"/>
-              <a:defRPr sz="2000">
-                <a:solidFill>
-                  <a:srgbClr val="000000"/>
-                </a:solidFill>
-                <a:uFill>
-                  <a:solidFill>
-                    <a:srgbClr val="000000"/>
-                  </a:solidFill>
-                </a:uFill>
-                <a:latin typeface="Helvetica Neue"/>
-                <a:ea typeface="Helvetica Neue"/>
-                <a:cs typeface="Helvetica Neue"/>
-                <a:sym typeface="Helvetica Neue"/>
-              </a:defRPr>
-            </a:lvl1pPr>
-          </a:lstStyle>
-          <a:p>
-            <a:pPr marL="0" indent="0">
-              <a:buNone/>
-            </a:pPr>
-            <a:r>
-              <a:rPr lang="es-ES_tradnl" dirty="0" smtClean="0"/>
-              <a:t>1 </a:t>
-            </a:r>
-            <a:r>
-              <a:rPr lang="it-IT" dirty="0" smtClean="0"/>
-              <a:t>Personal</a:t>
-            </a:r>
-            <a:r>
-              <a:rPr lang="it-IT" dirty="0"/>
-              <a:t>	</a:t>
-            </a:r>
-            <a:endParaRPr lang="es-ES" dirty="0"/>
-          </a:p>
-          <a:p>
-            <a:pPr marL="0" indent="0">
-              <a:buNone/>
-            </a:pPr>
-            <a:r>
-              <a:rPr lang="es-ES_tradnl" dirty="0" smtClean="0"/>
-              <a:t>2 Hardware </a:t>
-            </a:r>
-            <a:r>
-              <a:rPr lang="es-ES_tradnl" dirty="0"/>
-              <a:t>y software</a:t>
-            </a:r>
-            <a:endParaRPr lang="es-ES" dirty="0"/>
-          </a:p>
-          <a:p>
-            <a:pPr marL="0" indent="0">
-              <a:buNone/>
-            </a:pPr>
-            <a:r>
-              <a:rPr lang="nl-NL" dirty="0"/>
-              <a:t>	</a:t>
-            </a:r>
-            <a:r>
-              <a:rPr lang="nl-NL" dirty="0" smtClean="0"/>
-              <a:t>2.1 </a:t>
-            </a:r>
-            <a:r>
-              <a:rPr lang="nl-NL" dirty="0"/>
-              <a:t>Hardware</a:t>
-            </a:r>
-            <a:endParaRPr lang="es-ES" dirty="0"/>
-          </a:p>
-          <a:p>
-            <a:pPr marL="0" indent="0">
-              <a:buNone/>
-            </a:pPr>
-            <a:r>
-              <a:rPr lang="es-ES" dirty="0" smtClean="0"/>
-              <a:t>	2.2 Software</a:t>
-            </a:r>
-          </a:p>
-          <a:p>
-            <a:pPr marL="0" indent="0">
-              <a:buNone/>
-            </a:pPr>
-            <a:r>
-              <a:rPr lang="es-ES" dirty="0" smtClean="0"/>
-              <a:t>3 </a:t>
-            </a:r>
-            <a:r>
-              <a:rPr lang="pt-PT" dirty="0" smtClean="0"/>
-              <a:t>Lista </a:t>
-            </a:r>
-            <a:r>
-              <a:rPr lang="pt-PT" dirty="0"/>
-              <a:t>de recursos</a:t>
-            </a:r>
-            <a:endParaRPr dirty="0"/>
-          </a:p>
-        </p:txBody>
-      </p:sp>
-      <p:sp>
-        <p:nvSpPr>
-          <p:cNvPr id="174" name="Shape 174"/>
-          <p:cNvSpPr/>
-          <p:nvPr/>
-        </p:nvSpPr>
-        <p:spPr>
-          <a:xfrm>
-            <a:off x="5805533" y="5885989"/>
-            <a:ext cx="3593050" cy="1025922"/>
-          </a:xfrm>
-          <a:prstGeom prst="rect">
-            <a:avLst/>
-          </a:prstGeom>
-          <a:ln w="12700">
-            <a:miter lim="400000"/>
-          </a:ln>
-          <a:extLst>
-            <a:ext uri="{C572A759-6A51-4108-AA02-DFA0A04FC94B}">
-              <ma14:wrappingTextBoxFlag xmlns="" xmlns:ma14="http://schemas.microsoft.com/office/mac/drawingml/2011/main" val="1"/>
-            </a:ext>
-          </a:extLst>
-        </p:spPr>
-        <p:txBody>
-          <a:bodyPr wrap="square" lIns="50800" tIns="50800" rIns="50800" bIns="50800" anchor="ctr">
-            <a:spAutoFit/>
-          </a:bodyPr>
+          <a:bodyPr/>
           <a:lstStyle/>
           <a:p>
-            <a:pPr defTabSz="457200">
-              <a:spcBef>
-                <a:spcPts val="0"/>
-              </a:spcBef>
-            </a:pPr>
-            <a:r>
-              <a:rPr lang="es-ES_tradnl" sz="2000" dirty="0" smtClean="0">
-                <a:solidFill>
-                  <a:srgbClr val="000000"/>
-                </a:solidFill>
-                <a:uFill>
-                  <a:solidFill>
-                    <a:srgbClr val="000000"/>
-                  </a:solidFill>
-                </a:uFill>
-                <a:latin typeface="Helvetica Neue"/>
-                <a:ea typeface="Helvetica Neue"/>
-                <a:cs typeface="Helvetica Neue"/>
-                <a:sym typeface="Helvetica Neue"/>
-              </a:rPr>
-              <a:t>1 </a:t>
-            </a:r>
-            <a:r>
-              <a:rPr lang="es-ES_tradnl" sz="2000" dirty="0" smtClean="0">
-                <a:solidFill>
-                  <a:srgbClr val="000000"/>
-                </a:solidFill>
-                <a:uFill>
-                  <a:solidFill>
-                    <a:srgbClr val="000000"/>
-                  </a:solidFill>
-                </a:uFill>
-                <a:latin typeface="Helvetica Neue"/>
-                <a:ea typeface="Helvetica Neue"/>
-                <a:cs typeface="Helvetica Neue"/>
-                <a:sym typeface="Helvetica Neue"/>
-              </a:rPr>
-              <a:t>Técnicas </a:t>
-            </a:r>
-            <a:r>
-              <a:rPr lang="es-ES_tradnl" sz="2000" dirty="0">
-                <a:solidFill>
-                  <a:srgbClr val="000000"/>
-                </a:solidFill>
-                <a:uFill>
-                  <a:solidFill>
-                    <a:srgbClr val="000000"/>
-                  </a:solidFill>
-                </a:uFill>
-                <a:latin typeface="Helvetica Neue"/>
-                <a:ea typeface="Helvetica Neue"/>
-                <a:cs typeface="Helvetica Neue"/>
-                <a:sym typeface="Helvetica Neue"/>
-              </a:rPr>
-              <a:t>de estimación	</a:t>
-            </a:r>
-            <a:endParaRPr lang="es-ES" sz="2000" dirty="0">
-              <a:solidFill>
-                <a:srgbClr val="000000"/>
-              </a:solidFill>
-              <a:uFill>
-                <a:solidFill>
-                  <a:srgbClr val="000000"/>
-                </a:solidFill>
-              </a:uFill>
-              <a:latin typeface="Helvetica Neue"/>
-              <a:ea typeface="Helvetica Neue"/>
-              <a:cs typeface="Helvetica Neue"/>
-              <a:sym typeface="Helvetica Neue"/>
-            </a:endParaRPr>
-          </a:p>
-          <a:p>
-            <a:pPr defTabSz="457200">
-              <a:spcBef>
-                <a:spcPts val="0"/>
-              </a:spcBef>
-            </a:pPr>
-            <a:r>
-              <a:rPr lang="es-ES_tradnl" sz="2000" dirty="0">
-                <a:solidFill>
-                  <a:srgbClr val="000000"/>
-                </a:solidFill>
-                <a:uFill>
-                  <a:solidFill>
-                    <a:srgbClr val="000000"/>
-                  </a:solidFill>
-                </a:uFill>
-                <a:latin typeface="Helvetica Neue"/>
-                <a:ea typeface="Helvetica Neue"/>
-                <a:cs typeface="Helvetica Neue"/>
-                <a:sym typeface="Helvetica Neue"/>
-              </a:rPr>
-              <a:t>2</a:t>
-            </a:r>
-            <a:r>
-              <a:rPr lang="es-ES_tradnl" sz="2000" dirty="0" smtClean="0">
-                <a:solidFill>
-                  <a:srgbClr val="000000"/>
-                </a:solidFill>
-                <a:uFill>
-                  <a:solidFill>
-                    <a:srgbClr val="000000"/>
-                  </a:solidFill>
-                </a:uFill>
-                <a:latin typeface="Helvetica Neue"/>
-                <a:ea typeface="Helvetica Neue"/>
-                <a:cs typeface="Helvetica Neue"/>
-                <a:sym typeface="Helvetica Neue"/>
-              </a:rPr>
-              <a:t> </a:t>
-            </a:r>
-            <a:r>
-              <a:rPr lang="es-ES_tradnl" sz="2000" dirty="0" smtClean="0">
-                <a:solidFill>
-                  <a:srgbClr val="000000"/>
-                </a:solidFill>
-                <a:uFill>
-                  <a:solidFill>
-                    <a:srgbClr val="000000"/>
-                  </a:solidFill>
-                </a:uFill>
-                <a:latin typeface="Helvetica Neue"/>
-                <a:ea typeface="Helvetica Neue"/>
-                <a:cs typeface="Helvetica Neue"/>
-                <a:sym typeface="Helvetica Neue"/>
-              </a:rPr>
-              <a:t>Estimaciones </a:t>
-            </a:r>
-            <a:r>
-              <a:rPr lang="es-ES_tradnl" sz="2000" dirty="0">
-                <a:solidFill>
-                  <a:srgbClr val="000000"/>
-                </a:solidFill>
-                <a:uFill>
-                  <a:solidFill>
-                    <a:srgbClr val="000000"/>
-                  </a:solidFill>
-                </a:uFill>
-                <a:latin typeface="Helvetica Neue"/>
-                <a:ea typeface="Helvetica Neue"/>
-                <a:cs typeface="Helvetica Neue"/>
-                <a:sym typeface="Helvetica Neue"/>
-              </a:rPr>
-              <a:t>de esfuerzo,  </a:t>
-            </a:r>
-            <a:r>
-              <a:rPr lang="es-ES_tradnl" sz="2000" dirty="0" smtClean="0">
-                <a:solidFill>
-                  <a:srgbClr val="000000"/>
-                </a:solidFill>
-                <a:uFill>
-                  <a:solidFill>
-                    <a:srgbClr val="000000"/>
-                  </a:solidFill>
-                </a:uFill>
-                <a:latin typeface="Helvetica Neue"/>
-                <a:ea typeface="Helvetica Neue"/>
-                <a:cs typeface="Helvetica Neue"/>
-                <a:sym typeface="Helvetica Neue"/>
-              </a:rPr>
-              <a:t>          coste </a:t>
-            </a:r>
-            <a:r>
-              <a:rPr lang="es-ES_tradnl" sz="2000" dirty="0">
-                <a:solidFill>
-                  <a:srgbClr val="000000"/>
-                </a:solidFill>
-                <a:uFill>
-                  <a:solidFill>
-                    <a:srgbClr val="000000"/>
-                  </a:solidFill>
-                </a:uFill>
-                <a:latin typeface="Helvetica Neue"/>
-                <a:ea typeface="Helvetica Neue"/>
-                <a:cs typeface="Helvetica Neue"/>
-                <a:sym typeface="Helvetica Neue"/>
-              </a:rPr>
-              <a:t>y duración</a:t>
-            </a:r>
-            <a:endParaRPr sz="2000" dirty="0">
-              <a:solidFill>
-                <a:srgbClr val="000000"/>
-              </a:solidFill>
-              <a:uFill>
-                <a:solidFill>
-                  <a:srgbClr val="000000"/>
-                </a:solidFill>
-              </a:uFill>
-              <a:latin typeface="Helvetica Neue"/>
-              <a:ea typeface="Helvetica Neue"/>
-              <a:cs typeface="Helvetica Neue"/>
-              <a:sym typeface="Helvetica Neue"/>
-            </a:endParaRPr>
-          </a:p>
-        </p:txBody>
-      </p:sp>
-      <p:sp>
-        <p:nvSpPr>
-          <p:cNvPr id="175" name="Shape 175"/>
-          <p:cNvSpPr/>
-          <p:nvPr/>
-        </p:nvSpPr>
-        <p:spPr>
-          <a:xfrm>
-            <a:off x="10289724" y="6042548"/>
-            <a:ext cx="3977486" cy="2718693"/>
-          </a:xfrm>
-          <a:prstGeom prst="rect">
-            <a:avLst/>
-          </a:prstGeom>
-          <a:ln w="12700">
-            <a:miter lim="400000"/>
-          </a:ln>
-          <a:extLst>
-            <a:ext uri="{C572A759-6A51-4108-AA02-DFA0A04FC94B}">
-              <ma14:wrappingTextBoxFlag xmlns="" xmlns:ma14="http://schemas.microsoft.com/office/mac/drawingml/2011/main" val="1"/>
-            </a:ext>
-          </a:extLst>
-        </p:spPr>
-        <p:txBody>
-          <a:bodyPr lIns="50800" tIns="50800" rIns="50800" bIns="50800" anchor="ctr">
-            <a:spAutoFit/>
-          </a:bodyPr>
-          <a:lstStyle/>
-          <a:p>
-            <a:pPr defTabSz="457200">
-              <a:spcBef>
-                <a:spcPts val="0"/>
-              </a:spcBef>
-            </a:pPr>
-            <a:r>
-              <a:rPr lang="es-ES_tradnl" sz="2000" dirty="0" smtClean="0">
-                <a:solidFill>
-                  <a:srgbClr val="000000"/>
-                </a:solidFill>
-                <a:uFill>
-                  <a:solidFill>
-                    <a:srgbClr val="000000"/>
-                  </a:solidFill>
-                </a:uFill>
-                <a:latin typeface="Helvetica Neue"/>
-                <a:ea typeface="Helvetica Neue"/>
-                <a:cs typeface="Helvetica Neue"/>
-                <a:sym typeface="Helvetica Neue"/>
-              </a:rPr>
-              <a:t>1 </a:t>
-            </a:r>
-            <a:r>
-              <a:rPr lang="es-ES_tradnl" sz="2000" dirty="0" smtClean="0">
-                <a:solidFill>
-                  <a:srgbClr val="000000"/>
-                </a:solidFill>
-                <a:uFill>
-                  <a:solidFill>
-                    <a:srgbClr val="000000"/>
-                  </a:solidFill>
-                </a:uFill>
-                <a:latin typeface="Helvetica Neue"/>
-                <a:ea typeface="Helvetica Neue"/>
-                <a:cs typeface="Helvetica Neue"/>
-                <a:sym typeface="Helvetica Neue"/>
-              </a:rPr>
-              <a:t>Priorización </a:t>
-            </a:r>
-            <a:r>
-              <a:rPr lang="es-ES_tradnl" sz="2000" dirty="0">
-                <a:solidFill>
-                  <a:srgbClr val="000000"/>
-                </a:solidFill>
-                <a:uFill>
-                  <a:solidFill>
-                    <a:srgbClr val="000000"/>
-                  </a:solidFill>
-                </a:uFill>
-                <a:latin typeface="Helvetica Neue"/>
-                <a:ea typeface="Helvetica Neue"/>
-                <a:cs typeface="Helvetica Neue"/>
-                <a:sym typeface="Helvetica Neue"/>
-              </a:rPr>
-              <a:t>de riesgos del proyecto	</a:t>
-            </a:r>
-            <a:endParaRPr lang="es-ES" sz="2000" dirty="0">
-              <a:solidFill>
-                <a:srgbClr val="000000"/>
-              </a:solidFill>
-              <a:uFill>
-                <a:solidFill>
-                  <a:srgbClr val="000000"/>
-                </a:solidFill>
-              </a:uFill>
-              <a:latin typeface="Helvetica Neue"/>
-              <a:ea typeface="Helvetica Neue"/>
-              <a:cs typeface="Helvetica Neue"/>
-              <a:sym typeface="Helvetica Neue"/>
-            </a:endParaRPr>
-          </a:p>
-          <a:p>
-            <a:pPr defTabSz="457200">
-              <a:spcBef>
-                <a:spcPts val="0"/>
-              </a:spcBef>
-            </a:pPr>
-            <a:r>
-              <a:rPr lang="es-ES_tradnl" sz="2000" dirty="0">
-                <a:solidFill>
-                  <a:srgbClr val="000000"/>
-                </a:solidFill>
-                <a:uFill>
-                  <a:solidFill>
-                    <a:srgbClr val="000000"/>
-                  </a:solidFill>
-                </a:uFill>
-                <a:latin typeface="Helvetica Neue"/>
-                <a:ea typeface="Helvetica Neue"/>
-                <a:cs typeface="Helvetica Neue"/>
-                <a:sym typeface="Helvetica Neue"/>
-              </a:rPr>
-              <a:t>2</a:t>
-            </a:r>
-            <a:r>
-              <a:rPr lang="es-ES_tradnl" sz="2000" dirty="0" smtClean="0">
-                <a:solidFill>
-                  <a:srgbClr val="000000"/>
-                </a:solidFill>
-                <a:uFill>
-                  <a:solidFill>
-                    <a:srgbClr val="000000"/>
-                  </a:solidFill>
-                </a:uFill>
-                <a:latin typeface="Helvetica Neue"/>
-                <a:ea typeface="Helvetica Neue"/>
-                <a:cs typeface="Helvetica Neue"/>
-                <a:sym typeface="Helvetica Neue"/>
-              </a:rPr>
-              <a:t> </a:t>
-            </a:r>
-            <a:r>
-              <a:rPr lang="nl-NL" sz="2000" dirty="0" smtClean="0">
-                <a:solidFill>
-                  <a:srgbClr val="000000"/>
-                </a:solidFill>
-                <a:uFill>
-                  <a:solidFill>
-                    <a:srgbClr val="000000"/>
-                  </a:solidFill>
-                </a:uFill>
-                <a:latin typeface="Helvetica Neue"/>
-                <a:ea typeface="Helvetica Neue"/>
-                <a:cs typeface="Helvetica Neue"/>
-                <a:sym typeface="Helvetica Neue"/>
-              </a:rPr>
-              <a:t>Plan </a:t>
-            </a:r>
-            <a:r>
-              <a:rPr lang="nl-NL" sz="2000" dirty="0">
-                <a:solidFill>
-                  <a:srgbClr val="000000"/>
-                </a:solidFill>
-                <a:uFill>
-                  <a:solidFill>
-                    <a:srgbClr val="000000"/>
-                  </a:solidFill>
-                </a:uFill>
-                <a:latin typeface="Helvetica Neue"/>
-                <a:ea typeface="Helvetica Neue"/>
-                <a:cs typeface="Helvetica Neue"/>
-                <a:sym typeface="Helvetica Neue"/>
-              </a:rPr>
-              <a:t>de gesti</a:t>
-            </a:r>
-            <a:r>
-              <a:rPr lang="es-ES_tradnl" sz="2000" dirty="0">
-                <a:solidFill>
-                  <a:srgbClr val="000000"/>
-                </a:solidFill>
-                <a:uFill>
-                  <a:solidFill>
-                    <a:srgbClr val="000000"/>
-                  </a:solidFill>
-                </a:uFill>
-                <a:latin typeface="Helvetica Neue"/>
-                <a:ea typeface="Helvetica Neue"/>
-                <a:cs typeface="Helvetica Neue"/>
-                <a:sym typeface="Helvetica Neue"/>
-              </a:rPr>
-              <a:t>ón del riesgo Reducción, supervisión y gestión del riesgo	</a:t>
-            </a:r>
-            <a:endParaRPr lang="es-ES" sz="2000" dirty="0">
-              <a:solidFill>
-                <a:srgbClr val="000000"/>
-              </a:solidFill>
-              <a:uFill>
-                <a:solidFill>
-                  <a:srgbClr val="000000"/>
-                </a:solidFill>
-              </a:uFill>
-              <a:latin typeface="Helvetica Neue"/>
-              <a:ea typeface="Helvetica Neue"/>
-              <a:cs typeface="Helvetica Neue"/>
-              <a:sym typeface="Helvetica Neue"/>
-            </a:endParaRPr>
-          </a:p>
-          <a:p>
-            <a:pPr defTabSz="457200">
-              <a:spcBef>
-                <a:spcPts val="0"/>
-              </a:spcBef>
-            </a:pPr>
-            <a:r>
-              <a:rPr lang="es-ES_tradnl" sz="2000" dirty="0">
-                <a:solidFill>
-                  <a:srgbClr val="000000"/>
-                </a:solidFill>
-                <a:uFill>
-                  <a:solidFill>
-                    <a:srgbClr val="000000"/>
-                  </a:solidFill>
-                </a:uFill>
-                <a:latin typeface="Helvetica Neue"/>
-                <a:ea typeface="Helvetica Neue"/>
-                <a:cs typeface="Helvetica Neue"/>
-                <a:sym typeface="Helvetica Neue"/>
-              </a:rPr>
-              <a:t>3</a:t>
-            </a:r>
-            <a:r>
-              <a:rPr lang="es-ES_tradnl" sz="2000" dirty="0" smtClean="0">
-                <a:solidFill>
-                  <a:srgbClr val="000000"/>
-                </a:solidFill>
-                <a:uFill>
-                  <a:solidFill>
-                    <a:srgbClr val="000000"/>
-                  </a:solidFill>
-                </a:uFill>
-                <a:latin typeface="Helvetica Neue"/>
-                <a:ea typeface="Helvetica Neue"/>
-                <a:cs typeface="Helvetica Neue"/>
-                <a:sym typeface="Helvetica Neue"/>
-              </a:rPr>
-              <a:t> </a:t>
-            </a:r>
-            <a:r>
-              <a:rPr lang="es-ES_tradnl" sz="2000" dirty="0" smtClean="0">
-                <a:solidFill>
-                  <a:srgbClr val="000000"/>
-                </a:solidFill>
-                <a:uFill>
-                  <a:solidFill>
-                    <a:srgbClr val="000000"/>
-                  </a:solidFill>
-                </a:uFill>
-                <a:latin typeface="Helvetica Neue"/>
-                <a:ea typeface="Helvetica Neue"/>
-                <a:cs typeface="Helvetica Neue"/>
-                <a:sym typeface="Helvetica Neue"/>
-              </a:rPr>
-              <a:t>Planificación </a:t>
-            </a:r>
-            <a:r>
-              <a:rPr lang="es-ES_tradnl" sz="2000" dirty="0">
-                <a:solidFill>
-                  <a:srgbClr val="000000"/>
-                </a:solidFill>
-                <a:uFill>
-                  <a:solidFill>
-                    <a:srgbClr val="000000"/>
-                  </a:solidFill>
-                </a:uFill>
-                <a:latin typeface="Helvetica Neue"/>
-                <a:ea typeface="Helvetica Neue"/>
-                <a:cs typeface="Helvetica Neue"/>
-                <a:sym typeface="Helvetica Neue"/>
-              </a:rPr>
-              <a:t>temporal del Control de Riesgos	</a:t>
-            </a:r>
-            <a:endParaRPr lang="es-ES" sz="2000" dirty="0">
-              <a:solidFill>
-                <a:srgbClr val="000000"/>
-              </a:solidFill>
-              <a:uFill>
-                <a:solidFill>
-                  <a:srgbClr val="000000"/>
-                </a:solidFill>
-              </a:uFill>
-              <a:latin typeface="Helvetica Neue"/>
-              <a:ea typeface="Helvetica Neue"/>
-              <a:cs typeface="Helvetica Neue"/>
-              <a:sym typeface="Helvetica Neue"/>
-            </a:endParaRPr>
-          </a:p>
-          <a:p>
-            <a:pPr defTabSz="457200">
-              <a:spcBef>
-                <a:spcPts val="0"/>
-              </a:spcBef>
-            </a:pPr>
-            <a:r>
-              <a:rPr lang="es-ES_tradnl" sz="2000" dirty="0">
-                <a:solidFill>
-                  <a:srgbClr val="000000"/>
-                </a:solidFill>
-                <a:uFill>
-                  <a:solidFill>
-                    <a:srgbClr val="000000"/>
-                  </a:solidFill>
-                </a:uFill>
-                <a:latin typeface="Helvetica Neue"/>
-                <a:ea typeface="Helvetica Neue"/>
-                <a:cs typeface="Helvetica Neue"/>
-                <a:sym typeface="Helvetica Neue"/>
-              </a:rPr>
-              <a:t>4</a:t>
-            </a:r>
-            <a:r>
-              <a:rPr lang="es-ES_tradnl" sz="2000" dirty="0" smtClean="0">
-                <a:solidFill>
-                  <a:srgbClr val="000000"/>
-                </a:solidFill>
-                <a:uFill>
-                  <a:solidFill>
-                    <a:srgbClr val="000000"/>
-                  </a:solidFill>
-                </a:uFill>
-                <a:latin typeface="Helvetica Neue"/>
-                <a:ea typeface="Helvetica Neue"/>
-                <a:cs typeface="Helvetica Neue"/>
-                <a:sym typeface="Helvetica Neue"/>
-              </a:rPr>
-              <a:t> </a:t>
-            </a:r>
-            <a:r>
-              <a:rPr lang="es-ES_tradnl" sz="2000" dirty="0" smtClean="0">
-                <a:solidFill>
-                  <a:srgbClr val="000000"/>
-                </a:solidFill>
-                <a:uFill>
-                  <a:solidFill>
-                    <a:srgbClr val="000000"/>
-                  </a:solidFill>
-                </a:uFill>
-                <a:latin typeface="Helvetica Neue"/>
-                <a:ea typeface="Helvetica Neue"/>
-                <a:cs typeface="Helvetica Neue"/>
-                <a:sym typeface="Helvetica Neue"/>
-              </a:rPr>
-              <a:t>Resumen</a:t>
-            </a:r>
-            <a:r>
-              <a:rPr sz="2000" dirty="0">
-                <a:solidFill>
-                  <a:srgbClr val="000000"/>
-                </a:solidFill>
-                <a:uFill>
-                  <a:solidFill>
-                    <a:srgbClr val="000000"/>
-                  </a:solidFill>
-                </a:uFill>
-                <a:latin typeface="Helvetica Neue"/>
-                <a:ea typeface="Helvetica Neue"/>
-                <a:cs typeface="Helvetica Neue"/>
-                <a:sym typeface="Helvetica Neue"/>
-              </a:rPr>
-              <a:t>	</a:t>
-            </a:r>
-            <a:r>
-              <a:rPr dirty="0" smtClean="0"/>
-              <a:t>	</a:t>
-            </a:r>
-            <a:endParaRPr dirty="0"/>
-          </a:p>
-        </p:txBody>
-      </p:sp>
-      <p:sp>
-        <p:nvSpPr>
-          <p:cNvPr id="176" name="Shape 176">
-            <a:hlinkClick r:id="rId4" action="ppaction://hlinksldjump"/>
-          </p:cNvPr>
-          <p:cNvSpPr/>
-          <p:nvPr/>
-        </p:nvSpPr>
-        <p:spPr>
-          <a:xfrm>
-            <a:off x="996710" y="3562138"/>
-            <a:ext cx="4030812" cy="622301"/>
-          </a:xfrm>
-          <a:prstGeom prst="roundRect">
-            <a:avLst>
-              <a:gd name="adj" fmla="val 33536"/>
-            </a:avLst>
-          </a:prstGeom>
-          <a:solidFill>
-            <a:srgbClr val="BA6B89"/>
-          </a:solidFill>
-          <a:ln w="12700">
-            <a:miter lim="400000"/>
-          </a:ln>
-        </p:spPr>
-        <p:txBody>
-          <a:bodyPr lIns="50800" tIns="50800" rIns="50800" bIns="50800" anchor="ctr"/>
-          <a:lstStyle/>
-          <a:p>
-            <a:pPr algn="ctr">
-              <a:lnSpc>
-                <a:spcPct val="80000"/>
-              </a:lnSpc>
-              <a:spcBef>
-                <a:spcPts val="0"/>
-              </a:spcBef>
-              <a:defRPr sz="4000" cap="all">
-                <a:solidFill>
-                  <a:srgbClr val="FFFFFF"/>
-                </a:solidFill>
-                <a:latin typeface="+mn-lt"/>
-                <a:ea typeface="+mn-ea"/>
-                <a:cs typeface="+mn-cs"/>
-                <a:sym typeface="DIN Condensed"/>
-              </a:defRPr>
-            </a:pPr>
-            <a:endParaRPr/>
-          </a:p>
-        </p:txBody>
-      </p:sp>
-      <p:sp>
-        <p:nvSpPr>
-          <p:cNvPr id="177" name="Shape 177"/>
-          <p:cNvSpPr/>
-          <p:nvPr/>
-        </p:nvSpPr>
-        <p:spPr>
-          <a:xfrm>
-            <a:off x="1930317" y="3655091"/>
-            <a:ext cx="2163598" cy="436396"/>
-          </a:xfrm>
-          <a:prstGeom prst="rect">
-            <a:avLst/>
-          </a:prstGeom>
-          <a:ln w="12700">
-            <a:miter lim="400000"/>
-          </a:ln>
-          <a:extLst>
-            <a:ext uri="{C572A759-6A51-4108-AA02-DFA0A04FC94B}">
-              <ma14:wrappingTextBoxFlag xmlns="" xmlns:ma14="http://schemas.microsoft.com/office/mac/drawingml/2011/main" val="1"/>
-            </a:ext>
-          </a:extLst>
-        </p:spPr>
-        <p:txBody>
-          <a:bodyPr lIns="50800" tIns="50800" rIns="50800" bIns="50800" anchor="ctr">
-            <a:spAutoFit/>
-          </a:bodyPr>
-          <a:lstStyle>
-            <a:lvl1pPr>
-              <a:defRPr sz="2200" b="1">
-                <a:solidFill>
-                  <a:srgbClr val="FFFFFF"/>
-                </a:solidFill>
-                <a:latin typeface="Helvetica Neue"/>
-                <a:ea typeface="Helvetica Neue"/>
-                <a:cs typeface="Helvetica Neue"/>
-                <a:sym typeface="Helvetica Neue"/>
-              </a:defRPr>
-            </a:lvl1pPr>
-          </a:lstStyle>
-          <a:p>
-            <a:r>
-              <a:t>1 Introduccion</a:t>
-            </a:r>
-          </a:p>
-        </p:txBody>
-      </p:sp>
-      <p:sp>
-        <p:nvSpPr>
-          <p:cNvPr id="178" name="Shape 178">
-            <a:hlinkClick r:id="rId4" action="ppaction://hlinksldjump"/>
-          </p:cNvPr>
-          <p:cNvSpPr/>
-          <p:nvPr/>
-        </p:nvSpPr>
-        <p:spPr>
-          <a:xfrm>
-            <a:off x="5586652" y="3562138"/>
-            <a:ext cx="4030812" cy="622301"/>
-          </a:xfrm>
-          <a:prstGeom prst="roundRect">
-            <a:avLst>
-              <a:gd name="adj" fmla="val 33536"/>
-            </a:avLst>
-          </a:prstGeom>
-          <a:solidFill>
-            <a:srgbClr val="BA6B89"/>
-          </a:solidFill>
-          <a:ln w="12700">
-            <a:miter lim="400000"/>
-          </a:ln>
-        </p:spPr>
-        <p:txBody>
-          <a:bodyPr lIns="50800" tIns="50800" rIns="50800" bIns="50800" anchor="ctr"/>
-          <a:lstStyle/>
-          <a:p>
-            <a:pPr algn="ctr">
-              <a:lnSpc>
-                <a:spcPct val="80000"/>
-              </a:lnSpc>
-              <a:spcBef>
-                <a:spcPts val="0"/>
-              </a:spcBef>
-              <a:defRPr sz="4000" cap="all">
-                <a:solidFill>
-                  <a:srgbClr val="FFFFFF"/>
-                </a:solidFill>
-                <a:latin typeface="+mn-lt"/>
-                <a:ea typeface="+mn-ea"/>
-                <a:cs typeface="+mn-cs"/>
-                <a:sym typeface="DIN Condensed"/>
-              </a:defRPr>
-            </a:pPr>
-            <a:endParaRPr/>
-          </a:p>
-        </p:txBody>
-      </p:sp>
-      <p:sp>
-        <p:nvSpPr>
-          <p:cNvPr id="179" name="Shape 179"/>
-          <p:cNvSpPr/>
-          <p:nvPr/>
-        </p:nvSpPr>
-        <p:spPr>
-          <a:xfrm>
-            <a:off x="5687179" y="3647832"/>
-            <a:ext cx="4841922" cy="441146"/>
-          </a:xfrm>
-          <a:prstGeom prst="rect">
-            <a:avLst/>
-          </a:prstGeom>
-          <a:ln w="12700">
-            <a:miter lim="400000"/>
-          </a:ln>
-          <a:extLst>
-            <a:ext uri="{C572A759-6A51-4108-AA02-DFA0A04FC94B}">
-              <ma14:wrappingTextBoxFlag xmlns="" xmlns:ma14="http://schemas.microsoft.com/office/mac/drawingml/2011/main" val="1"/>
-            </a:ext>
-          </a:extLst>
-        </p:spPr>
-        <p:txBody>
-          <a:bodyPr wrap="square" lIns="50800" tIns="50800" rIns="50800" bIns="50800" anchor="ctr">
-            <a:spAutoFit/>
-          </a:bodyPr>
-          <a:lstStyle>
-            <a:lvl1pPr>
-              <a:defRPr sz="2200" b="1">
-                <a:solidFill>
-                  <a:srgbClr val="FFFFFF"/>
-                </a:solidFill>
-                <a:latin typeface="Helvetica Neue"/>
-                <a:ea typeface="Helvetica Neue"/>
-                <a:cs typeface="Helvetica Neue"/>
-                <a:sym typeface="Helvetica Neue"/>
-              </a:defRPr>
-            </a:lvl1pPr>
-          </a:lstStyle>
-          <a:p>
-            <a:r>
-              <a:rPr dirty="0"/>
-              <a:t>2 </a:t>
-            </a:r>
-            <a:r>
-              <a:rPr lang="es-ES_tradnl" dirty="0"/>
-              <a:t>Estimaciones </a:t>
-            </a:r>
-            <a:r>
-              <a:rPr lang="es-ES_tradnl" dirty="0" smtClean="0"/>
-              <a:t>del proyecto</a:t>
-            </a:r>
-            <a:endParaRPr dirty="0"/>
-          </a:p>
-        </p:txBody>
-      </p:sp>
-      <p:sp>
-        <p:nvSpPr>
-          <p:cNvPr id="180" name="Shape 180">
-            <a:hlinkClick r:id="rId4" action="ppaction://hlinksldjump"/>
-          </p:cNvPr>
-          <p:cNvSpPr/>
-          <p:nvPr/>
-        </p:nvSpPr>
-        <p:spPr>
-          <a:xfrm>
-            <a:off x="10176594" y="3593818"/>
-            <a:ext cx="4030812" cy="622301"/>
-          </a:xfrm>
-          <a:prstGeom prst="roundRect">
-            <a:avLst>
-              <a:gd name="adj" fmla="val 33536"/>
-            </a:avLst>
-          </a:prstGeom>
-          <a:solidFill>
-            <a:srgbClr val="BA6B89"/>
-          </a:solidFill>
-          <a:ln w="12700">
-            <a:miter lim="400000"/>
-          </a:ln>
-        </p:spPr>
-        <p:txBody>
-          <a:bodyPr lIns="50800" tIns="50800" rIns="50800" bIns="50800" anchor="ctr"/>
-          <a:lstStyle/>
-          <a:p>
-            <a:pPr algn="ctr">
-              <a:lnSpc>
-                <a:spcPct val="80000"/>
-              </a:lnSpc>
-              <a:spcBef>
-                <a:spcPts val="0"/>
-              </a:spcBef>
-              <a:defRPr sz="4000" cap="all">
-                <a:solidFill>
-                  <a:srgbClr val="FFFFFF"/>
-                </a:solidFill>
-                <a:latin typeface="+mn-lt"/>
-                <a:ea typeface="+mn-ea"/>
-                <a:cs typeface="+mn-cs"/>
-                <a:sym typeface="DIN Condensed"/>
-              </a:defRPr>
-            </a:pPr>
-            <a:endParaRPr/>
-          </a:p>
-        </p:txBody>
-      </p:sp>
-      <p:sp>
-        <p:nvSpPr>
-          <p:cNvPr id="181" name="Shape 181"/>
-          <p:cNvSpPr/>
-          <p:nvPr/>
-        </p:nvSpPr>
-        <p:spPr>
-          <a:xfrm>
-            <a:off x="10094771" y="3684394"/>
-            <a:ext cx="4237434" cy="441146"/>
-          </a:xfrm>
-          <a:prstGeom prst="rect">
-            <a:avLst/>
-          </a:prstGeom>
-          <a:ln w="12700">
-            <a:miter lim="400000"/>
-          </a:ln>
-          <a:extLst>
-            <a:ext uri="{C572A759-6A51-4108-AA02-DFA0A04FC94B}">
-              <ma14:wrappingTextBoxFlag xmlns="" xmlns:ma14="http://schemas.microsoft.com/office/mac/drawingml/2011/main" val="1"/>
-            </a:ext>
-          </a:extLst>
-        </p:spPr>
-        <p:txBody>
-          <a:bodyPr wrap="square" lIns="50800" tIns="50800" rIns="50800" bIns="50800" anchor="ctr">
-            <a:spAutoFit/>
-          </a:bodyPr>
-          <a:lstStyle>
-            <a:lvl1pPr>
-              <a:defRPr sz="2200" b="1">
-                <a:solidFill>
-                  <a:srgbClr val="FFFFFF"/>
-                </a:solidFill>
-                <a:latin typeface="Helvetica Neue"/>
-                <a:ea typeface="Helvetica Neue"/>
-                <a:cs typeface="Helvetica Neue"/>
-                <a:sym typeface="Helvetica Neue"/>
-              </a:defRPr>
-            </a:lvl1pPr>
-          </a:lstStyle>
-          <a:p>
-            <a:pPr algn="ctr"/>
-            <a:r>
-              <a:rPr dirty="0"/>
-              <a:t>3 </a:t>
-            </a:r>
-            <a:r>
-              <a:rPr lang="es-ES" dirty="0" smtClean="0"/>
-              <a:t>G</a:t>
-            </a:r>
-            <a:r>
-              <a:rPr lang="pt-PT" dirty="0" smtClean="0"/>
-              <a:t>esti</a:t>
-            </a:r>
-            <a:r>
-              <a:rPr lang="es-ES_tradnl" dirty="0" err="1" smtClean="0"/>
-              <a:t>ón</a:t>
-            </a:r>
-            <a:r>
-              <a:rPr lang="es-ES_tradnl" dirty="0" smtClean="0"/>
-              <a:t> </a:t>
-            </a:r>
-            <a:r>
-              <a:rPr lang="es-ES_tradnl" dirty="0"/>
-              <a:t>del riesgo</a:t>
-            </a:r>
-            <a:endParaRPr dirty="0"/>
-          </a:p>
-        </p:txBody>
-      </p:sp>
-      <p:sp>
-        <p:nvSpPr>
-          <p:cNvPr id="182" name="Shape 182">
-            <a:hlinkClick r:id="rId4" action="ppaction://hlinksldjump"/>
-          </p:cNvPr>
-          <p:cNvSpPr/>
-          <p:nvPr/>
-        </p:nvSpPr>
-        <p:spPr>
-          <a:xfrm>
-            <a:off x="14766536" y="3625497"/>
-            <a:ext cx="4030812" cy="622301"/>
-          </a:xfrm>
-          <a:prstGeom prst="roundRect">
-            <a:avLst>
-              <a:gd name="adj" fmla="val 33536"/>
-            </a:avLst>
-          </a:prstGeom>
-          <a:solidFill>
-            <a:srgbClr val="BA6B89"/>
-          </a:solidFill>
-          <a:ln w="12700">
-            <a:miter lim="400000"/>
-          </a:ln>
-        </p:spPr>
-        <p:txBody>
-          <a:bodyPr lIns="50800" tIns="50800" rIns="50800" bIns="50800" anchor="ctr"/>
-          <a:lstStyle/>
-          <a:p>
-            <a:pPr algn="ctr">
-              <a:lnSpc>
-                <a:spcPct val="80000"/>
-              </a:lnSpc>
-              <a:spcBef>
-                <a:spcPts val="0"/>
-              </a:spcBef>
-              <a:defRPr sz="4000" cap="all">
-                <a:solidFill>
-                  <a:srgbClr val="FFFFFF"/>
-                </a:solidFill>
-                <a:latin typeface="+mn-lt"/>
-                <a:ea typeface="+mn-ea"/>
-                <a:cs typeface="+mn-cs"/>
-                <a:sym typeface="DIN Condensed"/>
-              </a:defRPr>
-            </a:pPr>
-            <a:endParaRPr/>
-          </a:p>
-        </p:txBody>
-      </p:sp>
-      <p:sp>
-        <p:nvSpPr>
-          <p:cNvPr id="183" name="Shape 183"/>
-          <p:cNvSpPr/>
-          <p:nvPr/>
-        </p:nvSpPr>
-        <p:spPr>
-          <a:xfrm>
-            <a:off x="15048307" y="3710085"/>
-            <a:ext cx="3749041" cy="441146"/>
-          </a:xfrm>
-          <a:prstGeom prst="rect">
-            <a:avLst/>
-          </a:prstGeom>
-          <a:ln w="12700">
-            <a:miter lim="400000"/>
-          </a:ln>
-          <a:extLst>
-            <a:ext uri="{C572A759-6A51-4108-AA02-DFA0A04FC94B}">
-              <ma14:wrappingTextBoxFlag xmlns="" xmlns:ma14="http://schemas.microsoft.com/office/mac/drawingml/2011/main" val="1"/>
-            </a:ext>
-          </a:extLst>
-        </p:spPr>
-        <p:txBody>
-          <a:bodyPr wrap="square" lIns="50800" tIns="50800" rIns="50800" bIns="50800" anchor="ctr">
-            <a:spAutoFit/>
-          </a:bodyPr>
-          <a:lstStyle>
-            <a:lvl1pPr>
-              <a:defRPr sz="2200" b="1">
-                <a:solidFill>
-                  <a:srgbClr val="FFFFFF"/>
-                </a:solidFill>
-                <a:latin typeface="Helvetica Neue"/>
-                <a:ea typeface="Helvetica Neue"/>
-                <a:cs typeface="Helvetica Neue"/>
-                <a:sym typeface="Helvetica Neue"/>
-              </a:defRPr>
-            </a:lvl1pPr>
-          </a:lstStyle>
-          <a:p>
-            <a:r>
-              <a:rPr dirty="0"/>
-              <a:t>4 </a:t>
-            </a:r>
-            <a:r>
-              <a:rPr lang="es-ES_tradnl" dirty="0" err="1"/>
-              <a:t>Planificació</a:t>
-            </a:r>
-            <a:r>
-              <a:rPr lang="it-IT" dirty="0"/>
-              <a:t>n temporal</a:t>
-            </a:r>
-            <a:endParaRPr dirty="0"/>
-          </a:p>
-        </p:txBody>
-      </p:sp>
-      <p:sp>
-        <p:nvSpPr>
-          <p:cNvPr id="184" name="Shape 184">
-            <a:hlinkClick r:id="rId4" action="ppaction://hlinksldjump"/>
-          </p:cNvPr>
-          <p:cNvSpPr/>
-          <p:nvPr/>
-        </p:nvSpPr>
-        <p:spPr>
-          <a:xfrm>
-            <a:off x="19356478" y="3593818"/>
-            <a:ext cx="4030812" cy="622301"/>
-          </a:xfrm>
-          <a:prstGeom prst="roundRect">
-            <a:avLst>
-              <a:gd name="adj" fmla="val 33536"/>
-            </a:avLst>
-          </a:prstGeom>
-          <a:solidFill>
-            <a:srgbClr val="BA6B89"/>
-          </a:solidFill>
-          <a:ln w="12700">
-            <a:miter lim="400000"/>
-          </a:ln>
-        </p:spPr>
-        <p:txBody>
-          <a:bodyPr lIns="50800" tIns="50800" rIns="50800" bIns="50800" anchor="ctr"/>
-          <a:lstStyle/>
-          <a:p>
-            <a:pPr algn="ctr">
-              <a:lnSpc>
-                <a:spcPct val="80000"/>
-              </a:lnSpc>
-              <a:spcBef>
-                <a:spcPts val="0"/>
-              </a:spcBef>
-              <a:defRPr sz="4000" cap="all">
-                <a:solidFill>
-                  <a:srgbClr val="FFFFFF"/>
-                </a:solidFill>
-                <a:latin typeface="+mn-lt"/>
-                <a:ea typeface="+mn-ea"/>
-                <a:cs typeface="+mn-cs"/>
-                <a:sym typeface="DIN Condensed"/>
-              </a:defRPr>
-            </a:pPr>
-            <a:endParaRPr/>
-          </a:p>
-        </p:txBody>
-      </p:sp>
-      <p:sp>
-        <p:nvSpPr>
-          <p:cNvPr id="185" name="Shape 185"/>
-          <p:cNvSpPr/>
-          <p:nvPr/>
-        </p:nvSpPr>
-        <p:spPr>
-          <a:xfrm>
-            <a:off x="19649630" y="3684394"/>
-            <a:ext cx="4768210" cy="441146"/>
-          </a:xfrm>
-          <a:prstGeom prst="rect">
-            <a:avLst/>
-          </a:prstGeom>
-          <a:ln w="12700">
-            <a:miter lim="400000"/>
-          </a:ln>
-          <a:extLst>
-            <a:ext uri="{C572A759-6A51-4108-AA02-DFA0A04FC94B}">
-              <ma14:wrappingTextBoxFlag xmlns="" xmlns:ma14="http://schemas.microsoft.com/office/mac/drawingml/2011/main" val="1"/>
-            </a:ext>
-          </a:extLst>
-        </p:spPr>
-        <p:txBody>
-          <a:bodyPr wrap="square" lIns="50800" tIns="50800" rIns="50800" bIns="50800" anchor="ctr">
-            <a:spAutoFit/>
-          </a:bodyPr>
-          <a:lstStyle>
-            <a:lvl1pPr>
-              <a:defRPr sz="2200" b="1">
-                <a:solidFill>
-                  <a:srgbClr val="FFFFFF"/>
-                </a:solidFill>
-                <a:latin typeface="Helvetica Neue"/>
-                <a:ea typeface="Helvetica Neue"/>
-                <a:cs typeface="Helvetica Neue"/>
-                <a:sym typeface="Helvetica Neue"/>
-              </a:defRPr>
-            </a:lvl1pPr>
-          </a:lstStyle>
-          <a:p>
-            <a:r>
-              <a:rPr dirty="0"/>
-              <a:t>5 </a:t>
-            </a:r>
-            <a:r>
-              <a:rPr lang="es-ES_tradnl" dirty="0"/>
-              <a:t>Recursos del proyecto</a:t>
-            </a:r>
-            <a:endParaRPr dirty="0"/>
-          </a:p>
-        </p:txBody>
-      </p:sp>
-      <p:sp>
-        <p:nvSpPr>
-          <p:cNvPr id="186" name="Shape 186"/>
-          <p:cNvSpPr/>
-          <p:nvPr/>
-        </p:nvSpPr>
-        <p:spPr>
-          <a:xfrm>
-            <a:off x="936906" y="4844942"/>
-            <a:ext cx="4150420" cy="5656803"/>
-          </a:xfrm>
-          <a:prstGeom prst="roundRect">
-            <a:avLst>
-              <a:gd name="adj" fmla="val 32015"/>
-            </a:avLst>
-          </a:prstGeom>
-          <a:ln w="38100">
-            <a:solidFill>
-              <a:srgbClr val="5B5854"/>
-            </a:solidFill>
-            <a:miter lim="400000"/>
-          </a:ln>
-        </p:spPr>
-        <p:txBody>
-          <a:bodyPr lIns="50800" tIns="50800" rIns="50800" bIns="50800" anchor="ctr"/>
-          <a:lstStyle/>
-          <a:p>
-            <a:pPr algn="ctr">
-              <a:lnSpc>
-                <a:spcPct val="80000"/>
-              </a:lnSpc>
-              <a:spcBef>
-                <a:spcPts val="0"/>
-              </a:spcBef>
-              <a:defRPr sz="100" cap="all">
-                <a:solidFill>
-                  <a:srgbClr val="FFFFFF"/>
-                </a:solidFill>
-                <a:latin typeface="+mn-lt"/>
-                <a:ea typeface="+mn-ea"/>
-                <a:cs typeface="+mn-cs"/>
-                <a:sym typeface="DIN Condensed"/>
-              </a:defRPr>
-            </a:pPr>
-            <a:endParaRPr/>
-          </a:p>
-        </p:txBody>
-      </p:sp>
-      <p:sp>
-        <p:nvSpPr>
-          <p:cNvPr id="187" name="Shape 187"/>
-          <p:cNvSpPr/>
-          <p:nvPr/>
-        </p:nvSpPr>
-        <p:spPr>
-          <a:xfrm>
-            <a:off x="5526848" y="4844943"/>
-            <a:ext cx="4150420" cy="5656802"/>
-          </a:xfrm>
-          <a:prstGeom prst="roundRect">
-            <a:avLst>
-              <a:gd name="adj" fmla="val 21900"/>
-            </a:avLst>
-          </a:prstGeom>
-          <a:ln w="38100">
-            <a:solidFill>
-              <a:srgbClr val="5B5854"/>
-            </a:solidFill>
-            <a:miter lim="400000"/>
-          </a:ln>
-        </p:spPr>
-        <p:txBody>
-          <a:bodyPr lIns="50800" tIns="50800" rIns="50800" bIns="50800" anchor="ctr"/>
-          <a:lstStyle/>
-          <a:p>
-            <a:pPr algn="ctr">
-              <a:lnSpc>
-                <a:spcPct val="80000"/>
-              </a:lnSpc>
-              <a:spcBef>
-                <a:spcPts val="0"/>
-              </a:spcBef>
-              <a:defRPr sz="100" cap="all">
-                <a:solidFill>
-                  <a:srgbClr val="FFFFFF"/>
-                </a:solidFill>
-                <a:latin typeface="+mn-lt"/>
-                <a:ea typeface="+mn-ea"/>
-                <a:cs typeface="+mn-cs"/>
-                <a:sym typeface="DIN Condensed"/>
-              </a:defRPr>
-            </a:pPr>
-            <a:endParaRPr/>
-          </a:p>
-        </p:txBody>
-      </p:sp>
-      <p:sp>
-        <p:nvSpPr>
-          <p:cNvPr id="188" name="Shape 188"/>
-          <p:cNvSpPr/>
-          <p:nvPr/>
-        </p:nvSpPr>
-        <p:spPr>
-          <a:xfrm>
-            <a:off x="10116790" y="4844943"/>
-            <a:ext cx="4150420" cy="5656802"/>
-          </a:xfrm>
-          <a:prstGeom prst="roundRect">
-            <a:avLst>
-              <a:gd name="adj" fmla="val 18996"/>
-            </a:avLst>
-          </a:prstGeom>
-          <a:ln w="38100">
-            <a:solidFill>
-              <a:srgbClr val="5B5854"/>
-            </a:solidFill>
-            <a:miter lim="400000"/>
-          </a:ln>
-        </p:spPr>
-        <p:txBody>
-          <a:bodyPr lIns="50800" tIns="50800" rIns="50800" bIns="50800" anchor="ctr"/>
-          <a:lstStyle/>
-          <a:p>
-            <a:pPr algn="ctr">
-              <a:lnSpc>
-                <a:spcPct val="80000"/>
-              </a:lnSpc>
-              <a:spcBef>
-                <a:spcPts val="0"/>
-              </a:spcBef>
-              <a:defRPr sz="100" cap="all">
-                <a:solidFill>
-                  <a:srgbClr val="FFFFFF"/>
-                </a:solidFill>
-                <a:latin typeface="+mn-lt"/>
-                <a:ea typeface="+mn-ea"/>
-                <a:cs typeface="+mn-cs"/>
-                <a:sym typeface="DIN Condensed"/>
-              </a:defRPr>
-            </a:pPr>
-            <a:endParaRPr/>
-          </a:p>
-        </p:txBody>
-      </p:sp>
-      <p:sp>
-        <p:nvSpPr>
-          <p:cNvPr id="189" name="Shape 189"/>
-          <p:cNvSpPr/>
-          <p:nvPr/>
-        </p:nvSpPr>
-        <p:spPr>
-          <a:xfrm>
-            <a:off x="14706732" y="4844943"/>
-            <a:ext cx="4150420" cy="5656802"/>
-          </a:xfrm>
-          <a:prstGeom prst="roundRect">
-            <a:avLst>
-              <a:gd name="adj" fmla="val 21900"/>
-            </a:avLst>
-          </a:prstGeom>
-          <a:ln w="38100">
-            <a:solidFill>
-              <a:srgbClr val="5B5854"/>
-            </a:solidFill>
-            <a:miter lim="400000"/>
-          </a:ln>
-        </p:spPr>
-        <p:txBody>
-          <a:bodyPr lIns="50800" tIns="50800" rIns="50800" bIns="50800" anchor="ctr"/>
-          <a:lstStyle/>
-          <a:p>
-            <a:pPr algn="ctr">
-              <a:lnSpc>
-                <a:spcPct val="80000"/>
-              </a:lnSpc>
-              <a:spcBef>
-                <a:spcPts val="0"/>
-              </a:spcBef>
-              <a:defRPr sz="100" cap="all">
-                <a:solidFill>
-                  <a:srgbClr val="FFFFFF"/>
-                </a:solidFill>
-                <a:latin typeface="+mn-lt"/>
-                <a:ea typeface="+mn-ea"/>
-                <a:cs typeface="+mn-cs"/>
-                <a:sym typeface="DIN Condensed"/>
-              </a:defRPr>
-            </a:pPr>
-            <a:endParaRPr/>
-          </a:p>
-        </p:txBody>
-      </p:sp>
-      <p:sp>
-        <p:nvSpPr>
-          <p:cNvPr id="191" name="Shape 191"/>
-          <p:cNvSpPr/>
-          <p:nvPr/>
-        </p:nvSpPr>
-        <p:spPr>
-          <a:xfrm>
-            <a:off x="15102776" y="5738951"/>
-            <a:ext cx="3516784" cy="1949252"/>
-          </a:xfrm>
-          <a:prstGeom prst="rect">
-            <a:avLst/>
-          </a:prstGeom>
-          <a:ln w="12700">
-            <a:miter lim="400000"/>
-          </a:ln>
-          <a:extLst>
-            <a:ext uri="{C572A759-6A51-4108-AA02-DFA0A04FC94B}">
-              <ma14:wrappingTextBoxFlag xmlns="" xmlns:ma14="http://schemas.microsoft.com/office/mac/drawingml/2011/main" val="1"/>
-            </a:ext>
-          </a:extLst>
-        </p:spPr>
-        <p:txBody>
-          <a:bodyPr wrap="square" lIns="50800" tIns="50800" rIns="50800" bIns="50800" anchor="ctr">
-            <a:spAutoFit/>
-          </a:bodyPr>
-          <a:lstStyle/>
-          <a:p>
-            <a:pPr defTabSz="457200">
-              <a:spcBef>
-                <a:spcPts val="0"/>
-              </a:spcBef>
-              <a:defRPr sz="2000">
-                <a:solidFill>
-                  <a:srgbClr val="000000"/>
-                </a:solidFill>
-                <a:uFill>
-                  <a:solidFill>
-                    <a:srgbClr val="000000"/>
-                  </a:solidFill>
-                </a:uFill>
-                <a:latin typeface="Times New Roman"/>
-                <a:ea typeface="Times New Roman"/>
-                <a:cs typeface="Times New Roman"/>
-                <a:sym typeface="Times New Roman"/>
-              </a:defRPr>
-            </a:pPr>
-            <a:r>
-              <a:rPr lang="es-ES" dirty="0" smtClean="0">
-                <a:latin typeface="Helvetica Neue"/>
-                <a:ea typeface="Helvetica Neue"/>
-                <a:cs typeface="Helvetica Neue"/>
-                <a:sym typeface="Helvetica Neue"/>
-              </a:rPr>
-              <a:t>1 Estructura </a:t>
-            </a:r>
-            <a:r>
-              <a:rPr lang="es-ES" dirty="0">
-                <a:latin typeface="Helvetica Neue"/>
-                <a:ea typeface="Helvetica Neue"/>
-                <a:cs typeface="Helvetica Neue"/>
-                <a:sym typeface="Helvetica Neue"/>
-              </a:rPr>
-              <a:t>de descomposición del trabajo/Planificación </a:t>
-            </a:r>
-            <a:r>
-              <a:rPr lang="es-ES" dirty="0" smtClean="0">
-                <a:latin typeface="Helvetica Neue"/>
-                <a:ea typeface="Helvetica Neue"/>
-                <a:cs typeface="Helvetica Neue"/>
-                <a:sym typeface="Helvetica Neue"/>
-              </a:rPr>
-              <a:t>temporal</a:t>
-            </a:r>
-          </a:p>
-          <a:p>
-            <a:pPr defTabSz="457200">
-              <a:spcBef>
-                <a:spcPts val="0"/>
-              </a:spcBef>
-              <a:defRPr sz="2000">
-                <a:solidFill>
-                  <a:srgbClr val="000000"/>
-                </a:solidFill>
-                <a:uFill>
-                  <a:solidFill>
-                    <a:srgbClr val="000000"/>
-                  </a:solidFill>
-                </a:uFill>
-                <a:latin typeface="Times New Roman"/>
-                <a:ea typeface="Times New Roman"/>
-                <a:cs typeface="Times New Roman"/>
-                <a:sym typeface="Times New Roman"/>
-              </a:defRPr>
-            </a:pPr>
-            <a:r>
-              <a:rPr lang="es-ES" dirty="0" smtClean="0">
-                <a:latin typeface="Helvetica Neue"/>
-                <a:ea typeface="Helvetica Neue"/>
-                <a:cs typeface="Helvetica Neue"/>
-                <a:sym typeface="Helvetica Neue"/>
-              </a:rPr>
-              <a:t>2 Gráfico Gantt	</a:t>
-            </a:r>
-          </a:p>
-          <a:p>
-            <a:pPr defTabSz="457200">
-              <a:spcBef>
-                <a:spcPts val="0"/>
-              </a:spcBef>
-              <a:defRPr sz="2000">
-                <a:solidFill>
-                  <a:srgbClr val="000000"/>
-                </a:solidFill>
-                <a:uFill>
-                  <a:solidFill>
-                    <a:srgbClr val="000000"/>
-                  </a:solidFill>
-                </a:uFill>
-                <a:latin typeface="Times New Roman"/>
-                <a:ea typeface="Times New Roman"/>
-                <a:cs typeface="Times New Roman"/>
-                <a:sym typeface="Times New Roman"/>
-              </a:defRPr>
-            </a:pPr>
-            <a:r>
-              <a:rPr lang="es-ES" dirty="0" smtClean="0">
-                <a:latin typeface="Helvetica Neue"/>
-                <a:ea typeface="Helvetica Neue"/>
-                <a:cs typeface="Helvetica Neue"/>
-                <a:sym typeface="Helvetica Neue"/>
-              </a:rPr>
-              <a:t>3 Red </a:t>
-            </a:r>
-            <a:r>
-              <a:rPr lang="es-ES" dirty="0">
-                <a:latin typeface="Helvetica Neue"/>
-                <a:ea typeface="Helvetica Neue"/>
-                <a:cs typeface="Helvetica Neue"/>
-                <a:sym typeface="Helvetica Neue"/>
-              </a:rPr>
-              <a:t>de tareas	</a:t>
-            </a:r>
-          </a:p>
-          <a:p>
-            <a:pPr defTabSz="457200">
-              <a:spcBef>
-                <a:spcPts val="0"/>
-              </a:spcBef>
-              <a:defRPr sz="2000">
-                <a:solidFill>
-                  <a:srgbClr val="000000"/>
-                </a:solidFill>
-                <a:uFill>
-                  <a:solidFill>
-                    <a:srgbClr val="000000"/>
-                  </a:solidFill>
-                </a:uFill>
-                <a:latin typeface="Times New Roman"/>
-                <a:ea typeface="Times New Roman"/>
-                <a:cs typeface="Times New Roman"/>
-                <a:sym typeface="Times New Roman"/>
-              </a:defRPr>
-            </a:pPr>
-            <a:r>
-              <a:rPr lang="es-ES" dirty="0" smtClean="0">
-                <a:latin typeface="Helvetica Neue"/>
-                <a:ea typeface="Helvetica Neue"/>
-                <a:cs typeface="Helvetica Neue"/>
-                <a:sym typeface="Helvetica Neue"/>
-              </a:rPr>
-              <a:t>4 Tabla </a:t>
-            </a:r>
-            <a:r>
-              <a:rPr lang="es-ES" dirty="0">
-                <a:latin typeface="Helvetica Neue"/>
-                <a:ea typeface="Helvetica Neue"/>
-                <a:cs typeface="Helvetica Neue"/>
-                <a:sym typeface="Helvetica Neue"/>
-              </a:rPr>
-              <a:t>de uso de recursos</a:t>
-            </a:r>
-          </a:p>
-        </p:txBody>
-      </p:sp>
-      <p:sp>
-        <p:nvSpPr>
-          <p:cNvPr id="26" name="Shape 187"/>
-          <p:cNvSpPr/>
-          <p:nvPr/>
-        </p:nvSpPr>
-        <p:spPr>
-          <a:xfrm>
-            <a:off x="19356478" y="4844943"/>
-            <a:ext cx="4150420" cy="5656802"/>
-          </a:xfrm>
-          <a:prstGeom prst="roundRect">
-            <a:avLst>
-              <a:gd name="adj" fmla="val 21900"/>
-            </a:avLst>
-          </a:prstGeom>
-          <a:ln w="38100">
-            <a:solidFill>
-              <a:srgbClr val="5B5854"/>
-            </a:solidFill>
-            <a:miter lim="400000"/>
-          </a:ln>
-        </p:spPr>
-        <p:txBody>
-          <a:bodyPr lIns="50800" tIns="50800" rIns="50800" bIns="50800" anchor="ctr"/>
-          <a:lstStyle/>
-          <a:p>
-            <a:pPr algn="ctr">
-              <a:lnSpc>
-                <a:spcPct val="80000"/>
-              </a:lnSpc>
-              <a:spcBef>
-                <a:spcPts val="0"/>
-              </a:spcBef>
-              <a:defRPr sz="100" cap="all">
-                <a:solidFill>
-                  <a:srgbClr val="FFFFFF"/>
-                </a:solidFill>
-                <a:latin typeface="+mn-lt"/>
-                <a:ea typeface="+mn-ea"/>
-                <a:cs typeface="+mn-cs"/>
-                <a:sym typeface="DIN Condensed"/>
-              </a:defRPr>
-            </a:pPr>
-            <a:endParaRPr/>
+            <a:fld id="{86CB4B4D-7CA3-9044-876B-883B54F8677D}" type="slidenum">
+              <a:rPr lang="es-ES" smtClean="0"/>
+              <a:t>21</a:t>
+            </a:fld>
+            <a:endParaRPr lang="es-ES"/>
           </a:p>
         </p:txBody>
       </p:sp>
     </p:spTree>
-    <p:extLst>
-      <p:ext uri="{BB962C8B-B14F-4D97-AF65-F5344CB8AC3E}">
-        <p14:creationId xmlns:p14="http://schemas.microsoft.com/office/powerpoint/2010/main" val="778317248"/>
-      </p:ext>
-    </p:extLst>
   </p:cSld>
   <p:clrMapOvr>
     <a:masterClrMapping/>
@@ -21343,7 +23562,7 @@
 </p:sld>
 </file>
 
-<file path=ppt/slides/slide20.xml><?xml version="1.0" encoding="utf-8"?>
+<file path=ppt/slides/slide22.xml><?xml version="1.0" encoding="utf-8"?>
 <p:sld xmlns:a="http://schemas.openxmlformats.org/drawingml/2006/main" xmlns:r="http://schemas.openxmlformats.org/officeDocument/2006/relationships" xmlns:p="http://schemas.openxmlformats.org/presentationml/2006/main">
   <p:cSld>
     <p:spTree>
@@ -21426,8 +23645,8 @@
         </p:nvSpPr>
         <p:spPr>
           <a:xfrm>
-            <a:off x="23281766" y="535886"/>
-            <a:ext cx="386335" cy="723901"/>
+            <a:off x="23281766" y="569541"/>
+            <a:ext cx="102657" cy="656590"/>
           </a:xfrm>
           <a:prstGeom prst="rect">
             <a:avLst/>
@@ -21455,9 +23674,7 @@
             </a:lvl1pPr>
           </a:lstStyle>
           <a:p>
-            <a:r>
-              <a:t>1</a:t>
-            </a:r>
+            <a:endParaRPr dirty="0"/>
           </a:p>
         </p:txBody>
       </p:sp>
@@ -21902,16 +24119,46 @@
           </a:p>
         </p:txBody>
       </p:sp>
+      <p:sp>
+        <p:nvSpPr>
+          <p:cNvPr id="3" name="Marcador de número de diapositiva 2"/>
+          <p:cNvSpPr>
+            <a:spLocks noGrp="1"/>
+          </p:cNvSpPr>
+          <p:nvPr>
+            <p:ph type="sldNum" sz="quarter" idx="2"/>
+          </p:nvPr>
+        </p:nvSpPr>
+        <p:spPr/>
+        <p:txBody>
+          <a:bodyPr/>
+          <a:lstStyle/>
+          <a:p>
+            <a:fld id="{86CB4B4D-7CA3-9044-876B-883B54F8677D}" type="slidenum">
+              <a:rPr lang="es-ES" smtClean="0"/>
+              <a:t>22</a:t>
+            </a:fld>
+            <a:endParaRPr lang="es-ES"/>
+          </a:p>
+        </p:txBody>
+      </p:sp>
     </p:spTree>
   </p:cSld>
   <p:clrMapOvr>
     <a:masterClrMapping/>
   </p:clrMapOvr>
   <p:transition spd="med"/>
+  <p:timing>
+    <p:tnLst>
+      <p:par>
+        <p:cTn id="1" dur="indefinite" restart="never" nodeType="tmRoot"/>
+      </p:par>
+    </p:tnLst>
+  </p:timing>
 </p:sld>
 </file>
 
-<file path=ppt/slides/slide21.xml><?xml version="1.0" encoding="utf-8"?>
+<file path=ppt/slides/slide23.xml><?xml version="1.0" encoding="utf-8"?>
 <p:sld xmlns:a="http://schemas.openxmlformats.org/drawingml/2006/main" xmlns:r="http://schemas.openxmlformats.org/officeDocument/2006/relationships" xmlns:p="http://schemas.openxmlformats.org/presentationml/2006/main">
   <p:cSld>
     <p:spTree>
@@ -21988,49 +24235,6 @@
       </p:pic>
       <p:sp>
         <p:nvSpPr>
-          <p:cNvPr id="385" name="Shape 385"/>
-          <p:cNvSpPr/>
-          <p:nvPr/>
-        </p:nvSpPr>
-        <p:spPr>
-          <a:xfrm>
-            <a:off x="23281766" y="535886"/>
-            <a:ext cx="386335" cy="723901"/>
-          </a:xfrm>
-          <a:prstGeom prst="rect">
-            <a:avLst/>
-          </a:prstGeom>
-          <a:ln w="12700">
-            <a:miter lim="400000"/>
-          </a:ln>
-          <a:extLst>
-            <a:ext uri="{C572A759-6A51-4108-AA02-DFA0A04FC94B}">
-              <ma14:wrappingTextBoxFlag xmlns="" xmlns:ma14="http://schemas.microsoft.com/office/mac/drawingml/2011/main" val="1"/>
-            </a:ext>
-          </a:extLst>
-        </p:spPr>
-        <p:txBody>
-          <a:bodyPr wrap="none" lIns="50800" tIns="50800" rIns="50800" bIns="50800" anchor="ctr">
-            <a:spAutoFit/>
-          </a:bodyPr>
-          <a:lstStyle>
-            <a:lvl1pPr>
-              <a:defRPr sz="3600">
-                <a:solidFill>
-                  <a:srgbClr val="C1C0C2"/>
-                </a:solidFill>
-              </a:defRPr>
-            </a:lvl1pPr>
-          </a:lstStyle>
-          <a:p>
-            <a:r>
-              <a:t>1</a:t>
-            </a:r>
-          </a:p>
-        </p:txBody>
-      </p:sp>
-      <p:sp>
-        <p:nvSpPr>
           <p:cNvPr id="386" name="Shape 386"/>
           <p:cNvSpPr/>
           <p:nvPr/>
@@ -22469,12 +24673,42 @@
           </p:spPr>
         </p:pic>
       </p:grpSp>
+      <p:sp>
+        <p:nvSpPr>
+          <p:cNvPr id="3" name="Marcador de número de diapositiva 2"/>
+          <p:cNvSpPr>
+            <a:spLocks noGrp="1"/>
+          </p:cNvSpPr>
+          <p:nvPr>
+            <p:ph type="sldNum" sz="quarter" idx="2"/>
+          </p:nvPr>
+        </p:nvSpPr>
+        <p:spPr/>
+        <p:txBody>
+          <a:bodyPr/>
+          <a:lstStyle/>
+          <a:p>
+            <a:fld id="{86CB4B4D-7CA3-9044-876B-883B54F8677D}" type="slidenum">
+              <a:rPr lang="es-ES" smtClean="0"/>
+              <a:t>23</a:t>
+            </a:fld>
+            <a:endParaRPr lang="es-ES"/>
+          </a:p>
+        </p:txBody>
+      </p:sp>
     </p:spTree>
   </p:cSld>
   <p:clrMapOvr>
     <a:masterClrMapping/>
   </p:clrMapOvr>
   <p:transition spd="med"/>
+  <p:timing>
+    <p:tnLst>
+      <p:par>
+        <p:cTn id="1" dur="indefinite" restart="never" nodeType="tmRoot"/>
+      </p:par>
+    </p:tnLst>
+  </p:timing>
 </p:sld>
 </file>
 
@@ -22504,7 +24738,7 @@
           <p:nvPr/>
         </p:nvPicPr>
         <p:blipFill>
-          <a:blip r:embed="rId2">
+          <a:blip r:embed="rId3">
             <a:extLst/>
           </a:blip>
           <a:stretch>
@@ -22533,7 +24767,7 @@
           <p:nvPr/>
         </p:nvPicPr>
         <p:blipFill>
-          <a:blip r:embed="rId3">
+          <a:blip r:embed="rId4">
             <a:extLst/>
           </a:blip>
           <a:stretch>
@@ -22561,8 +24795,8 @@
         </p:nvSpPr>
         <p:spPr>
           <a:xfrm>
-            <a:off x="23281767" y="535886"/>
-            <a:ext cx="386334" cy="723901"/>
+            <a:off x="23281767" y="569541"/>
+            <a:ext cx="102657" cy="656590"/>
           </a:xfrm>
           <a:prstGeom prst="rect">
             <a:avLst/>
@@ -22590,9 +24824,7 @@
             </a:lvl1pPr>
           </a:lstStyle>
           <a:p>
-            <a:r>
-              <a:t>1</a:t>
-            </a:r>
+            <a:endParaRPr dirty="0"/>
           </a:p>
         </p:txBody>
       </p:sp>
@@ -22638,8 +24870,10 @@
           </a:lstStyle>
           <a:p>
             <a:r>
+              <a:rPr dirty="0" err="1"/>
               <a:t>Indice</a:t>
             </a:r>
+            <a:endParaRPr dirty="0"/>
           </a:p>
         </p:txBody>
       </p:sp>
@@ -23563,7 +25797,7 @@
       <p:sp>
         <p:nvSpPr>
           <p:cNvPr id="178" name="Shape 178">
-            <a:hlinkClick r:id="rId4" action="ppaction://hlinksldjump"/>
+            <a:hlinkClick r:id="rId5" action="ppaction://hlinksldjump"/>
           </p:cNvPr>
           <p:cNvSpPr/>
           <p:nvPr/>
@@ -23613,7 +25847,7 @@
       <p:sp>
         <p:nvSpPr>
           <p:cNvPr id="180" name="Shape 180">
-            <a:hlinkClick r:id="rId4" action="ppaction://hlinksldjump"/>
+            <a:hlinkClick r:id="rId5" action="ppaction://hlinksldjump"/>
           </p:cNvPr>
           <p:cNvSpPr/>
           <p:nvPr/>
@@ -23663,7 +25897,7 @@
       <p:sp>
         <p:nvSpPr>
           <p:cNvPr id="182" name="Shape 182">
-            <a:hlinkClick r:id="rId4" action="ppaction://hlinksldjump"/>
+            <a:hlinkClick r:id="rId5" action="ppaction://hlinksldjump"/>
           </p:cNvPr>
           <p:cNvSpPr/>
           <p:nvPr/>
@@ -24020,6 +26254,29 @@
               <a:t>ndices</a:t>
             </a:r>
             <a:endParaRPr sz="2000" dirty="0"/>
+          </a:p>
+        </p:txBody>
+      </p:sp>
+      <p:sp>
+        <p:nvSpPr>
+          <p:cNvPr id="3" name="Marcador de número de diapositiva 2"/>
+          <p:cNvSpPr>
+            <a:spLocks noGrp="1"/>
+          </p:cNvSpPr>
+          <p:nvPr>
+            <p:ph type="sldNum" sz="quarter" idx="2"/>
+          </p:nvPr>
+        </p:nvSpPr>
+        <p:spPr/>
+        <p:txBody>
+          <a:bodyPr/>
+          <a:lstStyle/>
+          <a:p>
+            <a:fld id="{86CB4B4D-7CA3-9044-876B-883B54F8677D}" type="slidenum">
+              <a:rPr lang="es-ES" smtClean="0"/>
+              <a:t>3</a:t>
+            </a:fld>
+            <a:endParaRPr lang="es-ES"/>
           </a:p>
         </p:txBody>
       </p:sp>
@@ -24121,49 +26378,6 @@
       </p:pic>
       <p:sp>
         <p:nvSpPr>
-          <p:cNvPr id="196" name="Shape 196"/>
-          <p:cNvSpPr/>
-          <p:nvPr/>
-        </p:nvSpPr>
-        <p:spPr>
-          <a:xfrm>
-            <a:off x="23281766" y="535886"/>
-            <a:ext cx="386335" cy="723901"/>
-          </a:xfrm>
-          <a:prstGeom prst="rect">
-            <a:avLst/>
-          </a:prstGeom>
-          <a:ln w="12700">
-            <a:miter lim="400000"/>
-          </a:ln>
-          <a:extLst>
-            <a:ext uri="{C572A759-6A51-4108-AA02-DFA0A04FC94B}">
-              <ma14:wrappingTextBoxFlag xmlns="" xmlns:ma14="http://schemas.microsoft.com/office/mac/drawingml/2011/main" val="1"/>
-            </a:ext>
-          </a:extLst>
-        </p:spPr>
-        <p:txBody>
-          <a:bodyPr wrap="none" lIns="50800" tIns="50800" rIns="50800" bIns="50800" anchor="ctr">
-            <a:spAutoFit/>
-          </a:bodyPr>
-          <a:lstStyle>
-            <a:lvl1pPr>
-              <a:defRPr sz="3600">
-                <a:solidFill>
-                  <a:srgbClr val="C1C0C2"/>
-                </a:solidFill>
-              </a:defRPr>
-            </a:lvl1pPr>
-          </a:lstStyle>
-          <a:p>
-            <a:r>
-              <a:t>1</a:t>
-            </a:r>
-          </a:p>
-        </p:txBody>
-      </p:sp>
-      <p:sp>
-        <p:nvSpPr>
           <p:cNvPr id="197" name="Shape 197"/>
           <p:cNvSpPr/>
           <p:nvPr/>
@@ -25082,6 +27296,29 @@
               </a:defRPr>
             </a:pPr>
             <a:endParaRPr/>
+          </a:p>
+        </p:txBody>
+      </p:sp>
+      <p:sp>
+        <p:nvSpPr>
+          <p:cNvPr id="3" name="Marcador de número de diapositiva 2"/>
+          <p:cNvSpPr>
+            <a:spLocks noGrp="1"/>
+          </p:cNvSpPr>
+          <p:nvPr>
+            <p:ph type="sldNum" sz="quarter" idx="2"/>
+          </p:nvPr>
+        </p:nvSpPr>
+        <p:spPr/>
+        <p:txBody>
+          <a:bodyPr/>
+          <a:lstStyle/>
+          <a:p>
+            <a:fld id="{86CB4B4D-7CA3-9044-876B-883B54F8677D}" type="slidenum">
+              <a:rPr lang="es-ES" smtClean="0"/>
+              <a:t>4</a:t>
+            </a:fld>
+            <a:endParaRPr lang="es-ES"/>
           </a:p>
         </p:txBody>
       </p:sp>
@@ -25178,49 +27415,6 @@
       </p:pic>
       <p:sp>
         <p:nvSpPr>
-          <p:cNvPr id="210" name="Shape 210"/>
-          <p:cNvSpPr/>
-          <p:nvPr/>
-        </p:nvSpPr>
-        <p:spPr>
-          <a:xfrm>
-            <a:off x="23281766" y="535886"/>
-            <a:ext cx="386335" cy="723901"/>
-          </a:xfrm>
-          <a:prstGeom prst="rect">
-            <a:avLst/>
-          </a:prstGeom>
-          <a:ln w="12700">
-            <a:miter lim="400000"/>
-          </a:ln>
-          <a:extLst>
-            <a:ext uri="{C572A759-6A51-4108-AA02-DFA0A04FC94B}">
-              <ma14:wrappingTextBoxFlag xmlns="" xmlns:ma14="http://schemas.microsoft.com/office/mac/drawingml/2011/main" val="1"/>
-            </a:ext>
-          </a:extLst>
-        </p:spPr>
-        <p:txBody>
-          <a:bodyPr wrap="none" lIns="50800" tIns="50800" rIns="50800" bIns="50800" anchor="ctr">
-            <a:spAutoFit/>
-          </a:bodyPr>
-          <a:lstStyle>
-            <a:lvl1pPr>
-              <a:defRPr sz="3600">
-                <a:solidFill>
-                  <a:srgbClr val="C1C0C2"/>
-                </a:solidFill>
-              </a:defRPr>
-            </a:lvl1pPr>
-          </a:lstStyle>
-          <a:p>
-            <a:r>
-              <a:t>1</a:t>
-            </a:r>
-          </a:p>
-        </p:txBody>
-      </p:sp>
-      <p:sp>
-        <p:nvSpPr>
           <p:cNvPr id="211" name="Shape 211"/>
           <p:cNvSpPr/>
           <p:nvPr/>
@@ -25264,7 +27458,6 @@
               <a:rPr lang="es-ES" dirty="0"/>
               <a:t>1. Introducción</a:t>
             </a:r>
-            <a:endParaRPr lang="es-ES" dirty="0"/>
           </a:p>
         </p:txBody>
       </p:sp>
@@ -26264,6 +28457,29 @@
               <a:ea typeface="Helvetica Neue"/>
               <a:cs typeface="Helvetica Neue"/>
             </a:endParaRPr>
+          </a:p>
+        </p:txBody>
+      </p:sp>
+      <p:sp>
+        <p:nvSpPr>
+          <p:cNvPr id="5" name="Marcador de número de diapositiva 4"/>
+          <p:cNvSpPr>
+            <a:spLocks noGrp="1"/>
+          </p:cNvSpPr>
+          <p:nvPr>
+            <p:ph type="sldNum" sz="quarter" idx="2"/>
+          </p:nvPr>
+        </p:nvSpPr>
+        <p:spPr/>
+        <p:txBody>
+          <a:bodyPr/>
+          <a:lstStyle/>
+          <a:p>
+            <a:fld id="{86CB4B4D-7CA3-9044-876B-883B54F8677D}" type="slidenum">
+              <a:rPr lang="es-ES" smtClean="0"/>
+              <a:t>5</a:t>
+            </a:fld>
+            <a:endParaRPr lang="es-ES"/>
           </a:p>
         </p:txBody>
       </p:sp>
@@ -26366,8 +28582,8 @@
         </p:nvSpPr>
         <p:spPr>
           <a:xfrm>
-            <a:off x="23281766" y="535886"/>
-            <a:ext cx="386335" cy="723901"/>
+            <a:off x="23281766" y="569541"/>
+            <a:ext cx="102657" cy="656590"/>
           </a:xfrm>
           <a:prstGeom prst="rect">
             <a:avLst/>
@@ -26395,9 +28611,7 @@
             </a:lvl1pPr>
           </a:lstStyle>
           <a:p>
-            <a:r>
-              <a:t>1</a:t>
-            </a:r>
+            <a:endParaRPr dirty="0"/>
           </a:p>
         </p:txBody>
       </p:sp>
@@ -26446,7 +28660,6 @@
               <a:rPr lang="es-ES" dirty="0"/>
               <a:t>1. Introducción</a:t>
             </a:r>
-            <a:endParaRPr lang="es-ES" dirty="0"/>
           </a:p>
         </p:txBody>
       </p:sp>
@@ -27040,6 +29253,29 @@
               <a:ea typeface="Helvetica Neue"/>
               <a:cs typeface="Helvetica Neue"/>
             </a:endParaRPr>
+          </a:p>
+        </p:txBody>
+      </p:sp>
+      <p:sp>
+        <p:nvSpPr>
+          <p:cNvPr id="5" name="Marcador de número de diapositiva 4"/>
+          <p:cNvSpPr>
+            <a:spLocks noGrp="1"/>
+          </p:cNvSpPr>
+          <p:nvPr>
+            <p:ph type="sldNum" sz="quarter" idx="2"/>
+          </p:nvPr>
+        </p:nvSpPr>
+        <p:spPr/>
+        <p:txBody>
+          <a:bodyPr/>
+          <a:lstStyle/>
+          <a:p>
+            <a:fld id="{86CB4B4D-7CA3-9044-876B-883B54F8677D}" type="slidenum">
+              <a:rPr lang="es-ES" smtClean="0"/>
+              <a:t>6</a:t>
+            </a:fld>
+            <a:endParaRPr lang="es-ES"/>
           </a:p>
         </p:txBody>
       </p:sp>
@@ -27141,49 +29377,6 @@
       </p:pic>
       <p:sp>
         <p:nvSpPr>
-          <p:cNvPr id="219" name="Shape 219"/>
-          <p:cNvSpPr/>
-          <p:nvPr/>
-        </p:nvSpPr>
-        <p:spPr>
-          <a:xfrm>
-            <a:off x="23281766" y="535886"/>
-            <a:ext cx="386335" cy="723901"/>
-          </a:xfrm>
-          <a:prstGeom prst="rect">
-            <a:avLst/>
-          </a:prstGeom>
-          <a:ln w="12700">
-            <a:miter lim="400000"/>
-          </a:ln>
-          <a:extLst>
-            <a:ext uri="{C572A759-6A51-4108-AA02-DFA0A04FC94B}">
-              <ma14:wrappingTextBoxFlag xmlns="" xmlns:ma14="http://schemas.microsoft.com/office/mac/drawingml/2011/main" val="1"/>
-            </a:ext>
-          </a:extLst>
-        </p:spPr>
-        <p:txBody>
-          <a:bodyPr wrap="none" lIns="50800" tIns="50800" rIns="50800" bIns="50800" anchor="ctr">
-            <a:spAutoFit/>
-          </a:bodyPr>
-          <a:lstStyle>
-            <a:lvl1pPr>
-              <a:defRPr sz="3600">
-                <a:solidFill>
-                  <a:srgbClr val="C1C0C2"/>
-                </a:solidFill>
-              </a:defRPr>
-            </a:lvl1pPr>
-          </a:lstStyle>
-          <a:p>
-            <a:r>
-              <a:t>1</a:t>
-            </a:r>
-          </a:p>
-        </p:txBody>
-      </p:sp>
-      <p:sp>
-        <p:nvSpPr>
           <p:cNvPr id="220" name="Shape 220"/>
           <p:cNvSpPr/>
           <p:nvPr/>
@@ -27227,7 +29420,6 @@
               <a:rPr lang="es-ES" dirty="0"/>
               <a:t>1. Introducción</a:t>
             </a:r>
-            <a:endParaRPr lang="es-ES" dirty="0"/>
           </a:p>
         </p:txBody>
       </p:sp>
@@ -27462,6 +29654,29 @@
               <a:ea typeface="Helvetica Neue"/>
               <a:cs typeface="Helvetica Neue"/>
             </a:endParaRPr>
+          </a:p>
+        </p:txBody>
+      </p:sp>
+      <p:sp>
+        <p:nvSpPr>
+          <p:cNvPr id="4" name="Marcador de número de diapositiva 3"/>
+          <p:cNvSpPr>
+            <a:spLocks noGrp="1"/>
+          </p:cNvSpPr>
+          <p:nvPr>
+            <p:ph type="sldNum" sz="quarter" idx="2"/>
+          </p:nvPr>
+        </p:nvSpPr>
+        <p:spPr/>
+        <p:txBody>
+          <a:bodyPr/>
+          <a:lstStyle/>
+          <a:p>
+            <a:fld id="{86CB4B4D-7CA3-9044-876B-883B54F8677D}" type="slidenum">
+              <a:rPr lang="es-ES" smtClean="0"/>
+              <a:t>7</a:t>
+            </a:fld>
+            <a:endParaRPr lang="es-ES"/>
           </a:p>
         </p:txBody>
       </p:sp>
@@ -27558,49 +29773,6 @@
       </p:pic>
       <p:sp>
         <p:nvSpPr>
-          <p:cNvPr id="228" name="Shape 228"/>
-          <p:cNvSpPr/>
-          <p:nvPr/>
-        </p:nvSpPr>
-        <p:spPr>
-          <a:xfrm>
-            <a:off x="23281766" y="535886"/>
-            <a:ext cx="386335" cy="723901"/>
-          </a:xfrm>
-          <a:prstGeom prst="rect">
-            <a:avLst/>
-          </a:prstGeom>
-          <a:ln w="12700">
-            <a:miter lim="400000"/>
-          </a:ln>
-          <a:extLst>
-            <a:ext uri="{C572A759-6A51-4108-AA02-DFA0A04FC94B}">
-              <ma14:wrappingTextBoxFlag xmlns="" xmlns:ma14="http://schemas.microsoft.com/office/mac/drawingml/2011/main" val="1"/>
-            </a:ext>
-          </a:extLst>
-        </p:spPr>
-        <p:txBody>
-          <a:bodyPr wrap="none" lIns="50800" tIns="50800" rIns="50800" bIns="50800" anchor="ctr">
-            <a:spAutoFit/>
-          </a:bodyPr>
-          <a:lstStyle>
-            <a:lvl1pPr>
-              <a:defRPr sz="3600">
-                <a:solidFill>
-                  <a:srgbClr val="C1C0C2"/>
-                </a:solidFill>
-              </a:defRPr>
-            </a:lvl1pPr>
-          </a:lstStyle>
-          <a:p>
-            <a:r>
-              <a:t>1</a:t>
-            </a:r>
-          </a:p>
-        </p:txBody>
-      </p:sp>
-      <p:sp>
-        <p:nvSpPr>
           <p:cNvPr id="229" name="Shape 229"/>
           <p:cNvSpPr/>
           <p:nvPr/>
@@ -27608,7 +29780,7 @@
         <p:spPr>
           <a:xfrm>
             <a:off x="1044066" y="500292"/>
-            <a:ext cx="8053487" cy="795089"/>
+            <a:ext cx="7476406" cy="795089"/>
           </a:xfrm>
           <a:prstGeom prst="rect">
             <a:avLst/>
@@ -27645,11 +29817,11 @@
               <a:t>2. </a:t>
             </a:r>
             <a:r>
-              <a:rPr lang="es-ES_tradnl" b="1" dirty="0"/>
+              <a:rPr lang="es-ES_tradnl" dirty="0"/>
               <a:t>Estimaciones del </a:t>
             </a:r>
             <a:r>
-              <a:rPr lang="es-ES_tradnl" b="1" dirty="0" smtClean="0"/>
+              <a:rPr lang="es-ES_tradnl" dirty="0" smtClean="0"/>
               <a:t>proyecto</a:t>
             </a:r>
             <a:endParaRPr lang="es-ES" dirty="0"/>
@@ -28217,23 +30389,7 @@
                 <a:ea typeface="Helvetica Neue"/>
                 <a:cs typeface="Helvetica Neue"/>
               </a:rPr>
-              <a:t>El proyecto se inicia el día 7 de noviembre de 2016 y finaliza el 2 de junio de 2017. La jornada laboral se establece en 1 día/semana. </a:t>
-            </a:r>
-            <a:r>
-              <a:rPr lang="es-ES_tradnl" sz="2500" dirty="0">
-                <a:solidFill>
-                  <a:srgbClr val="00000A"/>
-                </a:solidFill>
-                <a:uFill>
-                  <a:solidFill>
-                    <a:srgbClr val="00000A"/>
-                  </a:solidFill>
-                </a:uFill>
-                <a:latin typeface="Helvetica Neue"/>
-                <a:ea typeface="Helvetica Neue"/>
-                <a:cs typeface="Helvetica Neue"/>
-              </a:rPr>
-              <a:t>Respecto el coste del </a:t>
+              <a:t>El proyecto se inicia el día 7 de noviembre de 2016 y finaliza el 2 de junio de 2017. La jornada laboral se establece en 1 día/semana. Respecto el coste del </a:t>
             </a:r>
             <a:r>
               <a:rPr lang="es-ES_tradnl" sz="2500" dirty="0" smtClean="0">
@@ -28782,6 +30938,29 @@
               <a:ea typeface="Helvetica Neue"/>
               <a:cs typeface="Helvetica Neue"/>
             </a:endParaRPr>
+          </a:p>
+        </p:txBody>
+      </p:sp>
+      <p:sp>
+        <p:nvSpPr>
+          <p:cNvPr id="4" name="Marcador de número de diapositiva 3"/>
+          <p:cNvSpPr>
+            <a:spLocks noGrp="1"/>
+          </p:cNvSpPr>
+          <p:nvPr>
+            <p:ph type="sldNum" sz="quarter" idx="2"/>
+          </p:nvPr>
+        </p:nvSpPr>
+        <p:spPr/>
+        <p:txBody>
+          <a:bodyPr/>
+          <a:lstStyle/>
+          <a:p>
+            <a:fld id="{86CB4B4D-7CA3-9044-876B-883B54F8677D}" type="slidenum">
+              <a:rPr lang="es-ES" smtClean="0"/>
+              <a:t>8</a:t>
+            </a:fld>
+            <a:endParaRPr lang="es-ES"/>
           </a:p>
         </p:txBody>
       </p:sp>
@@ -28884,8 +31063,8 @@
         </p:nvSpPr>
         <p:spPr>
           <a:xfrm>
-            <a:off x="23281766" y="535886"/>
-            <a:ext cx="386335" cy="723901"/>
+            <a:off x="23281766" y="569541"/>
+            <a:ext cx="102657" cy="656590"/>
           </a:xfrm>
           <a:prstGeom prst="rect">
             <a:avLst/>
@@ -28913,9 +31092,7 @@
             </a:lvl1pPr>
           </a:lstStyle>
           <a:p>
-            <a:r>
-              <a:t>1</a:t>
-            </a:r>
+            <a:endParaRPr dirty="0"/>
           </a:p>
         </p:txBody>
       </p:sp>
@@ -28928,7 +31105,7 @@
         <p:spPr>
           <a:xfrm>
             <a:off x="1044066" y="500292"/>
-            <a:ext cx="8053487" cy="795089"/>
+            <a:ext cx="7476406" cy="795089"/>
           </a:xfrm>
           <a:prstGeom prst="rect">
             <a:avLst/>
@@ -28962,13 +31139,8 @@
           <a:p>
             <a:r>
               <a:rPr lang="es-ES" dirty="0"/>
-              <a:t>2. </a:t>
-            </a:r>
-            <a:r>
-              <a:rPr lang="es-ES" b="1" dirty="0"/>
-              <a:t>Estimaciones del proyecto</a:t>
-            </a:r>
-            <a:endParaRPr lang="es-ES" dirty="0"/>
+              <a:t>2. Estimaciones del proyecto</a:t>
+            </a:r>
           </a:p>
         </p:txBody>
       </p:sp>
@@ -29105,7 +31277,7 @@
         </p:nvGraphicFramePr>
         <p:xfrm>
           <a:off x="4876733" y="3801894"/>
-          <a:ext cx="15443268" cy="8560245"/>
+          <a:ext cx="15443268" cy="8710168"/>
         </p:xfrm>
         <a:graphic>
           <a:graphicData uri="http://schemas.openxmlformats.org/drawingml/2006/table">
@@ -34151,6 +36323,29 @@
           </a:graphicData>
         </a:graphic>
       </p:graphicFrame>
+      <p:sp>
+        <p:nvSpPr>
+          <p:cNvPr id="3" name="Marcador de número de diapositiva 2"/>
+          <p:cNvSpPr>
+            <a:spLocks noGrp="1"/>
+          </p:cNvSpPr>
+          <p:nvPr>
+            <p:ph type="sldNum" sz="quarter" idx="2"/>
+          </p:nvPr>
+        </p:nvSpPr>
+        <p:spPr/>
+        <p:txBody>
+          <a:bodyPr/>
+          <a:lstStyle/>
+          <a:p>
+            <a:fld id="{86CB4B4D-7CA3-9044-876B-883B54F8677D}" type="slidenum">
+              <a:rPr lang="es-ES" smtClean="0"/>
+              <a:t>9</a:t>
+            </a:fld>
+            <a:endParaRPr lang="es-ES"/>
+          </a:p>
+        </p:txBody>
+      </p:sp>
     </p:spTree>
   </p:cSld>
   <p:clrMapOvr>

--- a/Plan de proyecto.pptx
+++ b/Plan de proyecto.pptx
@@ -5,7 +5,7 @@
     <p:sldMasterId id="2147483648" r:id="rId1"/>
   </p:sldMasterIdLst>
   <p:notesMasterIdLst>
-    <p:notesMasterId r:id="rId25"/>
+    <p:notesMasterId r:id="rId26"/>
   </p:notesMasterIdLst>
   <p:sldIdLst>
     <p:sldId id="256" r:id="rId2"/>
@@ -17,20 +17,21 @@
     <p:sldId id="260" r:id="rId8"/>
     <p:sldId id="261" r:id="rId9"/>
     <p:sldId id="262" r:id="rId10"/>
-    <p:sldId id="263" r:id="rId11"/>
-    <p:sldId id="278" r:id="rId12"/>
-    <p:sldId id="279" r:id="rId13"/>
-    <p:sldId id="264" r:id="rId14"/>
-    <p:sldId id="265" r:id="rId15"/>
-    <p:sldId id="266" r:id="rId16"/>
-    <p:sldId id="267" r:id="rId17"/>
-    <p:sldId id="268" r:id="rId18"/>
-    <p:sldId id="269" r:id="rId19"/>
-    <p:sldId id="270" r:id="rId20"/>
-    <p:sldId id="271" r:id="rId21"/>
-    <p:sldId id="272" r:id="rId22"/>
-    <p:sldId id="273" r:id="rId23"/>
-    <p:sldId id="274" r:id="rId24"/>
+    <p:sldId id="280" r:id="rId11"/>
+    <p:sldId id="263" r:id="rId12"/>
+    <p:sldId id="278" r:id="rId13"/>
+    <p:sldId id="279" r:id="rId14"/>
+    <p:sldId id="264" r:id="rId15"/>
+    <p:sldId id="265" r:id="rId16"/>
+    <p:sldId id="266" r:id="rId17"/>
+    <p:sldId id="267" r:id="rId18"/>
+    <p:sldId id="268" r:id="rId19"/>
+    <p:sldId id="269" r:id="rId20"/>
+    <p:sldId id="270" r:id="rId21"/>
+    <p:sldId id="271" r:id="rId22"/>
+    <p:sldId id="272" r:id="rId23"/>
+    <p:sldId id="273" r:id="rId24"/>
+    <p:sldId id="274" r:id="rId25"/>
   </p:sldIdLst>
   <p:sldSz cx="24384000" cy="13716000"/>
   <p:notesSz cx="6858000" cy="9144000"/>
@@ -340,6 +341,1078 @@
 </p:presentation>
 </file>
 
+<file path=ppt/charts/chart1.xml><?xml version="1.0" encoding="utf-8"?>
+<c:chartSpace xmlns:c="http://schemas.openxmlformats.org/drawingml/2006/chart" xmlns:a="http://schemas.openxmlformats.org/drawingml/2006/main" xmlns:r="http://schemas.openxmlformats.org/officeDocument/2006/relationships">
+  <c:date1904 val="0"/>
+  <c:lang val="es-ES"/>
+  <c:roundedCorners val="0"/>
+  <mc:AlternateContent xmlns:mc="http://schemas.openxmlformats.org/markup-compatibility/2006">
+    <mc:Choice xmlns:c14="http://schemas.microsoft.com/office/drawing/2007/8/2/chart" Requires="c14">
+      <c14:style val="102"/>
+    </mc:Choice>
+    <mc:Fallback>
+      <c:style val="2"/>
+    </mc:Fallback>
+  </mc:AlternateContent>
+  <c:chart>
+    <c:title>
+      <c:layout>
+        <c:manualLayout>
+          <c:xMode val="edge"/>
+          <c:yMode val="edge"/>
+          <c:x val="0.49456367689308972"/>
+          <c:y val="0"/>
+        </c:manualLayout>
+      </c:layout>
+      <c:overlay val="0"/>
+      <c:spPr>
+        <a:noFill/>
+        <a:ln>
+          <a:noFill/>
+        </a:ln>
+        <a:effectLst/>
+      </c:spPr>
+      <c:txPr>
+        <a:bodyPr rot="0" spcFirstLastPara="1" vertOverflow="ellipsis" vert="horz" wrap="square" anchor="ctr" anchorCtr="1"/>
+        <a:lstStyle/>
+        <a:p>
+          <a:pPr>
+            <a:defRPr sz="3200" b="0" i="0" u="none" strike="noStrike" kern="1200" spc="0" baseline="0">
+              <a:solidFill>
+                <a:schemeClr val="tx1">
+                  <a:lumMod val="65000"/>
+                  <a:lumOff val="35000"/>
+                </a:schemeClr>
+              </a:solidFill>
+              <a:latin typeface="+mn-lt"/>
+              <a:ea typeface="+mn-ea"/>
+              <a:cs typeface="+mn-cs"/>
+            </a:defRPr>
+          </a:pPr>
+          <a:endParaRPr lang="es-ES"/>
+        </a:p>
+      </c:txPr>
+    </c:title>
+    <c:autoTitleDeleted val="0"/>
+    <c:plotArea>
+      <c:layout/>
+      <c:pieChart>
+        <c:varyColors val="1"/>
+        <c:ser>
+          <c:idx val="0"/>
+          <c:order val="0"/>
+          <c:tx>
+            <c:strRef>
+              <c:f>Hoja1!$B$1</c:f>
+              <c:strCache>
+                <c:ptCount val="1"/>
+                <c:pt idx="0">
+                  <c:v>Esfuerzo</c:v>
+                </c:pt>
+              </c:strCache>
+            </c:strRef>
+          </c:tx>
+          <c:dPt>
+            <c:idx val="0"/>
+            <c:bubble3D val="0"/>
+            <c:spPr>
+              <a:solidFill>
+                <a:schemeClr val="accent1"/>
+              </a:solidFill>
+              <a:ln w="19050">
+                <a:solidFill>
+                  <a:schemeClr val="lt1"/>
+                </a:solidFill>
+              </a:ln>
+              <a:effectLst/>
+            </c:spPr>
+          </c:dPt>
+          <c:dPt>
+            <c:idx val="1"/>
+            <c:bubble3D val="0"/>
+            <c:spPr>
+              <a:solidFill>
+                <a:schemeClr val="accent2"/>
+              </a:solidFill>
+              <a:ln w="19050">
+                <a:solidFill>
+                  <a:schemeClr val="lt1"/>
+                </a:solidFill>
+              </a:ln>
+              <a:effectLst/>
+            </c:spPr>
+          </c:dPt>
+          <c:dPt>
+            <c:idx val="2"/>
+            <c:bubble3D val="0"/>
+            <c:spPr>
+              <a:solidFill>
+                <a:schemeClr val="accent3"/>
+              </a:solidFill>
+              <a:ln w="19050">
+                <a:solidFill>
+                  <a:schemeClr val="lt1"/>
+                </a:solidFill>
+              </a:ln>
+              <a:effectLst/>
+            </c:spPr>
+          </c:dPt>
+          <c:dPt>
+            <c:idx val="3"/>
+            <c:bubble3D val="0"/>
+            <c:spPr>
+              <a:solidFill>
+                <a:schemeClr val="accent4"/>
+              </a:solidFill>
+              <a:ln w="19050">
+                <a:solidFill>
+                  <a:schemeClr val="lt1"/>
+                </a:solidFill>
+              </a:ln>
+              <a:effectLst/>
+            </c:spPr>
+          </c:dPt>
+          <c:dLbls>
+            <c:dLbl>
+              <c:idx val="0"/>
+              <c:spPr>
+                <a:noFill/>
+                <a:ln>
+                  <a:noFill/>
+                </a:ln>
+                <a:effectLst/>
+              </c:spPr>
+              <c:txPr>
+                <a:bodyPr rot="0" spcFirstLastPara="1" vertOverflow="ellipsis" vert="horz" wrap="square" lIns="38100" tIns="19050" rIns="38100" bIns="19050" anchor="ctr" anchorCtr="1">
+                  <a:spAutoFit/>
+                </a:bodyPr>
+                <a:lstStyle/>
+                <a:p>
+                  <a:pPr>
+                    <a:defRPr sz="4800" b="0" i="0" u="none" strike="noStrike" kern="1200" baseline="0">
+                      <a:solidFill>
+                        <a:schemeClr val="bg1"/>
+                      </a:solidFill>
+                      <a:latin typeface="+mn-lt"/>
+                      <a:ea typeface="+mn-ea"/>
+                      <a:cs typeface="+mn-cs"/>
+                    </a:defRPr>
+                  </a:pPr>
+                  <a:endParaRPr lang="es-ES"/>
+                </a:p>
+              </c:txPr>
+              <c:dLblPos val="ctr"/>
+              <c:showLegendKey val="0"/>
+              <c:showVal val="1"/>
+              <c:showCatName val="0"/>
+              <c:showSerName val="0"/>
+              <c:showPercent val="0"/>
+              <c:showBubbleSize val="0"/>
+            </c:dLbl>
+            <c:dLbl>
+              <c:idx val="1"/>
+              <c:spPr>
+                <a:noFill/>
+                <a:ln>
+                  <a:noFill/>
+                </a:ln>
+                <a:effectLst/>
+              </c:spPr>
+              <c:txPr>
+                <a:bodyPr rot="0" spcFirstLastPara="1" vertOverflow="ellipsis" vert="horz" wrap="square" lIns="38100" tIns="19050" rIns="38100" bIns="19050" anchor="ctr" anchorCtr="1">
+                  <a:spAutoFit/>
+                </a:bodyPr>
+                <a:lstStyle/>
+                <a:p>
+                  <a:pPr>
+                    <a:defRPr sz="4800" b="0" i="0" u="none" strike="noStrike" kern="1200" baseline="0">
+                      <a:solidFill>
+                        <a:schemeClr val="bg1"/>
+                      </a:solidFill>
+                      <a:latin typeface="+mn-lt"/>
+                      <a:ea typeface="+mn-ea"/>
+                      <a:cs typeface="+mn-cs"/>
+                    </a:defRPr>
+                  </a:pPr>
+                  <a:endParaRPr lang="es-ES"/>
+                </a:p>
+              </c:txPr>
+              <c:dLblPos val="ctr"/>
+              <c:showLegendKey val="0"/>
+              <c:showVal val="1"/>
+              <c:showCatName val="0"/>
+              <c:showSerName val="0"/>
+              <c:showPercent val="0"/>
+              <c:showBubbleSize val="0"/>
+            </c:dLbl>
+            <c:dLbl>
+              <c:idx val="2"/>
+              <c:spPr>
+                <a:noFill/>
+                <a:ln>
+                  <a:noFill/>
+                </a:ln>
+                <a:effectLst/>
+              </c:spPr>
+              <c:txPr>
+                <a:bodyPr rot="0" spcFirstLastPara="1" vertOverflow="ellipsis" vert="horz" wrap="square" lIns="38100" tIns="19050" rIns="38100" bIns="19050" anchor="ctr" anchorCtr="1">
+                  <a:spAutoFit/>
+                </a:bodyPr>
+                <a:lstStyle/>
+                <a:p>
+                  <a:pPr>
+                    <a:defRPr sz="4800" b="0" i="0" u="none" strike="noStrike" kern="1200" baseline="0">
+                      <a:solidFill>
+                        <a:schemeClr val="bg1"/>
+                      </a:solidFill>
+                      <a:latin typeface="+mn-lt"/>
+                      <a:ea typeface="+mn-ea"/>
+                      <a:cs typeface="+mn-cs"/>
+                    </a:defRPr>
+                  </a:pPr>
+                  <a:endParaRPr lang="es-ES"/>
+                </a:p>
+              </c:txPr>
+              <c:dLblPos val="ctr"/>
+              <c:showLegendKey val="0"/>
+              <c:showVal val="1"/>
+              <c:showCatName val="0"/>
+              <c:showSerName val="0"/>
+              <c:showPercent val="0"/>
+              <c:showBubbleSize val="0"/>
+            </c:dLbl>
+            <c:dLbl>
+              <c:idx val="3"/>
+              <c:layout/>
+              <c:tx>
+                <c:rich>
+                  <a:bodyPr rot="0" spcFirstLastPara="1" vertOverflow="ellipsis" vert="horz" wrap="square" lIns="38100" tIns="19050" rIns="38100" bIns="19050" anchor="ctr" anchorCtr="1">
+                    <a:noAutofit/>
+                  </a:bodyPr>
+                  <a:lstStyle/>
+                  <a:p>
+                    <a:pPr>
+                      <a:defRPr sz="4800" b="0" i="0" u="none" strike="noStrike" kern="1200" baseline="0">
+                        <a:solidFill>
+                          <a:schemeClr val="bg1"/>
+                        </a:solidFill>
+                        <a:latin typeface="+mn-lt"/>
+                        <a:ea typeface="+mn-ea"/>
+                        <a:cs typeface="+mn-cs"/>
+                      </a:defRPr>
+                    </a:pPr>
+                    <a:r>
+                      <a:rPr lang="en-US" sz="4800" dirty="0" smtClean="0">
+                        <a:solidFill>
+                          <a:schemeClr val="bg1"/>
+                        </a:solidFill>
+                      </a:rPr>
+                      <a:t>78</a:t>
+                    </a:r>
+                    <a:endParaRPr lang="en-US" sz="4800" dirty="0">
+                      <a:solidFill>
+                        <a:schemeClr val="bg1"/>
+                      </a:solidFill>
+                    </a:endParaRPr>
+                  </a:p>
+                </c:rich>
+              </c:tx>
+              <c:spPr>
+                <a:noFill/>
+                <a:ln>
+                  <a:noFill/>
+                </a:ln>
+                <a:effectLst/>
+              </c:spPr>
+              <c:txPr>
+                <a:bodyPr rot="0" spcFirstLastPara="1" vertOverflow="ellipsis" vert="horz" wrap="square" lIns="38100" tIns="19050" rIns="38100" bIns="19050" anchor="ctr" anchorCtr="1">
+                  <a:noAutofit/>
+                </a:bodyPr>
+                <a:lstStyle/>
+                <a:p>
+                  <a:pPr>
+                    <a:defRPr sz="4800" b="0" i="0" u="none" strike="noStrike" kern="1200" baseline="0">
+                      <a:solidFill>
+                        <a:schemeClr val="bg1"/>
+                      </a:solidFill>
+                      <a:latin typeface="+mn-lt"/>
+                      <a:ea typeface="+mn-ea"/>
+                      <a:cs typeface="+mn-cs"/>
+                    </a:defRPr>
+                  </a:pPr>
+                  <a:endParaRPr lang="es-ES"/>
+                </a:p>
+              </c:txPr>
+              <c:dLblPos val="ctr"/>
+              <c:showLegendKey val="0"/>
+              <c:showVal val="1"/>
+              <c:showCatName val="0"/>
+              <c:showSerName val="0"/>
+              <c:showPercent val="0"/>
+              <c:showBubbleSize val="0"/>
+              <c:extLst>
+                <c:ext xmlns:c15="http://schemas.microsoft.com/office/drawing/2012/chart" uri="{CE6537A1-D6FC-4f65-9D91-7224C49458BB}">
+                  <c15:spPr xmlns:c15="http://schemas.microsoft.com/office/drawing/2012/chart">
+                    <a:prstGeom prst="rect">
+                      <a:avLst/>
+                    </a:prstGeom>
+                    <a:noFill/>
+                    <a:ln>
+                      <a:noFill/>
+                    </a:ln>
+                  </c15:spPr>
+                  <c15:layout>
+                    <c:manualLayout>
+                      <c:w val="8.3823399911487254E-2"/>
+                      <c:h val="8.6127123371580461E-2"/>
+                    </c:manualLayout>
+                  </c15:layout>
+                </c:ext>
+              </c:extLst>
+            </c:dLbl>
+            <c:spPr>
+              <a:noFill/>
+              <a:ln>
+                <a:noFill/>
+              </a:ln>
+              <a:effectLst/>
+            </c:spPr>
+            <c:txPr>
+              <a:bodyPr rot="0" spcFirstLastPara="1" vertOverflow="ellipsis" vert="horz" wrap="square" lIns="38100" tIns="19050" rIns="38100" bIns="19050" anchor="ctr" anchorCtr="1">
+                <a:spAutoFit/>
+              </a:bodyPr>
+              <a:lstStyle/>
+              <a:p>
+                <a:pPr>
+                  <a:defRPr sz="4800" b="0" i="0" u="none" strike="noStrike" kern="1200" baseline="0">
+                    <a:solidFill>
+                      <a:schemeClr val="bg1"/>
+                    </a:solidFill>
+                    <a:latin typeface="+mn-lt"/>
+                    <a:ea typeface="+mn-ea"/>
+                    <a:cs typeface="+mn-cs"/>
+                  </a:defRPr>
+                </a:pPr>
+                <a:endParaRPr lang="es-ES"/>
+              </a:p>
+            </c:txPr>
+            <c:dLblPos val="ctr"/>
+            <c:showLegendKey val="0"/>
+            <c:showVal val="1"/>
+            <c:showCatName val="0"/>
+            <c:showSerName val="0"/>
+            <c:showPercent val="0"/>
+            <c:showBubbleSize val="0"/>
+            <c:showLeaderLines val="1"/>
+            <c:leaderLines>
+              <c:spPr>
+                <a:ln w="9525" cap="flat" cmpd="sng" algn="ctr">
+                  <a:solidFill>
+                    <a:schemeClr val="tx1">
+                      <a:lumMod val="35000"/>
+                      <a:lumOff val="65000"/>
+                    </a:schemeClr>
+                  </a:solidFill>
+                  <a:round/>
+                </a:ln>
+                <a:effectLst/>
+              </c:spPr>
+            </c:leaderLines>
+            <c:extLst>
+              <c:ext xmlns:c15="http://schemas.microsoft.com/office/drawing/2012/chart" uri="{CE6537A1-D6FC-4f65-9D91-7224C49458BB}">
+                <c15:layout/>
+              </c:ext>
+            </c:extLst>
+          </c:dLbls>
+          <c:cat>
+            <c:strRef>
+              <c:f>Hoja1!$A$2:$A$5</c:f>
+              <c:strCache>
+                <c:ptCount val="4"/>
+                <c:pt idx="0">
+                  <c:v>Cuentas</c:v>
+                </c:pt>
+                <c:pt idx="1">
+                  <c:v>H. Clínico</c:v>
+                </c:pt>
+                <c:pt idx="2">
+                  <c:v>Consulta</c:v>
+                </c:pt>
+                <c:pt idx="3">
+                  <c:v>P. Auxilios</c:v>
+                </c:pt>
+              </c:strCache>
+            </c:strRef>
+          </c:cat>
+          <c:val>
+            <c:numRef>
+              <c:f>Hoja1!$B$2:$B$5</c:f>
+              <c:numCache>
+                <c:formatCode>General</c:formatCode>
+                <c:ptCount val="4"/>
+                <c:pt idx="0">
+                  <c:v>31</c:v>
+                </c:pt>
+                <c:pt idx="1">
+                  <c:v>43</c:v>
+                </c:pt>
+                <c:pt idx="2">
+                  <c:v>82</c:v>
+                </c:pt>
+                <c:pt idx="3">
+                  <c:v>78</c:v>
+                </c:pt>
+              </c:numCache>
+            </c:numRef>
+          </c:val>
+        </c:ser>
+        <c:dLbls>
+          <c:dLblPos val="ctr"/>
+          <c:showLegendKey val="0"/>
+          <c:showVal val="1"/>
+          <c:showCatName val="0"/>
+          <c:showSerName val="0"/>
+          <c:showPercent val="0"/>
+          <c:showBubbleSize val="0"/>
+          <c:showLeaderLines val="1"/>
+        </c:dLbls>
+        <c:firstSliceAng val="0"/>
+      </c:pieChart>
+      <c:spPr>
+        <a:noFill/>
+        <a:ln>
+          <a:noFill/>
+        </a:ln>
+        <a:effectLst/>
+      </c:spPr>
+    </c:plotArea>
+    <c:legend>
+      <c:legendPos val="l"/>
+      <c:layout>
+        <c:manualLayout>
+          <c:xMode val="edge"/>
+          <c:yMode val="edge"/>
+          <c:x val="7.1843584002260945E-3"/>
+          <c:y val="0.21623650280474679"/>
+          <c:w val="0.2443148443190436"/>
+          <c:h val="0.52329394179600663"/>
+        </c:manualLayout>
+      </c:layout>
+      <c:overlay val="0"/>
+      <c:spPr>
+        <a:noFill/>
+        <a:ln>
+          <a:noFill/>
+        </a:ln>
+        <a:effectLst/>
+      </c:spPr>
+      <c:txPr>
+        <a:bodyPr rot="0" spcFirstLastPara="1" vertOverflow="ellipsis" vert="horz" wrap="square" anchor="ctr" anchorCtr="1"/>
+        <a:lstStyle/>
+        <a:p>
+          <a:pPr>
+            <a:defRPr sz="2400" b="0" i="0" u="none" strike="noStrike" kern="1200" baseline="0">
+              <a:solidFill>
+                <a:schemeClr val="tx1">
+                  <a:lumMod val="65000"/>
+                  <a:lumOff val="35000"/>
+                </a:schemeClr>
+              </a:solidFill>
+              <a:latin typeface="+mn-lt"/>
+              <a:ea typeface="+mn-ea"/>
+              <a:cs typeface="+mn-cs"/>
+            </a:defRPr>
+          </a:pPr>
+          <a:endParaRPr lang="es-ES"/>
+        </a:p>
+      </c:txPr>
+    </c:legend>
+    <c:plotVisOnly val="1"/>
+    <c:dispBlanksAs val="gap"/>
+    <c:showDLblsOverMax val="0"/>
+  </c:chart>
+  <c:spPr>
+    <a:noFill/>
+    <a:ln>
+      <a:noFill/>
+    </a:ln>
+    <a:effectLst/>
+  </c:spPr>
+  <c:txPr>
+    <a:bodyPr/>
+    <a:lstStyle/>
+    <a:p>
+      <a:pPr>
+        <a:defRPr/>
+      </a:pPr>
+      <a:endParaRPr lang="es-ES"/>
+    </a:p>
+  </c:txPr>
+  <c:externalData r:id="rId3">
+    <c:autoUpdate val="0"/>
+  </c:externalData>
+</c:chartSpace>
+</file>
+
+<file path=ppt/charts/colors1.xml><?xml version="1.0" encoding="utf-8"?>
+<cs:colorStyle xmlns:cs="http://schemas.microsoft.com/office/drawing/2012/chartStyle" xmlns:a="http://schemas.openxmlformats.org/drawingml/2006/main" meth="cycle" id="10">
+  <a:schemeClr val="accent1"/>
+  <a:schemeClr val="accent2"/>
+  <a:schemeClr val="accent3"/>
+  <a:schemeClr val="accent4"/>
+  <a:schemeClr val="accent5"/>
+  <a:schemeClr val="accent6"/>
+  <cs:variation/>
+  <cs:variation>
+    <a:lumMod val="60000"/>
+  </cs:variation>
+  <cs:variation>
+    <a:lumMod val="80000"/>
+    <a:lumOff val="20000"/>
+  </cs:variation>
+  <cs:variation>
+    <a:lumMod val="80000"/>
+  </cs:variation>
+  <cs:variation>
+    <a:lumMod val="60000"/>
+    <a:lumOff val="40000"/>
+  </cs:variation>
+  <cs:variation>
+    <a:lumMod val="50000"/>
+  </cs:variation>
+  <cs:variation>
+    <a:lumMod val="70000"/>
+    <a:lumOff val="30000"/>
+  </cs:variation>
+  <cs:variation>
+    <a:lumMod val="70000"/>
+  </cs:variation>
+  <cs:variation>
+    <a:lumMod val="50000"/>
+    <a:lumOff val="50000"/>
+  </cs:variation>
+</cs:colorStyle>
+</file>
+
+<file path=ppt/charts/style1.xml><?xml version="1.0" encoding="utf-8"?>
+<cs:chartStyle xmlns:cs="http://schemas.microsoft.com/office/drawing/2012/chartStyle" xmlns:a="http://schemas.openxmlformats.org/drawingml/2006/main" id="251">
+  <cs:axisTitle>
+    <cs:lnRef idx="0"/>
+    <cs:fillRef idx="0"/>
+    <cs:effectRef idx="0"/>
+    <cs:fontRef idx="minor">
+      <a:schemeClr val="tx1">
+        <a:lumMod val="65000"/>
+        <a:lumOff val="35000"/>
+      </a:schemeClr>
+    </cs:fontRef>
+    <cs:defRPr sz="1330" kern="1200"/>
+  </cs:axisTitle>
+  <cs:categoryAxis>
+    <cs:lnRef idx="0"/>
+    <cs:fillRef idx="0"/>
+    <cs:effectRef idx="0"/>
+    <cs:fontRef idx="minor">
+      <a:schemeClr val="tx1">
+        <a:lumMod val="65000"/>
+        <a:lumOff val="35000"/>
+      </a:schemeClr>
+    </cs:fontRef>
+    <cs:spPr>
+      <a:ln w="9525" cap="flat" cmpd="sng" algn="ctr">
+        <a:solidFill>
+          <a:schemeClr val="tx1">
+            <a:lumMod val="15000"/>
+            <a:lumOff val="85000"/>
+          </a:schemeClr>
+        </a:solidFill>
+        <a:round/>
+      </a:ln>
+    </cs:spPr>
+    <cs:defRPr sz="1197" kern="1200"/>
+  </cs:categoryAxis>
+  <cs:chartArea mods="allowNoFillOverride allowNoLineOverride">
+    <cs:lnRef idx="0"/>
+    <cs:fillRef idx="0"/>
+    <cs:effectRef idx="0"/>
+    <cs:fontRef idx="minor">
+      <a:schemeClr val="tx1"/>
+    </cs:fontRef>
+    <cs:spPr>
+      <a:solidFill>
+        <a:schemeClr val="bg1"/>
+      </a:solidFill>
+      <a:ln w="9525" cap="flat" cmpd="sng" algn="ctr">
+        <a:solidFill>
+          <a:schemeClr val="tx1">
+            <a:lumMod val="15000"/>
+            <a:lumOff val="85000"/>
+          </a:schemeClr>
+        </a:solidFill>
+        <a:round/>
+      </a:ln>
+    </cs:spPr>
+    <cs:defRPr sz="1197" kern="1200"/>
+  </cs:chartArea>
+  <cs:dataLabel>
+    <cs:lnRef idx="0"/>
+    <cs:fillRef idx="0"/>
+    <cs:effectRef idx="0"/>
+    <cs:fontRef idx="minor">
+      <a:schemeClr val="tx1">
+        <a:lumMod val="75000"/>
+        <a:lumOff val="25000"/>
+      </a:schemeClr>
+    </cs:fontRef>
+    <cs:defRPr sz="1197" kern="1200"/>
+  </cs:dataLabel>
+  <cs:dataLabelCallout>
+    <cs:lnRef idx="0"/>
+    <cs:fillRef idx="0"/>
+    <cs:effectRef idx="0"/>
+    <cs:fontRef idx="minor">
+      <a:schemeClr val="dk1">
+        <a:lumMod val="65000"/>
+        <a:lumOff val="35000"/>
+      </a:schemeClr>
+    </cs:fontRef>
+    <cs:spPr>
+      <a:solidFill>
+        <a:schemeClr val="lt1"/>
+      </a:solidFill>
+      <a:ln>
+        <a:solidFill>
+          <a:schemeClr val="dk1">
+            <a:lumMod val="25000"/>
+            <a:lumOff val="75000"/>
+          </a:schemeClr>
+        </a:solidFill>
+      </a:ln>
+    </cs:spPr>
+    <cs:defRPr sz="1197" kern="1200"/>
+    <cs:bodyPr rot="0" spcFirstLastPara="1" vertOverflow="clip" horzOverflow="clip" vert="horz" wrap="square" lIns="36576" tIns="18288" rIns="36576" bIns="18288" anchor="ctr" anchorCtr="1">
+      <a:spAutoFit/>
+    </cs:bodyPr>
+  </cs:dataLabelCallout>
+  <cs:dataPoint>
+    <cs:lnRef idx="0"/>
+    <cs:fillRef idx="1">
+      <cs:styleClr val="auto"/>
+    </cs:fillRef>
+    <cs:effectRef idx="0"/>
+    <cs:fontRef idx="minor">
+      <a:schemeClr val="tx1"/>
+    </cs:fontRef>
+    <cs:spPr>
+      <a:ln w="19050">
+        <a:solidFill>
+          <a:schemeClr val="lt1"/>
+        </a:solidFill>
+      </a:ln>
+    </cs:spPr>
+  </cs:dataPoint>
+  <cs:dataPoint3D>
+    <cs:lnRef idx="0"/>
+    <cs:fillRef idx="1">
+      <cs:styleClr val="auto"/>
+    </cs:fillRef>
+    <cs:effectRef idx="0"/>
+    <cs:fontRef idx="minor">
+      <a:schemeClr val="tx1"/>
+    </cs:fontRef>
+    <cs:spPr>
+      <a:ln w="25400">
+        <a:solidFill>
+          <a:schemeClr val="lt1"/>
+        </a:solidFill>
+      </a:ln>
+    </cs:spPr>
+  </cs:dataPoint3D>
+  <cs:dataPointLine>
+    <cs:lnRef idx="0">
+      <cs:styleClr val="auto"/>
+    </cs:lnRef>
+    <cs:fillRef idx="0"/>
+    <cs:effectRef idx="0"/>
+    <cs:fontRef idx="minor">
+      <a:schemeClr val="tx1"/>
+    </cs:fontRef>
+    <cs:spPr>
+      <a:ln w="28575" cap="rnd">
+        <a:solidFill>
+          <a:schemeClr val="phClr"/>
+        </a:solidFill>
+        <a:round/>
+      </a:ln>
+    </cs:spPr>
+  </cs:dataPointLine>
+  <cs:dataPointMarker>
+    <cs:lnRef idx="0">
+      <cs:styleClr val="auto"/>
+    </cs:lnRef>
+    <cs:fillRef idx="1">
+      <cs:styleClr val="auto"/>
+    </cs:fillRef>
+    <cs:effectRef idx="0"/>
+    <cs:fontRef idx="minor">
+      <a:schemeClr val="tx1"/>
+    </cs:fontRef>
+    <cs:spPr>
+      <a:ln w="9525">
+        <a:solidFill>
+          <a:schemeClr val="phClr"/>
+        </a:solidFill>
+      </a:ln>
+    </cs:spPr>
+  </cs:dataPointMarker>
+  <cs:dataPointMarkerLayout symbol="circle" size="5"/>
+  <cs:dataPointWireframe>
+    <cs:lnRef idx="0">
+      <cs:styleClr val="auto"/>
+    </cs:lnRef>
+    <cs:fillRef idx="0"/>
+    <cs:effectRef idx="0"/>
+    <cs:fontRef idx="minor">
+      <a:schemeClr val="tx1"/>
+    </cs:fontRef>
+    <cs:spPr>
+      <a:ln w="9525" cap="rnd">
+        <a:solidFill>
+          <a:schemeClr val="phClr"/>
+        </a:solidFill>
+        <a:round/>
+      </a:ln>
+    </cs:spPr>
+  </cs:dataPointWireframe>
+  <cs:dataTable>
+    <cs:lnRef idx="0"/>
+    <cs:fillRef idx="0"/>
+    <cs:effectRef idx="0"/>
+    <cs:fontRef idx="minor">
+      <a:schemeClr val="tx1">
+        <a:lumMod val="65000"/>
+        <a:lumOff val="35000"/>
+      </a:schemeClr>
+    </cs:fontRef>
+    <cs:spPr>
+      <a:noFill/>
+      <a:ln w="9525" cap="flat" cmpd="sng" algn="ctr">
+        <a:solidFill>
+          <a:schemeClr val="tx1">
+            <a:lumMod val="15000"/>
+            <a:lumOff val="85000"/>
+          </a:schemeClr>
+        </a:solidFill>
+        <a:round/>
+      </a:ln>
+    </cs:spPr>
+    <cs:defRPr sz="1197" kern="1200"/>
+  </cs:dataTable>
+  <cs:downBar>
+    <cs:lnRef idx="0"/>
+    <cs:fillRef idx="0"/>
+    <cs:effectRef idx="0"/>
+    <cs:fontRef idx="minor">
+      <a:schemeClr val="tx1"/>
+    </cs:fontRef>
+    <cs:spPr>
+      <a:solidFill>
+        <a:schemeClr val="dk1">
+          <a:lumMod val="75000"/>
+          <a:lumOff val="25000"/>
+        </a:schemeClr>
+      </a:solidFill>
+      <a:ln w="9525" cap="flat" cmpd="sng" algn="ctr">
+        <a:solidFill>
+          <a:schemeClr val="tx1">
+            <a:lumMod val="65000"/>
+            <a:lumOff val="35000"/>
+          </a:schemeClr>
+        </a:solidFill>
+        <a:round/>
+      </a:ln>
+    </cs:spPr>
+  </cs:downBar>
+  <cs:dropLine>
+    <cs:lnRef idx="0"/>
+    <cs:fillRef idx="0"/>
+    <cs:effectRef idx="0"/>
+    <cs:fontRef idx="minor">
+      <a:schemeClr val="tx1"/>
+    </cs:fontRef>
+    <cs:spPr>
+      <a:ln w="9525" cap="flat" cmpd="sng" algn="ctr">
+        <a:solidFill>
+          <a:schemeClr val="tx1">
+            <a:lumMod val="35000"/>
+            <a:lumOff val="65000"/>
+          </a:schemeClr>
+        </a:solidFill>
+        <a:round/>
+      </a:ln>
+    </cs:spPr>
+  </cs:dropLine>
+  <cs:errorBar>
+    <cs:lnRef idx="0"/>
+    <cs:fillRef idx="0"/>
+    <cs:effectRef idx="0"/>
+    <cs:fontRef idx="minor">
+      <a:schemeClr val="tx1"/>
+    </cs:fontRef>
+    <cs:spPr>
+      <a:ln w="9525" cap="flat" cmpd="sng" algn="ctr">
+        <a:solidFill>
+          <a:schemeClr val="tx1">
+            <a:lumMod val="65000"/>
+            <a:lumOff val="35000"/>
+          </a:schemeClr>
+        </a:solidFill>
+        <a:round/>
+      </a:ln>
+    </cs:spPr>
+  </cs:errorBar>
+  <cs:floor>
+    <cs:lnRef idx="0"/>
+    <cs:fillRef idx="0"/>
+    <cs:effectRef idx="0"/>
+    <cs:fontRef idx="minor">
+      <a:schemeClr val="tx1"/>
+    </cs:fontRef>
+    <cs:spPr>
+      <a:noFill/>
+      <a:ln>
+        <a:noFill/>
+      </a:ln>
+    </cs:spPr>
+  </cs:floor>
+  <cs:gridlineMajor>
+    <cs:lnRef idx="0"/>
+    <cs:fillRef idx="0"/>
+    <cs:effectRef idx="0"/>
+    <cs:fontRef idx="minor">
+      <a:schemeClr val="tx1"/>
+    </cs:fontRef>
+    <cs:spPr>
+      <a:ln w="9525" cap="flat" cmpd="sng" algn="ctr">
+        <a:solidFill>
+          <a:schemeClr val="tx1">
+            <a:lumMod val="15000"/>
+            <a:lumOff val="85000"/>
+          </a:schemeClr>
+        </a:solidFill>
+        <a:round/>
+      </a:ln>
+    </cs:spPr>
+  </cs:gridlineMajor>
+  <cs:gridlineMinor>
+    <cs:lnRef idx="0"/>
+    <cs:fillRef idx="0"/>
+    <cs:effectRef idx="0"/>
+    <cs:fontRef idx="minor">
+      <a:schemeClr val="tx1"/>
+    </cs:fontRef>
+    <cs:spPr>
+      <a:ln w="9525" cap="flat" cmpd="sng" algn="ctr">
+        <a:solidFill>
+          <a:schemeClr val="tx1">
+            <a:lumMod val="5000"/>
+            <a:lumOff val="95000"/>
+          </a:schemeClr>
+        </a:solidFill>
+        <a:round/>
+      </a:ln>
+    </cs:spPr>
+  </cs:gridlineMinor>
+  <cs:hiLoLine>
+    <cs:lnRef idx="0"/>
+    <cs:fillRef idx="0"/>
+    <cs:effectRef idx="0"/>
+    <cs:fontRef idx="minor">
+      <a:schemeClr val="tx1"/>
+    </cs:fontRef>
+    <cs:spPr>
+      <a:ln w="9525" cap="flat" cmpd="sng" algn="ctr">
+        <a:solidFill>
+          <a:schemeClr val="tx1">
+            <a:lumMod val="50000"/>
+            <a:lumOff val="50000"/>
+          </a:schemeClr>
+        </a:solidFill>
+        <a:round/>
+      </a:ln>
+    </cs:spPr>
+  </cs:hiLoLine>
+  <cs:leaderLine>
+    <cs:lnRef idx="0"/>
+    <cs:fillRef idx="0"/>
+    <cs:effectRef idx="0"/>
+    <cs:fontRef idx="minor">
+      <a:schemeClr val="tx1"/>
+    </cs:fontRef>
+    <cs:spPr>
+      <a:ln w="9525" cap="flat" cmpd="sng" algn="ctr">
+        <a:solidFill>
+          <a:schemeClr val="tx1">
+            <a:lumMod val="35000"/>
+            <a:lumOff val="65000"/>
+          </a:schemeClr>
+        </a:solidFill>
+        <a:round/>
+      </a:ln>
+    </cs:spPr>
+  </cs:leaderLine>
+  <cs:legend>
+    <cs:lnRef idx="0"/>
+    <cs:fillRef idx="0"/>
+    <cs:effectRef idx="0"/>
+    <cs:fontRef idx="minor">
+      <a:schemeClr val="tx1">
+        <a:lumMod val="65000"/>
+        <a:lumOff val="35000"/>
+      </a:schemeClr>
+    </cs:fontRef>
+    <cs:defRPr sz="1197" kern="1200"/>
+  </cs:legend>
+  <cs:plotArea mods="allowNoFillOverride allowNoLineOverride">
+    <cs:lnRef idx="0"/>
+    <cs:fillRef idx="0"/>
+    <cs:effectRef idx="0"/>
+    <cs:fontRef idx="minor">
+      <a:schemeClr val="tx1"/>
+    </cs:fontRef>
+  </cs:plotArea>
+  <cs:plotArea3D mods="allowNoFillOverride allowNoLineOverride">
+    <cs:lnRef idx="0"/>
+    <cs:fillRef idx="0"/>
+    <cs:effectRef idx="0"/>
+    <cs:fontRef idx="minor">
+      <a:schemeClr val="tx1"/>
+    </cs:fontRef>
+  </cs:plotArea3D>
+  <cs:seriesAxis>
+    <cs:lnRef idx="0"/>
+    <cs:fillRef idx="0"/>
+    <cs:effectRef idx="0"/>
+    <cs:fontRef idx="minor">
+      <a:schemeClr val="tx1">
+        <a:lumMod val="65000"/>
+        <a:lumOff val="35000"/>
+      </a:schemeClr>
+    </cs:fontRef>
+    <cs:defRPr sz="1197" kern="1200"/>
+  </cs:seriesAxis>
+  <cs:seriesLine>
+    <cs:lnRef idx="0"/>
+    <cs:fillRef idx="0"/>
+    <cs:effectRef idx="0"/>
+    <cs:fontRef idx="minor">
+      <a:schemeClr val="tx1"/>
+    </cs:fontRef>
+    <cs:spPr>
+      <a:ln w="9525" cap="flat" cmpd="sng" algn="ctr">
+        <a:solidFill>
+          <a:schemeClr val="tx1">
+            <a:lumMod val="35000"/>
+            <a:lumOff val="65000"/>
+          </a:schemeClr>
+        </a:solidFill>
+        <a:round/>
+      </a:ln>
+    </cs:spPr>
+  </cs:seriesLine>
+  <cs:title>
+    <cs:lnRef idx="0"/>
+    <cs:fillRef idx="0"/>
+    <cs:effectRef idx="0"/>
+    <cs:fontRef idx="minor">
+      <a:schemeClr val="tx1">
+        <a:lumMod val="65000"/>
+        <a:lumOff val="35000"/>
+      </a:schemeClr>
+    </cs:fontRef>
+    <cs:defRPr sz="1862" b="0" kern="1200" spc="0" baseline="0"/>
+  </cs:title>
+  <cs:trendline>
+    <cs:lnRef idx="0">
+      <cs:styleClr val="auto"/>
+    </cs:lnRef>
+    <cs:fillRef idx="0"/>
+    <cs:effectRef idx="0"/>
+    <cs:fontRef idx="minor">
+      <a:schemeClr val="tx1"/>
+    </cs:fontRef>
+    <cs:spPr>
+      <a:ln w="19050" cap="rnd">
+        <a:solidFill>
+          <a:schemeClr val="phClr"/>
+        </a:solidFill>
+        <a:prstDash val="sysDot"/>
+      </a:ln>
+    </cs:spPr>
+  </cs:trendline>
+  <cs:trendlineLabel>
+    <cs:lnRef idx="0"/>
+    <cs:fillRef idx="0"/>
+    <cs:effectRef idx="0"/>
+    <cs:fontRef idx="minor">
+      <a:schemeClr val="tx1">
+        <a:lumMod val="65000"/>
+        <a:lumOff val="35000"/>
+      </a:schemeClr>
+    </cs:fontRef>
+    <cs:defRPr sz="1197" kern="1200"/>
+  </cs:trendlineLabel>
+  <cs:upBar>
+    <cs:lnRef idx="0"/>
+    <cs:fillRef idx="0"/>
+    <cs:effectRef idx="0"/>
+    <cs:fontRef idx="minor">
+      <a:schemeClr val="tx1"/>
+    </cs:fontRef>
+    <cs:spPr>
+      <a:solidFill>
+        <a:schemeClr val="lt1"/>
+      </a:solidFill>
+      <a:ln w="9525" cap="flat" cmpd="sng" algn="ctr">
+        <a:solidFill>
+          <a:schemeClr val="tx1">
+            <a:lumMod val="65000"/>
+            <a:lumOff val="35000"/>
+          </a:schemeClr>
+        </a:solidFill>
+        <a:round/>
+      </a:ln>
+    </cs:spPr>
+  </cs:upBar>
+  <cs:valueAxis>
+    <cs:lnRef idx="0"/>
+    <cs:fillRef idx="0"/>
+    <cs:effectRef idx="0"/>
+    <cs:fontRef idx="minor">
+      <a:schemeClr val="tx1">
+        <a:lumMod val="65000"/>
+        <a:lumOff val="35000"/>
+      </a:schemeClr>
+    </cs:fontRef>
+    <cs:defRPr sz="1197" kern="1200"/>
+  </cs:valueAxis>
+  <cs:wall>
+    <cs:lnRef idx="0"/>
+    <cs:fillRef idx="0"/>
+    <cs:effectRef idx="0"/>
+    <cs:fontRef idx="minor">
+      <a:schemeClr val="tx1"/>
+    </cs:fontRef>
+    <cs:spPr>
+      <a:noFill/>
+      <a:ln>
+        <a:noFill/>
+      </a:ln>
+    </cs:spPr>
+  </cs:wall>
+</cs:chartStyle>
+</file>
+
 <file path=ppt/notesMasters/notesMaster1.xml><?xml version="1.0" encoding="utf-8"?>
 <p:notesMaster xmlns:a="http://schemas.openxmlformats.org/drawingml/2006/main" xmlns:r="http://schemas.openxmlformats.org/officeDocument/2006/relationships" xmlns:p="http://schemas.openxmlformats.org/presentationml/2006/main">
   <p:cSld>
@@ -3769,7 +4842,7 @@
           </a:ln>
           <a:extLst>
             <a:ext uri="{C572A759-6A51-4108-AA02-DFA0A04FC94B}">
-              <ma14:wrappingTextBoxFlag xmlns="" xmlns:ma14="http://schemas.microsoft.com/office/mac/drawingml/2011/main" val="1"/>
+              <ma14:wrappingTextBoxFlag xmlns:ma14="http://schemas.microsoft.com/office/mac/drawingml/2011/main" xmlns="" val="1"/>
             </a:ext>
           </a:extLst>
         </p:spPr>
@@ -3808,7 +4881,7 @@
           </a:ln>
           <a:extLst>
             <a:ext uri="{C572A759-6A51-4108-AA02-DFA0A04FC94B}">
-              <ma14:wrappingTextBoxFlag xmlns="" xmlns:ma14="http://schemas.microsoft.com/office/mac/drawingml/2011/main" val="1"/>
+              <ma14:wrappingTextBoxFlag xmlns:ma14="http://schemas.microsoft.com/office/mac/drawingml/2011/main" xmlns="" val="1"/>
             </a:ext>
           </a:extLst>
         </p:spPr>
@@ -4817,7 +5890,7 @@
           </a:ln>
           <a:extLst>
             <a:ext uri="{C572A759-6A51-4108-AA02-DFA0A04FC94B}">
-              <ma14:wrappingTextBoxFlag xmlns="" xmlns:ma14="http://schemas.microsoft.com/office/mac/drawingml/2011/main" val="1"/>
+              <ma14:wrappingTextBoxFlag xmlns:ma14="http://schemas.microsoft.com/office/mac/drawingml/2011/main" xmlns="" val="1"/>
             </a:ext>
           </a:extLst>
         </p:spPr>
@@ -4864,7 +5937,7 @@
           </a:ln>
           <a:extLst>
             <a:ext uri="{C572A759-6A51-4108-AA02-DFA0A04FC94B}">
-              <ma14:wrappingTextBoxFlag xmlns="" xmlns:ma14="http://schemas.microsoft.com/office/mac/drawingml/2011/main" val="1"/>
+              <ma14:wrappingTextBoxFlag xmlns:ma14="http://schemas.microsoft.com/office/mac/drawingml/2011/main" xmlns="" val="1"/>
             </a:ext>
           </a:extLst>
         </p:spPr>
@@ -4990,7 +6063,7 @@
           </a:ln>
           <a:extLst>
             <a:ext uri="{C572A759-6A51-4108-AA02-DFA0A04FC94B}">
-              <ma14:wrappingTextBoxFlag xmlns="" xmlns:ma14="http://schemas.microsoft.com/office/mac/drawingml/2011/main" val="1"/>
+              <ma14:wrappingTextBoxFlag xmlns:ma14="http://schemas.microsoft.com/office/mac/drawingml/2011/main" xmlns="" val="1"/>
             </a:ext>
           </a:extLst>
         </p:spPr>
@@ -5067,6 +6140,353 @@
 </file>
 
 <file path=ppt/slides/slide10.xml><?xml version="1.0" encoding="utf-8"?>
+<p:sld xmlns:a="http://schemas.openxmlformats.org/drawingml/2006/main" xmlns:r="http://schemas.openxmlformats.org/officeDocument/2006/relationships" xmlns:p="http://schemas.openxmlformats.org/presentationml/2006/main">
+  <p:cSld>
+    <p:spTree>
+      <p:nvGrpSpPr>
+        <p:cNvPr id="1" name=""/>
+        <p:cNvGrpSpPr/>
+        <p:nvPr/>
+      </p:nvGrpSpPr>
+      <p:grpSpPr>
+        <a:xfrm>
+          <a:off x="0" y="0"/>
+          <a:ext cx="0" cy="0"/>
+          <a:chOff x="0" y="0"/>
+          <a:chExt cx="0" cy="0"/>
+        </a:xfrm>
+      </p:grpSpPr>
+      <p:pic>
+        <p:nvPicPr>
+          <p:cNvPr id="235" name="pasted-image.tiff"/>
+          <p:cNvPicPr>
+            <a:picLocks noChangeAspect="1"/>
+          </p:cNvPicPr>
+          <p:nvPr/>
+        </p:nvPicPr>
+        <p:blipFill>
+          <a:blip r:embed="rId2">
+            <a:extLst/>
+          </a:blip>
+          <a:stretch>
+            <a:fillRect/>
+          </a:stretch>
+        </p:blipFill>
+        <p:spPr>
+          <a:xfrm>
+            <a:off x="-816206" y="-529723"/>
+            <a:ext cx="26829216" cy="2397845"/>
+          </a:xfrm>
+          <a:prstGeom prst="rect">
+            <a:avLst/>
+          </a:prstGeom>
+          <a:ln w="12700">
+            <a:miter lim="400000"/>
+          </a:ln>
+        </p:spPr>
+      </p:pic>
+      <p:pic>
+        <p:nvPicPr>
+          <p:cNvPr id="236" name="pasted-image.tiff"/>
+          <p:cNvPicPr>
+            <a:picLocks noChangeAspect="1"/>
+          </p:cNvPicPr>
+          <p:nvPr/>
+        </p:nvPicPr>
+        <p:blipFill>
+          <a:blip r:embed="rId3">
+            <a:extLst/>
+          </a:blip>
+          <a:stretch>
+            <a:fillRect/>
+          </a:stretch>
+        </p:blipFill>
+        <p:spPr>
+          <a:xfrm>
+            <a:off x="20120528" y="596900"/>
+            <a:ext cx="2416329" cy="766806"/>
+          </a:xfrm>
+          <a:prstGeom prst="rect">
+            <a:avLst/>
+          </a:prstGeom>
+          <a:ln w="12700">
+            <a:miter lim="400000"/>
+          </a:ln>
+        </p:spPr>
+      </p:pic>
+      <p:sp>
+        <p:nvSpPr>
+          <p:cNvPr id="237" name="Shape 237"/>
+          <p:cNvSpPr/>
+          <p:nvPr/>
+        </p:nvSpPr>
+        <p:spPr>
+          <a:xfrm>
+            <a:off x="23281766" y="569541"/>
+            <a:ext cx="102657" cy="656590"/>
+          </a:xfrm>
+          <a:prstGeom prst="rect">
+            <a:avLst/>
+          </a:prstGeom>
+          <a:ln w="12700">
+            <a:miter lim="400000"/>
+          </a:ln>
+          <a:extLst>
+            <a:ext uri="{C572A759-6A51-4108-AA02-DFA0A04FC94B}">
+              <ma14:wrappingTextBoxFlag xmlns:ma14="http://schemas.microsoft.com/office/mac/drawingml/2011/main" xmlns="" val="1"/>
+            </a:ext>
+          </a:extLst>
+        </p:spPr>
+        <p:txBody>
+          <a:bodyPr wrap="none" lIns="50800" tIns="50800" rIns="50800" bIns="50800" anchor="ctr">
+            <a:spAutoFit/>
+          </a:bodyPr>
+          <a:lstStyle>
+            <a:lvl1pPr>
+              <a:defRPr sz="3600">
+                <a:solidFill>
+                  <a:srgbClr val="C1C0C2"/>
+                </a:solidFill>
+              </a:defRPr>
+            </a:lvl1pPr>
+          </a:lstStyle>
+          <a:p>
+            <a:endParaRPr dirty="0"/>
+          </a:p>
+        </p:txBody>
+      </p:sp>
+      <p:sp>
+        <p:nvSpPr>
+          <p:cNvPr id="238" name="Shape 238"/>
+          <p:cNvSpPr/>
+          <p:nvPr/>
+        </p:nvSpPr>
+        <p:spPr>
+          <a:xfrm>
+            <a:off x="1044066" y="500292"/>
+            <a:ext cx="7476406" cy="795089"/>
+          </a:xfrm>
+          <a:prstGeom prst="rect">
+            <a:avLst/>
+          </a:prstGeom>
+          <a:ln w="12700">
+            <a:miter lim="400000"/>
+          </a:ln>
+          <a:extLst>
+            <a:ext uri="{C572A759-6A51-4108-AA02-DFA0A04FC94B}">
+              <ma14:wrappingTextBoxFlag xmlns:ma14="http://schemas.microsoft.com/office/mac/drawingml/2011/main" xmlns="" val="1"/>
+            </a:ext>
+          </a:extLst>
+        </p:spPr>
+        <p:txBody>
+          <a:bodyPr wrap="none" lIns="50800" tIns="50800" rIns="50800" bIns="50800" anchor="ctr">
+            <a:spAutoFit/>
+          </a:bodyPr>
+          <a:lstStyle>
+            <a:lvl1pPr>
+              <a:defRPr sz="4500">
+                <a:solidFill>
+                  <a:srgbClr val="FFFFFF"/>
+                </a:solidFill>
+                <a:latin typeface="Helvetica Neue"/>
+                <a:ea typeface="Helvetica Neue"/>
+                <a:cs typeface="Helvetica Neue"/>
+                <a:sym typeface="Helvetica Neue"/>
+              </a:defRPr>
+            </a:lvl1pPr>
+          </a:lstStyle>
+          <a:p>
+            <a:r>
+              <a:rPr lang="es-ES" dirty="0"/>
+              <a:t>2. Estimaciones del proyecto</a:t>
+            </a:r>
+          </a:p>
+        </p:txBody>
+      </p:sp>
+      <p:grpSp>
+        <p:nvGrpSpPr>
+          <p:cNvPr id="242" name="Group 242"/>
+          <p:cNvGrpSpPr/>
+          <p:nvPr/>
+        </p:nvGrpSpPr>
+        <p:grpSpPr>
+          <a:xfrm>
+            <a:off x="8748048" y="2512437"/>
+            <a:ext cx="8721803" cy="771400"/>
+            <a:chOff x="-1876927" y="-419552"/>
+            <a:chExt cx="8721799" cy="771399"/>
+          </a:xfrm>
+        </p:grpSpPr>
+        <p:sp>
+          <p:nvSpPr>
+            <p:cNvPr id="240" name="Shape 240"/>
+            <p:cNvSpPr/>
+            <p:nvPr/>
+          </p:nvSpPr>
+          <p:spPr>
+            <a:xfrm>
+              <a:off x="-1876927" y="-419552"/>
+              <a:ext cx="8721799" cy="771399"/>
+            </a:xfrm>
+            <a:prstGeom prst="roundRect">
+              <a:avLst>
+                <a:gd name="adj" fmla="val 33536"/>
+              </a:avLst>
+            </a:prstGeom>
+            <a:solidFill>
+              <a:srgbClr val="BA6B89"/>
+            </a:solidFill>
+            <a:ln w="12700" cap="flat">
+              <a:noFill/>
+              <a:miter lim="400000"/>
+            </a:ln>
+            <a:effectLst/>
+          </p:spPr>
+          <p:txBody>
+            <a:bodyPr wrap="square" lIns="50800" tIns="50800" rIns="50800" bIns="50800" numCol="1" anchor="ctr">
+              <a:noAutofit/>
+            </a:bodyPr>
+            <a:lstStyle/>
+            <a:p>
+              <a:pPr algn="ctr">
+                <a:lnSpc>
+                  <a:spcPct val="80000"/>
+                </a:lnSpc>
+                <a:spcBef>
+                  <a:spcPts val="0"/>
+                </a:spcBef>
+                <a:defRPr sz="4000" cap="all">
+                  <a:solidFill>
+                    <a:srgbClr val="FFFFFF"/>
+                  </a:solidFill>
+                  <a:latin typeface="+mn-lt"/>
+                  <a:ea typeface="+mn-ea"/>
+                  <a:cs typeface="+mn-cs"/>
+                  <a:sym typeface="DIN Condensed"/>
+                </a:defRPr>
+              </a:pPr>
+              <a:endParaRPr u="sng" dirty="0"/>
+            </a:p>
+          </p:txBody>
+        </p:sp>
+        <p:sp>
+          <p:nvSpPr>
+            <p:cNvPr id="241" name="Shape 241"/>
+            <p:cNvSpPr/>
+            <p:nvPr/>
+          </p:nvSpPr>
+          <p:spPr>
+            <a:xfrm>
+              <a:off x="-1269422" y="-315981"/>
+              <a:ext cx="7833872" cy="564256"/>
+            </a:xfrm>
+            <a:prstGeom prst="rect">
+              <a:avLst/>
+            </a:prstGeom>
+            <a:noFill/>
+            <a:ln w="12700" cap="flat">
+              <a:noFill/>
+              <a:miter lim="400000"/>
+            </a:ln>
+            <a:effectLst/>
+            <a:extLst>
+              <a:ext uri="{C572A759-6A51-4108-AA02-DFA0A04FC94B}">
+                <ma14:wrappingTextBoxFlag xmlns:ma14="http://schemas.microsoft.com/office/mac/drawingml/2011/main" xmlns="" val="1"/>
+              </a:ext>
+            </a:extLst>
+          </p:spPr>
+          <p:txBody>
+            <a:bodyPr wrap="none" lIns="50800" tIns="50800" rIns="50800" bIns="50800" numCol="1" anchor="ctr">
+              <a:spAutoFit/>
+            </a:bodyPr>
+            <a:lstStyle>
+              <a:lvl1pPr>
+                <a:defRPr>
+                  <a:solidFill>
+                    <a:srgbClr val="FFFFFF"/>
+                  </a:solidFill>
+                </a:defRPr>
+              </a:lvl1pPr>
+            </a:lstStyle>
+            <a:p>
+              <a:r>
+                <a:rPr lang="es-ES" dirty="0">
+                  <a:sym typeface="Helvetica Neue"/>
+                </a:rPr>
+                <a:t>2 Estimaciones de esfuerzo, coste y duración</a:t>
+              </a:r>
+              <a:endParaRPr lang="es-ES" dirty="0"/>
+            </a:p>
+          </p:txBody>
+        </p:sp>
+      </p:grpSp>
+      <p:sp>
+        <p:nvSpPr>
+          <p:cNvPr id="3" name="Marcador de número de diapositiva 2"/>
+          <p:cNvSpPr>
+            <a:spLocks noGrp="1"/>
+          </p:cNvSpPr>
+          <p:nvPr>
+            <p:ph type="sldNum" sz="quarter" idx="2"/>
+          </p:nvPr>
+        </p:nvSpPr>
+        <p:spPr/>
+        <p:txBody>
+          <a:bodyPr/>
+          <a:lstStyle/>
+          <a:p>
+            <a:fld id="{86CB4B4D-7CA3-9044-876B-883B54F8677D}" type="slidenum">
+              <a:rPr lang="es-ES" smtClean="0"/>
+              <a:t>10</a:t>
+            </a:fld>
+            <a:endParaRPr lang="es-ES"/>
+          </a:p>
+        </p:txBody>
+      </p:sp>
+      <p:graphicFrame>
+        <p:nvGraphicFramePr>
+          <p:cNvPr id="11" name="Gráfico 10"/>
+          <p:cNvGraphicFramePr/>
+          <p:nvPr>
+            <p:extLst>
+              <p:ext uri="{D42A27DB-BD31-4B8C-83A1-F6EECF244321}">
+                <p14:modId xmlns:p14="http://schemas.microsoft.com/office/powerpoint/2010/main" val="72227823"/>
+              </p:ext>
+            </p:extLst>
+          </p:nvPr>
+        </p:nvGraphicFramePr>
+        <p:xfrm>
+          <a:off x="6328611" y="3928152"/>
+          <a:ext cx="12002046" cy="8959454"/>
+        </p:xfrm>
+        <a:graphic>
+          <a:graphicData uri="http://schemas.openxmlformats.org/drawingml/2006/chart">
+            <c:chart xmlns:c="http://schemas.openxmlformats.org/drawingml/2006/chart" xmlns:r="http://schemas.openxmlformats.org/officeDocument/2006/relationships" r:id="rId4"/>
+          </a:graphicData>
+        </a:graphic>
+      </p:graphicFrame>
+    </p:spTree>
+    <p:extLst>
+      <p:ext uri="{BB962C8B-B14F-4D97-AF65-F5344CB8AC3E}">
+        <p14:creationId xmlns:p14="http://schemas.microsoft.com/office/powerpoint/2010/main" val="3137161661"/>
+      </p:ext>
+    </p:extLst>
+  </p:cSld>
+  <p:clrMapOvr>
+    <a:masterClrMapping/>
+  </p:clrMapOvr>
+  <p:transition spd="med"/>
+  <p:timing>
+    <p:tnLst>
+      <p:par>
+        <p:cTn id="1" dur="indefinite" restart="never" nodeType="tmRoot"/>
+      </p:par>
+    </p:tnLst>
+  </p:timing>
+</p:sld>
+</file>
+
+<file path=ppt/slides/slide11.xml><?xml version="1.0" encoding="utf-8"?>
 <p:sld xmlns:a="http://schemas.openxmlformats.org/drawingml/2006/main" xmlns:r="http://schemas.openxmlformats.org/officeDocument/2006/relationships" xmlns:p="http://schemas.openxmlformats.org/presentationml/2006/main">
   <p:cSld>
     <p:spTree>
@@ -5160,7 +6580,7 @@
           </a:ln>
           <a:extLst>
             <a:ext uri="{C572A759-6A51-4108-AA02-DFA0A04FC94B}">
-              <ma14:wrappingTextBoxFlag xmlns="" xmlns:ma14="http://schemas.microsoft.com/office/mac/drawingml/2011/main" val="1"/>
+              <ma14:wrappingTextBoxFlag xmlns:ma14="http://schemas.microsoft.com/office/mac/drawingml/2011/main" xmlns="" val="1"/>
             </a:ext>
           </a:extLst>
         </p:spPr>
@@ -5277,7 +6697,7 @@
           </a:ln>
           <a:extLst>
             <a:ext uri="{C572A759-6A51-4108-AA02-DFA0A04FC94B}">
-              <ma14:wrappingTextBoxFlag xmlns="" xmlns:ma14="http://schemas.microsoft.com/office/mac/drawingml/2011/main" val="1"/>
+              <ma14:wrappingTextBoxFlag xmlns:ma14="http://schemas.microsoft.com/office/mac/drawingml/2011/main" xmlns="" val="1"/>
             </a:ext>
           </a:extLst>
         </p:spPr>
@@ -8031,1188 +9451,13 @@
           <a:p>
             <a:fld id="{86CB4B4D-7CA3-9044-876B-883B54F8677D}" type="slidenum">
               <a:rPr lang="es-ES" smtClean="0"/>
-              <a:t>10</a:t>
+              <a:t>11</a:t>
             </a:fld>
             <a:endParaRPr lang="es-ES"/>
           </a:p>
         </p:txBody>
       </p:sp>
     </p:spTree>
-  </p:cSld>
-  <p:clrMapOvr>
-    <a:masterClrMapping/>
-  </p:clrMapOvr>
-  <p:transition spd="med"/>
-  <p:timing>
-    <p:tnLst>
-      <p:par>
-        <p:cTn id="1" dur="indefinite" restart="never" nodeType="tmRoot"/>
-      </p:par>
-    </p:tnLst>
-  </p:timing>
-</p:sld>
-</file>
-
-<file path=ppt/slides/slide11.xml><?xml version="1.0" encoding="utf-8"?>
-<p:sld xmlns:a="http://schemas.openxmlformats.org/drawingml/2006/main" xmlns:r="http://schemas.openxmlformats.org/officeDocument/2006/relationships" xmlns:p="http://schemas.openxmlformats.org/presentationml/2006/main">
-  <p:cSld>
-    <p:spTree>
-      <p:nvGrpSpPr>
-        <p:cNvPr id="1" name=""/>
-        <p:cNvGrpSpPr/>
-        <p:nvPr/>
-      </p:nvGrpSpPr>
-      <p:grpSpPr>
-        <a:xfrm>
-          <a:off x="0" y="0"/>
-          <a:ext cx="0" cy="0"/>
-          <a:chOff x="0" y="0"/>
-          <a:chExt cx="0" cy="0"/>
-        </a:xfrm>
-      </p:grpSpPr>
-      <p:pic>
-        <p:nvPicPr>
-          <p:cNvPr id="244" name="pasted-image.tiff"/>
-          <p:cNvPicPr>
-            <a:picLocks noChangeAspect="1"/>
-          </p:cNvPicPr>
-          <p:nvPr/>
-        </p:nvPicPr>
-        <p:blipFill>
-          <a:blip r:embed="rId2">
-            <a:extLst/>
-          </a:blip>
-          <a:stretch>
-            <a:fillRect/>
-          </a:stretch>
-        </p:blipFill>
-        <p:spPr>
-          <a:xfrm>
-            <a:off x="-816206" y="-529723"/>
-            <a:ext cx="26829216" cy="2397845"/>
-          </a:xfrm>
-          <a:prstGeom prst="rect">
-            <a:avLst/>
-          </a:prstGeom>
-          <a:ln w="12700">
-            <a:miter lim="400000"/>
-          </a:ln>
-        </p:spPr>
-      </p:pic>
-      <p:pic>
-        <p:nvPicPr>
-          <p:cNvPr id="245" name="pasted-image.tiff"/>
-          <p:cNvPicPr>
-            <a:picLocks noChangeAspect="1"/>
-          </p:cNvPicPr>
-          <p:nvPr/>
-        </p:nvPicPr>
-        <p:blipFill>
-          <a:blip r:embed="rId3">
-            <a:extLst/>
-          </a:blip>
-          <a:stretch>
-            <a:fillRect/>
-          </a:stretch>
-        </p:blipFill>
-        <p:spPr>
-          <a:xfrm>
-            <a:off x="20120528" y="596900"/>
-            <a:ext cx="2416329" cy="766806"/>
-          </a:xfrm>
-          <a:prstGeom prst="rect">
-            <a:avLst/>
-          </a:prstGeom>
-          <a:ln w="12700">
-            <a:miter lim="400000"/>
-          </a:ln>
-        </p:spPr>
-      </p:pic>
-      <p:sp>
-        <p:nvSpPr>
-          <p:cNvPr id="247" name="Shape 247"/>
-          <p:cNvSpPr/>
-          <p:nvPr/>
-        </p:nvSpPr>
-        <p:spPr>
-          <a:xfrm>
-            <a:off x="1044066" y="500292"/>
-            <a:ext cx="5392502" cy="795089"/>
-          </a:xfrm>
-          <a:prstGeom prst="rect">
-            <a:avLst/>
-          </a:prstGeom>
-          <a:ln w="12700">
-            <a:miter lim="400000"/>
-          </a:ln>
-          <a:extLst>
-            <a:ext uri="{C572A759-6A51-4108-AA02-DFA0A04FC94B}">
-              <ma14:wrappingTextBoxFlag xmlns="" xmlns:ma14="http://schemas.microsoft.com/office/mac/drawingml/2011/main" val="1"/>
-            </a:ext>
-          </a:extLst>
-        </p:spPr>
-        <p:txBody>
-          <a:bodyPr wrap="none" lIns="50800" tIns="50800" rIns="50800" bIns="50800" anchor="ctr">
-            <a:spAutoFit/>
-          </a:bodyPr>
-          <a:lstStyle>
-            <a:lvl1pPr>
-              <a:defRPr sz="4500">
-                <a:solidFill>
-                  <a:srgbClr val="FFFFFF"/>
-                </a:solidFill>
-                <a:latin typeface="Helvetica Neue"/>
-                <a:ea typeface="Helvetica Neue"/>
-                <a:cs typeface="Helvetica Neue"/>
-                <a:sym typeface="Helvetica Neue"/>
-              </a:defRPr>
-            </a:lvl1pPr>
-          </a:lstStyle>
-          <a:p>
-            <a:r>
-              <a:rPr lang="es-ES" dirty="0" smtClean="0"/>
-              <a:t>3</a:t>
-            </a:r>
-            <a:r>
-              <a:rPr dirty="0" smtClean="0"/>
-              <a:t>. </a:t>
-            </a:r>
-            <a:r>
-              <a:rPr lang="pt-PT" dirty="0"/>
-              <a:t>G</a:t>
-            </a:r>
-            <a:r>
-              <a:rPr lang="pt-PT" dirty="0" smtClean="0"/>
-              <a:t>esti</a:t>
-            </a:r>
-            <a:r>
-              <a:rPr lang="es-ES_tradnl" dirty="0" err="1"/>
-              <a:t>ón</a:t>
-            </a:r>
-            <a:r>
-              <a:rPr lang="es-ES_tradnl" dirty="0"/>
-              <a:t> del riesgo</a:t>
-            </a:r>
-            <a:endParaRPr dirty="0"/>
-          </a:p>
-        </p:txBody>
-      </p:sp>
-      <p:sp>
-        <p:nvSpPr>
-          <p:cNvPr id="249" name="Shape 249"/>
-          <p:cNvSpPr/>
-          <p:nvPr/>
-        </p:nvSpPr>
-        <p:spPr>
-          <a:xfrm>
-            <a:off x="8651067" y="2219816"/>
-            <a:ext cx="8298727" cy="771399"/>
-          </a:xfrm>
-          <a:prstGeom prst="roundRect">
-            <a:avLst>
-              <a:gd name="adj" fmla="val 33536"/>
-            </a:avLst>
-          </a:prstGeom>
-          <a:solidFill>
-            <a:srgbClr val="BA6B89"/>
-          </a:solidFill>
-          <a:ln w="12700">
-            <a:miter lim="400000"/>
-          </a:ln>
-        </p:spPr>
-        <p:txBody>
-          <a:bodyPr lIns="50800" tIns="50800" rIns="50800" bIns="50800" anchor="ctr"/>
-          <a:lstStyle/>
-          <a:p>
-            <a:pPr algn="ctr">
-              <a:lnSpc>
-                <a:spcPct val="80000"/>
-              </a:lnSpc>
-              <a:spcBef>
-                <a:spcPts val="0"/>
-              </a:spcBef>
-              <a:defRPr sz="4000" cap="all">
-                <a:solidFill>
-                  <a:srgbClr val="FFFFFF"/>
-                </a:solidFill>
-                <a:latin typeface="+mn-lt"/>
-                <a:ea typeface="+mn-ea"/>
-                <a:cs typeface="+mn-cs"/>
-                <a:sym typeface="DIN Condensed"/>
-              </a:defRPr>
-            </a:pPr>
-            <a:endParaRPr/>
-          </a:p>
-        </p:txBody>
-      </p:sp>
-      <p:sp>
-        <p:nvSpPr>
-          <p:cNvPr id="250" name="Shape 250"/>
-          <p:cNvSpPr/>
-          <p:nvPr/>
-        </p:nvSpPr>
-        <p:spPr>
-          <a:xfrm>
-            <a:off x="8911911" y="2323387"/>
-            <a:ext cx="7808228" cy="564257"/>
-          </a:xfrm>
-          <a:prstGeom prst="rect">
-            <a:avLst/>
-          </a:prstGeom>
-          <a:ln w="12700">
-            <a:miter lim="400000"/>
-          </a:ln>
-          <a:extLst>
-            <a:ext uri="{C572A759-6A51-4108-AA02-DFA0A04FC94B}">
-              <ma14:wrappingTextBoxFlag xmlns="" xmlns:ma14="http://schemas.microsoft.com/office/mac/drawingml/2011/main" val="1"/>
-            </a:ext>
-          </a:extLst>
-        </p:spPr>
-        <p:txBody>
-          <a:bodyPr wrap="none" lIns="50800" tIns="50800" rIns="50800" bIns="50800" anchor="ctr">
-            <a:spAutoFit/>
-          </a:bodyPr>
-          <a:lstStyle>
-            <a:lvl1pPr>
-              <a:defRPr>
-                <a:solidFill>
-                  <a:srgbClr val="FFFFFF"/>
-                </a:solidFill>
-              </a:defRPr>
-            </a:lvl1pPr>
-          </a:lstStyle>
-          <a:p>
-            <a:pPr lvl="1" indent="0"/>
-            <a:r>
-              <a:rPr lang="es-ES_tradnl" dirty="0" smtClean="0">
-                <a:solidFill>
-                  <a:srgbClr val="FFFFFF"/>
-                </a:solidFill>
-              </a:rPr>
-              <a:t>2 </a:t>
-            </a:r>
-            <a:r>
-              <a:rPr lang="es-ES" dirty="0">
-                <a:solidFill>
-                  <a:srgbClr val="FFFFFF"/>
-                </a:solidFill>
-              </a:rPr>
-              <a:t>Reducción, supervisión y gestión del riesgo</a:t>
-            </a:r>
-          </a:p>
-        </p:txBody>
-      </p:sp>
-      <p:sp>
-        <p:nvSpPr>
-          <p:cNvPr id="4" name="Marcador de número de diapositiva 3"/>
-          <p:cNvSpPr>
-            <a:spLocks noGrp="1"/>
-          </p:cNvSpPr>
-          <p:nvPr>
-            <p:ph type="sldNum" sz="quarter" idx="2"/>
-          </p:nvPr>
-        </p:nvSpPr>
-        <p:spPr/>
-        <p:txBody>
-          <a:bodyPr/>
-          <a:lstStyle/>
-          <a:p>
-            <a:fld id="{86CB4B4D-7CA3-9044-876B-883B54F8677D}" type="slidenum">
-              <a:rPr lang="es-ES" smtClean="0"/>
-              <a:t>11</a:t>
-            </a:fld>
-            <a:endParaRPr lang="es-ES"/>
-          </a:p>
-        </p:txBody>
-      </p:sp>
-      <p:sp>
-        <p:nvSpPr>
-          <p:cNvPr id="9" name="Shape 249"/>
-          <p:cNvSpPr/>
-          <p:nvPr/>
-        </p:nvSpPr>
-        <p:spPr>
-          <a:xfrm>
-            <a:off x="10889673" y="3342909"/>
-            <a:ext cx="3435928" cy="771399"/>
-          </a:xfrm>
-          <a:prstGeom prst="roundRect">
-            <a:avLst>
-              <a:gd name="adj" fmla="val 33536"/>
-            </a:avLst>
-          </a:prstGeom>
-          <a:solidFill>
-            <a:srgbClr val="BA6B89"/>
-          </a:solidFill>
-          <a:ln w="12700">
-            <a:miter lim="400000"/>
-          </a:ln>
-        </p:spPr>
-        <p:txBody>
-          <a:bodyPr lIns="50800" tIns="50800" rIns="50800" bIns="50800" anchor="ctr"/>
-          <a:lstStyle/>
-          <a:p>
-            <a:pPr algn="ctr">
-              <a:lnSpc>
-                <a:spcPct val="80000"/>
-              </a:lnSpc>
-              <a:spcBef>
-                <a:spcPts val="0"/>
-              </a:spcBef>
-              <a:defRPr sz="4000" cap="all">
-                <a:solidFill>
-                  <a:srgbClr val="FFFFFF"/>
-                </a:solidFill>
-                <a:latin typeface="+mn-lt"/>
-                <a:ea typeface="+mn-ea"/>
-                <a:cs typeface="+mn-cs"/>
-                <a:sym typeface="DIN Condensed"/>
-              </a:defRPr>
-            </a:pPr>
-            <a:endParaRPr/>
-          </a:p>
-        </p:txBody>
-      </p:sp>
-      <p:sp>
-        <p:nvSpPr>
-          <p:cNvPr id="10" name="Shape 250"/>
-          <p:cNvSpPr/>
-          <p:nvPr/>
-        </p:nvSpPr>
-        <p:spPr>
-          <a:xfrm>
-            <a:off x="11233060" y="3446479"/>
-            <a:ext cx="2877391" cy="564257"/>
-          </a:xfrm>
-          <a:prstGeom prst="rect">
-            <a:avLst/>
-          </a:prstGeom>
-          <a:ln w="12700">
-            <a:miter lim="400000"/>
-          </a:ln>
-          <a:extLst>
-            <a:ext uri="{C572A759-6A51-4108-AA02-DFA0A04FC94B}">
-              <ma14:wrappingTextBoxFlag xmlns="" xmlns:ma14="http://schemas.microsoft.com/office/mac/drawingml/2011/main" val="1"/>
-            </a:ext>
-          </a:extLst>
-        </p:spPr>
-        <p:txBody>
-          <a:bodyPr wrap="none" lIns="50800" tIns="50800" rIns="50800" bIns="50800" anchor="ctr">
-            <a:spAutoFit/>
-          </a:bodyPr>
-          <a:lstStyle>
-            <a:lvl1pPr>
-              <a:defRPr>
-                <a:solidFill>
-                  <a:srgbClr val="FFFFFF"/>
-                </a:solidFill>
-              </a:defRPr>
-            </a:lvl1pPr>
-          </a:lstStyle>
-          <a:p>
-            <a:pPr lvl="1" indent="0"/>
-            <a:r>
-              <a:rPr lang="es-ES_tradnl" dirty="0" smtClean="0">
-                <a:solidFill>
-                  <a:srgbClr val="FFFFFF"/>
-                </a:solidFill>
-              </a:rPr>
-              <a:t>2.0.1 </a:t>
-            </a:r>
-            <a:r>
-              <a:rPr lang="es-ES" dirty="0" smtClean="0">
-                <a:solidFill>
-                  <a:srgbClr val="FFFFFF"/>
-                </a:solidFill>
-              </a:rPr>
-              <a:t>Reducción</a:t>
-            </a:r>
-            <a:endParaRPr lang="es-ES" dirty="0">
-              <a:solidFill>
-                <a:srgbClr val="FFFFFF"/>
-              </a:solidFill>
-            </a:endParaRPr>
-          </a:p>
-        </p:txBody>
-      </p:sp>
-      <p:sp>
-        <p:nvSpPr>
-          <p:cNvPr id="11" name="Shape 230"/>
-          <p:cNvSpPr/>
-          <p:nvPr/>
-        </p:nvSpPr>
-        <p:spPr>
-          <a:xfrm>
-            <a:off x="4809823" y="4477226"/>
-            <a:ext cx="16067821" cy="1432979"/>
-          </a:xfrm>
-          <a:prstGeom prst="roundRect">
-            <a:avLst>
-              <a:gd name="adj" fmla="val 7944"/>
-            </a:avLst>
-          </a:prstGeom>
-          <a:ln w="50800">
-            <a:solidFill>
-              <a:srgbClr val="5B5854"/>
-            </a:solidFill>
-            <a:miter lim="400000"/>
-          </a:ln>
-        </p:spPr>
-        <p:txBody>
-          <a:bodyPr lIns="50800" tIns="50800" rIns="50800" bIns="50800" anchor="ctr"/>
-          <a:lstStyle/>
-          <a:p>
-            <a:pPr algn="ctr">
-              <a:lnSpc>
-                <a:spcPct val="80000"/>
-              </a:lnSpc>
-              <a:spcBef>
-                <a:spcPts val="0"/>
-              </a:spcBef>
-              <a:defRPr sz="100" cap="all">
-                <a:solidFill>
-                  <a:srgbClr val="FFFFFF"/>
-                </a:solidFill>
-                <a:latin typeface="+mn-lt"/>
-                <a:ea typeface="+mn-ea"/>
-                <a:cs typeface="+mn-cs"/>
-                <a:sym typeface="DIN Condensed"/>
-              </a:defRPr>
-            </a:pPr>
-            <a:endParaRPr/>
-          </a:p>
-        </p:txBody>
-      </p:sp>
-      <p:sp>
-        <p:nvSpPr>
-          <p:cNvPr id="2" name="CuadroTexto 1"/>
-          <p:cNvSpPr txBox="1"/>
-          <p:nvPr/>
-        </p:nvSpPr>
-        <p:spPr>
-          <a:xfrm>
-            <a:off x="5362867" y="4293058"/>
-            <a:ext cx="15114152" cy="2205732"/>
-          </a:xfrm>
-          <a:prstGeom prst="rect">
-            <a:avLst/>
-          </a:prstGeom>
-          <a:noFill/>
-          <a:ln w="12700" cap="flat">
-            <a:noFill/>
-            <a:miter lim="400000"/>
-          </a:ln>
-          <a:effectLst/>
-          <a:sp3d/>
-        </p:spPr>
-        <p:style>
-          <a:lnRef idx="0">
-            <a:scrgbClr r="0" g="0" b="0"/>
-          </a:lnRef>
-          <a:fillRef idx="0">
-            <a:scrgbClr r="0" g="0" b="0"/>
-          </a:fillRef>
-          <a:effectRef idx="0">
-            <a:scrgbClr r="0" g="0" b="0"/>
-          </a:effectRef>
-          <a:fontRef idx="none"/>
-        </p:style>
-        <p:txBody>
-          <a:bodyPr rot="0" spcFirstLastPara="1" vertOverflow="overflow" horzOverflow="overflow" vert="horz" wrap="square" lIns="50800" tIns="50800" rIns="50800" bIns="50800" numCol="1" spcCol="38100" rtlCol="0" anchor="ctr">
-            <a:spAutoFit/>
-          </a:bodyPr>
-          <a:lstStyle/>
-          <a:p>
-            <a:pPr algn="just"/>
-            <a:r>
-              <a:rPr lang="es-ES_tradnl" sz="2500" dirty="0">
-                <a:solidFill>
-                  <a:srgbClr val="00000A"/>
-                </a:solidFill>
-                <a:uFill>
-                  <a:solidFill>
-                    <a:srgbClr val="00000A"/>
-                  </a:solidFill>
-                </a:uFill>
-                <a:latin typeface="Helvetica Neue"/>
-                <a:ea typeface="Helvetica Neue"/>
-                <a:cs typeface="Helvetica Neue"/>
-              </a:rPr>
-              <a:t>Ayudarnos de herramientas para la planificación temporal del proyecto tales como diagramas </a:t>
-            </a:r>
-            <a:r>
-              <a:rPr lang="es-ES_tradnl" sz="2500" dirty="0" smtClean="0">
-                <a:solidFill>
-                  <a:srgbClr val="00000A"/>
-                </a:solidFill>
-                <a:uFill>
-                  <a:solidFill>
-                    <a:srgbClr val="00000A"/>
-                  </a:solidFill>
-                </a:uFill>
-                <a:latin typeface="Helvetica Neue"/>
-                <a:ea typeface="Helvetica Neue"/>
-                <a:cs typeface="Helvetica Neue"/>
-              </a:rPr>
-              <a:t>GANTT.</a:t>
-            </a:r>
-            <a:r>
-              <a:rPr lang="es-ES" sz="2500" dirty="0">
-                <a:solidFill>
-                  <a:srgbClr val="00000A"/>
-                </a:solidFill>
-                <a:uFill>
-                  <a:solidFill>
-                    <a:srgbClr val="00000A"/>
-                  </a:solidFill>
-                </a:uFill>
-                <a:latin typeface="Helvetica Neue"/>
-                <a:ea typeface="Helvetica Neue"/>
-                <a:cs typeface="Helvetica Neue"/>
-              </a:rPr>
-              <a:t> </a:t>
-            </a:r>
-            <a:r>
-              <a:rPr lang="es-ES_tradnl" sz="2500" dirty="0" smtClean="0">
-                <a:solidFill>
-                  <a:srgbClr val="00000A"/>
-                </a:solidFill>
-                <a:uFill>
-                  <a:solidFill>
-                    <a:srgbClr val="00000A"/>
-                  </a:solidFill>
-                </a:uFill>
-                <a:latin typeface="Helvetica Neue"/>
-                <a:ea typeface="Helvetica Neue"/>
-                <a:cs typeface="Helvetica Neue"/>
-              </a:rPr>
-              <a:t>Conocer </a:t>
-            </a:r>
-            <a:r>
-              <a:rPr lang="es-ES_tradnl" sz="2500" dirty="0">
-                <a:solidFill>
-                  <a:srgbClr val="00000A"/>
-                </a:solidFill>
-                <a:uFill>
-                  <a:solidFill>
-                    <a:srgbClr val="00000A"/>
-                  </a:solidFill>
-                </a:uFill>
-                <a:latin typeface="Helvetica Neue"/>
-                <a:ea typeface="Helvetica Neue"/>
-                <a:cs typeface="Helvetica Neue"/>
-              </a:rPr>
-              <a:t>bien los recursos con que contamos y su disponibilidad tanto presentes como futuras.</a:t>
-            </a:r>
-            <a:endParaRPr lang="es-ES" sz="2500" dirty="0">
-              <a:solidFill>
-                <a:srgbClr val="00000A"/>
-              </a:solidFill>
-              <a:uFill>
-                <a:solidFill>
-                  <a:srgbClr val="00000A"/>
-                </a:solidFill>
-              </a:uFill>
-              <a:latin typeface="Helvetica Neue"/>
-              <a:ea typeface="Helvetica Neue"/>
-              <a:cs typeface="Helvetica Neue"/>
-            </a:endParaRPr>
-          </a:p>
-          <a:p>
-            <a:pPr marL="0" marR="0" indent="0" algn="l" defTabSz="825500" rtl="0" fontAlgn="auto" latinLnBrk="0" hangingPunct="0">
-              <a:lnSpc>
-                <a:spcPct val="100000"/>
-              </a:lnSpc>
-              <a:spcBef>
-                <a:spcPts val="3400"/>
-              </a:spcBef>
-              <a:spcAft>
-                <a:spcPts val="0"/>
-              </a:spcAft>
-              <a:buClrTx/>
-              <a:buSzTx/>
-              <a:buFontTx/>
-              <a:buNone/>
-              <a:tabLst/>
-            </a:pPr>
-            <a:endParaRPr kumimoji="0" lang="es-ES" sz="3000" b="0" i="0" u="none" strike="noStrike" cap="none" spc="0" normalizeH="0" baseline="0" dirty="0">
-              <a:ln>
-                <a:noFill/>
-              </a:ln>
-              <a:solidFill>
-                <a:srgbClr val="838787"/>
-              </a:solidFill>
-              <a:effectLst/>
-              <a:uFillTx/>
-              <a:latin typeface="Avenir Next Medium"/>
-              <a:ea typeface="Avenir Next Medium"/>
-              <a:cs typeface="Avenir Next Medium"/>
-              <a:sym typeface="Avenir Next Medium"/>
-            </a:endParaRPr>
-          </a:p>
-        </p:txBody>
-      </p:sp>
-      <p:sp>
-        <p:nvSpPr>
-          <p:cNvPr id="13" name="Shape 249"/>
-          <p:cNvSpPr/>
-          <p:nvPr/>
-        </p:nvSpPr>
-        <p:spPr>
-          <a:xfrm>
-            <a:off x="10889673" y="6267025"/>
-            <a:ext cx="3435928" cy="771399"/>
-          </a:xfrm>
-          <a:prstGeom prst="roundRect">
-            <a:avLst>
-              <a:gd name="adj" fmla="val 33536"/>
-            </a:avLst>
-          </a:prstGeom>
-          <a:solidFill>
-            <a:srgbClr val="BA6B89"/>
-          </a:solidFill>
-          <a:ln w="12700">
-            <a:miter lim="400000"/>
-          </a:ln>
-        </p:spPr>
-        <p:txBody>
-          <a:bodyPr lIns="50800" tIns="50800" rIns="50800" bIns="50800" anchor="ctr"/>
-          <a:lstStyle/>
-          <a:p>
-            <a:pPr algn="ctr">
-              <a:lnSpc>
-                <a:spcPct val="80000"/>
-              </a:lnSpc>
-              <a:spcBef>
-                <a:spcPts val="0"/>
-              </a:spcBef>
-              <a:defRPr sz="4000" cap="all">
-                <a:solidFill>
-                  <a:srgbClr val="FFFFFF"/>
-                </a:solidFill>
-                <a:latin typeface="+mn-lt"/>
-                <a:ea typeface="+mn-ea"/>
-                <a:cs typeface="+mn-cs"/>
-                <a:sym typeface="DIN Condensed"/>
-              </a:defRPr>
-            </a:pPr>
-            <a:endParaRPr/>
-          </a:p>
-        </p:txBody>
-      </p:sp>
-      <p:sp>
-        <p:nvSpPr>
-          <p:cNvPr id="14" name="Shape 250"/>
-          <p:cNvSpPr/>
-          <p:nvPr/>
-        </p:nvSpPr>
-        <p:spPr>
-          <a:xfrm>
-            <a:off x="11136879" y="6399032"/>
-            <a:ext cx="3069751" cy="564257"/>
-          </a:xfrm>
-          <a:prstGeom prst="rect">
-            <a:avLst/>
-          </a:prstGeom>
-          <a:ln w="12700">
-            <a:miter lim="400000"/>
-          </a:ln>
-          <a:extLst>
-            <a:ext uri="{C572A759-6A51-4108-AA02-DFA0A04FC94B}">
-              <ma14:wrappingTextBoxFlag xmlns="" xmlns:ma14="http://schemas.microsoft.com/office/mac/drawingml/2011/main" val="1"/>
-            </a:ext>
-          </a:extLst>
-        </p:spPr>
-        <p:txBody>
-          <a:bodyPr wrap="none" lIns="50800" tIns="50800" rIns="50800" bIns="50800" anchor="ctr">
-            <a:spAutoFit/>
-          </a:bodyPr>
-          <a:lstStyle>
-            <a:lvl1pPr>
-              <a:defRPr>
-                <a:solidFill>
-                  <a:srgbClr val="FFFFFF"/>
-                </a:solidFill>
-              </a:defRPr>
-            </a:lvl1pPr>
-          </a:lstStyle>
-          <a:p>
-            <a:pPr lvl="1" indent="0"/>
-            <a:r>
-              <a:rPr lang="es-ES" dirty="0" smtClean="0">
-                <a:solidFill>
-                  <a:srgbClr val="FFFFFF"/>
-                </a:solidFill>
-              </a:rPr>
-              <a:t>2.0.2 </a:t>
-            </a:r>
-            <a:r>
-              <a:rPr lang="es-ES" dirty="0" smtClean="0">
-                <a:solidFill>
-                  <a:srgbClr val="FFFFFF"/>
-                </a:solidFill>
-              </a:rPr>
-              <a:t>Supervisión</a:t>
-            </a:r>
-            <a:endParaRPr lang="es-ES" dirty="0">
-              <a:solidFill>
-                <a:srgbClr val="FFFFFF"/>
-              </a:solidFill>
-            </a:endParaRPr>
-          </a:p>
-        </p:txBody>
-      </p:sp>
-      <p:sp>
-        <p:nvSpPr>
-          <p:cNvPr id="15" name="Shape 230"/>
-          <p:cNvSpPr/>
-          <p:nvPr/>
-        </p:nvSpPr>
-        <p:spPr>
-          <a:xfrm>
-            <a:off x="4809823" y="7427937"/>
-            <a:ext cx="16067821" cy="1282330"/>
-          </a:xfrm>
-          <a:prstGeom prst="roundRect">
-            <a:avLst>
-              <a:gd name="adj" fmla="val 7944"/>
-            </a:avLst>
-          </a:prstGeom>
-          <a:ln w="50800">
-            <a:solidFill>
-              <a:srgbClr val="5B5854"/>
-            </a:solidFill>
-            <a:miter lim="400000"/>
-          </a:ln>
-        </p:spPr>
-        <p:txBody>
-          <a:bodyPr lIns="50800" tIns="50800" rIns="50800" bIns="50800" anchor="ctr"/>
-          <a:lstStyle/>
-          <a:p>
-            <a:pPr algn="ctr">
-              <a:lnSpc>
-                <a:spcPct val="80000"/>
-              </a:lnSpc>
-              <a:spcBef>
-                <a:spcPts val="0"/>
-              </a:spcBef>
-              <a:defRPr sz="100" cap="all">
-                <a:solidFill>
-                  <a:srgbClr val="FFFFFF"/>
-                </a:solidFill>
-                <a:latin typeface="+mn-lt"/>
-                <a:ea typeface="+mn-ea"/>
-                <a:cs typeface="+mn-cs"/>
-                <a:sym typeface="DIN Condensed"/>
-              </a:defRPr>
-            </a:pPr>
-            <a:endParaRPr/>
-          </a:p>
-        </p:txBody>
-      </p:sp>
-      <p:sp>
-        <p:nvSpPr>
-          <p:cNvPr id="16" name="CuadroTexto 15"/>
-          <p:cNvSpPr txBox="1"/>
-          <p:nvPr/>
-        </p:nvSpPr>
-        <p:spPr>
-          <a:xfrm>
-            <a:off x="5362867" y="7112147"/>
-            <a:ext cx="14713527" cy="2128788"/>
-          </a:xfrm>
-          <a:prstGeom prst="rect">
-            <a:avLst/>
-          </a:prstGeom>
-          <a:noFill/>
-          <a:ln w="12700" cap="flat">
-            <a:noFill/>
-            <a:miter lim="400000"/>
-          </a:ln>
-          <a:effectLst/>
-          <a:sp3d/>
-        </p:spPr>
-        <p:style>
-          <a:lnRef idx="0">
-            <a:scrgbClr r="0" g="0" b="0"/>
-          </a:lnRef>
-          <a:fillRef idx="0">
-            <a:scrgbClr r="0" g="0" b="0"/>
-          </a:fillRef>
-          <a:effectRef idx="0">
-            <a:scrgbClr r="0" g="0" b="0"/>
-          </a:effectRef>
-          <a:fontRef idx="none"/>
-        </p:style>
-        <p:txBody>
-          <a:bodyPr rot="0" spcFirstLastPara="1" vertOverflow="overflow" horzOverflow="overflow" vert="horz" wrap="square" lIns="50800" tIns="50800" rIns="50800" bIns="50800" numCol="1" spcCol="38100" rtlCol="0" anchor="ctr">
-            <a:spAutoFit/>
-          </a:bodyPr>
-          <a:lstStyle/>
-          <a:p>
-            <a:pPr algn="just"/>
-            <a:r>
-              <a:rPr lang="es-ES_tradnl" sz="2500" dirty="0">
-                <a:solidFill>
-                  <a:srgbClr val="00000A"/>
-                </a:solidFill>
-                <a:uFill>
-                  <a:solidFill>
-                    <a:srgbClr val="00000A"/>
-                  </a:solidFill>
-                </a:uFill>
-                <a:latin typeface="Helvetica Neue"/>
-                <a:ea typeface="Helvetica Neue"/>
-                <a:cs typeface="Helvetica Neue"/>
-              </a:rPr>
-              <a:t>Controlar los plazos de entrega y fomentar la comunicación entre los integrantes del grupo a fin de evitar duplicidades o dejar temas sin abordar por no tener persona asignada. </a:t>
-            </a:r>
-            <a:endParaRPr lang="es-ES" sz="2500" dirty="0">
-              <a:solidFill>
-                <a:srgbClr val="00000A"/>
-              </a:solidFill>
-              <a:uFill>
-                <a:solidFill>
-                  <a:srgbClr val="00000A"/>
-                </a:solidFill>
-              </a:uFill>
-              <a:latin typeface="Helvetica Neue"/>
-              <a:ea typeface="Helvetica Neue"/>
-              <a:cs typeface="Helvetica Neue"/>
-            </a:endParaRPr>
-          </a:p>
-          <a:p>
-            <a:pPr algn="just"/>
-            <a:endParaRPr lang="es-ES" sz="2500" dirty="0">
-              <a:solidFill>
-                <a:srgbClr val="00000A"/>
-              </a:solidFill>
-              <a:uFill>
-                <a:solidFill>
-                  <a:srgbClr val="00000A"/>
-                </a:solidFill>
-              </a:uFill>
-              <a:latin typeface="Helvetica Neue"/>
-              <a:ea typeface="Helvetica Neue"/>
-              <a:cs typeface="Helvetica Neue"/>
-            </a:endParaRPr>
-          </a:p>
-        </p:txBody>
-      </p:sp>
-      <p:sp>
-        <p:nvSpPr>
-          <p:cNvPr id="17" name="Shape 249"/>
-          <p:cNvSpPr/>
-          <p:nvPr/>
-        </p:nvSpPr>
-        <p:spPr>
-          <a:xfrm>
-            <a:off x="10369535" y="8941008"/>
-            <a:ext cx="4831796" cy="771399"/>
-          </a:xfrm>
-          <a:prstGeom prst="roundRect">
-            <a:avLst>
-              <a:gd name="adj" fmla="val 33536"/>
-            </a:avLst>
-          </a:prstGeom>
-          <a:solidFill>
-            <a:srgbClr val="BA6B89"/>
-          </a:solidFill>
-          <a:ln w="12700">
-            <a:miter lim="400000"/>
-          </a:ln>
-        </p:spPr>
-        <p:txBody>
-          <a:bodyPr lIns="50800" tIns="50800" rIns="50800" bIns="50800" anchor="ctr"/>
-          <a:lstStyle/>
-          <a:p>
-            <a:pPr algn="ctr">
-              <a:lnSpc>
-                <a:spcPct val="80000"/>
-              </a:lnSpc>
-              <a:spcBef>
-                <a:spcPts val="0"/>
-              </a:spcBef>
-              <a:defRPr sz="4000" cap="all">
-                <a:solidFill>
-                  <a:srgbClr val="FFFFFF"/>
-                </a:solidFill>
-                <a:latin typeface="+mn-lt"/>
-                <a:ea typeface="+mn-ea"/>
-                <a:cs typeface="+mn-cs"/>
-                <a:sym typeface="DIN Condensed"/>
-              </a:defRPr>
-            </a:pPr>
-            <a:endParaRPr/>
-          </a:p>
-        </p:txBody>
-      </p:sp>
-      <p:sp>
-        <p:nvSpPr>
-          <p:cNvPr id="18" name="Shape 250"/>
-          <p:cNvSpPr/>
-          <p:nvPr/>
-        </p:nvSpPr>
-        <p:spPr>
-          <a:xfrm>
-            <a:off x="10488502" y="9014731"/>
-            <a:ext cx="4712829" cy="564257"/>
-          </a:xfrm>
-          <a:prstGeom prst="rect">
-            <a:avLst/>
-          </a:prstGeom>
-          <a:ln w="12700">
-            <a:miter lim="400000"/>
-          </a:ln>
-          <a:extLst>
-            <a:ext uri="{C572A759-6A51-4108-AA02-DFA0A04FC94B}">
-              <ma14:wrappingTextBoxFlag xmlns="" xmlns:ma14="http://schemas.microsoft.com/office/mac/drawingml/2011/main" val="1"/>
-            </a:ext>
-          </a:extLst>
-        </p:spPr>
-        <p:txBody>
-          <a:bodyPr wrap="none" lIns="50800" tIns="50800" rIns="50800" bIns="50800" anchor="ctr">
-            <a:spAutoFit/>
-          </a:bodyPr>
-          <a:lstStyle>
-            <a:lvl1pPr>
-              <a:defRPr>
-                <a:solidFill>
-                  <a:srgbClr val="FFFFFF"/>
-                </a:solidFill>
-              </a:defRPr>
-            </a:lvl1pPr>
-          </a:lstStyle>
-          <a:p>
-            <a:pPr lvl="1" indent="0"/>
-            <a:r>
-              <a:rPr lang="es-ES_tradnl" dirty="0" smtClean="0">
-                <a:solidFill>
-                  <a:srgbClr val="FFFFFF"/>
-                </a:solidFill>
-              </a:rPr>
-              <a:t>2.0.3 </a:t>
-            </a:r>
-            <a:r>
-              <a:rPr lang="es-ES" dirty="0">
-                <a:solidFill>
-                  <a:srgbClr val="FFFFFF"/>
-                </a:solidFill>
-              </a:rPr>
-              <a:t>Plan de Contingencia</a:t>
-            </a:r>
-          </a:p>
-        </p:txBody>
-      </p:sp>
-      <p:sp>
-        <p:nvSpPr>
-          <p:cNvPr id="19" name="Shape 230"/>
-          <p:cNvSpPr/>
-          <p:nvPr/>
-        </p:nvSpPr>
-        <p:spPr>
-          <a:xfrm>
-            <a:off x="4809823" y="10115681"/>
-            <a:ext cx="16067821" cy="2447104"/>
-          </a:xfrm>
-          <a:prstGeom prst="roundRect">
-            <a:avLst>
-              <a:gd name="adj" fmla="val 7944"/>
-            </a:avLst>
-          </a:prstGeom>
-          <a:ln w="50800">
-            <a:solidFill>
-              <a:srgbClr val="5B5854"/>
-            </a:solidFill>
-            <a:miter lim="400000"/>
-          </a:ln>
-        </p:spPr>
-        <p:txBody>
-          <a:bodyPr lIns="50800" tIns="50800" rIns="50800" bIns="50800" anchor="ctr"/>
-          <a:lstStyle/>
-          <a:p>
-            <a:pPr algn="ctr">
-              <a:lnSpc>
-                <a:spcPct val="80000"/>
-              </a:lnSpc>
-              <a:spcBef>
-                <a:spcPts val="0"/>
-              </a:spcBef>
-              <a:defRPr sz="100" cap="all">
-                <a:solidFill>
-                  <a:srgbClr val="FFFFFF"/>
-                </a:solidFill>
-                <a:latin typeface="+mn-lt"/>
-                <a:ea typeface="+mn-ea"/>
-                <a:cs typeface="+mn-cs"/>
-                <a:sym typeface="DIN Condensed"/>
-              </a:defRPr>
-            </a:pPr>
-            <a:endParaRPr/>
-          </a:p>
-        </p:txBody>
-      </p:sp>
-      <p:sp>
-        <p:nvSpPr>
-          <p:cNvPr id="20" name="CuadroTexto 19"/>
-          <p:cNvSpPr txBox="1"/>
-          <p:nvPr/>
-        </p:nvSpPr>
-        <p:spPr>
-          <a:xfrm>
-            <a:off x="5362867" y="10170082"/>
-            <a:ext cx="15114152" cy="2590453"/>
-          </a:xfrm>
-          <a:prstGeom prst="rect">
-            <a:avLst/>
-          </a:prstGeom>
-          <a:noFill/>
-          <a:ln w="12700" cap="flat">
-            <a:noFill/>
-            <a:miter lim="400000"/>
-          </a:ln>
-          <a:effectLst/>
-          <a:sp3d/>
-        </p:spPr>
-        <p:style>
-          <a:lnRef idx="0">
-            <a:scrgbClr r="0" g="0" b="0"/>
-          </a:lnRef>
-          <a:fillRef idx="0">
-            <a:scrgbClr r="0" g="0" b="0"/>
-          </a:fillRef>
-          <a:effectRef idx="0">
-            <a:scrgbClr r="0" g="0" b="0"/>
-          </a:effectRef>
-          <a:fontRef idx="none"/>
-        </p:style>
-        <p:txBody>
-          <a:bodyPr rot="0" spcFirstLastPara="1" vertOverflow="overflow" horzOverflow="overflow" vert="horz" wrap="square" lIns="50800" tIns="50800" rIns="50800" bIns="50800" numCol="1" spcCol="38100" rtlCol="0" anchor="ctr">
-            <a:spAutoFit/>
-          </a:bodyPr>
-          <a:lstStyle/>
-          <a:p>
-            <a:r>
-              <a:rPr lang="es-ES" sz="2500" dirty="0">
-                <a:solidFill>
-                  <a:srgbClr val="00000A"/>
-                </a:solidFill>
-                <a:uFill>
-                  <a:solidFill>
-                    <a:srgbClr val="00000A"/>
-                  </a:solidFill>
-                </a:uFill>
-                <a:latin typeface="Helvetica Neue"/>
-                <a:ea typeface="Helvetica Neue"/>
-                <a:cs typeface="Helvetica Neue"/>
-              </a:rPr>
-              <a:t>Redimensionar la carga de trabajo de manera equitativa entre los integrantes con el fin de </a:t>
-            </a:r>
-            <a:r>
-              <a:rPr lang="es-ES" sz="2500" dirty="0" smtClean="0">
-                <a:solidFill>
-                  <a:srgbClr val="00000A"/>
-                </a:solidFill>
-                <a:uFill>
-                  <a:solidFill>
-                    <a:srgbClr val="00000A"/>
-                  </a:solidFill>
-                </a:uFill>
-                <a:latin typeface="Helvetica Neue"/>
-                <a:ea typeface="Helvetica Neue"/>
-                <a:cs typeface="Helvetica Neue"/>
-              </a:rPr>
-              <a:t>cumplir los </a:t>
-            </a:r>
-            <a:r>
-              <a:rPr lang="es-ES" sz="2500" dirty="0">
-                <a:solidFill>
-                  <a:srgbClr val="00000A"/>
-                </a:solidFill>
-                <a:uFill>
-                  <a:solidFill>
-                    <a:srgbClr val="00000A"/>
-                  </a:solidFill>
-                </a:uFill>
-                <a:latin typeface="Helvetica Neue"/>
-                <a:ea typeface="Helvetica Neue"/>
-                <a:cs typeface="Helvetica Neue"/>
-              </a:rPr>
-              <a:t>plazos </a:t>
-            </a:r>
-            <a:r>
-              <a:rPr lang="es-ES" sz="2500" dirty="0" smtClean="0">
-                <a:solidFill>
-                  <a:srgbClr val="00000A"/>
-                </a:solidFill>
-                <a:uFill>
-                  <a:solidFill>
-                    <a:srgbClr val="00000A"/>
-                  </a:solidFill>
-                </a:uFill>
-                <a:latin typeface="Helvetica Neue"/>
-                <a:ea typeface="Helvetica Neue"/>
-                <a:cs typeface="Helvetica Neue"/>
-              </a:rPr>
-              <a:t>estimados.                                                                                                                                         Reconfigurar </a:t>
-            </a:r>
-            <a:r>
-              <a:rPr lang="es-ES" sz="2500" dirty="0">
-                <a:solidFill>
-                  <a:srgbClr val="00000A"/>
-                </a:solidFill>
-                <a:uFill>
-                  <a:solidFill>
-                    <a:srgbClr val="00000A"/>
-                  </a:solidFill>
-                </a:uFill>
-                <a:latin typeface="Helvetica Neue"/>
-                <a:ea typeface="Helvetica Neue"/>
-                <a:cs typeface="Helvetica Neue"/>
-              </a:rPr>
-              <a:t>parte del proyecto para poder simplificar o modificar o eliminar algún aspecto del mismo.</a:t>
-            </a:r>
-          </a:p>
-          <a:p>
-            <a:pPr marL="0" marR="0" indent="0" algn="l" defTabSz="825500" rtl="0" fontAlgn="auto" latinLnBrk="0" hangingPunct="0">
-              <a:lnSpc>
-                <a:spcPct val="100000"/>
-              </a:lnSpc>
-              <a:spcBef>
-                <a:spcPts val="3400"/>
-              </a:spcBef>
-              <a:spcAft>
-                <a:spcPts val="0"/>
-              </a:spcAft>
-              <a:buClrTx/>
-              <a:buSzTx/>
-              <a:buFontTx/>
-              <a:buNone/>
-              <a:tabLst/>
-            </a:pPr>
-            <a:endParaRPr kumimoji="0" lang="es-ES" sz="3000" b="0" i="0" u="none" strike="noStrike" cap="none" spc="0" normalizeH="0" baseline="0" dirty="0">
-              <a:ln>
-                <a:noFill/>
-              </a:ln>
-              <a:solidFill>
-                <a:srgbClr val="838787"/>
-              </a:solidFill>
-              <a:effectLst/>
-              <a:uFillTx/>
-              <a:latin typeface="Avenir Next Medium"/>
-              <a:ea typeface="Avenir Next Medium"/>
-              <a:cs typeface="Avenir Next Medium"/>
-              <a:sym typeface="Avenir Next Medium"/>
-            </a:endParaRPr>
-          </a:p>
-        </p:txBody>
-      </p:sp>
-    </p:spTree>
-    <p:extLst>
-      <p:ext uri="{BB962C8B-B14F-4D97-AF65-F5344CB8AC3E}">
-        <p14:creationId xmlns:p14="http://schemas.microsoft.com/office/powerpoint/2010/main" val="52790690"/>
-      </p:ext>
-    </p:extLst>
   </p:cSld>
   <p:clrMapOvr>
     <a:masterClrMapping/>
@@ -9322,7 +9567,7 @@
           </a:ln>
           <a:extLst>
             <a:ext uri="{C572A759-6A51-4108-AA02-DFA0A04FC94B}">
-              <ma14:wrappingTextBoxFlag xmlns="" xmlns:ma14="http://schemas.microsoft.com/office/mac/drawingml/2011/main" val="1"/>
+              <ma14:wrappingTextBoxFlag xmlns:ma14="http://schemas.microsoft.com/office/mac/drawingml/2011/main" xmlns="" val="1"/>
             </a:ext>
           </a:extLst>
         </p:spPr>
@@ -9428,8 +9673,8 @@
         </p:nvSpPr>
         <p:spPr>
           <a:xfrm>
-            <a:off x="9345107" y="2323386"/>
-            <a:ext cx="6506589" cy="564257"/>
+            <a:off x="8911911" y="2323387"/>
+            <a:ext cx="7808228" cy="564257"/>
           </a:xfrm>
           <a:prstGeom prst="rect">
             <a:avLst/>
@@ -9439,7 +9684,7 @@
           </a:ln>
           <a:extLst>
             <a:ext uri="{C572A759-6A51-4108-AA02-DFA0A04FC94B}">
-              <ma14:wrappingTextBoxFlag xmlns="" xmlns:ma14="http://schemas.microsoft.com/office/mac/drawingml/2011/main" val="1"/>
+              <ma14:wrappingTextBoxFlag xmlns:ma14="http://schemas.microsoft.com/office/mac/drawingml/2011/main" xmlns="" val="1"/>
             </a:ext>
           </a:extLst>
         </p:spPr>
@@ -9459,18 +9704,21 @@
           <a:p>
             <a:pPr lvl="1" indent="0"/>
             <a:r>
+              <a:rPr lang="es-ES_tradnl" dirty="0" smtClean="0">
+                <a:solidFill>
+                  <a:srgbClr val="FFFFFF"/>
+                </a:solidFill>
+              </a:rPr>
+              <a:t>2 </a:t>
+            </a:r>
+            <a:r>
               <a:rPr lang="es-ES" dirty="0">
                 <a:solidFill>
                   <a:srgbClr val="FFFFFF"/>
                 </a:solidFill>
               </a:rPr>
-              <a:t>2.1 Riesgo: Fallos de implementación</a:t>
-            </a:r>
-            <a:endParaRPr lang="es-ES" dirty="0">
-              <a:solidFill>
-                <a:srgbClr val="FFFFFF"/>
-              </a:solidFill>
-            </a:endParaRPr>
+              <a:t>Reducción, supervisión y gestión del riesgo</a:t>
+            </a:r>
           </a:p>
         </p:txBody>
       </p:sp>
@@ -9564,7 +9812,1166 @@
           </a:ln>
           <a:extLst>
             <a:ext uri="{C572A759-6A51-4108-AA02-DFA0A04FC94B}">
-              <ma14:wrappingTextBoxFlag xmlns="" xmlns:ma14="http://schemas.microsoft.com/office/mac/drawingml/2011/main" val="1"/>
+              <ma14:wrappingTextBoxFlag xmlns:ma14="http://schemas.microsoft.com/office/mac/drawingml/2011/main" xmlns="" val="1"/>
+            </a:ext>
+          </a:extLst>
+        </p:spPr>
+        <p:txBody>
+          <a:bodyPr wrap="none" lIns="50800" tIns="50800" rIns="50800" bIns="50800" anchor="ctr">
+            <a:spAutoFit/>
+          </a:bodyPr>
+          <a:lstStyle>
+            <a:lvl1pPr>
+              <a:defRPr>
+                <a:solidFill>
+                  <a:srgbClr val="FFFFFF"/>
+                </a:solidFill>
+              </a:defRPr>
+            </a:lvl1pPr>
+          </a:lstStyle>
+          <a:p>
+            <a:pPr lvl="1" indent="0"/>
+            <a:r>
+              <a:rPr lang="es-ES_tradnl" dirty="0" smtClean="0">
+                <a:solidFill>
+                  <a:srgbClr val="FFFFFF"/>
+                </a:solidFill>
+              </a:rPr>
+              <a:t>2.0.1 </a:t>
+            </a:r>
+            <a:r>
+              <a:rPr lang="es-ES" dirty="0" smtClean="0">
+                <a:solidFill>
+                  <a:srgbClr val="FFFFFF"/>
+                </a:solidFill>
+              </a:rPr>
+              <a:t>Reducción</a:t>
+            </a:r>
+            <a:endParaRPr lang="es-ES" dirty="0">
+              <a:solidFill>
+                <a:srgbClr val="FFFFFF"/>
+              </a:solidFill>
+            </a:endParaRPr>
+          </a:p>
+        </p:txBody>
+      </p:sp>
+      <p:sp>
+        <p:nvSpPr>
+          <p:cNvPr id="11" name="Shape 230"/>
+          <p:cNvSpPr/>
+          <p:nvPr/>
+        </p:nvSpPr>
+        <p:spPr>
+          <a:xfrm>
+            <a:off x="4809823" y="4477226"/>
+            <a:ext cx="16067821" cy="1432979"/>
+          </a:xfrm>
+          <a:prstGeom prst="roundRect">
+            <a:avLst>
+              <a:gd name="adj" fmla="val 7944"/>
+            </a:avLst>
+          </a:prstGeom>
+          <a:ln w="50800">
+            <a:solidFill>
+              <a:srgbClr val="5B5854"/>
+            </a:solidFill>
+            <a:miter lim="400000"/>
+          </a:ln>
+        </p:spPr>
+        <p:txBody>
+          <a:bodyPr lIns="50800" tIns="50800" rIns="50800" bIns="50800" anchor="ctr"/>
+          <a:lstStyle/>
+          <a:p>
+            <a:pPr algn="ctr">
+              <a:lnSpc>
+                <a:spcPct val="80000"/>
+              </a:lnSpc>
+              <a:spcBef>
+                <a:spcPts val="0"/>
+              </a:spcBef>
+              <a:defRPr sz="100" cap="all">
+                <a:solidFill>
+                  <a:srgbClr val="FFFFFF"/>
+                </a:solidFill>
+                <a:latin typeface="+mn-lt"/>
+                <a:ea typeface="+mn-ea"/>
+                <a:cs typeface="+mn-cs"/>
+                <a:sym typeface="DIN Condensed"/>
+              </a:defRPr>
+            </a:pPr>
+            <a:endParaRPr/>
+          </a:p>
+        </p:txBody>
+      </p:sp>
+      <p:sp>
+        <p:nvSpPr>
+          <p:cNvPr id="2" name="CuadroTexto 1"/>
+          <p:cNvSpPr txBox="1"/>
+          <p:nvPr/>
+        </p:nvSpPr>
+        <p:spPr>
+          <a:xfrm>
+            <a:off x="5362867" y="4293058"/>
+            <a:ext cx="15114152" cy="2205732"/>
+          </a:xfrm>
+          <a:prstGeom prst="rect">
+            <a:avLst/>
+          </a:prstGeom>
+          <a:noFill/>
+          <a:ln w="12700" cap="flat">
+            <a:noFill/>
+            <a:miter lim="400000"/>
+          </a:ln>
+          <a:effectLst/>
+          <a:sp3d/>
+        </p:spPr>
+        <p:style>
+          <a:lnRef idx="0">
+            <a:scrgbClr r="0" g="0" b="0"/>
+          </a:lnRef>
+          <a:fillRef idx="0">
+            <a:scrgbClr r="0" g="0" b="0"/>
+          </a:fillRef>
+          <a:effectRef idx="0">
+            <a:scrgbClr r="0" g="0" b="0"/>
+          </a:effectRef>
+          <a:fontRef idx="none"/>
+        </p:style>
+        <p:txBody>
+          <a:bodyPr rot="0" spcFirstLastPara="1" vertOverflow="overflow" horzOverflow="overflow" vert="horz" wrap="square" lIns="50800" tIns="50800" rIns="50800" bIns="50800" numCol="1" spcCol="38100" rtlCol="0" anchor="ctr">
+            <a:spAutoFit/>
+          </a:bodyPr>
+          <a:lstStyle/>
+          <a:p>
+            <a:pPr algn="just"/>
+            <a:r>
+              <a:rPr lang="es-ES_tradnl" sz="2500" dirty="0">
+                <a:solidFill>
+                  <a:srgbClr val="00000A"/>
+                </a:solidFill>
+                <a:uFill>
+                  <a:solidFill>
+                    <a:srgbClr val="00000A"/>
+                  </a:solidFill>
+                </a:uFill>
+                <a:latin typeface="Helvetica Neue"/>
+                <a:ea typeface="Helvetica Neue"/>
+                <a:cs typeface="Helvetica Neue"/>
+              </a:rPr>
+              <a:t>Ayudarnos de herramientas para la planificación temporal del proyecto tales como diagramas </a:t>
+            </a:r>
+            <a:r>
+              <a:rPr lang="es-ES_tradnl" sz="2500" dirty="0" smtClean="0">
+                <a:solidFill>
+                  <a:srgbClr val="00000A"/>
+                </a:solidFill>
+                <a:uFill>
+                  <a:solidFill>
+                    <a:srgbClr val="00000A"/>
+                  </a:solidFill>
+                </a:uFill>
+                <a:latin typeface="Helvetica Neue"/>
+                <a:ea typeface="Helvetica Neue"/>
+                <a:cs typeface="Helvetica Neue"/>
+              </a:rPr>
+              <a:t>GANTT.</a:t>
+            </a:r>
+            <a:r>
+              <a:rPr lang="es-ES" sz="2500" dirty="0">
+                <a:solidFill>
+                  <a:srgbClr val="00000A"/>
+                </a:solidFill>
+                <a:uFill>
+                  <a:solidFill>
+                    <a:srgbClr val="00000A"/>
+                  </a:solidFill>
+                </a:uFill>
+                <a:latin typeface="Helvetica Neue"/>
+                <a:ea typeface="Helvetica Neue"/>
+                <a:cs typeface="Helvetica Neue"/>
+              </a:rPr>
+              <a:t> </a:t>
+            </a:r>
+            <a:r>
+              <a:rPr lang="es-ES_tradnl" sz="2500" dirty="0" smtClean="0">
+                <a:solidFill>
+                  <a:srgbClr val="00000A"/>
+                </a:solidFill>
+                <a:uFill>
+                  <a:solidFill>
+                    <a:srgbClr val="00000A"/>
+                  </a:solidFill>
+                </a:uFill>
+                <a:latin typeface="Helvetica Neue"/>
+                <a:ea typeface="Helvetica Neue"/>
+                <a:cs typeface="Helvetica Neue"/>
+              </a:rPr>
+              <a:t>Conocer </a:t>
+            </a:r>
+            <a:r>
+              <a:rPr lang="es-ES_tradnl" sz="2500" dirty="0">
+                <a:solidFill>
+                  <a:srgbClr val="00000A"/>
+                </a:solidFill>
+                <a:uFill>
+                  <a:solidFill>
+                    <a:srgbClr val="00000A"/>
+                  </a:solidFill>
+                </a:uFill>
+                <a:latin typeface="Helvetica Neue"/>
+                <a:ea typeface="Helvetica Neue"/>
+                <a:cs typeface="Helvetica Neue"/>
+              </a:rPr>
+              <a:t>bien los recursos con que contamos y su disponibilidad tanto presentes como futuras.</a:t>
+            </a:r>
+            <a:endParaRPr lang="es-ES" sz="2500" dirty="0">
+              <a:solidFill>
+                <a:srgbClr val="00000A"/>
+              </a:solidFill>
+              <a:uFill>
+                <a:solidFill>
+                  <a:srgbClr val="00000A"/>
+                </a:solidFill>
+              </a:uFill>
+              <a:latin typeface="Helvetica Neue"/>
+              <a:ea typeface="Helvetica Neue"/>
+              <a:cs typeface="Helvetica Neue"/>
+            </a:endParaRPr>
+          </a:p>
+          <a:p>
+            <a:pPr marL="0" marR="0" indent="0" algn="l" defTabSz="825500" rtl="0" fontAlgn="auto" latinLnBrk="0" hangingPunct="0">
+              <a:lnSpc>
+                <a:spcPct val="100000"/>
+              </a:lnSpc>
+              <a:spcBef>
+                <a:spcPts val="3400"/>
+              </a:spcBef>
+              <a:spcAft>
+                <a:spcPts val="0"/>
+              </a:spcAft>
+              <a:buClrTx/>
+              <a:buSzTx/>
+              <a:buFontTx/>
+              <a:buNone/>
+              <a:tabLst/>
+            </a:pPr>
+            <a:endParaRPr kumimoji="0" lang="es-ES" sz="3000" b="0" i="0" u="none" strike="noStrike" cap="none" spc="0" normalizeH="0" baseline="0" dirty="0">
+              <a:ln>
+                <a:noFill/>
+              </a:ln>
+              <a:solidFill>
+                <a:srgbClr val="838787"/>
+              </a:solidFill>
+              <a:effectLst/>
+              <a:uFillTx/>
+              <a:latin typeface="Avenir Next Medium"/>
+              <a:ea typeface="Avenir Next Medium"/>
+              <a:cs typeface="Avenir Next Medium"/>
+              <a:sym typeface="Avenir Next Medium"/>
+            </a:endParaRPr>
+          </a:p>
+        </p:txBody>
+      </p:sp>
+      <p:sp>
+        <p:nvSpPr>
+          <p:cNvPr id="13" name="Shape 249"/>
+          <p:cNvSpPr/>
+          <p:nvPr/>
+        </p:nvSpPr>
+        <p:spPr>
+          <a:xfrm>
+            <a:off x="10889673" y="6267025"/>
+            <a:ext cx="3435928" cy="771399"/>
+          </a:xfrm>
+          <a:prstGeom prst="roundRect">
+            <a:avLst>
+              <a:gd name="adj" fmla="val 33536"/>
+            </a:avLst>
+          </a:prstGeom>
+          <a:solidFill>
+            <a:srgbClr val="BA6B89"/>
+          </a:solidFill>
+          <a:ln w="12700">
+            <a:miter lim="400000"/>
+          </a:ln>
+        </p:spPr>
+        <p:txBody>
+          <a:bodyPr lIns="50800" tIns="50800" rIns="50800" bIns="50800" anchor="ctr"/>
+          <a:lstStyle/>
+          <a:p>
+            <a:pPr algn="ctr">
+              <a:lnSpc>
+                <a:spcPct val="80000"/>
+              </a:lnSpc>
+              <a:spcBef>
+                <a:spcPts val="0"/>
+              </a:spcBef>
+              <a:defRPr sz="4000" cap="all">
+                <a:solidFill>
+                  <a:srgbClr val="FFFFFF"/>
+                </a:solidFill>
+                <a:latin typeface="+mn-lt"/>
+                <a:ea typeface="+mn-ea"/>
+                <a:cs typeface="+mn-cs"/>
+                <a:sym typeface="DIN Condensed"/>
+              </a:defRPr>
+            </a:pPr>
+            <a:endParaRPr/>
+          </a:p>
+        </p:txBody>
+      </p:sp>
+      <p:sp>
+        <p:nvSpPr>
+          <p:cNvPr id="14" name="Shape 250"/>
+          <p:cNvSpPr/>
+          <p:nvPr/>
+        </p:nvSpPr>
+        <p:spPr>
+          <a:xfrm>
+            <a:off x="11136879" y="6399032"/>
+            <a:ext cx="3069751" cy="564257"/>
+          </a:xfrm>
+          <a:prstGeom prst="rect">
+            <a:avLst/>
+          </a:prstGeom>
+          <a:ln w="12700">
+            <a:miter lim="400000"/>
+          </a:ln>
+          <a:extLst>
+            <a:ext uri="{C572A759-6A51-4108-AA02-DFA0A04FC94B}">
+              <ma14:wrappingTextBoxFlag xmlns:ma14="http://schemas.microsoft.com/office/mac/drawingml/2011/main" xmlns="" val="1"/>
+            </a:ext>
+          </a:extLst>
+        </p:spPr>
+        <p:txBody>
+          <a:bodyPr wrap="none" lIns="50800" tIns="50800" rIns="50800" bIns="50800" anchor="ctr">
+            <a:spAutoFit/>
+          </a:bodyPr>
+          <a:lstStyle>
+            <a:lvl1pPr>
+              <a:defRPr>
+                <a:solidFill>
+                  <a:srgbClr val="FFFFFF"/>
+                </a:solidFill>
+              </a:defRPr>
+            </a:lvl1pPr>
+          </a:lstStyle>
+          <a:p>
+            <a:pPr lvl="1" indent="0"/>
+            <a:r>
+              <a:rPr lang="es-ES" dirty="0" smtClean="0">
+                <a:solidFill>
+                  <a:srgbClr val="FFFFFF"/>
+                </a:solidFill>
+              </a:rPr>
+              <a:t>2.0.2 Supervisión</a:t>
+            </a:r>
+            <a:endParaRPr lang="es-ES" dirty="0">
+              <a:solidFill>
+                <a:srgbClr val="FFFFFF"/>
+              </a:solidFill>
+            </a:endParaRPr>
+          </a:p>
+        </p:txBody>
+      </p:sp>
+      <p:sp>
+        <p:nvSpPr>
+          <p:cNvPr id="15" name="Shape 230"/>
+          <p:cNvSpPr/>
+          <p:nvPr/>
+        </p:nvSpPr>
+        <p:spPr>
+          <a:xfrm>
+            <a:off x="4809823" y="7427937"/>
+            <a:ext cx="16067821" cy="1282330"/>
+          </a:xfrm>
+          <a:prstGeom prst="roundRect">
+            <a:avLst>
+              <a:gd name="adj" fmla="val 7944"/>
+            </a:avLst>
+          </a:prstGeom>
+          <a:ln w="50800">
+            <a:solidFill>
+              <a:srgbClr val="5B5854"/>
+            </a:solidFill>
+            <a:miter lim="400000"/>
+          </a:ln>
+        </p:spPr>
+        <p:txBody>
+          <a:bodyPr lIns="50800" tIns="50800" rIns="50800" bIns="50800" anchor="ctr"/>
+          <a:lstStyle/>
+          <a:p>
+            <a:pPr algn="ctr">
+              <a:lnSpc>
+                <a:spcPct val="80000"/>
+              </a:lnSpc>
+              <a:spcBef>
+                <a:spcPts val="0"/>
+              </a:spcBef>
+              <a:defRPr sz="100" cap="all">
+                <a:solidFill>
+                  <a:srgbClr val="FFFFFF"/>
+                </a:solidFill>
+                <a:latin typeface="+mn-lt"/>
+                <a:ea typeface="+mn-ea"/>
+                <a:cs typeface="+mn-cs"/>
+                <a:sym typeface="DIN Condensed"/>
+              </a:defRPr>
+            </a:pPr>
+            <a:endParaRPr/>
+          </a:p>
+        </p:txBody>
+      </p:sp>
+      <p:sp>
+        <p:nvSpPr>
+          <p:cNvPr id="16" name="CuadroTexto 15"/>
+          <p:cNvSpPr txBox="1"/>
+          <p:nvPr/>
+        </p:nvSpPr>
+        <p:spPr>
+          <a:xfrm>
+            <a:off x="5362867" y="7112147"/>
+            <a:ext cx="14713527" cy="2128788"/>
+          </a:xfrm>
+          <a:prstGeom prst="rect">
+            <a:avLst/>
+          </a:prstGeom>
+          <a:noFill/>
+          <a:ln w="12700" cap="flat">
+            <a:noFill/>
+            <a:miter lim="400000"/>
+          </a:ln>
+          <a:effectLst/>
+          <a:sp3d/>
+        </p:spPr>
+        <p:style>
+          <a:lnRef idx="0">
+            <a:scrgbClr r="0" g="0" b="0"/>
+          </a:lnRef>
+          <a:fillRef idx="0">
+            <a:scrgbClr r="0" g="0" b="0"/>
+          </a:fillRef>
+          <a:effectRef idx="0">
+            <a:scrgbClr r="0" g="0" b="0"/>
+          </a:effectRef>
+          <a:fontRef idx="none"/>
+        </p:style>
+        <p:txBody>
+          <a:bodyPr rot="0" spcFirstLastPara="1" vertOverflow="overflow" horzOverflow="overflow" vert="horz" wrap="square" lIns="50800" tIns="50800" rIns="50800" bIns="50800" numCol="1" spcCol="38100" rtlCol="0" anchor="ctr">
+            <a:spAutoFit/>
+          </a:bodyPr>
+          <a:lstStyle/>
+          <a:p>
+            <a:pPr algn="just"/>
+            <a:r>
+              <a:rPr lang="es-ES_tradnl" sz="2500" dirty="0">
+                <a:solidFill>
+                  <a:srgbClr val="00000A"/>
+                </a:solidFill>
+                <a:uFill>
+                  <a:solidFill>
+                    <a:srgbClr val="00000A"/>
+                  </a:solidFill>
+                </a:uFill>
+                <a:latin typeface="Helvetica Neue"/>
+                <a:ea typeface="Helvetica Neue"/>
+                <a:cs typeface="Helvetica Neue"/>
+              </a:rPr>
+              <a:t>Controlar los plazos de entrega y fomentar la comunicación entre los integrantes del grupo a fin de evitar duplicidades o dejar temas sin abordar por no tener persona asignada. </a:t>
+            </a:r>
+            <a:endParaRPr lang="es-ES" sz="2500" dirty="0">
+              <a:solidFill>
+                <a:srgbClr val="00000A"/>
+              </a:solidFill>
+              <a:uFill>
+                <a:solidFill>
+                  <a:srgbClr val="00000A"/>
+                </a:solidFill>
+              </a:uFill>
+              <a:latin typeface="Helvetica Neue"/>
+              <a:ea typeface="Helvetica Neue"/>
+              <a:cs typeface="Helvetica Neue"/>
+            </a:endParaRPr>
+          </a:p>
+          <a:p>
+            <a:pPr algn="just"/>
+            <a:endParaRPr lang="es-ES" sz="2500" dirty="0">
+              <a:solidFill>
+                <a:srgbClr val="00000A"/>
+              </a:solidFill>
+              <a:uFill>
+                <a:solidFill>
+                  <a:srgbClr val="00000A"/>
+                </a:solidFill>
+              </a:uFill>
+              <a:latin typeface="Helvetica Neue"/>
+              <a:ea typeface="Helvetica Neue"/>
+              <a:cs typeface="Helvetica Neue"/>
+            </a:endParaRPr>
+          </a:p>
+        </p:txBody>
+      </p:sp>
+      <p:sp>
+        <p:nvSpPr>
+          <p:cNvPr id="17" name="Shape 249"/>
+          <p:cNvSpPr/>
+          <p:nvPr/>
+        </p:nvSpPr>
+        <p:spPr>
+          <a:xfrm>
+            <a:off x="10369535" y="8941008"/>
+            <a:ext cx="4831796" cy="771399"/>
+          </a:xfrm>
+          <a:prstGeom prst="roundRect">
+            <a:avLst>
+              <a:gd name="adj" fmla="val 33536"/>
+            </a:avLst>
+          </a:prstGeom>
+          <a:solidFill>
+            <a:srgbClr val="BA6B89"/>
+          </a:solidFill>
+          <a:ln w="12700">
+            <a:miter lim="400000"/>
+          </a:ln>
+        </p:spPr>
+        <p:txBody>
+          <a:bodyPr lIns="50800" tIns="50800" rIns="50800" bIns="50800" anchor="ctr"/>
+          <a:lstStyle/>
+          <a:p>
+            <a:pPr algn="ctr">
+              <a:lnSpc>
+                <a:spcPct val="80000"/>
+              </a:lnSpc>
+              <a:spcBef>
+                <a:spcPts val="0"/>
+              </a:spcBef>
+              <a:defRPr sz="4000" cap="all">
+                <a:solidFill>
+                  <a:srgbClr val="FFFFFF"/>
+                </a:solidFill>
+                <a:latin typeface="+mn-lt"/>
+                <a:ea typeface="+mn-ea"/>
+                <a:cs typeface="+mn-cs"/>
+                <a:sym typeface="DIN Condensed"/>
+              </a:defRPr>
+            </a:pPr>
+            <a:endParaRPr/>
+          </a:p>
+        </p:txBody>
+      </p:sp>
+      <p:sp>
+        <p:nvSpPr>
+          <p:cNvPr id="18" name="Shape 250"/>
+          <p:cNvSpPr/>
+          <p:nvPr/>
+        </p:nvSpPr>
+        <p:spPr>
+          <a:xfrm>
+            <a:off x="10488502" y="9014731"/>
+            <a:ext cx="4712829" cy="564257"/>
+          </a:xfrm>
+          <a:prstGeom prst="rect">
+            <a:avLst/>
+          </a:prstGeom>
+          <a:ln w="12700">
+            <a:miter lim="400000"/>
+          </a:ln>
+          <a:extLst>
+            <a:ext uri="{C572A759-6A51-4108-AA02-DFA0A04FC94B}">
+              <ma14:wrappingTextBoxFlag xmlns:ma14="http://schemas.microsoft.com/office/mac/drawingml/2011/main" xmlns="" val="1"/>
+            </a:ext>
+          </a:extLst>
+        </p:spPr>
+        <p:txBody>
+          <a:bodyPr wrap="none" lIns="50800" tIns="50800" rIns="50800" bIns="50800" anchor="ctr">
+            <a:spAutoFit/>
+          </a:bodyPr>
+          <a:lstStyle>
+            <a:lvl1pPr>
+              <a:defRPr>
+                <a:solidFill>
+                  <a:srgbClr val="FFFFFF"/>
+                </a:solidFill>
+              </a:defRPr>
+            </a:lvl1pPr>
+          </a:lstStyle>
+          <a:p>
+            <a:pPr lvl="1" indent="0"/>
+            <a:r>
+              <a:rPr lang="es-ES_tradnl" dirty="0" smtClean="0">
+                <a:solidFill>
+                  <a:srgbClr val="FFFFFF"/>
+                </a:solidFill>
+              </a:rPr>
+              <a:t>2.0.3 </a:t>
+            </a:r>
+            <a:r>
+              <a:rPr lang="es-ES" dirty="0">
+                <a:solidFill>
+                  <a:srgbClr val="FFFFFF"/>
+                </a:solidFill>
+              </a:rPr>
+              <a:t>Plan de Contingencia</a:t>
+            </a:r>
+          </a:p>
+        </p:txBody>
+      </p:sp>
+      <p:sp>
+        <p:nvSpPr>
+          <p:cNvPr id="19" name="Shape 230"/>
+          <p:cNvSpPr/>
+          <p:nvPr/>
+        </p:nvSpPr>
+        <p:spPr>
+          <a:xfrm>
+            <a:off x="4809823" y="10115681"/>
+            <a:ext cx="16067821" cy="2447104"/>
+          </a:xfrm>
+          <a:prstGeom prst="roundRect">
+            <a:avLst>
+              <a:gd name="adj" fmla="val 7944"/>
+            </a:avLst>
+          </a:prstGeom>
+          <a:ln w="50800">
+            <a:solidFill>
+              <a:srgbClr val="5B5854"/>
+            </a:solidFill>
+            <a:miter lim="400000"/>
+          </a:ln>
+        </p:spPr>
+        <p:txBody>
+          <a:bodyPr lIns="50800" tIns="50800" rIns="50800" bIns="50800" anchor="ctr"/>
+          <a:lstStyle/>
+          <a:p>
+            <a:pPr algn="ctr">
+              <a:lnSpc>
+                <a:spcPct val="80000"/>
+              </a:lnSpc>
+              <a:spcBef>
+                <a:spcPts val="0"/>
+              </a:spcBef>
+              <a:defRPr sz="100" cap="all">
+                <a:solidFill>
+                  <a:srgbClr val="FFFFFF"/>
+                </a:solidFill>
+                <a:latin typeface="+mn-lt"/>
+                <a:ea typeface="+mn-ea"/>
+                <a:cs typeface="+mn-cs"/>
+                <a:sym typeface="DIN Condensed"/>
+              </a:defRPr>
+            </a:pPr>
+            <a:endParaRPr/>
+          </a:p>
+        </p:txBody>
+      </p:sp>
+      <p:sp>
+        <p:nvSpPr>
+          <p:cNvPr id="20" name="CuadroTexto 19"/>
+          <p:cNvSpPr txBox="1"/>
+          <p:nvPr/>
+        </p:nvSpPr>
+        <p:spPr>
+          <a:xfrm>
+            <a:off x="5362867" y="10170082"/>
+            <a:ext cx="15114152" cy="2590453"/>
+          </a:xfrm>
+          <a:prstGeom prst="rect">
+            <a:avLst/>
+          </a:prstGeom>
+          <a:noFill/>
+          <a:ln w="12700" cap="flat">
+            <a:noFill/>
+            <a:miter lim="400000"/>
+          </a:ln>
+          <a:effectLst/>
+          <a:sp3d/>
+        </p:spPr>
+        <p:style>
+          <a:lnRef idx="0">
+            <a:scrgbClr r="0" g="0" b="0"/>
+          </a:lnRef>
+          <a:fillRef idx="0">
+            <a:scrgbClr r="0" g="0" b="0"/>
+          </a:fillRef>
+          <a:effectRef idx="0">
+            <a:scrgbClr r="0" g="0" b="0"/>
+          </a:effectRef>
+          <a:fontRef idx="none"/>
+        </p:style>
+        <p:txBody>
+          <a:bodyPr rot="0" spcFirstLastPara="1" vertOverflow="overflow" horzOverflow="overflow" vert="horz" wrap="square" lIns="50800" tIns="50800" rIns="50800" bIns="50800" numCol="1" spcCol="38100" rtlCol="0" anchor="ctr">
+            <a:spAutoFit/>
+          </a:bodyPr>
+          <a:lstStyle/>
+          <a:p>
+            <a:r>
+              <a:rPr lang="es-ES" sz="2500" dirty="0">
+                <a:solidFill>
+                  <a:srgbClr val="00000A"/>
+                </a:solidFill>
+                <a:uFill>
+                  <a:solidFill>
+                    <a:srgbClr val="00000A"/>
+                  </a:solidFill>
+                </a:uFill>
+                <a:latin typeface="Helvetica Neue"/>
+                <a:ea typeface="Helvetica Neue"/>
+                <a:cs typeface="Helvetica Neue"/>
+              </a:rPr>
+              <a:t>Redimensionar la carga de trabajo de manera equitativa entre los integrantes con el fin de </a:t>
+            </a:r>
+            <a:r>
+              <a:rPr lang="es-ES" sz="2500" dirty="0" smtClean="0">
+                <a:solidFill>
+                  <a:srgbClr val="00000A"/>
+                </a:solidFill>
+                <a:uFill>
+                  <a:solidFill>
+                    <a:srgbClr val="00000A"/>
+                  </a:solidFill>
+                </a:uFill>
+                <a:latin typeface="Helvetica Neue"/>
+                <a:ea typeface="Helvetica Neue"/>
+                <a:cs typeface="Helvetica Neue"/>
+              </a:rPr>
+              <a:t>cumplir los </a:t>
+            </a:r>
+            <a:r>
+              <a:rPr lang="es-ES" sz="2500" dirty="0">
+                <a:solidFill>
+                  <a:srgbClr val="00000A"/>
+                </a:solidFill>
+                <a:uFill>
+                  <a:solidFill>
+                    <a:srgbClr val="00000A"/>
+                  </a:solidFill>
+                </a:uFill>
+                <a:latin typeface="Helvetica Neue"/>
+                <a:ea typeface="Helvetica Neue"/>
+                <a:cs typeface="Helvetica Neue"/>
+              </a:rPr>
+              <a:t>plazos </a:t>
+            </a:r>
+            <a:r>
+              <a:rPr lang="es-ES" sz="2500" dirty="0" smtClean="0">
+                <a:solidFill>
+                  <a:srgbClr val="00000A"/>
+                </a:solidFill>
+                <a:uFill>
+                  <a:solidFill>
+                    <a:srgbClr val="00000A"/>
+                  </a:solidFill>
+                </a:uFill>
+                <a:latin typeface="Helvetica Neue"/>
+                <a:ea typeface="Helvetica Neue"/>
+                <a:cs typeface="Helvetica Neue"/>
+              </a:rPr>
+              <a:t>estimados.                                                                                                                                         Reconfigurar </a:t>
+            </a:r>
+            <a:r>
+              <a:rPr lang="es-ES" sz="2500" dirty="0">
+                <a:solidFill>
+                  <a:srgbClr val="00000A"/>
+                </a:solidFill>
+                <a:uFill>
+                  <a:solidFill>
+                    <a:srgbClr val="00000A"/>
+                  </a:solidFill>
+                </a:uFill>
+                <a:latin typeface="Helvetica Neue"/>
+                <a:ea typeface="Helvetica Neue"/>
+                <a:cs typeface="Helvetica Neue"/>
+              </a:rPr>
+              <a:t>parte del proyecto para poder simplificar o modificar o eliminar algún aspecto del mismo.</a:t>
+            </a:r>
+          </a:p>
+          <a:p>
+            <a:pPr marL="0" marR="0" indent="0" algn="l" defTabSz="825500" rtl="0" fontAlgn="auto" latinLnBrk="0" hangingPunct="0">
+              <a:lnSpc>
+                <a:spcPct val="100000"/>
+              </a:lnSpc>
+              <a:spcBef>
+                <a:spcPts val="3400"/>
+              </a:spcBef>
+              <a:spcAft>
+                <a:spcPts val="0"/>
+              </a:spcAft>
+              <a:buClrTx/>
+              <a:buSzTx/>
+              <a:buFontTx/>
+              <a:buNone/>
+              <a:tabLst/>
+            </a:pPr>
+            <a:endParaRPr kumimoji="0" lang="es-ES" sz="3000" b="0" i="0" u="none" strike="noStrike" cap="none" spc="0" normalizeH="0" baseline="0" dirty="0">
+              <a:ln>
+                <a:noFill/>
+              </a:ln>
+              <a:solidFill>
+                <a:srgbClr val="838787"/>
+              </a:solidFill>
+              <a:effectLst/>
+              <a:uFillTx/>
+              <a:latin typeface="Avenir Next Medium"/>
+              <a:ea typeface="Avenir Next Medium"/>
+              <a:cs typeface="Avenir Next Medium"/>
+              <a:sym typeface="Avenir Next Medium"/>
+            </a:endParaRPr>
+          </a:p>
+        </p:txBody>
+      </p:sp>
+    </p:spTree>
+    <p:extLst>
+      <p:ext uri="{BB962C8B-B14F-4D97-AF65-F5344CB8AC3E}">
+        <p14:creationId xmlns:p14="http://schemas.microsoft.com/office/powerpoint/2010/main" val="52790690"/>
+      </p:ext>
+    </p:extLst>
+  </p:cSld>
+  <p:clrMapOvr>
+    <a:masterClrMapping/>
+  </p:clrMapOvr>
+  <p:transition spd="med"/>
+  <p:timing>
+    <p:tnLst>
+      <p:par>
+        <p:cTn id="1" dur="indefinite" restart="never" nodeType="tmRoot"/>
+      </p:par>
+    </p:tnLst>
+  </p:timing>
+</p:sld>
+</file>
+
+<file path=ppt/slides/slide13.xml><?xml version="1.0" encoding="utf-8"?>
+<p:sld xmlns:a="http://schemas.openxmlformats.org/drawingml/2006/main" xmlns:r="http://schemas.openxmlformats.org/officeDocument/2006/relationships" xmlns:p="http://schemas.openxmlformats.org/presentationml/2006/main">
+  <p:cSld>
+    <p:spTree>
+      <p:nvGrpSpPr>
+        <p:cNvPr id="1" name=""/>
+        <p:cNvGrpSpPr/>
+        <p:nvPr/>
+      </p:nvGrpSpPr>
+      <p:grpSpPr>
+        <a:xfrm>
+          <a:off x="0" y="0"/>
+          <a:ext cx="0" cy="0"/>
+          <a:chOff x="0" y="0"/>
+          <a:chExt cx="0" cy="0"/>
+        </a:xfrm>
+      </p:grpSpPr>
+      <p:pic>
+        <p:nvPicPr>
+          <p:cNvPr id="244" name="pasted-image.tiff"/>
+          <p:cNvPicPr>
+            <a:picLocks noChangeAspect="1"/>
+          </p:cNvPicPr>
+          <p:nvPr/>
+        </p:nvPicPr>
+        <p:blipFill>
+          <a:blip r:embed="rId2">
+            <a:extLst/>
+          </a:blip>
+          <a:stretch>
+            <a:fillRect/>
+          </a:stretch>
+        </p:blipFill>
+        <p:spPr>
+          <a:xfrm>
+            <a:off x="-816206" y="-529723"/>
+            <a:ext cx="26829216" cy="2397845"/>
+          </a:xfrm>
+          <a:prstGeom prst="rect">
+            <a:avLst/>
+          </a:prstGeom>
+          <a:ln w="12700">
+            <a:miter lim="400000"/>
+          </a:ln>
+        </p:spPr>
+      </p:pic>
+      <p:pic>
+        <p:nvPicPr>
+          <p:cNvPr id="245" name="pasted-image.tiff"/>
+          <p:cNvPicPr>
+            <a:picLocks noChangeAspect="1"/>
+          </p:cNvPicPr>
+          <p:nvPr/>
+        </p:nvPicPr>
+        <p:blipFill>
+          <a:blip r:embed="rId3">
+            <a:extLst/>
+          </a:blip>
+          <a:stretch>
+            <a:fillRect/>
+          </a:stretch>
+        </p:blipFill>
+        <p:spPr>
+          <a:xfrm>
+            <a:off x="20120528" y="596900"/>
+            <a:ext cx="2416329" cy="766806"/>
+          </a:xfrm>
+          <a:prstGeom prst="rect">
+            <a:avLst/>
+          </a:prstGeom>
+          <a:ln w="12700">
+            <a:miter lim="400000"/>
+          </a:ln>
+        </p:spPr>
+      </p:pic>
+      <p:sp>
+        <p:nvSpPr>
+          <p:cNvPr id="247" name="Shape 247"/>
+          <p:cNvSpPr/>
+          <p:nvPr/>
+        </p:nvSpPr>
+        <p:spPr>
+          <a:xfrm>
+            <a:off x="1044066" y="500292"/>
+            <a:ext cx="5392502" cy="795089"/>
+          </a:xfrm>
+          <a:prstGeom prst="rect">
+            <a:avLst/>
+          </a:prstGeom>
+          <a:ln w="12700">
+            <a:miter lim="400000"/>
+          </a:ln>
+          <a:extLst>
+            <a:ext uri="{C572A759-6A51-4108-AA02-DFA0A04FC94B}">
+              <ma14:wrappingTextBoxFlag xmlns:ma14="http://schemas.microsoft.com/office/mac/drawingml/2011/main" xmlns="" val="1"/>
+            </a:ext>
+          </a:extLst>
+        </p:spPr>
+        <p:txBody>
+          <a:bodyPr wrap="none" lIns="50800" tIns="50800" rIns="50800" bIns="50800" anchor="ctr">
+            <a:spAutoFit/>
+          </a:bodyPr>
+          <a:lstStyle>
+            <a:lvl1pPr>
+              <a:defRPr sz="4500">
+                <a:solidFill>
+                  <a:srgbClr val="FFFFFF"/>
+                </a:solidFill>
+                <a:latin typeface="Helvetica Neue"/>
+                <a:ea typeface="Helvetica Neue"/>
+                <a:cs typeface="Helvetica Neue"/>
+                <a:sym typeface="Helvetica Neue"/>
+              </a:defRPr>
+            </a:lvl1pPr>
+          </a:lstStyle>
+          <a:p>
+            <a:r>
+              <a:rPr lang="es-ES" dirty="0" smtClean="0"/>
+              <a:t>3</a:t>
+            </a:r>
+            <a:r>
+              <a:rPr dirty="0" smtClean="0"/>
+              <a:t>. </a:t>
+            </a:r>
+            <a:r>
+              <a:rPr lang="pt-PT" dirty="0"/>
+              <a:t>G</a:t>
+            </a:r>
+            <a:r>
+              <a:rPr lang="pt-PT" dirty="0" smtClean="0"/>
+              <a:t>esti</a:t>
+            </a:r>
+            <a:r>
+              <a:rPr lang="es-ES_tradnl" dirty="0" err="1"/>
+              <a:t>ón</a:t>
+            </a:r>
+            <a:r>
+              <a:rPr lang="es-ES_tradnl" dirty="0"/>
+              <a:t> del riesgo</a:t>
+            </a:r>
+            <a:endParaRPr dirty="0"/>
+          </a:p>
+        </p:txBody>
+      </p:sp>
+      <p:sp>
+        <p:nvSpPr>
+          <p:cNvPr id="249" name="Shape 249"/>
+          <p:cNvSpPr/>
+          <p:nvPr/>
+        </p:nvSpPr>
+        <p:spPr>
+          <a:xfrm>
+            <a:off x="8651067" y="2219816"/>
+            <a:ext cx="8298727" cy="771399"/>
+          </a:xfrm>
+          <a:prstGeom prst="roundRect">
+            <a:avLst>
+              <a:gd name="adj" fmla="val 33536"/>
+            </a:avLst>
+          </a:prstGeom>
+          <a:solidFill>
+            <a:srgbClr val="BA6B89"/>
+          </a:solidFill>
+          <a:ln w="12700">
+            <a:miter lim="400000"/>
+          </a:ln>
+        </p:spPr>
+        <p:txBody>
+          <a:bodyPr lIns="50800" tIns="50800" rIns="50800" bIns="50800" anchor="ctr"/>
+          <a:lstStyle/>
+          <a:p>
+            <a:pPr algn="ctr">
+              <a:lnSpc>
+                <a:spcPct val="80000"/>
+              </a:lnSpc>
+              <a:spcBef>
+                <a:spcPts val="0"/>
+              </a:spcBef>
+              <a:defRPr sz="4000" cap="all">
+                <a:solidFill>
+                  <a:srgbClr val="FFFFFF"/>
+                </a:solidFill>
+                <a:latin typeface="+mn-lt"/>
+                <a:ea typeface="+mn-ea"/>
+                <a:cs typeface="+mn-cs"/>
+                <a:sym typeface="DIN Condensed"/>
+              </a:defRPr>
+            </a:pPr>
+            <a:endParaRPr/>
+          </a:p>
+        </p:txBody>
+      </p:sp>
+      <p:sp>
+        <p:nvSpPr>
+          <p:cNvPr id="250" name="Shape 250"/>
+          <p:cNvSpPr/>
+          <p:nvPr/>
+        </p:nvSpPr>
+        <p:spPr>
+          <a:xfrm>
+            <a:off x="9345107" y="2323386"/>
+            <a:ext cx="6506589" cy="564257"/>
+          </a:xfrm>
+          <a:prstGeom prst="rect">
+            <a:avLst/>
+          </a:prstGeom>
+          <a:ln w="12700">
+            <a:miter lim="400000"/>
+          </a:ln>
+          <a:extLst>
+            <a:ext uri="{C572A759-6A51-4108-AA02-DFA0A04FC94B}">
+              <ma14:wrappingTextBoxFlag xmlns:ma14="http://schemas.microsoft.com/office/mac/drawingml/2011/main" xmlns="" val="1"/>
+            </a:ext>
+          </a:extLst>
+        </p:spPr>
+        <p:txBody>
+          <a:bodyPr wrap="none" lIns="50800" tIns="50800" rIns="50800" bIns="50800" anchor="ctr">
+            <a:spAutoFit/>
+          </a:bodyPr>
+          <a:lstStyle>
+            <a:lvl1pPr>
+              <a:defRPr>
+                <a:solidFill>
+                  <a:srgbClr val="FFFFFF"/>
+                </a:solidFill>
+              </a:defRPr>
+            </a:lvl1pPr>
+          </a:lstStyle>
+          <a:p>
+            <a:pPr lvl="1" indent="0"/>
+            <a:r>
+              <a:rPr lang="es-ES" dirty="0">
+                <a:solidFill>
+                  <a:srgbClr val="FFFFFF"/>
+                </a:solidFill>
+              </a:rPr>
+              <a:t>2.1 Riesgo: Fallos de implementación</a:t>
+            </a:r>
+          </a:p>
+        </p:txBody>
+      </p:sp>
+      <p:sp>
+        <p:nvSpPr>
+          <p:cNvPr id="4" name="Marcador de número de diapositiva 3"/>
+          <p:cNvSpPr>
+            <a:spLocks noGrp="1"/>
+          </p:cNvSpPr>
+          <p:nvPr>
+            <p:ph type="sldNum" sz="quarter" idx="2"/>
+          </p:nvPr>
+        </p:nvSpPr>
+        <p:spPr/>
+        <p:txBody>
+          <a:bodyPr/>
+          <a:lstStyle/>
+          <a:p>
+            <a:fld id="{86CB4B4D-7CA3-9044-876B-883B54F8677D}" type="slidenum">
+              <a:rPr lang="es-ES" smtClean="0"/>
+              <a:t>13</a:t>
+            </a:fld>
+            <a:endParaRPr lang="es-ES"/>
+          </a:p>
+        </p:txBody>
+      </p:sp>
+      <p:sp>
+        <p:nvSpPr>
+          <p:cNvPr id="9" name="Shape 249"/>
+          <p:cNvSpPr/>
+          <p:nvPr/>
+        </p:nvSpPr>
+        <p:spPr>
+          <a:xfrm>
+            <a:off x="10889673" y="3342909"/>
+            <a:ext cx="3435928" cy="771399"/>
+          </a:xfrm>
+          <a:prstGeom prst="roundRect">
+            <a:avLst>
+              <a:gd name="adj" fmla="val 33536"/>
+            </a:avLst>
+          </a:prstGeom>
+          <a:solidFill>
+            <a:srgbClr val="BA6B89"/>
+          </a:solidFill>
+          <a:ln w="12700">
+            <a:miter lim="400000"/>
+          </a:ln>
+        </p:spPr>
+        <p:txBody>
+          <a:bodyPr lIns="50800" tIns="50800" rIns="50800" bIns="50800" anchor="ctr"/>
+          <a:lstStyle/>
+          <a:p>
+            <a:pPr algn="ctr">
+              <a:lnSpc>
+                <a:spcPct val="80000"/>
+              </a:lnSpc>
+              <a:spcBef>
+                <a:spcPts val="0"/>
+              </a:spcBef>
+              <a:defRPr sz="4000" cap="all">
+                <a:solidFill>
+                  <a:srgbClr val="FFFFFF"/>
+                </a:solidFill>
+                <a:latin typeface="+mn-lt"/>
+                <a:ea typeface="+mn-ea"/>
+                <a:cs typeface="+mn-cs"/>
+                <a:sym typeface="DIN Condensed"/>
+              </a:defRPr>
+            </a:pPr>
+            <a:endParaRPr/>
+          </a:p>
+        </p:txBody>
+      </p:sp>
+      <p:sp>
+        <p:nvSpPr>
+          <p:cNvPr id="10" name="Shape 250"/>
+          <p:cNvSpPr/>
+          <p:nvPr/>
+        </p:nvSpPr>
+        <p:spPr>
+          <a:xfrm>
+            <a:off x="11233060" y="3446479"/>
+            <a:ext cx="2877391" cy="564257"/>
+          </a:xfrm>
+          <a:prstGeom prst="rect">
+            <a:avLst/>
+          </a:prstGeom>
+          <a:ln w="12700">
+            <a:miter lim="400000"/>
+          </a:ln>
+          <a:extLst>
+            <a:ext uri="{C572A759-6A51-4108-AA02-DFA0A04FC94B}">
+              <ma14:wrappingTextBoxFlag xmlns:ma14="http://schemas.microsoft.com/office/mac/drawingml/2011/main" xmlns="" val="1"/>
             </a:ext>
           </a:extLst>
         </p:spPr>
@@ -9814,7 +11221,7 @@
           </a:ln>
           <a:extLst>
             <a:ext uri="{C572A759-6A51-4108-AA02-DFA0A04FC94B}">
-              <ma14:wrappingTextBoxFlag xmlns="" xmlns:ma14="http://schemas.microsoft.com/office/mac/drawingml/2011/main" val="1"/>
+              <ma14:wrappingTextBoxFlag xmlns:ma14="http://schemas.microsoft.com/office/mac/drawingml/2011/main" xmlns="" val="1"/>
             </a:ext>
           </a:extLst>
         </p:spPr>
@@ -9839,15 +11246,7 @@
                   <a:srgbClr val="FFFFFF"/>
                 </a:solidFill>
               </a:rPr>
-              <a:t>2.1.2 </a:t>
-            </a:r>
-            <a:r>
-              <a:rPr lang="es-ES" dirty="0" smtClean="0">
-                <a:solidFill>
-                  <a:srgbClr val="FFFFFF"/>
-                </a:solidFill>
-              </a:rPr>
-              <a:t>Supervisión</a:t>
+              <a:t>2.1.2 Supervisión</a:t>
             </a:r>
             <a:endParaRPr lang="es-ES" dirty="0">
               <a:solidFill>
@@ -9962,19 +11361,6 @@
               </a:rPr>
               <a:t>Diseñar una batería de pruebas para poder medir el correcto funcionamiento del sistema.</a:t>
             </a:r>
-            <a:endParaRPr lang="es-ES" sz="2500" dirty="0">
-              <a:solidFill>
-                <a:srgbClr val="00000A"/>
-              </a:solidFill>
-              <a:uFill>
-                <a:solidFill>
-                  <a:srgbClr val="00000A"/>
-                </a:solidFill>
-              </a:uFill>
-              <a:latin typeface="Helvetica Neue"/>
-              <a:ea typeface="Helvetica Neue"/>
-              <a:cs typeface="Helvetica Neue"/>
-            </a:endParaRPr>
           </a:p>
         </p:txBody>
       </p:sp>
@@ -10045,7 +11431,7 @@
           </a:ln>
           <a:extLst>
             <a:ext uri="{C572A759-6A51-4108-AA02-DFA0A04FC94B}">
-              <ma14:wrappingTextBoxFlag xmlns="" xmlns:ma14="http://schemas.microsoft.com/office/mac/drawingml/2011/main" val="1"/>
+              <ma14:wrappingTextBoxFlag xmlns:ma14="http://schemas.microsoft.com/office/mac/drawingml/2011/main" xmlns="" val="1"/>
             </a:ext>
           </a:extLst>
         </p:spPr>
@@ -10212,7 +11598,7 @@
 </p:sld>
 </file>
 
-<file path=ppt/slides/slide13.xml><?xml version="1.0" encoding="utf-8"?>
+<file path=ppt/slides/slide14.xml><?xml version="1.0" encoding="utf-8"?>
 <p:sld xmlns:a="http://schemas.openxmlformats.org/drawingml/2006/main" xmlns:r="http://schemas.openxmlformats.org/officeDocument/2006/relationships" xmlns:p="http://schemas.openxmlformats.org/presentationml/2006/main">
   <p:cSld>
     <p:spTree>
@@ -10306,7 +11692,7 @@
           </a:ln>
           <a:extLst>
             <a:ext uri="{C572A759-6A51-4108-AA02-DFA0A04FC94B}">
-              <ma14:wrappingTextBoxFlag xmlns="" xmlns:ma14="http://schemas.microsoft.com/office/mac/drawingml/2011/main" val="1"/>
+              <ma14:wrappingTextBoxFlag xmlns:ma14="http://schemas.microsoft.com/office/mac/drawingml/2011/main" xmlns="" val="1"/>
             </a:ext>
           </a:extLst>
         </p:spPr>
@@ -10401,7 +11787,7 @@
           </a:ln>
           <a:extLst>
             <a:ext uri="{C572A759-6A51-4108-AA02-DFA0A04FC94B}">
-              <ma14:wrappingTextBoxFlag xmlns="" xmlns:ma14="http://schemas.microsoft.com/office/mac/drawingml/2011/main" val="1"/>
+              <ma14:wrappingTextBoxFlag xmlns:ma14="http://schemas.microsoft.com/office/mac/drawingml/2011/main" xmlns="" val="1"/>
             </a:ext>
           </a:extLst>
         </p:spPr>
@@ -10504,7 +11890,7 @@
           <a:p>
             <a:fld id="{86CB4B4D-7CA3-9044-876B-883B54F8677D}" type="slidenum">
               <a:rPr lang="es-ES" smtClean="0"/>
-              <a:t>13</a:t>
+              <a:t>14</a:t>
             </a:fld>
             <a:endParaRPr lang="es-ES"/>
           </a:p>
@@ -10526,7 +11912,7 @@
 </p:sld>
 </file>
 
-<file path=ppt/slides/slide14.xml><?xml version="1.0" encoding="utf-8"?>
+<file path=ppt/slides/slide15.xml><?xml version="1.0" encoding="utf-8"?>
 <p:sld xmlns:a="http://schemas.openxmlformats.org/drawingml/2006/main" xmlns:r="http://schemas.openxmlformats.org/officeDocument/2006/relationships" xmlns:p="http://schemas.openxmlformats.org/presentationml/2006/main">
   <p:cSld>
     <p:spTree>
@@ -10620,7 +12006,7 @@
           </a:ln>
           <a:extLst>
             <a:ext uri="{C572A759-6A51-4108-AA02-DFA0A04FC94B}">
-              <ma14:wrappingTextBoxFlag xmlns="" xmlns:ma14="http://schemas.microsoft.com/office/mac/drawingml/2011/main" val="1"/>
+              <ma14:wrappingTextBoxFlag xmlns:ma14="http://schemas.microsoft.com/office/mac/drawingml/2011/main" xmlns="" val="1"/>
             </a:ext>
           </a:extLst>
         </p:spPr>
@@ -10661,7 +12047,7 @@
           </a:ln>
           <a:extLst>
             <a:ext uri="{C572A759-6A51-4108-AA02-DFA0A04FC94B}">
-              <ma14:wrappingTextBoxFlag xmlns="" xmlns:ma14="http://schemas.microsoft.com/office/mac/drawingml/2011/main" val="1"/>
+              <ma14:wrappingTextBoxFlag xmlns:ma14="http://schemas.microsoft.com/office/mac/drawingml/2011/main" xmlns="" val="1"/>
             </a:ext>
           </a:extLst>
         </p:spPr>
@@ -10756,7 +12142,7 @@
           </a:ln>
           <a:extLst>
             <a:ext uri="{C572A759-6A51-4108-AA02-DFA0A04FC94B}">
-              <ma14:wrappingTextBoxFlag xmlns="" xmlns:ma14="http://schemas.microsoft.com/office/mac/drawingml/2011/main" val="1"/>
+              <ma14:wrappingTextBoxFlag xmlns:ma14="http://schemas.microsoft.com/office/mac/drawingml/2011/main" xmlns="" val="1"/>
             </a:ext>
           </a:extLst>
         </p:spPr>
@@ -10943,7 +12329,7 @@
           </a:ln>
           <a:extLst>
             <a:ext uri="{C572A759-6A51-4108-AA02-DFA0A04FC94B}">
-              <ma14:wrappingTextBoxFlag xmlns="" xmlns:ma14="http://schemas.microsoft.com/office/mac/drawingml/2011/main" val="1"/>
+              <ma14:wrappingTextBoxFlag xmlns:ma14="http://schemas.microsoft.com/office/mac/drawingml/2011/main" xmlns="" val="1"/>
             </a:ext>
           </a:extLst>
         </p:spPr>
@@ -11189,7 +12575,7 @@
           </a:ln>
           <a:extLst>
             <a:ext uri="{C572A759-6A51-4108-AA02-DFA0A04FC94B}">
-              <ma14:wrappingTextBoxFlag xmlns="" xmlns:ma14="http://schemas.microsoft.com/office/mac/drawingml/2011/main" val="1"/>
+              <ma14:wrappingTextBoxFlag xmlns:ma14="http://schemas.microsoft.com/office/mac/drawingml/2011/main" xmlns="" val="1"/>
             </a:ext>
           </a:extLst>
         </p:spPr>
@@ -11370,7 +12756,7 @@
           </a:ln>
           <a:extLst>
             <a:ext uri="{C572A759-6A51-4108-AA02-DFA0A04FC94B}">
-              <ma14:wrappingTextBoxFlag xmlns="" xmlns:ma14="http://schemas.microsoft.com/office/mac/drawingml/2011/main" val="1"/>
+              <ma14:wrappingTextBoxFlag xmlns:ma14="http://schemas.microsoft.com/office/mac/drawingml/2011/main" xmlns="" val="1"/>
             </a:ext>
           </a:extLst>
         </p:spPr>
@@ -11483,7 +12869,7 @@
           <a:p>
             <a:fld id="{86CB4B4D-7CA3-9044-876B-883B54F8677D}" type="slidenum">
               <a:rPr lang="es-ES" smtClean="0"/>
-              <a:t>14</a:t>
+              <a:t>15</a:t>
             </a:fld>
             <a:endParaRPr lang="es-ES"/>
           </a:p>
@@ -11505,7 +12891,7 @@
 </p:sld>
 </file>
 
-<file path=ppt/slides/slide15.xml><?xml version="1.0" encoding="utf-8"?>
+<file path=ppt/slides/slide16.xml><?xml version="1.0" encoding="utf-8"?>
 <p:sld xmlns:a="http://schemas.openxmlformats.org/drawingml/2006/main" xmlns:r="http://schemas.openxmlformats.org/officeDocument/2006/relationships" xmlns:p="http://schemas.openxmlformats.org/presentationml/2006/main">
   <p:cSld>
     <p:spTree>
@@ -11599,7 +12985,7 @@
           </a:ln>
           <a:extLst>
             <a:ext uri="{C572A759-6A51-4108-AA02-DFA0A04FC94B}">
-              <ma14:wrappingTextBoxFlag xmlns="" xmlns:ma14="http://schemas.microsoft.com/office/mac/drawingml/2011/main" val="1"/>
+              <ma14:wrappingTextBoxFlag xmlns:ma14="http://schemas.microsoft.com/office/mac/drawingml/2011/main" xmlns="" val="1"/>
             </a:ext>
           </a:extLst>
         </p:spPr>
@@ -11694,7 +13080,7 @@
           </a:ln>
           <a:extLst>
             <a:ext uri="{C572A759-6A51-4108-AA02-DFA0A04FC94B}">
-              <ma14:wrappingTextBoxFlag xmlns="" xmlns:ma14="http://schemas.microsoft.com/office/mac/drawingml/2011/main" val="1"/>
+              <ma14:wrappingTextBoxFlag xmlns:ma14="http://schemas.microsoft.com/office/mac/drawingml/2011/main" xmlns="" val="1"/>
             </a:ext>
           </a:extLst>
         </p:spPr>
@@ -11785,7 +13171,7 @@
           </a:ln>
           <a:extLst>
             <a:ext uri="{C572A759-6A51-4108-AA02-DFA0A04FC94B}">
-              <ma14:wrappingTextBoxFlag xmlns="" xmlns:ma14="http://schemas.microsoft.com/office/mac/drawingml/2011/main" val="1"/>
+              <ma14:wrappingTextBoxFlag xmlns:ma14="http://schemas.microsoft.com/office/mac/drawingml/2011/main" xmlns="" val="1"/>
             </a:ext>
           </a:extLst>
         </p:spPr>
@@ -11920,7 +13306,7 @@
           </a:ln>
           <a:extLst>
             <a:ext uri="{C572A759-6A51-4108-AA02-DFA0A04FC94B}">
-              <ma14:wrappingTextBoxFlag xmlns="" xmlns:ma14="http://schemas.microsoft.com/office/mac/drawingml/2011/main" val="1"/>
+              <ma14:wrappingTextBoxFlag xmlns:ma14="http://schemas.microsoft.com/office/mac/drawingml/2011/main" xmlns="" val="1"/>
             </a:ext>
           </a:extLst>
         </p:spPr>
@@ -11978,7 +13364,7 @@
           </a:ln>
           <a:extLst>
             <a:ext uri="{C572A759-6A51-4108-AA02-DFA0A04FC94B}">
-              <ma14:wrappingTextBoxFlag xmlns="" xmlns:ma14="http://schemas.microsoft.com/office/mac/drawingml/2011/main" val="1"/>
+              <ma14:wrappingTextBoxFlag xmlns:ma14="http://schemas.microsoft.com/office/mac/drawingml/2011/main" xmlns="" val="1"/>
             </a:ext>
           </a:extLst>
         </p:spPr>
@@ -12067,7 +13453,7 @@
           <a:p>
             <a:fld id="{86CB4B4D-7CA3-9044-876B-883B54F8677D}" type="slidenum">
               <a:rPr lang="es-ES" smtClean="0"/>
-              <a:t>15</a:t>
+              <a:t>16</a:t>
             </a:fld>
             <a:endParaRPr lang="es-ES"/>
           </a:p>
@@ -12089,7 +13475,7 @@
 </p:sld>
 </file>
 
-<file path=ppt/slides/slide16.xml><?xml version="1.0" encoding="utf-8"?>
+<file path=ppt/slides/slide17.xml><?xml version="1.0" encoding="utf-8"?>
 <p:sld xmlns:a="http://schemas.openxmlformats.org/drawingml/2006/main" xmlns:r="http://schemas.openxmlformats.org/officeDocument/2006/relationships" xmlns:p="http://schemas.openxmlformats.org/presentationml/2006/main">
   <p:cSld>
     <p:spTree>
@@ -12183,7 +13569,7 @@
           </a:ln>
           <a:extLst>
             <a:ext uri="{C572A759-6A51-4108-AA02-DFA0A04FC94B}">
-              <ma14:wrappingTextBoxFlag xmlns="" xmlns:ma14="http://schemas.microsoft.com/office/mac/drawingml/2011/main" val="1"/>
+              <ma14:wrappingTextBoxFlag xmlns:ma14="http://schemas.microsoft.com/office/mac/drawingml/2011/main" xmlns="" val="1"/>
             </a:ext>
           </a:extLst>
         </p:spPr>
@@ -12224,7 +13610,7 @@
           </a:ln>
           <a:extLst>
             <a:ext uri="{C572A759-6A51-4108-AA02-DFA0A04FC94B}">
-              <ma14:wrappingTextBoxFlag xmlns="" xmlns:ma14="http://schemas.microsoft.com/office/mac/drawingml/2011/main" val="1"/>
+              <ma14:wrappingTextBoxFlag xmlns:ma14="http://schemas.microsoft.com/office/mac/drawingml/2011/main" xmlns="" val="1"/>
             </a:ext>
           </a:extLst>
         </p:spPr>
@@ -12319,7 +13705,7 @@
           </a:ln>
           <a:extLst>
             <a:ext uri="{C572A759-6A51-4108-AA02-DFA0A04FC94B}">
-              <ma14:wrappingTextBoxFlag xmlns="" xmlns:ma14="http://schemas.microsoft.com/office/mac/drawingml/2011/main" val="1"/>
+              <ma14:wrappingTextBoxFlag xmlns:ma14="http://schemas.microsoft.com/office/mac/drawingml/2011/main" xmlns="" val="1"/>
             </a:ext>
           </a:extLst>
         </p:spPr>
@@ -12410,7 +13796,7 @@
           </a:ln>
           <a:extLst>
             <a:ext uri="{C572A759-6A51-4108-AA02-DFA0A04FC94B}">
-              <ma14:wrappingTextBoxFlag xmlns="" xmlns:ma14="http://schemas.microsoft.com/office/mac/drawingml/2011/main" val="1"/>
+              <ma14:wrappingTextBoxFlag xmlns:ma14="http://schemas.microsoft.com/office/mac/drawingml/2011/main" xmlns="" val="1"/>
             </a:ext>
           </a:extLst>
         </p:spPr>
@@ -12516,7 +13902,7 @@
           </a:ln>
           <a:extLst>
             <a:ext uri="{C572A759-6A51-4108-AA02-DFA0A04FC94B}">
-              <ma14:wrappingTextBoxFlag xmlns="" xmlns:ma14="http://schemas.microsoft.com/office/mac/drawingml/2011/main" val="1"/>
+              <ma14:wrappingTextBoxFlag xmlns:ma14="http://schemas.microsoft.com/office/mac/drawingml/2011/main" xmlns="" val="1"/>
             </a:ext>
           </a:extLst>
         </p:spPr>
@@ -12574,7 +13960,7 @@
           </a:ln>
           <a:extLst>
             <a:ext uri="{C572A759-6A51-4108-AA02-DFA0A04FC94B}">
-              <ma14:wrappingTextBoxFlag xmlns="" xmlns:ma14="http://schemas.microsoft.com/office/mac/drawingml/2011/main" val="1"/>
+              <ma14:wrappingTextBoxFlag xmlns:ma14="http://schemas.microsoft.com/office/mac/drawingml/2011/main" xmlns="" val="1"/>
             </a:ext>
           </a:extLst>
         </p:spPr>
@@ -12694,7 +14080,7 @@
           </a:ln>
           <a:extLst>
             <a:ext uri="{C572A759-6A51-4108-AA02-DFA0A04FC94B}">
-              <ma14:wrappingTextBoxFlag xmlns="" xmlns:ma14="http://schemas.microsoft.com/office/mac/drawingml/2011/main" val="1"/>
+              <ma14:wrappingTextBoxFlag xmlns:ma14="http://schemas.microsoft.com/office/mac/drawingml/2011/main" xmlns="" val="1"/>
             </a:ext>
           </a:extLst>
         </p:spPr>
@@ -13812,7 +15198,7 @@
           <a:p>
             <a:fld id="{86CB4B4D-7CA3-9044-876B-883B54F8677D}" type="slidenum">
               <a:rPr lang="es-ES" smtClean="0"/>
-              <a:t>16</a:t>
+              <a:t>17</a:t>
             </a:fld>
             <a:endParaRPr lang="es-ES"/>
           </a:p>
@@ -13834,7 +15220,7 @@
 </p:sld>
 </file>
 
-<file path=ppt/slides/slide17.xml><?xml version="1.0" encoding="utf-8"?>
+<file path=ppt/slides/slide18.xml><?xml version="1.0" encoding="utf-8"?>
 <p:sld xmlns:a="http://schemas.openxmlformats.org/drawingml/2006/main" xmlns:r="http://schemas.openxmlformats.org/officeDocument/2006/relationships" xmlns:p="http://schemas.openxmlformats.org/presentationml/2006/main">
   <p:cSld>
     <p:spTree>
@@ -13928,7 +15314,7 @@
           </a:ln>
           <a:extLst>
             <a:ext uri="{C572A759-6A51-4108-AA02-DFA0A04FC94B}">
-              <ma14:wrappingTextBoxFlag xmlns="" xmlns:ma14="http://schemas.microsoft.com/office/mac/drawingml/2011/main" val="1"/>
+              <ma14:wrappingTextBoxFlag xmlns:ma14="http://schemas.microsoft.com/office/mac/drawingml/2011/main" xmlns="" val="1"/>
             </a:ext>
           </a:extLst>
         </p:spPr>
@@ -14023,7 +15409,7 @@
           </a:ln>
           <a:extLst>
             <a:ext uri="{C572A759-6A51-4108-AA02-DFA0A04FC94B}">
-              <ma14:wrappingTextBoxFlag xmlns="" xmlns:ma14="http://schemas.microsoft.com/office/mac/drawingml/2011/main" val="1"/>
+              <ma14:wrappingTextBoxFlag xmlns:ma14="http://schemas.microsoft.com/office/mac/drawingml/2011/main" xmlns="" val="1"/>
             </a:ext>
           </a:extLst>
         </p:spPr>
@@ -14114,7 +15500,7 @@
           </a:ln>
           <a:extLst>
             <a:ext uri="{C572A759-6A51-4108-AA02-DFA0A04FC94B}">
-              <ma14:wrappingTextBoxFlag xmlns="" xmlns:ma14="http://schemas.microsoft.com/office/mac/drawingml/2011/main" val="1"/>
+              <ma14:wrappingTextBoxFlag xmlns:ma14="http://schemas.microsoft.com/office/mac/drawingml/2011/main" xmlns="" val="1"/>
             </a:ext>
           </a:extLst>
         </p:spPr>
@@ -14220,7 +15606,7 @@
           </a:ln>
           <a:extLst>
             <a:ext uri="{C572A759-6A51-4108-AA02-DFA0A04FC94B}">
-              <ma14:wrappingTextBoxFlag xmlns="" xmlns:ma14="http://schemas.microsoft.com/office/mac/drawingml/2011/main" val="1"/>
+              <ma14:wrappingTextBoxFlag xmlns:ma14="http://schemas.microsoft.com/office/mac/drawingml/2011/main" xmlns="" val="1"/>
             </a:ext>
           </a:extLst>
         </p:spPr>
@@ -14278,7 +15664,7 @@
           </a:ln>
           <a:extLst>
             <a:ext uri="{C572A759-6A51-4108-AA02-DFA0A04FC94B}">
-              <ma14:wrappingTextBoxFlag xmlns="" xmlns:ma14="http://schemas.microsoft.com/office/mac/drawingml/2011/main" val="1"/>
+              <ma14:wrappingTextBoxFlag xmlns:ma14="http://schemas.microsoft.com/office/mac/drawingml/2011/main" xmlns="" val="1"/>
             </a:ext>
           </a:extLst>
         </p:spPr>
@@ -14398,7 +15784,7 @@
           </a:ln>
           <a:extLst>
             <a:ext uri="{C572A759-6A51-4108-AA02-DFA0A04FC94B}">
-              <ma14:wrappingTextBoxFlag xmlns="" xmlns:ma14="http://schemas.microsoft.com/office/mac/drawingml/2011/main" val="1"/>
+              <ma14:wrappingTextBoxFlag xmlns:ma14="http://schemas.microsoft.com/office/mac/drawingml/2011/main" xmlns="" val="1"/>
             </a:ext>
           </a:extLst>
         </p:spPr>
@@ -15410,7 +16796,7 @@
           <a:p>
             <a:fld id="{86CB4B4D-7CA3-9044-876B-883B54F8677D}" type="slidenum">
               <a:rPr lang="es-ES" smtClean="0"/>
-              <a:t>17</a:t>
+              <a:t>18</a:t>
             </a:fld>
             <a:endParaRPr lang="es-ES"/>
           </a:p>
@@ -15432,7 +16818,7 @@
 </p:sld>
 </file>
 
-<file path=ppt/slides/slide18.xml><?xml version="1.0" encoding="utf-8"?>
+<file path=ppt/slides/slide19.xml><?xml version="1.0" encoding="utf-8"?>
 <p:sld xmlns:a="http://schemas.openxmlformats.org/drawingml/2006/main" xmlns:r="http://schemas.openxmlformats.org/officeDocument/2006/relationships" xmlns:p="http://schemas.openxmlformats.org/presentationml/2006/main">
   <p:cSld>
     <p:spTree>
@@ -15526,7 +16912,7 @@
           </a:ln>
           <a:extLst>
             <a:ext uri="{C572A759-6A51-4108-AA02-DFA0A04FC94B}">
-              <ma14:wrappingTextBoxFlag xmlns="" xmlns:ma14="http://schemas.microsoft.com/office/mac/drawingml/2011/main" val="1"/>
+              <ma14:wrappingTextBoxFlag xmlns:ma14="http://schemas.microsoft.com/office/mac/drawingml/2011/main" xmlns="" val="1"/>
             </a:ext>
           </a:extLst>
         </p:spPr>
@@ -15621,7 +17007,7 @@
           </a:ln>
           <a:extLst>
             <a:ext uri="{C572A759-6A51-4108-AA02-DFA0A04FC94B}">
-              <ma14:wrappingTextBoxFlag xmlns="" xmlns:ma14="http://schemas.microsoft.com/office/mac/drawingml/2011/main" val="1"/>
+              <ma14:wrappingTextBoxFlag xmlns:ma14="http://schemas.microsoft.com/office/mac/drawingml/2011/main" xmlns="" val="1"/>
             </a:ext>
           </a:extLst>
         </p:spPr>
@@ -15712,7 +17098,7 @@
           </a:ln>
           <a:extLst>
             <a:ext uri="{C572A759-6A51-4108-AA02-DFA0A04FC94B}">
-              <ma14:wrappingTextBoxFlag xmlns="" xmlns:ma14="http://schemas.microsoft.com/office/mac/drawingml/2011/main" val="1"/>
+              <ma14:wrappingTextBoxFlag xmlns:ma14="http://schemas.microsoft.com/office/mac/drawingml/2011/main" xmlns="" val="1"/>
             </a:ext>
           </a:extLst>
         </p:spPr>
@@ -15818,7 +17204,7 @@
           </a:ln>
           <a:extLst>
             <a:ext uri="{C572A759-6A51-4108-AA02-DFA0A04FC94B}">
-              <ma14:wrappingTextBoxFlag xmlns="" xmlns:ma14="http://schemas.microsoft.com/office/mac/drawingml/2011/main" val="1"/>
+              <ma14:wrappingTextBoxFlag xmlns:ma14="http://schemas.microsoft.com/office/mac/drawingml/2011/main" xmlns="" val="1"/>
             </a:ext>
           </a:extLst>
         </p:spPr>
@@ -15876,7 +17262,7 @@
           </a:ln>
           <a:extLst>
             <a:ext uri="{C572A759-6A51-4108-AA02-DFA0A04FC94B}">
-              <ma14:wrappingTextBoxFlag xmlns="" xmlns:ma14="http://schemas.microsoft.com/office/mac/drawingml/2011/main" val="1"/>
+              <ma14:wrappingTextBoxFlag xmlns:ma14="http://schemas.microsoft.com/office/mac/drawingml/2011/main" xmlns="" val="1"/>
             </a:ext>
           </a:extLst>
         </p:spPr>
@@ -15967,7 +17353,7 @@
           </a:ln>
           <a:extLst>
             <a:ext uri="{C572A759-6A51-4108-AA02-DFA0A04FC94B}">
-              <ma14:wrappingTextBoxFlag xmlns="" xmlns:ma14="http://schemas.microsoft.com/office/mac/drawingml/2011/main" val="1"/>
+              <ma14:wrappingTextBoxFlag xmlns:ma14="http://schemas.microsoft.com/office/mac/drawingml/2011/main" xmlns="" val="1"/>
             </a:ext>
           </a:extLst>
         </p:spPr>
@@ -16929,1535 +18315,6 @@
       <p:pic>
         <p:nvPicPr>
           <p:cNvPr id="326" name="image3.png"/>
-          <p:cNvPicPr>
-            <a:picLocks noChangeAspect="1"/>
-          </p:cNvPicPr>
-          <p:nvPr/>
-        </p:nvPicPr>
-        <p:blipFill>
-          <a:blip r:embed="rId4">
-            <a:extLst/>
-          </a:blip>
-          <a:stretch>
-            <a:fillRect/>
-          </a:stretch>
-        </p:blipFill>
-        <p:spPr>
-          <a:xfrm>
-            <a:off x="2766525" y="5898250"/>
-            <a:ext cx="7951259" cy="4882354"/>
-          </a:xfrm>
-          <a:prstGeom prst="rect">
-            <a:avLst/>
-          </a:prstGeom>
-          <a:ln w="12700">
-            <a:miter lim="400000"/>
-          </a:ln>
-        </p:spPr>
-      </p:pic>
-      <p:sp>
-        <p:nvSpPr>
-          <p:cNvPr id="3" name="Marcador de número de diapositiva 2"/>
-          <p:cNvSpPr>
-            <a:spLocks noGrp="1"/>
-          </p:cNvSpPr>
-          <p:nvPr>
-            <p:ph type="sldNum" sz="quarter" idx="2"/>
-          </p:nvPr>
-        </p:nvSpPr>
-        <p:spPr/>
-        <p:txBody>
-          <a:bodyPr/>
-          <a:lstStyle/>
-          <a:p>
-            <a:fld id="{86CB4B4D-7CA3-9044-876B-883B54F8677D}" type="slidenum">
-              <a:rPr lang="es-ES" smtClean="0"/>
-              <a:t>18</a:t>
-            </a:fld>
-            <a:endParaRPr lang="es-ES"/>
-          </a:p>
-        </p:txBody>
-      </p:sp>
-    </p:spTree>
-  </p:cSld>
-  <p:clrMapOvr>
-    <a:masterClrMapping/>
-  </p:clrMapOvr>
-  <p:transition spd="med"/>
-  <p:timing>
-    <p:tnLst>
-      <p:par>
-        <p:cTn id="1" dur="indefinite" restart="never" nodeType="tmRoot"/>
-      </p:par>
-    </p:tnLst>
-  </p:timing>
-</p:sld>
-</file>
-
-<file path=ppt/slides/slide19.xml><?xml version="1.0" encoding="utf-8"?>
-<p:sld xmlns:a="http://schemas.openxmlformats.org/drawingml/2006/main" xmlns:r="http://schemas.openxmlformats.org/officeDocument/2006/relationships" xmlns:p="http://schemas.openxmlformats.org/presentationml/2006/main">
-  <p:cSld>
-    <p:spTree>
-      <p:nvGrpSpPr>
-        <p:cNvPr id="1" name=""/>
-        <p:cNvGrpSpPr/>
-        <p:nvPr/>
-      </p:nvGrpSpPr>
-      <p:grpSpPr>
-        <a:xfrm>
-          <a:off x="0" y="0"/>
-          <a:ext cx="0" cy="0"/>
-          <a:chOff x="0" y="0"/>
-          <a:chExt cx="0" cy="0"/>
-        </a:xfrm>
-      </p:grpSpPr>
-      <p:pic>
-        <p:nvPicPr>
-          <p:cNvPr id="328" name="pasted-image.tiff"/>
-          <p:cNvPicPr>
-            <a:picLocks noChangeAspect="1"/>
-          </p:cNvPicPr>
-          <p:nvPr/>
-        </p:nvPicPr>
-        <p:blipFill>
-          <a:blip r:embed="rId2">
-            <a:extLst/>
-          </a:blip>
-          <a:stretch>
-            <a:fillRect/>
-          </a:stretch>
-        </p:blipFill>
-        <p:spPr>
-          <a:xfrm>
-            <a:off x="-816206" y="-529723"/>
-            <a:ext cx="26829216" cy="2397845"/>
-          </a:xfrm>
-          <a:prstGeom prst="rect">
-            <a:avLst/>
-          </a:prstGeom>
-          <a:ln w="12700">
-            <a:miter lim="400000"/>
-          </a:ln>
-        </p:spPr>
-      </p:pic>
-      <p:pic>
-        <p:nvPicPr>
-          <p:cNvPr id="329" name="pasted-image.tiff"/>
-          <p:cNvPicPr>
-            <a:picLocks noChangeAspect="1"/>
-          </p:cNvPicPr>
-          <p:nvPr/>
-        </p:nvPicPr>
-        <p:blipFill>
-          <a:blip r:embed="rId3">
-            <a:extLst/>
-          </a:blip>
-          <a:stretch>
-            <a:fillRect/>
-          </a:stretch>
-        </p:blipFill>
-        <p:spPr>
-          <a:xfrm>
-            <a:off x="20120528" y="596900"/>
-            <a:ext cx="2416329" cy="766806"/>
-          </a:xfrm>
-          <a:prstGeom prst="rect">
-            <a:avLst/>
-          </a:prstGeom>
-          <a:ln w="12700">
-            <a:miter lim="400000"/>
-          </a:ln>
-        </p:spPr>
-      </p:pic>
-      <p:sp>
-        <p:nvSpPr>
-          <p:cNvPr id="331" name="Shape 331"/>
-          <p:cNvSpPr/>
-          <p:nvPr/>
-        </p:nvSpPr>
-        <p:spPr>
-          <a:xfrm>
-            <a:off x="1044066" y="512137"/>
-            <a:ext cx="6485955" cy="771399"/>
-          </a:xfrm>
-          <a:prstGeom prst="rect">
-            <a:avLst/>
-          </a:prstGeom>
-          <a:ln w="12700">
-            <a:miter lim="400000"/>
-          </a:ln>
-          <a:extLst>
-            <a:ext uri="{C572A759-6A51-4108-AA02-DFA0A04FC94B}">
-              <ma14:wrappingTextBoxFlag xmlns="" xmlns:ma14="http://schemas.microsoft.com/office/mac/drawingml/2011/main" val="1"/>
-            </a:ext>
-          </a:extLst>
-        </p:spPr>
-        <p:txBody>
-          <a:bodyPr wrap="none" lIns="50800" tIns="50800" rIns="50800" bIns="50800" anchor="ctr">
-            <a:spAutoFit/>
-          </a:bodyPr>
-          <a:lstStyle>
-            <a:lvl1pPr>
-              <a:defRPr sz="4500">
-                <a:solidFill>
-                  <a:srgbClr val="FFFFFF"/>
-                </a:solidFill>
-                <a:latin typeface="Helvetica Neue"/>
-                <a:ea typeface="Helvetica Neue"/>
-                <a:cs typeface="Helvetica Neue"/>
-                <a:sym typeface="Helvetica Neue"/>
-              </a:defRPr>
-            </a:lvl1pPr>
-          </a:lstStyle>
-          <a:p>
-            <a:r>
-              <a:t>3. Requisitos específicos</a:t>
-            </a:r>
-          </a:p>
-        </p:txBody>
-      </p:sp>
-      <p:sp>
-        <p:nvSpPr>
-          <p:cNvPr id="332" name="Shape 332"/>
-          <p:cNvSpPr/>
-          <p:nvPr/>
-        </p:nvSpPr>
-        <p:spPr>
-          <a:xfrm>
-            <a:off x="9780559" y="2510331"/>
-            <a:ext cx="4822882" cy="771399"/>
-          </a:xfrm>
-          <a:prstGeom prst="roundRect">
-            <a:avLst>
-              <a:gd name="adj" fmla="val 33536"/>
-            </a:avLst>
-          </a:prstGeom>
-          <a:solidFill>
-            <a:srgbClr val="BA6B89"/>
-          </a:solidFill>
-          <a:ln w="12700">
-            <a:miter lim="400000"/>
-          </a:ln>
-        </p:spPr>
-        <p:txBody>
-          <a:bodyPr lIns="50800" tIns="50800" rIns="50800" bIns="50800" anchor="ctr"/>
-          <a:lstStyle/>
-          <a:p>
-            <a:pPr algn="ctr">
-              <a:lnSpc>
-                <a:spcPct val="80000"/>
-              </a:lnSpc>
-              <a:spcBef>
-                <a:spcPts val="0"/>
-              </a:spcBef>
-              <a:defRPr sz="4000" cap="all">
-                <a:solidFill>
-                  <a:srgbClr val="FFFFFF"/>
-                </a:solidFill>
-                <a:latin typeface="+mn-lt"/>
-                <a:ea typeface="+mn-ea"/>
-                <a:cs typeface="+mn-cs"/>
-                <a:sym typeface="DIN Condensed"/>
-              </a:defRPr>
-            </a:pPr>
-            <a:endParaRPr/>
-          </a:p>
-        </p:txBody>
-      </p:sp>
-      <p:sp>
-        <p:nvSpPr>
-          <p:cNvPr id="333" name="Shape 333"/>
-          <p:cNvSpPr/>
-          <p:nvPr/>
-        </p:nvSpPr>
-        <p:spPr>
-          <a:xfrm>
-            <a:off x="10006183" y="2584880"/>
-            <a:ext cx="4371634" cy="622301"/>
-          </a:xfrm>
-          <a:prstGeom prst="rect">
-            <a:avLst/>
-          </a:prstGeom>
-          <a:ln w="12700">
-            <a:miter lim="400000"/>
-          </a:ln>
-          <a:extLst>
-            <a:ext uri="{C572A759-6A51-4108-AA02-DFA0A04FC94B}">
-              <ma14:wrappingTextBoxFlag xmlns="" xmlns:ma14="http://schemas.microsoft.com/office/mac/drawingml/2011/main" val="1"/>
-            </a:ext>
-          </a:extLst>
-        </p:spPr>
-        <p:txBody>
-          <a:bodyPr lIns="50800" tIns="50800" rIns="50800" bIns="50800" anchor="ctr">
-            <a:spAutoFit/>
-          </a:bodyPr>
-          <a:lstStyle>
-            <a:lvl1pPr>
-              <a:defRPr>
-                <a:solidFill>
-                  <a:srgbClr val="FFFFFF"/>
-                </a:solidFill>
-              </a:defRPr>
-            </a:lvl1pPr>
-          </a:lstStyle>
-          <a:p>
-            <a:r>
-              <a:t>2 Requisitos funcionales</a:t>
-            </a:r>
-          </a:p>
-        </p:txBody>
-      </p:sp>
-      <p:sp>
-        <p:nvSpPr>
-          <p:cNvPr id="334" name="Shape 334"/>
-          <p:cNvSpPr/>
-          <p:nvPr/>
-        </p:nvSpPr>
-        <p:spPr>
-          <a:xfrm>
-            <a:off x="1187450" y="3949265"/>
-            <a:ext cx="22009100" cy="8780324"/>
-          </a:xfrm>
-          <a:prstGeom prst="roundRect">
-            <a:avLst>
-              <a:gd name="adj" fmla="val 8979"/>
-            </a:avLst>
-          </a:prstGeom>
-          <a:ln w="50800">
-            <a:solidFill>
-              <a:srgbClr val="5B5854"/>
-            </a:solidFill>
-            <a:miter lim="400000"/>
-          </a:ln>
-        </p:spPr>
-        <p:txBody>
-          <a:bodyPr lIns="50800" tIns="50800" rIns="50800" bIns="50800" anchor="ctr"/>
-          <a:lstStyle/>
-          <a:p>
-            <a:pPr algn="ctr">
-              <a:lnSpc>
-                <a:spcPct val="80000"/>
-              </a:lnSpc>
-              <a:spcBef>
-                <a:spcPts val="0"/>
-              </a:spcBef>
-              <a:defRPr sz="100" cap="all">
-                <a:solidFill>
-                  <a:srgbClr val="FFFFFF"/>
-                </a:solidFill>
-                <a:latin typeface="+mn-lt"/>
-                <a:ea typeface="+mn-ea"/>
-                <a:cs typeface="+mn-cs"/>
-                <a:sym typeface="DIN Condensed"/>
-              </a:defRPr>
-            </a:pPr>
-            <a:endParaRPr/>
-          </a:p>
-        </p:txBody>
-      </p:sp>
-      <p:sp>
-        <p:nvSpPr>
-          <p:cNvPr id="335" name="Shape 335"/>
-          <p:cNvSpPr/>
-          <p:nvPr/>
-        </p:nvSpPr>
-        <p:spPr>
-          <a:xfrm>
-            <a:off x="1775661" y="4549095"/>
-            <a:ext cx="6312854" cy="473391"/>
-          </a:xfrm>
-          <a:prstGeom prst="rect">
-            <a:avLst/>
-          </a:prstGeom>
-          <a:ln w="12700">
-            <a:miter lim="400000"/>
-          </a:ln>
-          <a:extLst>
-            <a:ext uri="{C572A759-6A51-4108-AA02-DFA0A04FC94B}">
-              <ma14:wrappingTextBoxFlag xmlns="" xmlns:ma14="http://schemas.microsoft.com/office/mac/drawingml/2011/main" val="1"/>
-            </a:ext>
-          </a:extLst>
-        </p:spPr>
-        <p:txBody>
-          <a:bodyPr wrap="none" lIns="50800" tIns="50800" rIns="50800" bIns="50800" anchor="ctr">
-            <a:spAutoFit/>
-          </a:bodyPr>
-          <a:lstStyle>
-            <a:lvl1pPr marL="360045" algn="just" defTabSz="457200">
-              <a:lnSpc>
-                <a:spcPct val="115000"/>
-              </a:lnSpc>
-              <a:spcBef>
-                <a:spcPts val="1000"/>
-              </a:spcBef>
-              <a:defRPr sz="2500" b="1">
-                <a:solidFill>
-                  <a:srgbClr val="000000"/>
-                </a:solidFill>
-                <a:uFill>
-                  <a:solidFill>
-                    <a:srgbClr val="000000"/>
-                  </a:solidFill>
-                </a:uFill>
-                <a:latin typeface="Helvetica Neue"/>
-                <a:ea typeface="Helvetica Neue"/>
-                <a:cs typeface="Helvetica Neue"/>
-                <a:sym typeface="Helvetica Neue"/>
-              </a:defRPr>
-            </a:lvl1pPr>
-          </a:lstStyle>
-          <a:p>
-            <a:r>
-              <a:t>3. Subsistema, Preguntar a un médico.</a:t>
-            </a:r>
-          </a:p>
-        </p:txBody>
-      </p:sp>
-      <p:sp>
-        <p:nvSpPr>
-          <p:cNvPr id="336" name="Shape 336"/>
-          <p:cNvSpPr/>
-          <p:nvPr/>
-        </p:nvSpPr>
-        <p:spPr>
-          <a:xfrm>
-            <a:off x="12688999" y="4133320"/>
-            <a:ext cx="10329053" cy="8412214"/>
-          </a:xfrm>
-          <a:prstGeom prst="roundRect">
-            <a:avLst>
-              <a:gd name="adj" fmla="val 8979"/>
-            </a:avLst>
-          </a:prstGeom>
-          <a:ln w="50800">
-            <a:solidFill>
-              <a:srgbClr val="5B5854"/>
-            </a:solidFill>
-            <a:miter lim="400000"/>
-          </a:ln>
-        </p:spPr>
-        <p:txBody>
-          <a:bodyPr lIns="50800" tIns="50800" rIns="50800" bIns="50800" anchor="ctr"/>
-          <a:lstStyle/>
-          <a:p>
-            <a:pPr algn="ctr">
-              <a:lnSpc>
-                <a:spcPct val="80000"/>
-              </a:lnSpc>
-              <a:spcBef>
-                <a:spcPts val="0"/>
-              </a:spcBef>
-              <a:defRPr sz="100" cap="all">
-                <a:solidFill>
-                  <a:srgbClr val="FFFFFF"/>
-                </a:solidFill>
-                <a:latin typeface="+mn-lt"/>
-                <a:ea typeface="+mn-ea"/>
-                <a:cs typeface="+mn-cs"/>
-                <a:sym typeface="DIN Condensed"/>
-              </a:defRPr>
-            </a:pPr>
-            <a:endParaRPr/>
-          </a:p>
-        </p:txBody>
-      </p:sp>
-      <p:sp>
-        <p:nvSpPr>
-          <p:cNvPr id="337" name="Shape 337"/>
-          <p:cNvSpPr/>
-          <p:nvPr/>
-        </p:nvSpPr>
-        <p:spPr>
-          <a:xfrm>
-            <a:off x="13158615" y="4549095"/>
-            <a:ext cx="5620068" cy="473391"/>
-          </a:xfrm>
-          <a:prstGeom prst="rect">
-            <a:avLst/>
-          </a:prstGeom>
-          <a:ln w="12700">
-            <a:miter lim="400000"/>
-          </a:ln>
-          <a:extLst>
-            <a:ext uri="{C572A759-6A51-4108-AA02-DFA0A04FC94B}">
-              <ma14:wrappingTextBoxFlag xmlns="" xmlns:ma14="http://schemas.microsoft.com/office/mac/drawingml/2011/main" val="1"/>
-            </a:ext>
-          </a:extLst>
-        </p:spPr>
-        <p:txBody>
-          <a:bodyPr wrap="none" lIns="50800" tIns="50800" rIns="50800" bIns="50800" anchor="ctr">
-            <a:spAutoFit/>
-          </a:bodyPr>
-          <a:lstStyle>
-            <a:lvl1pPr marL="360045" algn="just" defTabSz="457200">
-              <a:lnSpc>
-                <a:spcPct val="115000"/>
-              </a:lnSpc>
-              <a:spcBef>
-                <a:spcPts val="1000"/>
-              </a:spcBef>
-              <a:defRPr sz="2500" b="1">
-                <a:solidFill>
-                  <a:srgbClr val="000000"/>
-                </a:solidFill>
-                <a:uFill>
-                  <a:solidFill>
-                    <a:srgbClr val="000000"/>
-                  </a:solidFill>
-                </a:uFill>
-                <a:latin typeface="Helvetica Neue"/>
-                <a:ea typeface="Helvetica Neue"/>
-                <a:cs typeface="Helvetica Neue"/>
-                <a:sym typeface="Helvetica Neue"/>
-              </a:defRPr>
-            </a:lvl1pPr>
-          </a:lstStyle>
-          <a:p>
-            <a:r>
-              <a:t>Caso de Uso, Contestar pregunta:</a:t>
-            </a:r>
-          </a:p>
-        </p:txBody>
-      </p:sp>
-      <p:sp>
-        <p:nvSpPr>
-          <p:cNvPr id="338" name="Shape 338"/>
-          <p:cNvSpPr/>
-          <p:nvPr/>
-        </p:nvSpPr>
-        <p:spPr>
-          <a:xfrm>
-            <a:off x="5350865" y="10766335"/>
-            <a:ext cx="2782579" cy="362130"/>
-          </a:xfrm>
-          <a:prstGeom prst="rect">
-            <a:avLst/>
-          </a:prstGeom>
-          <a:ln w="12700">
-            <a:miter lim="400000"/>
-          </a:ln>
-          <a:extLst>
-            <a:ext uri="{C572A759-6A51-4108-AA02-DFA0A04FC94B}">
-              <ma14:wrappingTextBoxFlag xmlns="" xmlns:ma14="http://schemas.microsoft.com/office/mac/drawingml/2011/main" val="1"/>
-            </a:ext>
-          </a:extLst>
-        </p:spPr>
-        <p:txBody>
-          <a:bodyPr lIns="50800" tIns="50800" rIns="50800" bIns="50800" anchor="ctr">
-            <a:spAutoFit/>
-          </a:bodyPr>
-          <a:lstStyle>
-            <a:lvl1pPr marL="342900" algn="r" defTabSz="457200">
-              <a:lnSpc>
-                <a:spcPct val="115000"/>
-              </a:lnSpc>
-              <a:spcBef>
-                <a:spcPts val="1000"/>
-              </a:spcBef>
-              <a:tabLst>
-                <a:tab pos="444500" algn="l"/>
-              </a:tabLst>
-              <a:defRPr sz="1800" i="1">
-                <a:solidFill>
-                  <a:srgbClr val="00000A"/>
-                </a:solidFill>
-                <a:uFill>
-                  <a:solidFill>
-                    <a:srgbClr val="00000A"/>
-                  </a:solidFill>
-                </a:uFill>
-                <a:latin typeface="Helvetica Neue UltraLight"/>
-                <a:ea typeface="Helvetica Neue UltraLight"/>
-                <a:cs typeface="Helvetica Neue UltraLight"/>
-                <a:sym typeface="Helvetica Neue UltraLight"/>
-              </a:defRPr>
-            </a:lvl1pPr>
-          </a:lstStyle>
-          <a:p>
-            <a:pPr>
-              <a:defRPr i="0">
-                <a:solidFill>
-                  <a:srgbClr val="000000"/>
-                </a:solidFill>
-                <a:uFill>
-                  <a:solidFill>
-                    <a:srgbClr val="000000"/>
-                  </a:solidFill>
-                </a:uFill>
-                <a:latin typeface="Times New Roman"/>
-                <a:ea typeface="Times New Roman"/>
-                <a:cs typeface="Times New Roman"/>
-                <a:sym typeface="Times New Roman"/>
-              </a:defRPr>
-            </a:pPr>
-            <a:r>
-              <a:rPr i="1">
-                <a:solidFill>
-                  <a:srgbClr val="00000A"/>
-                </a:solidFill>
-                <a:uFill>
-                  <a:solidFill>
-                    <a:srgbClr val="00000A"/>
-                  </a:solidFill>
-                </a:uFill>
-                <a:latin typeface="Helvetica Neue UltraLight"/>
-                <a:ea typeface="Helvetica Neue UltraLight"/>
-                <a:cs typeface="Helvetica Neue UltraLight"/>
-                <a:sym typeface="Helvetica Neue UltraLight"/>
-              </a:rPr>
-              <a:t>DCU_Consultar_Medico</a:t>
-            </a:r>
-          </a:p>
-        </p:txBody>
-      </p:sp>
-      <p:sp>
-        <p:nvSpPr>
-          <p:cNvPr id="339" name="Shape 339"/>
-          <p:cNvSpPr/>
-          <p:nvPr/>
-        </p:nvSpPr>
-        <p:spPr>
-          <a:xfrm>
-            <a:off x="13877896" y="5489926"/>
-            <a:ext cx="7951259" cy="5699002"/>
-          </a:xfrm>
-          <a:prstGeom prst="rect">
-            <a:avLst/>
-          </a:prstGeom>
-          <a:ln w="12700">
-            <a:miter lim="400000"/>
-          </a:ln>
-          <a:extLst>
-            <a:ext uri="{C572A759-6A51-4108-AA02-DFA0A04FC94B}">
-              <ma14:wrappingTextBoxFlag xmlns="" xmlns:ma14="http://schemas.microsoft.com/office/mac/drawingml/2011/main" val="1"/>
-            </a:ext>
-          </a:extLst>
-        </p:spPr>
-        <p:txBody>
-          <a:bodyPr lIns="50800" tIns="50800" rIns="50800" bIns="50800" anchor="ctr">
-            <a:spAutoFit/>
-          </a:bodyPr>
-          <a:lstStyle/>
-          <a:p>
-            <a:pPr marL="228600" algn="just" defTabSz="457200">
-              <a:lnSpc>
-                <a:spcPct val="115000"/>
-              </a:lnSpc>
-              <a:spcBef>
-                <a:spcPts val="0"/>
-              </a:spcBef>
-              <a:defRPr sz="1700">
-                <a:solidFill>
-                  <a:srgbClr val="000000"/>
-                </a:solidFill>
-                <a:uFill>
-                  <a:solidFill>
-                    <a:srgbClr val="000000"/>
-                  </a:solidFill>
-                </a:uFill>
-                <a:latin typeface="Times New Roman"/>
-                <a:ea typeface="Times New Roman"/>
-                <a:cs typeface="Times New Roman"/>
-                <a:sym typeface="Times New Roman"/>
-              </a:defRPr>
-            </a:pPr>
-            <a:r>
-              <a:rPr b="1">
-                <a:solidFill>
-                  <a:srgbClr val="262626"/>
-                </a:solidFill>
-                <a:uFill>
-                  <a:solidFill>
-                    <a:srgbClr val="262626"/>
-                  </a:solidFill>
-                </a:uFill>
-                <a:latin typeface="Helvetica Neue"/>
-                <a:ea typeface="Helvetica Neue"/>
-                <a:cs typeface="Helvetica Neue"/>
-                <a:sym typeface="Helvetica Neue"/>
-              </a:rPr>
-              <a:t>Identificador</a:t>
-            </a:r>
-            <a:r>
-              <a:rPr>
-                <a:solidFill>
-                  <a:srgbClr val="262626"/>
-                </a:solidFill>
-                <a:uFill>
-                  <a:solidFill>
-                    <a:srgbClr val="262626"/>
-                  </a:solidFill>
-                </a:uFill>
-                <a:latin typeface="Helvetica Neue"/>
-                <a:ea typeface="Helvetica Neue"/>
-                <a:cs typeface="Helvetica Neue"/>
-                <a:sym typeface="Helvetica Neue"/>
-              </a:rPr>
-              <a:t>: CM2</a:t>
-            </a:r>
-          </a:p>
-          <a:p>
-            <a:pPr marL="228600" algn="just" defTabSz="457200">
-              <a:lnSpc>
-                <a:spcPct val="115000"/>
-              </a:lnSpc>
-              <a:spcBef>
-                <a:spcPts val="0"/>
-              </a:spcBef>
-              <a:defRPr sz="1700">
-                <a:solidFill>
-                  <a:srgbClr val="000000"/>
-                </a:solidFill>
-                <a:uFill>
-                  <a:solidFill>
-                    <a:srgbClr val="000000"/>
-                  </a:solidFill>
-                </a:uFill>
-                <a:latin typeface="Times New Roman"/>
-                <a:ea typeface="Times New Roman"/>
-                <a:cs typeface="Times New Roman"/>
-                <a:sym typeface="Times New Roman"/>
-              </a:defRPr>
-            </a:pPr>
-            <a:r>
-              <a:rPr b="1">
-                <a:solidFill>
-                  <a:srgbClr val="262626"/>
-                </a:solidFill>
-                <a:uFill>
-                  <a:solidFill>
-                    <a:srgbClr val="262626"/>
-                  </a:solidFill>
-                </a:uFill>
-                <a:latin typeface="Helvetica Neue"/>
-                <a:ea typeface="Helvetica Neue"/>
-                <a:cs typeface="Helvetica Neue"/>
-                <a:sym typeface="Helvetica Neue"/>
-              </a:rPr>
-              <a:t>Objetivo en Contexto:</a:t>
-            </a:r>
-          </a:p>
-          <a:p>
-            <a:pPr marL="228600" algn="just" defTabSz="457200">
-              <a:lnSpc>
-                <a:spcPct val="115000"/>
-              </a:lnSpc>
-              <a:spcBef>
-                <a:spcPts val="0"/>
-              </a:spcBef>
-              <a:defRPr sz="1700">
-                <a:solidFill>
-                  <a:srgbClr val="000000"/>
-                </a:solidFill>
-                <a:uFill>
-                  <a:solidFill>
-                    <a:srgbClr val="000000"/>
-                  </a:solidFill>
-                </a:uFill>
-                <a:latin typeface="Times New Roman"/>
-                <a:ea typeface="Times New Roman"/>
-                <a:cs typeface="Times New Roman"/>
-                <a:sym typeface="Times New Roman"/>
-              </a:defRPr>
-            </a:pPr>
-            <a:r>
-              <a:rPr>
-                <a:solidFill>
-                  <a:srgbClr val="262626"/>
-                </a:solidFill>
-                <a:uFill>
-                  <a:solidFill>
-                    <a:srgbClr val="262626"/>
-                  </a:solidFill>
-                </a:uFill>
-                <a:latin typeface="Helvetica Neue"/>
-                <a:ea typeface="Helvetica Neue"/>
-                <a:cs typeface="Helvetica Neue"/>
-                <a:sym typeface="Helvetica Neue"/>
-              </a:rPr>
-              <a:t>El  Médico contesta a una pregunta realizada por un paciente.</a:t>
-            </a:r>
-          </a:p>
-          <a:p>
-            <a:pPr marL="228600" algn="just" defTabSz="457200">
-              <a:lnSpc>
-                <a:spcPct val="115000"/>
-              </a:lnSpc>
-              <a:spcBef>
-                <a:spcPts val="0"/>
-              </a:spcBef>
-              <a:defRPr sz="1700">
-                <a:solidFill>
-                  <a:srgbClr val="000000"/>
-                </a:solidFill>
-                <a:uFill>
-                  <a:solidFill>
-                    <a:srgbClr val="000000"/>
-                  </a:solidFill>
-                </a:uFill>
-                <a:latin typeface="Times New Roman"/>
-                <a:ea typeface="Times New Roman"/>
-                <a:cs typeface="Times New Roman"/>
-                <a:sym typeface="Times New Roman"/>
-              </a:defRPr>
-            </a:pPr>
-            <a:r>
-              <a:rPr b="1">
-                <a:solidFill>
-                  <a:srgbClr val="262626"/>
-                </a:solidFill>
-                <a:uFill>
-                  <a:solidFill>
-                    <a:srgbClr val="262626"/>
-                  </a:solidFill>
-                </a:uFill>
-                <a:latin typeface="Helvetica Neue"/>
-                <a:ea typeface="Helvetica Neue"/>
-                <a:cs typeface="Helvetica Neue"/>
-                <a:sym typeface="Helvetica Neue"/>
-              </a:rPr>
-              <a:t>Actor</a:t>
-            </a:r>
-            <a:r>
-              <a:rPr>
-                <a:solidFill>
-                  <a:srgbClr val="262626"/>
-                </a:solidFill>
-                <a:uFill>
-                  <a:solidFill>
-                    <a:srgbClr val="262626"/>
-                  </a:solidFill>
-                </a:uFill>
-                <a:latin typeface="Helvetica Neue"/>
-                <a:ea typeface="Helvetica Neue"/>
-                <a:cs typeface="Helvetica Neue"/>
-                <a:sym typeface="Helvetica Neue"/>
-              </a:rPr>
-              <a:t> </a:t>
-            </a:r>
-            <a:r>
-              <a:rPr b="1">
-                <a:solidFill>
-                  <a:srgbClr val="262626"/>
-                </a:solidFill>
-                <a:uFill>
-                  <a:solidFill>
-                    <a:srgbClr val="262626"/>
-                  </a:solidFill>
-                </a:uFill>
-                <a:latin typeface="Helvetica Neue"/>
-                <a:ea typeface="Helvetica Neue"/>
-                <a:cs typeface="Helvetica Neue"/>
-                <a:sym typeface="Helvetica Neue"/>
-              </a:rPr>
-              <a:t>principal</a:t>
-            </a:r>
-            <a:r>
-              <a:rPr>
-                <a:solidFill>
-                  <a:srgbClr val="262626"/>
-                </a:solidFill>
-                <a:uFill>
-                  <a:solidFill>
-                    <a:srgbClr val="262626"/>
-                  </a:solidFill>
-                </a:uFill>
-                <a:latin typeface="Helvetica Neue"/>
-                <a:ea typeface="Helvetica Neue"/>
-                <a:cs typeface="Helvetica Neue"/>
-                <a:sym typeface="Helvetica Neue"/>
-              </a:rPr>
-              <a:t>: Médico.</a:t>
-            </a:r>
-          </a:p>
-          <a:p>
-            <a:pPr marL="228600" algn="just" defTabSz="457200">
-              <a:lnSpc>
-                <a:spcPct val="115000"/>
-              </a:lnSpc>
-              <a:spcBef>
-                <a:spcPts val="0"/>
-              </a:spcBef>
-              <a:defRPr sz="1700">
-                <a:solidFill>
-                  <a:srgbClr val="000000"/>
-                </a:solidFill>
-                <a:uFill>
-                  <a:solidFill>
-                    <a:srgbClr val="000000"/>
-                  </a:solidFill>
-                </a:uFill>
-                <a:latin typeface="Times New Roman"/>
-                <a:ea typeface="Times New Roman"/>
-                <a:cs typeface="Times New Roman"/>
-                <a:sym typeface="Times New Roman"/>
-              </a:defRPr>
-            </a:pPr>
-            <a:r>
-              <a:rPr b="1">
-                <a:solidFill>
-                  <a:srgbClr val="262626"/>
-                </a:solidFill>
-                <a:uFill>
-                  <a:solidFill>
-                    <a:srgbClr val="262626"/>
-                  </a:solidFill>
-                </a:uFill>
-                <a:latin typeface="Helvetica Neue"/>
-                <a:ea typeface="Helvetica Neue"/>
-                <a:cs typeface="Helvetica Neue"/>
-                <a:sym typeface="Helvetica Neue"/>
-              </a:rPr>
-              <a:t>Actores</a:t>
-            </a:r>
-            <a:r>
-              <a:rPr>
-                <a:solidFill>
-                  <a:srgbClr val="262626"/>
-                </a:solidFill>
-                <a:uFill>
-                  <a:solidFill>
-                    <a:srgbClr val="262626"/>
-                  </a:solidFill>
-                </a:uFill>
-                <a:latin typeface="Helvetica Neue"/>
-                <a:ea typeface="Helvetica Neue"/>
-                <a:cs typeface="Helvetica Neue"/>
-                <a:sym typeface="Helvetica Neue"/>
-              </a:rPr>
-              <a:t> </a:t>
-            </a:r>
-            <a:r>
-              <a:rPr b="1">
-                <a:solidFill>
-                  <a:srgbClr val="262626"/>
-                </a:solidFill>
-                <a:uFill>
-                  <a:solidFill>
-                    <a:srgbClr val="262626"/>
-                  </a:solidFill>
-                </a:uFill>
-                <a:latin typeface="Helvetica Neue"/>
-                <a:ea typeface="Helvetica Neue"/>
-                <a:cs typeface="Helvetica Neue"/>
-                <a:sym typeface="Helvetica Neue"/>
-              </a:rPr>
-              <a:t>secundarios</a:t>
-            </a:r>
-            <a:r>
-              <a:rPr>
-                <a:solidFill>
-                  <a:srgbClr val="262626"/>
-                </a:solidFill>
-                <a:uFill>
-                  <a:solidFill>
-                    <a:srgbClr val="262626"/>
-                  </a:solidFill>
-                </a:uFill>
-                <a:latin typeface="Helvetica Neue"/>
-                <a:ea typeface="Helvetica Neue"/>
-                <a:cs typeface="Helvetica Neue"/>
-                <a:sym typeface="Helvetica Neue"/>
-              </a:rPr>
-              <a:t>: Base de Datos.</a:t>
-            </a:r>
-          </a:p>
-          <a:p>
-            <a:pPr marL="228600" algn="just" defTabSz="457200">
-              <a:lnSpc>
-                <a:spcPct val="115000"/>
-              </a:lnSpc>
-              <a:spcBef>
-                <a:spcPts val="0"/>
-              </a:spcBef>
-              <a:defRPr sz="1700">
-                <a:solidFill>
-                  <a:srgbClr val="000000"/>
-                </a:solidFill>
-                <a:uFill>
-                  <a:solidFill>
-                    <a:srgbClr val="000000"/>
-                  </a:solidFill>
-                </a:uFill>
-                <a:latin typeface="Times New Roman"/>
-                <a:ea typeface="Times New Roman"/>
-                <a:cs typeface="Times New Roman"/>
-                <a:sym typeface="Times New Roman"/>
-              </a:defRPr>
-            </a:pPr>
-            <a:r>
-              <a:rPr b="1">
-                <a:solidFill>
-                  <a:srgbClr val="262626"/>
-                </a:solidFill>
-                <a:uFill>
-                  <a:solidFill>
-                    <a:srgbClr val="262626"/>
-                  </a:solidFill>
-                </a:uFill>
-                <a:latin typeface="Helvetica Neue"/>
-                <a:ea typeface="Helvetica Neue"/>
-                <a:cs typeface="Helvetica Neue"/>
-                <a:sym typeface="Helvetica Neue"/>
-              </a:rPr>
-              <a:t>Qué datos usa:</a:t>
-            </a:r>
-            <a:r>
-              <a:rPr>
-                <a:solidFill>
-                  <a:srgbClr val="262626"/>
-                </a:solidFill>
-                <a:uFill>
-                  <a:solidFill>
-                    <a:srgbClr val="262626"/>
-                  </a:solidFill>
-                </a:uFill>
-                <a:latin typeface="Helvetica Neue"/>
-                <a:ea typeface="Helvetica Neue"/>
-                <a:cs typeface="Helvetica Neue"/>
-                <a:sym typeface="Helvetica Neue"/>
-              </a:rPr>
-              <a:t> Tarjetas CRC implicadas.</a:t>
-            </a:r>
-          </a:p>
-          <a:p>
-            <a:pPr marL="228600" marR="1248410" algn="just" defTabSz="457200">
-              <a:lnSpc>
-                <a:spcPct val="115000"/>
-              </a:lnSpc>
-              <a:spcBef>
-                <a:spcPts val="0"/>
-              </a:spcBef>
-              <a:defRPr sz="1700">
-                <a:solidFill>
-                  <a:srgbClr val="000000"/>
-                </a:solidFill>
-                <a:uFill>
-                  <a:solidFill>
-                    <a:srgbClr val="000000"/>
-                  </a:solidFill>
-                </a:uFill>
-                <a:latin typeface="Times New Roman"/>
-                <a:ea typeface="Times New Roman"/>
-                <a:cs typeface="Times New Roman"/>
-                <a:sym typeface="Times New Roman"/>
-              </a:defRPr>
-            </a:pPr>
-            <a:r>
-              <a:rPr b="1">
-                <a:solidFill>
-                  <a:srgbClr val="262626"/>
-                </a:solidFill>
-                <a:uFill>
-                  <a:solidFill>
-                    <a:srgbClr val="262626"/>
-                  </a:solidFill>
-                </a:uFill>
-                <a:latin typeface="Helvetica Neue"/>
-                <a:ea typeface="Helvetica Neue"/>
-                <a:cs typeface="Helvetica Neue"/>
-                <a:sym typeface="Helvetica Neue"/>
-              </a:rPr>
-              <a:t>Precondiciones</a:t>
-            </a:r>
-            <a:r>
-              <a:rPr>
-                <a:solidFill>
-                  <a:srgbClr val="262626"/>
-                </a:solidFill>
-                <a:uFill>
-                  <a:solidFill>
-                    <a:srgbClr val="262626"/>
-                  </a:solidFill>
-                </a:uFill>
-                <a:latin typeface="Helvetica Neue"/>
-                <a:ea typeface="Helvetica Neue"/>
-                <a:cs typeface="Helvetica Neue"/>
-                <a:sym typeface="Helvetica Neue"/>
-              </a:rPr>
-              <a:t>:</a:t>
-            </a:r>
-          </a:p>
-          <a:p>
-            <a:pPr marL="678180" marR="1248410" algn="just" defTabSz="457200">
-              <a:lnSpc>
-                <a:spcPct val="115000"/>
-              </a:lnSpc>
-              <a:spcBef>
-                <a:spcPts val="0"/>
-              </a:spcBef>
-              <a:defRPr sz="1700">
-                <a:solidFill>
-                  <a:srgbClr val="000000"/>
-                </a:solidFill>
-                <a:uFill>
-                  <a:solidFill>
-                    <a:srgbClr val="000000"/>
-                  </a:solidFill>
-                </a:uFill>
-                <a:latin typeface="Times New Roman"/>
-                <a:ea typeface="Times New Roman"/>
-                <a:cs typeface="Times New Roman"/>
-                <a:sym typeface="Times New Roman"/>
-              </a:defRPr>
-            </a:pPr>
-            <a:r>
-              <a:rPr>
-                <a:solidFill>
-                  <a:srgbClr val="262626"/>
-                </a:solidFill>
-                <a:uFill>
-                  <a:solidFill>
-                    <a:srgbClr val="262626"/>
-                  </a:solidFill>
-                </a:uFill>
-                <a:latin typeface="Helvetica Neue"/>
-                <a:ea typeface="Helvetica Neue"/>
-                <a:cs typeface="Helvetica Neue"/>
-                <a:sym typeface="Helvetica Neue"/>
-              </a:rPr>
-              <a:t>Estar dado de alta en la aplicación, como profesional. (Login)</a:t>
-            </a:r>
-          </a:p>
-          <a:p>
-            <a:pPr marL="228600" marR="1248410" algn="just" defTabSz="457200">
-              <a:lnSpc>
-                <a:spcPct val="115000"/>
-              </a:lnSpc>
-              <a:spcBef>
-                <a:spcPts val="0"/>
-              </a:spcBef>
-              <a:defRPr sz="1700">
-                <a:solidFill>
-                  <a:srgbClr val="000000"/>
-                </a:solidFill>
-                <a:uFill>
-                  <a:solidFill>
-                    <a:srgbClr val="000000"/>
-                  </a:solidFill>
-                </a:uFill>
-                <a:latin typeface="Times New Roman"/>
-                <a:ea typeface="Times New Roman"/>
-                <a:cs typeface="Times New Roman"/>
-                <a:sym typeface="Times New Roman"/>
-              </a:defRPr>
-            </a:pPr>
-            <a:r>
-              <a:rPr b="1">
-                <a:solidFill>
-                  <a:srgbClr val="262626"/>
-                </a:solidFill>
-                <a:uFill>
-                  <a:solidFill>
-                    <a:srgbClr val="262626"/>
-                  </a:solidFill>
-                </a:uFill>
-                <a:latin typeface="Helvetica Neue"/>
-                <a:ea typeface="Helvetica Neue"/>
-                <a:cs typeface="Helvetica Neue"/>
-                <a:sym typeface="Helvetica Neue"/>
-              </a:rPr>
-              <a:t>Postcondiciones:</a:t>
-            </a:r>
-          </a:p>
-          <a:p>
-            <a:pPr marL="228600" marR="567690" indent="440055" algn="just" defTabSz="457200">
-              <a:lnSpc>
-                <a:spcPct val="115000"/>
-              </a:lnSpc>
-              <a:spcBef>
-                <a:spcPts val="0"/>
-              </a:spcBef>
-              <a:defRPr sz="1700">
-                <a:solidFill>
-                  <a:srgbClr val="000000"/>
-                </a:solidFill>
-                <a:uFill>
-                  <a:solidFill>
-                    <a:srgbClr val="000000"/>
-                  </a:solidFill>
-                </a:uFill>
-                <a:latin typeface="Times New Roman"/>
-                <a:ea typeface="Times New Roman"/>
-                <a:cs typeface="Times New Roman"/>
-                <a:sym typeface="Times New Roman"/>
-              </a:defRPr>
-            </a:pPr>
-            <a:r>
-              <a:rPr b="1">
-                <a:solidFill>
-                  <a:srgbClr val="262626"/>
-                </a:solidFill>
-                <a:uFill>
-                  <a:solidFill>
-                    <a:srgbClr val="262626"/>
-                  </a:solidFill>
-                </a:uFill>
-                <a:latin typeface="Helvetica Neue"/>
-                <a:ea typeface="Helvetica Neue"/>
-                <a:cs typeface="Helvetica Neue"/>
-                <a:sym typeface="Helvetica Neue"/>
-              </a:rPr>
-              <a:t>Éxito: </a:t>
-            </a:r>
-            <a:r>
-              <a:rPr>
-                <a:solidFill>
-                  <a:srgbClr val="262626"/>
-                </a:solidFill>
-                <a:uFill>
-                  <a:solidFill>
-                    <a:srgbClr val="262626"/>
-                  </a:solidFill>
-                </a:uFill>
-                <a:latin typeface="Helvetica Neue"/>
-                <a:ea typeface="Helvetica Neue"/>
-                <a:cs typeface="Helvetica Neue"/>
-                <a:sym typeface="Helvetica Neue"/>
-              </a:rPr>
-              <a:t>Hay al menos una pregunta por responder.</a:t>
-            </a:r>
-          </a:p>
-          <a:p>
-            <a:pPr marL="228600" marR="567690" indent="440055" algn="just" defTabSz="457200">
-              <a:lnSpc>
-                <a:spcPct val="115000"/>
-              </a:lnSpc>
-              <a:spcBef>
-                <a:spcPts val="0"/>
-              </a:spcBef>
-              <a:defRPr sz="1700">
-                <a:solidFill>
-                  <a:srgbClr val="000000"/>
-                </a:solidFill>
-                <a:uFill>
-                  <a:solidFill>
-                    <a:srgbClr val="000000"/>
-                  </a:solidFill>
-                </a:uFill>
-                <a:latin typeface="Times New Roman"/>
-                <a:ea typeface="Times New Roman"/>
-                <a:cs typeface="Times New Roman"/>
-                <a:sym typeface="Times New Roman"/>
-              </a:defRPr>
-            </a:pPr>
-            <a:r>
-              <a:rPr b="1">
-                <a:solidFill>
-                  <a:srgbClr val="262626"/>
-                </a:solidFill>
-                <a:uFill>
-                  <a:solidFill>
-                    <a:srgbClr val="262626"/>
-                  </a:solidFill>
-                </a:uFill>
-                <a:latin typeface="Helvetica Neue"/>
-                <a:ea typeface="Helvetica Neue"/>
-                <a:cs typeface="Helvetica Neue"/>
-                <a:sym typeface="Helvetica Neue"/>
-              </a:rPr>
-              <a:t>Fallo:</a:t>
-            </a:r>
-            <a:r>
-              <a:rPr>
-                <a:solidFill>
-                  <a:srgbClr val="262626"/>
-                </a:solidFill>
-                <a:uFill>
-                  <a:solidFill>
-                    <a:srgbClr val="262626"/>
-                  </a:solidFill>
-                </a:uFill>
-                <a:latin typeface="Helvetica Neue"/>
-                <a:ea typeface="Helvetica Neue"/>
-                <a:cs typeface="Helvetica Neue"/>
-                <a:sym typeface="Helvetica Neue"/>
-              </a:rPr>
-              <a:t> No hay preguntas pendientes por responder.</a:t>
-            </a:r>
-          </a:p>
-          <a:p>
-            <a:pPr marL="228600" algn="just" defTabSz="457200">
-              <a:lnSpc>
-                <a:spcPct val="115000"/>
-              </a:lnSpc>
-              <a:spcBef>
-                <a:spcPts val="0"/>
-              </a:spcBef>
-              <a:defRPr sz="1700">
-                <a:solidFill>
-                  <a:srgbClr val="000000"/>
-                </a:solidFill>
-                <a:uFill>
-                  <a:solidFill>
-                    <a:srgbClr val="000000"/>
-                  </a:solidFill>
-                </a:uFill>
-                <a:latin typeface="Times New Roman"/>
-                <a:ea typeface="Times New Roman"/>
-                <a:cs typeface="Times New Roman"/>
-                <a:sym typeface="Times New Roman"/>
-              </a:defRPr>
-            </a:pPr>
-            <a:endParaRPr>
-              <a:solidFill>
-                <a:srgbClr val="262626"/>
-              </a:solidFill>
-              <a:uFill>
-                <a:solidFill>
-                  <a:srgbClr val="262626"/>
-                </a:solidFill>
-              </a:uFill>
-              <a:latin typeface="Helvetica Neue"/>
-              <a:ea typeface="Helvetica Neue"/>
-              <a:cs typeface="Helvetica Neue"/>
-              <a:sym typeface="Helvetica Neue"/>
-            </a:endParaRPr>
-          </a:p>
-          <a:p>
-            <a:pPr marL="228600" algn="just" defTabSz="457200">
-              <a:lnSpc>
-                <a:spcPct val="115000"/>
-              </a:lnSpc>
-              <a:spcBef>
-                <a:spcPts val="0"/>
-              </a:spcBef>
-              <a:defRPr sz="1700">
-                <a:solidFill>
-                  <a:srgbClr val="000000"/>
-                </a:solidFill>
-                <a:uFill>
-                  <a:solidFill>
-                    <a:srgbClr val="000000"/>
-                  </a:solidFill>
-                </a:uFill>
-                <a:latin typeface="Times New Roman"/>
-                <a:ea typeface="Times New Roman"/>
-                <a:cs typeface="Times New Roman"/>
-                <a:sym typeface="Times New Roman"/>
-              </a:defRPr>
-            </a:pPr>
-            <a:r>
-              <a:rPr b="1">
-                <a:solidFill>
-                  <a:srgbClr val="262626"/>
-                </a:solidFill>
-                <a:uFill>
-                  <a:solidFill>
-                    <a:srgbClr val="262626"/>
-                  </a:solidFill>
-                </a:uFill>
-                <a:latin typeface="Helvetica Neue"/>
-                <a:ea typeface="Helvetica Neue"/>
-                <a:cs typeface="Helvetica Neue"/>
-                <a:sym typeface="Helvetica Neue"/>
-              </a:rPr>
-              <a:t>Flujo principal</a:t>
-            </a:r>
-          </a:p>
-          <a:p>
-            <a:pPr marL="685800" indent="-228600" algn="just" defTabSz="457200">
-              <a:lnSpc>
-                <a:spcPct val="115000"/>
-              </a:lnSpc>
-              <a:spcBef>
-                <a:spcPts val="0"/>
-              </a:spcBef>
-              <a:buSzPct val="100000"/>
-              <a:buAutoNum type="arabicPeriod"/>
-              <a:defRPr sz="1700">
-                <a:solidFill>
-                  <a:srgbClr val="262626"/>
-                </a:solidFill>
-                <a:uFill>
-                  <a:solidFill>
-                    <a:srgbClr val="000000"/>
-                  </a:solidFill>
-                </a:uFill>
-                <a:latin typeface="Helvetica Neue"/>
-                <a:ea typeface="Helvetica Neue"/>
-                <a:cs typeface="Helvetica Neue"/>
-                <a:sym typeface="Helvetica Neue"/>
-              </a:defRPr>
-            </a:pPr>
-            <a:r>
-              <a:rPr>
-                <a:uFill>
-                  <a:solidFill>
-                    <a:srgbClr val="262626"/>
-                  </a:solidFill>
-                </a:uFill>
-              </a:rPr>
-              <a:t>El médico contesta a la pregunta realizada por un paciente.</a:t>
-            </a:r>
-          </a:p>
-          <a:p>
-            <a:pPr marL="685800" indent="-228600" algn="just" defTabSz="457200">
-              <a:lnSpc>
-                <a:spcPct val="103333"/>
-              </a:lnSpc>
-              <a:spcBef>
-                <a:spcPts val="0"/>
-              </a:spcBef>
-              <a:buSzPct val="100000"/>
-              <a:buAutoNum type="arabicPeriod"/>
-              <a:defRPr sz="1700">
-                <a:solidFill>
-                  <a:srgbClr val="000000"/>
-                </a:solidFill>
-                <a:uFill>
-                  <a:solidFill>
-                    <a:srgbClr val="000000"/>
-                  </a:solidFill>
-                </a:uFill>
-                <a:latin typeface="Helvetica Neue"/>
-                <a:ea typeface="Helvetica Neue"/>
-                <a:cs typeface="Helvetica Neue"/>
-                <a:sym typeface="Helvetica Neue"/>
-              </a:defRPr>
-            </a:pPr>
-            <a:r>
-              <a:rPr>
-                <a:solidFill>
-                  <a:srgbClr val="262626"/>
-                </a:solidFill>
-                <a:uFill>
-                  <a:solidFill>
-                    <a:srgbClr val="262626"/>
-                  </a:solidFill>
-                </a:uFill>
-              </a:rPr>
-              <a:t>El sistema guarda la respuesta del médico para luego poder ser vista por el paciente.</a:t>
-            </a:r>
-          </a:p>
-          <a:p>
-            <a:pPr marL="228600" algn="just" defTabSz="457200">
-              <a:lnSpc>
-                <a:spcPct val="115000"/>
-              </a:lnSpc>
-              <a:spcBef>
-                <a:spcPts val="0"/>
-              </a:spcBef>
-              <a:defRPr sz="1700">
-                <a:solidFill>
-                  <a:srgbClr val="000000"/>
-                </a:solidFill>
-                <a:uFill>
-                  <a:solidFill>
-                    <a:srgbClr val="000000"/>
-                  </a:solidFill>
-                </a:uFill>
-                <a:latin typeface="Times New Roman"/>
-                <a:ea typeface="Times New Roman"/>
-                <a:cs typeface="Times New Roman"/>
-                <a:sym typeface="Times New Roman"/>
-              </a:defRPr>
-            </a:pPr>
-            <a:r>
-              <a:rPr b="1">
-                <a:solidFill>
-                  <a:srgbClr val="262626"/>
-                </a:solidFill>
-                <a:uFill>
-                  <a:solidFill>
-                    <a:srgbClr val="262626"/>
-                  </a:solidFill>
-                </a:uFill>
-                <a:latin typeface="Helvetica Neue"/>
-                <a:ea typeface="Helvetica Neue"/>
-                <a:cs typeface="Helvetica Neue"/>
-                <a:sym typeface="Helvetica Neue"/>
-              </a:rPr>
-              <a:t>Flujos secundarios</a:t>
-            </a:r>
-          </a:p>
-          <a:p>
-            <a:pPr marL="234950" indent="-6350" algn="just" defTabSz="457200">
-              <a:lnSpc>
-                <a:spcPct val="103333"/>
-              </a:lnSpc>
-              <a:spcBef>
-                <a:spcPts val="0"/>
-              </a:spcBef>
-              <a:defRPr sz="1700">
-                <a:solidFill>
-                  <a:srgbClr val="000000"/>
-                </a:solidFill>
-                <a:uFill>
-                  <a:solidFill>
-                    <a:srgbClr val="000000"/>
-                  </a:solidFill>
-                </a:uFill>
-                <a:latin typeface="Times New Roman"/>
-                <a:ea typeface="Times New Roman"/>
-                <a:cs typeface="Times New Roman"/>
-                <a:sym typeface="Times New Roman"/>
-              </a:defRPr>
-            </a:pPr>
-            <a:r>
-              <a:rPr>
-                <a:solidFill>
-                  <a:srgbClr val="262626"/>
-                </a:solidFill>
-                <a:uFill>
-                  <a:solidFill>
-                    <a:srgbClr val="262626"/>
-                  </a:solidFill>
-                </a:uFill>
-                <a:latin typeface="Helvetica Neue"/>
-                <a:ea typeface="Helvetica Neue"/>
-                <a:cs typeface="Helvetica Neue"/>
-                <a:sym typeface="Helvetica Neue"/>
-              </a:rPr>
-              <a:t>1.  Ningún médico contesta la pregunta del paciente</a:t>
-            </a:r>
-          </a:p>
-          <a:p>
-            <a:pPr marL="234950" indent="-6350" algn="just" defTabSz="457200">
-              <a:lnSpc>
-                <a:spcPct val="103333"/>
-              </a:lnSpc>
-              <a:spcBef>
-                <a:spcPts val="0"/>
-              </a:spcBef>
-              <a:defRPr sz="1700">
-                <a:solidFill>
-                  <a:srgbClr val="000000"/>
-                </a:solidFill>
-                <a:uFill>
-                  <a:solidFill>
-                    <a:srgbClr val="000000"/>
-                  </a:solidFill>
-                </a:uFill>
-                <a:latin typeface="Times New Roman"/>
-                <a:ea typeface="Times New Roman"/>
-                <a:cs typeface="Times New Roman"/>
-                <a:sym typeface="Times New Roman"/>
-              </a:defRPr>
-            </a:pPr>
-            <a:r>
-              <a:rPr>
-                <a:solidFill>
-                  <a:srgbClr val="262626"/>
-                </a:solidFill>
-                <a:uFill>
-                  <a:solidFill>
-                    <a:srgbClr val="262626"/>
-                  </a:solidFill>
-                </a:uFill>
-                <a:latin typeface="Helvetica Neue"/>
-                <a:ea typeface="Helvetica Neue"/>
-                <a:cs typeface="Helvetica Neue"/>
-                <a:sym typeface="Helvetica Neue"/>
-              </a:rPr>
-              <a:t>2.  El sistema no guardó correctamente la respuesta.</a:t>
-            </a:r>
-          </a:p>
-        </p:txBody>
-      </p:sp>
-      <p:pic>
-        <p:nvPicPr>
-          <p:cNvPr id="340" name="image3.png"/>
           <p:cNvPicPr>
             <a:picLocks noChangeAspect="1"/>
           </p:cNvPicPr>
@@ -18617,7 +18474,7 @@
           </a:ln>
           <a:extLst>
             <a:ext uri="{C572A759-6A51-4108-AA02-DFA0A04FC94B}">
-              <ma14:wrappingTextBoxFlag xmlns="" xmlns:ma14="http://schemas.microsoft.com/office/mac/drawingml/2011/main" val="1"/>
+              <ma14:wrappingTextBoxFlag xmlns:ma14="http://schemas.microsoft.com/office/mac/drawingml/2011/main" xmlns="" val="1"/>
             </a:ext>
           </a:extLst>
         </p:spPr>
@@ -18664,7 +18521,7 @@
           </a:ln>
           <a:extLst>
             <a:ext uri="{C572A759-6A51-4108-AA02-DFA0A04FC94B}">
-              <ma14:wrappingTextBoxFlag xmlns="" xmlns:ma14="http://schemas.microsoft.com/office/mac/drawingml/2011/main" val="1"/>
+              <ma14:wrappingTextBoxFlag xmlns:ma14="http://schemas.microsoft.com/office/mac/drawingml/2011/main" xmlns="" val="1"/>
             </a:ext>
           </a:extLst>
         </p:spPr>
@@ -18695,23 +18552,33 @@
           </a:lstStyle>
           <a:p>
             <a:r>
-              <a:rPr lang="es-ES_tradnl" dirty="0" smtClean="0"/>
+              <a:rPr lang="es-ES_tradnl" dirty="0" smtClean="0">
+                <a:hlinkClick r:id="rId5" action="ppaction://hlinksldjump"/>
+              </a:rPr>
               <a:t>1 </a:t>
             </a:r>
             <a:r>
-              <a:rPr lang="es-ES_tradnl" dirty="0" err="1" smtClean="0"/>
+              <a:rPr lang="es-ES_tradnl" dirty="0" err="1" smtClean="0">
+                <a:hlinkClick r:id="rId5" action="ppaction://hlinksldjump"/>
+              </a:rPr>
               <a:t>Propó</a:t>
             </a:r>
             <a:r>
-              <a:rPr lang="it-IT" dirty="0"/>
+              <a:rPr lang="it-IT" dirty="0">
+                <a:hlinkClick r:id="rId5" action="ppaction://hlinksldjump"/>
+              </a:rPr>
               <a:t>sito del </a:t>
             </a:r>
             <a:r>
-              <a:rPr lang="it-IT" dirty="0" smtClean="0"/>
+              <a:rPr lang="it-IT" dirty="0" smtClean="0">
+                <a:hlinkClick r:id="rId5" action="ppaction://hlinksldjump"/>
+              </a:rPr>
               <a:t>plan</a:t>
             </a:r>
             <a:r>
-              <a:rPr lang="it-IT" dirty="0"/>
+              <a:rPr lang="it-IT" dirty="0">
+                <a:hlinkClick r:id="rId5" action="ppaction://hlinksldjump"/>
+              </a:rPr>
               <a:t>	</a:t>
             </a:r>
             <a:endParaRPr lang="es-ES" dirty="0"/>
@@ -18846,7 +18713,7 @@
           </a:ln>
           <a:extLst>
             <a:ext uri="{C572A759-6A51-4108-AA02-DFA0A04FC94B}">
-              <ma14:wrappingTextBoxFlag xmlns="" xmlns:ma14="http://schemas.microsoft.com/office/mac/drawingml/2011/main" val="1"/>
+              <ma14:wrappingTextBoxFlag xmlns:ma14="http://schemas.microsoft.com/office/mac/drawingml/2011/main" xmlns="" val="1"/>
             </a:ext>
           </a:extLst>
         </p:spPr>
@@ -18975,7 +18842,7 @@
           </a:ln>
           <a:extLst>
             <a:ext uri="{C572A759-6A51-4108-AA02-DFA0A04FC94B}">
-              <ma14:wrappingTextBoxFlag xmlns="" xmlns:ma14="http://schemas.microsoft.com/office/mac/drawingml/2011/main" val="1"/>
+              <ma14:wrappingTextBoxFlag xmlns:ma14="http://schemas.microsoft.com/office/mac/drawingml/2011/main" xmlns="" val="1"/>
             </a:ext>
           </a:extLst>
         </p:spPr>
@@ -19166,7 +19033,7 @@
           </a:ln>
           <a:extLst>
             <a:ext uri="{C572A759-6A51-4108-AA02-DFA0A04FC94B}">
-              <ma14:wrappingTextBoxFlag xmlns="" xmlns:ma14="http://schemas.microsoft.com/office/mac/drawingml/2011/main" val="1"/>
+              <ma14:wrappingTextBoxFlag xmlns:ma14="http://schemas.microsoft.com/office/mac/drawingml/2011/main" xmlns="" val="1"/>
             </a:ext>
           </a:extLst>
         </p:spPr>
@@ -19542,7 +19409,7 @@
           </a:ln>
           <a:extLst>
             <a:ext uri="{C572A759-6A51-4108-AA02-DFA0A04FC94B}">
-              <ma14:wrappingTextBoxFlag xmlns="" xmlns:ma14="http://schemas.microsoft.com/office/mac/drawingml/2011/main" val="1"/>
+              <ma14:wrappingTextBoxFlag xmlns:ma14="http://schemas.microsoft.com/office/mac/drawingml/2011/main" xmlns="" val="1"/>
             </a:ext>
           </a:extLst>
         </p:spPr>
@@ -19565,8 +19432,14 @@
           </a:lstStyle>
           <a:p>
             <a:r>
-              <a:t>1 Introduccion</a:t>
-            </a:r>
+              <a:rPr dirty="0"/>
+              <a:t>1 </a:t>
+            </a:r>
+            <a:r>
+              <a:rPr dirty="0" err="1"/>
+              <a:t>Introduccion</a:t>
+            </a:r>
+            <a:endParaRPr dirty="0"/>
           </a:p>
         </p:txBody>
       </p:sp>
@@ -19639,7 +19512,7 @@
           </a:ln>
           <a:extLst>
             <a:ext uri="{C572A759-6A51-4108-AA02-DFA0A04FC94B}">
-              <ma14:wrappingTextBoxFlag xmlns="" xmlns:ma14="http://schemas.microsoft.com/office/mac/drawingml/2011/main" val="1"/>
+              <ma14:wrappingTextBoxFlag xmlns:ma14="http://schemas.microsoft.com/office/mac/drawingml/2011/main" xmlns="" val="1"/>
             </a:ext>
           </a:extLst>
         </p:spPr>
@@ -19746,7 +19619,7 @@
           </a:ln>
           <a:extLst>
             <a:ext uri="{C572A759-6A51-4108-AA02-DFA0A04FC94B}">
-              <ma14:wrappingTextBoxFlag xmlns="" xmlns:ma14="http://schemas.microsoft.com/office/mac/drawingml/2011/main" val="1"/>
+              <ma14:wrappingTextBoxFlag xmlns:ma14="http://schemas.microsoft.com/office/mac/drawingml/2011/main" xmlns="" val="1"/>
             </a:ext>
           </a:extLst>
         </p:spPr>
@@ -19866,7 +19739,7 @@
           </a:ln>
           <a:extLst>
             <a:ext uri="{C572A759-6A51-4108-AA02-DFA0A04FC94B}">
-              <ma14:wrappingTextBoxFlag xmlns="" xmlns:ma14="http://schemas.microsoft.com/office/mac/drawingml/2011/main" val="1"/>
+              <ma14:wrappingTextBoxFlag xmlns:ma14="http://schemas.microsoft.com/office/mac/drawingml/2011/main" xmlns="" val="1"/>
             </a:ext>
           </a:extLst>
         </p:spPr>
@@ -19973,7 +19846,7 @@
           </a:ln>
           <a:extLst>
             <a:ext uri="{C572A759-6A51-4108-AA02-DFA0A04FC94B}">
-              <ma14:wrappingTextBoxFlag xmlns="" xmlns:ma14="http://schemas.microsoft.com/office/mac/drawingml/2011/main" val="1"/>
+              <ma14:wrappingTextBoxFlag xmlns:ma14="http://schemas.microsoft.com/office/mac/drawingml/2011/main" xmlns="" val="1"/>
             </a:ext>
           </a:extLst>
         </p:spPr>
@@ -20218,7 +20091,7 @@
           </a:ln>
           <a:extLst>
             <a:ext uri="{C572A759-6A51-4108-AA02-DFA0A04FC94B}">
-              <ma14:wrappingTextBoxFlag xmlns="" xmlns:ma14="http://schemas.microsoft.com/office/mac/drawingml/2011/main" val="1"/>
+              <ma14:wrappingTextBoxFlag xmlns:ma14="http://schemas.microsoft.com/office/mac/drawingml/2011/main" xmlns="" val="1"/>
             </a:ext>
           </a:extLst>
         </p:spPr>
@@ -20478,6 +20351,1535 @@
 </file>
 
 <file path=ppt/slides/slide20.xml><?xml version="1.0" encoding="utf-8"?>
+<p:sld xmlns:a="http://schemas.openxmlformats.org/drawingml/2006/main" xmlns:r="http://schemas.openxmlformats.org/officeDocument/2006/relationships" xmlns:p="http://schemas.openxmlformats.org/presentationml/2006/main">
+  <p:cSld>
+    <p:spTree>
+      <p:nvGrpSpPr>
+        <p:cNvPr id="1" name=""/>
+        <p:cNvGrpSpPr/>
+        <p:nvPr/>
+      </p:nvGrpSpPr>
+      <p:grpSpPr>
+        <a:xfrm>
+          <a:off x="0" y="0"/>
+          <a:ext cx="0" cy="0"/>
+          <a:chOff x="0" y="0"/>
+          <a:chExt cx="0" cy="0"/>
+        </a:xfrm>
+      </p:grpSpPr>
+      <p:pic>
+        <p:nvPicPr>
+          <p:cNvPr id="328" name="pasted-image.tiff"/>
+          <p:cNvPicPr>
+            <a:picLocks noChangeAspect="1"/>
+          </p:cNvPicPr>
+          <p:nvPr/>
+        </p:nvPicPr>
+        <p:blipFill>
+          <a:blip r:embed="rId2">
+            <a:extLst/>
+          </a:blip>
+          <a:stretch>
+            <a:fillRect/>
+          </a:stretch>
+        </p:blipFill>
+        <p:spPr>
+          <a:xfrm>
+            <a:off x="-816206" y="-529723"/>
+            <a:ext cx="26829216" cy="2397845"/>
+          </a:xfrm>
+          <a:prstGeom prst="rect">
+            <a:avLst/>
+          </a:prstGeom>
+          <a:ln w="12700">
+            <a:miter lim="400000"/>
+          </a:ln>
+        </p:spPr>
+      </p:pic>
+      <p:pic>
+        <p:nvPicPr>
+          <p:cNvPr id="329" name="pasted-image.tiff"/>
+          <p:cNvPicPr>
+            <a:picLocks noChangeAspect="1"/>
+          </p:cNvPicPr>
+          <p:nvPr/>
+        </p:nvPicPr>
+        <p:blipFill>
+          <a:blip r:embed="rId3">
+            <a:extLst/>
+          </a:blip>
+          <a:stretch>
+            <a:fillRect/>
+          </a:stretch>
+        </p:blipFill>
+        <p:spPr>
+          <a:xfrm>
+            <a:off x="20120528" y="596900"/>
+            <a:ext cx="2416329" cy="766806"/>
+          </a:xfrm>
+          <a:prstGeom prst="rect">
+            <a:avLst/>
+          </a:prstGeom>
+          <a:ln w="12700">
+            <a:miter lim="400000"/>
+          </a:ln>
+        </p:spPr>
+      </p:pic>
+      <p:sp>
+        <p:nvSpPr>
+          <p:cNvPr id="331" name="Shape 331"/>
+          <p:cNvSpPr/>
+          <p:nvPr/>
+        </p:nvSpPr>
+        <p:spPr>
+          <a:xfrm>
+            <a:off x="1044066" y="512137"/>
+            <a:ext cx="6485955" cy="771399"/>
+          </a:xfrm>
+          <a:prstGeom prst="rect">
+            <a:avLst/>
+          </a:prstGeom>
+          <a:ln w="12700">
+            <a:miter lim="400000"/>
+          </a:ln>
+          <a:extLst>
+            <a:ext uri="{C572A759-6A51-4108-AA02-DFA0A04FC94B}">
+              <ma14:wrappingTextBoxFlag xmlns:ma14="http://schemas.microsoft.com/office/mac/drawingml/2011/main" xmlns="" val="1"/>
+            </a:ext>
+          </a:extLst>
+        </p:spPr>
+        <p:txBody>
+          <a:bodyPr wrap="none" lIns="50800" tIns="50800" rIns="50800" bIns="50800" anchor="ctr">
+            <a:spAutoFit/>
+          </a:bodyPr>
+          <a:lstStyle>
+            <a:lvl1pPr>
+              <a:defRPr sz="4500">
+                <a:solidFill>
+                  <a:srgbClr val="FFFFFF"/>
+                </a:solidFill>
+                <a:latin typeface="Helvetica Neue"/>
+                <a:ea typeface="Helvetica Neue"/>
+                <a:cs typeface="Helvetica Neue"/>
+                <a:sym typeface="Helvetica Neue"/>
+              </a:defRPr>
+            </a:lvl1pPr>
+          </a:lstStyle>
+          <a:p>
+            <a:r>
+              <a:t>3. Requisitos específicos</a:t>
+            </a:r>
+          </a:p>
+        </p:txBody>
+      </p:sp>
+      <p:sp>
+        <p:nvSpPr>
+          <p:cNvPr id="332" name="Shape 332"/>
+          <p:cNvSpPr/>
+          <p:nvPr/>
+        </p:nvSpPr>
+        <p:spPr>
+          <a:xfrm>
+            <a:off x="9780559" y="2510331"/>
+            <a:ext cx="4822882" cy="771399"/>
+          </a:xfrm>
+          <a:prstGeom prst="roundRect">
+            <a:avLst>
+              <a:gd name="adj" fmla="val 33536"/>
+            </a:avLst>
+          </a:prstGeom>
+          <a:solidFill>
+            <a:srgbClr val="BA6B89"/>
+          </a:solidFill>
+          <a:ln w="12700">
+            <a:miter lim="400000"/>
+          </a:ln>
+        </p:spPr>
+        <p:txBody>
+          <a:bodyPr lIns="50800" tIns="50800" rIns="50800" bIns="50800" anchor="ctr"/>
+          <a:lstStyle/>
+          <a:p>
+            <a:pPr algn="ctr">
+              <a:lnSpc>
+                <a:spcPct val="80000"/>
+              </a:lnSpc>
+              <a:spcBef>
+                <a:spcPts val="0"/>
+              </a:spcBef>
+              <a:defRPr sz="4000" cap="all">
+                <a:solidFill>
+                  <a:srgbClr val="FFFFFF"/>
+                </a:solidFill>
+                <a:latin typeface="+mn-lt"/>
+                <a:ea typeface="+mn-ea"/>
+                <a:cs typeface="+mn-cs"/>
+                <a:sym typeface="DIN Condensed"/>
+              </a:defRPr>
+            </a:pPr>
+            <a:endParaRPr/>
+          </a:p>
+        </p:txBody>
+      </p:sp>
+      <p:sp>
+        <p:nvSpPr>
+          <p:cNvPr id="333" name="Shape 333"/>
+          <p:cNvSpPr/>
+          <p:nvPr/>
+        </p:nvSpPr>
+        <p:spPr>
+          <a:xfrm>
+            <a:off x="10006183" y="2584880"/>
+            <a:ext cx="4371634" cy="622301"/>
+          </a:xfrm>
+          <a:prstGeom prst="rect">
+            <a:avLst/>
+          </a:prstGeom>
+          <a:ln w="12700">
+            <a:miter lim="400000"/>
+          </a:ln>
+          <a:extLst>
+            <a:ext uri="{C572A759-6A51-4108-AA02-DFA0A04FC94B}">
+              <ma14:wrappingTextBoxFlag xmlns:ma14="http://schemas.microsoft.com/office/mac/drawingml/2011/main" xmlns="" val="1"/>
+            </a:ext>
+          </a:extLst>
+        </p:spPr>
+        <p:txBody>
+          <a:bodyPr lIns="50800" tIns="50800" rIns="50800" bIns="50800" anchor="ctr">
+            <a:spAutoFit/>
+          </a:bodyPr>
+          <a:lstStyle>
+            <a:lvl1pPr>
+              <a:defRPr>
+                <a:solidFill>
+                  <a:srgbClr val="FFFFFF"/>
+                </a:solidFill>
+              </a:defRPr>
+            </a:lvl1pPr>
+          </a:lstStyle>
+          <a:p>
+            <a:r>
+              <a:t>2 Requisitos funcionales</a:t>
+            </a:r>
+          </a:p>
+        </p:txBody>
+      </p:sp>
+      <p:sp>
+        <p:nvSpPr>
+          <p:cNvPr id="334" name="Shape 334"/>
+          <p:cNvSpPr/>
+          <p:nvPr/>
+        </p:nvSpPr>
+        <p:spPr>
+          <a:xfrm>
+            <a:off x="1187450" y="3949265"/>
+            <a:ext cx="22009100" cy="8780324"/>
+          </a:xfrm>
+          <a:prstGeom prst="roundRect">
+            <a:avLst>
+              <a:gd name="adj" fmla="val 8979"/>
+            </a:avLst>
+          </a:prstGeom>
+          <a:ln w="50800">
+            <a:solidFill>
+              <a:srgbClr val="5B5854"/>
+            </a:solidFill>
+            <a:miter lim="400000"/>
+          </a:ln>
+        </p:spPr>
+        <p:txBody>
+          <a:bodyPr lIns="50800" tIns="50800" rIns="50800" bIns="50800" anchor="ctr"/>
+          <a:lstStyle/>
+          <a:p>
+            <a:pPr algn="ctr">
+              <a:lnSpc>
+                <a:spcPct val="80000"/>
+              </a:lnSpc>
+              <a:spcBef>
+                <a:spcPts val="0"/>
+              </a:spcBef>
+              <a:defRPr sz="100" cap="all">
+                <a:solidFill>
+                  <a:srgbClr val="FFFFFF"/>
+                </a:solidFill>
+                <a:latin typeface="+mn-lt"/>
+                <a:ea typeface="+mn-ea"/>
+                <a:cs typeface="+mn-cs"/>
+                <a:sym typeface="DIN Condensed"/>
+              </a:defRPr>
+            </a:pPr>
+            <a:endParaRPr/>
+          </a:p>
+        </p:txBody>
+      </p:sp>
+      <p:sp>
+        <p:nvSpPr>
+          <p:cNvPr id="335" name="Shape 335"/>
+          <p:cNvSpPr/>
+          <p:nvPr/>
+        </p:nvSpPr>
+        <p:spPr>
+          <a:xfrm>
+            <a:off x="1775661" y="4549095"/>
+            <a:ext cx="6312854" cy="473391"/>
+          </a:xfrm>
+          <a:prstGeom prst="rect">
+            <a:avLst/>
+          </a:prstGeom>
+          <a:ln w="12700">
+            <a:miter lim="400000"/>
+          </a:ln>
+          <a:extLst>
+            <a:ext uri="{C572A759-6A51-4108-AA02-DFA0A04FC94B}">
+              <ma14:wrappingTextBoxFlag xmlns:ma14="http://schemas.microsoft.com/office/mac/drawingml/2011/main" xmlns="" val="1"/>
+            </a:ext>
+          </a:extLst>
+        </p:spPr>
+        <p:txBody>
+          <a:bodyPr wrap="none" lIns="50800" tIns="50800" rIns="50800" bIns="50800" anchor="ctr">
+            <a:spAutoFit/>
+          </a:bodyPr>
+          <a:lstStyle>
+            <a:lvl1pPr marL="360045" algn="just" defTabSz="457200">
+              <a:lnSpc>
+                <a:spcPct val="115000"/>
+              </a:lnSpc>
+              <a:spcBef>
+                <a:spcPts val="1000"/>
+              </a:spcBef>
+              <a:defRPr sz="2500" b="1">
+                <a:solidFill>
+                  <a:srgbClr val="000000"/>
+                </a:solidFill>
+                <a:uFill>
+                  <a:solidFill>
+                    <a:srgbClr val="000000"/>
+                  </a:solidFill>
+                </a:uFill>
+                <a:latin typeface="Helvetica Neue"/>
+                <a:ea typeface="Helvetica Neue"/>
+                <a:cs typeface="Helvetica Neue"/>
+                <a:sym typeface="Helvetica Neue"/>
+              </a:defRPr>
+            </a:lvl1pPr>
+          </a:lstStyle>
+          <a:p>
+            <a:r>
+              <a:t>3. Subsistema, Preguntar a un médico.</a:t>
+            </a:r>
+          </a:p>
+        </p:txBody>
+      </p:sp>
+      <p:sp>
+        <p:nvSpPr>
+          <p:cNvPr id="336" name="Shape 336"/>
+          <p:cNvSpPr/>
+          <p:nvPr/>
+        </p:nvSpPr>
+        <p:spPr>
+          <a:xfrm>
+            <a:off x="12688999" y="4133320"/>
+            <a:ext cx="10329053" cy="8412214"/>
+          </a:xfrm>
+          <a:prstGeom prst="roundRect">
+            <a:avLst>
+              <a:gd name="adj" fmla="val 8979"/>
+            </a:avLst>
+          </a:prstGeom>
+          <a:ln w="50800">
+            <a:solidFill>
+              <a:srgbClr val="5B5854"/>
+            </a:solidFill>
+            <a:miter lim="400000"/>
+          </a:ln>
+        </p:spPr>
+        <p:txBody>
+          <a:bodyPr lIns="50800" tIns="50800" rIns="50800" bIns="50800" anchor="ctr"/>
+          <a:lstStyle/>
+          <a:p>
+            <a:pPr algn="ctr">
+              <a:lnSpc>
+                <a:spcPct val="80000"/>
+              </a:lnSpc>
+              <a:spcBef>
+                <a:spcPts val="0"/>
+              </a:spcBef>
+              <a:defRPr sz="100" cap="all">
+                <a:solidFill>
+                  <a:srgbClr val="FFFFFF"/>
+                </a:solidFill>
+                <a:latin typeface="+mn-lt"/>
+                <a:ea typeface="+mn-ea"/>
+                <a:cs typeface="+mn-cs"/>
+                <a:sym typeface="DIN Condensed"/>
+              </a:defRPr>
+            </a:pPr>
+            <a:endParaRPr/>
+          </a:p>
+        </p:txBody>
+      </p:sp>
+      <p:sp>
+        <p:nvSpPr>
+          <p:cNvPr id="337" name="Shape 337"/>
+          <p:cNvSpPr/>
+          <p:nvPr/>
+        </p:nvSpPr>
+        <p:spPr>
+          <a:xfrm>
+            <a:off x="13158615" y="4549095"/>
+            <a:ext cx="5620068" cy="473391"/>
+          </a:xfrm>
+          <a:prstGeom prst="rect">
+            <a:avLst/>
+          </a:prstGeom>
+          <a:ln w="12700">
+            <a:miter lim="400000"/>
+          </a:ln>
+          <a:extLst>
+            <a:ext uri="{C572A759-6A51-4108-AA02-DFA0A04FC94B}">
+              <ma14:wrappingTextBoxFlag xmlns:ma14="http://schemas.microsoft.com/office/mac/drawingml/2011/main" xmlns="" val="1"/>
+            </a:ext>
+          </a:extLst>
+        </p:spPr>
+        <p:txBody>
+          <a:bodyPr wrap="none" lIns="50800" tIns="50800" rIns="50800" bIns="50800" anchor="ctr">
+            <a:spAutoFit/>
+          </a:bodyPr>
+          <a:lstStyle>
+            <a:lvl1pPr marL="360045" algn="just" defTabSz="457200">
+              <a:lnSpc>
+                <a:spcPct val="115000"/>
+              </a:lnSpc>
+              <a:spcBef>
+                <a:spcPts val="1000"/>
+              </a:spcBef>
+              <a:defRPr sz="2500" b="1">
+                <a:solidFill>
+                  <a:srgbClr val="000000"/>
+                </a:solidFill>
+                <a:uFill>
+                  <a:solidFill>
+                    <a:srgbClr val="000000"/>
+                  </a:solidFill>
+                </a:uFill>
+                <a:latin typeface="Helvetica Neue"/>
+                <a:ea typeface="Helvetica Neue"/>
+                <a:cs typeface="Helvetica Neue"/>
+                <a:sym typeface="Helvetica Neue"/>
+              </a:defRPr>
+            </a:lvl1pPr>
+          </a:lstStyle>
+          <a:p>
+            <a:r>
+              <a:t>Caso de Uso, Contestar pregunta:</a:t>
+            </a:r>
+          </a:p>
+        </p:txBody>
+      </p:sp>
+      <p:sp>
+        <p:nvSpPr>
+          <p:cNvPr id="338" name="Shape 338"/>
+          <p:cNvSpPr/>
+          <p:nvPr/>
+        </p:nvSpPr>
+        <p:spPr>
+          <a:xfrm>
+            <a:off x="5350865" y="10766335"/>
+            <a:ext cx="2782579" cy="362130"/>
+          </a:xfrm>
+          <a:prstGeom prst="rect">
+            <a:avLst/>
+          </a:prstGeom>
+          <a:ln w="12700">
+            <a:miter lim="400000"/>
+          </a:ln>
+          <a:extLst>
+            <a:ext uri="{C572A759-6A51-4108-AA02-DFA0A04FC94B}">
+              <ma14:wrappingTextBoxFlag xmlns:ma14="http://schemas.microsoft.com/office/mac/drawingml/2011/main" xmlns="" val="1"/>
+            </a:ext>
+          </a:extLst>
+        </p:spPr>
+        <p:txBody>
+          <a:bodyPr lIns="50800" tIns="50800" rIns="50800" bIns="50800" anchor="ctr">
+            <a:spAutoFit/>
+          </a:bodyPr>
+          <a:lstStyle>
+            <a:lvl1pPr marL="342900" algn="r" defTabSz="457200">
+              <a:lnSpc>
+                <a:spcPct val="115000"/>
+              </a:lnSpc>
+              <a:spcBef>
+                <a:spcPts val="1000"/>
+              </a:spcBef>
+              <a:tabLst>
+                <a:tab pos="444500" algn="l"/>
+              </a:tabLst>
+              <a:defRPr sz="1800" i="1">
+                <a:solidFill>
+                  <a:srgbClr val="00000A"/>
+                </a:solidFill>
+                <a:uFill>
+                  <a:solidFill>
+                    <a:srgbClr val="00000A"/>
+                  </a:solidFill>
+                </a:uFill>
+                <a:latin typeface="Helvetica Neue UltraLight"/>
+                <a:ea typeface="Helvetica Neue UltraLight"/>
+                <a:cs typeface="Helvetica Neue UltraLight"/>
+                <a:sym typeface="Helvetica Neue UltraLight"/>
+              </a:defRPr>
+            </a:lvl1pPr>
+          </a:lstStyle>
+          <a:p>
+            <a:pPr>
+              <a:defRPr i="0">
+                <a:solidFill>
+                  <a:srgbClr val="000000"/>
+                </a:solidFill>
+                <a:uFill>
+                  <a:solidFill>
+                    <a:srgbClr val="000000"/>
+                  </a:solidFill>
+                </a:uFill>
+                <a:latin typeface="Times New Roman"/>
+                <a:ea typeface="Times New Roman"/>
+                <a:cs typeface="Times New Roman"/>
+                <a:sym typeface="Times New Roman"/>
+              </a:defRPr>
+            </a:pPr>
+            <a:r>
+              <a:rPr i="1">
+                <a:solidFill>
+                  <a:srgbClr val="00000A"/>
+                </a:solidFill>
+                <a:uFill>
+                  <a:solidFill>
+                    <a:srgbClr val="00000A"/>
+                  </a:solidFill>
+                </a:uFill>
+                <a:latin typeface="Helvetica Neue UltraLight"/>
+                <a:ea typeface="Helvetica Neue UltraLight"/>
+                <a:cs typeface="Helvetica Neue UltraLight"/>
+                <a:sym typeface="Helvetica Neue UltraLight"/>
+              </a:rPr>
+              <a:t>DCU_Consultar_Medico</a:t>
+            </a:r>
+          </a:p>
+        </p:txBody>
+      </p:sp>
+      <p:sp>
+        <p:nvSpPr>
+          <p:cNvPr id="339" name="Shape 339"/>
+          <p:cNvSpPr/>
+          <p:nvPr/>
+        </p:nvSpPr>
+        <p:spPr>
+          <a:xfrm>
+            <a:off x="13877896" y="5489926"/>
+            <a:ext cx="7951259" cy="5699002"/>
+          </a:xfrm>
+          <a:prstGeom prst="rect">
+            <a:avLst/>
+          </a:prstGeom>
+          <a:ln w="12700">
+            <a:miter lim="400000"/>
+          </a:ln>
+          <a:extLst>
+            <a:ext uri="{C572A759-6A51-4108-AA02-DFA0A04FC94B}">
+              <ma14:wrappingTextBoxFlag xmlns:ma14="http://schemas.microsoft.com/office/mac/drawingml/2011/main" xmlns="" val="1"/>
+            </a:ext>
+          </a:extLst>
+        </p:spPr>
+        <p:txBody>
+          <a:bodyPr lIns="50800" tIns="50800" rIns="50800" bIns="50800" anchor="ctr">
+            <a:spAutoFit/>
+          </a:bodyPr>
+          <a:lstStyle/>
+          <a:p>
+            <a:pPr marL="228600" algn="just" defTabSz="457200">
+              <a:lnSpc>
+                <a:spcPct val="115000"/>
+              </a:lnSpc>
+              <a:spcBef>
+                <a:spcPts val="0"/>
+              </a:spcBef>
+              <a:defRPr sz="1700">
+                <a:solidFill>
+                  <a:srgbClr val="000000"/>
+                </a:solidFill>
+                <a:uFill>
+                  <a:solidFill>
+                    <a:srgbClr val="000000"/>
+                  </a:solidFill>
+                </a:uFill>
+                <a:latin typeface="Times New Roman"/>
+                <a:ea typeface="Times New Roman"/>
+                <a:cs typeface="Times New Roman"/>
+                <a:sym typeface="Times New Roman"/>
+              </a:defRPr>
+            </a:pPr>
+            <a:r>
+              <a:rPr b="1">
+                <a:solidFill>
+                  <a:srgbClr val="262626"/>
+                </a:solidFill>
+                <a:uFill>
+                  <a:solidFill>
+                    <a:srgbClr val="262626"/>
+                  </a:solidFill>
+                </a:uFill>
+                <a:latin typeface="Helvetica Neue"/>
+                <a:ea typeface="Helvetica Neue"/>
+                <a:cs typeface="Helvetica Neue"/>
+                <a:sym typeface="Helvetica Neue"/>
+              </a:rPr>
+              <a:t>Identificador</a:t>
+            </a:r>
+            <a:r>
+              <a:rPr>
+                <a:solidFill>
+                  <a:srgbClr val="262626"/>
+                </a:solidFill>
+                <a:uFill>
+                  <a:solidFill>
+                    <a:srgbClr val="262626"/>
+                  </a:solidFill>
+                </a:uFill>
+                <a:latin typeface="Helvetica Neue"/>
+                <a:ea typeface="Helvetica Neue"/>
+                <a:cs typeface="Helvetica Neue"/>
+                <a:sym typeface="Helvetica Neue"/>
+              </a:rPr>
+              <a:t>: CM2</a:t>
+            </a:r>
+          </a:p>
+          <a:p>
+            <a:pPr marL="228600" algn="just" defTabSz="457200">
+              <a:lnSpc>
+                <a:spcPct val="115000"/>
+              </a:lnSpc>
+              <a:spcBef>
+                <a:spcPts val="0"/>
+              </a:spcBef>
+              <a:defRPr sz="1700">
+                <a:solidFill>
+                  <a:srgbClr val="000000"/>
+                </a:solidFill>
+                <a:uFill>
+                  <a:solidFill>
+                    <a:srgbClr val="000000"/>
+                  </a:solidFill>
+                </a:uFill>
+                <a:latin typeface="Times New Roman"/>
+                <a:ea typeface="Times New Roman"/>
+                <a:cs typeface="Times New Roman"/>
+                <a:sym typeface="Times New Roman"/>
+              </a:defRPr>
+            </a:pPr>
+            <a:r>
+              <a:rPr b="1">
+                <a:solidFill>
+                  <a:srgbClr val="262626"/>
+                </a:solidFill>
+                <a:uFill>
+                  <a:solidFill>
+                    <a:srgbClr val="262626"/>
+                  </a:solidFill>
+                </a:uFill>
+                <a:latin typeface="Helvetica Neue"/>
+                <a:ea typeface="Helvetica Neue"/>
+                <a:cs typeface="Helvetica Neue"/>
+                <a:sym typeface="Helvetica Neue"/>
+              </a:rPr>
+              <a:t>Objetivo en Contexto:</a:t>
+            </a:r>
+          </a:p>
+          <a:p>
+            <a:pPr marL="228600" algn="just" defTabSz="457200">
+              <a:lnSpc>
+                <a:spcPct val="115000"/>
+              </a:lnSpc>
+              <a:spcBef>
+                <a:spcPts val="0"/>
+              </a:spcBef>
+              <a:defRPr sz="1700">
+                <a:solidFill>
+                  <a:srgbClr val="000000"/>
+                </a:solidFill>
+                <a:uFill>
+                  <a:solidFill>
+                    <a:srgbClr val="000000"/>
+                  </a:solidFill>
+                </a:uFill>
+                <a:latin typeface="Times New Roman"/>
+                <a:ea typeface="Times New Roman"/>
+                <a:cs typeface="Times New Roman"/>
+                <a:sym typeface="Times New Roman"/>
+              </a:defRPr>
+            </a:pPr>
+            <a:r>
+              <a:rPr>
+                <a:solidFill>
+                  <a:srgbClr val="262626"/>
+                </a:solidFill>
+                <a:uFill>
+                  <a:solidFill>
+                    <a:srgbClr val="262626"/>
+                  </a:solidFill>
+                </a:uFill>
+                <a:latin typeface="Helvetica Neue"/>
+                <a:ea typeface="Helvetica Neue"/>
+                <a:cs typeface="Helvetica Neue"/>
+                <a:sym typeface="Helvetica Neue"/>
+              </a:rPr>
+              <a:t>El  Médico contesta a una pregunta realizada por un paciente.</a:t>
+            </a:r>
+          </a:p>
+          <a:p>
+            <a:pPr marL="228600" algn="just" defTabSz="457200">
+              <a:lnSpc>
+                <a:spcPct val="115000"/>
+              </a:lnSpc>
+              <a:spcBef>
+                <a:spcPts val="0"/>
+              </a:spcBef>
+              <a:defRPr sz="1700">
+                <a:solidFill>
+                  <a:srgbClr val="000000"/>
+                </a:solidFill>
+                <a:uFill>
+                  <a:solidFill>
+                    <a:srgbClr val="000000"/>
+                  </a:solidFill>
+                </a:uFill>
+                <a:latin typeface="Times New Roman"/>
+                <a:ea typeface="Times New Roman"/>
+                <a:cs typeface="Times New Roman"/>
+                <a:sym typeface="Times New Roman"/>
+              </a:defRPr>
+            </a:pPr>
+            <a:r>
+              <a:rPr b="1">
+                <a:solidFill>
+                  <a:srgbClr val="262626"/>
+                </a:solidFill>
+                <a:uFill>
+                  <a:solidFill>
+                    <a:srgbClr val="262626"/>
+                  </a:solidFill>
+                </a:uFill>
+                <a:latin typeface="Helvetica Neue"/>
+                <a:ea typeface="Helvetica Neue"/>
+                <a:cs typeface="Helvetica Neue"/>
+                <a:sym typeface="Helvetica Neue"/>
+              </a:rPr>
+              <a:t>Actor</a:t>
+            </a:r>
+            <a:r>
+              <a:rPr>
+                <a:solidFill>
+                  <a:srgbClr val="262626"/>
+                </a:solidFill>
+                <a:uFill>
+                  <a:solidFill>
+                    <a:srgbClr val="262626"/>
+                  </a:solidFill>
+                </a:uFill>
+                <a:latin typeface="Helvetica Neue"/>
+                <a:ea typeface="Helvetica Neue"/>
+                <a:cs typeface="Helvetica Neue"/>
+                <a:sym typeface="Helvetica Neue"/>
+              </a:rPr>
+              <a:t> </a:t>
+            </a:r>
+            <a:r>
+              <a:rPr b="1">
+                <a:solidFill>
+                  <a:srgbClr val="262626"/>
+                </a:solidFill>
+                <a:uFill>
+                  <a:solidFill>
+                    <a:srgbClr val="262626"/>
+                  </a:solidFill>
+                </a:uFill>
+                <a:latin typeface="Helvetica Neue"/>
+                <a:ea typeface="Helvetica Neue"/>
+                <a:cs typeface="Helvetica Neue"/>
+                <a:sym typeface="Helvetica Neue"/>
+              </a:rPr>
+              <a:t>principal</a:t>
+            </a:r>
+            <a:r>
+              <a:rPr>
+                <a:solidFill>
+                  <a:srgbClr val="262626"/>
+                </a:solidFill>
+                <a:uFill>
+                  <a:solidFill>
+                    <a:srgbClr val="262626"/>
+                  </a:solidFill>
+                </a:uFill>
+                <a:latin typeface="Helvetica Neue"/>
+                <a:ea typeface="Helvetica Neue"/>
+                <a:cs typeface="Helvetica Neue"/>
+                <a:sym typeface="Helvetica Neue"/>
+              </a:rPr>
+              <a:t>: Médico.</a:t>
+            </a:r>
+          </a:p>
+          <a:p>
+            <a:pPr marL="228600" algn="just" defTabSz="457200">
+              <a:lnSpc>
+                <a:spcPct val="115000"/>
+              </a:lnSpc>
+              <a:spcBef>
+                <a:spcPts val="0"/>
+              </a:spcBef>
+              <a:defRPr sz="1700">
+                <a:solidFill>
+                  <a:srgbClr val="000000"/>
+                </a:solidFill>
+                <a:uFill>
+                  <a:solidFill>
+                    <a:srgbClr val="000000"/>
+                  </a:solidFill>
+                </a:uFill>
+                <a:latin typeface="Times New Roman"/>
+                <a:ea typeface="Times New Roman"/>
+                <a:cs typeface="Times New Roman"/>
+                <a:sym typeface="Times New Roman"/>
+              </a:defRPr>
+            </a:pPr>
+            <a:r>
+              <a:rPr b="1">
+                <a:solidFill>
+                  <a:srgbClr val="262626"/>
+                </a:solidFill>
+                <a:uFill>
+                  <a:solidFill>
+                    <a:srgbClr val="262626"/>
+                  </a:solidFill>
+                </a:uFill>
+                <a:latin typeface="Helvetica Neue"/>
+                <a:ea typeface="Helvetica Neue"/>
+                <a:cs typeface="Helvetica Neue"/>
+                <a:sym typeface="Helvetica Neue"/>
+              </a:rPr>
+              <a:t>Actores</a:t>
+            </a:r>
+            <a:r>
+              <a:rPr>
+                <a:solidFill>
+                  <a:srgbClr val="262626"/>
+                </a:solidFill>
+                <a:uFill>
+                  <a:solidFill>
+                    <a:srgbClr val="262626"/>
+                  </a:solidFill>
+                </a:uFill>
+                <a:latin typeface="Helvetica Neue"/>
+                <a:ea typeface="Helvetica Neue"/>
+                <a:cs typeface="Helvetica Neue"/>
+                <a:sym typeface="Helvetica Neue"/>
+              </a:rPr>
+              <a:t> </a:t>
+            </a:r>
+            <a:r>
+              <a:rPr b="1">
+                <a:solidFill>
+                  <a:srgbClr val="262626"/>
+                </a:solidFill>
+                <a:uFill>
+                  <a:solidFill>
+                    <a:srgbClr val="262626"/>
+                  </a:solidFill>
+                </a:uFill>
+                <a:latin typeface="Helvetica Neue"/>
+                <a:ea typeface="Helvetica Neue"/>
+                <a:cs typeface="Helvetica Neue"/>
+                <a:sym typeface="Helvetica Neue"/>
+              </a:rPr>
+              <a:t>secundarios</a:t>
+            </a:r>
+            <a:r>
+              <a:rPr>
+                <a:solidFill>
+                  <a:srgbClr val="262626"/>
+                </a:solidFill>
+                <a:uFill>
+                  <a:solidFill>
+                    <a:srgbClr val="262626"/>
+                  </a:solidFill>
+                </a:uFill>
+                <a:latin typeface="Helvetica Neue"/>
+                <a:ea typeface="Helvetica Neue"/>
+                <a:cs typeface="Helvetica Neue"/>
+                <a:sym typeface="Helvetica Neue"/>
+              </a:rPr>
+              <a:t>: Base de Datos.</a:t>
+            </a:r>
+          </a:p>
+          <a:p>
+            <a:pPr marL="228600" algn="just" defTabSz="457200">
+              <a:lnSpc>
+                <a:spcPct val="115000"/>
+              </a:lnSpc>
+              <a:spcBef>
+                <a:spcPts val="0"/>
+              </a:spcBef>
+              <a:defRPr sz="1700">
+                <a:solidFill>
+                  <a:srgbClr val="000000"/>
+                </a:solidFill>
+                <a:uFill>
+                  <a:solidFill>
+                    <a:srgbClr val="000000"/>
+                  </a:solidFill>
+                </a:uFill>
+                <a:latin typeface="Times New Roman"/>
+                <a:ea typeface="Times New Roman"/>
+                <a:cs typeface="Times New Roman"/>
+                <a:sym typeface="Times New Roman"/>
+              </a:defRPr>
+            </a:pPr>
+            <a:r>
+              <a:rPr b="1">
+                <a:solidFill>
+                  <a:srgbClr val="262626"/>
+                </a:solidFill>
+                <a:uFill>
+                  <a:solidFill>
+                    <a:srgbClr val="262626"/>
+                  </a:solidFill>
+                </a:uFill>
+                <a:latin typeface="Helvetica Neue"/>
+                <a:ea typeface="Helvetica Neue"/>
+                <a:cs typeface="Helvetica Neue"/>
+                <a:sym typeface="Helvetica Neue"/>
+              </a:rPr>
+              <a:t>Qué datos usa:</a:t>
+            </a:r>
+            <a:r>
+              <a:rPr>
+                <a:solidFill>
+                  <a:srgbClr val="262626"/>
+                </a:solidFill>
+                <a:uFill>
+                  <a:solidFill>
+                    <a:srgbClr val="262626"/>
+                  </a:solidFill>
+                </a:uFill>
+                <a:latin typeface="Helvetica Neue"/>
+                <a:ea typeface="Helvetica Neue"/>
+                <a:cs typeface="Helvetica Neue"/>
+                <a:sym typeface="Helvetica Neue"/>
+              </a:rPr>
+              <a:t> Tarjetas CRC implicadas.</a:t>
+            </a:r>
+          </a:p>
+          <a:p>
+            <a:pPr marL="228600" marR="1248410" algn="just" defTabSz="457200">
+              <a:lnSpc>
+                <a:spcPct val="115000"/>
+              </a:lnSpc>
+              <a:spcBef>
+                <a:spcPts val="0"/>
+              </a:spcBef>
+              <a:defRPr sz="1700">
+                <a:solidFill>
+                  <a:srgbClr val="000000"/>
+                </a:solidFill>
+                <a:uFill>
+                  <a:solidFill>
+                    <a:srgbClr val="000000"/>
+                  </a:solidFill>
+                </a:uFill>
+                <a:latin typeface="Times New Roman"/>
+                <a:ea typeface="Times New Roman"/>
+                <a:cs typeface="Times New Roman"/>
+                <a:sym typeface="Times New Roman"/>
+              </a:defRPr>
+            </a:pPr>
+            <a:r>
+              <a:rPr b="1">
+                <a:solidFill>
+                  <a:srgbClr val="262626"/>
+                </a:solidFill>
+                <a:uFill>
+                  <a:solidFill>
+                    <a:srgbClr val="262626"/>
+                  </a:solidFill>
+                </a:uFill>
+                <a:latin typeface="Helvetica Neue"/>
+                <a:ea typeface="Helvetica Neue"/>
+                <a:cs typeface="Helvetica Neue"/>
+                <a:sym typeface="Helvetica Neue"/>
+              </a:rPr>
+              <a:t>Precondiciones</a:t>
+            </a:r>
+            <a:r>
+              <a:rPr>
+                <a:solidFill>
+                  <a:srgbClr val="262626"/>
+                </a:solidFill>
+                <a:uFill>
+                  <a:solidFill>
+                    <a:srgbClr val="262626"/>
+                  </a:solidFill>
+                </a:uFill>
+                <a:latin typeface="Helvetica Neue"/>
+                <a:ea typeface="Helvetica Neue"/>
+                <a:cs typeface="Helvetica Neue"/>
+                <a:sym typeface="Helvetica Neue"/>
+              </a:rPr>
+              <a:t>:</a:t>
+            </a:r>
+          </a:p>
+          <a:p>
+            <a:pPr marL="678180" marR="1248410" algn="just" defTabSz="457200">
+              <a:lnSpc>
+                <a:spcPct val="115000"/>
+              </a:lnSpc>
+              <a:spcBef>
+                <a:spcPts val="0"/>
+              </a:spcBef>
+              <a:defRPr sz="1700">
+                <a:solidFill>
+                  <a:srgbClr val="000000"/>
+                </a:solidFill>
+                <a:uFill>
+                  <a:solidFill>
+                    <a:srgbClr val="000000"/>
+                  </a:solidFill>
+                </a:uFill>
+                <a:latin typeface="Times New Roman"/>
+                <a:ea typeface="Times New Roman"/>
+                <a:cs typeface="Times New Roman"/>
+                <a:sym typeface="Times New Roman"/>
+              </a:defRPr>
+            </a:pPr>
+            <a:r>
+              <a:rPr>
+                <a:solidFill>
+                  <a:srgbClr val="262626"/>
+                </a:solidFill>
+                <a:uFill>
+                  <a:solidFill>
+                    <a:srgbClr val="262626"/>
+                  </a:solidFill>
+                </a:uFill>
+                <a:latin typeface="Helvetica Neue"/>
+                <a:ea typeface="Helvetica Neue"/>
+                <a:cs typeface="Helvetica Neue"/>
+                <a:sym typeface="Helvetica Neue"/>
+              </a:rPr>
+              <a:t>Estar dado de alta en la aplicación, como profesional. (Login)</a:t>
+            </a:r>
+          </a:p>
+          <a:p>
+            <a:pPr marL="228600" marR="1248410" algn="just" defTabSz="457200">
+              <a:lnSpc>
+                <a:spcPct val="115000"/>
+              </a:lnSpc>
+              <a:spcBef>
+                <a:spcPts val="0"/>
+              </a:spcBef>
+              <a:defRPr sz="1700">
+                <a:solidFill>
+                  <a:srgbClr val="000000"/>
+                </a:solidFill>
+                <a:uFill>
+                  <a:solidFill>
+                    <a:srgbClr val="000000"/>
+                  </a:solidFill>
+                </a:uFill>
+                <a:latin typeface="Times New Roman"/>
+                <a:ea typeface="Times New Roman"/>
+                <a:cs typeface="Times New Roman"/>
+                <a:sym typeface="Times New Roman"/>
+              </a:defRPr>
+            </a:pPr>
+            <a:r>
+              <a:rPr b="1">
+                <a:solidFill>
+                  <a:srgbClr val="262626"/>
+                </a:solidFill>
+                <a:uFill>
+                  <a:solidFill>
+                    <a:srgbClr val="262626"/>
+                  </a:solidFill>
+                </a:uFill>
+                <a:latin typeface="Helvetica Neue"/>
+                <a:ea typeface="Helvetica Neue"/>
+                <a:cs typeface="Helvetica Neue"/>
+                <a:sym typeface="Helvetica Neue"/>
+              </a:rPr>
+              <a:t>Postcondiciones:</a:t>
+            </a:r>
+          </a:p>
+          <a:p>
+            <a:pPr marL="228600" marR="567690" indent="440055" algn="just" defTabSz="457200">
+              <a:lnSpc>
+                <a:spcPct val="115000"/>
+              </a:lnSpc>
+              <a:spcBef>
+                <a:spcPts val="0"/>
+              </a:spcBef>
+              <a:defRPr sz="1700">
+                <a:solidFill>
+                  <a:srgbClr val="000000"/>
+                </a:solidFill>
+                <a:uFill>
+                  <a:solidFill>
+                    <a:srgbClr val="000000"/>
+                  </a:solidFill>
+                </a:uFill>
+                <a:latin typeface="Times New Roman"/>
+                <a:ea typeface="Times New Roman"/>
+                <a:cs typeface="Times New Roman"/>
+                <a:sym typeface="Times New Roman"/>
+              </a:defRPr>
+            </a:pPr>
+            <a:r>
+              <a:rPr b="1">
+                <a:solidFill>
+                  <a:srgbClr val="262626"/>
+                </a:solidFill>
+                <a:uFill>
+                  <a:solidFill>
+                    <a:srgbClr val="262626"/>
+                  </a:solidFill>
+                </a:uFill>
+                <a:latin typeface="Helvetica Neue"/>
+                <a:ea typeface="Helvetica Neue"/>
+                <a:cs typeface="Helvetica Neue"/>
+                <a:sym typeface="Helvetica Neue"/>
+              </a:rPr>
+              <a:t>Éxito: </a:t>
+            </a:r>
+            <a:r>
+              <a:rPr>
+                <a:solidFill>
+                  <a:srgbClr val="262626"/>
+                </a:solidFill>
+                <a:uFill>
+                  <a:solidFill>
+                    <a:srgbClr val="262626"/>
+                  </a:solidFill>
+                </a:uFill>
+                <a:latin typeface="Helvetica Neue"/>
+                <a:ea typeface="Helvetica Neue"/>
+                <a:cs typeface="Helvetica Neue"/>
+                <a:sym typeface="Helvetica Neue"/>
+              </a:rPr>
+              <a:t>Hay al menos una pregunta por responder.</a:t>
+            </a:r>
+          </a:p>
+          <a:p>
+            <a:pPr marL="228600" marR="567690" indent="440055" algn="just" defTabSz="457200">
+              <a:lnSpc>
+                <a:spcPct val="115000"/>
+              </a:lnSpc>
+              <a:spcBef>
+                <a:spcPts val="0"/>
+              </a:spcBef>
+              <a:defRPr sz="1700">
+                <a:solidFill>
+                  <a:srgbClr val="000000"/>
+                </a:solidFill>
+                <a:uFill>
+                  <a:solidFill>
+                    <a:srgbClr val="000000"/>
+                  </a:solidFill>
+                </a:uFill>
+                <a:latin typeface="Times New Roman"/>
+                <a:ea typeface="Times New Roman"/>
+                <a:cs typeface="Times New Roman"/>
+                <a:sym typeface="Times New Roman"/>
+              </a:defRPr>
+            </a:pPr>
+            <a:r>
+              <a:rPr b="1">
+                <a:solidFill>
+                  <a:srgbClr val="262626"/>
+                </a:solidFill>
+                <a:uFill>
+                  <a:solidFill>
+                    <a:srgbClr val="262626"/>
+                  </a:solidFill>
+                </a:uFill>
+                <a:latin typeface="Helvetica Neue"/>
+                <a:ea typeface="Helvetica Neue"/>
+                <a:cs typeface="Helvetica Neue"/>
+                <a:sym typeface="Helvetica Neue"/>
+              </a:rPr>
+              <a:t>Fallo:</a:t>
+            </a:r>
+            <a:r>
+              <a:rPr>
+                <a:solidFill>
+                  <a:srgbClr val="262626"/>
+                </a:solidFill>
+                <a:uFill>
+                  <a:solidFill>
+                    <a:srgbClr val="262626"/>
+                  </a:solidFill>
+                </a:uFill>
+                <a:latin typeface="Helvetica Neue"/>
+                <a:ea typeface="Helvetica Neue"/>
+                <a:cs typeface="Helvetica Neue"/>
+                <a:sym typeface="Helvetica Neue"/>
+              </a:rPr>
+              <a:t> No hay preguntas pendientes por responder.</a:t>
+            </a:r>
+          </a:p>
+          <a:p>
+            <a:pPr marL="228600" algn="just" defTabSz="457200">
+              <a:lnSpc>
+                <a:spcPct val="115000"/>
+              </a:lnSpc>
+              <a:spcBef>
+                <a:spcPts val="0"/>
+              </a:spcBef>
+              <a:defRPr sz="1700">
+                <a:solidFill>
+                  <a:srgbClr val="000000"/>
+                </a:solidFill>
+                <a:uFill>
+                  <a:solidFill>
+                    <a:srgbClr val="000000"/>
+                  </a:solidFill>
+                </a:uFill>
+                <a:latin typeface="Times New Roman"/>
+                <a:ea typeface="Times New Roman"/>
+                <a:cs typeface="Times New Roman"/>
+                <a:sym typeface="Times New Roman"/>
+              </a:defRPr>
+            </a:pPr>
+            <a:endParaRPr>
+              <a:solidFill>
+                <a:srgbClr val="262626"/>
+              </a:solidFill>
+              <a:uFill>
+                <a:solidFill>
+                  <a:srgbClr val="262626"/>
+                </a:solidFill>
+              </a:uFill>
+              <a:latin typeface="Helvetica Neue"/>
+              <a:ea typeface="Helvetica Neue"/>
+              <a:cs typeface="Helvetica Neue"/>
+              <a:sym typeface="Helvetica Neue"/>
+            </a:endParaRPr>
+          </a:p>
+          <a:p>
+            <a:pPr marL="228600" algn="just" defTabSz="457200">
+              <a:lnSpc>
+                <a:spcPct val="115000"/>
+              </a:lnSpc>
+              <a:spcBef>
+                <a:spcPts val="0"/>
+              </a:spcBef>
+              <a:defRPr sz="1700">
+                <a:solidFill>
+                  <a:srgbClr val="000000"/>
+                </a:solidFill>
+                <a:uFill>
+                  <a:solidFill>
+                    <a:srgbClr val="000000"/>
+                  </a:solidFill>
+                </a:uFill>
+                <a:latin typeface="Times New Roman"/>
+                <a:ea typeface="Times New Roman"/>
+                <a:cs typeface="Times New Roman"/>
+                <a:sym typeface="Times New Roman"/>
+              </a:defRPr>
+            </a:pPr>
+            <a:r>
+              <a:rPr b="1">
+                <a:solidFill>
+                  <a:srgbClr val="262626"/>
+                </a:solidFill>
+                <a:uFill>
+                  <a:solidFill>
+                    <a:srgbClr val="262626"/>
+                  </a:solidFill>
+                </a:uFill>
+                <a:latin typeface="Helvetica Neue"/>
+                <a:ea typeface="Helvetica Neue"/>
+                <a:cs typeface="Helvetica Neue"/>
+                <a:sym typeface="Helvetica Neue"/>
+              </a:rPr>
+              <a:t>Flujo principal</a:t>
+            </a:r>
+          </a:p>
+          <a:p>
+            <a:pPr marL="685800" indent="-228600" algn="just" defTabSz="457200">
+              <a:lnSpc>
+                <a:spcPct val="115000"/>
+              </a:lnSpc>
+              <a:spcBef>
+                <a:spcPts val="0"/>
+              </a:spcBef>
+              <a:buSzPct val="100000"/>
+              <a:buAutoNum type="arabicPeriod"/>
+              <a:defRPr sz="1700">
+                <a:solidFill>
+                  <a:srgbClr val="262626"/>
+                </a:solidFill>
+                <a:uFill>
+                  <a:solidFill>
+                    <a:srgbClr val="000000"/>
+                  </a:solidFill>
+                </a:uFill>
+                <a:latin typeface="Helvetica Neue"/>
+                <a:ea typeface="Helvetica Neue"/>
+                <a:cs typeface="Helvetica Neue"/>
+                <a:sym typeface="Helvetica Neue"/>
+              </a:defRPr>
+            </a:pPr>
+            <a:r>
+              <a:rPr>
+                <a:uFill>
+                  <a:solidFill>
+                    <a:srgbClr val="262626"/>
+                  </a:solidFill>
+                </a:uFill>
+              </a:rPr>
+              <a:t>El médico contesta a la pregunta realizada por un paciente.</a:t>
+            </a:r>
+          </a:p>
+          <a:p>
+            <a:pPr marL="685800" indent="-228600" algn="just" defTabSz="457200">
+              <a:lnSpc>
+                <a:spcPct val="103333"/>
+              </a:lnSpc>
+              <a:spcBef>
+                <a:spcPts val="0"/>
+              </a:spcBef>
+              <a:buSzPct val="100000"/>
+              <a:buAutoNum type="arabicPeriod"/>
+              <a:defRPr sz="1700">
+                <a:solidFill>
+                  <a:srgbClr val="000000"/>
+                </a:solidFill>
+                <a:uFill>
+                  <a:solidFill>
+                    <a:srgbClr val="000000"/>
+                  </a:solidFill>
+                </a:uFill>
+                <a:latin typeface="Helvetica Neue"/>
+                <a:ea typeface="Helvetica Neue"/>
+                <a:cs typeface="Helvetica Neue"/>
+                <a:sym typeface="Helvetica Neue"/>
+              </a:defRPr>
+            </a:pPr>
+            <a:r>
+              <a:rPr>
+                <a:solidFill>
+                  <a:srgbClr val="262626"/>
+                </a:solidFill>
+                <a:uFill>
+                  <a:solidFill>
+                    <a:srgbClr val="262626"/>
+                  </a:solidFill>
+                </a:uFill>
+              </a:rPr>
+              <a:t>El sistema guarda la respuesta del médico para luego poder ser vista por el paciente.</a:t>
+            </a:r>
+          </a:p>
+          <a:p>
+            <a:pPr marL="228600" algn="just" defTabSz="457200">
+              <a:lnSpc>
+                <a:spcPct val="115000"/>
+              </a:lnSpc>
+              <a:spcBef>
+                <a:spcPts val="0"/>
+              </a:spcBef>
+              <a:defRPr sz="1700">
+                <a:solidFill>
+                  <a:srgbClr val="000000"/>
+                </a:solidFill>
+                <a:uFill>
+                  <a:solidFill>
+                    <a:srgbClr val="000000"/>
+                  </a:solidFill>
+                </a:uFill>
+                <a:latin typeface="Times New Roman"/>
+                <a:ea typeface="Times New Roman"/>
+                <a:cs typeface="Times New Roman"/>
+                <a:sym typeface="Times New Roman"/>
+              </a:defRPr>
+            </a:pPr>
+            <a:r>
+              <a:rPr b="1">
+                <a:solidFill>
+                  <a:srgbClr val="262626"/>
+                </a:solidFill>
+                <a:uFill>
+                  <a:solidFill>
+                    <a:srgbClr val="262626"/>
+                  </a:solidFill>
+                </a:uFill>
+                <a:latin typeface="Helvetica Neue"/>
+                <a:ea typeface="Helvetica Neue"/>
+                <a:cs typeface="Helvetica Neue"/>
+                <a:sym typeface="Helvetica Neue"/>
+              </a:rPr>
+              <a:t>Flujos secundarios</a:t>
+            </a:r>
+          </a:p>
+          <a:p>
+            <a:pPr marL="234950" indent="-6350" algn="just" defTabSz="457200">
+              <a:lnSpc>
+                <a:spcPct val="103333"/>
+              </a:lnSpc>
+              <a:spcBef>
+                <a:spcPts val="0"/>
+              </a:spcBef>
+              <a:defRPr sz="1700">
+                <a:solidFill>
+                  <a:srgbClr val="000000"/>
+                </a:solidFill>
+                <a:uFill>
+                  <a:solidFill>
+                    <a:srgbClr val="000000"/>
+                  </a:solidFill>
+                </a:uFill>
+                <a:latin typeface="Times New Roman"/>
+                <a:ea typeface="Times New Roman"/>
+                <a:cs typeface="Times New Roman"/>
+                <a:sym typeface="Times New Roman"/>
+              </a:defRPr>
+            </a:pPr>
+            <a:r>
+              <a:rPr>
+                <a:solidFill>
+                  <a:srgbClr val="262626"/>
+                </a:solidFill>
+                <a:uFill>
+                  <a:solidFill>
+                    <a:srgbClr val="262626"/>
+                  </a:solidFill>
+                </a:uFill>
+                <a:latin typeface="Helvetica Neue"/>
+                <a:ea typeface="Helvetica Neue"/>
+                <a:cs typeface="Helvetica Neue"/>
+                <a:sym typeface="Helvetica Neue"/>
+              </a:rPr>
+              <a:t>1.  Ningún médico contesta la pregunta del paciente</a:t>
+            </a:r>
+          </a:p>
+          <a:p>
+            <a:pPr marL="234950" indent="-6350" algn="just" defTabSz="457200">
+              <a:lnSpc>
+                <a:spcPct val="103333"/>
+              </a:lnSpc>
+              <a:spcBef>
+                <a:spcPts val="0"/>
+              </a:spcBef>
+              <a:defRPr sz="1700">
+                <a:solidFill>
+                  <a:srgbClr val="000000"/>
+                </a:solidFill>
+                <a:uFill>
+                  <a:solidFill>
+                    <a:srgbClr val="000000"/>
+                  </a:solidFill>
+                </a:uFill>
+                <a:latin typeface="Times New Roman"/>
+                <a:ea typeface="Times New Roman"/>
+                <a:cs typeface="Times New Roman"/>
+                <a:sym typeface="Times New Roman"/>
+              </a:defRPr>
+            </a:pPr>
+            <a:r>
+              <a:rPr>
+                <a:solidFill>
+                  <a:srgbClr val="262626"/>
+                </a:solidFill>
+                <a:uFill>
+                  <a:solidFill>
+                    <a:srgbClr val="262626"/>
+                  </a:solidFill>
+                </a:uFill>
+                <a:latin typeface="Helvetica Neue"/>
+                <a:ea typeface="Helvetica Neue"/>
+                <a:cs typeface="Helvetica Neue"/>
+                <a:sym typeface="Helvetica Neue"/>
+              </a:rPr>
+              <a:t>2.  El sistema no guardó correctamente la respuesta.</a:t>
+            </a:r>
+          </a:p>
+        </p:txBody>
+      </p:sp>
+      <p:pic>
+        <p:nvPicPr>
+          <p:cNvPr id="340" name="image3.png"/>
+          <p:cNvPicPr>
+            <a:picLocks noChangeAspect="1"/>
+          </p:cNvPicPr>
+          <p:nvPr/>
+        </p:nvPicPr>
+        <p:blipFill>
+          <a:blip r:embed="rId4">
+            <a:extLst/>
+          </a:blip>
+          <a:stretch>
+            <a:fillRect/>
+          </a:stretch>
+        </p:blipFill>
+        <p:spPr>
+          <a:xfrm>
+            <a:off x="2766525" y="5898250"/>
+            <a:ext cx="7951259" cy="4882354"/>
+          </a:xfrm>
+          <a:prstGeom prst="rect">
+            <a:avLst/>
+          </a:prstGeom>
+          <a:ln w="12700">
+            <a:miter lim="400000"/>
+          </a:ln>
+        </p:spPr>
+      </p:pic>
+      <p:sp>
+        <p:nvSpPr>
+          <p:cNvPr id="3" name="Marcador de número de diapositiva 2"/>
+          <p:cNvSpPr>
+            <a:spLocks noGrp="1"/>
+          </p:cNvSpPr>
+          <p:nvPr>
+            <p:ph type="sldNum" sz="quarter" idx="2"/>
+          </p:nvPr>
+        </p:nvSpPr>
+        <p:spPr/>
+        <p:txBody>
+          <a:bodyPr/>
+          <a:lstStyle/>
+          <a:p>
+            <a:fld id="{86CB4B4D-7CA3-9044-876B-883B54F8677D}" type="slidenum">
+              <a:rPr lang="es-ES" smtClean="0"/>
+              <a:t>20</a:t>
+            </a:fld>
+            <a:endParaRPr lang="es-ES"/>
+          </a:p>
+        </p:txBody>
+      </p:sp>
+    </p:spTree>
+  </p:cSld>
+  <p:clrMapOvr>
+    <a:masterClrMapping/>
+  </p:clrMapOvr>
+  <p:transition spd="med"/>
+  <p:timing>
+    <p:tnLst>
+      <p:par>
+        <p:cTn id="1" dur="indefinite" restart="never" nodeType="tmRoot"/>
+      </p:par>
+    </p:tnLst>
+  </p:timing>
+</p:sld>
+</file>
+
+<file path=ppt/slides/slide21.xml><?xml version="1.0" encoding="utf-8"?>
 <p:sld xmlns:a="http://schemas.openxmlformats.org/drawingml/2006/main" xmlns:r="http://schemas.openxmlformats.org/officeDocument/2006/relationships" xmlns:p="http://schemas.openxmlformats.org/presentationml/2006/main">
   <p:cSld>
     <p:spTree>
@@ -20571,7 +21973,7 @@
           </a:ln>
           <a:extLst>
             <a:ext uri="{C572A759-6A51-4108-AA02-DFA0A04FC94B}">
-              <ma14:wrappingTextBoxFlag xmlns="" xmlns:ma14="http://schemas.microsoft.com/office/mac/drawingml/2011/main" val="1"/>
+              <ma14:wrappingTextBoxFlag xmlns:ma14="http://schemas.microsoft.com/office/mac/drawingml/2011/main" xmlns="" val="1"/>
             </a:ext>
           </a:extLst>
         </p:spPr>
@@ -20666,7 +22068,7 @@
           </a:ln>
           <a:extLst>
             <a:ext uri="{C572A759-6A51-4108-AA02-DFA0A04FC94B}">
-              <ma14:wrappingTextBoxFlag xmlns="" xmlns:ma14="http://schemas.microsoft.com/office/mac/drawingml/2011/main" val="1"/>
+              <ma14:wrappingTextBoxFlag xmlns:ma14="http://schemas.microsoft.com/office/mac/drawingml/2011/main" xmlns="" val="1"/>
             </a:ext>
           </a:extLst>
         </p:spPr>
@@ -20757,7 +22159,7 @@
           </a:ln>
           <a:extLst>
             <a:ext uri="{C572A759-6A51-4108-AA02-DFA0A04FC94B}">
-              <ma14:wrappingTextBoxFlag xmlns="" xmlns:ma14="http://schemas.microsoft.com/office/mac/drawingml/2011/main" val="1"/>
+              <ma14:wrappingTextBoxFlag xmlns:ma14="http://schemas.microsoft.com/office/mac/drawingml/2011/main" xmlns="" val="1"/>
             </a:ext>
           </a:extLst>
         </p:spPr>
@@ -20863,7 +22265,7 @@
           </a:ln>
           <a:extLst>
             <a:ext uri="{C572A759-6A51-4108-AA02-DFA0A04FC94B}">
-              <ma14:wrappingTextBoxFlag xmlns="" xmlns:ma14="http://schemas.microsoft.com/office/mac/drawingml/2011/main" val="1"/>
+              <ma14:wrappingTextBoxFlag xmlns:ma14="http://schemas.microsoft.com/office/mac/drawingml/2011/main" xmlns="" val="1"/>
             </a:ext>
           </a:extLst>
         </p:spPr>
@@ -20921,7 +22323,7 @@
           </a:ln>
           <a:extLst>
             <a:ext uri="{C572A759-6A51-4108-AA02-DFA0A04FC94B}">
-              <ma14:wrappingTextBoxFlag xmlns="" xmlns:ma14="http://schemas.microsoft.com/office/mac/drawingml/2011/main" val="1"/>
+              <ma14:wrappingTextBoxFlag xmlns:ma14="http://schemas.microsoft.com/office/mac/drawingml/2011/main" xmlns="" val="1"/>
             </a:ext>
           </a:extLst>
         </p:spPr>
@@ -21012,7 +22414,7 @@
           </a:ln>
           <a:extLst>
             <a:ext uri="{C572A759-6A51-4108-AA02-DFA0A04FC94B}">
-              <ma14:wrappingTextBoxFlag xmlns="" xmlns:ma14="http://schemas.microsoft.com/office/mac/drawingml/2011/main" val="1"/>
+              <ma14:wrappingTextBoxFlag xmlns:ma14="http://schemas.microsoft.com/office/mac/drawingml/2011/main" xmlns="" val="1"/>
             </a:ext>
           </a:extLst>
         </p:spPr>
@@ -21983,7 +23385,7 @@
           <a:p>
             <a:fld id="{86CB4B4D-7CA3-9044-876B-883B54F8677D}" type="slidenum">
               <a:rPr lang="es-ES" smtClean="0"/>
-              <a:t>20</a:t>
+              <a:t>21</a:t>
             </a:fld>
             <a:endParaRPr lang="es-ES"/>
           </a:p>
@@ -22005,7 +23407,7 @@
 </p:sld>
 </file>
 
-<file path=ppt/slides/slide21.xml><?xml version="1.0" encoding="utf-8"?>
+<file path=ppt/slides/slide22.xml><?xml version="1.0" encoding="utf-8"?>
 <p:sld xmlns:a="http://schemas.openxmlformats.org/drawingml/2006/main" xmlns:r="http://schemas.openxmlformats.org/officeDocument/2006/relationships" xmlns:p="http://schemas.openxmlformats.org/presentationml/2006/main">
   <p:cSld>
     <p:spTree>
@@ -22099,7 +23501,7 @@
           </a:ln>
           <a:extLst>
             <a:ext uri="{C572A759-6A51-4108-AA02-DFA0A04FC94B}">
-              <ma14:wrappingTextBoxFlag xmlns="" xmlns:ma14="http://schemas.microsoft.com/office/mac/drawingml/2011/main" val="1"/>
+              <ma14:wrappingTextBoxFlag xmlns:ma14="http://schemas.microsoft.com/office/mac/drawingml/2011/main" xmlns="" val="1"/>
             </a:ext>
           </a:extLst>
         </p:spPr>
@@ -22140,7 +23542,7 @@
           </a:ln>
           <a:extLst>
             <a:ext uri="{C572A759-6A51-4108-AA02-DFA0A04FC94B}">
-              <ma14:wrappingTextBoxFlag xmlns="" xmlns:ma14="http://schemas.microsoft.com/office/mac/drawingml/2011/main" val="1"/>
+              <ma14:wrappingTextBoxFlag xmlns:ma14="http://schemas.microsoft.com/office/mac/drawingml/2011/main" xmlns="" val="1"/>
             </a:ext>
           </a:extLst>
         </p:spPr>
@@ -22235,7 +23637,7 @@
           </a:ln>
           <a:extLst>
             <a:ext uri="{C572A759-6A51-4108-AA02-DFA0A04FC94B}">
-              <ma14:wrappingTextBoxFlag xmlns="" xmlns:ma14="http://schemas.microsoft.com/office/mac/drawingml/2011/main" val="1"/>
+              <ma14:wrappingTextBoxFlag xmlns:ma14="http://schemas.microsoft.com/office/mac/drawingml/2011/main" xmlns="" val="1"/>
             </a:ext>
           </a:extLst>
         </p:spPr>
@@ -22326,7 +23728,7 @@
           </a:ln>
           <a:extLst>
             <a:ext uri="{C572A759-6A51-4108-AA02-DFA0A04FC94B}">
-              <ma14:wrappingTextBoxFlag xmlns="" xmlns:ma14="http://schemas.microsoft.com/office/mac/drawingml/2011/main" val="1"/>
+              <ma14:wrappingTextBoxFlag xmlns:ma14="http://schemas.microsoft.com/office/mac/drawingml/2011/main" xmlns="" val="1"/>
             </a:ext>
           </a:extLst>
         </p:spPr>
@@ -22432,7 +23834,7 @@
           </a:ln>
           <a:extLst>
             <a:ext uri="{C572A759-6A51-4108-AA02-DFA0A04FC94B}">
-              <ma14:wrappingTextBoxFlag xmlns="" xmlns:ma14="http://schemas.microsoft.com/office/mac/drawingml/2011/main" val="1"/>
+              <ma14:wrappingTextBoxFlag xmlns:ma14="http://schemas.microsoft.com/office/mac/drawingml/2011/main" xmlns="" val="1"/>
             </a:ext>
           </a:extLst>
         </p:spPr>
@@ -22490,7 +23892,7 @@
           </a:ln>
           <a:extLst>
             <a:ext uri="{C572A759-6A51-4108-AA02-DFA0A04FC94B}">
-              <ma14:wrappingTextBoxFlag xmlns="" xmlns:ma14="http://schemas.microsoft.com/office/mac/drawingml/2011/main" val="1"/>
+              <ma14:wrappingTextBoxFlag xmlns:ma14="http://schemas.microsoft.com/office/mac/drawingml/2011/main" xmlns="" val="1"/>
             </a:ext>
           </a:extLst>
         </p:spPr>
@@ -22581,7 +23983,7 @@
           </a:ln>
           <a:extLst>
             <a:ext uri="{C572A759-6A51-4108-AA02-DFA0A04FC94B}">
-              <ma14:wrappingTextBoxFlag xmlns="" xmlns:ma14="http://schemas.microsoft.com/office/mac/drawingml/2011/main" val="1"/>
+              <ma14:wrappingTextBoxFlag xmlns:ma14="http://schemas.microsoft.com/office/mac/drawingml/2011/main" xmlns="" val="1"/>
             </a:ext>
           </a:extLst>
         </p:spPr>
@@ -23540,7 +24942,7 @@
           <a:p>
             <a:fld id="{86CB4B4D-7CA3-9044-876B-883B54F8677D}" type="slidenum">
               <a:rPr lang="es-ES" smtClean="0"/>
-              <a:t>21</a:t>
+              <a:t>22</a:t>
             </a:fld>
             <a:endParaRPr lang="es-ES"/>
           </a:p>
@@ -23562,7 +24964,7 @@
 </p:sld>
 </file>
 
-<file path=ppt/slides/slide22.xml><?xml version="1.0" encoding="utf-8"?>
+<file path=ppt/slides/slide23.xml><?xml version="1.0" encoding="utf-8"?>
 <p:sld xmlns:a="http://schemas.openxmlformats.org/drawingml/2006/main" xmlns:r="http://schemas.openxmlformats.org/officeDocument/2006/relationships" xmlns:p="http://schemas.openxmlformats.org/presentationml/2006/main">
   <p:cSld>
     <p:spTree>
@@ -23656,7 +25058,7 @@
           </a:ln>
           <a:extLst>
             <a:ext uri="{C572A759-6A51-4108-AA02-DFA0A04FC94B}">
-              <ma14:wrappingTextBoxFlag xmlns="" xmlns:ma14="http://schemas.microsoft.com/office/mac/drawingml/2011/main" val="1"/>
+              <ma14:wrappingTextBoxFlag xmlns:ma14="http://schemas.microsoft.com/office/mac/drawingml/2011/main" xmlns="" val="1"/>
             </a:ext>
           </a:extLst>
         </p:spPr>
@@ -23697,7 +25099,7 @@
           </a:ln>
           <a:extLst>
             <a:ext uri="{C572A759-6A51-4108-AA02-DFA0A04FC94B}">
-              <ma14:wrappingTextBoxFlag xmlns="" xmlns:ma14="http://schemas.microsoft.com/office/mac/drawingml/2011/main" val="1"/>
+              <ma14:wrappingTextBoxFlag xmlns:ma14="http://schemas.microsoft.com/office/mac/drawingml/2011/main" xmlns="" val="1"/>
             </a:ext>
           </a:extLst>
         </p:spPr>
@@ -23792,7 +25194,7 @@
           </a:ln>
           <a:extLst>
             <a:ext uri="{C572A759-6A51-4108-AA02-DFA0A04FC94B}">
-              <ma14:wrappingTextBoxFlag xmlns="" xmlns:ma14="http://schemas.microsoft.com/office/mac/drawingml/2011/main" val="1"/>
+              <ma14:wrappingTextBoxFlag xmlns:ma14="http://schemas.microsoft.com/office/mac/drawingml/2011/main" xmlns="" val="1"/>
             </a:ext>
           </a:extLst>
         </p:spPr>
@@ -23956,7 +25358,7 @@
           </a:ln>
           <a:extLst>
             <a:ext uri="{C572A759-6A51-4108-AA02-DFA0A04FC94B}">
-              <ma14:wrappingTextBoxFlag xmlns="" xmlns:ma14="http://schemas.microsoft.com/office/mac/drawingml/2011/main" val="1"/>
+              <ma14:wrappingTextBoxFlag xmlns:ma14="http://schemas.microsoft.com/office/mac/drawingml/2011/main" xmlns="" val="1"/>
             </a:ext>
           </a:extLst>
         </p:spPr>
@@ -24047,7 +25449,7 @@
           </a:ln>
           <a:extLst>
             <a:ext uri="{C572A759-6A51-4108-AA02-DFA0A04FC94B}">
-              <ma14:wrappingTextBoxFlag xmlns="" xmlns:ma14="http://schemas.microsoft.com/office/mac/drawingml/2011/main" val="1"/>
+              <ma14:wrappingTextBoxFlag xmlns:ma14="http://schemas.microsoft.com/office/mac/drawingml/2011/main" xmlns="" val="1"/>
             </a:ext>
           </a:extLst>
         </p:spPr>
@@ -24136,7 +25538,7 @@
           <a:p>
             <a:fld id="{86CB4B4D-7CA3-9044-876B-883B54F8677D}" type="slidenum">
               <a:rPr lang="es-ES" smtClean="0"/>
-              <a:t>22</a:t>
+              <a:t>23</a:t>
             </a:fld>
             <a:endParaRPr lang="es-ES"/>
           </a:p>
@@ -24158,7 +25560,7 @@
 </p:sld>
 </file>
 
-<file path=ppt/slides/slide23.xml><?xml version="1.0" encoding="utf-8"?>
+<file path=ppt/slides/slide24.xml><?xml version="1.0" encoding="utf-8"?>
 <p:sld xmlns:a="http://schemas.openxmlformats.org/drawingml/2006/main" xmlns:r="http://schemas.openxmlformats.org/officeDocument/2006/relationships" xmlns:p="http://schemas.openxmlformats.org/presentationml/2006/main">
   <p:cSld>
     <p:spTree>
@@ -24252,7 +25654,7 @@
           </a:ln>
           <a:extLst>
             <a:ext uri="{C572A759-6A51-4108-AA02-DFA0A04FC94B}">
-              <ma14:wrappingTextBoxFlag xmlns="" xmlns:ma14="http://schemas.microsoft.com/office/mac/drawingml/2011/main" val="1"/>
+              <ma14:wrappingTextBoxFlag xmlns:ma14="http://schemas.microsoft.com/office/mac/drawingml/2011/main" xmlns="" val="1"/>
             </a:ext>
           </a:extLst>
         </p:spPr>
@@ -24347,7 +25749,7 @@
           </a:ln>
           <a:extLst>
             <a:ext uri="{C572A759-6A51-4108-AA02-DFA0A04FC94B}">
-              <ma14:wrappingTextBoxFlag xmlns="" xmlns:ma14="http://schemas.microsoft.com/office/mac/drawingml/2011/main" val="1"/>
+              <ma14:wrappingTextBoxFlag xmlns:ma14="http://schemas.microsoft.com/office/mac/drawingml/2011/main" xmlns="" val="1"/>
             </a:ext>
           </a:extLst>
         </p:spPr>
@@ -24438,7 +25840,7 @@
           </a:ln>
           <a:extLst>
             <a:ext uri="{C572A759-6A51-4108-AA02-DFA0A04FC94B}">
-              <ma14:wrappingTextBoxFlag xmlns="" xmlns:ma14="http://schemas.microsoft.com/office/mac/drawingml/2011/main" val="1"/>
+              <ma14:wrappingTextBoxFlag xmlns:ma14="http://schemas.microsoft.com/office/mac/drawingml/2011/main" xmlns="" val="1"/>
             </a:ext>
           </a:extLst>
         </p:spPr>
@@ -24529,7 +25931,7 @@
           </a:ln>
           <a:extLst>
             <a:ext uri="{C572A759-6A51-4108-AA02-DFA0A04FC94B}">
-              <ma14:wrappingTextBoxFlag xmlns="" xmlns:ma14="http://schemas.microsoft.com/office/mac/drawingml/2011/main" val="1"/>
+              <ma14:wrappingTextBoxFlag xmlns:ma14="http://schemas.microsoft.com/office/mac/drawingml/2011/main" xmlns="" val="1"/>
             </a:ext>
           </a:extLst>
         </p:spPr>
@@ -24690,7 +26092,7 @@
           <a:p>
             <a:fld id="{86CB4B4D-7CA3-9044-876B-883B54F8677D}" type="slidenum">
               <a:rPr lang="es-ES" smtClean="0"/>
-              <a:t>23</a:t>
+              <a:t>24</a:t>
             </a:fld>
             <a:endParaRPr lang="es-ES"/>
           </a:p>
@@ -24806,7 +26208,7 @@
           </a:ln>
           <a:extLst>
             <a:ext uri="{C572A759-6A51-4108-AA02-DFA0A04FC94B}">
-              <ma14:wrappingTextBoxFlag xmlns="" xmlns:ma14="http://schemas.microsoft.com/office/mac/drawingml/2011/main" val="1"/>
+              <ma14:wrappingTextBoxFlag xmlns:ma14="http://schemas.microsoft.com/office/mac/drawingml/2011/main" xmlns="" val="1"/>
             </a:ext>
           </a:extLst>
         </p:spPr>
@@ -24847,7 +26249,7 @@
           </a:ln>
           <a:extLst>
             <a:ext uri="{C572A759-6A51-4108-AA02-DFA0A04FC94B}">
-              <ma14:wrappingTextBoxFlag xmlns="" xmlns:ma14="http://schemas.microsoft.com/office/mac/drawingml/2011/main" val="1"/>
+              <ma14:wrappingTextBoxFlag xmlns:ma14="http://schemas.microsoft.com/office/mac/drawingml/2011/main" xmlns="" val="1"/>
             </a:ext>
           </a:extLst>
         </p:spPr>
@@ -24896,7 +26298,7 @@
           </a:ln>
           <a:extLst>
             <a:ext uri="{C572A759-6A51-4108-AA02-DFA0A04FC94B}">
-              <ma14:wrappingTextBoxFlag xmlns="" xmlns:ma14="http://schemas.microsoft.com/office/mac/drawingml/2011/main" val="1"/>
+              <ma14:wrappingTextBoxFlag xmlns:ma14="http://schemas.microsoft.com/office/mac/drawingml/2011/main" xmlns="" val="1"/>
             </a:ext>
           </a:extLst>
         </p:spPr>
@@ -24980,7 +26382,7 @@
           </a:ln>
           <a:extLst>
             <a:ext uri="{C572A759-6A51-4108-AA02-DFA0A04FC94B}">
-              <ma14:wrappingTextBoxFlag xmlns="" xmlns:ma14="http://schemas.microsoft.com/office/mac/drawingml/2011/main" val="1"/>
+              <ma14:wrappingTextBoxFlag xmlns:ma14="http://schemas.microsoft.com/office/mac/drawingml/2011/main" xmlns="" val="1"/>
             </a:ext>
           </a:extLst>
         </p:spPr>
@@ -26107,7 +27509,7 @@
           </a:ln>
           <a:extLst>
             <a:ext uri="{C572A759-6A51-4108-AA02-DFA0A04FC94B}">
-              <ma14:wrappingTextBoxFlag xmlns="" xmlns:ma14="http://schemas.microsoft.com/office/mac/drawingml/2011/main" val="1"/>
+              <ma14:wrappingTextBoxFlag xmlns:ma14="http://schemas.microsoft.com/office/mac/drawingml/2011/main" xmlns="" val="1"/>
             </a:ext>
           </a:extLst>
         </p:spPr>
@@ -26169,7 +27571,7 @@
           </a:ln>
           <a:extLst>
             <a:ext uri="{C572A759-6A51-4108-AA02-DFA0A04FC94B}">
-              <ma14:wrappingTextBoxFlag xmlns="" xmlns:ma14="http://schemas.microsoft.com/office/mac/drawingml/2011/main" val="1"/>
+              <ma14:wrappingTextBoxFlag xmlns:ma14="http://schemas.microsoft.com/office/mac/drawingml/2011/main" xmlns="" val="1"/>
             </a:ext>
           </a:extLst>
         </p:spPr>
@@ -26218,7 +27620,7 @@
           </a:ln>
           <a:extLst>
             <a:ext uri="{C572A759-6A51-4108-AA02-DFA0A04FC94B}">
-              <ma14:wrappingTextBoxFlag xmlns="" xmlns:ma14="http://schemas.microsoft.com/office/mac/drawingml/2011/main" val="1"/>
+              <ma14:wrappingTextBoxFlag xmlns:ma14="http://schemas.microsoft.com/office/mac/drawingml/2011/main" xmlns="" val="1"/>
             </a:ext>
           </a:extLst>
         </p:spPr>
@@ -26395,7 +27797,7 @@
           </a:ln>
           <a:extLst>
             <a:ext uri="{C572A759-6A51-4108-AA02-DFA0A04FC94B}">
-              <ma14:wrappingTextBoxFlag xmlns="" xmlns:ma14="http://schemas.microsoft.com/office/mac/drawingml/2011/main" val="1"/>
+              <ma14:wrappingTextBoxFlag xmlns:ma14="http://schemas.microsoft.com/office/mac/drawingml/2011/main" xmlns="" val="1"/>
             </a:ext>
           </a:extLst>
         </p:spPr>
@@ -26517,7 +27919,7 @@
             <a:effectLst/>
             <a:extLst>
               <a:ext uri="{C572A759-6A51-4108-AA02-DFA0A04FC94B}">
-                <ma14:wrappingTextBoxFlag xmlns="" xmlns:ma14="http://schemas.microsoft.com/office/mac/drawingml/2011/main" val="1"/>
+                <ma14:wrappingTextBoxFlag xmlns:ma14="http://schemas.microsoft.com/office/mac/drawingml/2011/main" xmlns="" val="1"/>
               </a:ext>
             </a:extLst>
           </p:spPr>
@@ -26567,7 +27969,7 @@
           </a:ln>
           <a:extLst>
             <a:ext uri="{C572A759-6A51-4108-AA02-DFA0A04FC94B}">
-              <ma14:wrappingTextBoxFlag xmlns="" xmlns:ma14="http://schemas.microsoft.com/office/mac/drawingml/2011/main" val="1"/>
+              <ma14:wrappingTextBoxFlag xmlns:ma14="http://schemas.microsoft.com/office/mac/drawingml/2011/main" xmlns="" val="1"/>
             </a:ext>
           </a:extLst>
         </p:spPr>
@@ -27432,7 +28834,7 @@
           </a:ln>
           <a:extLst>
             <a:ext uri="{C572A759-6A51-4108-AA02-DFA0A04FC94B}">
-              <ma14:wrappingTextBoxFlag xmlns="" xmlns:ma14="http://schemas.microsoft.com/office/mac/drawingml/2011/main" val="1"/>
+              <ma14:wrappingTextBoxFlag xmlns:ma14="http://schemas.microsoft.com/office/mac/drawingml/2011/main" xmlns="" val="1"/>
             </a:ext>
           </a:extLst>
         </p:spPr>
@@ -27597,7 +28999,7 @@
             <a:effectLst/>
             <a:extLst>
               <a:ext uri="{C572A759-6A51-4108-AA02-DFA0A04FC94B}">
-                <ma14:wrappingTextBoxFlag xmlns="" xmlns:ma14="http://schemas.microsoft.com/office/mac/drawingml/2011/main" val="1"/>
+                <ma14:wrappingTextBoxFlag xmlns:ma14="http://schemas.microsoft.com/office/mac/drawingml/2011/main" xmlns="" val="1"/>
               </a:ext>
             </a:extLst>
           </p:spPr>
@@ -27697,7 +29099,7 @@
             <a:effectLst/>
             <a:extLst>
               <a:ext uri="{C572A759-6A51-4108-AA02-DFA0A04FC94B}">
-                <ma14:wrappingTextBoxFlag xmlns="" xmlns:ma14="http://schemas.microsoft.com/office/mac/drawingml/2011/main" val="1"/>
+                <ma14:wrappingTextBoxFlag xmlns:ma14="http://schemas.microsoft.com/office/mac/drawingml/2011/main" xmlns="" val="1"/>
               </a:ext>
             </a:extLst>
           </p:spPr>
@@ -28083,7 +29485,7 @@
             <a:effectLst/>
             <a:extLst>
               <a:ext uri="{C572A759-6A51-4108-AA02-DFA0A04FC94B}">
-                <ma14:wrappingTextBoxFlag xmlns="" xmlns:ma14="http://schemas.microsoft.com/office/mac/drawingml/2011/main" val="1"/>
+                <ma14:wrappingTextBoxFlag xmlns:ma14="http://schemas.microsoft.com/office/mac/drawingml/2011/main" xmlns="" val="1"/>
               </a:ext>
             </a:extLst>
           </p:spPr>
@@ -28593,7 +29995,7 @@
           </a:ln>
           <a:extLst>
             <a:ext uri="{C572A759-6A51-4108-AA02-DFA0A04FC94B}">
-              <ma14:wrappingTextBoxFlag xmlns="" xmlns:ma14="http://schemas.microsoft.com/office/mac/drawingml/2011/main" val="1"/>
+              <ma14:wrappingTextBoxFlag xmlns:ma14="http://schemas.microsoft.com/office/mac/drawingml/2011/main" xmlns="" val="1"/>
             </a:ext>
           </a:extLst>
         </p:spPr>
@@ -28634,7 +30036,7 @@
           </a:ln>
           <a:extLst>
             <a:ext uri="{C572A759-6A51-4108-AA02-DFA0A04FC94B}">
-              <ma14:wrappingTextBoxFlag xmlns="" xmlns:ma14="http://schemas.microsoft.com/office/mac/drawingml/2011/main" val="1"/>
+              <ma14:wrappingTextBoxFlag xmlns:ma14="http://schemas.microsoft.com/office/mac/drawingml/2011/main" xmlns="" val="1"/>
             </a:ext>
           </a:extLst>
         </p:spPr>
@@ -28799,7 +30201,7 @@
             <a:effectLst/>
             <a:extLst>
               <a:ext uri="{C572A759-6A51-4108-AA02-DFA0A04FC94B}">
-                <ma14:wrappingTextBoxFlag xmlns="" xmlns:ma14="http://schemas.microsoft.com/office/mac/drawingml/2011/main" val="1"/>
+                <ma14:wrappingTextBoxFlag xmlns:ma14="http://schemas.microsoft.com/office/mac/drawingml/2011/main" xmlns="" val="1"/>
               </a:ext>
             </a:extLst>
           </p:spPr>
@@ -28899,7 +30301,7 @@
             <a:effectLst/>
             <a:extLst>
               <a:ext uri="{C572A759-6A51-4108-AA02-DFA0A04FC94B}">
-                <ma14:wrappingTextBoxFlag xmlns="" xmlns:ma14="http://schemas.microsoft.com/office/mac/drawingml/2011/main" val="1"/>
+                <ma14:wrappingTextBoxFlag xmlns:ma14="http://schemas.microsoft.com/office/mac/drawingml/2011/main" xmlns="" val="1"/>
               </a:ext>
             </a:extLst>
           </p:spPr>
@@ -29153,7 +30555,7 @@
             <a:effectLst/>
             <a:extLst>
               <a:ext uri="{C572A759-6A51-4108-AA02-DFA0A04FC94B}">
-                <ma14:wrappingTextBoxFlag xmlns="" xmlns:ma14="http://schemas.microsoft.com/office/mac/drawingml/2011/main" val="1"/>
+                <ma14:wrappingTextBoxFlag xmlns:ma14="http://schemas.microsoft.com/office/mac/drawingml/2011/main" xmlns="" val="1"/>
               </a:ext>
             </a:extLst>
           </p:spPr>
@@ -29394,7 +30796,7 @@
           </a:ln>
           <a:extLst>
             <a:ext uri="{C572A759-6A51-4108-AA02-DFA0A04FC94B}">
-              <ma14:wrappingTextBoxFlag xmlns="" xmlns:ma14="http://schemas.microsoft.com/office/mac/drawingml/2011/main" val="1"/>
+              <ma14:wrappingTextBoxFlag xmlns:ma14="http://schemas.microsoft.com/office/mac/drawingml/2011/main" xmlns="" val="1"/>
             </a:ext>
           </a:extLst>
         </p:spPr>
@@ -29559,7 +30961,7 @@
             <a:effectLst/>
             <a:extLst>
               <a:ext uri="{C572A759-6A51-4108-AA02-DFA0A04FC94B}">
-                <ma14:wrappingTextBoxFlag xmlns="" xmlns:ma14="http://schemas.microsoft.com/office/mac/drawingml/2011/main" val="1"/>
+                <ma14:wrappingTextBoxFlag xmlns:ma14="http://schemas.microsoft.com/office/mac/drawingml/2011/main" xmlns="" val="1"/>
               </a:ext>
             </a:extLst>
           </p:spPr>
@@ -29790,7 +31192,7 @@
           </a:ln>
           <a:extLst>
             <a:ext uri="{C572A759-6A51-4108-AA02-DFA0A04FC94B}">
-              <ma14:wrappingTextBoxFlag xmlns="" xmlns:ma14="http://schemas.microsoft.com/office/mac/drawingml/2011/main" val="1"/>
+              <ma14:wrappingTextBoxFlag xmlns:ma14="http://schemas.microsoft.com/office/mac/drawingml/2011/main" xmlns="" val="1"/>
             </a:ext>
           </a:extLst>
         </p:spPr>
@@ -29964,7 +31366,7 @@
             <a:effectLst/>
             <a:extLst>
               <a:ext uri="{C572A759-6A51-4108-AA02-DFA0A04FC94B}">
-                <ma14:wrappingTextBoxFlag xmlns="" xmlns:ma14="http://schemas.microsoft.com/office/mac/drawingml/2011/main" val="1"/>
+                <ma14:wrappingTextBoxFlag xmlns:ma14="http://schemas.microsoft.com/office/mac/drawingml/2011/main" xmlns="" val="1"/>
               </a:ext>
             </a:extLst>
           </p:spPr>
@@ -30275,7 +31677,7 @@
             <a:effectLst/>
             <a:extLst>
               <a:ext uri="{C572A759-6A51-4108-AA02-DFA0A04FC94B}">
-                <ma14:wrappingTextBoxFlag xmlns="" xmlns:ma14="http://schemas.microsoft.com/office/mac/drawingml/2011/main" val="1"/>
+                <ma14:wrappingTextBoxFlag xmlns:ma14="http://schemas.microsoft.com/office/mac/drawingml/2011/main" xmlns="" val="1"/>
               </a:ext>
             </a:extLst>
           </p:spPr>
@@ -31074,7 +32476,7 @@
           </a:ln>
           <a:extLst>
             <a:ext uri="{C572A759-6A51-4108-AA02-DFA0A04FC94B}">
-              <ma14:wrappingTextBoxFlag xmlns="" xmlns:ma14="http://schemas.microsoft.com/office/mac/drawingml/2011/main" val="1"/>
+              <ma14:wrappingTextBoxFlag xmlns:ma14="http://schemas.microsoft.com/office/mac/drawingml/2011/main" xmlns="" val="1"/>
             </a:ext>
           </a:extLst>
         </p:spPr>
@@ -31115,7 +32517,7 @@
           </a:ln>
           <a:extLst>
             <a:ext uri="{C572A759-6A51-4108-AA02-DFA0A04FC94B}">
-              <ma14:wrappingTextBoxFlag xmlns="" xmlns:ma14="http://schemas.microsoft.com/office/mac/drawingml/2011/main" val="1"/>
+              <ma14:wrappingTextBoxFlag xmlns:ma14="http://schemas.microsoft.com/office/mac/drawingml/2011/main" xmlns="" val="1"/>
             </a:ext>
           </a:extLst>
         </p:spPr>
@@ -31232,7 +32634,7 @@
             <a:effectLst/>
             <a:extLst>
               <a:ext uri="{C572A759-6A51-4108-AA02-DFA0A04FC94B}">
-                <ma14:wrappingTextBoxFlag xmlns="" xmlns:ma14="http://schemas.microsoft.com/office/mac/drawingml/2011/main" val="1"/>
+                <ma14:wrappingTextBoxFlag xmlns:ma14="http://schemas.microsoft.com/office/mac/drawingml/2011/main" xmlns="" val="1"/>
               </a:ext>
             </a:extLst>
           </p:spPr>
@@ -31270,13 +32672,13 @@
           <p:nvPr>
             <p:extLst>
               <p:ext uri="{D42A27DB-BD31-4B8C-83A1-F6EECF244321}">
-                <p14:modId xmlns:p14="http://schemas.microsoft.com/office/powerpoint/2010/main" val="3343190357"/>
+                <p14:modId xmlns:p14="http://schemas.microsoft.com/office/powerpoint/2010/main" val="2734970018"/>
               </p:ext>
             </p:extLst>
           </p:nvPr>
         </p:nvGraphicFramePr>
         <p:xfrm>
-          <a:off x="4876733" y="3801894"/>
+          <a:off x="5213618" y="3801894"/>
           <a:ext cx="15443268" cy="8710168"/>
         </p:xfrm>
         <a:graphic>

--- a/Plan de proyecto.pptx
+++ b/Plan de proyecto.pptx
@@ -5,8 +5,11 @@
     <p:sldMasterId id="2147483648" r:id="rId1"/>
   </p:sldMasterIdLst>
   <p:notesMasterIdLst>
-    <p:notesMasterId r:id="rId35"/>
+    <p:notesMasterId r:id="rId37"/>
   </p:notesMasterIdLst>
+  <p:handoutMasterIdLst>
+    <p:handoutMasterId r:id="rId38"/>
+  </p:handoutMasterIdLst>
   <p:sldIdLst>
     <p:sldId id="256" r:id="rId2"/>
     <p:sldId id="275" r:id="rId3"/>
@@ -30,17 +33,19 @@
     <p:sldId id="287" r:id="rId21"/>
     <p:sldId id="288" r:id="rId22"/>
     <p:sldId id="290" r:id="rId23"/>
-    <p:sldId id="264" r:id="rId24"/>
-    <p:sldId id="265" r:id="rId25"/>
-    <p:sldId id="266" r:id="rId26"/>
-    <p:sldId id="267" r:id="rId27"/>
-    <p:sldId id="268" r:id="rId28"/>
-    <p:sldId id="269" r:id="rId29"/>
-    <p:sldId id="270" r:id="rId30"/>
-    <p:sldId id="271" r:id="rId31"/>
-    <p:sldId id="272" r:id="rId32"/>
-    <p:sldId id="273" r:id="rId33"/>
-    <p:sldId id="274" r:id="rId34"/>
+    <p:sldId id="291" r:id="rId24"/>
+    <p:sldId id="292" r:id="rId25"/>
+    <p:sldId id="264" r:id="rId26"/>
+    <p:sldId id="265" r:id="rId27"/>
+    <p:sldId id="266" r:id="rId28"/>
+    <p:sldId id="267" r:id="rId29"/>
+    <p:sldId id="268" r:id="rId30"/>
+    <p:sldId id="269" r:id="rId31"/>
+    <p:sldId id="270" r:id="rId32"/>
+    <p:sldId id="271" r:id="rId33"/>
+    <p:sldId id="272" r:id="rId34"/>
+    <p:sldId id="273" r:id="rId35"/>
+    <p:sldId id="274" r:id="rId36"/>
   </p:sldIdLst>
   <p:sldSz cx="24384000" cy="13716000"/>
   <p:notesSz cx="6858000" cy="9144000"/>
@@ -763,6 +768,171 @@
 </c:chartSpace>
 </file>
 
+<file path=ppt/handoutMasters/handoutMaster1.xml><?xml version="1.0" encoding="utf-8"?>
+<p:handoutMaster xmlns:a="http://schemas.openxmlformats.org/drawingml/2006/main" xmlns:r="http://schemas.openxmlformats.org/officeDocument/2006/relationships" xmlns:p="http://schemas.openxmlformats.org/presentationml/2006/main">
+  <p:cSld>
+    <p:bg>
+      <p:bgRef idx="1001">
+        <a:schemeClr val="bg1"/>
+      </p:bgRef>
+    </p:bg>
+    <p:spTree>
+      <p:nvGrpSpPr>
+        <p:cNvPr id="1" name=""/>
+        <p:cNvGrpSpPr/>
+        <p:nvPr/>
+      </p:nvGrpSpPr>
+      <p:grpSpPr>
+        <a:xfrm>
+          <a:off x="0" y="0"/>
+          <a:ext cx="0" cy="0"/>
+          <a:chOff x="0" y="0"/>
+          <a:chExt cx="0" cy="0"/>
+        </a:xfrm>
+      </p:grpSpPr>
+      <p:sp>
+        <p:nvSpPr>
+          <p:cNvPr id="2" name="Marcador de encabezado 1"/>
+          <p:cNvSpPr>
+            <a:spLocks noGrp="1"/>
+          </p:cNvSpPr>
+          <p:nvPr>
+            <p:ph type="hdr" sz="quarter"/>
+          </p:nvPr>
+        </p:nvSpPr>
+        <p:spPr>
+          <a:xfrm>
+            <a:off x="0" y="0"/>
+            <a:ext cx="2971800" cy="458788"/>
+          </a:xfrm>
+          <a:prstGeom prst="rect">
+            <a:avLst/>
+          </a:prstGeom>
+        </p:spPr>
+        <p:txBody>
+          <a:bodyPr vert="horz" lIns="91440" tIns="45720" rIns="91440" bIns="45720" rtlCol="0"/>
+          <a:lstStyle>
+            <a:lvl1pPr algn="l">
+              <a:defRPr sz="1200"/>
+            </a:lvl1pPr>
+          </a:lstStyle>
+          <a:p>
+            <a:endParaRPr lang="es-ES"/>
+          </a:p>
+        </p:txBody>
+      </p:sp>
+      <p:sp>
+        <p:nvSpPr>
+          <p:cNvPr id="3" name="Marcador de fecha 2"/>
+          <p:cNvSpPr>
+            <a:spLocks noGrp="1"/>
+          </p:cNvSpPr>
+          <p:nvPr>
+            <p:ph type="dt" sz="quarter" idx="1"/>
+          </p:nvPr>
+        </p:nvSpPr>
+        <p:spPr>
+          <a:xfrm>
+            <a:off x="3884613" y="0"/>
+            <a:ext cx="2971800" cy="458788"/>
+          </a:xfrm>
+          <a:prstGeom prst="rect">
+            <a:avLst/>
+          </a:prstGeom>
+        </p:spPr>
+        <p:txBody>
+          <a:bodyPr vert="horz" lIns="91440" tIns="45720" rIns="91440" bIns="45720" rtlCol="0"/>
+          <a:lstStyle>
+            <a:lvl1pPr algn="r">
+              <a:defRPr sz="1200"/>
+            </a:lvl1pPr>
+          </a:lstStyle>
+          <a:p>
+            <a:fld id="{D93FBE40-749B-495B-9113-A50198335392}" type="datetimeFigureOut">
+              <a:rPr lang="es-ES" smtClean="0"/>
+              <a:t>20/01/2017</a:t>
+            </a:fld>
+            <a:endParaRPr lang="es-ES"/>
+          </a:p>
+        </p:txBody>
+      </p:sp>
+      <p:sp>
+        <p:nvSpPr>
+          <p:cNvPr id="4" name="Marcador de pie de página 3"/>
+          <p:cNvSpPr>
+            <a:spLocks noGrp="1"/>
+          </p:cNvSpPr>
+          <p:nvPr>
+            <p:ph type="ftr" sz="quarter" idx="2"/>
+          </p:nvPr>
+        </p:nvSpPr>
+        <p:spPr>
+          <a:xfrm>
+            <a:off x="0" y="8685213"/>
+            <a:ext cx="2971800" cy="458787"/>
+          </a:xfrm>
+          <a:prstGeom prst="rect">
+            <a:avLst/>
+          </a:prstGeom>
+        </p:spPr>
+        <p:txBody>
+          <a:bodyPr vert="horz" lIns="91440" tIns="45720" rIns="91440" bIns="45720" rtlCol="0" anchor="b"/>
+          <a:lstStyle>
+            <a:lvl1pPr algn="l">
+              <a:defRPr sz="1200"/>
+            </a:lvl1pPr>
+          </a:lstStyle>
+          <a:p>
+            <a:endParaRPr lang="es-ES"/>
+          </a:p>
+        </p:txBody>
+      </p:sp>
+      <p:sp>
+        <p:nvSpPr>
+          <p:cNvPr id="5" name="Marcador de número de diapositiva 4"/>
+          <p:cNvSpPr>
+            <a:spLocks noGrp="1"/>
+          </p:cNvSpPr>
+          <p:nvPr>
+            <p:ph type="sldNum" sz="quarter" idx="3"/>
+          </p:nvPr>
+        </p:nvSpPr>
+        <p:spPr>
+          <a:xfrm>
+            <a:off x="3884613" y="8685213"/>
+            <a:ext cx="2971800" cy="458787"/>
+          </a:xfrm>
+          <a:prstGeom prst="rect">
+            <a:avLst/>
+          </a:prstGeom>
+        </p:spPr>
+        <p:txBody>
+          <a:bodyPr vert="horz" lIns="91440" tIns="45720" rIns="91440" bIns="45720" rtlCol="0" anchor="b"/>
+          <a:lstStyle>
+            <a:lvl1pPr algn="r">
+              <a:defRPr sz="1200"/>
+            </a:lvl1pPr>
+          </a:lstStyle>
+          <a:p>
+            <a:fld id="{D8F6AEAD-63F9-49EC-9E92-6E0896F1AC4A}" type="slidenum">
+              <a:rPr lang="es-ES" smtClean="0"/>
+              <a:t>‹Nº›</a:t>
+            </a:fld>
+            <a:endParaRPr lang="es-ES"/>
+          </a:p>
+        </p:txBody>
+      </p:sp>
+    </p:spTree>
+    <p:extLst>
+      <p:ext uri="{BB962C8B-B14F-4D97-AF65-F5344CB8AC3E}">
+        <p14:creationId xmlns:p14="http://schemas.microsoft.com/office/powerpoint/2010/main" val="2802035922"/>
+      </p:ext>
+    </p:extLst>
+  </p:cSld>
+  <p:clrMap bg1="lt1" tx1="dk1" bg2="lt2" tx2="dk2" accent1="accent1" accent2="accent2" accent3="accent3" accent4="accent4" accent5="accent5" accent6="accent6" hlink="hlink" folHlink="folHlink"/>
+</p:handoutMaster>
+</file>
+
 <file path=ppt/notesMasters/notesMaster1.xml><?xml version="1.0" encoding="utf-8"?>
 <p:notesMaster xmlns:a="http://schemas.openxmlformats.org/drawingml/2006/main" xmlns:r="http://schemas.openxmlformats.org/officeDocument/2006/relationships" xmlns:p="http://schemas.openxmlformats.org/presentationml/2006/main">
   <p:cSld>
@@ -2809,7 +2979,7 @@
 </file>
 
 <file path=ppt/slideLayouts/slideLayout3.xml><?xml version="1.0" encoding="utf-8"?>
-<p:sldLayout xmlns:a="http://schemas.openxmlformats.org/drawingml/2006/main" xmlns:r="http://schemas.openxmlformats.org/officeDocument/2006/relationships" xmlns:p="http://schemas.openxmlformats.org/presentationml/2006/main" showMasterSp="0" type="tx">
+<p:sldLayout xmlns:a="http://schemas.openxmlformats.org/drawingml/2006/main" xmlns:r="http://schemas.openxmlformats.org/officeDocument/2006/relationships" xmlns:p="http://schemas.openxmlformats.org/presentationml/2006/main" showMasterSp="0" userDrawn="1">
   <p:cSld name="Título y subtítulo alt.">
     <p:spTree>
       <p:nvGrpSpPr>
@@ -2851,7 +3021,7 @@
             <a:fld id="{86CB4B4D-7CA3-9044-876B-883B54F8677D}" type="slidenum">
               <a:t>‹Nº›</a:t>
             </a:fld>
-            <a:endParaRPr/>
+            <a:endParaRPr dirty="0"/>
           </a:p>
         </p:txBody>
       </p:sp>
@@ -4192,7 +4362,7 @@
           </a:ln>
           <a:extLst>
             <a:ext uri="{C572A759-6A51-4108-AA02-DFA0A04FC94B}">
-              <ma14:wrappingTextBoxFlag xmlns="" xmlns:ma14="http://schemas.microsoft.com/office/mac/drawingml/2011/main" val="1"/>
+              <ma14:wrappingTextBoxFlag xmlns:ma14="http://schemas.microsoft.com/office/mac/drawingml/2011/main" xmlns="" val="1"/>
             </a:ext>
           </a:extLst>
         </p:spPr>
@@ -4231,7 +4401,7 @@
           </a:ln>
           <a:extLst>
             <a:ext uri="{C572A759-6A51-4108-AA02-DFA0A04FC94B}">
-              <ma14:wrappingTextBoxFlag xmlns="" xmlns:ma14="http://schemas.microsoft.com/office/mac/drawingml/2011/main" val="1"/>
+              <ma14:wrappingTextBoxFlag xmlns:ma14="http://schemas.microsoft.com/office/mac/drawingml/2011/main" xmlns="" val="1"/>
             </a:ext>
           </a:extLst>
         </p:spPr>
@@ -4242,31 +4412,96 @@
           <a:lstStyle/>
           <a:p>
             <a:r>
-              <a:t>Nivel de texto 1</a:t>
+              <a:rPr dirty="0" err="1"/>
+              <a:t>Nivel</a:t>
+            </a:r>
+            <a:r>
+              <a:rPr dirty="0"/>
+              <a:t> de </a:t>
+            </a:r>
+            <a:r>
+              <a:rPr dirty="0" err="1"/>
+              <a:t>texto</a:t>
+            </a:r>
+            <a:r>
+              <a:rPr dirty="0"/>
+              <a:t> 1</a:t>
             </a:r>
           </a:p>
           <a:p>
             <a:pPr lvl="1"/>
             <a:r>
-              <a:t>Nivel de texto 2</a:t>
+              <a:rPr dirty="0" err="1"/>
+              <a:t>Nivel</a:t>
+            </a:r>
+            <a:r>
+              <a:rPr dirty="0"/>
+              <a:t> de </a:t>
+            </a:r>
+            <a:r>
+              <a:rPr dirty="0" err="1"/>
+              <a:t>texto</a:t>
+            </a:r>
+            <a:r>
+              <a:rPr dirty="0"/>
+              <a:t> 2</a:t>
             </a:r>
           </a:p>
           <a:p>
             <a:pPr lvl="2"/>
             <a:r>
-              <a:t>Nivel de texto 3</a:t>
+              <a:rPr dirty="0" err="1"/>
+              <a:t>Nivel</a:t>
+            </a:r>
+            <a:r>
+              <a:rPr dirty="0"/>
+              <a:t> de </a:t>
+            </a:r>
+            <a:r>
+              <a:rPr dirty="0" err="1"/>
+              <a:t>texto</a:t>
+            </a:r>
+            <a:r>
+              <a:rPr dirty="0"/>
+              <a:t> 3</a:t>
             </a:r>
           </a:p>
           <a:p>
             <a:pPr lvl="3"/>
             <a:r>
-              <a:t>Nivel de texto 4</a:t>
+              <a:rPr dirty="0" err="1"/>
+              <a:t>Nivel</a:t>
+            </a:r>
+            <a:r>
+              <a:rPr dirty="0"/>
+              <a:t> de </a:t>
+            </a:r>
+            <a:r>
+              <a:rPr dirty="0" err="1"/>
+              <a:t>texto</a:t>
+            </a:r>
+            <a:r>
+              <a:rPr dirty="0"/>
+              <a:t> 4</a:t>
             </a:r>
           </a:p>
           <a:p>
             <a:pPr lvl="4"/>
             <a:r>
-              <a:t>Nivel de texto 5</a:t>
+              <a:rPr dirty="0" err="1"/>
+              <a:t>Nivel</a:t>
+            </a:r>
+            <a:r>
+              <a:rPr dirty="0"/>
+              <a:t> de </a:t>
+            </a:r>
+            <a:r>
+              <a:rPr dirty="0" err="1"/>
+              <a:t>texto</a:t>
+            </a:r>
+            <a:r>
+              <a:rPr dirty="0"/>
+              <a:t> 5</a:t>
             </a:r>
           </a:p>
         </p:txBody>
@@ -4283,7 +4518,7 @@
         </p:nvSpPr>
         <p:spPr>
           <a:xfrm>
-            <a:off x="23059652" y="609600"/>
+            <a:off x="23068803" y="11811000"/>
             <a:ext cx="553196" cy="635000"/>
           </a:xfrm>
           <a:prstGeom prst="rect">
@@ -5240,7 +5475,7 @@
           </a:ln>
           <a:extLst>
             <a:ext uri="{C572A759-6A51-4108-AA02-DFA0A04FC94B}">
-              <ma14:wrappingTextBoxFlag xmlns="" xmlns:ma14="http://schemas.microsoft.com/office/mac/drawingml/2011/main" val="1"/>
+              <ma14:wrappingTextBoxFlag xmlns:ma14="http://schemas.microsoft.com/office/mac/drawingml/2011/main" xmlns="" val="1"/>
             </a:ext>
           </a:extLst>
         </p:spPr>
@@ -5287,7 +5522,7 @@
           </a:ln>
           <a:extLst>
             <a:ext uri="{C572A759-6A51-4108-AA02-DFA0A04FC94B}">
-              <ma14:wrappingTextBoxFlag xmlns="" xmlns:ma14="http://schemas.microsoft.com/office/mac/drawingml/2011/main" val="1"/>
+              <ma14:wrappingTextBoxFlag xmlns:ma14="http://schemas.microsoft.com/office/mac/drawingml/2011/main" xmlns="" val="1"/>
             </a:ext>
           </a:extLst>
         </p:spPr>
@@ -5413,7 +5648,7 @@
           </a:ln>
           <a:extLst>
             <a:ext uri="{C572A759-6A51-4108-AA02-DFA0A04FC94B}">
-              <ma14:wrappingTextBoxFlag xmlns="" xmlns:ma14="http://schemas.microsoft.com/office/mac/drawingml/2011/main" val="1"/>
+              <ma14:wrappingTextBoxFlag xmlns:ma14="http://schemas.microsoft.com/office/mac/drawingml/2011/main" xmlns="" val="1"/>
             </a:ext>
           </a:extLst>
         </p:spPr>
@@ -5576,7 +5811,7 @@
           </a:ln>
           <a:extLst>
             <a:ext uri="{C572A759-6A51-4108-AA02-DFA0A04FC94B}">
-              <ma14:wrappingTextBoxFlag xmlns="" xmlns:ma14="http://schemas.microsoft.com/office/mac/drawingml/2011/main" val="1"/>
+              <ma14:wrappingTextBoxFlag xmlns:ma14="http://schemas.microsoft.com/office/mac/drawingml/2011/main" xmlns="" val="1"/>
             </a:ext>
           </a:extLst>
         </p:spPr>
@@ -5617,7 +5852,7 @@
           </a:ln>
           <a:extLst>
             <a:ext uri="{C572A759-6A51-4108-AA02-DFA0A04FC94B}">
-              <ma14:wrappingTextBoxFlag xmlns="" xmlns:ma14="http://schemas.microsoft.com/office/mac/drawingml/2011/main" val="1"/>
+              <ma14:wrappingTextBoxFlag xmlns:ma14="http://schemas.microsoft.com/office/mac/drawingml/2011/main" xmlns="" val="1"/>
             </a:ext>
           </a:extLst>
         </p:spPr>
@@ -5734,7 +5969,7 @@
             <a:effectLst/>
             <a:extLst>
               <a:ext uri="{C572A759-6A51-4108-AA02-DFA0A04FC94B}">
-                <ma14:wrappingTextBoxFlag xmlns="" xmlns:ma14="http://schemas.microsoft.com/office/mac/drawingml/2011/main" val="1"/>
+                <ma14:wrappingTextBoxFlag xmlns:ma14="http://schemas.microsoft.com/office/mac/drawingml/2011/main" xmlns="" val="1"/>
               </a:ext>
             </a:extLst>
           </p:spPr>
@@ -5989,7 +6224,7 @@
           </a:ln>
           <a:extLst>
             <a:ext uri="{C572A759-6A51-4108-AA02-DFA0A04FC94B}">
-              <ma14:wrappingTextBoxFlag xmlns="" xmlns:ma14="http://schemas.microsoft.com/office/mac/drawingml/2011/main" val="1"/>
+              <ma14:wrappingTextBoxFlag xmlns:ma14="http://schemas.microsoft.com/office/mac/drawingml/2011/main" xmlns="" val="1"/>
             </a:ext>
           </a:extLst>
         </p:spPr>
@@ -6102,7 +6337,7 @@
           </a:ln>
           <a:extLst>
             <a:ext uri="{C572A759-6A51-4108-AA02-DFA0A04FC94B}">
-              <ma14:wrappingTextBoxFlag xmlns="" xmlns:ma14="http://schemas.microsoft.com/office/mac/drawingml/2011/main" val="1"/>
+              <ma14:wrappingTextBoxFlag xmlns:ma14="http://schemas.microsoft.com/office/mac/drawingml/2011/main" xmlns="" val="1"/>
             </a:ext>
           </a:extLst>
         </p:spPr>
@@ -9050,7 +9285,7 @@
           </a:ln>
           <a:extLst>
             <a:ext uri="{C572A759-6A51-4108-AA02-DFA0A04FC94B}">
-              <ma14:wrappingTextBoxFlag xmlns="" xmlns:ma14="http://schemas.microsoft.com/office/mac/drawingml/2011/main" val="1"/>
+              <ma14:wrappingTextBoxFlag xmlns:ma14="http://schemas.microsoft.com/office/mac/drawingml/2011/main" xmlns="" val="1"/>
             </a:ext>
           </a:extLst>
         </p:spPr>
@@ -9163,7 +9398,7 @@
           </a:ln>
           <a:extLst>
             <a:ext uri="{C572A759-6A51-4108-AA02-DFA0A04FC94B}">
-              <ma14:wrappingTextBoxFlag xmlns="" xmlns:ma14="http://schemas.microsoft.com/office/mac/drawingml/2011/main" val="1"/>
+              <ma14:wrappingTextBoxFlag xmlns:ma14="http://schemas.microsoft.com/office/mac/drawingml/2011/main" xmlns="" val="1"/>
             </a:ext>
           </a:extLst>
         </p:spPr>
@@ -9291,7 +9526,7 @@
           </a:ln>
           <a:extLst>
             <a:ext uri="{C572A759-6A51-4108-AA02-DFA0A04FC94B}">
-              <ma14:wrappingTextBoxFlag xmlns="" xmlns:ma14="http://schemas.microsoft.com/office/mac/drawingml/2011/main" val="1"/>
+              <ma14:wrappingTextBoxFlag xmlns:ma14="http://schemas.microsoft.com/office/mac/drawingml/2011/main" xmlns="" val="1"/>
             </a:ext>
           </a:extLst>
         </p:spPr>
@@ -9337,8 +9572,8 @@
         </p:nvSpPr>
         <p:spPr>
           <a:xfrm>
-            <a:off x="4809823" y="4477226"/>
-            <a:ext cx="16067821" cy="1432979"/>
+            <a:off x="4809823" y="3203434"/>
+            <a:ext cx="16067821" cy="2706771"/>
           </a:xfrm>
           <a:prstGeom prst="roundRect">
             <a:avLst>
@@ -9581,7 +9816,7 @@
           </a:ln>
           <a:extLst>
             <a:ext uri="{C572A759-6A51-4108-AA02-DFA0A04FC94B}">
-              <ma14:wrappingTextBoxFlag xmlns="" xmlns:ma14="http://schemas.microsoft.com/office/mac/drawingml/2011/main" val="1"/>
+              <ma14:wrappingTextBoxFlag xmlns:ma14="http://schemas.microsoft.com/office/mac/drawingml/2011/main" xmlns="" val="1"/>
             </a:ext>
           </a:extLst>
         </p:spPr>
@@ -9619,8 +9854,8 @@
         </p:nvSpPr>
         <p:spPr>
           <a:xfrm>
-            <a:off x="4809823" y="7427937"/>
-            <a:ext cx="16067821" cy="1282330"/>
+            <a:off x="4809823" y="6122424"/>
+            <a:ext cx="16067821" cy="2587843"/>
           </a:xfrm>
           <a:prstGeom prst="roundRect">
             <a:avLst>
@@ -9815,7 +10050,7 @@
           </a:ln>
           <a:extLst>
             <a:ext uri="{C572A759-6A51-4108-AA02-DFA0A04FC94B}">
-              <ma14:wrappingTextBoxFlag xmlns="" xmlns:ma14="http://schemas.microsoft.com/office/mac/drawingml/2011/main" val="1"/>
+              <ma14:wrappingTextBoxFlag xmlns:ma14="http://schemas.microsoft.com/office/mac/drawingml/2011/main" xmlns="" val="1"/>
             </a:ext>
           </a:extLst>
         </p:spPr>
@@ -9861,8 +10096,8 @@
         </p:nvSpPr>
         <p:spPr>
           <a:xfrm>
-            <a:off x="4809823" y="10115681"/>
-            <a:ext cx="16067821" cy="2447104"/>
+            <a:off x="4809823" y="8842274"/>
+            <a:ext cx="16067821" cy="3720511"/>
           </a:xfrm>
           <a:prstGeom prst="roundRect">
             <a:avLst>
@@ -10100,7 +10335,7 @@
           </a:ln>
           <a:extLst>
             <a:ext uri="{C572A759-6A51-4108-AA02-DFA0A04FC94B}">
-              <ma14:wrappingTextBoxFlag xmlns="" xmlns:ma14="http://schemas.microsoft.com/office/mac/drawingml/2011/main" val="1"/>
+              <ma14:wrappingTextBoxFlag xmlns:ma14="http://schemas.microsoft.com/office/mac/drawingml/2011/main" xmlns="" val="1"/>
             </a:ext>
           </a:extLst>
         </p:spPr>
@@ -10213,7 +10448,7 @@
           </a:ln>
           <a:extLst>
             <a:ext uri="{C572A759-6A51-4108-AA02-DFA0A04FC94B}">
-              <ma14:wrappingTextBoxFlag xmlns="" xmlns:ma14="http://schemas.microsoft.com/office/mac/drawingml/2011/main" val="1"/>
+              <ma14:wrappingTextBoxFlag xmlns:ma14="http://schemas.microsoft.com/office/mac/drawingml/2011/main" xmlns="" val="1"/>
             </a:ext>
           </a:extLst>
         </p:spPr>
@@ -10333,7 +10568,7 @@
           </a:ln>
           <a:extLst>
             <a:ext uri="{C572A759-6A51-4108-AA02-DFA0A04FC94B}">
-              <ma14:wrappingTextBoxFlag xmlns="" xmlns:ma14="http://schemas.microsoft.com/office/mac/drawingml/2011/main" val="1"/>
+              <ma14:wrappingTextBoxFlag xmlns:ma14="http://schemas.microsoft.com/office/mac/drawingml/2011/main" xmlns="" val="1"/>
             </a:ext>
           </a:extLst>
         </p:spPr>
@@ -10379,8 +10614,8 @@
         </p:nvSpPr>
         <p:spPr>
           <a:xfrm>
-            <a:off x="4809823" y="4477226"/>
-            <a:ext cx="16067821" cy="2321167"/>
+            <a:off x="4809823" y="3229914"/>
+            <a:ext cx="16067821" cy="3568480"/>
           </a:xfrm>
           <a:prstGeom prst="roundRect">
             <a:avLst>
@@ -10578,7 +10813,7 @@
           </a:ln>
           <a:extLst>
             <a:ext uri="{C572A759-6A51-4108-AA02-DFA0A04FC94B}">
-              <ma14:wrappingTextBoxFlag xmlns="" xmlns:ma14="http://schemas.microsoft.com/office/mac/drawingml/2011/main" val="1"/>
+              <ma14:wrappingTextBoxFlag xmlns:ma14="http://schemas.microsoft.com/office/mac/drawingml/2011/main" xmlns="" val="1"/>
             </a:ext>
           </a:extLst>
         </p:spPr>
@@ -10616,8 +10851,8 @@
         </p:nvSpPr>
         <p:spPr>
           <a:xfrm>
-            <a:off x="4809823" y="8188608"/>
-            <a:ext cx="16067821" cy="1282330"/>
+            <a:off x="4809823" y="6931813"/>
+            <a:ext cx="16067821" cy="2539125"/>
           </a:xfrm>
           <a:prstGeom prst="roundRect">
             <a:avLst>
@@ -10783,7 +11018,7 @@
           </a:ln>
           <a:extLst>
             <a:ext uri="{C572A759-6A51-4108-AA02-DFA0A04FC94B}">
-              <ma14:wrappingTextBoxFlag xmlns="" xmlns:ma14="http://schemas.microsoft.com/office/mac/drawingml/2011/main" val="1"/>
+              <ma14:wrappingTextBoxFlag xmlns:ma14="http://schemas.microsoft.com/office/mac/drawingml/2011/main" xmlns="" val="1"/>
             </a:ext>
           </a:extLst>
         </p:spPr>
@@ -10829,8 +11064,8 @@
         </p:nvSpPr>
         <p:spPr>
           <a:xfrm>
-            <a:off x="4766281" y="10858231"/>
-            <a:ext cx="16067821" cy="2447104"/>
+            <a:off x="4766281" y="9610223"/>
+            <a:ext cx="16067821" cy="3695112"/>
           </a:xfrm>
           <a:prstGeom prst="roundRect">
             <a:avLst>
@@ -11037,7 +11272,7 @@
           </a:ln>
           <a:extLst>
             <a:ext uri="{C572A759-6A51-4108-AA02-DFA0A04FC94B}">
-              <ma14:wrappingTextBoxFlag xmlns="" xmlns:ma14="http://schemas.microsoft.com/office/mac/drawingml/2011/main" val="1"/>
+              <ma14:wrappingTextBoxFlag xmlns:ma14="http://schemas.microsoft.com/office/mac/drawingml/2011/main" xmlns="" val="1"/>
             </a:ext>
           </a:extLst>
         </p:spPr>
@@ -11150,7 +11385,7 @@
           </a:ln>
           <a:extLst>
             <a:ext uri="{C572A759-6A51-4108-AA02-DFA0A04FC94B}">
-              <ma14:wrappingTextBoxFlag xmlns="" xmlns:ma14="http://schemas.microsoft.com/office/mac/drawingml/2011/main" val="1"/>
+              <ma14:wrappingTextBoxFlag xmlns:ma14="http://schemas.microsoft.com/office/mac/drawingml/2011/main" xmlns="" val="1"/>
             </a:ext>
           </a:extLst>
         </p:spPr>
@@ -11270,7 +11505,7 @@
           </a:ln>
           <a:extLst>
             <a:ext uri="{C572A759-6A51-4108-AA02-DFA0A04FC94B}">
-              <ma14:wrappingTextBoxFlag xmlns="" xmlns:ma14="http://schemas.microsoft.com/office/mac/drawingml/2011/main" val="1"/>
+              <ma14:wrappingTextBoxFlag xmlns:ma14="http://schemas.microsoft.com/office/mac/drawingml/2011/main" xmlns="" val="1"/>
             </a:ext>
           </a:extLst>
         </p:spPr>
@@ -11316,8 +11551,8 @@
         </p:nvSpPr>
         <p:spPr>
           <a:xfrm>
-            <a:off x="4809823" y="4477226"/>
-            <a:ext cx="16067821" cy="1751841"/>
+            <a:off x="4809823" y="3196476"/>
+            <a:ext cx="16067821" cy="3032592"/>
           </a:xfrm>
           <a:prstGeom prst="roundRect">
             <a:avLst>
@@ -11527,7 +11762,7 @@
           </a:ln>
           <a:extLst>
             <a:ext uri="{C572A759-6A51-4108-AA02-DFA0A04FC94B}">
-              <ma14:wrappingTextBoxFlag xmlns="" xmlns:ma14="http://schemas.microsoft.com/office/mac/drawingml/2011/main" val="1"/>
+              <ma14:wrappingTextBoxFlag xmlns:ma14="http://schemas.microsoft.com/office/mac/drawingml/2011/main" xmlns="" val="1"/>
             </a:ext>
           </a:extLst>
         </p:spPr>
@@ -11565,8 +11800,8 @@
         </p:nvSpPr>
         <p:spPr>
           <a:xfrm>
-            <a:off x="4809823" y="7561437"/>
-            <a:ext cx="16067821" cy="1968441"/>
+            <a:off x="4809823" y="6332639"/>
+            <a:ext cx="16067821" cy="3197240"/>
           </a:xfrm>
           <a:prstGeom prst="roundRect">
             <a:avLst>
@@ -11767,7 +12002,7 @@
           </a:ln>
           <a:extLst>
             <a:ext uri="{C572A759-6A51-4108-AA02-DFA0A04FC94B}">
-              <ma14:wrappingTextBoxFlag xmlns="" xmlns:ma14="http://schemas.microsoft.com/office/mac/drawingml/2011/main" val="1"/>
+              <ma14:wrappingTextBoxFlag xmlns:ma14="http://schemas.microsoft.com/office/mac/drawingml/2011/main" xmlns="" val="1"/>
             </a:ext>
           </a:extLst>
         </p:spPr>
@@ -11813,8 +12048,8 @@
         </p:nvSpPr>
         <p:spPr>
           <a:xfrm>
-            <a:off x="4766281" y="10858231"/>
-            <a:ext cx="16067821" cy="2447104"/>
+            <a:off x="4766281" y="9633450"/>
+            <a:ext cx="16067821" cy="3671885"/>
           </a:xfrm>
           <a:prstGeom prst="roundRect">
             <a:avLst>
@@ -12021,7 +12256,7 @@
           </a:ln>
           <a:extLst>
             <a:ext uri="{C572A759-6A51-4108-AA02-DFA0A04FC94B}">
-              <ma14:wrappingTextBoxFlag xmlns="" xmlns:ma14="http://schemas.microsoft.com/office/mac/drawingml/2011/main" val="1"/>
+              <ma14:wrappingTextBoxFlag xmlns:ma14="http://schemas.microsoft.com/office/mac/drawingml/2011/main" xmlns="" val="1"/>
             </a:ext>
           </a:extLst>
         </p:spPr>
@@ -12134,7 +12369,7 @@
           </a:ln>
           <a:extLst>
             <a:ext uri="{C572A759-6A51-4108-AA02-DFA0A04FC94B}">
-              <ma14:wrappingTextBoxFlag xmlns="" xmlns:ma14="http://schemas.microsoft.com/office/mac/drawingml/2011/main" val="1"/>
+              <ma14:wrappingTextBoxFlag xmlns:ma14="http://schemas.microsoft.com/office/mac/drawingml/2011/main" xmlns="" val="1"/>
             </a:ext>
           </a:extLst>
         </p:spPr>
@@ -12254,7 +12489,7 @@
           </a:ln>
           <a:extLst>
             <a:ext uri="{C572A759-6A51-4108-AA02-DFA0A04FC94B}">
-              <ma14:wrappingTextBoxFlag xmlns="" xmlns:ma14="http://schemas.microsoft.com/office/mac/drawingml/2011/main" val="1"/>
+              <ma14:wrappingTextBoxFlag xmlns:ma14="http://schemas.microsoft.com/office/mac/drawingml/2011/main" xmlns="" val="1"/>
             </a:ext>
           </a:extLst>
         </p:spPr>
@@ -12300,8 +12535,8 @@
         </p:nvSpPr>
         <p:spPr>
           <a:xfrm>
-            <a:off x="4809823" y="4477226"/>
-            <a:ext cx="16067821" cy="2255538"/>
+            <a:off x="4809823" y="3181692"/>
+            <a:ext cx="16067821" cy="3551072"/>
           </a:xfrm>
           <a:prstGeom prst="roundRect">
             <a:avLst>
@@ -12484,7 +12719,7 @@
           </a:ln>
           <a:extLst>
             <a:ext uri="{C572A759-6A51-4108-AA02-DFA0A04FC94B}">
-              <ma14:wrappingTextBoxFlag xmlns="" xmlns:ma14="http://schemas.microsoft.com/office/mac/drawingml/2011/main" val="1"/>
+              <ma14:wrappingTextBoxFlag xmlns:ma14="http://schemas.microsoft.com/office/mac/drawingml/2011/main" xmlns="" val="1"/>
             </a:ext>
           </a:extLst>
         </p:spPr>
@@ -12522,8 +12757,8 @@
         </p:nvSpPr>
         <p:spPr>
           <a:xfrm>
-            <a:off x="4809823" y="8198308"/>
-            <a:ext cx="16067821" cy="1331570"/>
+            <a:off x="4809823" y="6893981"/>
+            <a:ext cx="16067821" cy="2635897"/>
           </a:xfrm>
           <a:prstGeom prst="roundRect">
             <a:avLst>
@@ -12689,7 +12924,7 @@
           </a:ln>
           <a:extLst>
             <a:ext uri="{C572A759-6A51-4108-AA02-DFA0A04FC94B}">
-              <ma14:wrappingTextBoxFlag xmlns="" xmlns:ma14="http://schemas.microsoft.com/office/mac/drawingml/2011/main" val="1"/>
+              <ma14:wrappingTextBoxFlag xmlns:ma14="http://schemas.microsoft.com/office/mac/drawingml/2011/main" xmlns="" val="1"/>
             </a:ext>
           </a:extLst>
         </p:spPr>
@@ -12735,8 +12970,8 @@
         </p:nvSpPr>
         <p:spPr>
           <a:xfrm>
-            <a:off x="4766281" y="10858231"/>
-            <a:ext cx="16067821" cy="2447104"/>
+            <a:off x="4766281" y="9691095"/>
+            <a:ext cx="16067821" cy="3614240"/>
           </a:xfrm>
           <a:prstGeom prst="roundRect">
             <a:avLst>
@@ -12943,7 +13178,7 @@
           </a:ln>
           <a:extLst>
             <a:ext uri="{C572A759-6A51-4108-AA02-DFA0A04FC94B}">
-              <ma14:wrappingTextBoxFlag xmlns="" xmlns:ma14="http://schemas.microsoft.com/office/mac/drawingml/2011/main" val="1"/>
+              <ma14:wrappingTextBoxFlag xmlns:ma14="http://schemas.microsoft.com/office/mac/drawingml/2011/main" xmlns="" val="1"/>
             </a:ext>
           </a:extLst>
         </p:spPr>
@@ -13056,7 +13291,7 @@
           </a:ln>
           <a:extLst>
             <a:ext uri="{C572A759-6A51-4108-AA02-DFA0A04FC94B}">
-              <ma14:wrappingTextBoxFlag xmlns="" xmlns:ma14="http://schemas.microsoft.com/office/mac/drawingml/2011/main" val="1"/>
+              <ma14:wrappingTextBoxFlag xmlns:ma14="http://schemas.microsoft.com/office/mac/drawingml/2011/main" xmlns="" val="1"/>
             </a:ext>
           </a:extLst>
         </p:spPr>
@@ -13176,7 +13411,7 @@
           </a:ln>
           <a:extLst>
             <a:ext uri="{C572A759-6A51-4108-AA02-DFA0A04FC94B}">
-              <ma14:wrappingTextBoxFlag xmlns="" xmlns:ma14="http://schemas.microsoft.com/office/mac/drawingml/2011/main" val="1"/>
+              <ma14:wrappingTextBoxFlag xmlns:ma14="http://schemas.microsoft.com/office/mac/drawingml/2011/main" xmlns="" val="1"/>
             </a:ext>
           </a:extLst>
         </p:spPr>
@@ -13222,8 +13457,8 @@
         </p:nvSpPr>
         <p:spPr>
           <a:xfrm>
-            <a:off x="4809823" y="4477226"/>
-            <a:ext cx="16067821" cy="2255538"/>
+            <a:off x="4809823" y="3154019"/>
+            <a:ext cx="16067821" cy="3578745"/>
           </a:xfrm>
           <a:prstGeom prst="roundRect">
             <a:avLst>
@@ -13388,7 +13623,7 @@
           </a:ln>
           <a:extLst>
             <a:ext uri="{C572A759-6A51-4108-AA02-DFA0A04FC94B}">
-              <ma14:wrappingTextBoxFlag xmlns="" xmlns:ma14="http://schemas.microsoft.com/office/mac/drawingml/2011/main" val="1"/>
+              <ma14:wrappingTextBoxFlag xmlns:ma14="http://schemas.microsoft.com/office/mac/drawingml/2011/main" xmlns="" val="1"/>
             </a:ext>
           </a:extLst>
         </p:spPr>
@@ -13426,8 +13661,8 @@
         </p:nvSpPr>
         <p:spPr>
           <a:xfrm>
-            <a:off x="4809823" y="8486453"/>
-            <a:ext cx="16067821" cy="1458669"/>
+            <a:off x="4809823" y="6921655"/>
+            <a:ext cx="16067821" cy="3023468"/>
           </a:xfrm>
           <a:prstGeom prst="roundRect">
             <a:avLst>
@@ -13593,7 +13828,7 @@
           </a:ln>
           <a:extLst>
             <a:ext uri="{C572A759-6A51-4108-AA02-DFA0A04FC94B}">
-              <ma14:wrappingTextBoxFlag xmlns="" xmlns:ma14="http://schemas.microsoft.com/office/mac/drawingml/2011/main" val="1"/>
+              <ma14:wrappingTextBoxFlag xmlns:ma14="http://schemas.microsoft.com/office/mac/drawingml/2011/main" xmlns="" val="1"/>
             </a:ext>
           </a:extLst>
         </p:spPr>
@@ -13639,8 +13874,8 @@
         </p:nvSpPr>
         <p:spPr>
           <a:xfrm>
-            <a:off x="4766281" y="11692795"/>
-            <a:ext cx="16067821" cy="1612540"/>
+            <a:off x="4766281" y="10158790"/>
+            <a:ext cx="16067821" cy="3146545"/>
           </a:xfrm>
           <a:prstGeom prst="roundRect">
             <a:avLst>
@@ -13847,7 +14082,7 @@
           </a:ln>
           <a:extLst>
             <a:ext uri="{C572A759-6A51-4108-AA02-DFA0A04FC94B}">
-              <ma14:wrappingTextBoxFlag xmlns="" xmlns:ma14="http://schemas.microsoft.com/office/mac/drawingml/2011/main" val="1"/>
+              <ma14:wrappingTextBoxFlag xmlns:ma14="http://schemas.microsoft.com/office/mac/drawingml/2011/main" xmlns="" val="1"/>
             </a:ext>
           </a:extLst>
         </p:spPr>
@@ -13960,7 +14195,7 @@
           </a:ln>
           <a:extLst>
             <a:ext uri="{C572A759-6A51-4108-AA02-DFA0A04FC94B}">
-              <ma14:wrappingTextBoxFlag xmlns="" xmlns:ma14="http://schemas.microsoft.com/office/mac/drawingml/2011/main" val="1"/>
+              <ma14:wrappingTextBoxFlag xmlns:ma14="http://schemas.microsoft.com/office/mac/drawingml/2011/main" xmlns="" val="1"/>
             </a:ext>
           </a:extLst>
         </p:spPr>
@@ -14080,7 +14315,7 @@
           </a:ln>
           <a:extLst>
             <a:ext uri="{C572A759-6A51-4108-AA02-DFA0A04FC94B}">
-              <ma14:wrappingTextBoxFlag xmlns="" xmlns:ma14="http://schemas.microsoft.com/office/mac/drawingml/2011/main" val="1"/>
+              <ma14:wrappingTextBoxFlag xmlns:ma14="http://schemas.microsoft.com/office/mac/drawingml/2011/main" xmlns="" val="1"/>
             </a:ext>
           </a:extLst>
         </p:spPr>
@@ -14126,8 +14361,8 @@
         </p:nvSpPr>
         <p:spPr>
           <a:xfrm>
-            <a:off x="4809823" y="4477226"/>
-            <a:ext cx="16067821" cy="2255538"/>
+            <a:off x="4809823" y="3183088"/>
+            <a:ext cx="16067821" cy="3549676"/>
           </a:xfrm>
           <a:prstGeom prst="roundRect">
             <a:avLst>
@@ -14310,7 +14545,7 @@
           </a:ln>
           <a:extLst>
             <a:ext uri="{C572A759-6A51-4108-AA02-DFA0A04FC94B}">
-              <ma14:wrappingTextBoxFlag xmlns="" xmlns:ma14="http://schemas.microsoft.com/office/mac/drawingml/2011/main" val="1"/>
+              <ma14:wrappingTextBoxFlag xmlns:ma14="http://schemas.microsoft.com/office/mac/drawingml/2011/main" xmlns="" val="1"/>
             </a:ext>
           </a:extLst>
         </p:spPr>
@@ -14348,8 +14583,8 @@
         </p:nvSpPr>
         <p:spPr>
           <a:xfrm>
-            <a:off x="4809823" y="8103995"/>
-            <a:ext cx="16067821" cy="1967458"/>
+            <a:off x="4809823" y="6980359"/>
+            <a:ext cx="16067821" cy="3091094"/>
           </a:xfrm>
           <a:prstGeom prst="roundRect">
             <a:avLst>
@@ -14534,7 +14769,7 @@
           </a:ln>
           <a:extLst>
             <a:ext uri="{C572A759-6A51-4108-AA02-DFA0A04FC94B}">
-              <ma14:wrappingTextBoxFlag xmlns="" xmlns:ma14="http://schemas.microsoft.com/office/mac/drawingml/2011/main" val="1"/>
+              <ma14:wrappingTextBoxFlag xmlns:ma14="http://schemas.microsoft.com/office/mac/drawingml/2011/main" xmlns="" val="1"/>
             </a:ext>
           </a:extLst>
         </p:spPr>
@@ -14580,8 +14815,8 @@
         </p:nvSpPr>
         <p:spPr>
           <a:xfrm>
-            <a:off x="4766281" y="11692795"/>
-            <a:ext cx="16067821" cy="1612540"/>
+            <a:off x="4766281" y="10319048"/>
+            <a:ext cx="16067821" cy="2986287"/>
           </a:xfrm>
           <a:prstGeom prst="roundRect">
             <a:avLst>
@@ -14788,7 +15023,7 @@
           </a:ln>
           <a:extLst>
             <a:ext uri="{C572A759-6A51-4108-AA02-DFA0A04FC94B}">
-              <ma14:wrappingTextBoxFlag xmlns="" xmlns:ma14="http://schemas.microsoft.com/office/mac/drawingml/2011/main" val="1"/>
+              <ma14:wrappingTextBoxFlag xmlns:ma14="http://schemas.microsoft.com/office/mac/drawingml/2011/main" xmlns="" val="1"/>
             </a:ext>
           </a:extLst>
         </p:spPr>
@@ -14901,7 +15136,7 @@
           </a:ln>
           <a:extLst>
             <a:ext uri="{C572A759-6A51-4108-AA02-DFA0A04FC94B}">
-              <ma14:wrappingTextBoxFlag xmlns="" xmlns:ma14="http://schemas.microsoft.com/office/mac/drawingml/2011/main" val="1"/>
+              <ma14:wrappingTextBoxFlag xmlns:ma14="http://schemas.microsoft.com/office/mac/drawingml/2011/main" xmlns="" val="1"/>
             </a:ext>
           </a:extLst>
         </p:spPr>
@@ -15021,7 +15256,7 @@
           </a:ln>
           <a:extLst>
             <a:ext uri="{C572A759-6A51-4108-AA02-DFA0A04FC94B}">
-              <ma14:wrappingTextBoxFlag xmlns="" xmlns:ma14="http://schemas.microsoft.com/office/mac/drawingml/2011/main" val="1"/>
+              <ma14:wrappingTextBoxFlag xmlns:ma14="http://schemas.microsoft.com/office/mac/drawingml/2011/main" xmlns="" val="1"/>
             </a:ext>
           </a:extLst>
         </p:spPr>
@@ -15067,8 +15302,8 @@
         </p:nvSpPr>
         <p:spPr>
           <a:xfrm>
-            <a:off x="4809823" y="4477226"/>
-            <a:ext cx="16067821" cy="2255538"/>
+            <a:off x="4809823" y="3192859"/>
+            <a:ext cx="16067821" cy="3539905"/>
           </a:xfrm>
           <a:prstGeom prst="roundRect">
             <a:avLst>
@@ -15251,7 +15486,7 @@
           </a:ln>
           <a:extLst>
             <a:ext uri="{C572A759-6A51-4108-AA02-DFA0A04FC94B}">
-              <ma14:wrappingTextBoxFlag xmlns="" xmlns:ma14="http://schemas.microsoft.com/office/mac/drawingml/2011/main" val="1"/>
+              <ma14:wrappingTextBoxFlag xmlns:ma14="http://schemas.microsoft.com/office/mac/drawingml/2011/main" xmlns="" val="1"/>
             </a:ext>
           </a:extLst>
         </p:spPr>
@@ -15289,8 +15524,8 @@
         </p:nvSpPr>
         <p:spPr>
           <a:xfrm>
-            <a:off x="4809823" y="8103995"/>
-            <a:ext cx="16067821" cy="1537621"/>
+            <a:off x="4809823" y="6882815"/>
+            <a:ext cx="16067821" cy="2758802"/>
           </a:xfrm>
           <a:prstGeom prst="roundRect">
             <a:avLst>
@@ -15456,7 +15691,7 @@
           </a:ln>
           <a:extLst>
             <a:ext uri="{C572A759-6A51-4108-AA02-DFA0A04FC94B}">
-              <ma14:wrappingTextBoxFlag xmlns="" xmlns:ma14="http://schemas.microsoft.com/office/mac/drawingml/2011/main" val="1"/>
+              <ma14:wrappingTextBoxFlag xmlns:ma14="http://schemas.microsoft.com/office/mac/drawingml/2011/main" xmlns="" val="1"/>
             </a:ext>
           </a:extLst>
         </p:spPr>
@@ -15502,8 +15737,8 @@
         </p:nvSpPr>
         <p:spPr>
           <a:xfrm>
-            <a:off x="4809823" y="11393643"/>
-            <a:ext cx="16067821" cy="1612540"/>
+            <a:off x="4809823" y="9842731"/>
+            <a:ext cx="16067821" cy="3163452"/>
           </a:xfrm>
           <a:prstGeom prst="roundRect">
             <a:avLst>
@@ -15710,7 +15945,7 @@
           </a:ln>
           <a:extLst>
             <a:ext uri="{C572A759-6A51-4108-AA02-DFA0A04FC94B}">
-              <ma14:wrappingTextBoxFlag xmlns="" xmlns:ma14="http://schemas.microsoft.com/office/mac/drawingml/2011/main" val="1"/>
+              <ma14:wrappingTextBoxFlag xmlns:ma14="http://schemas.microsoft.com/office/mac/drawingml/2011/main" xmlns="" val="1"/>
             </a:ext>
           </a:extLst>
         </p:spPr>
@@ -15823,7 +16058,7 @@
           </a:ln>
           <a:extLst>
             <a:ext uri="{C572A759-6A51-4108-AA02-DFA0A04FC94B}">
-              <ma14:wrappingTextBoxFlag xmlns="" xmlns:ma14="http://schemas.microsoft.com/office/mac/drawingml/2011/main" val="1"/>
+              <ma14:wrappingTextBoxFlag xmlns:ma14="http://schemas.microsoft.com/office/mac/drawingml/2011/main" xmlns="" val="1"/>
             </a:ext>
           </a:extLst>
         </p:spPr>
@@ -15943,7 +16178,7 @@
           </a:ln>
           <a:extLst>
             <a:ext uri="{C572A759-6A51-4108-AA02-DFA0A04FC94B}">
-              <ma14:wrappingTextBoxFlag xmlns="" xmlns:ma14="http://schemas.microsoft.com/office/mac/drawingml/2011/main" val="1"/>
+              <ma14:wrappingTextBoxFlag xmlns:ma14="http://schemas.microsoft.com/office/mac/drawingml/2011/main" xmlns="" val="1"/>
             </a:ext>
           </a:extLst>
         </p:spPr>
@@ -15989,8 +16224,8 @@
         </p:nvSpPr>
         <p:spPr>
           <a:xfrm>
-            <a:off x="4809823" y="4477226"/>
-            <a:ext cx="16067821" cy="2255538"/>
+            <a:off x="4809823" y="3188866"/>
+            <a:ext cx="16067821" cy="3543898"/>
           </a:xfrm>
           <a:prstGeom prst="roundRect">
             <a:avLst>
@@ -16173,7 +16408,7 @@
           </a:ln>
           <a:extLst>
             <a:ext uri="{C572A759-6A51-4108-AA02-DFA0A04FC94B}">
-              <ma14:wrappingTextBoxFlag xmlns="" xmlns:ma14="http://schemas.microsoft.com/office/mac/drawingml/2011/main" val="1"/>
+              <ma14:wrappingTextBoxFlag xmlns:ma14="http://schemas.microsoft.com/office/mac/drawingml/2011/main" xmlns="" val="1"/>
             </a:ext>
           </a:extLst>
         </p:spPr>
@@ -16211,8 +16446,8 @@
         </p:nvSpPr>
         <p:spPr>
           <a:xfrm>
-            <a:off x="4809823" y="8103995"/>
-            <a:ext cx="16067821" cy="2151268"/>
+            <a:off x="4809823" y="6886807"/>
+            <a:ext cx="16067821" cy="3368456"/>
           </a:xfrm>
           <a:prstGeom prst="roundRect">
             <a:avLst>
@@ -16397,7 +16632,7 @@
           </a:ln>
           <a:extLst>
             <a:ext uri="{C572A759-6A51-4108-AA02-DFA0A04FC94B}">
-              <ma14:wrappingTextBoxFlag xmlns="" xmlns:ma14="http://schemas.microsoft.com/office/mac/drawingml/2011/main" val="1"/>
+              <ma14:wrappingTextBoxFlag xmlns:ma14="http://schemas.microsoft.com/office/mac/drawingml/2011/main" xmlns="" val="1"/>
             </a:ext>
           </a:extLst>
         </p:spPr>
@@ -16443,8 +16678,8 @@
         </p:nvSpPr>
         <p:spPr>
           <a:xfrm>
-            <a:off x="4809823" y="11812886"/>
-            <a:ext cx="16067821" cy="1612540"/>
+            <a:off x="4809823" y="10358835"/>
+            <a:ext cx="16067821" cy="3066591"/>
           </a:xfrm>
           <a:prstGeom prst="roundRect">
             <a:avLst>
@@ -16651,7 +16886,7 @@
           </a:ln>
           <a:extLst>
             <a:ext uri="{C572A759-6A51-4108-AA02-DFA0A04FC94B}">
-              <ma14:wrappingTextBoxFlag xmlns="" xmlns:ma14="http://schemas.microsoft.com/office/mac/drawingml/2011/main" val="1"/>
+              <ma14:wrappingTextBoxFlag xmlns:ma14="http://schemas.microsoft.com/office/mac/drawingml/2011/main" xmlns="" val="1"/>
             </a:ext>
           </a:extLst>
         </p:spPr>
@@ -16698,7 +16933,7 @@
           </a:ln>
           <a:extLst>
             <a:ext uri="{C572A759-6A51-4108-AA02-DFA0A04FC94B}">
-              <ma14:wrappingTextBoxFlag xmlns="" xmlns:ma14="http://schemas.microsoft.com/office/mac/drawingml/2011/main" val="1"/>
+              <ma14:wrappingTextBoxFlag xmlns:ma14="http://schemas.microsoft.com/office/mac/drawingml/2011/main" xmlns="" val="1"/>
             </a:ext>
           </a:extLst>
         </p:spPr>
@@ -16930,7 +17165,7 @@
           </a:ln>
           <a:extLst>
             <a:ext uri="{C572A759-6A51-4108-AA02-DFA0A04FC94B}">
-              <ma14:wrappingTextBoxFlag xmlns="" xmlns:ma14="http://schemas.microsoft.com/office/mac/drawingml/2011/main" val="1"/>
+              <ma14:wrappingTextBoxFlag xmlns:ma14="http://schemas.microsoft.com/office/mac/drawingml/2011/main" xmlns="" val="1"/>
             </a:ext>
           </a:extLst>
         </p:spPr>
@@ -17039,7 +17274,7 @@
           </a:ln>
           <a:extLst>
             <a:ext uri="{C572A759-6A51-4108-AA02-DFA0A04FC94B}">
-              <ma14:wrappingTextBoxFlag xmlns="" xmlns:ma14="http://schemas.microsoft.com/office/mac/drawingml/2011/main" val="1"/>
+              <ma14:wrappingTextBoxFlag xmlns:ma14="http://schemas.microsoft.com/office/mac/drawingml/2011/main" xmlns="" val="1"/>
             </a:ext>
           </a:extLst>
         </p:spPr>
@@ -17134,7 +17369,7 @@
         </p:nvSpPr>
         <p:spPr>
           <a:xfrm>
-            <a:off x="10289724" y="5905250"/>
+            <a:off x="10539387" y="5905250"/>
             <a:ext cx="3977486" cy="2718693"/>
           </a:xfrm>
           <a:prstGeom prst="rect">
@@ -17145,7 +17380,7 @@
           </a:ln>
           <a:extLst>
             <a:ext uri="{C572A759-6A51-4108-AA02-DFA0A04FC94B}">
-              <ma14:wrappingTextBoxFlag xmlns="" xmlns:ma14="http://schemas.microsoft.com/office/mac/drawingml/2011/main" val="1"/>
+              <ma14:wrappingTextBoxFlag xmlns:ma14="http://schemas.microsoft.com/office/mac/drawingml/2011/main" xmlns="" val="1"/>
             </a:ext>
           </a:extLst>
         </p:spPr>
@@ -17418,7 +17653,7 @@
           </a:ln>
           <a:extLst>
             <a:ext uri="{C572A759-6A51-4108-AA02-DFA0A04FC94B}">
-              <ma14:wrappingTextBoxFlag xmlns="" xmlns:ma14="http://schemas.microsoft.com/office/mac/drawingml/2011/main" val="1"/>
+              <ma14:wrappingTextBoxFlag xmlns:ma14="http://schemas.microsoft.com/office/mac/drawingml/2011/main" xmlns="" val="1"/>
             </a:ext>
           </a:extLst>
         </p:spPr>
@@ -17521,7 +17756,7 @@
           </a:ln>
           <a:extLst>
             <a:ext uri="{C572A759-6A51-4108-AA02-DFA0A04FC94B}">
-              <ma14:wrappingTextBoxFlag xmlns="" xmlns:ma14="http://schemas.microsoft.com/office/mac/drawingml/2011/main" val="1"/>
+              <ma14:wrappingTextBoxFlag xmlns:ma14="http://schemas.microsoft.com/office/mac/drawingml/2011/main" xmlns="" val="1"/>
             </a:ext>
           </a:extLst>
         </p:spPr>
@@ -17624,7 +17859,7 @@
           </a:ln>
           <a:extLst>
             <a:ext uri="{C572A759-6A51-4108-AA02-DFA0A04FC94B}">
-              <ma14:wrappingTextBoxFlag xmlns="" xmlns:ma14="http://schemas.microsoft.com/office/mac/drawingml/2011/main" val="1"/>
+              <ma14:wrappingTextBoxFlag xmlns:ma14="http://schemas.microsoft.com/office/mac/drawingml/2011/main" xmlns="" val="1"/>
             </a:ext>
           </a:extLst>
         </p:spPr>
@@ -17740,7 +17975,7 @@
           </a:ln>
           <a:extLst>
             <a:ext uri="{C572A759-6A51-4108-AA02-DFA0A04FC94B}">
-              <ma14:wrappingTextBoxFlag xmlns="" xmlns:ma14="http://schemas.microsoft.com/office/mac/drawingml/2011/main" val="1"/>
+              <ma14:wrappingTextBoxFlag xmlns:ma14="http://schemas.microsoft.com/office/mac/drawingml/2011/main" xmlns="" val="1"/>
             </a:ext>
           </a:extLst>
         </p:spPr>
@@ -17847,7 +18082,7 @@
           </a:ln>
           <a:extLst>
             <a:ext uri="{C572A759-6A51-4108-AA02-DFA0A04FC94B}">
-              <ma14:wrappingTextBoxFlag xmlns="" xmlns:ma14="http://schemas.microsoft.com/office/mac/drawingml/2011/main" val="1"/>
+              <ma14:wrappingTextBoxFlag xmlns:ma14="http://schemas.microsoft.com/office/mac/drawingml/2011/main" xmlns="" val="1"/>
             </a:ext>
           </a:extLst>
         </p:spPr>
@@ -18081,8 +18316,8 @@
         </p:nvSpPr>
         <p:spPr>
           <a:xfrm>
-            <a:off x="15102776" y="5738951"/>
-            <a:ext cx="3516784" cy="1949252"/>
+            <a:off x="15119117" y="5905250"/>
+            <a:ext cx="3516784" cy="1333698"/>
           </a:xfrm>
           <a:prstGeom prst="rect">
             <a:avLst/>
@@ -18092,7 +18327,7 @@
           </a:ln>
           <a:extLst>
             <a:ext uri="{C572A759-6A51-4108-AA02-DFA0A04FC94B}">
-              <ma14:wrappingTextBoxFlag xmlns="" xmlns:ma14="http://schemas.microsoft.com/office/mac/drawingml/2011/main" val="1"/>
+              <ma14:wrappingTextBoxFlag xmlns:ma14="http://schemas.microsoft.com/office/mac/drawingml/2011/main" xmlns="" val="1"/>
             </a:ext>
           </a:extLst>
         </p:spPr>
@@ -18159,66 +18394,6 @@
                 <a:sym typeface="Helvetica Neue"/>
               </a:rPr>
               <a:t>2 Gráfico Gantt	</a:t>
-            </a:r>
-          </a:p>
-          <a:p>
-            <a:pPr defTabSz="457200">
-              <a:spcBef>
-                <a:spcPts val="0"/>
-              </a:spcBef>
-              <a:defRPr sz="2000">
-                <a:solidFill>
-                  <a:srgbClr val="000000"/>
-                </a:solidFill>
-                <a:uFill>
-                  <a:solidFill>
-                    <a:srgbClr val="000000"/>
-                  </a:solidFill>
-                </a:uFill>
-                <a:latin typeface="Times New Roman"/>
-                <a:ea typeface="Times New Roman"/>
-                <a:cs typeface="Times New Roman"/>
-                <a:sym typeface="Times New Roman"/>
-              </a:defRPr>
-            </a:pPr>
-            <a:r>
-              <a:rPr lang="es-ES" dirty="0">
-                <a:latin typeface="Helvetica Neue"/>
-                <a:ea typeface="Helvetica Neue"/>
-                <a:cs typeface="Helvetica Neue"/>
-                <a:sym typeface="Helvetica Neue"/>
-              </a:rPr>
-              <a:t>3 Red de tareas	</a:t>
-            </a:r>
-          </a:p>
-          <a:p>
-            <a:pPr defTabSz="457200">
-              <a:spcBef>
-                <a:spcPts val="0"/>
-              </a:spcBef>
-              <a:defRPr sz="2000">
-                <a:solidFill>
-                  <a:srgbClr val="000000"/>
-                </a:solidFill>
-                <a:uFill>
-                  <a:solidFill>
-                    <a:srgbClr val="000000"/>
-                  </a:solidFill>
-                </a:uFill>
-                <a:latin typeface="Times New Roman"/>
-                <a:ea typeface="Times New Roman"/>
-                <a:cs typeface="Times New Roman"/>
-                <a:sym typeface="Times New Roman"/>
-              </a:defRPr>
-            </a:pPr>
-            <a:r>
-              <a:rPr lang="es-ES" dirty="0">
-                <a:latin typeface="Helvetica Neue"/>
-                <a:ea typeface="Helvetica Neue"/>
-                <a:cs typeface="Helvetica Neue"/>
-                <a:sym typeface="Helvetica Neue"/>
-              </a:rPr>
-              <a:t>4 Tabla de uso de recursos</a:t>
             </a:r>
           </a:p>
         </p:txBody>
@@ -18402,7 +18577,7 @@
           </a:ln>
           <a:extLst>
             <a:ext uri="{C572A759-6A51-4108-AA02-DFA0A04FC94B}">
-              <ma14:wrappingTextBoxFlag xmlns="" xmlns:ma14="http://schemas.microsoft.com/office/mac/drawingml/2011/main" val="1"/>
+              <ma14:wrappingTextBoxFlag xmlns:ma14="http://schemas.microsoft.com/office/mac/drawingml/2011/main" xmlns="" val="1"/>
             </a:ext>
           </a:extLst>
         </p:spPr>
@@ -18515,7 +18690,7 @@
           </a:ln>
           <a:extLst>
             <a:ext uri="{C572A759-6A51-4108-AA02-DFA0A04FC94B}">
-              <ma14:wrappingTextBoxFlag xmlns="" xmlns:ma14="http://schemas.microsoft.com/office/mac/drawingml/2011/main" val="1"/>
+              <ma14:wrappingTextBoxFlag xmlns:ma14="http://schemas.microsoft.com/office/mac/drawingml/2011/main" xmlns="" val="1"/>
             </a:ext>
           </a:extLst>
         </p:spPr>
@@ -18635,7 +18810,7 @@
           </a:ln>
           <a:extLst>
             <a:ext uri="{C572A759-6A51-4108-AA02-DFA0A04FC94B}">
-              <ma14:wrappingTextBoxFlag xmlns="" xmlns:ma14="http://schemas.microsoft.com/office/mac/drawingml/2011/main" val="1"/>
+              <ma14:wrappingTextBoxFlag xmlns:ma14="http://schemas.microsoft.com/office/mac/drawingml/2011/main" xmlns="" val="1"/>
             </a:ext>
           </a:extLst>
         </p:spPr>
@@ -18681,8 +18856,8 @@
         </p:nvSpPr>
         <p:spPr>
           <a:xfrm>
-            <a:off x="4809823" y="4477226"/>
-            <a:ext cx="16067821" cy="2255538"/>
+            <a:off x="4809823" y="3188866"/>
+            <a:ext cx="16067821" cy="3543898"/>
           </a:xfrm>
           <a:prstGeom prst="roundRect">
             <a:avLst>
@@ -18862,7 +19037,7 @@
           </a:ln>
           <a:extLst>
             <a:ext uri="{C572A759-6A51-4108-AA02-DFA0A04FC94B}">
-              <ma14:wrappingTextBoxFlag xmlns="" xmlns:ma14="http://schemas.microsoft.com/office/mac/drawingml/2011/main" val="1"/>
+              <ma14:wrappingTextBoxFlag xmlns:ma14="http://schemas.microsoft.com/office/mac/drawingml/2011/main" xmlns="" val="1"/>
             </a:ext>
           </a:extLst>
         </p:spPr>
@@ -18900,8 +19075,8 @@
         </p:nvSpPr>
         <p:spPr>
           <a:xfrm>
-            <a:off x="4809823" y="8103995"/>
-            <a:ext cx="16067821" cy="2151268"/>
+            <a:off x="4809823" y="6886807"/>
+            <a:ext cx="16067821" cy="3368456"/>
           </a:xfrm>
           <a:prstGeom prst="roundRect">
             <a:avLst>
@@ -19086,7 +19261,7 @@
           </a:ln>
           <a:extLst>
             <a:ext uri="{C572A759-6A51-4108-AA02-DFA0A04FC94B}">
-              <ma14:wrappingTextBoxFlag xmlns="" xmlns:ma14="http://schemas.microsoft.com/office/mac/drawingml/2011/main" val="1"/>
+              <ma14:wrappingTextBoxFlag xmlns:ma14="http://schemas.microsoft.com/office/mac/drawingml/2011/main" xmlns="" val="1"/>
             </a:ext>
           </a:extLst>
         </p:spPr>
@@ -19132,8 +19307,8 @@
         </p:nvSpPr>
         <p:spPr>
           <a:xfrm>
-            <a:off x="4809823" y="11812886"/>
-            <a:ext cx="16067821" cy="1612540"/>
+            <a:off x="4809823" y="10409306"/>
+            <a:ext cx="16067821" cy="3016120"/>
           </a:xfrm>
           <a:prstGeom prst="roundRect">
             <a:avLst>
@@ -19340,7 +19515,7 @@
           </a:ln>
           <a:extLst>
             <a:ext uri="{C572A759-6A51-4108-AA02-DFA0A04FC94B}">
-              <ma14:wrappingTextBoxFlag xmlns="" xmlns:ma14="http://schemas.microsoft.com/office/mac/drawingml/2011/main" val="1"/>
+              <ma14:wrappingTextBoxFlag xmlns:ma14="http://schemas.microsoft.com/office/mac/drawingml/2011/main" xmlns="" val="1"/>
             </a:ext>
           </a:extLst>
         </p:spPr>
@@ -19453,7 +19628,7 @@
           </a:ln>
           <a:extLst>
             <a:ext uri="{C572A759-6A51-4108-AA02-DFA0A04FC94B}">
-              <ma14:wrappingTextBoxFlag xmlns="" xmlns:ma14="http://schemas.microsoft.com/office/mac/drawingml/2011/main" val="1"/>
+              <ma14:wrappingTextBoxFlag xmlns:ma14="http://schemas.microsoft.com/office/mac/drawingml/2011/main" xmlns="" val="1"/>
             </a:ext>
           </a:extLst>
         </p:spPr>
@@ -19514,7 +19689,7 @@
         </p:nvSpPr>
         <p:spPr>
           <a:xfrm>
-            <a:off x="10889673" y="3342909"/>
+            <a:off x="10889673" y="3542841"/>
             <a:ext cx="3435928" cy="771399"/>
           </a:xfrm>
           <a:prstGeom prst="roundRect">
@@ -19562,7 +19737,7 @@
         </p:nvSpPr>
         <p:spPr>
           <a:xfrm>
-            <a:off x="11233060" y="3446479"/>
+            <a:off x="11233060" y="3646411"/>
             <a:ext cx="2877391" cy="564257"/>
           </a:xfrm>
           <a:prstGeom prst="rect">
@@ -19573,7 +19748,7 @@
           </a:ln>
           <a:extLst>
             <a:ext uri="{C572A759-6A51-4108-AA02-DFA0A04FC94B}">
-              <ma14:wrappingTextBoxFlag xmlns="" xmlns:ma14="http://schemas.microsoft.com/office/mac/drawingml/2011/main" val="1"/>
+              <ma14:wrappingTextBoxFlag xmlns:ma14="http://schemas.microsoft.com/office/mac/drawingml/2011/main" xmlns="" val="1"/>
             </a:ext>
           </a:extLst>
         </p:spPr>
@@ -19619,8 +19794,8 @@
         </p:nvSpPr>
         <p:spPr>
           <a:xfrm>
-            <a:off x="4809823" y="4477226"/>
-            <a:ext cx="16067821" cy="1632458"/>
+            <a:off x="4809823" y="3309506"/>
+            <a:ext cx="16067821" cy="3293240"/>
           </a:xfrm>
           <a:prstGeom prst="roundRect">
             <a:avLst>
@@ -19726,7 +19901,7 @@
         </p:nvSpPr>
         <p:spPr>
           <a:xfrm>
-            <a:off x="10889673" y="6619840"/>
+            <a:off x="10889673" y="7157348"/>
             <a:ext cx="3435928" cy="771399"/>
           </a:xfrm>
           <a:prstGeom prst="roundRect">
@@ -19762,7 +19937,7 @@
                 <a:sym typeface="DIN Condensed"/>
               </a:defRPr>
             </a:pPr>
-            <a:endParaRPr/>
+            <a:endParaRPr dirty="0"/>
           </a:p>
         </p:txBody>
       </p:sp>
@@ -19774,7 +19949,7 @@
         </p:nvSpPr>
         <p:spPr>
           <a:xfrm>
-            <a:off x="11136879" y="6723412"/>
+            <a:off x="11136879" y="7260920"/>
             <a:ext cx="3069751" cy="564257"/>
           </a:xfrm>
           <a:prstGeom prst="rect">
@@ -19785,7 +19960,7 @@
           </a:ln>
           <a:extLst>
             <a:ext uri="{C572A759-6A51-4108-AA02-DFA0A04FC94B}">
-              <ma14:wrappingTextBoxFlag xmlns="" xmlns:ma14="http://schemas.microsoft.com/office/mac/drawingml/2011/main" val="1"/>
+              <ma14:wrappingTextBoxFlag xmlns:ma14="http://schemas.microsoft.com/office/mac/drawingml/2011/main" xmlns="" val="1"/>
             </a:ext>
           </a:extLst>
         </p:spPr>
@@ -19810,7 +19985,7 @@
                   <a:srgbClr val="FFFFFF"/>
                 </a:solidFill>
               </a:rPr>
-              <a:t>2.8.2 Supervisión</a:t>
+              <a:t>2.9.2 Supervisión</a:t>
             </a:r>
           </a:p>
         </p:txBody>
@@ -19823,8 +19998,8 @@
         </p:nvSpPr>
         <p:spPr>
           <a:xfrm>
-            <a:off x="4809823" y="7639906"/>
-            <a:ext cx="16067821" cy="2151268"/>
+            <a:off x="4809823" y="6990996"/>
+            <a:ext cx="16067821" cy="2800178"/>
           </a:xfrm>
           <a:prstGeom prst="roundRect">
             <a:avLst>
@@ -19990,7 +20165,7 @@
           </a:ln>
           <a:extLst>
             <a:ext uri="{C572A759-6A51-4108-AA02-DFA0A04FC94B}">
-              <ma14:wrappingTextBoxFlag xmlns="" xmlns:ma14="http://schemas.microsoft.com/office/mac/drawingml/2011/main" val="1"/>
+              <ma14:wrappingTextBoxFlag xmlns:ma14="http://schemas.microsoft.com/office/mac/drawingml/2011/main" xmlns="" val="1"/>
             </a:ext>
           </a:extLst>
         </p:spPr>
@@ -20015,7 +20190,7 @@
                   <a:srgbClr val="FFFFFF"/>
                 </a:solidFill>
               </a:rPr>
-              <a:t>2.8.3 </a:t>
+              <a:t>2.9.3 </a:t>
             </a:r>
             <a:r>
               <a:rPr lang="es-ES" dirty="0">
@@ -20036,8 +20211,8 @@
         </p:nvSpPr>
         <p:spPr>
           <a:xfrm>
-            <a:off x="4809823" y="11812886"/>
-            <a:ext cx="16067821" cy="1612540"/>
+            <a:off x="4809823" y="10078636"/>
+            <a:ext cx="16067821" cy="3346790"/>
           </a:xfrm>
           <a:prstGeom prst="roundRect">
             <a:avLst>
@@ -20244,7 +20419,7 @@
           </a:ln>
           <a:extLst>
             <a:ext uri="{C572A759-6A51-4108-AA02-DFA0A04FC94B}">
-              <ma14:wrappingTextBoxFlag xmlns="" xmlns:ma14="http://schemas.microsoft.com/office/mac/drawingml/2011/main" val="1"/>
+              <ma14:wrappingTextBoxFlag xmlns:ma14="http://schemas.microsoft.com/office/mac/drawingml/2011/main" xmlns="" val="1"/>
             </a:ext>
           </a:extLst>
         </p:spPr>
@@ -20357,7 +20532,7 @@
           </a:ln>
           <a:extLst>
             <a:ext uri="{C572A759-6A51-4108-AA02-DFA0A04FC94B}">
-              <ma14:wrappingTextBoxFlag xmlns="" xmlns:ma14="http://schemas.microsoft.com/office/mac/drawingml/2011/main" val="1"/>
+              <ma14:wrappingTextBoxFlag xmlns:ma14="http://schemas.microsoft.com/office/mac/drawingml/2011/main" xmlns="" val="1"/>
             </a:ext>
           </a:extLst>
         </p:spPr>
@@ -20584,7 +20759,7 @@
           </a:ln>
           <a:extLst>
             <a:ext uri="{C572A759-6A51-4108-AA02-DFA0A04FC94B}">
-              <ma14:wrappingTextBoxFlag xmlns="" xmlns:ma14="http://schemas.microsoft.com/office/mac/drawingml/2011/main" val="1"/>
+              <ma14:wrappingTextBoxFlag xmlns:ma14="http://schemas.microsoft.com/office/mac/drawingml/2011/main" xmlns="" val="1"/>
             </a:ext>
           </a:extLst>
         </p:spPr>
@@ -20754,6 +20929,907 @@
 </file>
 
 <file path=ppt/slides/slide23.xml><?xml version="1.0" encoding="utf-8"?>
+<p:sld xmlns:a="http://schemas.openxmlformats.org/drawingml/2006/main" xmlns:r="http://schemas.openxmlformats.org/officeDocument/2006/relationships" xmlns:p="http://schemas.openxmlformats.org/presentationml/2006/main">
+  <p:cSld>
+    <p:spTree>
+      <p:nvGrpSpPr>
+        <p:cNvPr id="1" name=""/>
+        <p:cNvGrpSpPr/>
+        <p:nvPr/>
+      </p:nvGrpSpPr>
+      <p:grpSpPr>
+        <a:xfrm>
+          <a:off x="0" y="0"/>
+          <a:ext cx="0" cy="0"/>
+          <a:chOff x="0" y="0"/>
+          <a:chExt cx="0" cy="0"/>
+        </a:xfrm>
+      </p:grpSpPr>
+      <p:pic>
+        <p:nvPicPr>
+          <p:cNvPr id="194" name="pasted-image.tiff"/>
+          <p:cNvPicPr>
+            <a:picLocks noChangeAspect="1"/>
+          </p:cNvPicPr>
+          <p:nvPr/>
+        </p:nvPicPr>
+        <p:blipFill>
+          <a:blip r:embed="rId2">
+            <a:extLst/>
+          </a:blip>
+          <a:stretch>
+            <a:fillRect/>
+          </a:stretch>
+        </p:blipFill>
+        <p:spPr>
+          <a:xfrm>
+            <a:off x="-816206" y="-529723"/>
+            <a:ext cx="26829216" cy="2397845"/>
+          </a:xfrm>
+          <a:prstGeom prst="rect">
+            <a:avLst/>
+          </a:prstGeom>
+          <a:ln w="12700">
+            <a:miter lim="400000"/>
+          </a:ln>
+        </p:spPr>
+      </p:pic>
+      <p:pic>
+        <p:nvPicPr>
+          <p:cNvPr id="195" name="pasted-image.tiff"/>
+          <p:cNvPicPr>
+            <a:picLocks noChangeAspect="1"/>
+          </p:cNvPicPr>
+          <p:nvPr/>
+        </p:nvPicPr>
+        <p:blipFill>
+          <a:blip r:embed="rId3">
+            <a:extLst/>
+          </a:blip>
+          <a:stretch>
+            <a:fillRect/>
+          </a:stretch>
+        </p:blipFill>
+        <p:spPr>
+          <a:xfrm>
+            <a:off x="20120528" y="596900"/>
+            <a:ext cx="2416329" cy="766806"/>
+          </a:xfrm>
+          <a:prstGeom prst="rect">
+            <a:avLst/>
+          </a:prstGeom>
+          <a:ln w="12700">
+            <a:miter lim="400000"/>
+          </a:ln>
+        </p:spPr>
+      </p:pic>
+      <p:sp>
+        <p:nvSpPr>
+          <p:cNvPr id="197" name="Shape 197"/>
+          <p:cNvSpPr/>
+          <p:nvPr/>
+        </p:nvSpPr>
+        <p:spPr>
+          <a:xfrm>
+            <a:off x="1044066" y="500292"/>
+            <a:ext cx="6386364" cy="795089"/>
+          </a:xfrm>
+          <a:prstGeom prst="rect">
+            <a:avLst/>
+          </a:prstGeom>
+          <a:ln w="12700">
+            <a:miter lim="400000"/>
+          </a:ln>
+          <a:extLst>
+            <a:ext uri="{C572A759-6A51-4108-AA02-DFA0A04FC94B}">
+              <ma14:wrappingTextBoxFlag xmlns:ma14="http://schemas.microsoft.com/office/mac/drawingml/2011/main" xmlns="" val="1"/>
+            </a:ext>
+          </a:extLst>
+        </p:spPr>
+        <p:txBody>
+          <a:bodyPr wrap="none" lIns="50800" tIns="50800" rIns="50800" bIns="50800" anchor="ctr">
+            <a:spAutoFit/>
+          </a:bodyPr>
+          <a:lstStyle>
+            <a:lvl1pPr>
+              <a:defRPr sz="4500">
+                <a:solidFill>
+                  <a:srgbClr val="FFFFFF"/>
+                </a:solidFill>
+                <a:latin typeface="Helvetica Neue"/>
+                <a:ea typeface="Helvetica Neue"/>
+                <a:cs typeface="Helvetica Neue"/>
+                <a:sym typeface="Helvetica Neue"/>
+              </a:defRPr>
+            </a:lvl1pPr>
+          </a:lstStyle>
+          <a:p>
+            <a:r>
+              <a:rPr lang="es-ES" dirty="0"/>
+              <a:t>4</a:t>
+            </a:r>
+            <a:r>
+              <a:rPr dirty="0"/>
+              <a:t>.</a:t>
+            </a:r>
+            <a:r>
+              <a:rPr lang="es-ES" dirty="0"/>
+              <a:t> Planificación temporal</a:t>
+            </a:r>
+            <a:endParaRPr dirty="0"/>
+          </a:p>
+        </p:txBody>
+      </p:sp>
+      <p:grpSp>
+        <p:nvGrpSpPr>
+          <p:cNvPr id="200" name="Group 200"/>
+          <p:cNvGrpSpPr/>
+          <p:nvPr/>
+        </p:nvGrpSpPr>
+        <p:grpSpPr>
+          <a:xfrm>
+            <a:off x="6743700" y="3690293"/>
+            <a:ext cx="12770187" cy="1502369"/>
+            <a:chOff x="-1" y="0"/>
+            <a:chExt cx="11652223" cy="1502367"/>
+          </a:xfrm>
+        </p:grpSpPr>
+        <p:sp>
+          <p:nvSpPr>
+            <p:cNvPr id="198" name="Shape 198"/>
+            <p:cNvSpPr/>
+            <p:nvPr/>
+          </p:nvSpPr>
+          <p:spPr>
+            <a:xfrm>
+              <a:off x="-1" y="0"/>
+              <a:ext cx="10282734" cy="771399"/>
+            </a:xfrm>
+            <a:prstGeom prst="roundRect">
+              <a:avLst>
+                <a:gd name="adj" fmla="val 33536"/>
+              </a:avLst>
+            </a:prstGeom>
+            <a:solidFill>
+              <a:srgbClr val="BA6B89"/>
+            </a:solidFill>
+            <a:ln w="12700" cap="flat">
+              <a:noFill/>
+              <a:miter lim="400000"/>
+            </a:ln>
+            <a:effectLst/>
+          </p:spPr>
+          <p:txBody>
+            <a:bodyPr wrap="square" lIns="50800" tIns="50800" rIns="50800" bIns="50800" numCol="1" anchor="ctr">
+              <a:noAutofit/>
+            </a:bodyPr>
+            <a:lstStyle/>
+            <a:p>
+              <a:pPr algn="ctr">
+                <a:lnSpc>
+                  <a:spcPct val="80000"/>
+                </a:lnSpc>
+                <a:spcBef>
+                  <a:spcPts val="0"/>
+                </a:spcBef>
+                <a:defRPr sz="4000" cap="all">
+                  <a:solidFill>
+                    <a:srgbClr val="FFFFFF"/>
+                  </a:solidFill>
+                  <a:latin typeface="+mn-lt"/>
+                  <a:ea typeface="+mn-ea"/>
+                  <a:cs typeface="+mn-cs"/>
+                  <a:sym typeface="DIN Condensed"/>
+                </a:defRPr>
+              </a:pPr>
+              <a:endParaRPr dirty="0"/>
+            </a:p>
+          </p:txBody>
+        </p:sp>
+        <p:sp>
+          <p:nvSpPr>
+            <p:cNvPr id="199" name="Shape 199"/>
+            <p:cNvSpPr/>
+            <p:nvPr/>
+          </p:nvSpPr>
+          <p:spPr>
+            <a:xfrm>
+              <a:off x="-1" y="40430"/>
+              <a:ext cx="11652223" cy="1461937"/>
+            </a:xfrm>
+            <a:prstGeom prst="rect">
+              <a:avLst/>
+            </a:prstGeom>
+            <a:noFill/>
+            <a:ln w="12700" cap="flat">
+              <a:noFill/>
+              <a:miter lim="400000"/>
+            </a:ln>
+            <a:effectLst/>
+            <a:extLst>
+              <a:ext uri="{C572A759-6A51-4108-AA02-DFA0A04FC94B}">
+                <ma14:wrappingTextBoxFlag xmlns:ma14="http://schemas.microsoft.com/office/mac/drawingml/2011/main" xmlns="" val="1"/>
+              </a:ext>
+            </a:extLst>
+          </p:spPr>
+          <p:txBody>
+            <a:bodyPr wrap="none" lIns="50800" tIns="50800" rIns="50800" bIns="50800" numCol="1" anchor="ctr">
+              <a:spAutoFit/>
+            </a:bodyPr>
+            <a:lstStyle>
+              <a:lvl1pPr>
+                <a:defRPr>
+                  <a:solidFill>
+                    <a:srgbClr val="FFFFFF"/>
+                  </a:solidFill>
+                </a:defRPr>
+              </a:lvl1pPr>
+            </a:lstStyle>
+            <a:p>
+              <a:r>
+                <a:rPr dirty="0"/>
+                <a:t>1 </a:t>
+              </a:r>
+              <a:r>
+                <a:rPr lang="es-ES" dirty="0"/>
+                <a:t>Estructura de descomposición del trabajo/Planificación temporal</a:t>
+              </a:r>
+            </a:p>
+            <a:p>
+              <a:endParaRPr dirty="0"/>
+            </a:p>
+          </p:txBody>
+        </p:sp>
+      </p:grpSp>
+      <p:sp>
+        <p:nvSpPr>
+          <p:cNvPr id="201" name="Shape 201"/>
+          <p:cNvSpPr/>
+          <p:nvPr/>
+        </p:nvSpPr>
+        <p:spPr>
+          <a:xfrm>
+            <a:off x="5311534" y="4913608"/>
+            <a:ext cx="14430563" cy="5316455"/>
+          </a:xfrm>
+          <a:prstGeom prst="rect">
+            <a:avLst/>
+          </a:prstGeom>
+          <a:ln w="12700">
+            <a:miter lim="400000"/>
+          </a:ln>
+          <a:extLst>
+            <a:ext uri="{C572A759-6A51-4108-AA02-DFA0A04FC94B}">
+              <ma14:wrappingTextBoxFlag xmlns:ma14="http://schemas.microsoft.com/office/mac/drawingml/2011/main" xmlns="" val="1"/>
+            </a:ext>
+          </a:extLst>
+        </p:spPr>
+        <p:txBody>
+          <a:bodyPr lIns="50800" tIns="50800" rIns="50800" bIns="50800" anchor="ctr">
+            <a:spAutoFit/>
+          </a:bodyPr>
+          <a:lstStyle>
+            <a:lvl1pPr marL="457200" algn="just" defTabSz="457200">
+              <a:lnSpc>
+                <a:spcPct val="115000"/>
+              </a:lnSpc>
+              <a:spcBef>
+                <a:spcPts val="600"/>
+              </a:spcBef>
+              <a:tabLst>
+                <a:tab pos="444500" algn="l"/>
+              </a:tabLst>
+              <a:defRPr sz="2500">
+                <a:solidFill>
+                  <a:srgbClr val="00000A"/>
+                </a:solidFill>
+                <a:uFill>
+                  <a:solidFill>
+                    <a:srgbClr val="00000A"/>
+                  </a:solidFill>
+                </a:uFill>
+                <a:latin typeface="Helvetica Neue"/>
+                <a:ea typeface="Helvetica Neue"/>
+                <a:cs typeface="Helvetica Neue"/>
+                <a:sym typeface="Helvetica Neue"/>
+              </a:defRPr>
+            </a:lvl1pPr>
+          </a:lstStyle>
+          <a:p>
+            <a:r>
+              <a:rPr lang="es-ES_tradnl" dirty="0"/>
+              <a:t>Nuestro proyecto se va a elaborar mediante un proceso unificado de desarrollo, es por eso que vamos a dividir el proyecto en subsistemas lo que nos va a permitir trabajar en varias partes a la vez.</a:t>
+            </a:r>
+            <a:endParaRPr lang="es-ES" dirty="0"/>
+          </a:p>
+          <a:p>
+            <a:r>
+              <a:rPr lang="es-ES_tradnl" dirty="0"/>
+              <a:t>La organización del proyecto será:</a:t>
+            </a:r>
+            <a:endParaRPr lang="es-ES" dirty="0"/>
+          </a:p>
+          <a:p>
+            <a:pPr lvl="0" fontAlgn="base"/>
+            <a:r>
+              <a:rPr lang="es-ES_tradnl" u="sng" dirty="0"/>
+              <a:t>Análisis</a:t>
+            </a:r>
+            <a:r>
+              <a:rPr lang="es-ES_tradnl" dirty="0"/>
+              <a:t>: recogemos la información, realizamos los requisitos y definimos los usuarios.</a:t>
+            </a:r>
+            <a:endParaRPr lang="es-ES" dirty="0"/>
+          </a:p>
+          <a:p>
+            <a:pPr lvl="0" fontAlgn="base"/>
+            <a:r>
+              <a:rPr lang="es-ES_tradnl" u="sng" dirty="0"/>
+              <a:t>Diseño</a:t>
+            </a:r>
+            <a:r>
+              <a:rPr lang="es-ES_tradnl" dirty="0"/>
+              <a:t>: realizamos un diseño del entorno gráfico y definimos los estilos que va a tener el programa.</a:t>
+            </a:r>
+            <a:endParaRPr lang="es-ES" dirty="0"/>
+          </a:p>
+          <a:p>
+            <a:pPr lvl="0" fontAlgn="base"/>
+            <a:r>
+              <a:rPr lang="es-ES_tradnl" u="sng" dirty="0"/>
+              <a:t>Documentación</a:t>
+            </a:r>
+            <a:r>
+              <a:rPr lang="es-ES_tradnl" dirty="0"/>
+              <a:t>: recopilamos toda la información en el SRS que nos servirá para realizar el diseño del programa.</a:t>
+            </a:r>
+            <a:endParaRPr lang="es-ES" dirty="0"/>
+          </a:p>
+          <a:p>
+            <a:pPr lvl="0" fontAlgn="base"/>
+            <a:r>
+              <a:rPr lang="es-ES_tradnl" u="sng" dirty="0"/>
+              <a:t>Construcción</a:t>
+            </a:r>
+            <a:r>
+              <a:rPr lang="es-ES_tradnl" dirty="0"/>
+              <a:t>: realizamos la codificación del programa, las pruebas necesarias y el ensamblaje de todas las partes del proyecto.</a:t>
+            </a:r>
+            <a:endParaRPr lang="es-ES" dirty="0"/>
+          </a:p>
+        </p:txBody>
+      </p:sp>
+      <p:sp>
+        <p:nvSpPr>
+          <p:cNvPr id="16" name="Shape 212"/>
+          <p:cNvSpPr/>
+          <p:nvPr/>
+        </p:nvSpPr>
+        <p:spPr>
+          <a:xfrm>
+            <a:off x="4492905" y="3278808"/>
+            <a:ext cx="16067822" cy="9051737"/>
+          </a:xfrm>
+          <a:prstGeom prst="roundRect">
+            <a:avLst>
+              <a:gd name="adj" fmla="val 7944"/>
+            </a:avLst>
+          </a:prstGeom>
+          <a:ln w="50800">
+            <a:solidFill>
+              <a:srgbClr val="5B5854"/>
+            </a:solidFill>
+            <a:miter lim="400000"/>
+          </a:ln>
+        </p:spPr>
+        <p:txBody>
+          <a:bodyPr lIns="50800" tIns="50800" rIns="50800" bIns="50800" anchor="ctr"/>
+          <a:lstStyle/>
+          <a:p>
+            <a:pPr algn="ctr">
+              <a:lnSpc>
+                <a:spcPct val="80000"/>
+              </a:lnSpc>
+              <a:spcBef>
+                <a:spcPts val="0"/>
+              </a:spcBef>
+              <a:defRPr sz="100" cap="all">
+                <a:solidFill>
+                  <a:srgbClr val="FFFFFF"/>
+                </a:solidFill>
+                <a:latin typeface="+mn-lt"/>
+                <a:ea typeface="+mn-ea"/>
+                <a:cs typeface="+mn-cs"/>
+                <a:sym typeface="DIN Condensed"/>
+              </a:defRPr>
+            </a:pPr>
+            <a:endParaRPr/>
+          </a:p>
+        </p:txBody>
+      </p:sp>
+      <p:sp>
+        <p:nvSpPr>
+          <p:cNvPr id="3" name="Marcador de número de diapositiva 2"/>
+          <p:cNvSpPr>
+            <a:spLocks noGrp="1"/>
+          </p:cNvSpPr>
+          <p:nvPr>
+            <p:ph type="sldNum" sz="quarter" idx="2"/>
+          </p:nvPr>
+        </p:nvSpPr>
+        <p:spPr/>
+        <p:txBody>
+          <a:bodyPr/>
+          <a:lstStyle/>
+          <a:p>
+            <a:fld id="{86CB4B4D-7CA3-9044-876B-883B54F8677D}" type="slidenum">
+              <a:rPr lang="es-ES" smtClean="0"/>
+              <a:t>23</a:t>
+            </a:fld>
+            <a:endParaRPr lang="es-ES"/>
+          </a:p>
+        </p:txBody>
+      </p:sp>
+    </p:spTree>
+    <p:extLst>
+      <p:ext uri="{BB962C8B-B14F-4D97-AF65-F5344CB8AC3E}">
+        <p14:creationId xmlns:p14="http://schemas.microsoft.com/office/powerpoint/2010/main" val="3620539496"/>
+      </p:ext>
+    </p:extLst>
+  </p:cSld>
+  <p:clrMapOvr>
+    <a:masterClrMapping/>
+  </p:clrMapOvr>
+  <p:transition spd="med"/>
+</p:sld>
+</file>
+
+<file path=ppt/slides/slide24.xml><?xml version="1.0" encoding="utf-8"?>
+<p:sld xmlns:a="http://schemas.openxmlformats.org/drawingml/2006/main" xmlns:r="http://schemas.openxmlformats.org/officeDocument/2006/relationships" xmlns:p="http://schemas.openxmlformats.org/presentationml/2006/main">
+  <p:cSld>
+    <p:spTree>
+      <p:nvGrpSpPr>
+        <p:cNvPr id="1" name=""/>
+        <p:cNvGrpSpPr/>
+        <p:nvPr/>
+      </p:nvGrpSpPr>
+      <p:grpSpPr>
+        <a:xfrm>
+          <a:off x="0" y="0"/>
+          <a:ext cx="0" cy="0"/>
+          <a:chOff x="0" y="0"/>
+          <a:chExt cx="0" cy="0"/>
+        </a:xfrm>
+      </p:grpSpPr>
+      <p:pic>
+        <p:nvPicPr>
+          <p:cNvPr id="194" name="pasted-image.tiff"/>
+          <p:cNvPicPr>
+            <a:picLocks noChangeAspect="1"/>
+          </p:cNvPicPr>
+          <p:nvPr/>
+        </p:nvPicPr>
+        <p:blipFill>
+          <a:blip r:embed="rId2">
+            <a:extLst/>
+          </a:blip>
+          <a:stretch>
+            <a:fillRect/>
+          </a:stretch>
+        </p:blipFill>
+        <p:spPr>
+          <a:xfrm>
+            <a:off x="-816206" y="-529723"/>
+            <a:ext cx="26829216" cy="2397845"/>
+          </a:xfrm>
+          <a:prstGeom prst="rect">
+            <a:avLst/>
+          </a:prstGeom>
+          <a:ln w="12700">
+            <a:miter lim="400000"/>
+          </a:ln>
+        </p:spPr>
+      </p:pic>
+      <p:pic>
+        <p:nvPicPr>
+          <p:cNvPr id="195" name="pasted-image.tiff"/>
+          <p:cNvPicPr>
+            <a:picLocks noChangeAspect="1"/>
+          </p:cNvPicPr>
+          <p:nvPr/>
+        </p:nvPicPr>
+        <p:blipFill>
+          <a:blip r:embed="rId3">
+            <a:extLst/>
+          </a:blip>
+          <a:stretch>
+            <a:fillRect/>
+          </a:stretch>
+        </p:blipFill>
+        <p:spPr>
+          <a:xfrm>
+            <a:off x="20120528" y="596900"/>
+            <a:ext cx="2416329" cy="766806"/>
+          </a:xfrm>
+          <a:prstGeom prst="rect">
+            <a:avLst/>
+          </a:prstGeom>
+          <a:ln w="12700">
+            <a:miter lim="400000"/>
+          </a:ln>
+        </p:spPr>
+      </p:pic>
+      <p:sp>
+        <p:nvSpPr>
+          <p:cNvPr id="197" name="Shape 197"/>
+          <p:cNvSpPr/>
+          <p:nvPr/>
+        </p:nvSpPr>
+        <p:spPr>
+          <a:xfrm>
+            <a:off x="1044066" y="500292"/>
+            <a:ext cx="6386364" cy="795089"/>
+          </a:xfrm>
+          <a:prstGeom prst="rect">
+            <a:avLst/>
+          </a:prstGeom>
+          <a:ln w="12700">
+            <a:miter lim="400000"/>
+          </a:ln>
+          <a:extLst>
+            <a:ext uri="{C572A759-6A51-4108-AA02-DFA0A04FC94B}">
+              <ma14:wrappingTextBoxFlag xmlns:ma14="http://schemas.microsoft.com/office/mac/drawingml/2011/main" xmlns="" val="1"/>
+            </a:ext>
+          </a:extLst>
+        </p:spPr>
+        <p:txBody>
+          <a:bodyPr wrap="none" lIns="50800" tIns="50800" rIns="50800" bIns="50800" anchor="ctr">
+            <a:spAutoFit/>
+          </a:bodyPr>
+          <a:lstStyle>
+            <a:lvl1pPr>
+              <a:defRPr sz="4500">
+                <a:solidFill>
+                  <a:srgbClr val="FFFFFF"/>
+                </a:solidFill>
+                <a:latin typeface="Helvetica Neue"/>
+                <a:ea typeface="Helvetica Neue"/>
+                <a:cs typeface="Helvetica Neue"/>
+                <a:sym typeface="Helvetica Neue"/>
+              </a:defRPr>
+            </a:lvl1pPr>
+          </a:lstStyle>
+          <a:p>
+            <a:r>
+              <a:rPr lang="es-ES" dirty="0"/>
+              <a:t>4</a:t>
+            </a:r>
+            <a:r>
+              <a:rPr dirty="0"/>
+              <a:t>.</a:t>
+            </a:r>
+            <a:r>
+              <a:rPr lang="es-ES" dirty="0"/>
+              <a:t> Planificación temporal</a:t>
+            </a:r>
+            <a:endParaRPr dirty="0"/>
+          </a:p>
+        </p:txBody>
+      </p:sp>
+      <p:grpSp>
+        <p:nvGrpSpPr>
+          <p:cNvPr id="200" name="Group 200"/>
+          <p:cNvGrpSpPr/>
+          <p:nvPr/>
+        </p:nvGrpSpPr>
+        <p:grpSpPr>
+          <a:xfrm>
+            <a:off x="11183789" y="3718868"/>
+            <a:ext cx="2686051" cy="1502369"/>
+            <a:chOff x="-1" y="0"/>
+            <a:chExt cx="3190024" cy="1502367"/>
+          </a:xfrm>
+        </p:grpSpPr>
+        <p:sp>
+          <p:nvSpPr>
+            <p:cNvPr id="198" name="Shape 198"/>
+            <p:cNvSpPr/>
+            <p:nvPr/>
+          </p:nvSpPr>
+          <p:spPr>
+            <a:xfrm>
+              <a:off x="0" y="0"/>
+              <a:ext cx="3190023" cy="771399"/>
+            </a:xfrm>
+            <a:prstGeom prst="roundRect">
+              <a:avLst>
+                <a:gd name="adj" fmla="val 33536"/>
+              </a:avLst>
+            </a:prstGeom>
+            <a:solidFill>
+              <a:srgbClr val="BA6B89"/>
+            </a:solidFill>
+            <a:ln w="12700" cap="flat">
+              <a:noFill/>
+              <a:miter lim="400000"/>
+            </a:ln>
+            <a:effectLst/>
+          </p:spPr>
+          <p:txBody>
+            <a:bodyPr wrap="square" lIns="50800" tIns="50800" rIns="50800" bIns="50800" numCol="1" anchor="ctr">
+              <a:noAutofit/>
+            </a:bodyPr>
+            <a:lstStyle/>
+            <a:p>
+              <a:pPr algn="ctr">
+                <a:lnSpc>
+                  <a:spcPct val="80000"/>
+                </a:lnSpc>
+                <a:spcBef>
+                  <a:spcPts val="0"/>
+                </a:spcBef>
+                <a:defRPr sz="4000" cap="all">
+                  <a:solidFill>
+                    <a:srgbClr val="FFFFFF"/>
+                  </a:solidFill>
+                  <a:latin typeface="+mn-lt"/>
+                  <a:ea typeface="+mn-ea"/>
+                  <a:cs typeface="+mn-cs"/>
+                  <a:sym typeface="DIN Condensed"/>
+                </a:defRPr>
+              </a:pPr>
+              <a:endParaRPr dirty="0"/>
+            </a:p>
+          </p:txBody>
+        </p:sp>
+        <p:sp>
+          <p:nvSpPr>
+            <p:cNvPr id="199" name="Shape 199"/>
+            <p:cNvSpPr/>
+            <p:nvPr/>
+          </p:nvSpPr>
+          <p:spPr>
+            <a:xfrm>
+              <a:off x="-1" y="40430"/>
+              <a:ext cx="3190023" cy="1461937"/>
+            </a:xfrm>
+            <a:prstGeom prst="rect">
+              <a:avLst/>
+            </a:prstGeom>
+            <a:noFill/>
+            <a:ln w="12700" cap="flat">
+              <a:noFill/>
+              <a:miter lim="400000"/>
+            </a:ln>
+            <a:effectLst/>
+            <a:extLst>
+              <a:ext uri="{C572A759-6A51-4108-AA02-DFA0A04FC94B}">
+                <ma14:wrappingTextBoxFlag xmlns:ma14="http://schemas.microsoft.com/office/mac/drawingml/2011/main" xmlns="" val="1"/>
+              </a:ext>
+            </a:extLst>
+          </p:spPr>
+          <p:txBody>
+            <a:bodyPr wrap="square" lIns="50800" tIns="50800" rIns="50800" bIns="50800" numCol="1" anchor="ctr">
+              <a:spAutoFit/>
+            </a:bodyPr>
+            <a:lstStyle>
+              <a:lvl1pPr>
+                <a:defRPr>
+                  <a:solidFill>
+                    <a:srgbClr val="FFFFFF"/>
+                  </a:solidFill>
+                </a:defRPr>
+              </a:lvl1pPr>
+            </a:lstStyle>
+            <a:p>
+              <a:r>
+                <a:rPr lang="es-ES" dirty="0"/>
+                <a:t>2 Gráfico Gantt</a:t>
+              </a:r>
+            </a:p>
+            <a:p>
+              <a:endParaRPr dirty="0"/>
+            </a:p>
+          </p:txBody>
+        </p:sp>
+      </p:grpSp>
+      <p:sp>
+        <p:nvSpPr>
+          <p:cNvPr id="16" name="Shape 212"/>
+          <p:cNvSpPr/>
+          <p:nvPr/>
+        </p:nvSpPr>
+        <p:spPr>
+          <a:xfrm>
+            <a:off x="4492905" y="3278808"/>
+            <a:ext cx="16067822" cy="9051737"/>
+          </a:xfrm>
+          <a:prstGeom prst="roundRect">
+            <a:avLst>
+              <a:gd name="adj" fmla="val 7944"/>
+            </a:avLst>
+          </a:prstGeom>
+          <a:ln w="50800">
+            <a:solidFill>
+              <a:srgbClr val="5B5854"/>
+            </a:solidFill>
+            <a:miter lim="400000"/>
+          </a:ln>
+        </p:spPr>
+        <p:txBody>
+          <a:bodyPr lIns="50800" tIns="50800" rIns="50800" bIns="50800" anchor="ctr"/>
+          <a:lstStyle/>
+          <a:p>
+            <a:pPr algn="ctr">
+              <a:lnSpc>
+                <a:spcPct val="80000"/>
+              </a:lnSpc>
+              <a:spcBef>
+                <a:spcPts val="0"/>
+              </a:spcBef>
+              <a:defRPr sz="100" cap="all">
+                <a:solidFill>
+                  <a:srgbClr val="FFFFFF"/>
+                </a:solidFill>
+                <a:latin typeface="+mn-lt"/>
+                <a:ea typeface="+mn-ea"/>
+                <a:cs typeface="+mn-cs"/>
+                <a:sym typeface="DIN Condensed"/>
+              </a:defRPr>
+            </a:pPr>
+            <a:endParaRPr/>
+          </a:p>
+        </p:txBody>
+      </p:sp>
+      <p:sp>
+        <p:nvSpPr>
+          <p:cNvPr id="3" name="Marcador de número de diapositiva 2"/>
+          <p:cNvSpPr>
+            <a:spLocks noGrp="1"/>
+          </p:cNvSpPr>
+          <p:nvPr>
+            <p:ph type="sldNum" sz="quarter" idx="2"/>
+          </p:nvPr>
+        </p:nvSpPr>
+        <p:spPr/>
+        <p:txBody>
+          <a:bodyPr/>
+          <a:lstStyle/>
+          <a:p>
+            <a:fld id="{86CB4B4D-7CA3-9044-876B-883B54F8677D}" type="slidenum">
+              <a:rPr lang="es-ES" smtClean="0"/>
+              <a:t>24</a:t>
+            </a:fld>
+            <a:endParaRPr lang="es-ES"/>
+          </a:p>
+        </p:txBody>
+      </p:sp>
+      <p:pic>
+        <p:nvPicPr>
+          <p:cNvPr id="13" name="Imagen 12">
+            <a:hlinkClick r:id="rId4" action="ppaction://hlinkfile"/>
+          </p:cNvPr>
+          <p:cNvPicPr/>
+          <p:nvPr/>
+        </p:nvPicPr>
+        <p:blipFill>
+          <a:blip r:embed="rId5" cstate="print">
+            <a:extLst>
+              <a:ext uri="{28A0092B-C50C-407E-A947-70E740481C1C}">
+                <a14:useLocalDpi xmlns:a14="http://schemas.microsoft.com/office/drawing/2010/main" val="0"/>
+              </a:ext>
+            </a:extLst>
+          </a:blip>
+          <a:srcRect/>
+          <a:stretch>
+            <a:fillRect/>
+          </a:stretch>
+        </p:blipFill>
+        <p:spPr bwMode="auto">
+          <a:xfrm>
+            <a:off x="8019258" y="4930328"/>
+            <a:ext cx="9158288" cy="5605463"/>
+          </a:xfrm>
+          <a:prstGeom prst="rect">
+            <a:avLst/>
+          </a:prstGeom>
+          <a:noFill/>
+          <a:ln>
+            <a:noFill/>
+          </a:ln>
+        </p:spPr>
+      </p:pic>
+      <p:sp>
+        <p:nvSpPr>
+          <p:cNvPr id="5" name="CuadroTexto 4"/>
+          <p:cNvSpPr txBox="1"/>
+          <p:nvPr/>
+        </p:nvSpPr>
+        <p:spPr>
+          <a:xfrm>
+            <a:off x="8019258" y="10035654"/>
+            <a:ext cx="9258300" cy="1000274"/>
+          </a:xfrm>
+          <a:prstGeom prst="rect">
+            <a:avLst/>
+          </a:prstGeom>
+          <a:noFill/>
+          <a:ln w="12700" cap="flat">
+            <a:noFill/>
+            <a:miter lim="400000"/>
+          </a:ln>
+          <a:effectLst/>
+          <a:sp3d/>
+        </p:spPr>
+        <p:style>
+          <a:lnRef idx="0">
+            <a:scrgbClr r="0" g="0" b="0"/>
+          </a:lnRef>
+          <a:fillRef idx="0">
+            <a:scrgbClr r="0" g="0" b="0"/>
+          </a:fillRef>
+          <a:effectRef idx="0">
+            <a:scrgbClr r="0" g="0" b="0"/>
+          </a:effectRef>
+          <a:fontRef idx="none"/>
+        </p:style>
+        <p:txBody>
+          <a:bodyPr rot="0" spcFirstLastPara="1" vertOverflow="overflow" horzOverflow="overflow" vert="horz" wrap="square" lIns="50800" tIns="50800" rIns="50800" bIns="50800" numCol="1" spcCol="38100" rtlCol="0" anchor="ctr">
+            <a:spAutoFit/>
+          </a:bodyPr>
+          <a:lstStyle/>
+          <a:p>
+            <a:pPr marL="0" marR="0" indent="0" algn="l" defTabSz="825500" rtl="0" fontAlgn="auto" latinLnBrk="0" hangingPunct="0">
+              <a:lnSpc>
+                <a:spcPct val="100000"/>
+              </a:lnSpc>
+              <a:spcBef>
+                <a:spcPts val="3400"/>
+              </a:spcBef>
+              <a:spcAft>
+                <a:spcPts val="0"/>
+              </a:spcAft>
+              <a:buClrTx/>
+              <a:buSzTx/>
+              <a:buFontTx/>
+              <a:buNone/>
+              <a:tabLst/>
+            </a:pPr>
+            <a:r>
+              <a:rPr kumimoji="0" lang="es-ES" sz="3000" b="0" i="0" u="none" strike="noStrike" cap="none" spc="0" normalizeH="0" baseline="0" dirty="0">
+                <a:ln>
+                  <a:noFill/>
+                </a:ln>
+                <a:solidFill>
+                  <a:srgbClr val="838787"/>
+                </a:solidFill>
+                <a:effectLst/>
+                <a:uFillTx/>
+                <a:latin typeface="Avenir Next Medium"/>
+                <a:ea typeface="Avenir Next Medium"/>
+                <a:cs typeface="Avenir Next Medium"/>
+                <a:sym typeface="Avenir Next Medium"/>
+              </a:rPr>
+              <a:t>Pulse en la imagen para acceder al fichero</a:t>
+            </a:r>
+          </a:p>
+        </p:txBody>
+      </p:sp>
+    </p:spTree>
+    <p:extLst>
+      <p:ext uri="{BB962C8B-B14F-4D97-AF65-F5344CB8AC3E}">
+        <p14:creationId xmlns:p14="http://schemas.microsoft.com/office/powerpoint/2010/main" val="2394726490"/>
+      </p:ext>
+    </p:extLst>
+  </p:cSld>
+  <p:clrMapOvr>
+    <a:masterClrMapping/>
+  </p:clrMapOvr>
+  <p:transition spd="med"/>
+</p:sld>
+</file>
+
+<file path=ppt/slides/slide25.xml><?xml version="1.0" encoding="utf-8"?>
 <p:sld xmlns:a="http://schemas.openxmlformats.org/drawingml/2006/main" xmlns:r="http://schemas.openxmlformats.org/officeDocument/2006/relationships" xmlns:p="http://schemas.openxmlformats.org/presentationml/2006/main">
   <p:cSld>
     <p:spTree>
@@ -20847,7 +21923,7 @@
           </a:ln>
           <a:extLst>
             <a:ext uri="{C572A759-6A51-4108-AA02-DFA0A04FC94B}">
-              <ma14:wrappingTextBoxFlag xmlns="" xmlns:ma14="http://schemas.microsoft.com/office/mac/drawingml/2011/main" val="1"/>
+              <ma14:wrappingTextBoxFlag xmlns:ma14="http://schemas.microsoft.com/office/mac/drawingml/2011/main" xmlns="" val="1"/>
             </a:ext>
           </a:extLst>
         </p:spPr>
@@ -20942,7 +22018,7 @@
           </a:ln>
           <a:extLst>
             <a:ext uri="{C572A759-6A51-4108-AA02-DFA0A04FC94B}">
-              <ma14:wrappingTextBoxFlag xmlns="" xmlns:ma14="http://schemas.microsoft.com/office/mac/drawingml/2011/main" val="1"/>
+              <ma14:wrappingTextBoxFlag xmlns:ma14="http://schemas.microsoft.com/office/mac/drawingml/2011/main" xmlns="" val="1"/>
             </a:ext>
           </a:extLst>
         </p:spPr>
@@ -21045,7 +22121,7 @@
           <a:p>
             <a:fld id="{86CB4B4D-7CA3-9044-876B-883B54F8677D}" type="slidenum">
               <a:rPr lang="es-ES" smtClean="0"/>
-              <a:t>23</a:t>
+              <a:t>25</a:t>
             </a:fld>
             <a:endParaRPr lang="es-ES"/>
           </a:p>
@@ -21060,7 +22136,7 @@
 </p:sld>
 </file>
 
-<file path=ppt/slides/slide24.xml><?xml version="1.0" encoding="utf-8"?>
+<file path=ppt/slides/slide26.xml><?xml version="1.0" encoding="utf-8"?>
 <p:sld xmlns:a="http://schemas.openxmlformats.org/drawingml/2006/main" xmlns:r="http://schemas.openxmlformats.org/officeDocument/2006/relationships" xmlns:p="http://schemas.openxmlformats.org/presentationml/2006/main">
   <p:cSld>
     <p:spTree>
@@ -21154,7 +22230,7 @@
           </a:ln>
           <a:extLst>
             <a:ext uri="{C572A759-6A51-4108-AA02-DFA0A04FC94B}">
-              <ma14:wrappingTextBoxFlag xmlns="" xmlns:ma14="http://schemas.microsoft.com/office/mac/drawingml/2011/main" val="1"/>
+              <ma14:wrappingTextBoxFlag xmlns:ma14="http://schemas.microsoft.com/office/mac/drawingml/2011/main" xmlns="" val="1"/>
             </a:ext>
           </a:extLst>
         </p:spPr>
@@ -21195,7 +22271,7 @@
           </a:ln>
           <a:extLst>
             <a:ext uri="{C572A759-6A51-4108-AA02-DFA0A04FC94B}">
-              <ma14:wrappingTextBoxFlag xmlns="" xmlns:ma14="http://schemas.microsoft.com/office/mac/drawingml/2011/main" val="1"/>
+              <ma14:wrappingTextBoxFlag xmlns:ma14="http://schemas.microsoft.com/office/mac/drawingml/2011/main" xmlns="" val="1"/>
             </a:ext>
           </a:extLst>
         </p:spPr>
@@ -21290,7 +22366,7 @@
           </a:ln>
           <a:extLst>
             <a:ext uri="{C572A759-6A51-4108-AA02-DFA0A04FC94B}">
-              <ma14:wrappingTextBoxFlag xmlns="" xmlns:ma14="http://schemas.microsoft.com/office/mac/drawingml/2011/main" val="1"/>
+              <ma14:wrappingTextBoxFlag xmlns:ma14="http://schemas.microsoft.com/office/mac/drawingml/2011/main" xmlns="" val="1"/>
             </a:ext>
           </a:extLst>
         </p:spPr>
@@ -21477,7 +22553,7 @@
           </a:ln>
           <a:extLst>
             <a:ext uri="{C572A759-6A51-4108-AA02-DFA0A04FC94B}">
-              <ma14:wrappingTextBoxFlag xmlns="" xmlns:ma14="http://schemas.microsoft.com/office/mac/drawingml/2011/main" val="1"/>
+              <ma14:wrappingTextBoxFlag xmlns:ma14="http://schemas.microsoft.com/office/mac/drawingml/2011/main" xmlns="" val="1"/>
             </a:ext>
           </a:extLst>
         </p:spPr>
@@ -21723,7 +22799,7 @@
           </a:ln>
           <a:extLst>
             <a:ext uri="{C572A759-6A51-4108-AA02-DFA0A04FC94B}">
-              <ma14:wrappingTextBoxFlag xmlns="" xmlns:ma14="http://schemas.microsoft.com/office/mac/drawingml/2011/main" val="1"/>
+              <ma14:wrappingTextBoxFlag xmlns:ma14="http://schemas.microsoft.com/office/mac/drawingml/2011/main" xmlns="" val="1"/>
             </a:ext>
           </a:extLst>
         </p:spPr>
@@ -21904,7 +22980,7 @@
           </a:ln>
           <a:extLst>
             <a:ext uri="{C572A759-6A51-4108-AA02-DFA0A04FC94B}">
-              <ma14:wrappingTextBoxFlag xmlns="" xmlns:ma14="http://schemas.microsoft.com/office/mac/drawingml/2011/main" val="1"/>
+              <ma14:wrappingTextBoxFlag xmlns:ma14="http://schemas.microsoft.com/office/mac/drawingml/2011/main" xmlns="" val="1"/>
             </a:ext>
           </a:extLst>
         </p:spPr>
@@ -22017,7 +23093,7 @@
           <a:p>
             <a:fld id="{86CB4B4D-7CA3-9044-876B-883B54F8677D}" type="slidenum">
               <a:rPr lang="es-ES" smtClean="0"/>
-              <a:t>24</a:t>
+              <a:t>26</a:t>
             </a:fld>
             <a:endParaRPr lang="es-ES"/>
           </a:p>
@@ -22032,7 +23108,7 @@
 </p:sld>
 </file>
 
-<file path=ppt/slides/slide25.xml><?xml version="1.0" encoding="utf-8"?>
+<file path=ppt/slides/slide27.xml><?xml version="1.0" encoding="utf-8"?>
 <p:sld xmlns:a="http://schemas.openxmlformats.org/drawingml/2006/main" xmlns:r="http://schemas.openxmlformats.org/officeDocument/2006/relationships" xmlns:p="http://schemas.openxmlformats.org/presentationml/2006/main">
   <p:cSld>
     <p:spTree>
@@ -22126,7 +23202,7 @@
           </a:ln>
           <a:extLst>
             <a:ext uri="{C572A759-6A51-4108-AA02-DFA0A04FC94B}">
-              <ma14:wrappingTextBoxFlag xmlns="" xmlns:ma14="http://schemas.microsoft.com/office/mac/drawingml/2011/main" val="1"/>
+              <ma14:wrappingTextBoxFlag xmlns:ma14="http://schemas.microsoft.com/office/mac/drawingml/2011/main" xmlns="" val="1"/>
             </a:ext>
           </a:extLst>
         </p:spPr>
@@ -22221,7 +23297,7 @@
           </a:ln>
           <a:extLst>
             <a:ext uri="{C572A759-6A51-4108-AA02-DFA0A04FC94B}">
-              <ma14:wrappingTextBoxFlag xmlns="" xmlns:ma14="http://schemas.microsoft.com/office/mac/drawingml/2011/main" val="1"/>
+              <ma14:wrappingTextBoxFlag xmlns:ma14="http://schemas.microsoft.com/office/mac/drawingml/2011/main" xmlns="" val="1"/>
             </a:ext>
           </a:extLst>
         </p:spPr>
@@ -22312,7 +23388,7 @@
           </a:ln>
           <a:extLst>
             <a:ext uri="{C572A759-6A51-4108-AA02-DFA0A04FC94B}">
-              <ma14:wrappingTextBoxFlag xmlns="" xmlns:ma14="http://schemas.microsoft.com/office/mac/drawingml/2011/main" val="1"/>
+              <ma14:wrappingTextBoxFlag xmlns:ma14="http://schemas.microsoft.com/office/mac/drawingml/2011/main" xmlns="" val="1"/>
             </a:ext>
           </a:extLst>
         </p:spPr>
@@ -22447,7 +23523,7 @@
           </a:ln>
           <a:extLst>
             <a:ext uri="{C572A759-6A51-4108-AA02-DFA0A04FC94B}">
-              <ma14:wrappingTextBoxFlag xmlns="" xmlns:ma14="http://schemas.microsoft.com/office/mac/drawingml/2011/main" val="1"/>
+              <ma14:wrappingTextBoxFlag xmlns:ma14="http://schemas.microsoft.com/office/mac/drawingml/2011/main" xmlns="" val="1"/>
             </a:ext>
           </a:extLst>
         </p:spPr>
@@ -22505,7 +23581,7 @@
           </a:ln>
           <a:extLst>
             <a:ext uri="{C572A759-6A51-4108-AA02-DFA0A04FC94B}">
-              <ma14:wrappingTextBoxFlag xmlns="" xmlns:ma14="http://schemas.microsoft.com/office/mac/drawingml/2011/main" val="1"/>
+              <ma14:wrappingTextBoxFlag xmlns:ma14="http://schemas.microsoft.com/office/mac/drawingml/2011/main" xmlns="" val="1"/>
             </a:ext>
           </a:extLst>
         </p:spPr>
@@ -22594,7 +23670,7 @@
           <a:p>
             <a:fld id="{86CB4B4D-7CA3-9044-876B-883B54F8677D}" type="slidenum">
               <a:rPr lang="es-ES" smtClean="0"/>
-              <a:t>25</a:t>
+              <a:t>27</a:t>
             </a:fld>
             <a:endParaRPr lang="es-ES"/>
           </a:p>
@@ -22609,7 +23685,7 @@
 </p:sld>
 </file>
 
-<file path=ppt/slides/slide26.xml><?xml version="1.0" encoding="utf-8"?>
+<file path=ppt/slides/slide28.xml><?xml version="1.0" encoding="utf-8"?>
 <p:sld xmlns:a="http://schemas.openxmlformats.org/drawingml/2006/main" xmlns:r="http://schemas.openxmlformats.org/officeDocument/2006/relationships" xmlns:p="http://schemas.openxmlformats.org/presentationml/2006/main">
   <p:cSld>
     <p:spTree>
@@ -22703,7 +23779,7 @@
           </a:ln>
           <a:extLst>
             <a:ext uri="{C572A759-6A51-4108-AA02-DFA0A04FC94B}">
-              <ma14:wrappingTextBoxFlag xmlns="" xmlns:ma14="http://schemas.microsoft.com/office/mac/drawingml/2011/main" val="1"/>
+              <ma14:wrappingTextBoxFlag xmlns:ma14="http://schemas.microsoft.com/office/mac/drawingml/2011/main" xmlns="" val="1"/>
             </a:ext>
           </a:extLst>
         </p:spPr>
@@ -22744,7 +23820,7 @@
           </a:ln>
           <a:extLst>
             <a:ext uri="{C572A759-6A51-4108-AA02-DFA0A04FC94B}">
-              <ma14:wrappingTextBoxFlag xmlns="" xmlns:ma14="http://schemas.microsoft.com/office/mac/drawingml/2011/main" val="1"/>
+              <ma14:wrappingTextBoxFlag xmlns:ma14="http://schemas.microsoft.com/office/mac/drawingml/2011/main" xmlns="" val="1"/>
             </a:ext>
           </a:extLst>
         </p:spPr>
@@ -22839,7 +23915,7 @@
           </a:ln>
           <a:extLst>
             <a:ext uri="{C572A759-6A51-4108-AA02-DFA0A04FC94B}">
-              <ma14:wrappingTextBoxFlag xmlns="" xmlns:ma14="http://schemas.microsoft.com/office/mac/drawingml/2011/main" val="1"/>
+              <ma14:wrappingTextBoxFlag xmlns:ma14="http://schemas.microsoft.com/office/mac/drawingml/2011/main" xmlns="" val="1"/>
             </a:ext>
           </a:extLst>
         </p:spPr>
@@ -22930,7 +24006,7 @@
           </a:ln>
           <a:extLst>
             <a:ext uri="{C572A759-6A51-4108-AA02-DFA0A04FC94B}">
-              <ma14:wrappingTextBoxFlag xmlns="" xmlns:ma14="http://schemas.microsoft.com/office/mac/drawingml/2011/main" val="1"/>
+              <ma14:wrappingTextBoxFlag xmlns:ma14="http://schemas.microsoft.com/office/mac/drawingml/2011/main" xmlns="" val="1"/>
             </a:ext>
           </a:extLst>
         </p:spPr>
@@ -23036,7 +24112,7 @@
           </a:ln>
           <a:extLst>
             <a:ext uri="{C572A759-6A51-4108-AA02-DFA0A04FC94B}">
-              <ma14:wrappingTextBoxFlag xmlns="" xmlns:ma14="http://schemas.microsoft.com/office/mac/drawingml/2011/main" val="1"/>
+              <ma14:wrappingTextBoxFlag xmlns:ma14="http://schemas.microsoft.com/office/mac/drawingml/2011/main" xmlns="" val="1"/>
             </a:ext>
           </a:extLst>
         </p:spPr>
@@ -23094,7 +24170,7 @@
           </a:ln>
           <a:extLst>
             <a:ext uri="{C572A759-6A51-4108-AA02-DFA0A04FC94B}">
-              <ma14:wrappingTextBoxFlag xmlns="" xmlns:ma14="http://schemas.microsoft.com/office/mac/drawingml/2011/main" val="1"/>
+              <ma14:wrappingTextBoxFlag xmlns:ma14="http://schemas.microsoft.com/office/mac/drawingml/2011/main" xmlns="" val="1"/>
             </a:ext>
           </a:extLst>
         </p:spPr>
@@ -23214,7 +24290,7 @@
           </a:ln>
           <a:extLst>
             <a:ext uri="{C572A759-6A51-4108-AA02-DFA0A04FC94B}">
-              <ma14:wrappingTextBoxFlag xmlns="" xmlns:ma14="http://schemas.microsoft.com/office/mac/drawingml/2011/main" val="1"/>
+              <ma14:wrappingTextBoxFlag xmlns:ma14="http://schemas.microsoft.com/office/mac/drawingml/2011/main" xmlns="" val="1"/>
             </a:ext>
           </a:extLst>
         </p:spPr>
@@ -24332,7 +25408,7 @@
           <a:p>
             <a:fld id="{86CB4B4D-7CA3-9044-876B-883B54F8677D}" type="slidenum">
               <a:rPr lang="es-ES" smtClean="0"/>
-              <a:t>26</a:t>
+              <a:t>28</a:t>
             </a:fld>
             <a:endParaRPr lang="es-ES"/>
           </a:p>
@@ -24347,7 +25423,7 @@
 </p:sld>
 </file>
 
-<file path=ppt/slides/slide27.xml><?xml version="1.0" encoding="utf-8"?>
+<file path=ppt/slides/slide29.xml><?xml version="1.0" encoding="utf-8"?>
 <p:sld xmlns:a="http://schemas.openxmlformats.org/drawingml/2006/main" xmlns:r="http://schemas.openxmlformats.org/officeDocument/2006/relationships" xmlns:p="http://schemas.openxmlformats.org/presentationml/2006/main">
   <p:cSld>
     <p:spTree>
@@ -24441,7 +25517,7 @@
           </a:ln>
           <a:extLst>
             <a:ext uri="{C572A759-6A51-4108-AA02-DFA0A04FC94B}">
-              <ma14:wrappingTextBoxFlag xmlns="" xmlns:ma14="http://schemas.microsoft.com/office/mac/drawingml/2011/main" val="1"/>
+              <ma14:wrappingTextBoxFlag xmlns:ma14="http://schemas.microsoft.com/office/mac/drawingml/2011/main" xmlns="" val="1"/>
             </a:ext>
           </a:extLst>
         </p:spPr>
@@ -24536,7 +25612,7 @@
           </a:ln>
           <a:extLst>
             <a:ext uri="{C572A759-6A51-4108-AA02-DFA0A04FC94B}">
-              <ma14:wrappingTextBoxFlag xmlns="" xmlns:ma14="http://schemas.microsoft.com/office/mac/drawingml/2011/main" val="1"/>
+              <ma14:wrappingTextBoxFlag xmlns:ma14="http://schemas.microsoft.com/office/mac/drawingml/2011/main" xmlns="" val="1"/>
             </a:ext>
           </a:extLst>
         </p:spPr>
@@ -24627,7 +25703,7 @@
           </a:ln>
           <a:extLst>
             <a:ext uri="{C572A759-6A51-4108-AA02-DFA0A04FC94B}">
-              <ma14:wrappingTextBoxFlag xmlns="" xmlns:ma14="http://schemas.microsoft.com/office/mac/drawingml/2011/main" val="1"/>
+              <ma14:wrappingTextBoxFlag xmlns:ma14="http://schemas.microsoft.com/office/mac/drawingml/2011/main" xmlns="" val="1"/>
             </a:ext>
           </a:extLst>
         </p:spPr>
@@ -24733,7 +25809,7 @@
           </a:ln>
           <a:extLst>
             <a:ext uri="{C572A759-6A51-4108-AA02-DFA0A04FC94B}">
-              <ma14:wrappingTextBoxFlag xmlns="" xmlns:ma14="http://schemas.microsoft.com/office/mac/drawingml/2011/main" val="1"/>
+              <ma14:wrappingTextBoxFlag xmlns:ma14="http://schemas.microsoft.com/office/mac/drawingml/2011/main" xmlns="" val="1"/>
             </a:ext>
           </a:extLst>
         </p:spPr>
@@ -24791,7 +25867,7 @@
           </a:ln>
           <a:extLst>
             <a:ext uri="{C572A759-6A51-4108-AA02-DFA0A04FC94B}">
-              <ma14:wrappingTextBoxFlag xmlns="" xmlns:ma14="http://schemas.microsoft.com/office/mac/drawingml/2011/main" val="1"/>
+              <ma14:wrappingTextBoxFlag xmlns:ma14="http://schemas.microsoft.com/office/mac/drawingml/2011/main" xmlns="" val="1"/>
             </a:ext>
           </a:extLst>
         </p:spPr>
@@ -24911,7 +25987,7 @@
           </a:ln>
           <a:extLst>
             <a:ext uri="{C572A759-6A51-4108-AA02-DFA0A04FC94B}">
-              <ma14:wrappingTextBoxFlag xmlns="" xmlns:ma14="http://schemas.microsoft.com/office/mac/drawingml/2011/main" val="1"/>
+              <ma14:wrappingTextBoxFlag xmlns:ma14="http://schemas.microsoft.com/office/mac/drawingml/2011/main" xmlns="" val="1"/>
             </a:ext>
           </a:extLst>
         </p:spPr>
@@ -25906,3083 +26982,6 @@
           </a:p>
         </p:txBody>
       </p:sp>
-      <p:sp>
-        <p:nvSpPr>
-          <p:cNvPr id="3" name="Marcador de número de diapositiva 2"/>
-          <p:cNvSpPr>
-            <a:spLocks noGrp="1"/>
-          </p:cNvSpPr>
-          <p:nvPr>
-            <p:ph type="sldNum" sz="quarter" idx="2"/>
-          </p:nvPr>
-        </p:nvSpPr>
-        <p:spPr/>
-        <p:txBody>
-          <a:bodyPr/>
-          <a:lstStyle/>
-          <a:p>
-            <a:fld id="{86CB4B4D-7CA3-9044-876B-883B54F8677D}" type="slidenum">
-              <a:rPr lang="es-ES" smtClean="0"/>
-              <a:t>27</a:t>
-            </a:fld>
-            <a:endParaRPr lang="es-ES"/>
-          </a:p>
-        </p:txBody>
-      </p:sp>
-    </p:spTree>
-  </p:cSld>
-  <p:clrMapOvr>
-    <a:masterClrMapping/>
-  </p:clrMapOvr>
-  <p:transition spd="med"/>
-</p:sld>
-</file>
-
-<file path=ppt/slides/slide28.xml><?xml version="1.0" encoding="utf-8"?>
-<p:sld xmlns:a="http://schemas.openxmlformats.org/drawingml/2006/main" xmlns:r="http://schemas.openxmlformats.org/officeDocument/2006/relationships" xmlns:p="http://schemas.openxmlformats.org/presentationml/2006/main">
-  <p:cSld>
-    <p:spTree>
-      <p:nvGrpSpPr>
-        <p:cNvPr id="1" name=""/>
-        <p:cNvGrpSpPr/>
-        <p:nvPr/>
-      </p:nvGrpSpPr>
-      <p:grpSpPr>
-        <a:xfrm>
-          <a:off x="0" y="0"/>
-          <a:ext cx="0" cy="0"/>
-          <a:chOff x="0" y="0"/>
-          <a:chExt cx="0" cy="0"/>
-        </a:xfrm>
-      </p:grpSpPr>
-      <p:pic>
-        <p:nvPicPr>
-          <p:cNvPr id="314" name="pasted-image.tiff"/>
-          <p:cNvPicPr>
-            <a:picLocks noChangeAspect="1"/>
-          </p:cNvPicPr>
-          <p:nvPr/>
-        </p:nvPicPr>
-        <p:blipFill>
-          <a:blip r:embed="rId2">
-            <a:extLst/>
-          </a:blip>
-          <a:stretch>
-            <a:fillRect/>
-          </a:stretch>
-        </p:blipFill>
-        <p:spPr>
-          <a:xfrm>
-            <a:off x="-816206" y="-529723"/>
-            <a:ext cx="26829216" cy="2397845"/>
-          </a:xfrm>
-          <a:prstGeom prst="rect">
-            <a:avLst/>
-          </a:prstGeom>
-          <a:ln w="12700">
-            <a:miter lim="400000"/>
-          </a:ln>
-        </p:spPr>
-      </p:pic>
-      <p:pic>
-        <p:nvPicPr>
-          <p:cNvPr id="315" name="pasted-image.tiff"/>
-          <p:cNvPicPr>
-            <a:picLocks noChangeAspect="1"/>
-          </p:cNvPicPr>
-          <p:nvPr/>
-        </p:nvPicPr>
-        <p:blipFill>
-          <a:blip r:embed="rId3">
-            <a:extLst/>
-          </a:blip>
-          <a:stretch>
-            <a:fillRect/>
-          </a:stretch>
-        </p:blipFill>
-        <p:spPr>
-          <a:xfrm>
-            <a:off x="20120528" y="596900"/>
-            <a:ext cx="2416329" cy="766806"/>
-          </a:xfrm>
-          <a:prstGeom prst="rect">
-            <a:avLst/>
-          </a:prstGeom>
-          <a:ln w="12700">
-            <a:miter lim="400000"/>
-          </a:ln>
-        </p:spPr>
-      </p:pic>
-      <p:sp>
-        <p:nvSpPr>
-          <p:cNvPr id="317" name="Shape 317"/>
-          <p:cNvSpPr/>
-          <p:nvPr/>
-        </p:nvSpPr>
-        <p:spPr>
-          <a:xfrm>
-            <a:off x="1044066" y="512137"/>
-            <a:ext cx="6485955" cy="771399"/>
-          </a:xfrm>
-          <a:prstGeom prst="rect">
-            <a:avLst/>
-          </a:prstGeom>
-          <a:ln w="12700">
-            <a:miter lim="400000"/>
-          </a:ln>
-          <a:extLst>
-            <a:ext uri="{C572A759-6A51-4108-AA02-DFA0A04FC94B}">
-              <ma14:wrappingTextBoxFlag xmlns="" xmlns:ma14="http://schemas.microsoft.com/office/mac/drawingml/2011/main" val="1"/>
-            </a:ext>
-          </a:extLst>
-        </p:spPr>
-        <p:txBody>
-          <a:bodyPr wrap="none" lIns="50800" tIns="50800" rIns="50800" bIns="50800" anchor="ctr">
-            <a:spAutoFit/>
-          </a:bodyPr>
-          <a:lstStyle>
-            <a:lvl1pPr>
-              <a:defRPr sz="4500">
-                <a:solidFill>
-                  <a:srgbClr val="FFFFFF"/>
-                </a:solidFill>
-                <a:latin typeface="Helvetica Neue"/>
-                <a:ea typeface="Helvetica Neue"/>
-                <a:cs typeface="Helvetica Neue"/>
-                <a:sym typeface="Helvetica Neue"/>
-              </a:defRPr>
-            </a:lvl1pPr>
-          </a:lstStyle>
-          <a:p>
-            <a:r>
-              <a:t>3. Requisitos específicos</a:t>
-            </a:r>
-          </a:p>
-        </p:txBody>
-      </p:sp>
-      <p:sp>
-        <p:nvSpPr>
-          <p:cNvPr id="318" name="Shape 318"/>
-          <p:cNvSpPr/>
-          <p:nvPr/>
-        </p:nvSpPr>
-        <p:spPr>
-          <a:xfrm>
-            <a:off x="9780559" y="2510331"/>
-            <a:ext cx="4822882" cy="771399"/>
-          </a:xfrm>
-          <a:prstGeom prst="roundRect">
-            <a:avLst>
-              <a:gd name="adj" fmla="val 33536"/>
-            </a:avLst>
-          </a:prstGeom>
-          <a:solidFill>
-            <a:srgbClr val="BA6B89"/>
-          </a:solidFill>
-          <a:ln w="12700">
-            <a:miter lim="400000"/>
-          </a:ln>
-        </p:spPr>
-        <p:txBody>
-          <a:bodyPr lIns="50800" tIns="50800" rIns="50800" bIns="50800" anchor="ctr"/>
-          <a:lstStyle/>
-          <a:p>
-            <a:pPr algn="ctr">
-              <a:lnSpc>
-                <a:spcPct val="80000"/>
-              </a:lnSpc>
-              <a:spcBef>
-                <a:spcPts val="0"/>
-              </a:spcBef>
-              <a:defRPr sz="4000" cap="all">
-                <a:solidFill>
-                  <a:srgbClr val="FFFFFF"/>
-                </a:solidFill>
-                <a:latin typeface="+mn-lt"/>
-                <a:ea typeface="+mn-ea"/>
-                <a:cs typeface="+mn-cs"/>
-                <a:sym typeface="DIN Condensed"/>
-              </a:defRPr>
-            </a:pPr>
-            <a:endParaRPr/>
-          </a:p>
-        </p:txBody>
-      </p:sp>
-      <p:sp>
-        <p:nvSpPr>
-          <p:cNvPr id="319" name="Shape 319"/>
-          <p:cNvSpPr/>
-          <p:nvPr/>
-        </p:nvSpPr>
-        <p:spPr>
-          <a:xfrm>
-            <a:off x="10006183" y="2584880"/>
-            <a:ext cx="4371634" cy="622301"/>
-          </a:xfrm>
-          <a:prstGeom prst="rect">
-            <a:avLst/>
-          </a:prstGeom>
-          <a:ln w="12700">
-            <a:miter lim="400000"/>
-          </a:ln>
-          <a:extLst>
-            <a:ext uri="{C572A759-6A51-4108-AA02-DFA0A04FC94B}">
-              <ma14:wrappingTextBoxFlag xmlns="" xmlns:ma14="http://schemas.microsoft.com/office/mac/drawingml/2011/main" val="1"/>
-            </a:ext>
-          </a:extLst>
-        </p:spPr>
-        <p:txBody>
-          <a:bodyPr lIns="50800" tIns="50800" rIns="50800" bIns="50800" anchor="ctr">
-            <a:spAutoFit/>
-          </a:bodyPr>
-          <a:lstStyle>
-            <a:lvl1pPr>
-              <a:defRPr>
-                <a:solidFill>
-                  <a:srgbClr val="FFFFFF"/>
-                </a:solidFill>
-              </a:defRPr>
-            </a:lvl1pPr>
-          </a:lstStyle>
-          <a:p>
-            <a:r>
-              <a:t>2 Requisitos funcionales</a:t>
-            </a:r>
-          </a:p>
-        </p:txBody>
-      </p:sp>
-      <p:sp>
-        <p:nvSpPr>
-          <p:cNvPr id="320" name="Shape 320"/>
-          <p:cNvSpPr/>
-          <p:nvPr/>
-        </p:nvSpPr>
-        <p:spPr>
-          <a:xfrm>
-            <a:off x="1187450" y="3949265"/>
-            <a:ext cx="22009100" cy="8780324"/>
-          </a:xfrm>
-          <a:prstGeom prst="roundRect">
-            <a:avLst>
-              <a:gd name="adj" fmla="val 8979"/>
-            </a:avLst>
-          </a:prstGeom>
-          <a:ln w="50800">
-            <a:solidFill>
-              <a:srgbClr val="5B5854"/>
-            </a:solidFill>
-            <a:miter lim="400000"/>
-          </a:ln>
-        </p:spPr>
-        <p:txBody>
-          <a:bodyPr lIns="50800" tIns="50800" rIns="50800" bIns="50800" anchor="ctr"/>
-          <a:lstStyle/>
-          <a:p>
-            <a:pPr algn="ctr">
-              <a:lnSpc>
-                <a:spcPct val="80000"/>
-              </a:lnSpc>
-              <a:spcBef>
-                <a:spcPts val="0"/>
-              </a:spcBef>
-              <a:defRPr sz="100" cap="all">
-                <a:solidFill>
-                  <a:srgbClr val="FFFFFF"/>
-                </a:solidFill>
-                <a:latin typeface="+mn-lt"/>
-                <a:ea typeface="+mn-ea"/>
-                <a:cs typeface="+mn-cs"/>
-                <a:sym typeface="DIN Condensed"/>
-              </a:defRPr>
-            </a:pPr>
-            <a:endParaRPr/>
-          </a:p>
-        </p:txBody>
-      </p:sp>
-      <p:sp>
-        <p:nvSpPr>
-          <p:cNvPr id="321" name="Shape 321"/>
-          <p:cNvSpPr/>
-          <p:nvPr/>
-        </p:nvSpPr>
-        <p:spPr>
-          <a:xfrm>
-            <a:off x="1775661" y="4549095"/>
-            <a:ext cx="6312854" cy="473391"/>
-          </a:xfrm>
-          <a:prstGeom prst="rect">
-            <a:avLst/>
-          </a:prstGeom>
-          <a:ln w="12700">
-            <a:miter lim="400000"/>
-          </a:ln>
-          <a:extLst>
-            <a:ext uri="{C572A759-6A51-4108-AA02-DFA0A04FC94B}">
-              <ma14:wrappingTextBoxFlag xmlns="" xmlns:ma14="http://schemas.microsoft.com/office/mac/drawingml/2011/main" val="1"/>
-            </a:ext>
-          </a:extLst>
-        </p:spPr>
-        <p:txBody>
-          <a:bodyPr wrap="none" lIns="50800" tIns="50800" rIns="50800" bIns="50800" anchor="ctr">
-            <a:spAutoFit/>
-          </a:bodyPr>
-          <a:lstStyle>
-            <a:lvl1pPr marL="360045" algn="just" defTabSz="457200">
-              <a:lnSpc>
-                <a:spcPct val="115000"/>
-              </a:lnSpc>
-              <a:spcBef>
-                <a:spcPts val="1000"/>
-              </a:spcBef>
-              <a:defRPr sz="2500" b="1">
-                <a:solidFill>
-                  <a:srgbClr val="000000"/>
-                </a:solidFill>
-                <a:uFill>
-                  <a:solidFill>
-                    <a:srgbClr val="000000"/>
-                  </a:solidFill>
-                </a:uFill>
-                <a:latin typeface="Helvetica Neue"/>
-                <a:ea typeface="Helvetica Neue"/>
-                <a:cs typeface="Helvetica Neue"/>
-                <a:sym typeface="Helvetica Neue"/>
-              </a:defRPr>
-            </a:lvl1pPr>
-          </a:lstStyle>
-          <a:p>
-            <a:r>
-              <a:t>3. Subsistema, Preguntar a un médico.</a:t>
-            </a:r>
-          </a:p>
-        </p:txBody>
-      </p:sp>
-      <p:sp>
-        <p:nvSpPr>
-          <p:cNvPr id="322" name="Shape 322"/>
-          <p:cNvSpPr/>
-          <p:nvPr/>
-        </p:nvSpPr>
-        <p:spPr>
-          <a:xfrm>
-            <a:off x="12688999" y="4133320"/>
-            <a:ext cx="10329053" cy="8412214"/>
-          </a:xfrm>
-          <a:prstGeom prst="roundRect">
-            <a:avLst>
-              <a:gd name="adj" fmla="val 8979"/>
-            </a:avLst>
-          </a:prstGeom>
-          <a:ln w="50800">
-            <a:solidFill>
-              <a:srgbClr val="5B5854"/>
-            </a:solidFill>
-            <a:miter lim="400000"/>
-          </a:ln>
-        </p:spPr>
-        <p:txBody>
-          <a:bodyPr lIns="50800" tIns="50800" rIns="50800" bIns="50800" anchor="ctr"/>
-          <a:lstStyle/>
-          <a:p>
-            <a:pPr algn="ctr">
-              <a:lnSpc>
-                <a:spcPct val="80000"/>
-              </a:lnSpc>
-              <a:spcBef>
-                <a:spcPts val="0"/>
-              </a:spcBef>
-              <a:defRPr sz="100" cap="all">
-                <a:solidFill>
-                  <a:srgbClr val="FFFFFF"/>
-                </a:solidFill>
-                <a:latin typeface="+mn-lt"/>
-                <a:ea typeface="+mn-ea"/>
-                <a:cs typeface="+mn-cs"/>
-                <a:sym typeface="DIN Condensed"/>
-              </a:defRPr>
-            </a:pPr>
-            <a:endParaRPr/>
-          </a:p>
-        </p:txBody>
-      </p:sp>
-      <p:sp>
-        <p:nvSpPr>
-          <p:cNvPr id="323" name="Shape 323"/>
-          <p:cNvSpPr/>
-          <p:nvPr/>
-        </p:nvSpPr>
-        <p:spPr>
-          <a:xfrm>
-            <a:off x="13158615" y="4549095"/>
-            <a:ext cx="5026026" cy="473391"/>
-          </a:xfrm>
-          <a:prstGeom prst="rect">
-            <a:avLst/>
-          </a:prstGeom>
-          <a:ln w="12700">
-            <a:miter lim="400000"/>
-          </a:ln>
-          <a:extLst>
-            <a:ext uri="{C572A759-6A51-4108-AA02-DFA0A04FC94B}">
-              <ma14:wrappingTextBoxFlag xmlns="" xmlns:ma14="http://schemas.microsoft.com/office/mac/drawingml/2011/main" val="1"/>
-            </a:ext>
-          </a:extLst>
-        </p:spPr>
-        <p:txBody>
-          <a:bodyPr wrap="none" lIns="50800" tIns="50800" rIns="50800" bIns="50800" anchor="ctr">
-            <a:spAutoFit/>
-          </a:bodyPr>
-          <a:lstStyle>
-            <a:lvl1pPr marL="360045" algn="just" defTabSz="457200">
-              <a:lnSpc>
-                <a:spcPct val="115000"/>
-              </a:lnSpc>
-              <a:spcBef>
-                <a:spcPts val="1000"/>
-              </a:spcBef>
-              <a:defRPr sz="2500" b="1">
-                <a:solidFill>
-                  <a:srgbClr val="000000"/>
-                </a:solidFill>
-                <a:uFill>
-                  <a:solidFill>
-                    <a:srgbClr val="000000"/>
-                  </a:solidFill>
-                </a:uFill>
-                <a:latin typeface="Helvetica Neue"/>
-                <a:ea typeface="Helvetica Neue"/>
-                <a:cs typeface="Helvetica Neue"/>
-                <a:sym typeface="Helvetica Neue"/>
-              </a:defRPr>
-            </a:lvl1pPr>
-          </a:lstStyle>
-          <a:p>
-            <a:r>
-              <a:t>Caso de Uso, Hacer pregunta:</a:t>
-            </a:r>
-          </a:p>
-        </p:txBody>
-      </p:sp>
-      <p:sp>
-        <p:nvSpPr>
-          <p:cNvPr id="324" name="Shape 324"/>
-          <p:cNvSpPr/>
-          <p:nvPr/>
-        </p:nvSpPr>
-        <p:spPr>
-          <a:xfrm>
-            <a:off x="5350865" y="10766335"/>
-            <a:ext cx="2782579" cy="362130"/>
-          </a:xfrm>
-          <a:prstGeom prst="rect">
-            <a:avLst/>
-          </a:prstGeom>
-          <a:ln w="12700">
-            <a:miter lim="400000"/>
-          </a:ln>
-          <a:extLst>
-            <a:ext uri="{C572A759-6A51-4108-AA02-DFA0A04FC94B}">
-              <ma14:wrappingTextBoxFlag xmlns="" xmlns:ma14="http://schemas.microsoft.com/office/mac/drawingml/2011/main" val="1"/>
-            </a:ext>
-          </a:extLst>
-        </p:spPr>
-        <p:txBody>
-          <a:bodyPr lIns="50800" tIns="50800" rIns="50800" bIns="50800" anchor="ctr">
-            <a:spAutoFit/>
-          </a:bodyPr>
-          <a:lstStyle>
-            <a:lvl1pPr marL="342900" algn="r" defTabSz="457200">
-              <a:lnSpc>
-                <a:spcPct val="115000"/>
-              </a:lnSpc>
-              <a:spcBef>
-                <a:spcPts val="1000"/>
-              </a:spcBef>
-              <a:tabLst>
-                <a:tab pos="444500" algn="l"/>
-              </a:tabLst>
-              <a:defRPr sz="1800" i="1">
-                <a:solidFill>
-                  <a:srgbClr val="00000A"/>
-                </a:solidFill>
-                <a:uFill>
-                  <a:solidFill>
-                    <a:srgbClr val="00000A"/>
-                  </a:solidFill>
-                </a:uFill>
-                <a:latin typeface="Helvetica Neue UltraLight"/>
-                <a:ea typeface="Helvetica Neue UltraLight"/>
-                <a:cs typeface="Helvetica Neue UltraLight"/>
-                <a:sym typeface="Helvetica Neue UltraLight"/>
-              </a:defRPr>
-            </a:lvl1pPr>
-          </a:lstStyle>
-          <a:p>
-            <a:pPr>
-              <a:defRPr i="0">
-                <a:solidFill>
-                  <a:srgbClr val="000000"/>
-                </a:solidFill>
-                <a:uFill>
-                  <a:solidFill>
-                    <a:srgbClr val="000000"/>
-                  </a:solidFill>
-                </a:uFill>
-                <a:latin typeface="Times New Roman"/>
-                <a:ea typeface="Times New Roman"/>
-                <a:cs typeface="Times New Roman"/>
-                <a:sym typeface="Times New Roman"/>
-              </a:defRPr>
-            </a:pPr>
-            <a:r>
-              <a:rPr i="1">
-                <a:solidFill>
-                  <a:srgbClr val="00000A"/>
-                </a:solidFill>
-                <a:uFill>
-                  <a:solidFill>
-                    <a:srgbClr val="00000A"/>
-                  </a:solidFill>
-                </a:uFill>
-                <a:latin typeface="Helvetica Neue UltraLight"/>
-                <a:ea typeface="Helvetica Neue UltraLight"/>
-                <a:cs typeface="Helvetica Neue UltraLight"/>
-                <a:sym typeface="Helvetica Neue UltraLight"/>
-              </a:rPr>
-              <a:t>DCU_Consultar_Medico</a:t>
-            </a:r>
-          </a:p>
-        </p:txBody>
-      </p:sp>
-      <p:sp>
-        <p:nvSpPr>
-          <p:cNvPr id="325" name="Shape 325"/>
-          <p:cNvSpPr/>
-          <p:nvPr/>
-        </p:nvSpPr>
-        <p:spPr>
-          <a:xfrm>
-            <a:off x="13877896" y="5315401"/>
-            <a:ext cx="7951259" cy="6048052"/>
-          </a:xfrm>
-          <a:prstGeom prst="rect">
-            <a:avLst/>
-          </a:prstGeom>
-          <a:ln w="12700">
-            <a:miter lim="400000"/>
-          </a:ln>
-          <a:extLst>
-            <a:ext uri="{C572A759-6A51-4108-AA02-DFA0A04FC94B}">
-              <ma14:wrappingTextBoxFlag xmlns="" xmlns:ma14="http://schemas.microsoft.com/office/mac/drawingml/2011/main" val="1"/>
-            </a:ext>
-          </a:extLst>
-        </p:spPr>
-        <p:txBody>
-          <a:bodyPr lIns="50800" tIns="50800" rIns="50800" bIns="50800" anchor="ctr">
-            <a:spAutoFit/>
-          </a:bodyPr>
-          <a:lstStyle/>
-          <a:p>
-            <a:pPr marL="228600" algn="just" defTabSz="457200">
-              <a:lnSpc>
-                <a:spcPct val="115000"/>
-              </a:lnSpc>
-              <a:spcBef>
-                <a:spcPts val="0"/>
-              </a:spcBef>
-              <a:defRPr sz="1700">
-                <a:solidFill>
-                  <a:srgbClr val="000000"/>
-                </a:solidFill>
-                <a:uFill>
-                  <a:solidFill>
-                    <a:srgbClr val="000000"/>
-                  </a:solidFill>
-                </a:uFill>
-                <a:latin typeface="Times New Roman"/>
-                <a:ea typeface="Times New Roman"/>
-                <a:cs typeface="Times New Roman"/>
-                <a:sym typeface="Times New Roman"/>
-              </a:defRPr>
-            </a:pPr>
-            <a:r>
-              <a:rPr b="1">
-                <a:solidFill>
-                  <a:srgbClr val="262626"/>
-                </a:solidFill>
-                <a:uFill>
-                  <a:solidFill>
-                    <a:srgbClr val="262626"/>
-                  </a:solidFill>
-                </a:uFill>
-                <a:latin typeface="Helvetica Neue"/>
-                <a:ea typeface="Helvetica Neue"/>
-                <a:cs typeface="Helvetica Neue"/>
-                <a:sym typeface="Helvetica Neue"/>
-              </a:rPr>
-              <a:t>Identificador</a:t>
-            </a:r>
-            <a:r>
-              <a:rPr i="1">
-                <a:solidFill>
-                  <a:srgbClr val="262626"/>
-                </a:solidFill>
-                <a:uFill>
-                  <a:solidFill>
-                    <a:srgbClr val="262626"/>
-                  </a:solidFill>
-                </a:uFill>
-                <a:latin typeface="Helvetica Neue"/>
-                <a:ea typeface="Helvetica Neue"/>
-                <a:cs typeface="Helvetica Neue"/>
-                <a:sym typeface="Helvetica Neue"/>
-              </a:rPr>
-              <a:t>:</a:t>
-            </a:r>
-            <a:r>
-              <a:rPr>
-                <a:solidFill>
-                  <a:srgbClr val="262626"/>
-                </a:solidFill>
-                <a:uFill>
-                  <a:solidFill>
-                    <a:srgbClr val="262626"/>
-                  </a:solidFill>
-                </a:uFill>
-                <a:latin typeface="Helvetica Neue"/>
-                <a:ea typeface="Helvetica Neue"/>
-                <a:cs typeface="Helvetica Neue"/>
-                <a:sym typeface="Helvetica Neue"/>
-              </a:rPr>
-              <a:t> CM1</a:t>
-            </a:r>
-          </a:p>
-          <a:p>
-            <a:pPr marL="228600" algn="just" defTabSz="457200">
-              <a:lnSpc>
-                <a:spcPct val="115000"/>
-              </a:lnSpc>
-              <a:spcBef>
-                <a:spcPts val="0"/>
-              </a:spcBef>
-              <a:defRPr sz="1700">
-                <a:solidFill>
-                  <a:srgbClr val="000000"/>
-                </a:solidFill>
-                <a:uFill>
-                  <a:solidFill>
-                    <a:srgbClr val="000000"/>
-                  </a:solidFill>
-                </a:uFill>
-                <a:latin typeface="Times New Roman"/>
-                <a:ea typeface="Times New Roman"/>
-                <a:cs typeface="Times New Roman"/>
-                <a:sym typeface="Times New Roman"/>
-              </a:defRPr>
-            </a:pPr>
-            <a:r>
-              <a:rPr b="1">
-                <a:solidFill>
-                  <a:srgbClr val="262626"/>
-                </a:solidFill>
-                <a:uFill>
-                  <a:solidFill>
-                    <a:srgbClr val="262626"/>
-                  </a:solidFill>
-                </a:uFill>
-                <a:latin typeface="Helvetica Neue"/>
-                <a:ea typeface="Helvetica Neue"/>
-                <a:cs typeface="Helvetica Neue"/>
-                <a:sym typeface="Helvetica Neue"/>
-              </a:rPr>
-              <a:t>Objetivo en Contexto:</a:t>
-            </a:r>
-          </a:p>
-          <a:p>
-            <a:pPr marL="228600" algn="just" defTabSz="457200">
-              <a:lnSpc>
-                <a:spcPct val="115000"/>
-              </a:lnSpc>
-              <a:spcBef>
-                <a:spcPts val="0"/>
-              </a:spcBef>
-              <a:defRPr sz="1700">
-                <a:solidFill>
-                  <a:srgbClr val="000000"/>
-                </a:solidFill>
-                <a:uFill>
-                  <a:solidFill>
-                    <a:srgbClr val="000000"/>
-                  </a:solidFill>
-                </a:uFill>
-                <a:latin typeface="Times New Roman"/>
-                <a:ea typeface="Times New Roman"/>
-                <a:cs typeface="Times New Roman"/>
-                <a:sym typeface="Times New Roman"/>
-              </a:defRPr>
-            </a:pPr>
-            <a:r>
-              <a:rPr>
-                <a:solidFill>
-                  <a:srgbClr val="262626"/>
-                </a:solidFill>
-                <a:uFill>
-                  <a:solidFill>
-                    <a:srgbClr val="262626"/>
-                  </a:solidFill>
-                </a:uFill>
-                <a:latin typeface="Helvetica Neue"/>
-                <a:ea typeface="Helvetica Neue"/>
-                <a:cs typeface="Helvetica Neue"/>
-                <a:sym typeface="Helvetica Neue"/>
-              </a:rPr>
-              <a:t>El paciente desea realizar una pregunta a un médico.</a:t>
-            </a:r>
-          </a:p>
-          <a:p>
-            <a:pPr marL="228600" algn="just" defTabSz="457200">
-              <a:lnSpc>
-                <a:spcPct val="115000"/>
-              </a:lnSpc>
-              <a:spcBef>
-                <a:spcPts val="0"/>
-              </a:spcBef>
-              <a:defRPr sz="1700">
-                <a:solidFill>
-                  <a:srgbClr val="000000"/>
-                </a:solidFill>
-                <a:uFill>
-                  <a:solidFill>
-                    <a:srgbClr val="000000"/>
-                  </a:solidFill>
-                </a:uFill>
-                <a:latin typeface="Times New Roman"/>
-                <a:ea typeface="Times New Roman"/>
-                <a:cs typeface="Times New Roman"/>
-                <a:sym typeface="Times New Roman"/>
-              </a:defRPr>
-            </a:pPr>
-            <a:r>
-              <a:rPr b="1">
-                <a:solidFill>
-                  <a:srgbClr val="262626"/>
-                </a:solidFill>
-                <a:uFill>
-                  <a:solidFill>
-                    <a:srgbClr val="262626"/>
-                  </a:solidFill>
-                </a:uFill>
-                <a:latin typeface="Helvetica Neue"/>
-                <a:ea typeface="Helvetica Neue"/>
-                <a:cs typeface="Helvetica Neue"/>
-                <a:sym typeface="Helvetica Neue"/>
-              </a:rPr>
-              <a:t>Actor</a:t>
-            </a:r>
-            <a:r>
-              <a:rPr>
-                <a:solidFill>
-                  <a:srgbClr val="262626"/>
-                </a:solidFill>
-                <a:uFill>
-                  <a:solidFill>
-                    <a:srgbClr val="262626"/>
-                  </a:solidFill>
-                </a:uFill>
-                <a:latin typeface="Helvetica Neue"/>
-                <a:ea typeface="Helvetica Neue"/>
-                <a:cs typeface="Helvetica Neue"/>
-                <a:sym typeface="Helvetica Neue"/>
-              </a:rPr>
-              <a:t> </a:t>
-            </a:r>
-            <a:r>
-              <a:rPr b="1">
-                <a:solidFill>
-                  <a:srgbClr val="262626"/>
-                </a:solidFill>
-                <a:uFill>
-                  <a:solidFill>
-                    <a:srgbClr val="262626"/>
-                  </a:solidFill>
-                </a:uFill>
-                <a:latin typeface="Helvetica Neue"/>
-                <a:ea typeface="Helvetica Neue"/>
-                <a:cs typeface="Helvetica Neue"/>
-                <a:sym typeface="Helvetica Neue"/>
-              </a:rPr>
-              <a:t>principal</a:t>
-            </a:r>
-            <a:r>
-              <a:rPr>
-                <a:solidFill>
-                  <a:srgbClr val="262626"/>
-                </a:solidFill>
-                <a:uFill>
-                  <a:solidFill>
-                    <a:srgbClr val="262626"/>
-                  </a:solidFill>
-                </a:uFill>
-                <a:latin typeface="Helvetica Neue"/>
-                <a:ea typeface="Helvetica Neue"/>
-                <a:cs typeface="Helvetica Neue"/>
-                <a:sym typeface="Helvetica Neue"/>
-              </a:rPr>
-              <a:t>: Paciente.</a:t>
-            </a:r>
-          </a:p>
-          <a:p>
-            <a:pPr marL="228600" algn="just" defTabSz="457200">
-              <a:lnSpc>
-                <a:spcPct val="115000"/>
-              </a:lnSpc>
-              <a:spcBef>
-                <a:spcPts val="0"/>
-              </a:spcBef>
-              <a:defRPr sz="1700">
-                <a:solidFill>
-                  <a:srgbClr val="000000"/>
-                </a:solidFill>
-                <a:uFill>
-                  <a:solidFill>
-                    <a:srgbClr val="000000"/>
-                  </a:solidFill>
-                </a:uFill>
-                <a:latin typeface="Times New Roman"/>
-                <a:ea typeface="Times New Roman"/>
-                <a:cs typeface="Times New Roman"/>
-                <a:sym typeface="Times New Roman"/>
-              </a:defRPr>
-            </a:pPr>
-            <a:r>
-              <a:rPr b="1">
-                <a:solidFill>
-                  <a:srgbClr val="262626"/>
-                </a:solidFill>
-                <a:uFill>
-                  <a:solidFill>
-                    <a:srgbClr val="262626"/>
-                  </a:solidFill>
-                </a:uFill>
-                <a:latin typeface="Helvetica Neue"/>
-                <a:ea typeface="Helvetica Neue"/>
-                <a:cs typeface="Helvetica Neue"/>
-                <a:sym typeface="Helvetica Neue"/>
-              </a:rPr>
-              <a:t>Actores</a:t>
-            </a:r>
-            <a:r>
-              <a:rPr>
-                <a:solidFill>
-                  <a:srgbClr val="262626"/>
-                </a:solidFill>
-                <a:uFill>
-                  <a:solidFill>
-                    <a:srgbClr val="262626"/>
-                  </a:solidFill>
-                </a:uFill>
-                <a:latin typeface="Helvetica Neue"/>
-                <a:ea typeface="Helvetica Neue"/>
-                <a:cs typeface="Helvetica Neue"/>
-                <a:sym typeface="Helvetica Neue"/>
-              </a:rPr>
-              <a:t> </a:t>
-            </a:r>
-            <a:r>
-              <a:rPr b="1">
-                <a:solidFill>
-                  <a:srgbClr val="262626"/>
-                </a:solidFill>
-                <a:uFill>
-                  <a:solidFill>
-                    <a:srgbClr val="262626"/>
-                  </a:solidFill>
-                </a:uFill>
-                <a:latin typeface="Helvetica Neue"/>
-                <a:ea typeface="Helvetica Neue"/>
-                <a:cs typeface="Helvetica Neue"/>
-                <a:sym typeface="Helvetica Neue"/>
-              </a:rPr>
-              <a:t>secundarios</a:t>
-            </a:r>
-            <a:r>
-              <a:rPr>
-                <a:solidFill>
-                  <a:srgbClr val="262626"/>
-                </a:solidFill>
-                <a:uFill>
-                  <a:solidFill>
-                    <a:srgbClr val="262626"/>
-                  </a:solidFill>
-                </a:uFill>
-                <a:latin typeface="Helvetica Neue"/>
-                <a:ea typeface="Helvetica Neue"/>
-                <a:cs typeface="Helvetica Neue"/>
-                <a:sym typeface="Helvetica Neue"/>
-              </a:rPr>
-              <a:t>: Base de Datos.</a:t>
-            </a:r>
-          </a:p>
-          <a:p>
-            <a:pPr marL="228600" algn="just" defTabSz="457200">
-              <a:lnSpc>
-                <a:spcPct val="115000"/>
-              </a:lnSpc>
-              <a:spcBef>
-                <a:spcPts val="0"/>
-              </a:spcBef>
-              <a:defRPr sz="1700">
-                <a:solidFill>
-                  <a:srgbClr val="000000"/>
-                </a:solidFill>
-                <a:uFill>
-                  <a:solidFill>
-                    <a:srgbClr val="000000"/>
-                  </a:solidFill>
-                </a:uFill>
-                <a:latin typeface="Times New Roman"/>
-                <a:ea typeface="Times New Roman"/>
-                <a:cs typeface="Times New Roman"/>
-                <a:sym typeface="Times New Roman"/>
-              </a:defRPr>
-            </a:pPr>
-            <a:r>
-              <a:rPr b="1">
-                <a:solidFill>
-                  <a:srgbClr val="262626"/>
-                </a:solidFill>
-                <a:uFill>
-                  <a:solidFill>
-                    <a:srgbClr val="262626"/>
-                  </a:solidFill>
-                </a:uFill>
-                <a:latin typeface="Helvetica Neue"/>
-                <a:ea typeface="Helvetica Neue"/>
-                <a:cs typeface="Helvetica Neue"/>
-                <a:sym typeface="Helvetica Neue"/>
-              </a:rPr>
-              <a:t>Qué datos usa:</a:t>
-            </a:r>
-            <a:r>
-              <a:rPr>
-                <a:solidFill>
-                  <a:srgbClr val="262626"/>
-                </a:solidFill>
-                <a:uFill>
-                  <a:solidFill>
-                    <a:srgbClr val="262626"/>
-                  </a:solidFill>
-                </a:uFill>
-                <a:latin typeface="Helvetica Neue"/>
-                <a:ea typeface="Helvetica Neue"/>
-                <a:cs typeface="Helvetica Neue"/>
-                <a:sym typeface="Helvetica Neue"/>
-              </a:rPr>
-              <a:t> Tarjetas CRC implicadas.</a:t>
-            </a:r>
-          </a:p>
-          <a:p>
-            <a:pPr marL="228600" marR="1248410" algn="just" defTabSz="457200">
-              <a:lnSpc>
-                <a:spcPct val="115000"/>
-              </a:lnSpc>
-              <a:spcBef>
-                <a:spcPts val="0"/>
-              </a:spcBef>
-              <a:defRPr sz="1700">
-                <a:solidFill>
-                  <a:srgbClr val="000000"/>
-                </a:solidFill>
-                <a:uFill>
-                  <a:solidFill>
-                    <a:srgbClr val="000000"/>
-                  </a:solidFill>
-                </a:uFill>
-                <a:latin typeface="Times New Roman"/>
-                <a:ea typeface="Times New Roman"/>
-                <a:cs typeface="Times New Roman"/>
-                <a:sym typeface="Times New Roman"/>
-              </a:defRPr>
-            </a:pPr>
-            <a:r>
-              <a:rPr b="1">
-                <a:solidFill>
-                  <a:srgbClr val="262626"/>
-                </a:solidFill>
-                <a:uFill>
-                  <a:solidFill>
-                    <a:srgbClr val="262626"/>
-                  </a:solidFill>
-                </a:uFill>
-                <a:latin typeface="Helvetica Neue"/>
-                <a:ea typeface="Helvetica Neue"/>
-                <a:cs typeface="Helvetica Neue"/>
-                <a:sym typeface="Helvetica Neue"/>
-              </a:rPr>
-              <a:t>Precondiciones</a:t>
-            </a:r>
-            <a:r>
-              <a:rPr>
-                <a:solidFill>
-                  <a:srgbClr val="262626"/>
-                </a:solidFill>
-                <a:uFill>
-                  <a:solidFill>
-                    <a:srgbClr val="262626"/>
-                  </a:solidFill>
-                </a:uFill>
-                <a:latin typeface="Helvetica Neue"/>
-                <a:ea typeface="Helvetica Neue"/>
-                <a:cs typeface="Helvetica Neue"/>
-                <a:sym typeface="Helvetica Neue"/>
-              </a:rPr>
-              <a:t>:</a:t>
-            </a:r>
-          </a:p>
-          <a:p>
-            <a:pPr marL="678180" marR="1248410" algn="just" defTabSz="457200">
-              <a:lnSpc>
-                <a:spcPct val="115000"/>
-              </a:lnSpc>
-              <a:spcBef>
-                <a:spcPts val="0"/>
-              </a:spcBef>
-              <a:defRPr sz="1700">
-                <a:solidFill>
-                  <a:srgbClr val="000000"/>
-                </a:solidFill>
-                <a:uFill>
-                  <a:solidFill>
-                    <a:srgbClr val="000000"/>
-                  </a:solidFill>
-                </a:uFill>
-                <a:latin typeface="Times New Roman"/>
-                <a:ea typeface="Times New Roman"/>
-                <a:cs typeface="Times New Roman"/>
-                <a:sym typeface="Times New Roman"/>
-              </a:defRPr>
-            </a:pPr>
-            <a:r>
-              <a:rPr>
-                <a:solidFill>
-                  <a:srgbClr val="262626"/>
-                </a:solidFill>
-                <a:uFill>
-                  <a:solidFill>
-                    <a:srgbClr val="262626"/>
-                  </a:solidFill>
-                </a:uFill>
-                <a:latin typeface="Helvetica Neue"/>
-                <a:ea typeface="Helvetica Neue"/>
-                <a:cs typeface="Helvetica Neue"/>
-                <a:sym typeface="Helvetica Neue"/>
-              </a:rPr>
-              <a:t>Estar dado de alta en la aplicación, como profesional. (Login)</a:t>
-            </a:r>
-          </a:p>
-          <a:p>
-            <a:pPr marL="228600" marR="1248410" algn="just" defTabSz="457200">
-              <a:lnSpc>
-                <a:spcPct val="115000"/>
-              </a:lnSpc>
-              <a:spcBef>
-                <a:spcPts val="0"/>
-              </a:spcBef>
-              <a:defRPr sz="1700">
-                <a:solidFill>
-                  <a:srgbClr val="000000"/>
-                </a:solidFill>
-                <a:uFill>
-                  <a:solidFill>
-                    <a:srgbClr val="000000"/>
-                  </a:solidFill>
-                </a:uFill>
-                <a:latin typeface="Times New Roman"/>
-                <a:ea typeface="Times New Roman"/>
-                <a:cs typeface="Times New Roman"/>
-                <a:sym typeface="Times New Roman"/>
-              </a:defRPr>
-            </a:pPr>
-            <a:r>
-              <a:rPr b="1">
-                <a:solidFill>
-                  <a:srgbClr val="262626"/>
-                </a:solidFill>
-                <a:uFill>
-                  <a:solidFill>
-                    <a:srgbClr val="262626"/>
-                  </a:solidFill>
-                </a:uFill>
-                <a:latin typeface="Helvetica Neue"/>
-                <a:ea typeface="Helvetica Neue"/>
-                <a:cs typeface="Helvetica Neue"/>
-                <a:sym typeface="Helvetica Neue"/>
-              </a:rPr>
-              <a:t>Postcondiciones</a:t>
-            </a:r>
-            <a:r>
-              <a:rPr b="1" i="1">
-                <a:solidFill>
-                  <a:srgbClr val="262626"/>
-                </a:solidFill>
-                <a:uFill>
-                  <a:solidFill>
-                    <a:srgbClr val="262626"/>
-                  </a:solidFill>
-                </a:uFill>
-                <a:latin typeface="Helvetica Neue"/>
-                <a:ea typeface="Helvetica Neue"/>
-                <a:cs typeface="Helvetica Neue"/>
-                <a:sym typeface="Helvetica Neue"/>
-              </a:rPr>
-              <a:t>:</a:t>
-            </a:r>
-          </a:p>
-          <a:p>
-            <a:pPr marL="668655" marR="567690" algn="just" defTabSz="457200">
-              <a:lnSpc>
-                <a:spcPct val="115000"/>
-              </a:lnSpc>
-              <a:spcBef>
-                <a:spcPts val="0"/>
-              </a:spcBef>
-              <a:defRPr sz="1700">
-                <a:solidFill>
-                  <a:srgbClr val="000000"/>
-                </a:solidFill>
-                <a:uFill>
-                  <a:solidFill>
-                    <a:srgbClr val="000000"/>
-                  </a:solidFill>
-                </a:uFill>
-                <a:latin typeface="Times New Roman"/>
-                <a:ea typeface="Times New Roman"/>
-                <a:cs typeface="Times New Roman"/>
-                <a:sym typeface="Times New Roman"/>
-              </a:defRPr>
-            </a:pPr>
-            <a:r>
-              <a:rPr b="1">
-                <a:solidFill>
-                  <a:srgbClr val="262626"/>
-                </a:solidFill>
-                <a:uFill>
-                  <a:solidFill>
-                    <a:srgbClr val="262626"/>
-                  </a:solidFill>
-                </a:uFill>
-                <a:latin typeface="Helvetica Neue"/>
-                <a:ea typeface="Helvetica Neue"/>
-                <a:cs typeface="Helvetica Neue"/>
-                <a:sym typeface="Helvetica Neue"/>
-              </a:rPr>
-              <a:t>Éxito: </a:t>
-            </a:r>
-            <a:r>
-              <a:rPr>
-                <a:solidFill>
-                  <a:srgbClr val="262626"/>
-                </a:solidFill>
-                <a:uFill>
-                  <a:solidFill>
-                    <a:srgbClr val="262626"/>
-                  </a:solidFill>
-                </a:uFill>
-                <a:latin typeface="Helvetica Neue"/>
-                <a:ea typeface="Helvetica Neue"/>
-                <a:cs typeface="Helvetica Neue"/>
-                <a:sym typeface="Helvetica Neue"/>
-              </a:rPr>
-              <a:t>El paciente realiza una pregunta y es correctamente enviada</a:t>
-            </a:r>
-          </a:p>
-          <a:p>
-            <a:pPr marL="228600" marR="567690" indent="440055" algn="just" defTabSz="457200">
-              <a:lnSpc>
-                <a:spcPct val="115000"/>
-              </a:lnSpc>
-              <a:spcBef>
-                <a:spcPts val="0"/>
-              </a:spcBef>
-              <a:defRPr sz="1700">
-                <a:solidFill>
-                  <a:srgbClr val="000000"/>
-                </a:solidFill>
-                <a:uFill>
-                  <a:solidFill>
-                    <a:srgbClr val="000000"/>
-                  </a:solidFill>
-                </a:uFill>
-                <a:latin typeface="Times New Roman"/>
-                <a:ea typeface="Times New Roman"/>
-                <a:cs typeface="Times New Roman"/>
-                <a:sym typeface="Times New Roman"/>
-              </a:defRPr>
-            </a:pPr>
-            <a:r>
-              <a:rPr b="1">
-                <a:solidFill>
-                  <a:srgbClr val="262626"/>
-                </a:solidFill>
-                <a:uFill>
-                  <a:solidFill>
-                    <a:srgbClr val="262626"/>
-                  </a:solidFill>
-                </a:uFill>
-                <a:latin typeface="Helvetica Neue"/>
-                <a:ea typeface="Helvetica Neue"/>
-                <a:cs typeface="Helvetica Neue"/>
-                <a:sym typeface="Helvetica Neue"/>
-              </a:rPr>
-              <a:t>Fallo:</a:t>
-            </a:r>
-            <a:r>
-              <a:rPr>
-                <a:solidFill>
-                  <a:srgbClr val="262626"/>
-                </a:solidFill>
-                <a:uFill>
-                  <a:solidFill>
-                    <a:srgbClr val="262626"/>
-                  </a:solidFill>
-                </a:uFill>
-                <a:latin typeface="Helvetica Neue"/>
-                <a:ea typeface="Helvetica Neue"/>
-                <a:cs typeface="Helvetica Neue"/>
-                <a:sym typeface="Helvetica Neue"/>
-              </a:rPr>
-              <a:t> La pregunta enviada no se guardó correctamente.</a:t>
-            </a:r>
-          </a:p>
-          <a:p>
-            <a:pPr marL="228600" algn="just" defTabSz="457200">
-              <a:lnSpc>
-                <a:spcPct val="115000"/>
-              </a:lnSpc>
-              <a:spcBef>
-                <a:spcPts val="0"/>
-              </a:spcBef>
-              <a:defRPr sz="1700">
-                <a:solidFill>
-                  <a:srgbClr val="000000"/>
-                </a:solidFill>
-                <a:uFill>
-                  <a:solidFill>
-                    <a:srgbClr val="000000"/>
-                  </a:solidFill>
-                </a:uFill>
-                <a:latin typeface="Times New Roman"/>
-                <a:ea typeface="Times New Roman"/>
-                <a:cs typeface="Times New Roman"/>
-                <a:sym typeface="Times New Roman"/>
-              </a:defRPr>
-            </a:pPr>
-            <a:endParaRPr>
-              <a:solidFill>
-                <a:srgbClr val="262626"/>
-              </a:solidFill>
-              <a:uFill>
-                <a:solidFill>
-                  <a:srgbClr val="262626"/>
-                </a:solidFill>
-              </a:uFill>
-              <a:latin typeface="Helvetica Neue"/>
-              <a:ea typeface="Helvetica Neue"/>
-              <a:cs typeface="Helvetica Neue"/>
-              <a:sym typeface="Helvetica Neue"/>
-            </a:endParaRPr>
-          </a:p>
-          <a:p>
-            <a:pPr marL="228600" algn="just" defTabSz="457200">
-              <a:lnSpc>
-                <a:spcPct val="115000"/>
-              </a:lnSpc>
-              <a:spcBef>
-                <a:spcPts val="0"/>
-              </a:spcBef>
-              <a:defRPr sz="1700">
-                <a:solidFill>
-                  <a:srgbClr val="000000"/>
-                </a:solidFill>
-                <a:uFill>
-                  <a:solidFill>
-                    <a:srgbClr val="000000"/>
-                  </a:solidFill>
-                </a:uFill>
-                <a:latin typeface="Times New Roman"/>
-                <a:ea typeface="Times New Roman"/>
-                <a:cs typeface="Times New Roman"/>
-                <a:sym typeface="Times New Roman"/>
-              </a:defRPr>
-            </a:pPr>
-            <a:r>
-              <a:rPr b="1">
-                <a:solidFill>
-                  <a:srgbClr val="262626"/>
-                </a:solidFill>
-                <a:uFill>
-                  <a:solidFill>
-                    <a:srgbClr val="262626"/>
-                  </a:solidFill>
-                </a:uFill>
-                <a:latin typeface="Helvetica Neue"/>
-                <a:ea typeface="Helvetica Neue"/>
-                <a:cs typeface="Helvetica Neue"/>
-                <a:sym typeface="Helvetica Neue"/>
-              </a:rPr>
-              <a:t>Flujo principal</a:t>
-            </a:r>
-          </a:p>
-          <a:p>
-            <a:pPr marL="685800" indent="-228600" algn="just" defTabSz="457200">
-              <a:lnSpc>
-                <a:spcPct val="115000"/>
-              </a:lnSpc>
-              <a:spcBef>
-                <a:spcPts val="0"/>
-              </a:spcBef>
-              <a:buSzPct val="100000"/>
-              <a:buAutoNum type="arabicPeriod"/>
-              <a:defRPr sz="1700">
-                <a:solidFill>
-                  <a:srgbClr val="000000"/>
-                </a:solidFill>
-                <a:uFill>
-                  <a:solidFill>
-                    <a:srgbClr val="000000"/>
-                  </a:solidFill>
-                </a:uFill>
-                <a:latin typeface="Helvetica Neue"/>
-                <a:ea typeface="Helvetica Neue"/>
-                <a:cs typeface="Helvetica Neue"/>
-                <a:sym typeface="Helvetica Neue"/>
-              </a:defRPr>
-            </a:pPr>
-            <a:r>
-              <a:rPr>
-                <a:solidFill>
-                  <a:srgbClr val="262626"/>
-                </a:solidFill>
-                <a:uFill>
-                  <a:solidFill>
-                    <a:srgbClr val="262626"/>
-                  </a:solidFill>
-                </a:uFill>
-              </a:rPr>
-              <a:t>El paciente realiza una pregunta la cual se guarda en el sistema, para una respuesta por parte de un médico.</a:t>
-            </a:r>
-          </a:p>
-          <a:p>
-            <a:pPr marL="685800" indent="-228600" algn="just" defTabSz="457200">
-              <a:lnSpc>
-                <a:spcPct val="115000"/>
-              </a:lnSpc>
-              <a:spcBef>
-                <a:spcPts val="0"/>
-              </a:spcBef>
-              <a:buSzPct val="100000"/>
-              <a:buAutoNum type="arabicPeriod"/>
-              <a:defRPr sz="1700">
-                <a:solidFill>
-                  <a:srgbClr val="000000"/>
-                </a:solidFill>
-                <a:uFill>
-                  <a:solidFill>
-                    <a:srgbClr val="000000"/>
-                  </a:solidFill>
-                </a:uFill>
-                <a:latin typeface="Helvetica Neue"/>
-                <a:ea typeface="Helvetica Neue"/>
-                <a:cs typeface="Helvetica Neue"/>
-                <a:sym typeface="Helvetica Neue"/>
-              </a:defRPr>
-            </a:pPr>
-            <a:r>
-              <a:rPr>
-                <a:solidFill>
-                  <a:srgbClr val="262626"/>
-                </a:solidFill>
-                <a:uFill>
-                  <a:solidFill>
-                    <a:srgbClr val="262626"/>
-                  </a:solidFill>
-                </a:uFill>
-              </a:rPr>
-              <a:t>El sistema guarda la pregunta para luego poder ser vista y contestada por un médico.</a:t>
-            </a:r>
-          </a:p>
-          <a:p>
-            <a:pPr marL="228600" algn="just" defTabSz="457200">
-              <a:lnSpc>
-                <a:spcPct val="115000"/>
-              </a:lnSpc>
-              <a:spcBef>
-                <a:spcPts val="0"/>
-              </a:spcBef>
-              <a:defRPr sz="1700">
-                <a:solidFill>
-                  <a:srgbClr val="000000"/>
-                </a:solidFill>
-                <a:uFill>
-                  <a:solidFill>
-                    <a:srgbClr val="000000"/>
-                  </a:solidFill>
-                </a:uFill>
-                <a:latin typeface="Times New Roman"/>
-                <a:ea typeface="Times New Roman"/>
-                <a:cs typeface="Times New Roman"/>
-                <a:sym typeface="Times New Roman"/>
-              </a:defRPr>
-            </a:pPr>
-            <a:r>
-              <a:rPr b="1">
-                <a:solidFill>
-                  <a:srgbClr val="262626"/>
-                </a:solidFill>
-                <a:uFill>
-                  <a:solidFill>
-                    <a:srgbClr val="262626"/>
-                  </a:solidFill>
-                </a:uFill>
-                <a:latin typeface="Helvetica Neue"/>
-                <a:ea typeface="Helvetica Neue"/>
-                <a:cs typeface="Helvetica Neue"/>
-                <a:sym typeface="Helvetica Neue"/>
-              </a:rPr>
-              <a:t>Flujos secundarios</a:t>
-            </a:r>
-          </a:p>
-          <a:p>
-            <a:pPr marL="723900" indent="-228600" algn="just" defTabSz="457200">
-              <a:lnSpc>
-                <a:spcPct val="103333"/>
-              </a:lnSpc>
-              <a:spcBef>
-                <a:spcPts val="0"/>
-              </a:spcBef>
-              <a:buSzPct val="100000"/>
-              <a:buAutoNum type="arabicPeriod"/>
-              <a:defRPr sz="1700">
-                <a:solidFill>
-                  <a:srgbClr val="000000"/>
-                </a:solidFill>
-                <a:uFill>
-                  <a:solidFill>
-                    <a:srgbClr val="000000"/>
-                  </a:solidFill>
-                </a:uFill>
-                <a:latin typeface="Helvetica Neue"/>
-                <a:ea typeface="Helvetica Neue"/>
-                <a:cs typeface="Helvetica Neue"/>
-                <a:sym typeface="Helvetica Neue"/>
-              </a:defRPr>
-            </a:pPr>
-            <a:r>
-              <a:rPr>
-                <a:solidFill>
-                  <a:srgbClr val="262626"/>
-                </a:solidFill>
-                <a:uFill>
-                  <a:solidFill>
-                    <a:srgbClr val="262626"/>
-                  </a:solidFill>
-                </a:uFill>
-              </a:rPr>
-              <a:t>Ningún médico contesta la pregunta del paciente</a:t>
-            </a:r>
-          </a:p>
-          <a:p>
-            <a:pPr marL="723900" indent="-228600" algn="just" defTabSz="457200">
-              <a:lnSpc>
-                <a:spcPct val="103333"/>
-              </a:lnSpc>
-              <a:spcBef>
-                <a:spcPts val="0"/>
-              </a:spcBef>
-              <a:buSzPct val="100000"/>
-              <a:buAutoNum type="arabicPeriod"/>
-              <a:defRPr sz="1700">
-                <a:solidFill>
-                  <a:srgbClr val="000000"/>
-                </a:solidFill>
-                <a:uFill>
-                  <a:solidFill>
-                    <a:srgbClr val="000000"/>
-                  </a:solidFill>
-                </a:uFill>
-                <a:latin typeface="Helvetica Neue"/>
-                <a:ea typeface="Helvetica Neue"/>
-                <a:cs typeface="Helvetica Neue"/>
-                <a:sym typeface="Helvetica Neue"/>
-              </a:defRPr>
-            </a:pPr>
-            <a:r>
-              <a:rPr>
-                <a:solidFill>
-                  <a:srgbClr val="262626"/>
-                </a:solidFill>
-                <a:uFill>
-                  <a:solidFill>
-                    <a:srgbClr val="262626"/>
-                  </a:solidFill>
-                </a:uFill>
-              </a:rPr>
-              <a:t>El sistema no guardó correctamente la pregunta.</a:t>
-            </a:r>
-          </a:p>
-        </p:txBody>
-      </p:sp>
-      <p:pic>
-        <p:nvPicPr>
-          <p:cNvPr id="326" name="image3.png"/>
-          <p:cNvPicPr>
-            <a:picLocks noChangeAspect="1"/>
-          </p:cNvPicPr>
-          <p:nvPr/>
-        </p:nvPicPr>
-        <p:blipFill>
-          <a:blip r:embed="rId4">
-            <a:extLst/>
-          </a:blip>
-          <a:stretch>
-            <a:fillRect/>
-          </a:stretch>
-        </p:blipFill>
-        <p:spPr>
-          <a:xfrm>
-            <a:off x="2766525" y="5898250"/>
-            <a:ext cx="7951259" cy="4882354"/>
-          </a:xfrm>
-          <a:prstGeom prst="rect">
-            <a:avLst/>
-          </a:prstGeom>
-          <a:ln w="12700">
-            <a:miter lim="400000"/>
-          </a:ln>
-        </p:spPr>
-      </p:pic>
-      <p:sp>
-        <p:nvSpPr>
-          <p:cNvPr id="3" name="Marcador de número de diapositiva 2"/>
-          <p:cNvSpPr>
-            <a:spLocks noGrp="1"/>
-          </p:cNvSpPr>
-          <p:nvPr>
-            <p:ph type="sldNum" sz="quarter" idx="2"/>
-          </p:nvPr>
-        </p:nvSpPr>
-        <p:spPr/>
-        <p:txBody>
-          <a:bodyPr/>
-          <a:lstStyle/>
-          <a:p>
-            <a:fld id="{86CB4B4D-7CA3-9044-876B-883B54F8677D}" type="slidenum">
-              <a:rPr lang="es-ES" smtClean="0"/>
-              <a:t>28</a:t>
-            </a:fld>
-            <a:endParaRPr lang="es-ES"/>
-          </a:p>
-        </p:txBody>
-      </p:sp>
-    </p:spTree>
-  </p:cSld>
-  <p:clrMapOvr>
-    <a:masterClrMapping/>
-  </p:clrMapOvr>
-  <p:transition spd="med"/>
-</p:sld>
-</file>
-
-<file path=ppt/slides/slide29.xml><?xml version="1.0" encoding="utf-8"?>
-<p:sld xmlns:a="http://schemas.openxmlformats.org/drawingml/2006/main" xmlns:r="http://schemas.openxmlformats.org/officeDocument/2006/relationships" xmlns:p="http://schemas.openxmlformats.org/presentationml/2006/main">
-  <p:cSld>
-    <p:spTree>
-      <p:nvGrpSpPr>
-        <p:cNvPr id="1" name=""/>
-        <p:cNvGrpSpPr/>
-        <p:nvPr/>
-      </p:nvGrpSpPr>
-      <p:grpSpPr>
-        <a:xfrm>
-          <a:off x="0" y="0"/>
-          <a:ext cx="0" cy="0"/>
-          <a:chOff x="0" y="0"/>
-          <a:chExt cx="0" cy="0"/>
-        </a:xfrm>
-      </p:grpSpPr>
-      <p:pic>
-        <p:nvPicPr>
-          <p:cNvPr id="328" name="pasted-image.tiff"/>
-          <p:cNvPicPr>
-            <a:picLocks noChangeAspect="1"/>
-          </p:cNvPicPr>
-          <p:nvPr/>
-        </p:nvPicPr>
-        <p:blipFill>
-          <a:blip r:embed="rId2">
-            <a:extLst/>
-          </a:blip>
-          <a:stretch>
-            <a:fillRect/>
-          </a:stretch>
-        </p:blipFill>
-        <p:spPr>
-          <a:xfrm>
-            <a:off x="-816206" y="-529723"/>
-            <a:ext cx="26829216" cy="2397845"/>
-          </a:xfrm>
-          <a:prstGeom prst="rect">
-            <a:avLst/>
-          </a:prstGeom>
-          <a:ln w="12700">
-            <a:miter lim="400000"/>
-          </a:ln>
-        </p:spPr>
-      </p:pic>
-      <p:pic>
-        <p:nvPicPr>
-          <p:cNvPr id="329" name="pasted-image.tiff"/>
-          <p:cNvPicPr>
-            <a:picLocks noChangeAspect="1"/>
-          </p:cNvPicPr>
-          <p:nvPr/>
-        </p:nvPicPr>
-        <p:blipFill>
-          <a:blip r:embed="rId3">
-            <a:extLst/>
-          </a:blip>
-          <a:stretch>
-            <a:fillRect/>
-          </a:stretch>
-        </p:blipFill>
-        <p:spPr>
-          <a:xfrm>
-            <a:off x="20120528" y="596900"/>
-            <a:ext cx="2416329" cy="766806"/>
-          </a:xfrm>
-          <a:prstGeom prst="rect">
-            <a:avLst/>
-          </a:prstGeom>
-          <a:ln w="12700">
-            <a:miter lim="400000"/>
-          </a:ln>
-        </p:spPr>
-      </p:pic>
-      <p:sp>
-        <p:nvSpPr>
-          <p:cNvPr id="331" name="Shape 331"/>
-          <p:cNvSpPr/>
-          <p:nvPr/>
-        </p:nvSpPr>
-        <p:spPr>
-          <a:xfrm>
-            <a:off x="1044066" y="512137"/>
-            <a:ext cx="6485955" cy="771399"/>
-          </a:xfrm>
-          <a:prstGeom prst="rect">
-            <a:avLst/>
-          </a:prstGeom>
-          <a:ln w="12700">
-            <a:miter lim="400000"/>
-          </a:ln>
-          <a:extLst>
-            <a:ext uri="{C572A759-6A51-4108-AA02-DFA0A04FC94B}">
-              <ma14:wrappingTextBoxFlag xmlns="" xmlns:ma14="http://schemas.microsoft.com/office/mac/drawingml/2011/main" val="1"/>
-            </a:ext>
-          </a:extLst>
-        </p:spPr>
-        <p:txBody>
-          <a:bodyPr wrap="none" lIns="50800" tIns="50800" rIns="50800" bIns="50800" anchor="ctr">
-            <a:spAutoFit/>
-          </a:bodyPr>
-          <a:lstStyle>
-            <a:lvl1pPr>
-              <a:defRPr sz="4500">
-                <a:solidFill>
-                  <a:srgbClr val="FFFFFF"/>
-                </a:solidFill>
-                <a:latin typeface="Helvetica Neue"/>
-                <a:ea typeface="Helvetica Neue"/>
-                <a:cs typeface="Helvetica Neue"/>
-                <a:sym typeface="Helvetica Neue"/>
-              </a:defRPr>
-            </a:lvl1pPr>
-          </a:lstStyle>
-          <a:p>
-            <a:r>
-              <a:t>3. Requisitos específicos</a:t>
-            </a:r>
-          </a:p>
-        </p:txBody>
-      </p:sp>
-      <p:sp>
-        <p:nvSpPr>
-          <p:cNvPr id="332" name="Shape 332"/>
-          <p:cNvSpPr/>
-          <p:nvPr/>
-        </p:nvSpPr>
-        <p:spPr>
-          <a:xfrm>
-            <a:off x="9780559" y="2510331"/>
-            <a:ext cx="4822882" cy="771399"/>
-          </a:xfrm>
-          <a:prstGeom prst="roundRect">
-            <a:avLst>
-              <a:gd name="adj" fmla="val 33536"/>
-            </a:avLst>
-          </a:prstGeom>
-          <a:solidFill>
-            <a:srgbClr val="BA6B89"/>
-          </a:solidFill>
-          <a:ln w="12700">
-            <a:miter lim="400000"/>
-          </a:ln>
-        </p:spPr>
-        <p:txBody>
-          <a:bodyPr lIns="50800" tIns="50800" rIns="50800" bIns="50800" anchor="ctr"/>
-          <a:lstStyle/>
-          <a:p>
-            <a:pPr algn="ctr">
-              <a:lnSpc>
-                <a:spcPct val="80000"/>
-              </a:lnSpc>
-              <a:spcBef>
-                <a:spcPts val="0"/>
-              </a:spcBef>
-              <a:defRPr sz="4000" cap="all">
-                <a:solidFill>
-                  <a:srgbClr val="FFFFFF"/>
-                </a:solidFill>
-                <a:latin typeface="+mn-lt"/>
-                <a:ea typeface="+mn-ea"/>
-                <a:cs typeface="+mn-cs"/>
-                <a:sym typeface="DIN Condensed"/>
-              </a:defRPr>
-            </a:pPr>
-            <a:endParaRPr/>
-          </a:p>
-        </p:txBody>
-      </p:sp>
-      <p:sp>
-        <p:nvSpPr>
-          <p:cNvPr id="333" name="Shape 333"/>
-          <p:cNvSpPr/>
-          <p:nvPr/>
-        </p:nvSpPr>
-        <p:spPr>
-          <a:xfrm>
-            <a:off x="10006183" y="2584880"/>
-            <a:ext cx="4371634" cy="622301"/>
-          </a:xfrm>
-          <a:prstGeom prst="rect">
-            <a:avLst/>
-          </a:prstGeom>
-          <a:ln w="12700">
-            <a:miter lim="400000"/>
-          </a:ln>
-          <a:extLst>
-            <a:ext uri="{C572A759-6A51-4108-AA02-DFA0A04FC94B}">
-              <ma14:wrappingTextBoxFlag xmlns="" xmlns:ma14="http://schemas.microsoft.com/office/mac/drawingml/2011/main" val="1"/>
-            </a:ext>
-          </a:extLst>
-        </p:spPr>
-        <p:txBody>
-          <a:bodyPr lIns="50800" tIns="50800" rIns="50800" bIns="50800" anchor="ctr">
-            <a:spAutoFit/>
-          </a:bodyPr>
-          <a:lstStyle>
-            <a:lvl1pPr>
-              <a:defRPr>
-                <a:solidFill>
-                  <a:srgbClr val="FFFFFF"/>
-                </a:solidFill>
-              </a:defRPr>
-            </a:lvl1pPr>
-          </a:lstStyle>
-          <a:p>
-            <a:r>
-              <a:t>2 Requisitos funcionales</a:t>
-            </a:r>
-          </a:p>
-        </p:txBody>
-      </p:sp>
-      <p:sp>
-        <p:nvSpPr>
-          <p:cNvPr id="334" name="Shape 334"/>
-          <p:cNvSpPr/>
-          <p:nvPr/>
-        </p:nvSpPr>
-        <p:spPr>
-          <a:xfrm>
-            <a:off x="1187450" y="3949265"/>
-            <a:ext cx="22009100" cy="8780324"/>
-          </a:xfrm>
-          <a:prstGeom prst="roundRect">
-            <a:avLst>
-              <a:gd name="adj" fmla="val 8979"/>
-            </a:avLst>
-          </a:prstGeom>
-          <a:ln w="50800">
-            <a:solidFill>
-              <a:srgbClr val="5B5854"/>
-            </a:solidFill>
-            <a:miter lim="400000"/>
-          </a:ln>
-        </p:spPr>
-        <p:txBody>
-          <a:bodyPr lIns="50800" tIns="50800" rIns="50800" bIns="50800" anchor="ctr"/>
-          <a:lstStyle/>
-          <a:p>
-            <a:pPr algn="ctr">
-              <a:lnSpc>
-                <a:spcPct val="80000"/>
-              </a:lnSpc>
-              <a:spcBef>
-                <a:spcPts val="0"/>
-              </a:spcBef>
-              <a:defRPr sz="100" cap="all">
-                <a:solidFill>
-                  <a:srgbClr val="FFFFFF"/>
-                </a:solidFill>
-                <a:latin typeface="+mn-lt"/>
-                <a:ea typeface="+mn-ea"/>
-                <a:cs typeface="+mn-cs"/>
-                <a:sym typeface="DIN Condensed"/>
-              </a:defRPr>
-            </a:pPr>
-            <a:endParaRPr/>
-          </a:p>
-        </p:txBody>
-      </p:sp>
-      <p:sp>
-        <p:nvSpPr>
-          <p:cNvPr id="335" name="Shape 335"/>
-          <p:cNvSpPr/>
-          <p:nvPr/>
-        </p:nvSpPr>
-        <p:spPr>
-          <a:xfrm>
-            <a:off x="1775661" y="4549095"/>
-            <a:ext cx="6312854" cy="473391"/>
-          </a:xfrm>
-          <a:prstGeom prst="rect">
-            <a:avLst/>
-          </a:prstGeom>
-          <a:ln w="12700">
-            <a:miter lim="400000"/>
-          </a:ln>
-          <a:extLst>
-            <a:ext uri="{C572A759-6A51-4108-AA02-DFA0A04FC94B}">
-              <ma14:wrappingTextBoxFlag xmlns="" xmlns:ma14="http://schemas.microsoft.com/office/mac/drawingml/2011/main" val="1"/>
-            </a:ext>
-          </a:extLst>
-        </p:spPr>
-        <p:txBody>
-          <a:bodyPr wrap="none" lIns="50800" tIns="50800" rIns="50800" bIns="50800" anchor="ctr">
-            <a:spAutoFit/>
-          </a:bodyPr>
-          <a:lstStyle>
-            <a:lvl1pPr marL="360045" algn="just" defTabSz="457200">
-              <a:lnSpc>
-                <a:spcPct val="115000"/>
-              </a:lnSpc>
-              <a:spcBef>
-                <a:spcPts val="1000"/>
-              </a:spcBef>
-              <a:defRPr sz="2500" b="1">
-                <a:solidFill>
-                  <a:srgbClr val="000000"/>
-                </a:solidFill>
-                <a:uFill>
-                  <a:solidFill>
-                    <a:srgbClr val="000000"/>
-                  </a:solidFill>
-                </a:uFill>
-                <a:latin typeface="Helvetica Neue"/>
-                <a:ea typeface="Helvetica Neue"/>
-                <a:cs typeface="Helvetica Neue"/>
-                <a:sym typeface="Helvetica Neue"/>
-              </a:defRPr>
-            </a:lvl1pPr>
-          </a:lstStyle>
-          <a:p>
-            <a:r>
-              <a:t>3. Subsistema, Preguntar a un médico.</a:t>
-            </a:r>
-          </a:p>
-        </p:txBody>
-      </p:sp>
-      <p:sp>
-        <p:nvSpPr>
-          <p:cNvPr id="336" name="Shape 336"/>
-          <p:cNvSpPr/>
-          <p:nvPr/>
-        </p:nvSpPr>
-        <p:spPr>
-          <a:xfrm>
-            <a:off x="12688999" y="4133320"/>
-            <a:ext cx="10329053" cy="8412214"/>
-          </a:xfrm>
-          <a:prstGeom prst="roundRect">
-            <a:avLst>
-              <a:gd name="adj" fmla="val 8979"/>
-            </a:avLst>
-          </a:prstGeom>
-          <a:ln w="50800">
-            <a:solidFill>
-              <a:srgbClr val="5B5854"/>
-            </a:solidFill>
-            <a:miter lim="400000"/>
-          </a:ln>
-        </p:spPr>
-        <p:txBody>
-          <a:bodyPr lIns="50800" tIns="50800" rIns="50800" bIns="50800" anchor="ctr"/>
-          <a:lstStyle/>
-          <a:p>
-            <a:pPr algn="ctr">
-              <a:lnSpc>
-                <a:spcPct val="80000"/>
-              </a:lnSpc>
-              <a:spcBef>
-                <a:spcPts val="0"/>
-              </a:spcBef>
-              <a:defRPr sz="100" cap="all">
-                <a:solidFill>
-                  <a:srgbClr val="FFFFFF"/>
-                </a:solidFill>
-                <a:latin typeface="+mn-lt"/>
-                <a:ea typeface="+mn-ea"/>
-                <a:cs typeface="+mn-cs"/>
-                <a:sym typeface="DIN Condensed"/>
-              </a:defRPr>
-            </a:pPr>
-            <a:endParaRPr/>
-          </a:p>
-        </p:txBody>
-      </p:sp>
-      <p:sp>
-        <p:nvSpPr>
-          <p:cNvPr id="337" name="Shape 337"/>
-          <p:cNvSpPr/>
-          <p:nvPr/>
-        </p:nvSpPr>
-        <p:spPr>
-          <a:xfrm>
-            <a:off x="13158615" y="4549095"/>
-            <a:ext cx="5620068" cy="473391"/>
-          </a:xfrm>
-          <a:prstGeom prst="rect">
-            <a:avLst/>
-          </a:prstGeom>
-          <a:ln w="12700">
-            <a:miter lim="400000"/>
-          </a:ln>
-          <a:extLst>
-            <a:ext uri="{C572A759-6A51-4108-AA02-DFA0A04FC94B}">
-              <ma14:wrappingTextBoxFlag xmlns="" xmlns:ma14="http://schemas.microsoft.com/office/mac/drawingml/2011/main" val="1"/>
-            </a:ext>
-          </a:extLst>
-        </p:spPr>
-        <p:txBody>
-          <a:bodyPr wrap="none" lIns="50800" tIns="50800" rIns="50800" bIns="50800" anchor="ctr">
-            <a:spAutoFit/>
-          </a:bodyPr>
-          <a:lstStyle>
-            <a:lvl1pPr marL="360045" algn="just" defTabSz="457200">
-              <a:lnSpc>
-                <a:spcPct val="115000"/>
-              </a:lnSpc>
-              <a:spcBef>
-                <a:spcPts val="1000"/>
-              </a:spcBef>
-              <a:defRPr sz="2500" b="1">
-                <a:solidFill>
-                  <a:srgbClr val="000000"/>
-                </a:solidFill>
-                <a:uFill>
-                  <a:solidFill>
-                    <a:srgbClr val="000000"/>
-                  </a:solidFill>
-                </a:uFill>
-                <a:latin typeface="Helvetica Neue"/>
-                <a:ea typeface="Helvetica Neue"/>
-                <a:cs typeface="Helvetica Neue"/>
-                <a:sym typeface="Helvetica Neue"/>
-              </a:defRPr>
-            </a:lvl1pPr>
-          </a:lstStyle>
-          <a:p>
-            <a:r>
-              <a:t>Caso de Uso, Contestar pregunta:</a:t>
-            </a:r>
-          </a:p>
-        </p:txBody>
-      </p:sp>
-      <p:sp>
-        <p:nvSpPr>
-          <p:cNvPr id="338" name="Shape 338"/>
-          <p:cNvSpPr/>
-          <p:nvPr/>
-        </p:nvSpPr>
-        <p:spPr>
-          <a:xfrm>
-            <a:off x="5350865" y="10766335"/>
-            <a:ext cx="2782579" cy="362130"/>
-          </a:xfrm>
-          <a:prstGeom prst="rect">
-            <a:avLst/>
-          </a:prstGeom>
-          <a:ln w="12700">
-            <a:miter lim="400000"/>
-          </a:ln>
-          <a:extLst>
-            <a:ext uri="{C572A759-6A51-4108-AA02-DFA0A04FC94B}">
-              <ma14:wrappingTextBoxFlag xmlns="" xmlns:ma14="http://schemas.microsoft.com/office/mac/drawingml/2011/main" val="1"/>
-            </a:ext>
-          </a:extLst>
-        </p:spPr>
-        <p:txBody>
-          <a:bodyPr lIns="50800" tIns="50800" rIns="50800" bIns="50800" anchor="ctr">
-            <a:spAutoFit/>
-          </a:bodyPr>
-          <a:lstStyle>
-            <a:lvl1pPr marL="342900" algn="r" defTabSz="457200">
-              <a:lnSpc>
-                <a:spcPct val="115000"/>
-              </a:lnSpc>
-              <a:spcBef>
-                <a:spcPts val="1000"/>
-              </a:spcBef>
-              <a:tabLst>
-                <a:tab pos="444500" algn="l"/>
-              </a:tabLst>
-              <a:defRPr sz="1800" i="1">
-                <a:solidFill>
-                  <a:srgbClr val="00000A"/>
-                </a:solidFill>
-                <a:uFill>
-                  <a:solidFill>
-                    <a:srgbClr val="00000A"/>
-                  </a:solidFill>
-                </a:uFill>
-                <a:latin typeface="Helvetica Neue UltraLight"/>
-                <a:ea typeface="Helvetica Neue UltraLight"/>
-                <a:cs typeface="Helvetica Neue UltraLight"/>
-                <a:sym typeface="Helvetica Neue UltraLight"/>
-              </a:defRPr>
-            </a:lvl1pPr>
-          </a:lstStyle>
-          <a:p>
-            <a:pPr>
-              <a:defRPr i="0">
-                <a:solidFill>
-                  <a:srgbClr val="000000"/>
-                </a:solidFill>
-                <a:uFill>
-                  <a:solidFill>
-                    <a:srgbClr val="000000"/>
-                  </a:solidFill>
-                </a:uFill>
-                <a:latin typeface="Times New Roman"/>
-                <a:ea typeface="Times New Roman"/>
-                <a:cs typeface="Times New Roman"/>
-                <a:sym typeface="Times New Roman"/>
-              </a:defRPr>
-            </a:pPr>
-            <a:r>
-              <a:rPr i="1">
-                <a:solidFill>
-                  <a:srgbClr val="00000A"/>
-                </a:solidFill>
-                <a:uFill>
-                  <a:solidFill>
-                    <a:srgbClr val="00000A"/>
-                  </a:solidFill>
-                </a:uFill>
-                <a:latin typeface="Helvetica Neue UltraLight"/>
-                <a:ea typeface="Helvetica Neue UltraLight"/>
-                <a:cs typeface="Helvetica Neue UltraLight"/>
-                <a:sym typeface="Helvetica Neue UltraLight"/>
-              </a:rPr>
-              <a:t>DCU_Consultar_Medico</a:t>
-            </a:r>
-          </a:p>
-        </p:txBody>
-      </p:sp>
-      <p:sp>
-        <p:nvSpPr>
-          <p:cNvPr id="339" name="Shape 339"/>
-          <p:cNvSpPr/>
-          <p:nvPr/>
-        </p:nvSpPr>
-        <p:spPr>
-          <a:xfrm>
-            <a:off x="13877896" y="5489926"/>
-            <a:ext cx="7951259" cy="5699002"/>
-          </a:xfrm>
-          <a:prstGeom prst="rect">
-            <a:avLst/>
-          </a:prstGeom>
-          <a:ln w="12700">
-            <a:miter lim="400000"/>
-          </a:ln>
-          <a:extLst>
-            <a:ext uri="{C572A759-6A51-4108-AA02-DFA0A04FC94B}">
-              <ma14:wrappingTextBoxFlag xmlns="" xmlns:ma14="http://schemas.microsoft.com/office/mac/drawingml/2011/main" val="1"/>
-            </a:ext>
-          </a:extLst>
-        </p:spPr>
-        <p:txBody>
-          <a:bodyPr lIns="50800" tIns="50800" rIns="50800" bIns="50800" anchor="ctr">
-            <a:spAutoFit/>
-          </a:bodyPr>
-          <a:lstStyle/>
-          <a:p>
-            <a:pPr marL="228600" algn="just" defTabSz="457200">
-              <a:lnSpc>
-                <a:spcPct val="115000"/>
-              </a:lnSpc>
-              <a:spcBef>
-                <a:spcPts val="0"/>
-              </a:spcBef>
-              <a:defRPr sz="1700">
-                <a:solidFill>
-                  <a:srgbClr val="000000"/>
-                </a:solidFill>
-                <a:uFill>
-                  <a:solidFill>
-                    <a:srgbClr val="000000"/>
-                  </a:solidFill>
-                </a:uFill>
-                <a:latin typeface="Times New Roman"/>
-                <a:ea typeface="Times New Roman"/>
-                <a:cs typeface="Times New Roman"/>
-                <a:sym typeface="Times New Roman"/>
-              </a:defRPr>
-            </a:pPr>
-            <a:r>
-              <a:rPr b="1">
-                <a:solidFill>
-                  <a:srgbClr val="262626"/>
-                </a:solidFill>
-                <a:uFill>
-                  <a:solidFill>
-                    <a:srgbClr val="262626"/>
-                  </a:solidFill>
-                </a:uFill>
-                <a:latin typeface="Helvetica Neue"/>
-                <a:ea typeface="Helvetica Neue"/>
-                <a:cs typeface="Helvetica Neue"/>
-                <a:sym typeface="Helvetica Neue"/>
-              </a:rPr>
-              <a:t>Identificador</a:t>
-            </a:r>
-            <a:r>
-              <a:rPr>
-                <a:solidFill>
-                  <a:srgbClr val="262626"/>
-                </a:solidFill>
-                <a:uFill>
-                  <a:solidFill>
-                    <a:srgbClr val="262626"/>
-                  </a:solidFill>
-                </a:uFill>
-                <a:latin typeface="Helvetica Neue"/>
-                <a:ea typeface="Helvetica Neue"/>
-                <a:cs typeface="Helvetica Neue"/>
-                <a:sym typeface="Helvetica Neue"/>
-              </a:rPr>
-              <a:t>: CM2</a:t>
-            </a:r>
-          </a:p>
-          <a:p>
-            <a:pPr marL="228600" algn="just" defTabSz="457200">
-              <a:lnSpc>
-                <a:spcPct val="115000"/>
-              </a:lnSpc>
-              <a:spcBef>
-                <a:spcPts val="0"/>
-              </a:spcBef>
-              <a:defRPr sz="1700">
-                <a:solidFill>
-                  <a:srgbClr val="000000"/>
-                </a:solidFill>
-                <a:uFill>
-                  <a:solidFill>
-                    <a:srgbClr val="000000"/>
-                  </a:solidFill>
-                </a:uFill>
-                <a:latin typeface="Times New Roman"/>
-                <a:ea typeface="Times New Roman"/>
-                <a:cs typeface="Times New Roman"/>
-                <a:sym typeface="Times New Roman"/>
-              </a:defRPr>
-            </a:pPr>
-            <a:r>
-              <a:rPr b="1">
-                <a:solidFill>
-                  <a:srgbClr val="262626"/>
-                </a:solidFill>
-                <a:uFill>
-                  <a:solidFill>
-                    <a:srgbClr val="262626"/>
-                  </a:solidFill>
-                </a:uFill>
-                <a:latin typeface="Helvetica Neue"/>
-                <a:ea typeface="Helvetica Neue"/>
-                <a:cs typeface="Helvetica Neue"/>
-                <a:sym typeface="Helvetica Neue"/>
-              </a:rPr>
-              <a:t>Objetivo en Contexto:</a:t>
-            </a:r>
-          </a:p>
-          <a:p>
-            <a:pPr marL="228600" algn="just" defTabSz="457200">
-              <a:lnSpc>
-                <a:spcPct val="115000"/>
-              </a:lnSpc>
-              <a:spcBef>
-                <a:spcPts val="0"/>
-              </a:spcBef>
-              <a:defRPr sz="1700">
-                <a:solidFill>
-                  <a:srgbClr val="000000"/>
-                </a:solidFill>
-                <a:uFill>
-                  <a:solidFill>
-                    <a:srgbClr val="000000"/>
-                  </a:solidFill>
-                </a:uFill>
-                <a:latin typeface="Times New Roman"/>
-                <a:ea typeface="Times New Roman"/>
-                <a:cs typeface="Times New Roman"/>
-                <a:sym typeface="Times New Roman"/>
-              </a:defRPr>
-            </a:pPr>
-            <a:r>
-              <a:rPr>
-                <a:solidFill>
-                  <a:srgbClr val="262626"/>
-                </a:solidFill>
-                <a:uFill>
-                  <a:solidFill>
-                    <a:srgbClr val="262626"/>
-                  </a:solidFill>
-                </a:uFill>
-                <a:latin typeface="Helvetica Neue"/>
-                <a:ea typeface="Helvetica Neue"/>
-                <a:cs typeface="Helvetica Neue"/>
-                <a:sym typeface="Helvetica Neue"/>
-              </a:rPr>
-              <a:t>El  Médico contesta a una pregunta realizada por un paciente.</a:t>
-            </a:r>
-          </a:p>
-          <a:p>
-            <a:pPr marL="228600" algn="just" defTabSz="457200">
-              <a:lnSpc>
-                <a:spcPct val="115000"/>
-              </a:lnSpc>
-              <a:spcBef>
-                <a:spcPts val="0"/>
-              </a:spcBef>
-              <a:defRPr sz="1700">
-                <a:solidFill>
-                  <a:srgbClr val="000000"/>
-                </a:solidFill>
-                <a:uFill>
-                  <a:solidFill>
-                    <a:srgbClr val="000000"/>
-                  </a:solidFill>
-                </a:uFill>
-                <a:latin typeface="Times New Roman"/>
-                <a:ea typeface="Times New Roman"/>
-                <a:cs typeface="Times New Roman"/>
-                <a:sym typeface="Times New Roman"/>
-              </a:defRPr>
-            </a:pPr>
-            <a:r>
-              <a:rPr b="1">
-                <a:solidFill>
-                  <a:srgbClr val="262626"/>
-                </a:solidFill>
-                <a:uFill>
-                  <a:solidFill>
-                    <a:srgbClr val="262626"/>
-                  </a:solidFill>
-                </a:uFill>
-                <a:latin typeface="Helvetica Neue"/>
-                <a:ea typeface="Helvetica Neue"/>
-                <a:cs typeface="Helvetica Neue"/>
-                <a:sym typeface="Helvetica Neue"/>
-              </a:rPr>
-              <a:t>Actor</a:t>
-            </a:r>
-            <a:r>
-              <a:rPr>
-                <a:solidFill>
-                  <a:srgbClr val="262626"/>
-                </a:solidFill>
-                <a:uFill>
-                  <a:solidFill>
-                    <a:srgbClr val="262626"/>
-                  </a:solidFill>
-                </a:uFill>
-                <a:latin typeface="Helvetica Neue"/>
-                <a:ea typeface="Helvetica Neue"/>
-                <a:cs typeface="Helvetica Neue"/>
-                <a:sym typeface="Helvetica Neue"/>
-              </a:rPr>
-              <a:t> </a:t>
-            </a:r>
-            <a:r>
-              <a:rPr b="1">
-                <a:solidFill>
-                  <a:srgbClr val="262626"/>
-                </a:solidFill>
-                <a:uFill>
-                  <a:solidFill>
-                    <a:srgbClr val="262626"/>
-                  </a:solidFill>
-                </a:uFill>
-                <a:latin typeface="Helvetica Neue"/>
-                <a:ea typeface="Helvetica Neue"/>
-                <a:cs typeface="Helvetica Neue"/>
-                <a:sym typeface="Helvetica Neue"/>
-              </a:rPr>
-              <a:t>principal</a:t>
-            </a:r>
-            <a:r>
-              <a:rPr>
-                <a:solidFill>
-                  <a:srgbClr val="262626"/>
-                </a:solidFill>
-                <a:uFill>
-                  <a:solidFill>
-                    <a:srgbClr val="262626"/>
-                  </a:solidFill>
-                </a:uFill>
-                <a:latin typeface="Helvetica Neue"/>
-                <a:ea typeface="Helvetica Neue"/>
-                <a:cs typeface="Helvetica Neue"/>
-                <a:sym typeface="Helvetica Neue"/>
-              </a:rPr>
-              <a:t>: Médico.</a:t>
-            </a:r>
-          </a:p>
-          <a:p>
-            <a:pPr marL="228600" algn="just" defTabSz="457200">
-              <a:lnSpc>
-                <a:spcPct val="115000"/>
-              </a:lnSpc>
-              <a:spcBef>
-                <a:spcPts val="0"/>
-              </a:spcBef>
-              <a:defRPr sz="1700">
-                <a:solidFill>
-                  <a:srgbClr val="000000"/>
-                </a:solidFill>
-                <a:uFill>
-                  <a:solidFill>
-                    <a:srgbClr val="000000"/>
-                  </a:solidFill>
-                </a:uFill>
-                <a:latin typeface="Times New Roman"/>
-                <a:ea typeface="Times New Roman"/>
-                <a:cs typeface="Times New Roman"/>
-                <a:sym typeface="Times New Roman"/>
-              </a:defRPr>
-            </a:pPr>
-            <a:r>
-              <a:rPr b="1">
-                <a:solidFill>
-                  <a:srgbClr val="262626"/>
-                </a:solidFill>
-                <a:uFill>
-                  <a:solidFill>
-                    <a:srgbClr val="262626"/>
-                  </a:solidFill>
-                </a:uFill>
-                <a:latin typeface="Helvetica Neue"/>
-                <a:ea typeface="Helvetica Neue"/>
-                <a:cs typeface="Helvetica Neue"/>
-                <a:sym typeface="Helvetica Neue"/>
-              </a:rPr>
-              <a:t>Actores</a:t>
-            </a:r>
-            <a:r>
-              <a:rPr>
-                <a:solidFill>
-                  <a:srgbClr val="262626"/>
-                </a:solidFill>
-                <a:uFill>
-                  <a:solidFill>
-                    <a:srgbClr val="262626"/>
-                  </a:solidFill>
-                </a:uFill>
-                <a:latin typeface="Helvetica Neue"/>
-                <a:ea typeface="Helvetica Neue"/>
-                <a:cs typeface="Helvetica Neue"/>
-                <a:sym typeface="Helvetica Neue"/>
-              </a:rPr>
-              <a:t> </a:t>
-            </a:r>
-            <a:r>
-              <a:rPr b="1">
-                <a:solidFill>
-                  <a:srgbClr val="262626"/>
-                </a:solidFill>
-                <a:uFill>
-                  <a:solidFill>
-                    <a:srgbClr val="262626"/>
-                  </a:solidFill>
-                </a:uFill>
-                <a:latin typeface="Helvetica Neue"/>
-                <a:ea typeface="Helvetica Neue"/>
-                <a:cs typeface="Helvetica Neue"/>
-                <a:sym typeface="Helvetica Neue"/>
-              </a:rPr>
-              <a:t>secundarios</a:t>
-            </a:r>
-            <a:r>
-              <a:rPr>
-                <a:solidFill>
-                  <a:srgbClr val="262626"/>
-                </a:solidFill>
-                <a:uFill>
-                  <a:solidFill>
-                    <a:srgbClr val="262626"/>
-                  </a:solidFill>
-                </a:uFill>
-                <a:latin typeface="Helvetica Neue"/>
-                <a:ea typeface="Helvetica Neue"/>
-                <a:cs typeface="Helvetica Neue"/>
-                <a:sym typeface="Helvetica Neue"/>
-              </a:rPr>
-              <a:t>: Base de Datos.</a:t>
-            </a:r>
-          </a:p>
-          <a:p>
-            <a:pPr marL="228600" algn="just" defTabSz="457200">
-              <a:lnSpc>
-                <a:spcPct val="115000"/>
-              </a:lnSpc>
-              <a:spcBef>
-                <a:spcPts val="0"/>
-              </a:spcBef>
-              <a:defRPr sz="1700">
-                <a:solidFill>
-                  <a:srgbClr val="000000"/>
-                </a:solidFill>
-                <a:uFill>
-                  <a:solidFill>
-                    <a:srgbClr val="000000"/>
-                  </a:solidFill>
-                </a:uFill>
-                <a:latin typeface="Times New Roman"/>
-                <a:ea typeface="Times New Roman"/>
-                <a:cs typeface="Times New Roman"/>
-                <a:sym typeface="Times New Roman"/>
-              </a:defRPr>
-            </a:pPr>
-            <a:r>
-              <a:rPr b="1">
-                <a:solidFill>
-                  <a:srgbClr val="262626"/>
-                </a:solidFill>
-                <a:uFill>
-                  <a:solidFill>
-                    <a:srgbClr val="262626"/>
-                  </a:solidFill>
-                </a:uFill>
-                <a:latin typeface="Helvetica Neue"/>
-                <a:ea typeface="Helvetica Neue"/>
-                <a:cs typeface="Helvetica Neue"/>
-                <a:sym typeface="Helvetica Neue"/>
-              </a:rPr>
-              <a:t>Qué datos usa:</a:t>
-            </a:r>
-            <a:r>
-              <a:rPr>
-                <a:solidFill>
-                  <a:srgbClr val="262626"/>
-                </a:solidFill>
-                <a:uFill>
-                  <a:solidFill>
-                    <a:srgbClr val="262626"/>
-                  </a:solidFill>
-                </a:uFill>
-                <a:latin typeface="Helvetica Neue"/>
-                <a:ea typeface="Helvetica Neue"/>
-                <a:cs typeface="Helvetica Neue"/>
-                <a:sym typeface="Helvetica Neue"/>
-              </a:rPr>
-              <a:t> Tarjetas CRC implicadas.</a:t>
-            </a:r>
-          </a:p>
-          <a:p>
-            <a:pPr marL="228600" marR="1248410" algn="just" defTabSz="457200">
-              <a:lnSpc>
-                <a:spcPct val="115000"/>
-              </a:lnSpc>
-              <a:spcBef>
-                <a:spcPts val="0"/>
-              </a:spcBef>
-              <a:defRPr sz="1700">
-                <a:solidFill>
-                  <a:srgbClr val="000000"/>
-                </a:solidFill>
-                <a:uFill>
-                  <a:solidFill>
-                    <a:srgbClr val="000000"/>
-                  </a:solidFill>
-                </a:uFill>
-                <a:latin typeface="Times New Roman"/>
-                <a:ea typeface="Times New Roman"/>
-                <a:cs typeface="Times New Roman"/>
-                <a:sym typeface="Times New Roman"/>
-              </a:defRPr>
-            </a:pPr>
-            <a:r>
-              <a:rPr b="1">
-                <a:solidFill>
-                  <a:srgbClr val="262626"/>
-                </a:solidFill>
-                <a:uFill>
-                  <a:solidFill>
-                    <a:srgbClr val="262626"/>
-                  </a:solidFill>
-                </a:uFill>
-                <a:latin typeface="Helvetica Neue"/>
-                <a:ea typeface="Helvetica Neue"/>
-                <a:cs typeface="Helvetica Neue"/>
-                <a:sym typeface="Helvetica Neue"/>
-              </a:rPr>
-              <a:t>Precondiciones</a:t>
-            </a:r>
-            <a:r>
-              <a:rPr>
-                <a:solidFill>
-                  <a:srgbClr val="262626"/>
-                </a:solidFill>
-                <a:uFill>
-                  <a:solidFill>
-                    <a:srgbClr val="262626"/>
-                  </a:solidFill>
-                </a:uFill>
-                <a:latin typeface="Helvetica Neue"/>
-                <a:ea typeface="Helvetica Neue"/>
-                <a:cs typeface="Helvetica Neue"/>
-                <a:sym typeface="Helvetica Neue"/>
-              </a:rPr>
-              <a:t>:</a:t>
-            </a:r>
-          </a:p>
-          <a:p>
-            <a:pPr marL="678180" marR="1248410" algn="just" defTabSz="457200">
-              <a:lnSpc>
-                <a:spcPct val="115000"/>
-              </a:lnSpc>
-              <a:spcBef>
-                <a:spcPts val="0"/>
-              </a:spcBef>
-              <a:defRPr sz="1700">
-                <a:solidFill>
-                  <a:srgbClr val="000000"/>
-                </a:solidFill>
-                <a:uFill>
-                  <a:solidFill>
-                    <a:srgbClr val="000000"/>
-                  </a:solidFill>
-                </a:uFill>
-                <a:latin typeface="Times New Roman"/>
-                <a:ea typeface="Times New Roman"/>
-                <a:cs typeface="Times New Roman"/>
-                <a:sym typeface="Times New Roman"/>
-              </a:defRPr>
-            </a:pPr>
-            <a:r>
-              <a:rPr>
-                <a:solidFill>
-                  <a:srgbClr val="262626"/>
-                </a:solidFill>
-                <a:uFill>
-                  <a:solidFill>
-                    <a:srgbClr val="262626"/>
-                  </a:solidFill>
-                </a:uFill>
-                <a:latin typeface="Helvetica Neue"/>
-                <a:ea typeface="Helvetica Neue"/>
-                <a:cs typeface="Helvetica Neue"/>
-                <a:sym typeface="Helvetica Neue"/>
-              </a:rPr>
-              <a:t>Estar dado de alta en la aplicación, como profesional. (Login)</a:t>
-            </a:r>
-          </a:p>
-          <a:p>
-            <a:pPr marL="228600" marR="1248410" algn="just" defTabSz="457200">
-              <a:lnSpc>
-                <a:spcPct val="115000"/>
-              </a:lnSpc>
-              <a:spcBef>
-                <a:spcPts val="0"/>
-              </a:spcBef>
-              <a:defRPr sz="1700">
-                <a:solidFill>
-                  <a:srgbClr val="000000"/>
-                </a:solidFill>
-                <a:uFill>
-                  <a:solidFill>
-                    <a:srgbClr val="000000"/>
-                  </a:solidFill>
-                </a:uFill>
-                <a:latin typeface="Times New Roman"/>
-                <a:ea typeface="Times New Roman"/>
-                <a:cs typeface="Times New Roman"/>
-                <a:sym typeface="Times New Roman"/>
-              </a:defRPr>
-            </a:pPr>
-            <a:r>
-              <a:rPr b="1">
-                <a:solidFill>
-                  <a:srgbClr val="262626"/>
-                </a:solidFill>
-                <a:uFill>
-                  <a:solidFill>
-                    <a:srgbClr val="262626"/>
-                  </a:solidFill>
-                </a:uFill>
-                <a:latin typeface="Helvetica Neue"/>
-                <a:ea typeface="Helvetica Neue"/>
-                <a:cs typeface="Helvetica Neue"/>
-                <a:sym typeface="Helvetica Neue"/>
-              </a:rPr>
-              <a:t>Postcondiciones:</a:t>
-            </a:r>
-          </a:p>
-          <a:p>
-            <a:pPr marL="228600" marR="567690" indent="440055" algn="just" defTabSz="457200">
-              <a:lnSpc>
-                <a:spcPct val="115000"/>
-              </a:lnSpc>
-              <a:spcBef>
-                <a:spcPts val="0"/>
-              </a:spcBef>
-              <a:defRPr sz="1700">
-                <a:solidFill>
-                  <a:srgbClr val="000000"/>
-                </a:solidFill>
-                <a:uFill>
-                  <a:solidFill>
-                    <a:srgbClr val="000000"/>
-                  </a:solidFill>
-                </a:uFill>
-                <a:latin typeface="Times New Roman"/>
-                <a:ea typeface="Times New Roman"/>
-                <a:cs typeface="Times New Roman"/>
-                <a:sym typeface="Times New Roman"/>
-              </a:defRPr>
-            </a:pPr>
-            <a:r>
-              <a:rPr b="1">
-                <a:solidFill>
-                  <a:srgbClr val="262626"/>
-                </a:solidFill>
-                <a:uFill>
-                  <a:solidFill>
-                    <a:srgbClr val="262626"/>
-                  </a:solidFill>
-                </a:uFill>
-                <a:latin typeface="Helvetica Neue"/>
-                <a:ea typeface="Helvetica Neue"/>
-                <a:cs typeface="Helvetica Neue"/>
-                <a:sym typeface="Helvetica Neue"/>
-              </a:rPr>
-              <a:t>Éxito: </a:t>
-            </a:r>
-            <a:r>
-              <a:rPr>
-                <a:solidFill>
-                  <a:srgbClr val="262626"/>
-                </a:solidFill>
-                <a:uFill>
-                  <a:solidFill>
-                    <a:srgbClr val="262626"/>
-                  </a:solidFill>
-                </a:uFill>
-                <a:latin typeface="Helvetica Neue"/>
-                <a:ea typeface="Helvetica Neue"/>
-                <a:cs typeface="Helvetica Neue"/>
-                <a:sym typeface="Helvetica Neue"/>
-              </a:rPr>
-              <a:t>Hay al menos una pregunta por responder.</a:t>
-            </a:r>
-          </a:p>
-          <a:p>
-            <a:pPr marL="228600" marR="567690" indent="440055" algn="just" defTabSz="457200">
-              <a:lnSpc>
-                <a:spcPct val="115000"/>
-              </a:lnSpc>
-              <a:spcBef>
-                <a:spcPts val="0"/>
-              </a:spcBef>
-              <a:defRPr sz="1700">
-                <a:solidFill>
-                  <a:srgbClr val="000000"/>
-                </a:solidFill>
-                <a:uFill>
-                  <a:solidFill>
-                    <a:srgbClr val="000000"/>
-                  </a:solidFill>
-                </a:uFill>
-                <a:latin typeface="Times New Roman"/>
-                <a:ea typeface="Times New Roman"/>
-                <a:cs typeface="Times New Roman"/>
-                <a:sym typeface="Times New Roman"/>
-              </a:defRPr>
-            </a:pPr>
-            <a:r>
-              <a:rPr b="1">
-                <a:solidFill>
-                  <a:srgbClr val="262626"/>
-                </a:solidFill>
-                <a:uFill>
-                  <a:solidFill>
-                    <a:srgbClr val="262626"/>
-                  </a:solidFill>
-                </a:uFill>
-                <a:latin typeface="Helvetica Neue"/>
-                <a:ea typeface="Helvetica Neue"/>
-                <a:cs typeface="Helvetica Neue"/>
-                <a:sym typeface="Helvetica Neue"/>
-              </a:rPr>
-              <a:t>Fallo:</a:t>
-            </a:r>
-            <a:r>
-              <a:rPr>
-                <a:solidFill>
-                  <a:srgbClr val="262626"/>
-                </a:solidFill>
-                <a:uFill>
-                  <a:solidFill>
-                    <a:srgbClr val="262626"/>
-                  </a:solidFill>
-                </a:uFill>
-                <a:latin typeface="Helvetica Neue"/>
-                <a:ea typeface="Helvetica Neue"/>
-                <a:cs typeface="Helvetica Neue"/>
-                <a:sym typeface="Helvetica Neue"/>
-              </a:rPr>
-              <a:t> No hay preguntas pendientes por responder.</a:t>
-            </a:r>
-          </a:p>
-          <a:p>
-            <a:pPr marL="228600" algn="just" defTabSz="457200">
-              <a:lnSpc>
-                <a:spcPct val="115000"/>
-              </a:lnSpc>
-              <a:spcBef>
-                <a:spcPts val="0"/>
-              </a:spcBef>
-              <a:defRPr sz="1700">
-                <a:solidFill>
-                  <a:srgbClr val="000000"/>
-                </a:solidFill>
-                <a:uFill>
-                  <a:solidFill>
-                    <a:srgbClr val="000000"/>
-                  </a:solidFill>
-                </a:uFill>
-                <a:latin typeface="Times New Roman"/>
-                <a:ea typeface="Times New Roman"/>
-                <a:cs typeface="Times New Roman"/>
-                <a:sym typeface="Times New Roman"/>
-              </a:defRPr>
-            </a:pPr>
-            <a:endParaRPr>
-              <a:solidFill>
-                <a:srgbClr val="262626"/>
-              </a:solidFill>
-              <a:uFill>
-                <a:solidFill>
-                  <a:srgbClr val="262626"/>
-                </a:solidFill>
-              </a:uFill>
-              <a:latin typeface="Helvetica Neue"/>
-              <a:ea typeface="Helvetica Neue"/>
-              <a:cs typeface="Helvetica Neue"/>
-              <a:sym typeface="Helvetica Neue"/>
-            </a:endParaRPr>
-          </a:p>
-          <a:p>
-            <a:pPr marL="228600" algn="just" defTabSz="457200">
-              <a:lnSpc>
-                <a:spcPct val="115000"/>
-              </a:lnSpc>
-              <a:spcBef>
-                <a:spcPts val="0"/>
-              </a:spcBef>
-              <a:defRPr sz="1700">
-                <a:solidFill>
-                  <a:srgbClr val="000000"/>
-                </a:solidFill>
-                <a:uFill>
-                  <a:solidFill>
-                    <a:srgbClr val="000000"/>
-                  </a:solidFill>
-                </a:uFill>
-                <a:latin typeface="Times New Roman"/>
-                <a:ea typeface="Times New Roman"/>
-                <a:cs typeface="Times New Roman"/>
-                <a:sym typeface="Times New Roman"/>
-              </a:defRPr>
-            </a:pPr>
-            <a:r>
-              <a:rPr b="1">
-                <a:solidFill>
-                  <a:srgbClr val="262626"/>
-                </a:solidFill>
-                <a:uFill>
-                  <a:solidFill>
-                    <a:srgbClr val="262626"/>
-                  </a:solidFill>
-                </a:uFill>
-                <a:latin typeface="Helvetica Neue"/>
-                <a:ea typeface="Helvetica Neue"/>
-                <a:cs typeface="Helvetica Neue"/>
-                <a:sym typeface="Helvetica Neue"/>
-              </a:rPr>
-              <a:t>Flujo principal</a:t>
-            </a:r>
-          </a:p>
-          <a:p>
-            <a:pPr marL="685800" indent="-228600" algn="just" defTabSz="457200">
-              <a:lnSpc>
-                <a:spcPct val="115000"/>
-              </a:lnSpc>
-              <a:spcBef>
-                <a:spcPts val="0"/>
-              </a:spcBef>
-              <a:buSzPct val="100000"/>
-              <a:buAutoNum type="arabicPeriod"/>
-              <a:defRPr sz="1700">
-                <a:solidFill>
-                  <a:srgbClr val="262626"/>
-                </a:solidFill>
-                <a:uFill>
-                  <a:solidFill>
-                    <a:srgbClr val="000000"/>
-                  </a:solidFill>
-                </a:uFill>
-                <a:latin typeface="Helvetica Neue"/>
-                <a:ea typeface="Helvetica Neue"/>
-                <a:cs typeface="Helvetica Neue"/>
-                <a:sym typeface="Helvetica Neue"/>
-              </a:defRPr>
-            </a:pPr>
-            <a:r>
-              <a:rPr>
-                <a:uFill>
-                  <a:solidFill>
-                    <a:srgbClr val="262626"/>
-                  </a:solidFill>
-                </a:uFill>
-              </a:rPr>
-              <a:t>El médico contesta a la pregunta realizada por un paciente.</a:t>
-            </a:r>
-          </a:p>
-          <a:p>
-            <a:pPr marL="685800" indent="-228600" algn="just" defTabSz="457200">
-              <a:lnSpc>
-                <a:spcPct val="103333"/>
-              </a:lnSpc>
-              <a:spcBef>
-                <a:spcPts val="0"/>
-              </a:spcBef>
-              <a:buSzPct val="100000"/>
-              <a:buAutoNum type="arabicPeriod"/>
-              <a:defRPr sz="1700">
-                <a:solidFill>
-                  <a:srgbClr val="000000"/>
-                </a:solidFill>
-                <a:uFill>
-                  <a:solidFill>
-                    <a:srgbClr val="000000"/>
-                  </a:solidFill>
-                </a:uFill>
-                <a:latin typeface="Helvetica Neue"/>
-                <a:ea typeface="Helvetica Neue"/>
-                <a:cs typeface="Helvetica Neue"/>
-                <a:sym typeface="Helvetica Neue"/>
-              </a:defRPr>
-            </a:pPr>
-            <a:r>
-              <a:rPr>
-                <a:solidFill>
-                  <a:srgbClr val="262626"/>
-                </a:solidFill>
-                <a:uFill>
-                  <a:solidFill>
-                    <a:srgbClr val="262626"/>
-                  </a:solidFill>
-                </a:uFill>
-              </a:rPr>
-              <a:t>El sistema guarda la respuesta del médico para luego poder ser vista por el paciente.</a:t>
-            </a:r>
-          </a:p>
-          <a:p>
-            <a:pPr marL="228600" algn="just" defTabSz="457200">
-              <a:lnSpc>
-                <a:spcPct val="115000"/>
-              </a:lnSpc>
-              <a:spcBef>
-                <a:spcPts val="0"/>
-              </a:spcBef>
-              <a:defRPr sz="1700">
-                <a:solidFill>
-                  <a:srgbClr val="000000"/>
-                </a:solidFill>
-                <a:uFill>
-                  <a:solidFill>
-                    <a:srgbClr val="000000"/>
-                  </a:solidFill>
-                </a:uFill>
-                <a:latin typeface="Times New Roman"/>
-                <a:ea typeface="Times New Roman"/>
-                <a:cs typeface="Times New Roman"/>
-                <a:sym typeface="Times New Roman"/>
-              </a:defRPr>
-            </a:pPr>
-            <a:r>
-              <a:rPr b="1">
-                <a:solidFill>
-                  <a:srgbClr val="262626"/>
-                </a:solidFill>
-                <a:uFill>
-                  <a:solidFill>
-                    <a:srgbClr val="262626"/>
-                  </a:solidFill>
-                </a:uFill>
-                <a:latin typeface="Helvetica Neue"/>
-                <a:ea typeface="Helvetica Neue"/>
-                <a:cs typeface="Helvetica Neue"/>
-                <a:sym typeface="Helvetica Neue"/>
-              </a:rPr>
-              <a:t>Flujos secundarios</a:t>
-            </a:r>
-          </a:p>
-          <a:p>
-            <a:pPr marL="234950" indent="-6350" algn="just" defTabSz="457200">
-              <a:lnSpc>
-                <a:spcPct val="103333"/>
-              </a:lnSpc>
-              <a:spcBef>
-                <a:spcPts val="0"/>
-              </a:spcBef>
-              <a:defRPr sz="1700">
-                <a:solidFill>
-                  <a:srgbClr val="000000"/>
-                </a:solidFill>
-                <a:uFill>
-                  <a:solidFill>
-                    <a:srgbClr val="000000"/>
-                  </a:solidFill>
-                </a:uFill>
-                <a:latin typeface="Times New Roman"/>
-                <a:ea typeface="Times New Roman"/>
-                <a:cs typeface="Times New Roman"/>
-                <a:sym typeface="Times New Roman"/>
-              </a:defRPr>
-            </a:pPr>
-            <a:r>
-              <a:rPr>
-                <a:solidFill>
-                  <a:srgbClr val="262626"/>
-                </a:solidFill>
-                <a:uFill>
-                  <a:solidFill>
-                    <a:srgbClr val="262626"/>
-                  </a:solidFill>
-                </a:uFill>
-                <a:latin typeface="Helvetica Neue"/>
-                <a:ea typeface="Helvetica Neue"/>
-                <a:cs typeface="Helvetica Neue"/>
-                <a:sym typeface="Helvetica Neue"/>
-              </a:rPr>
-              <a:t>1.  Ningún médico contesta la pregunta del paciente</a:t>
-            </a:r>
-          </a:p>
-          <a:p>
-            <a:pPr marL="234950" indent="-6350" algn="just" defTabSz="457200">
-              <a:lnSpc>
-                <a:spcPct val="103333"/>
-              </a:lnSpc>
-              <a:spcBef>
-                <a:spcPts val="0"/>
-              </a:spcBef>
-              <a:defRPr sz="1700">
-                <a:solidFill>
-                  <a:srgbClr val="000000"/>
-                </a:solidFill>
-                <a:uFill>
-                  <a:solidFill>
-                    <a:srgbClr val="000000"/>
-                  </a:solidFill>
-                </a:uFill>
-                <a:latin typeface="Times New Roman"/>
-                <a:ea typeface="Times New Roman"/>
-                <a:cs typeface="Times New Roman"/>
-                <a:sym typeface="Times New Roman"/>
-              </a:defRPr>
-            </a:pPr>
-            <a:r>
-              <a:rPr>
-                <a:solidFill>
-                  <a:srgbClr val="262626"/>
-                </a:solidFill>
-                <a:uFill>
-                  <a:solidFill>
-                    <a:srgbClr val="262626"/>
-                  </a:solidFill>
-                </a:uFill>
-                <a:latin typeface="Helvetica Neue"/>
-                <a:ea typeface="Helvetica Neue"/>
-                <a:cs typeface="Helvetica Neue"/>
-                <a:sym typeface="Helvetica Neue"/>
-              </a:rPr>
-              <a:t>2.  El sistema no guardó correctamente la respuesta.</a:t>
-            </a:r>
-          </a:p>
-        </p:txBody>
-      </p:sp>
-      <p:pic>
-        <p:nvPicPr>
-          <p:cNvPr id="340" name="image3.png"/>
-          <p:cNvPicPr>
-            <a:picLocks noChangeAspect="1"/>
-          </p:cNvPicPr>
-          <p:nvPr/>
-        </p:nvPicPr>
-        <p:blipFill>
-          <a:blip r:embed="rId4">
-            <a:extLst/>
-          </a:blip>
-          <a:stretch>
-            <a:fillRect/>
-          </a:stretch>
-        </p:blipFill>
-        <p:spPr>
-          <a:xfrm>
-            <a:off x="2766525" y="5898250"/>
-            <a:ext cx="7951259" cy="4882354"/>
-          </a:xfrm>
-          <a:prstGeom prst="rect">
-            <a:avLst/>
-          </a:prstGeom>
-          <a:ln w="12700">
-            <a:miter lim="400000"/>
-          </a:ln>
-        </p:spPr>
-      </p:pic>
       <p:sp>
         <p:nvSpPr>
           <p:cNvPr id="3" name="Marcador de número de diapositiva 2"/>
@@ -29109,7 +27108,7 @@
           </a:ln>
           <a:extLst>
             <a:ext uri="{C572A759-6A51-4108-AA02-DFA0A04FC94B}">
-              <ma14:wrappingTextBoxFlag xmlns="" xmlns:ma14="http://schemas.microsoft.com/office/mac/drawingml/2011/main" val="1"/>
+              <ma14:wrappingTextBoxFlag xmlns:ma14="http://schemas.microsoft.com/office/mac/drawingml/2011/main" xmlns="" val="1"/>
             </a:ext>
           </a:extLst>
         </p:spPr>
@@ -29150,7 +27149,7 @@
           </a:ln>
           <a:extLst>
             <a:ext uri="{C572A759-6A51-4108-AA02-DFA0A04FC94B}">
-              <ma14:wrappingTextBoxFlag xmlns="" xmlns:ma14="http://schemas.microsoft.com/office/mac/drawingml/2011/main" val="1"/>
+              <ma14:wrappingTextBoxFlag xmlns:ma14="http://schemas.microsoft.com/office/mac/drawingml/2011/main" xmlns="" val="1"/>
             </a:ext>
           </a:extLst>
         </p:spPr>
@@ -29199,7 +27198,7 @@
           </a:ln>
           <a:extLst>
             <a:ext uri="{C572A759-6A51-4108-AA02-DFA0A04FC94B}">
-              <ma14:wrappingTextBoxFlag xmlns="" xmlns:ma14="http://schemas.microsoft.com/office/mac/drawingml/2011/main" val="1"/>
+              <ma14:wrappingTextBoxFlag xmlns:ma14="http://schemas.microsoft.com/office/mac/drawingml/2011/main" xmlns="" val="1"/>
             </a:ext>
           </a:extLst>
         </p:spPr>
@@ -29274,7 +27273,7 @@
           </a:ln>
           <a:extLst>
             <a:ext uri="{C572A759-6A51-4108-AA02-DFA0A04FC94B}">
-              <ma14:wrappingTextBoxFlag xmlns="" xmlns:ma14="http://schemas.microsoft.com/office/mac/drawingml/2011/main" val="1"/>
+              <ma14:wrappingTextBoxFlag xmlns:ma14="http://schemas.microsoft.com/office/mac/drawingml/2011/main" xmlns="" val="1"/>
             </a:ext>
           </a:extLst>
         </p:spPr>
@@ -30141,7 +28140,7 @@
           </a:ln>
           <a:extLst>
             <a:ext uri="{C572A759-6A51-4108-AA02-DFA0A04FC94B}">
-              <ma14:wrappingTextBoxFlag xmlns="" xmlns:ma14="http://schemas.microsoft.com/office/mac/drawingml/2011/main" val="1"/>
+              <ma14:wrappingTextBoxFlag xmlns:ma14="http://schemas.microsoft.com/office/mac/drawingml/2011/main" xmlns="" val="1"/>
             </a:ext>
           </a:extLst>
         </p:spPr>
@@ -30195,7 +28194,7 @@
           </a:ln>
           <a:extLst>
             <a:ext uri="{C572A759-6A51-4108-AA02-DFA0A04FC94B}">
-              <ma14:wrappingTextBoxFlag xmlns="" xmlns:ma14="http://schemas.microsoft.com/office/mac/drawingml/2011/main" val="1"/>
+              <ma14:wrappingTextBoxFlag xmlns:ma14="http://schemas.microsoft.com/office/mac/drawingml/2011/main" xmlns="" val="1"/>
             </a:ext>
           </a:extLst>
         </p:spPr>
@@ -30244,7 +28243,7 @@
           </a:ln>
           <a:extLst>
             <a:ext uri="{C572A759-6A51-4108-AA02-DFA0A04FC94B}">
-              <ma14:wrappingTextBoxFlag xmlns="" xmlns:ma14="http://schemas.microsoft.com/office/mac/drawingml/2011/main" val="1"/>
+              <ma14:wrappingTextBoxFlag xmlns:ma14="http://schemas.microsoft.com/office/mac/drawingml/2011/main" xmlns="" val="1"/>
             </a:ext>
           </a:extLst>
         </p:spPr>
@@ -30321,6 +28320,3083 @@
 </file>
 
 <file path=ppt/slides/slide30.xml><?xml version="1.0" encoding="utf-8"?>
+<p:sld xmlns:a="http://schemas.openxmlformats.org/drawingml/2006/main" xmlns:r="http://schemas.openxmlformats.org/officeDocument/2006/relationships" xmlns:p="http://schemas.openxmlformats.org/presentationml/2006/main">
+  <p:cSld>
+    <p:spTree>
+      <p:nvGrpSpPr>
+        <p:cNvPr id="1" name=""/>
+        <p:cNvGrpSpPr/>
+        <p:nvPr/>
+      </p:nvGrpSpPr>
+      <p:grpSpPr>
+        <a:xfrm>
+          <a:off x="0" y="0"/>
+          <a:ext cx="0" cy="0"/>
+          <a:chOff x="0" y="0"/>
+          <a:chExt cx="0" cy="0"/>
+        </a:xfrm>
+      </p:grpSpPr>
+      <p:pic>
+        <p:nvPicPr>
+          <p:cNvPr id="314" name="pasted-image.tiff"/>
+          <p:cNvPicPr>
+            <a:picLocks noChangeAspect="1"/>
+          </p:cNvPicPr>
+          <p:nvPr/>
+        </p:nvPicPr>
+        <p:blipFill>
+          <a:blip r:embed="rId2">
+            <a:extLst/>
+          </a:blip>
+          <a:stretch>
+            <a:fillRect/>
+          </a:stretch>
+        </p:blipFill>
+        <p:spPr>
+          <a:xfrm>
+            <a:off x="-816206" y="-529723"/>
+            <a:ext cx="26829216" cy="2397845"/>
+          </a:xfrm>
+          <a:prstGeom prst="rect">
+            <a:avLst/>
+          </a:prstGeom>
+          <a:ln w="12700">
+            <a:miter lim="400000"/>
+          </a:ln>
+        </p:spPr>
+      </p:pic>
+      <p:pic>
+        <p:nvPicPr>
+          <p:cNvPr id="315" name="pasted-image.tiff"/>
+          <p:cNvPicPr>
+            <a:picLocks noChangeAspect="1"/>
+          </p:cNvPicPr>
+          <p:nvPr/>
+        </p:nvPicPr>
+        <p:blipFill>
+          <a:blip r:embed="rId3">
+            <a:extLst/>
+          </a:blip>
+          <a:stretch>
+            <a:fillRect/>
+          </a:stretch>
+        </p:blipFill>
+        <p:spPr>
+          <a:xfrm>
+            <a:off x="20120528" y="596900"/>
+            <a:ext cx="2416329" cy="766806"/>
+          </a:xfrm>
+          <a:prstGeom prst="rect">
+            <a:avLst/>
+          </a:prstGeom>
+          <a:ln w="12700">
+            <a:miter lim="400000"/>
+          </a:ln>
+        </p:spPr>
+      </p:pic>
+      <p:sp>
+        <p:nvSpPr>
+          <p:cNvPr id="317" name="Shape 317"/>
+          <p:cNvSpPr/>
+          <p:nvPr/>
+        </p:nvSpPr>
+        <p:spPr>
+          <a:xfrm>
+            <a:off x="1044066" y="512137"/>
+            <a:ext cx="6485955" cy="771399"/>
+          </a:xfrm>
+          <a:prstGeom prst="rect">
+            <a:avLst/>
+          </a:prstGeom>
+          <a:ln w="12700">
+            <a:miter lim="400000"/>
+          </a:ln>
+          <a:extLst>
+            <a:ext uri="{C572A759-6A51-4108-AA02-DFA0A04FC94B}">
+              <ma14:wrappingTextBoxFlag xmlns:ma14="http://schemas.microsoft.com/office/mac/drawingml/2011/main" xmlns="" val="1"/>
+            </a:ext>
+          </a:extLst>
+        </p:spPr>
+        <p:txBody>
+          <a:bodyPr wrap="none" lIns="50800" tIns="50800" rIns="50800" bIns="50800" anchor="ctr">
+            <a:spAutoFit/>
+          </a:bodyPr>
+          <a:lstStyle>
+            <a:lvl1pPr>
+              <a:defRPr sz="4500">
+                <a:solidFill>
+                  <a:srgbClr val="FFFFFF"/>
+                </a:solidFill>
+                <a:latin typeface="Helvetica Neue"/>
+                <a:ea typeface="Helvetica Neue"/>
+                <a:cs typeface="Helvetica Neue"/>
+                <a:sym typeface="Helvetica Neue"/>
+              </a:defRPr>
+            </a:lvl1pPr>
+          </a:lstStyle>
+          <a:p>
+            <a:r>
+              <a:t>3. Requisitos específicos</a:t>
+            </a:r>
+          </a:p>
+        </p:txBody>
+      </p:sp>
+      <p:sp>
+        <p:nvSpPr>
+          <p:cNvPr id="318" name="Shape 318"/>
+          <p:cNvSpPr/>
+          <p:nvPr/>
+        </p:nvSpPr>
+        <p:spPr>
+          <a:xfrm>
+            <a:off x="9780559" y="2510331"/>
+            <a:ext cx="4822882" cy="771399"/>
+          </a:xfrm>
+          <a:prstGeom prst="roundRect">
+            <a:avLst>
+              <a:gd name="adj" fmla="val 33536"/>
+            </a:avLst>
+          </a:prstGeom>
+          <a:solidFill>
+            <a:srgbClr val="BA6B89"/>
+          </a:solidFill>
+          <a:ln w="12700">
+            <a:miter lim="400000"/>
+          </a:ln>
+        </p:spPr>
+        <p:txBody>
+          <a:bodyPr lIns="50800" tIns="50800" rIns="50800" bIns="50800" anchor="ctr"/>
+          <a:lstStyle/>
+          <a:p>
+            <a:pPr algn="ctr">
+              <a:lnSpc>
+                <a:spcPct val="80000"/>
+              </a:lnSpc>
+              <a:spcBef>
+                <a:spcPts val="0"/>
+              </a:spcBef>
+              <a:defRPr sz="4000" cap="all">
+                <a:solidFill>
+                  <a:srgbClr val="FFFFFF"/>
+                </a:solidFill>
+                <a:latin typeface="+mn-lt"/>
+                <a:ea typeface="+mn-ea"/>
+                <a:cs typeface="+mn-cs"/>
+                <a:sym typeface="DIN Condensed"/>
+              </a:defRPr>
+            </a:pPr>
+            <a:endParaRPr/>
+          </a:p>
+        </p:txBody>
+      </p:sp>
+      <p:sp>
+        <p:nvSpPr>
+          <p:cNvPr id="319" name="Shape 319"/>
+          <p:cNvSpPr/>
+          <p:nvPr/>
+        </p:nvSpPr>
+        <p:spPr>
+          <a:xfrm>
+            <a:off x="10006183" y="2584880"/>
+            <a:ext cx="4371634" cy="622301"/>
+          </a:xfrm>
+          <a:prstGeom prst="rect">
+            <a:avLst/>
+          </a:prstGeom>
+          <a:ln w="12700">
+            <a:miter lim="400000"/>
+          </a:ln>
+          <a:extLst>
+            <a:ext uri="{C572A759-6A51-4108-AA02-DFA0A04FC94B}">
+              <ma14:wrappingTextBoxFlag xmlns:ma14="http://schemas.microsoft.com/office/mac/drawingml/2011/main" xmlns="" val="1"/>
+            </a:ext>
+          </a:extLst>
+        </p:spPr>
+        <p:txBody>
+          <a:bodyPr lIns="50800" tIns="50800" rIns="50800" bIns="50800" anchor="ctr">
+            <a:spAutoFit/>
+          </a:bodyPr>
+          <a:lstStyle>
+            <a:lvl1pPr>
+              <a:defRPr>
+                <a:solidFill>
+                  <a:srgbClr val="FFFFFF"/>
+                </a:solidFill>
+              </a:defRPr>
+            </a:lvl1pPr>
+          </a:lstStyle>
+          <a:p>
+            <a:r>
+              <a:t>2 Requisitos funcionales</a:t>
+            </a:r>
+          </a:p>
+        </p:txBody>
+      </p:sp>
+      <p:sp>
+        <p:nvSpPr>
+          <p:cNvPr id="320" name="Shape 320"/>
+          <p:cNvSpPr/>
+          <p:nvPr/>
+        </p:nvSpPr>
+        <p:spPr>
+          <a:xfrm>
+            <a:off x="1187450" y="3949265"/>
+            <a:ext cx="22009100" cy="8780324"/>
+          </a:xfrm>
+          <a:prstGeom prst="roundRect">
+            <a:avLst>
+              <a:gd name="adj" fmla="val 8979"/>
+            </a:avLst>
+          </a:prstGeom>
+          <a:ln w="50800">
+            <a:solidFill>
+              <a:srgbClr val="5B5854"/>
+            </a:solidFill>
+            <a:miter lim="400000"/>
+          </a:ln>
+        </p:spPr>
+        <p:txBody>
+          <a:bodyPr lIns="50800" tIns="50800" rIns="50800" bIns="50800" anchor="ctr"/>
+          <a:lstStyle/>
+          <a:p>
+            <a:pPr algn="ctr">
+              <a:lnSpc>
+                <a:spcPct val="80000"/>
+              </a:lnSpc>
+              <a:spcBef>
+                <a:spcPts val="0"/>
+              </a:spcBef>
+              <a:defRPr sz="100" cap="all">
+                <a:solidFill>
+                  <a:srgbClr val="FFFFFF"/>
+                </a:solidFill>
+                <a:latin typeface="+mn-lt"/>
+                <a:ea typeface="+mn-ea"/>
+                <a:cs typeface="+mn-cs"/>
+                <a:sym typeface="DIN Condensed"/>
+              </a:defRPr>
+            </a:pPr>
+            <a:endParaRPr/>
+          </a:p>
+        </p:txBody>
+      </p:sp>
+      <p:sp>
+        <p:nvSpPr>
+          <p:cNvPr id="321" name="Shape 321"/>
+          <p:cNvSpPr/>
+          <p:nvPr/>
+        </p:nvSpPr>
+        <p:spPr>
+          <a:xfrm>
+            <a:off x="1775661" y="4549095"/>
+            <a:ext cx="6312854" cy="473391"/>
+          </a:xfrm>
+          <a:prstGeom prst="rect">
+            <a:avLst/>
+          </a:prstGeom>
+          <a:ln w="12700">
+            <a:miter lim="400000"/>
+          </a:ln>
+          <a:extLst>
+            <a:ext uri="{C572A759-6A51-4108-AA02-DFA0A04FC94B}">
+              <ma14:wrappingTextBoxFlag xmlns:ma14="http://schemas.microsoft.com/office/mac/drawingml/2011/main" xmlns="" val="1"/>
+            </a:ext>
+          </a:extLst>
+        </p:spPr>
+        <p:txBody>
+          <a:bodyPr wrap="none" lIns="50800" tIns="50800" rIns="50800" bIns="50800" anchor="ctr">
+            <a:spAutoFit/>
+          </a:bodyPr>
+          <a:lstStyle>
+            <a:lvl1pPr marL="360045" algn="just" defTabSz="457200">
+              <a:lnSpc>
+                <a:spcPct val="115000"/>
+              </a:lnSpc>
+              <a:spcBef>
+                <a:spcPts val="1000"/>
+              </a:spcBef>
+              <a:defRPr sz="2500" b="1">
+                <a:solidFill>
+                  <a:srgbClr val="000000"/>
+                </a:solidFill>
+                <a:uFill>
+                  <a:solidFill>
+                    <a:srgbClr val="000000"/>
+                  </a:solidFill>
+                </a:uFill>
+                <a:latin typeface="Helvetica Neue"/>
+                <a:ea typeface="Helvetica Neue"/>
+                <a:cs typeface="Helvetica Neue"/>
+                <a:sym typeface="Helvetica Neue"/>
+              </a:defRPr>
+            </a:lvl1pPr>
+          </a:lstStyle>
+          <a:p>
+            <a:r>
+              <a:t>3. Subsistema, Preguntar a un médico.</a:t>
+            </a:r>
+          </a:p>
+        </p:txBody>
+      </p:sp>
+      <p:sp>
+        <p:nvSpPr>
+          <p:cNvPr id="322" name="Shape 322"/>
+          <p:cNvSpPr/>
+          <p:nvPr/>
+        </p:nvSpPr>
+        <p:spPr>
+          <a:xfrm>
+            <a:off x="12688999" y="4133320"/>
+            <a:ext cx="10329053" cy="8412214"/>
+          </a:xfrm>
+          <a:prstGeom prst="roundRect">
+            <a:avLst>
+              <a:gd name="adj" fmla="val 8979"/>
+            </a:avLst>
+          </a:prstGeom>
+          <a:ln w="50800">
+            <a:solidFill>
+              <a:srgbClr val="5B5854"/>
+            </a:solidFill>
+            <a:miter lim="400000"/>
+          </a:ln>
+        </p:spPr>
+        <p:txBody>
+          <a:bodyPr lIns="50800" tIns="50800" rIns="50800" bIns="50800" anchor="ctr"/>
+          <a:lstStyle/>
+          <a:p>
+            <a:pPr algn="ctr">
+              <a:lnSpc>
+                <a:spcPct val="80000"/>
+              </a:lnSpc>
+              <a:spcBef>
+                <a:spcPts val="0"/>
+              </a:spcBef>
+              <a:defRPr sz="100" cap="all">
+                <a:solidFill>
+                  <a:srgbClr val="FFFFFF"/>
+                </a:solidFill>
+                <a:latin typeface="+mn-lt"/>
+                <a:ea typeface="+mn-ea"/>
+                <a:cs typeface="+mn-cs"/>
+                <a:sym typeface="DIN Condensed"/>
+              </a:defRPr>
+            </a:pPr>
+            <a:endParaRPr/>
+          </a:p>
+        </p:txBody>
+      </p:sp>
+      <p:sp>
+        <p:nvSpPr>
+          <p:cNvPr id="323" name="Shape 323"/>
+          <p:cNvSpPr/>
+          <p:nvPr/>
+        </p:nvSpPr>
+        <p:spPr>
+          <a:xfrm>
+            <a:off x="13158615" y="4549095"/>
+            <a:ext cx="5026026" cy="473391"/>
+          </a:xfrm>
+          <a:prstGeom prst="rect">
+            <a:avLst/>
+          </a:prstGeom>
+          <a:ln w="12700">
+            <a:miter lim="400000"/>
+          </a:ln>
+          <a:extLst>
+            <a:ext uri="{C572A759-6A51-4108-AA02-DFA0A04FC94B}">
+              <ma14:wrappingTextBoxFlag xmlns:ma14="http://schemas.microsoft.com/office/mac/drawingml/2011/main" xmlns="" val="1"/>
+            </a:ext>
+          </a:extLst>
+        </p:spPr>
+        <p:txBody>
+          <a:bodyPr wrap="none" lIns="50800" tIns="50800" rIns="50800" bIns="50800" anchor="ctr">
+            <a:spAutoFit/>
+          </a:bodyPr>
+          <a:lstStyle>
+            <a:lvl1pPr marL="360045" algn="just" defTabSz="457200">
+              <a:lnSpc>
+                <a:spcPct val="115000"/>
+              </a:lnSpc>
+              <a:spcBef>
+                <a:spcPts val="1000"/>
+              </a:spcBef>
+              <a:defRPr sz="2500" b="1">
+                <a:solidFill>
+                  <a:srgbClr val="000000"/>
+                </a:solidFill>
+                <a:uFill>
+                  <a:solidFill>
+                    <a:srgbClr val="000000"/>
+                  </a:solidFill>
+                </a:uFill>
+                <a:latin typeface="Helvetica Neue"/>
+                <a:ea typeface="Helvetica Neue"/>
+                <a:cs typeface="Helvetica Neue"/>
+                <a:sym typeface="Helvetica Neue"/>
+              </a:defRPr>
+            </a:lvl1pPr>
+          </a:lstStyle>
+          <a:p>
+            <a:r>
+              <a:t>Caso de Uso, Hacer pregunta:</a:t>
+            </a:r>
+          </a:p>
+        </p:txBody>
+      </p:sp>
+      <p:sp>
+        <p:nvSpPr>
+          <p:cNvPr id="324" name="Shape 324"/>
+          <p:cNvSpPr/>
+          <p:nvPr/>
+        </p:nvSpPr>
+        <p:spPr>
+          <a:xfrm>
+            <a:off x="5350865" y="10766335"/>
+            <a:ext cx="2782579" cy="362130"/>
+          </a:xfrm>
+          <a:prstGeom prst="rect">
+            <a:avLst/>
+          </a:prstGeom>
+          <a:ln w="12700">
+            <a:miter lim="400000"/>
+          </a:ln>
+          <a:extLst>
+            <a:ext uri="{C572A759-6A51-4108-AA02-DFA0A04FC94B}">
+              <ma14:wrappingTextBoxFlag xmlns:ma14="http://schemas.microsoft.com/office/mac/drawingml/2011/main" xmlns="" val="1"/>
+            </a:ext>
+          </a:extLst>
+        </p:spPr>
+        <p:txBody>
+          <a:bodyPr lIns="50800" tIns="50800" rIns="50800" bIns="50800" anchor="ctr">
+            <a:spAutoFit/>
+          </a:bodyPr>
+          <a:lstStyle>
+            <a:lvl1pPr marL="342900" algn="r" defTabSz="457200">
+              <a:lnSpc>
+                <a:spcPct val="115000"/>
+              </a:lnSpc>
+              <a:spcBef>
+                <a:spcPts val="1000"/>
+              </a:spcBef>
+              <a:tabLst>
+                <a:tab pos="444500" algn="l"/>
+              </a:tabLst>
+              <a:defRPr sz="1800" i="1">
+                <a:solidFill>
+                  <a:srgbClr val="00000A"/>
+                </a:solidFill>
+                <a:uFill>
+                  <a:solidFill>
+                    <a:srgbClr val="00000A"/>
+                  </a:solidFill>
+                </a:uFill>
+                <a:latin typeface="Helvetica Neue UltraLight"/>
+                <a:ea typeface="Helvetica Neue UltraLight"/>
+                <a:cs typeface="Helvetica Neue UltraLight"/>
+                <a:sym typeface="Helvetica Neue UltraLight"/>
+              </a:defRPr>
+            </a:lvl1pPr>
+          </a:lstStyle>
+          <a:p>
+            <a:pPr>
+              <a:defRPr i="0">
+                <a:solidFill>
+                  <a:srgbClr val="000000"/>
+                </a:solidFill>
+                <a:uFill>
+                  <a:solidFill>
+                    <a:srgbClr val="000000"/>
+                  </a:solidFill>
+                </a:uFill>
+                <a:latin typeface="Times New Roman"/>
+                <a:ea typeface="Times New Roman"/>
+                <a:cs typeface="Times New Roman"/>
+                <a:sym typeface="Times New Roman"/>
+              </a:defRPr>
+            </a:pPr>
+            <a:r>
+              <a:rPr i="1">
+                <a:solidFill>
+                  <a:srgbClr val="00000A"/>
+                </a:solidFill>
+                <a:uFill>
+                  <a:solidFill>
+                    <a:srgbClr val="00000A"/>
+                  </a:solidFill>
+                </a:uFill>
+                <a:latin typeface="Helvetica Neue UltraLight"/>
+                <a:ea typeface="Helvetica Neue UltraLight"/>
+                <a:cs typeface="Helvetica Neue UltraLight"/>
+                <a:sym typeface="Helvetica Neue UltraLight"/>
+              </a:rPr>
+              <a:t>DCU_Consultar_Medico</a:t>
+            </a:r>
+          </a:p>
+        </p:txBody>
+      </p:sp>
+      <p:sp>
+        <p:nvSpPr>
+          <p:cNvPr id="325" name="Shape 325"/>
+          <p:cNvSpPr/>
+          <p:nvPr/>
+        </p:nvSpPr>
+        <p:spPr>
+          <a:xfrm>
+            <a:off x="13877896" y="5315401"/>
+            <a:ext cx="7951259" cy="6048052"/>
+          </a:xfrm>
+          <a:prstGeom prst="rect">
+            <a:avLst/>
+          </a:prstGeom>
+          <a:ln w="12700">
+            <a:miter lim="400000"/>
+          </a:ln>
+          <a:extLst>
+            <a:ext uri="{C572A759-6A51-4108-AA02-DFA0A04FC94B}">
+              <ma14:wrappingTextBoxFlag xmlns:ma14="http://schemas.microsoft.com/office/mac/drawingml/2011/main" xmlns="" val="1"/>
+            </a:ext>
+          </a:extLst>
+        </p:spPr>
+        <p:txBody>
+          <a:bodyPr lIns="50800" tIns="50800" rIns="50800" bIns="50800" anchor="ctr">
+            <a:spAutoFit/>
+          </a:bodyPr>
+          <a:lstStyle/>
+          <a:p>
+            <a:pPr marL="228600" algn="just" defTabSz="457200">
+              <a:lnSpc>
+                <a:spcPct val="115000"/>
+              </a:lnSpc>
+              <a:spcBef>
+                <a:spcPts val="0"/>
+              </a:spcBef>
+              <a:defRPr sz="1700">
+                <a:solidFill>
+                  <a:srgbClr val="000000"/>
+                </a:solidFill>
+                <a:uFill>
+                  <a:solidFill>
+                    <a:srgbClr val="000000"/>
+                  </a:solidFill>
+                </a:uFill>
+                <a:latin typeface="Times New Roman"/>
+                <a:ea typeface="Times New Roman"/>
+                <a:cs typeface="Times New Roman"/>
+                <a:sym typeface="Times New Roman"/>
+              </a:defRPr>
+            </a:pPr>
+            <a:r>
+              <a:rPr b="1">
+                <a:solidFill>
+                  <a:srgbClr val="262626"/>
+                </a:solidFill>
+                <a:uFill>
+                  <a:solidFill>
+                    <a:srgbClr val="262626"/>
+                  </a:solidFill>
+                </a:uFill>
+                <a:latin typeface="Helvetica Neue"/>
+                <a:ea typeface="Helvetica Neue"/>
+                <a:cs typeface="Helvetica Neue"/>
+                <a:sym typeface="Helvetica Neue"/>
+              </a:rPr>
+              <a:t>Identificador</a:t>
+            </a:r>
+            <a:r>
+              <a:rPr i="1">
+                <a:solidFill>
+                  <a:srgbClr val="262626"/>
+                </a:solidFill>
+                <a:uFill>
+                  <a:solidFill>
+                    <a:srgbClr val="262626"/>
+                  </a:solidFill>
+                </a:uFill>
+                <a:latin typeface="Helvetica Neue"/>
+                <a:ea typeface="Helvetica Neue"/>
+                <a:cs typeface="Helvetica Neue"/>
+                <a:sym typeface="Helvetica Neue"/>
+              </a:rPr>
+              <a:t>:</a:t>
+            </a:r>
+            <a:r>
+              <a:rPr>
+                <a:solidFill>
+                  <a:srgbClr val="262626"/>
+                </a:solidFill>
+                <a:uFill>
+                  <a:solidFill>
+                    <a:srgbClr val="262626"/>
+                  </a:solidFill>
+                </a:uFill>
+                <a:latin typeface="Helvetica Neue"/>
+                <a:ea typeface="Helvetica Neue"/>
+                <a:cs typeface="Helvetica Neue"/>
+                <a:sym typeface="Helvetica Neue"/>
+              </a:rPr>
+              <a:t> CM1</a:t>
+            </a:r>
+          </a:p>
+          <a:p>
+            <a:pPr marL="228600" algn="just" defTabSz="457200">
+              <a:lnSpc>
+                <a:spcPct val="115000"/>
+              </a:lnSpc>
+              <a:spcBef>
+                <a:spcPts val="0"/>
+              </a:spcBef>
+              <a:defRPr sz="1700">
+                <a:solidFill>
+                  <a:srgbClr val="000000"/>
+                </a:solidFill>
+                <a:uFill>
+                  <a:solidFill>
+                    <a:srgbClr val="000000"/>
+                  </a:solidFill>
+                </a:uFill>
+                <a:latin typeface="Times New Roman"/>
+                <a:ea typeface="Times New Roman"/>
+                <a:cs typeface="Times New Roman"/>
+                <a:sym typeface="Times New Roman"/>
+              </a:defRPr>
+            </a:pPr>
+            <a:r>
+              <a:rPr b="1">
+                <a:solidFill>
+                  <a:srgbClr val="262626"/>
+                </a:solidFill>
+                <a:uFill>
+                  <a:solidFill>
+                    <a:srgbClr val="262626"/>
+                  </a:solidFill>
+                </a:uFill>
+                <a:latin typeface="Helvetica Neue"/>
+                <a:ea typeface="Helvetica Neue"/>
+                <a:cs typeface="Helvetica Neue"/>
+                <a:sym typeface="Helvetica Neue"/>
+              </a:rPr>
+              <a:t>Objetivo en Contexto:</a:t>
+            </a:r>
+          </a:p>
+          <a:p>
+            <a:pPr marL="228600" algn="just" defTabSz="457200">
+              <a:lnSpc>
+                <a:spcPct val="115000"/>
+              </a:lnSpc>
+              <a:spcBef>
+                <a:spcPts val="0"/>
+              </a:spcBef>
+              <a:defRPr sz="1700">
+                <a:solidFill>
+                  <a:srgbClr val="000000"/>
+                </a:solidFill>
+                <a:uFill>
+                  <a:solidFill>
+                    <a:srgbClr val="000000"/>
+                  </a:solidFill>
+                </a:uFill>
+                <a:latin typeface="Times New Roman"/>
+                <a:ea typeface="Times New Roman"/>
+                <a:cs typeface="Times New Roman"/>
+                <a:sym typeface="Times New Roman"/>
+              </a:defRPr>
+            </a:pPr>
+            <a:r>
+              <a:rPr>
+                <a:solidFill>
+                  <a:srgbClr val="262626"/>
+                </a:solidFill>
+                <a:uFill>
+                  <a:solidFill>
+                    <a:srgbClr val="262626"/>
+                  </a:solidFill>
+                </a:uFill>
+                <a:latin typeface="Helvetica Neue"/>
+                <a:ea typeface="Helvetica Neue"/>
+                <a:cs typeface="Helvetica Neue"/>
+                <a:sym typeface="Helvetica Neue"/>
+              </a:rPr>
+              <a:t>El paciente desea realizar una pregunta a un médico.</a:t>
+            </a:r>
+          </a:p>
+          <a:p>
+            <a:pPr marL="228600" algn="just" defTabSz="457200">
+              <a:lnSpc>
+                <a:spcPct val="115000"/>
+              </a:lnSpc>
+              <a:spcBef>
+                <a:spcPts val="0"/>
+              </a:spcBef>
+              <a:defRPr sz="1700">
+                <a:solidFill>
+                  <a:srgbClr val="000000"/>
+                </a:solidFill>
+                <a:uFill>
+                  <a:solidFill>
+                    <a:srgbClr val="000000"/>
+                  </a:solidFill>
+                </a:uFill>
+                <a:latin typeface="Times New Roman"/>
+                <a:ea typeface="Times New Roman"/>
+                <a:cs typeface="Times New Roman"/>
+                <a:sym typeface="Times New Roman"/>
+              </a:defRPr>
+            </a:pPr>
+            <a:r>
+              <a:rPr b="1">
+                <a:solidFill>
+                  <a:srgbClr val="262626"/>
+                </a:solidFill>
+                <a:uFill>
+                  <a:solidFill>
+                    <a:srgbClr val="262626"/>
+                  </a:solidFill>
+                </a:uFill>
+                <a:latin typeface="Helvetica Neue"/>
+                <a:ea typeface="Helvetica Neue"/>
+                <a:cs typeface="Helvetica Neue"/>
+                <a:sym typeface="Helvetica Neue"/>
+              </a:rPr>
+              <a:t>Actor</a:t>
+            </a:r>
+            <a:r>
+              <a:rPr>
+                <a:solidFill>
+                  <a:srgbClr val="262626"/>
+                </a:solidFill>
+                <a:uFill>
+                  <a:solidFill>
+                    <a:srgbClr val="262626"/>
+                  </a:solidFill>
+                </a:uFill>
+                <a:latin typeface="Helvetica Neue"/>
+                <a:ea typeface="Helvetica Neue"/>
+                <a:cs typeface="Helvetica Neue"/>
+                <a:sym typeface="Helvetica Neue"/>
+              </a:rPr>
+              <a:t> </a:t>
+            </a:r>
+            <a:r>
+              <a:rPr b="1">
+                <a:solidFill>
+                  <a:srgbClr val="262626"/>
+                </a:solidFill>
+                <a:uFill>
+                  <a:solidFill>
+                    <a:srgbClr val="262626"/>
+                  </a:solidFill>
+                </a:uFill>
+                <a:latin typeface="Helvetica Neue"/>
+                <a:ea typeface="Helvetica Neue"/>
+                <a:cs typeface="Helvetica Neue"/>
+                <a:sym typeface="Helvetica Neue"/>
+              </a:rPr>
+              <a:t>principal</a:t>
+            </a:r>
+            <a:r>
+              <a:rPr>
+                <a:solidFill>
+                  <a:srgbClr val="262626"/>
+                </a:solidFill>
+                <a:uFill>
+                  <a:solidFill>
+                    <a:srgbClr val="262626"/>
+                  </a:solidFill>
+                </a:uFill>
+                <a:latin typeface="Helvetica Neue"/>
+                <a:ea typeface="Helvetica Neue"/>
+                <a:cs typeface="Helvetica Neue"/>
+                <a:sym typeface="Helvetica Neue"/>
+              </a:rPr>
+              <a:t>: Paciente.</a:t>
+            </a:r>
+          </a:p>
+          <a:p>
+            <a:pPr marL="228600" algn="just" defTabSz="457200">
+              <a:lnSpc>
+                <a:spcPct val="115000"/>
+              </a:lnSpc>
+              <a:spcBef>
+                <a:spcPts val="0"/>
+              </a:spcBef>
+              <a:defRPr sz="1700">
+                <a:solidFill>
+                  <a:srgbClr val="000000"/>
+                </a:solidFill>
+                <a:uFill>
+                  <a:solidFill>
+                    <a:srgbClr val="000000"/>
+                  </a:solidFill>
+                </a:uFill>
+                <a:latin typeface="Times New Roman"/>
+                <a:ea typeface="Times New Roman"/>
+                <a:cs typeface="Times New Roman"/>
+                <a:sym typeface="Times New Roman"/>
+              </a:defRPr>
+            </a:pPr>
+            <a:r>
+              <a:rPr b="1">
+                <a:solidFill>
+                  <a:srgbClr val="262626"/>
+                </a:solidFill>
+                <a:uFill>
+                  <a:solidFill>
+                    <a:srgbClr val="262626"/>
+                  </a:solidFill>
+                </a:uFill>
+                <a:latin typeface="Helvetica Neue"/>
+                <a:ea typeface="Helvetica Neue"/>
+                <a:cs typeface="Helvetica Neue"/>
+                <a:sym typeface="Helvetica Neue"/>
+              </a:rPr>
+              <a:t>Actores</a:t>
+            </a:r>
+            <a:r>
+              <a:rPr>
+                <a:solidFill>
+                  <a:srgbClr val="262626"/>
+                </a:solidFill>
+                <a:uFill>
+                  <a:solidFill>
+                    <a:srgbClr val="262626"/>
+                  </a:solidFill>
+                </a:uFill>
+                <a:latin typeface="Helvetica Neue"/>
+                <a:ea typeface="Helvetica Neue"/>
+                <a:cs typeface="Helvetica Neue"/>
+                <a:sym typeface="Helvetica Neue"/>
+              </a:rPr>
+              <a:t> </a:t>
+            </a:r>
+            <a:r>
+              <a:rPr b="1">
+                <a:solidFill>
+                  <a:srgbClr val="262626"/>
+                </a:solidFill>
+                <a:uFill>
+                  <a:solidFill>
+                    <a:srgbClr val="262626"/>
+                  </a:solidFill>
+                </a:uFill>
+                <a:latin typeface="Helvetica Neue"/>
+                <a:ea typeface="Helvetica Neue"/>
+                <a:cs typeface="Helvetica Neue"/>
+                <a:sym typeface="Helvetica Neue"/>
+              </a:rPr>
+              <a:t>secundarios</a:t>
+            </a:r>
+            <a:r>
+              <a:rPr>
+                <a:solidFill>
+                  <a:srgbClr val="262626"/>
+                </a:solidFill>
+                <a:uFill>
+                  <a:solidFill>
+                    <a:srgbClr val="262626"/>
+                  </a:solidFill>
+                </a:uFill>
+                <a:latin typeface="Helvetica Neue"/>
+                <a:ea typeface="Helvetica Neue"/>
+                <a:cs typeface="Helvetica Neue"/>
+                <a:sym typeface="Helvetica Neue"/>
+              </a:rPr>
+              <a:t>: Base de Datos.</a:t>
+            </a:r>
+          </a:p>
+          <a:p>
+            <a:pPr marL="228600" algn="just" defTabSz="457200">
+              <a:lnSpc>
+                <a:spcPct val="115000"/>
+              </a:lnSpc>
+              <a:spcBef>
+                <a:spcPts val="0"/>
+              </a:spcBef>
+              <a:defRPr sz="1700">
+                <a:solidFill>
+                  <a:srgbClr val="000000"/>
+                </a:solidFill>
+                <a:uFill>
+                  <a:solidFill>
+                    <a:srgbClr val="000000"/>
+                  </a:solidFill>
+                </a:uFill>
+                <a:latin typeface="Times New Roman"/>
+                <a:ea typeface="Times New Roman"/>
+                <a:cs typeface="Times New Roman"/>
+                <a:sym typeface="Times New Roman"/>
+              </a:defRPr>
+            </a:pPr>
+            <a:r>
+              <a:rPr b="1">
+                <a:solidFill>
+                  <a:srgbClr val="262626"/>
+                </a:solidFill>
+                <a:uFill>
+                  <a:solidFill>
+                    <a:srgbClr val="262626"/>
+                  </a:solidFill>
+                </a:uFill>
+                <a:latin typeface="Helvetica Neue"/>
+                <a:ea typeface="Helvetica Neue"/>
+                <a:cs typeface="Helvetica Neue"/>
+                <a:sym typeface="Helvetica Neue"/>
+              </a:rPr>
+              <a:t>Qué datos usa:</a:t>
+            </a:r>
+            <a:r>
+              <a:rPr>
+                <a:solidFill>
+                  <a:srgbClr val="262626"/>
+                </a:solidFill>
+                <a:uFill>
+                  <a:solidFill>
+                    <a:srgbClr val="262626"/>
+                  </a:solidFill>
+                </a:uFill>
+                <a:latin typeface="Helvetica Neue"/>
+                <a:ea typeface="Helvetica Neue"/>
+                <a:cs typeface="Helvetica Neue"/>
+                <a:sym typeface="Helvetica Neue"/>
+              </a:rPr>
+              <a:t> Tarjetas CRC implicadas.</a:t>
+            </a:r>
+          </a:p>
+          <a:p>
+            <a:pPr marL="228600" marR="1248410" algn="just" defTabSz="457200">
+              <a:lnSpc>
+                <a:spcPct val="115000"/>
+              </a:lnSpc>
+              <a:spcBef>
+                <a:spcPts val="0"/>
+              </a:spcBef>
+              <a:defRPr sz="1700">
+                <a:solidFill>
+                  <a:srgbClr val="000000"/>
+                </a:solidFill>
+                <a:uFill>
+                  <a:solidFill>
+                    <a:srgbClr val="000000"/>
+                  </a:solidFill>
+                </a:uFill>
+                <a:latin typeface="Times New Roman"/>
+                <a:ea typeface="Times New Roman"/>
+                <a:cs typeface="Times New Roman"/>
+                <a:sym typeface="Times New Roman"/>
+              </a:defRPr>
+            </a:pPr>
+            <a:r>
+              <a:rPr b="1">
+                <a:solidFill>
+                  <a:srgbClr val="262626"/>
+                </a:solidFill>
+                <a:uFill>
+                  <a:solidFill>
+                    <a:srgbClr val="262626"/>
+                  </a:solidFill>
+                </a:uFill>
+                <a:latin typeface="Helvetica Neue"/>
+                <a:ea typeface="Helvetica Neue"/>
+                <a:cs typeface="Helvetica Neue"/>
+                <a:sym typeface="Helvetica Neue"/>
+              </a:rPr>
+              <a:t>Precondiciones</a:t>
+            </a:r>
+            <a:r>
+              <a:rPr>
+                <a:solidFill>
+                  <a:srgbClr val="262626"/>
+                </a:solidFill>
+                <a:uFill>
+                  <a:solidFill>
+                    <a:srgbClr val="262626"/>
+                  </a:solidFill>
+                </a:uFill>
+                <a:latin typeface="Helvetica Neue"/>
+                <a:ea typeface="Helvetica Neue"/>
+                <a:cs typeface="Helvetica Neue"/>
+                <a:sym typeface="Helvetica Neue"/>
+              </a:rPr>
+              <a:t>:</a:t>
+            </a:r>
+          </a:p>
+          <a:p>
+            <a:pPr marL="678180" marR="1248410" algn="just" defTabSz="457200">
+              <a:lnSpc>
+                <a:spcPct val="115000"/>
+              </a:lnSpc>
+              <a:spcBef>
+                <a:spcPts val="0"/>
+              </a:spcBef>
+              <a:defRPr sz="1700">
+                <a:solidFill>
+                  <a:srgbClr val="000000"/>
+                </a:solidFill>
+                <a:uFill>
+                  <a:solidFill>
+                    <a:srgbClr val="000000"/>
+                  </a:solidFill>
+                </a:uFill>
+                <a:latin typeface="Times New Roman"/>
+                <a:ea typeface="Times New Roman"/>
+                <a:cs typeface="Times New Roman"/>
+                <a:sym typeface="Times New Roman"/>
+              </a:defRPr>
+            </a:pPr>
+            <a:r>
+              <a:rPr>
+                <a:solidFill>
+                  <a:srgbClr val="262626"/>
+                </a:solidFill>
+                <a:uFill>
+                  <a:solidFill>
+                    <a:srgbClr val="262626"/>
+                  </a:solidFill>
+                </a:uFill>
+                <a:latin typeface="Helvetica Neue"/>
+                <a:ea typeface="Helvetica Neue"/>
+                <a:cs typeface="Helvetica Neue"/>
+                <a:sym typeface="Helvetica Neue"/>
+              </a:rPr>
+              <a:t>Estar dado de alta en la aplicación, como profesional. (Login)</a:t>
+            </a:r>
+          </a:p>
+          <a:p>
+            <a:pPr marL="228600" marR="1248410" algn="just" defTabSz="457200">
+              <a:lnSpc>
+                <a:spcPct val="115000"/>
+              </a:lnSpc>
+              <a:spcBef>
+                <a:spcPts val="0"/>
+              </a:spcBef>
+              <a:defRPr sz="1700">
+                <a:solidFill>
+                  <a:srgbClr val="000000"/>
+                </a:solidFill>
+                <a:uFill>
+                  <a:solidFill>
+                    <a:srgbClr val="000000"/>
+                  </a:solidFill>
+                </a:uFill>
+                <a:latin typeface="Times New Roman"/>
+                <a:ea typeface="Times New Roman"/>
+                <a:cs typeface="Times New Roman"/>
+                <a:sym typeface="Times New Roman"/>
+              </a:defRPr>
+            </a:pPr>
+            <a:r>
+              <a:rPr b="1">
+                <a:solidFill>
+                  <a:srgbClr val="262626"/>
+                </a:solidFill>
+                <a:uFill>
+                  <a:solidFill>
+                    <a:srgbClr val="262626"/>
+                  </a:solidFill>
+                </a:uFill>
+                <a:latin typeface="Helvetica Neue"/>
+                <a:ea typeface="Helvetica Neue"/>
+                <a:cs typeface="Helvetica Neue"/>
+                <a:sym typeface="Helvetica Neue"/>
+              </a:rPr>
+              <a:t>Postcondiciones</a:t>
+            </a:r>
+            <a:r>
+              <a:rPr b="1" i="1">
+                <a:solidFill>
+                  <a:srgbClr val="262626"/>
+                </a:solidFill>
+                <a:uFill>
+                  <a:solidFill>
+                    <a:srgbClr val="262626"/>
+                  </a:solidFill>
+                </a:uFill>
+                <a:latin typeface="Helvetica Neue"/>
+                <a:ea typeface="Helvetica Neue"/>
+                <a:cs typeface="Helvetica Neue"/>
+                <a:sym typeface="Helvetica Neue"/>
+              </a:rPr>
+              <a:t>:</a:t>
+            </a:r>
+          </a:p>
+          <a:p>
+            <a:pPr marL="668655" marR="567690" algn="just" defTabSz="457200">
+              <a:lnSpc>
+                <a:spcPct val="115000"/>
+              </a:lnSpc>
+              <a:spcBef>
+                <a:spcPts val="0"/>
+              </a:spcBef>
+              <a:defRPr sz="1700">
+                <a:solidFill>
+                  <a:srgbClr val="000000"/>
+                </a:solidFill>
+                <a:uFill>
+                  <a:solidFill>
+                    <a:srgbClr val="000000"/>
+                  </a:solidFill>
+                </a:uFill>
+                <a:latin typeface="Times New Roman"/>
+                <a:ea typeface="Times New Roman"/>
+                <a:cs typeface="Times New Roman"/>
+                <a:sym typeface="Times New Roman"/>
+              </a:defRPr>
+            </a:pPr>
+            <a:r>
+              <a:rPr b="1">
+                <a:solidFill>
+                  <a:srgbClr val="262626"/>
+                </a:solidFill>
+                <a:uFill>
+                  <a:solidFill>
+                    <a:srgbClr val="262626"/>
+                  </a:solidFill>
+                </a:uFill>
+                <a:latin typeface="Helvetica Neue"/>
+                <a:ea typeface="Helvetica Neue"/>
+                <a:cs typeface="Helvetica Neue"/>
+                <a:sym typeface="Helvetica Neue"/>
+              </a:rPr>
+              <a:t>Éxito: </a:t>
+            </a:r>
+            <a:r>
+              <a:rPr>
+                <a:solidFill>
+                  <a:srgbClr val="262626"/>
+                </a:solidFill>
+                <a:uFill>
+                  <a:solidFill>
+                    <a:srgbClr val="262626"/>
+                  </a:solidFill>
+                </a:uFill>
+                <a:latin typeface="Helvetica Neue"/>
+                <a:ea typeface="Helvetica Neue"/>
+                <a:cs typeface="Helvetica Neue"/>
+                <a:sym typeface="Helvetica Neue"/>
+              </a:rPr>
+              <a:t>El paciente realiza una pregunta y es correctamente enviada</a:t>
+            </a:r>
+          </a:p>
+          <a:p>
+            <a:pPr marL="228600" marR="567690" indent="440055" algn="just" defTabSz="457200">
+              <a:lnSpc>
+                <a:spcPct val="115000"/>
+              </a:lnSpc>
+              <a:spcBef>
+                <a:spcPts val="0"/>
+              </a:spcBef>
+              <a:defRPr sz="1700">
+                <a:solidFill>
+                  <a:srgbClr val="000000"/>
+                </a:solidFill>
+                <a:uFill>
+                  <a:solidFill>
+                    <a:srgbClr val="000000"/>
+                  </a:solidFill>
+                </a:uFill>
+                <a:latin typeface="Times New Roman"/>
+                <a:ea typeface="Times New Roman"/>
+                <a:cs typeface="Times New Roman"/>
+                <a:sym typeface="Times New Roman"/>
+              </a:defRPr>
+            </a:pPr>
+            <a:r>
+              <a:rPr b="1">
+                <a:solidFill>
+                  <a:srgbClr val="262626"/>
+                </a:solidFill>
+                <a:uFill>
+                  <a:solidFill>
+                    <a:srgbClr val="262626"/>
+                  </a:solidFill>
+                </a:uFill>
+                <a:latin typeface="Helvetica Neue"/>
+                <a:ea typeface="Helvetica Neue"/>
+                <a:cs typeface="Helvetica Neue"/>
+                <a:sym typeface="Helvetica Neue"/>
+              </a:rPr>
+              <a:t>Fallo:</a:t>
+            </a:r>
+            <a:r>
+              <a:rPr>
+                <a:solidFill>
+                  <a:srgbClr val="262626"/>
+                </a:solidFill>
+                <a:uFill>
+                  <a:solidFill>
+                    <a:srgbClr val="262626"/>
+                  </a:solidFill>
+                </a:uFill>
+                <a:latin typeface="Helvetica Neue"/>
+                <a:ea typeface="Helvetica Neue"/>
+                <a:cs typeface="Helvetica Neue"/>
+                <a:sym typeface="Helvetica Neue"/>
+              </a:rPr>
+              <a:t> La pregunta enviada no se guardó correctamente.</a:t>
+            </a:r>
+          </a:p>
+          <a:p>
+            <a:pPr marL="228600" algn="just" defTabSz="457200">
+              <a:lnSpc>
+                <a:spcPct val="115000"/>
+              </a:lnSpc>
+              <a:spcBef>
+                <a:spcPts val="0"/>
+              </a:spcBef>
+              <a:defRPr sz="1700">
+                <a:solidFill>
+                  <a:srgbClr val="000000"/>
+                </a:solidFill>
+                <a:uFill>
+                  <a:solidFill>
+                    <a:srgbClr val="000000"/>
+                  </a:solidFill>
+                </a:uFill>
+                <a:latin typeface="Times New Roman"/>
+                <a:ea typeface="Times New Roman"/>
+                <a:cs typeface="Times New Roman"/>
+                <a:sym typeface="Times New Roman"/>
+              </a:defRPr>
+            </a:pPr>
+            <a:endParaRPr>
+              <a:solidFill>
+                <a:srgbClr val="262626"/>
+              </a:solidFill>
+              <a:uFill>
+                <a:solidFill>
+                  <a:srgbClr val="262626"/>
+                </a:solidFill>
+              </a:uFill>
+              <a:latin typeface="Helvetica Neue"/>
+              <a:ea typeface="Helvetica Neue"/>
+              <a:cs typeface="Helvetica Neue"/>
+              <a:sym typeface="Helvetica Neue"/>
+            </a:endParaRPr>
+          </a:p>
+          <a:p>
+            <a:pPr marL="228600" algn="just" defTabSz="457200">
+              <a:lnSpc>
+                <a:spcPct val="115000"/>
+              </a:lnSpc>
+              <a:spcBef>
+                <a:spcPts val="0"/>
+              </a:spcBef>
+              <a:defRPr sz="1700">
+                <a:solidFill>
+                  <a:srgbClr val="000000"/>
+                </a:solidFill>
+                <a:uFill>
+                  <a:solidFill>
+                    <a:srgbClr val="000000"/>
+                  </a:solidFill>
+                </a:uFill>
+                <a:latin typeface="Times New Roman"/>
+                <a:ea typeface="Times New Roman"/>
+                <a:cs typeface="Times New Roman"/>
+                <a:sym typeface="Times New Roman"/>
+              </a:defRPr>
+            </a:pPr>
+            <a:r>
+              <a:rPr b="1">
+                <a:solidFill>
+                  <a:srgbClr val="262626"/>
+                </a:solidFill>
+                <a:uFill>
+                  <a:solidFill>
+                    <a:srgbClr val="262626"/>
+                  </a:solidFill>
+                </a:uFill>
+                <a:latin typeface="Helvetica Neue"/>
+                <a:ea typeface="Helvetica Neue"/>
+                <a:cs typeface="Helvetica Neue"/>
+                <a:sym typeface="Helvetica Neue"/>
+              </a:rPr>
+              <a:t>Flujo principal</a:t>
+            </a:r>
+          </a:p>
+          <a:p>
+            <a:pPr marL="685800" indent="-228600" algn="just" defTabSz="457200">
+              <a:lnSpc>
+                <a:spcPct val="115000"/>
+              </a:lnSpc>
+              <a:spcBef>
+                <a:spcPts val="0"/>
+              </a:spcBef>
+              <a:buSzPct val="100000"/>
+              <a:buAutoNum type="arabicPeriod"/>
+              <a:defRPr sz="1700">
+                <a:solidFill>
+                  <a:srgbClr val="000000"/>
+                </a:solidFill>
+                <a:uFill>
+                  <a:solidFill>
+                    <a:srgbClr val="000000"/>
+                  </a:solidFill>
+                </a:uFill>
+                <a:latin typeface="Helvetica Neue"/>
+                <a:ea typeface="Helvetica Neue"/>
+                <a:cs typeface="Helvetica Neue"/>
+                <a:sym typeface="Helvetica Neue"/>
+              </a:defRPr>
+            </a:pPr>
+            <a:r>
+              <a:rPr>
+                <a:solidFill>
+                  <a:srgbClr val="262626"/>
+                </a:solidFill>
+                <a:uFill>
+                  <a:solidFill>
+                    <a:srgbClr val="262626"/>
+                  </a:solidFill>
+                </a:uFill>
+              </a:rPr>
+              <a:t>El paciente realiza una pregunta la cual se guarda en el sistema, para una respuesta por parte de un médico.</a:t>
+            </a:r>
+          </a:p>
+          <a:p>
+            <a:pPr marL="685800" indent="-228600" algn="just" defTabSz="457200">
+              <a:lnSpc>
+                <a:spcPct val="115000"/>
+              </a:lnSpc>
+              <a:spcBef>
+                <a:spcPts val="0"/>
+              </a:spcBef>
+              <a:buSzPct val="100000"/>
+              <a:buAutoNum type="arabicPeriod"/>
+              <a:defRPr sz="1700">
+                <a:solidFill>
+                  <a:srgbClr val="000000"/>
+                </a:solidFill>
+                <a:uFill>
+                  <a:solidFill>
+                    <a:srgbClr val="000000"/>
+                  </a:solidFill>
+                </a:uFill>
+                <a:latin typeface="Helvetica Neue"/>
+                <a:ea typeface="Helvetica Neue"/>
+                <a:cs typeface="Helvetica Neue"/>
+                <a:sym typeface="Helvetica Neue"/>
+              </a:defRPr>
+            </a:pPr>
+            <a:r>
+              <a:rPr>
+                <a:solidFill>
+                  <a:srgbClr val="262626"/>
+                </a:solidFill>
+                <a:uFill>
+                  <a:solidFill>
+                    <a:srgbClr val="262626"/>
+                  </a:solidFill>
+                </a:uFill>
+              </a:rPr>
+              <a:t>El sistema guarda la pregunta para luego poder ser vista y contestada por un médico.</a:t>
+            </a:r>
+          </a:p>
+          <a:p>
+            <a:pPr marL="228600" algn="just" defTabSz="457200">
+              <a:lnSpc>
+                <a:spcPct val="115000"/>
+              </a:lnSpc>
+              <a:spcBef>
+                <a:spcPts val="0"/>
+              </a:spcBef>
+              <a:defRPr sz="1700">
+                <a:solidFill>
+                  <a:srgbClr val="000000"/>
+                </a:solidFill>
+                <a:uFill>
+                  <a:solidFill>
+                    <a:srgbClr val="000000"/>
+                  </a:solidFill>
+                </a:uFill>
+                <a:latin typeface="Times New Roman"/>
+                <a:ea typeface="Times New Roman"/>
+                <a:cs typeface="Times New Roman"/>
+                <a:sym typeface="Times New Roman"/>
+              </a:defRPr>
+            </a:pPr>
+            <a:r>
+              <a:rPr b="1">
+                <a:solidFill>
+                  <a:srgbClr val="262626"/>
+                </a:solidFill>
+                <a:uFill>
+                  <a:solidFill>
+                    <a:srgbClr val="262626"/>
+                  </a:solidFill>
+                </a:uFill>
+                <a:latin typeface="Helvetica Neue"/>
+                <a:ea typeface="Helvetica Neue"/>
+                <a:cs typeface="Helvetica Neue"/>
+                <a:sym typeface="Helvetica Neue"/>
+              </a:rPr>
+              <a:t>Flujos secundarios</a:t>
+            </a:r>
+          </a:p>
+          <a:p>
+            <a:pPr marL="723900" indent="-228600" algn="just" defTabSz="457200">
+              <a:lnSpc>
+                <a:spcPct val="103333"/>
+              </a:lnSpc>
+              <a:spcBef>
+                <a:spcPts val="0"/>
+              </a:spcBef>
+              <a:buSzPct val="100000"/>
+              <a:buAutoNum type="arabicPeriod"/>
+              <a:defRPr sz="1700">
+                <a:solidFill>
+                  <a:srgbClr val="000000"/>
+                </a:solidFill>
+                <a:uFill>
+                  <a:solidFill>
+                    <a:srgbClr val="000000"/>
+                  </a:solidFill>
+                </a:uFill>
+                <a:latin typeface="Helvetica Neue"/>
+                <a:ea typeface="Helvetica Neue"/>
+                <a:cs typeface="Helvetica Neue"/>
+                <a:sym typeface="Helvetica Neue"/>
+              </a:defRPr>
+            </a:pPr>
+            <a:r>
+              <a:rPr>
+                <a:solidFill>
+                  <a:srgbClr val="262626"/>
+                </a:solidFill>
+                <a:uFill>
+                  <a:solidFill>
+                    <a:srgbClr val="262626"/>
+                  </a:solidFill>
+                </a:uFill>
+              </a:rPr>
+              <a:t>Ningún médico contesta la pregunta del paciente</a:t>
+            </a:r>
+          </a:p>
+          <a:p>
+            <a:pPr marL="723900" indent="-228600" algn="just" defTabSz="457200">
+              <a:lnSpc>
+                <a:spcPct val="103333"/>
+              </a:lnSpc>
+              <a:spcBef>
+                <a:spcPts val="0"/>
+              </a:spcBef>
+              <a:buSzPct val="100000"/>
+              <a:buAutoNum type="arabicPeriod"/>
+              <a:defRPr sz="1700">
+                <a:solidFill>
+                  <a:srgbClr val="000000"/>
+                </a:solidFill>
+                <a:uFill>
+                  <a:solidFill>
+                    <a:srgbClr val="000000"/>
+                  </a:solidFill>
+                </a:uFill>
+                <a:latin typeface="Helvetica Neue"/>
+                <a:ea typeface="Helvetica Neue"/>
+                <a:cs typeface="Helvetica Neue"/>
+                <a:sym typeface="Helvetica Neue"/>
+              </a:defRPr>
+            </a:pPr>
+            <a:r>
+              <a:rPr>
+                <a:solidFill>
+                  <a:srgbClr val="262626"/>
+                </a:solidFill>
+                <a:uFill>
+                  <a:solidFill>
+                    <a:srgbClr val="262626"/>
+                  </a:solidFill>
+                </a:uFill>
+              </a:rPr>
+              <a:t>El sistema no guardó correctamente la pregunta.</a:t>
+            </a:r>
+          </a:p>
+        </p:txBody>
+      </p:sp>
+      <p:pic>
+        <p:nvPicPr>
+          <p:cNvPr id="326" name="image3.png"/>
+          <p:cNvPicPr>
+            <a:picLocks noChangeAspect="1"/>
+          </p:cNvPicPr>
+          <p:nvPr/>
+        </p:nvPicPr>
+        <p:blipFill>
+          <a:blip r:embed="rId4">
+            <a:extLst/>
+          </a:blip>
+          <a:stretch>
+            <a:fillRect/>
+          </a:stretch>
+        </p:blipFill>
+        <p:spPr>
+          <a:xfrm>
+            <a:off x="2766525" y="5898250"/>
+            <a:ext cx="7951259" cy="4882354"/>
+          </a:xfrm>
+          <a:prstGeom prst="rect">
+            <a:avLst/>
+          </a:prstGeom>
+          <a:ln w="12700">
+            <a:miter lim="400000"/>
+          </a:ln>
+        </p:spPr>
+      </p:pic>
+      <p:sp>
+        <p:nvSpPr>
+          <p:cNvPr id="3" name="Marcador de número de diapositiva 2"/>
+          <p:cNvSpPr>
+            <a:spLocks noGrp="1"/>
+          </p:cNvSpPr>
+          <p:nvPr>
+            <p:ph type="sldNum" sz="quarter" idx="2"/>
+          </p:nvPr>
+        </p:nvSpPr>
+        <p:spPr/>
+        <p:txBody>
+          <a:bodyPr/>
+          <a:lstStyle/>
+          <a:p>
+            <a:fld id="{86CB4B4D-7CA3-9044-876B-883B54F8677D}" type="slidenum">
+              <a:rPr lang="es-ES" smtClean="0"/>
+              <a:t>30</a:t>
+            </a:fld>
+            <a:endParaRPr lang="es-ES"/>
+          </a:p>
+        </p:txBody>
+      </p:sp>
+    </p:spTree>
+  </p:cSld>
+  <p:clrMapOvr>
+    <a:masterClrMapping/>
+  </p:clrMapOvr>
+  <p:transition spd="med"/>
+</p:sld>
+</file>
+
+<file path=ppt/slides/slide31.xml><?xml version="1.0" encoding="utf-8"?>
+<p:sld xmlns:a="http://schemas.openxmlformats.org/drawingml/2006/main" xmlns:r="http://schemas.openxmlformats.org/officeDocument/2006/relationships" xmlns:p="http://schemas.openxmlformats.org/presentationml/2006/main">
+  <p:cSld>
+    <p:spTree>
+      <p:nvGrpSpPr>
+        <p:cNvPr id="1" name=""/>
+        <p:cNvGrpSpPr/>
+        <p:nvPr/>
+      </p:nvGrpSpPr>
+      <p:grpSpPr>
+        <a:xfrm>
+          <a:off x="0" y="0"/>
+          <a:ext cx="0" cy="0"/>
+          <a:chOff x="0" y="0"/>
+          <a:chExt cx="0" cy="0"/>
+        </a:xfrm>
+      </p:grpSpPr>
+      <p:pic>
+        <p:nvPicPr>
+          <p:cNvPr id="328" name="pasted-image.tiff"/>
+          <p:cNvPicPr>
+            <a:picLocks noChangeAspect="1"/>
+          </p:cNvPicPr>
+          <p:nvPr/>
+        </p:nvPicPr>
+        <p:blipFill>
+          <a:blip r:embed="rId2">
+            <a:extLst/>
+          </a:blip>
+          <a:stretch>
+            <a:fillRect/>
+          </a:stretch>
+        </p:blipFill>
+        <p:spPr>
+          <a:xfrm>
+            <a:off x="-816206" y="-529723"/>
+            <a:ext cx="26829216" cy="2397845"/>
+          </a:xfrm>
+          <a:prstGeom prst="rect">
+            <a:avLst/>
+          </a:prstGeom>
+          <a:ln w="12700">
+            <a:miter lim="400000"/>
+          </a:ln>
+        </p:spPr>
+      </p:pic>
+      <p:pic>
+        <p:nvPicPr>
+          <p:cNvPr id="329" name="pasted-image.tiff"/>
+          <p:cNvPicPr>
+            <a:picLocks noChangeAspect="1"/>
+          </p:cNvPicPr>
+          <p:nvPr/>
+        </p:nvPicPr>
+        <p:blipFill>
+          <a:blip r:embed="rId3">
+            <a:extLst/>
+          </a:blip>
+          <a:stretch>
+            <a:fillRect/>
+          </a:stretch>
+        </p:blipFill>
+        <p:spPr>
+          <a:xfrm>
+            <a:off x="20120528" y="596900"/>
+            <a:ext cx="2416329" cy="766806"/>
+          </a:xfrm>
+          <a:prstGeom prst="rect">
+            <a:avLst/>
+          </a:prstGeom>
+          <a:ln w="12700">
+            <a:miter lim="400000"/>
+          </a:ln>
+        </p:spPr>
+      </p:pic>
+      <p:sp>
+        <p:nvSpPr>
+          <p:cNvPr id="331" name="Shape 331"/>
+          <p:cNvSpPr/>
+          <p:nvPr/>
+        </p:nvSpPr>
+        <p:spPr>
+          <a:xfrm>
+            <a:off x="1044066" y="512137"/>
+            <a:ext cx="6485955" cy="771399"/>
+          </a:xfrm>
+          <a:prstGeom prst="rect">
+            <a:avLst/>
+          </a:prstGeom>
+          <a:ln w="12700">
+            <a:miter lim="400000"/>
+          </a:ln>
+          <a:extLst>
+            <a:ext uri="{C572A759-6A51-4108-AA02-DFA0A04FC94B}">
+              <ma14:wrappingTextBoxFlag xmlns:ma14="http://schemas.microsoft.com/office/mac/drawingml/2011/main" xmlns="" val="1"/>
+            </a:ext>
+          </a:extLst>
+        </p:spPr>
+        <p:txBody>
+          <a:bodyPr wrap="none" lIns="50800" tIns="50800" rIns="50800" bIns="50800" anchor="ctr">
+            <a:spAutoFit/>
+          </a:bodyPr>
+          <a:lstStyle>
+            <a:lvl1pPr>
+              <a:defRPr sz="4500">
+                <a:solidFill>
+                  <a:srgbClr val="FFFFFF"/>
+                </a:solidFill>
+                <a:latin typeface="Helvetica Neue"/>
+                <a:ea typeface="Helvetica Neue"/>
+                <a:cs typeface="Helvetica Neue"/>
+                <a:sym typeface="Helvetica Neue"/>
+              </a:defRPr>
+            </a:lvl1pPr>
+          </a:lstStyle>
+          <a:p>
+            <a:r>
+              <a:t>3. Requisitos específicos</a:t>
+            </a:r>
+          </a:p>
+        </p:txBody>
+      </p:sp>
+      <p:sp>
+        <p:nvSpPr>
+          <p:cNvPr id="332" name="Shape 332"/>
+          <p:cNvSpPr/>
+          <p:nvPr/>
+        </p:nvSpPr>
+        <p:spPr>
+          <a:xfrm>
+            <a:off x="9780559" y="2510331"/>
+            <a:ext cx="4822882" cy="771399"/>
+          </a:xfrm>
+          <a:prstGeom prst="roundRect">
+            <a:avLst>
+              <a:gd name="adj" fmla="val 33536"/>
+            </a:avLst>
+          </a:prstGeom>
+          <a:solidFill>
+            <a:srgbClr val="BA6B89"/>
+          </a:solidFill>
+          <a:ln w="12700">
+            <a:miter lim="400000"/>
+          </a:ln>
+        </p:spPr>
+        <p:txBody>
+          <a:bodyPr lIns="50800" tIns="50800" rIns="50800" bIns="50800" anchor="ctr"/>
+          <a:lstStyle/>
+          <a:p>
+            <a:pPr algn="ctr">
+              <a:lnSpc>
+                <a:spcPct val="80000"/>
+              </a:lnSpc>
+              <a:spcBef>
+                <a:spcPts val="0"/>
+              </a:spcBef>
+              <a:defRPr sz="4000" cap="all">
+                <a:solidFill>
+                  <a:srgbClr val="FFFFFF"/>
+                </a:solidFill>
+                <a:latin typeface="+mn-lt"/>
+                <a:ea typeface="+mn-ea"/>
+                <a:cs typeface="+mn-cs"/>
+                <a:sym typeface="DIN Condensed"/>
+              </a:defRPr>
+            </a:pPr>
+            <a:endParaRPr/>
+          </a:p>
+        </p:txBody>
+      </p:sp>
+      <p:sp>
+        <p:nvSpPr>
+          <p:cNvPr id="333" name="Shape 333"/>
+          <p:cNvSpPr/>
+          <p:nvPr/>
+        </p:nvSpPr>
+        <p:spPr>
+          <a:xfrm>
+            <a:off x="10006183" y="2584880"/>
+            <a:ext cx="4371634" cy="622301"/>
+          </a:xfrm>
+          <a:prstGeom prst="rect">
+            <a:avLst/>
+          </a:prstGeom>
+          <a:ln w="12700">
+            <a:miter lim="400000"/>
+          </a:ln>
+          <a:extLst>
+            <a:ext uri="{C572A759-6A51-4108-AA02-DFA0A04FC94B}">
+              <ma14:wrappingTextBoxFlag xmlns:ma14="http://schemas.microsoft.com/office/mac/drawingml/2011/main" xmlns="" val="1"/>
+            </a:ext>
+          </a:extLst>
+        </p:spPr>
+        <p:txBody>
+          <a:bodyPr lIns="50800" tIns="50800" rIns="50800" bIns="50800" anchor="ctr">
+            <a:spAutoFit/>
+          </a:bodyPr>
+          <a:lstStyle>
+            <a:lvl1pPr>
+              <a:defRPr>
+                <a:solidFill>
+                  <a:srgbClr val="FFFFFF"/>
+                </a:solidFill>
+              </a:defRPr>
+            </a:lvl1pPr>
+          </a:lstStyle>
+          <a:p>
+            <a:r>
+              <a:t>2 Requisitos funcionales</a:t>
+            </a:r>
+          </a:p>
+        </p:txBody>
+      </p:sp>
+      <p:sp>
+        <p:nvSpPr>
+          <p:cNvPr id="334" name="Shape 334"/>
+          <p:cNvSpPr/>
+          <p:nvPr/>
+        </p:nvSpPr>
+        <p:spPr>
+          <a:xfrm>
+            <a:off x="1187450" y="3949265"/>
+            <a:ext cx="22009100" cy="8780324"/>
+          </a:xfrm>
+          <a:prstGeom prst="roundRect">
+            <a:avLst>
+              <a:gd name="adj" fmla="val 8979"/>
+            </a:avLst>
+          </a:prstGeom>
+          <a:ln w="50800">
+            <a:solidFill>
+              <a:srgbClr val="5B5854"/>
+            </a:solidFill>
+            <a:miter lim="400000"/>
+          </a:ln>
+        </p:spPr>
+        <p:txBody>
+          <a:bodyPr lIns="50800" tIns="50800" rIns="50800" bIns="50800" anchor="ctr"/>
+          <a:lstStyle/>
+          <a:p>
+            <a:pPr algn="ctr">
+              <a:lnSpc>
+                <a:spcPct val="80000"/>
+              </a:lnSpc>
+              <a:spcBef>
+                <a:spcPts val="0"/>
+              </a:spcBef>
+              <a:defRPr sz="100" cap="all">
+                <a:solidFill>
+                  <a:srgbClr val="FFFFFF"/>
+                </a:solidFill>
+                <a:latin typeface="+mn-lt"/>
+                <a:ea typeface="+mn-ea"/>
+                <a:cs typeface="+mn-cs"/>
+                <a:sym typeface="DIN Condensed"/>
+              </a:defRPr>
+            </a:pPr>
+            <a:endParaRPr/>
+          </a:p>
+        </p:txBody>
+      </p:sp>
+      <p:sp>
+        <p:nvSpPr>
+          <p:cNvPr id="335" name="Shape 335"/>
+          <p:cNvSpPr/>
+          <p:nvPr/>
+        </p:nvSpPr>
+        <p:spPr>
+          <a:xfrm>
+            <a:off x="1775661" y="4549095"/>
+            <a:ext cx="6312854" cy="473391"/>
+          </a:xfrm>
+          <a:prstGeom prst="rect">
+            <a:avLst/>
+          </a:prstGeom>
+          <a:ln w="12700">
+            <a:miter lim="400000"/>
+          </a:ln>
+          <a:extLst>
+            <a:ext uri="{C572A759-6A51-4108-AA02-DFA0A04FC94B}">
+              <ma14:wrappingTextBoxFlag xmlns:ma14="http://schemas.microsoft.com/office/mac/drawingml/2011/main" xmlns="" val="1"/>
+            </a:ext>
+          </a:extLst>
+        </p:spPr>
+        <p:txBody>
+          <a:bodyPr wrap="none" lIns="50800" tIns="50800" rIns="50800" bIns="50800" anchor="ctr">
+            <a:spAutoFit/>
+          </a:bodyPr>
+          <a:lstStyle>
+            <a:lvl1pPr marL="360045" algn="just" defTabSz="457200">
+              <a:lnSpc>
+                <a:spcPct val="115000"/>
+              </a:lnSpc>
+              <a:spcBef>
+                <a:spcPts val="1000"/>
+              </a:spcBef>
+              <a:defRPr sz="2500" b="1">
+                <a:solidFill>
+                  <a:srgbClr val="000000"/>
+                </a:solidFill>
+                <a:uFill>
+                  <a:solidFill>
+                    <a:srgbClr val="000000"/>
+                  </a:solidFill>
+                </a:uFill>
+                <a:latin typeface="Helvetica Neue"/>
+                <a:ea typeface="Helvetica Neue"/>
+                <a:cs typeface="Helvetica Neue"/>
+                <a:sym typeface="Helvetica Neue"/>
+              </a:defRPr>
+            </a:lvl1pPr>
+          </a:lstStyle>
+          <a:p>
+            <a:r>
+              <a:t>3. Subsistema, Preguntar a un médico.</a:t>
+            </a:r>
+          </a:p>
+        </p:txBody>
+      </p:sp>
+      <p:sp>
+        <p:nvSpPr>
+          <p:cNvPr id="336" name="Shape 336"/>
+          <p:cNvSpPr/>
+          <p:nvPr/>
+        </p:nvSpPr>
+        <p:spPr>
+          <a:xfrm>
+            <a:off x="12688999" y="4133320"/>
+            <a:ext cx="10329053" cy="8412214"/>
+          </a:xfrm>
+          <a:prstGeom prst="roundRect">
+            <a:avLst>
+              <a:gd name="adj" fmla="val 8979"/>
+            </a:avLst>
+          </a:prstGeom>
+          <a:ln w="50800">
+            <a:solidFill>
+              <a:srgbClr val="5B5854"/>
+            </a:solidFill>
+            <a:miter lim="400000"/>
+          </a:ln>
+        </p:spPr>
+        <p:txBody>
+          <a:bodyPr lIns="50800" tIns="50800" rIns="50800" bIns="50800" anchor="ctr"/>
+          <a:lstStyle/>
+          <a:p>
+            <a:pPr algn="ctr">
+              <a:lnSpc>
+                <a:spcPct val="80000"/>
+              </a:lnSpc>
+              <a:spcBef>
+                <a:spcPts val="0"/>
+              </a:spcBef>
+              <a:defRPr sz="100" cap="all">
+                <a:solidFill>
+                  <a:srgbClr val="FFFFFF"/>
+                </a:solidFill>
+                <a:latin typeface="+mn-lt"/>
+                <a:ea typeface="+mn-ea"/>
+                <a:cs typeface="+mn-cs"/>
+                <a:sym typeface="DIN Condensed"/>
+              </a:defRPr>
+            </a:pPr>
+            <a:endParaRPr/>
+          </a:p>
+        </p:txBody>
+      </p:sp>
+      <p:sp>
+        <p:nvSpPr>
+          <p:cNvPr id="337" name="Shape 337"/>
+          <p:cNvSpPr/>
+          <p:nvPr/>
+        </p:nvSpPr>
+        <p:spPr>
+          <a:xfrm>
+            <a:off x="13158615" y="4549095"/>
+            <a:ext cx="5620068" cy="473391"/>
+          </a:xfrm>
+          <a:prstGeom prst="rect">
+            <a:avLst/>
+          </a:prstGeom>
+          <a:ln w="12700">
+            <a:miter lim="400000"/>
+          </a:ln>
+          <a:extLst>
+            <a:ext uri="{C572A759-6A51-4108-AA02-DFA0A04FC94B}">
+              <ma14:wrappingTextBoxFlag xmlns:ma14="http://schemas.microsoft.com/office/mac/drawingml/2011/main" xmlns="" val="1"/>
+            </a:ext>
+          </a:extLst>
+        </p:spPr>
+        <p:txBody>
+          <a:bodyPr wrap="none" lIns="50800" tIns="50800" rIns="50800" bIns="50800" anchor="ctr">
+            <a:spAutoFit/>
+          </a:bodyPr>
+          <a:lstStyle>
+            <a:lvl1pPr marL="360045" algn="just" defTabSz="457200">
+              <a:lnSpc>
+                <a:spcPct val="115000"/>
+              </a:lnSpc>
+              <a:spcBef>
+                <a:spcPts val="1000"/>
+              </a:spcBef>
+              <a:defRPr sz="2500" b="1">
+                <a:solidFill>
+                  <a:srgbClr val="000000"/>
+                </a:solidFill>
+                <a:uFill>
+                  <a:solidFill>
+                    <a:srgbClr val="000000"/>
+                  </a:solidFill>
+                </a:uFill>
+                <a:latin typeface="Helvetica Neue"/>
+                <a:ea typeface="Helvetica Neue"/>
+                <a:cs typeface="Helvetica Neue"/>
+                <a:sym typeface="Helvetica Neue"/>
+              </a:defRPr>
+            </a:lvl1pPr>
+          </a:lstStyle>
+          <a:p>
+            <a:r>
+              <a:t>Caso de Uso, Contestar pregunta:</a:t>
+            </a:r>
+          </a:p>
+        </p:txBody>
+      </p:sp>
+      <p:sp>
+        <p:nvSpPr>
+          <p:cNvPr id="338" name="Shape 338"/>
+          <p:cNvSpPr/>
+          <p:nvPr/>
+        </p:nvSpPr>
+        <p:spPr>
+          <a:xfrm>
+            <a:off x="5350865" y="10766335"/>
+            <a:ext cx="2782579" cy="362130"/>
+          </a:xfrm>
+          <a:prstGeom prst="rect">
+            <a:avLst/>
+          </a:prstGeom>
+          <a:ln w="12700">
+            <a:miter lim="400000"/>
+          </a:ln>
+          <a:extLst>
+            <a:ext uri="{C572A759-6A51-4108-AA02-DFA0A04FC94B}">
+              <ma14:wrappingTextBoxFlag xmlns:ma14="http://schemas.microsoft.com/office/mac/drawingml/2011/main" xmlns="" val="1"/>
+            </a:ext>
+          </a:extLst>
+        </p:spPr>
+        <p:txBody>
+          <a:bodyPr lIns="50800" tIns="50800" rIns="50800" bIns="50800" anchor="ctr">
+            <a:spAutoFit/>
+          </a:bodyPr>
+          <a:lstStyle>
+            <a:lvl1pPr marL="342900" algn="r" defTabSz="457200">
+              <a:lnSpc>
+                <a:spcPct val="115000"/>
+              </a:lnSpc>
+              <a:spcBef>
+                <a:spcPts val="1000"/>
+              </a:spcBef>
+              <a:tabLst>
+                <a:tab pos="444500" algn="l"/>
+              </a:tabLst>
+              <a:defRPr sz="1800" i="1">
+                <a:solidFill>
+                  <a:srgbClr val="00000A"/>
+                </a:solidFill>
+                <a:uFill>
+                  <a:solidFill>
+                    <a:srgbClr val="00000A"/>
+                  </a:solidFill>
+                </a:uFill>
+                <a:latin typeface="Helvetica Neue UltraLight"/>
+                <a:ea typeface="Helvetica Neue UltraLight"/>
+                <a:cs typeface="Helvetica Neue UltraLight"/>
+                <a:sym typeface="Helvetica Neue UltraLight"/>
+              </a:defRPr>
+            </a:lvl1pPr>
+          </a:lstStyle>
+          <a:p>
+            <a:pPr>
+              <a:defRPr i="0">
+                <a:solidFill>
+                  <a:srgbClr val="000000"/>
+                </a:solidFill>
+                <a:uFill>
+                  <a:solidFill>
+                    <a:srgbClr val="000000"/>
+                  </a:solidFill>
+                </a:uFill>
+                <a:latin typeface="Times New Roman"/>
+                <a:ea typeface="Times New Roman"/>
+                <a:cs typeface="Times New Roman"/>
+                <a:sym typeface="Times New Roman"/>
+              </a:defRPr>
+            </a:pPr>
+            <a:r>
+              <a:rPr i="1">
+                <a:solidFill>
+                  <a:srgbClr val="00000A"/>
+                </a:solidFill>
+                <a:uFill>
+                  <a:solidFill>
+                    <a:srgbClr val="00000A"/>
+                  </a:solidFill>
+                </a:uFill>
+                <a:latin typeface="Helvetica Neue UltraLight"/>
+                <a:ea typeface="Helvetica Neue UltraLight"/>
+                <a:cs typeface="Helvetica Neue UltraLight"/>
+                <a:sym typeface="Helvetica Neue UltraLight"/>
+              </a:rPr>
+              <a:t>DCU_Consultar_Medico</a:t>
+            </a:r>
+          </a:p>
+        </p:txBody>
+      </p:sp>
+      <p:sp>
+        <p:nvSpPr>
+          <p:cNvPr id="339" name="Shape 339"/>
+          <p:cNvSpPr/>
+          <p:nvPr/>
+        </p:nvSpPr>
+        <p:spPr>
+          <a:xfrm>
+            <a:off x="13877896" y="5489926"/>
+            <a:ext cx="7951259" cy="5699002"/>
+          </a:xfrm>
+          <a:prstGeom prst="rect">
+            <a:avLst/>
+          </a:prstGeom>
+          <a:ln w="12700">
+            <a:miter lim="400000"/>
+          </a:ln>
+          <a:extLst>
+            <a:ext uri="{C572A759-6A51-4108-AA02-DFA0A04FC94B}">
+              <ma14:wrappingTextBoxFlag xmlns:ma14="http://schemas.microsoft.com/office/mac/drawingml/2011/main" xmlns="" val="1"/>
+            </a:ext>
+          </a:extLst>
+        </p:spPr>
+        <p:txBody>
+          <a:bodyPr lIns="50800" tIns="50800" rIns="50800" bIns="50800" anchor="ctr">
+            <a:spAutoFit/>
+          </a:bodyPr>
+          <a:lstStyle/>
+          <a:p>
+            <a:pPr marL="228600" algn="just" defTabSz="457200">
+              <a:lnSpc>
+                <a:spcPct val="115000"/>
+              </a:lnSpc>
+              <a:spcBef>
+                <a:spcPts val="0"/>
+              </a:spcBef>
+              <a:defRPr sz="1700">
+                <a:solidFill>
+                  <a:srgbClr val="000000"/>
+                </a:solidFill>
+                <a:uFill>
+                  <a:solidFill>
+                    <a:srgbClr val="000000"/>
+                  </a:solidFill>
+                </a:uFill>
+                <a:latin typeface="Times New Roman"/>
+                <a:ea typeface="Times New Roman"/>
+                <a:cs typeface="Times New Roman"/>
+                <a:sym typeface="Times New Roman"/>
+              </a:defRPr>
+            </a:pPr>
+            <a:r>
+              <a:rPr b="1">
+                <a:solidFill>
+                  <a:srgbClr val="262626"/>
+                </a:solidFill>
+                <a:uFill>
+                  <a:solidFill>
+                    <a:srgbClr val="262626"/>
+                  </a:solidFill>
+                </a:uFill>
+                <a:latin typeface="Helvetica Neue"/>
+                <a:ea typeface="Helvetica Neue"/>
+                <a:cs typeface="Helvetica Neue"/>
+                <a:sym typeface="Helvetica Neue"/>
+              </a:rPr>
+              <a:t>Identificador</a:t>
+            </a:r>
+            <a:r>
+              <a:rPr>
+                <a:solidFill>
+                  <a:srgbClr val="262626"/>
+                </a:solidFill>
+                <a:uFill>
+                  <a:solidFill>
+                    <a:srgbClr val="262626"/>
+                  </a:solidFill>
+                </a:uFill>
+                <a:latin typeface="Helvetica Neue"/>
+                <a:ea typeface="Helvetica Neue"/>
+                <a:cs typeface="Helvetica Neue"/>
+                <a:sym typeface="Helvetica Neue"/>
+              </a:rPr>
+              <a:t>: CM2</a:t>
+            </a:r>
+          </a:p>
+          <a:p>
+            <a:pPr marL="228600" algn="just" defTabSz="457200">
+              <a:lnSpc>
+                <a:spcPct val="115000"/>
+              </a:lnSpc>
+              <a:spcBef>
+                <a:spcPts val="0"/>
+              </a:spcBef>
+              <a:defRPr sz="1700">
+                <a:solidFill>
+                  <a:srgbClr val="000000"/>
+                </a:solidFill>
+                <a:uFill>
+                  <a:solidFill>
+                    <a:srgbClr val="000000"/>
+                  </a:solidFill>
+                </a:uFill>
+                <a:latin typeface="Times New Roman"/>
+                <a:ea typeface="Times New Roman"/>
+                <a:cs typeface="Times New Roman"/>
+                <a:sym typeface="Times New Roman"/>
+              </a:defRPr>
+            </a:pPr>
+            <a:r>
+              <a:rPr b="1">
+                <a:solidFill>
+                  <a:srgbClr val="262626"/>
+                </a:solidFill>
+                <a:uFill>
+                  <a:solidFill>
+                    <a:srgbClr val="262626"/>
+                  </a:solidFill>
+                </a:uFill>
+                <a:latin typeface="Helvetica Neue"/>
+                <a:ea typeface="Helvetica Neue"/>
+                <a:cs typeface="Helvetica Neue"/>
+                <a:sym typeface="Helvetica Neue"/>
+              </a:rPr>
+              <a:t>Objetivo en Contexto:</a:t>
+            </a:r>
+          </a:p>
+          <a:p>
+            <a:pPr marL="228600" algn="just" defTabSz="457200">
+              <a:lnSpc>
+                <a:spcPct val="115000"/>
+              </a:lnSpc>
+              <a:spcBef>
+                <a:spcPts val="0"/>
+              </a:spcBef>
+              <a:defRPr sz="1700">
+                <a:solidFill>
+                  <a:srgbClr val="000000"/>
+                </a:solidFill>
+                <a:uFill>
+                  <a:solidFill>
+                    <a:srgbClr val="000000"/>
+                  </a:solidFill>
+                </a:uFill>
+                <a:latin typeface="Times New Roman"/>
+                <a:ea typeface="Times New Roman"/>
+                <a:cs typeface="Times New Roman"/>
+                <a:sym typeface="Times New Roman"/>
+              </a:defRPr>
+            </a:pPr>
+            <a:r>
+              <a:rPr>
+                <a:solidFill>
+                  <a:srgbClr val="262626"/>
+                </a:solidFill>
+                <a:uFill>
+                  <a:solidFill>
+                    <a:srgbClr val="262626"/>
+                  </a:solidFill>
+                </a:uFill>
+                <a:latin typeface="Helvetica Neue"/>
+                <a:ea typeface="Helvetica Neue"/>
+                <a:cs typeface="Helvetica Neue"/>
+                <a:sym typeface="Helvetica Neue"/>
+              </a:rPr>
+              <a:t>El  Médico contesta a una pregunta realizada por un paciente.</a:t>
+            </a:r>
+          </a:p>
+          <a:p>
+            <a:pPr marL="228600" algn="just" defTabSz="457200">
+              <a:lnSpc>
+                <a:spcPct val="115000"/>
+              </a:lnSpc>
+              <a:spcBef>
+                <a:spcPts val="0"/>
+              </a:spcBef>
+              <a:defRPr sz="1700">
+                <a:solidFill>
+                  <a:srgbClr val="000000"/>
+                </a:solidFill>
+                <a:uFill>
+                  <a:solidFill>
+                    <a:srgbClr val="000000"/>
+                  </a:solidFill>
+                </a:uFill>
+                <a:latin typeface="Times New Roman"/>
+                <a:ea typeface="Times New Roman"/>
+                <a:cs typeface="Times New Roman"/>
+                <a:sym typeface="Times New Roman"/>
+              </a:defRPr>
+            </a:pPr>
+            <a:r>
+              <a:rPr b="1">
+                <a:solidFill>
+                  <a:srgbClr val="262626"/>
+                </a:solidFill>
+                <a:uFill>
+                  <a:solidFill>
+                    <a:srgbClr val="262626"/>
+                  </a:solidFill>
+                </a:uFill>
+                <a:latin typeface="Helvetica Neue"/>
+                <a:ea typeface="Helvetica Neue"/>
+                <a:cs typeface="Helvetica Neue"/>
+                <a:sym typeface="Helvetica Neue"/>
+              </a:rPr>
+              <a:t>Actor</a:t>
+            </a:r>
+            <a:r>
+              <a:rPr>
+                <a:solidFill>
+                  <a:srgbClr val="262626"/>
+                </a:solidFill>
+                <a:uFill>
+                  <a:solidFill>
+                    <a:srgbClr val="262626"/>
+                  </a:solidFill>
+                </a:uFill>
+                <a:latin typeface="Helvetica Neue"/>
+                <a:ea typeface="Helvetica Neue"/>
+                <a:cs typeface="Helvetica Neue"/>
+                <a:sym typeface="Helvetica Neue"/>
+              </a:rPr>
+              <a:t> </a:t>
+            </a:r>
+            <a:r>
+              <a:rPr b="1">
+                <a:solidFill>
+                  <a:srgbClr val="262626"/>
+                </a:solidFill>
+                <a:uFill>
+                  <a:solidFill>
+                    <a:srgbClr val="262626"/>
+                  </a:solidFill>
+                </a:uFill>
+                <a:latin typeface="Helvetica Neue"/>
+                <a:ea typeface="Helvetica Neue"/>
+                <a:cs typeface="Helvetica Neue"/>
+                <a:sym typeface="Helvetica Neue"/>
+              </a:rPr>
+              <a:t>principal</a:t>
+            </a:r>
+            <a:r>
+              <a:rPr>
+                <a:solidFill>
+                  <a:srgbClr val="262626"/>
+                </a:solidFill>
+                <a:uFill>
+                  <a:solidFill>
+                    <a:srgbClr val="262626"/>
+                  </a:solidFill>
+                </a:uFill>
+                <a:latin typeface="Helvetica Neue"/>
+                <a:ea typeface="Helvetica Neue"/>
+                <a:cs typeface="Helvetica Neue"/>
+                <a:sym typeface="Helvetica Neue"/>
+              </a:rPr>
+              <a:t>: Médico.</a:t>
+            </a:r>
+          </a:p>
+          <a:p>
+            <a:pPr marL="228600" algn="just" defTabSz="457200">
+              <a:lnSpc>
+                <a:spcPct val="115000"/>
+              </a:lnSpc>
+              <a:spcBef>
+                <a:spcPts val="0"/>
+              </a:spcBef>
+              <a:defRPr sz="1700">
+                <a:solidFill>
+                  <a:srgbClr val="000000"/>
+                </a:solidFill>
+                <a:uFill>
+                  <a:solidFill>
+                    <a:srgbClr val="000000"/>
+                  </a:solidFill>
+                </a:uFill>
+                <a:latin typeface="Times New Roman"/>
+                <a:ea typeface="Times New Roman"/>
+                <a:cs typeface="Times New Roman"/>
+                <a:sym typeface="Times New Roman"/>
+              </a:defRPr>
+            </a:pPr>
+            <a:r>
+              <a:rPr b="1">
+                <a:solidFill>
+                  <a:srgbClr val="262626"/>
+                </a:solidFill>
+                <a:uFill>
+                  <a:solidFill>
+                    <a:srgbClr val="262626"/>
+                  </a:solidFill>
+                </a:uFill>
+                <a:latin typeface="Helvetica Neue"/>
+                <a:ea typeface="Helvetica Neue"/>
+                <a:cs typeface="Helvetica Neue"/>
+                <a:sym typeface="Helvetica Neue"/>
+              </a:rPr>
+              <a:t>Actores</a:t>
+            </a:r>
+            <a:r>
+              <a:rPr>
+                <a:solidFill>
+                  <a:srgbClr val="262626"/>
+                </a:solidFill>
+                <a:uFill>
+                  <a:solidFill>
+                    <a:srgbClr val="262626"/>
+                  </a:solidFill>
+                </a:uFill>
+                <a:latin typeface="Helvetica Neue"/>
+                <a:ea typeface="Helvetica Neue"/>
+                <a:cs typeface="Helvetica Neue"/>
+                <a:sym typeface="Helvetica Neue"/>
+              </a:rPr>
+              <a:t> </a:t>
+            </a:r>
+            <a:r>
+              <a:rPr b="1">
+                <a:solidFill>
+                  <a:srgbClr val="262626"/>
+                </a:solidFill>
+                <a:uFill>
+                  <a:solidFill>
+                    <a:srgbClr val="262626"/>
+                  </a:solidFill>
+                </a:uFill>
+                <a:latin typeface="Helvetica Neue"/>
+                <a:ea typeface="Helvetica Neue"/>
+                <a:cs typeface="Helvetica Neue"/>
+                <a:sym typeface="Helvetica Neue"/>
+              </a:rPr>
+              <a:t>secundarios</a:t>
+            </a:r>
+            <a:r>
+              <a:rPr>
+                <a:solidFill>
+                  <a:srgbClr val="262626"/>
+                </a:solidFill>
+                <a:uFill>
+                  <a:solidFill>
+                    <a:srgbClr val="262626"/>
+                  </a:solidFill>
+                </a:uFill>
+                <a:latin typeface="Helvetica Neue"/>
+                <a:ea typeface="Helvetica Neue"/>
+                <a:cs typeface="Helvetica Neue"/>
+                <a:sym typeface="Helvetica Neue"/>
+              </a:rPr>
+              <a:t>: Base de Datos.</a:t>
+            </a:r>
+          </a:p>
+          <a:p>
+            <a:pPr marL="228600" algn="just" defTabSz="457200">
+              <a:lnSpc>
+                <a:spcPct val="115000"/>
+              </a:lnSpc>
+              <a:spcBef>
+                <a:spcPts val="0"/>
+              </a:spcBef>
+              <a:defRPr sz="1700">
+                <a:solidFill>
+                  <a:srgbClr val="000000"/>
+                </a:solidFill>
+                <a:uFill>
+                  <a:solidFill>
+                    <a:srgbClr val="000000"/>
+                  </a:solidFill>
+                </a:uFill>
+                <a:latin typeface="Times New Roman"/>
+                <a:ea typeface="Times New Roman"/>
+                <a:cs typeface="Times New Roman"/>
+                <a:sym typeface="Times New Roman"/>
+              </a:defRPr>
+            </a:pPr>
+            <a:r>
+              <a:rPr b="1">
+                <a:solidFill>
+                  <a:srgbClr val="262626"/>
+                </a:solidFill>
+                <a:uFill>
+                  <a:solidFill>
+                    <a:srgbClr val="262626"/>
+                  </a:solidFill>
+                </a:uFill>
+                <a:latin typeface="Helvetica Neue"/>
+                <a:ea typeface="Helvetica Neue"/>
+                <a:cs typeface="Helvetica Neue"/>
+                <a:sym typeface="Helvetica Neue"/>
+              </a:rPr>
+              <a:t>Qué datos usa:</a:t>
+            </a:r>
+            <a:r>
+              <a:rPr>
+                <a:solidFill>
+                  <a:srgbClr val="262626"/>
+                </a:solidFill>
+                <a:uFill>
+                  <a:solidFill>
+                    <a:srgbClr val="262626"/>
+                  </a:solidFill>
+                </a:uFill>
+                <a:latin typeface="Helvetica Neue"/>
+                <a:ea typeface="Helvetica Neue"/>
+                <a:cs typeface="Helvetica Neue"/>
+                <a:sym typeface="Helvetica Neue"/>
+              </a:rPr>
+              <a:t> Tarjetas CRC implicadas.</a:t>
+            </a:r>
+          </a:p>
+          <a:p>
+            <a:pPr marL="228600" marR="1248410" algn="just" defTabSz="457200">
+              <a:lnSpc>
+                <a:spcPct val="115000"/>
+              </a:lnSpc>
+              <a:spcBef>
+                <a:spcPts val="0"/>
+              </a:spcBef>
+              <a:defRPr sz="1700">
+                <a:solidFill>
+                  <a:srgbClr val="000000"/>
+                </a:solidFill>
+                <a:uFill>
+                  <a:solidFill>
+                    <a:srgbClr val="000000"/>
+                  </a:solidFill>
+                </a:uFill>
+                <a:latin typeface="Times New Roman"/>
+                <a:ea typeface="Times New Roman"/>
+                <a:cs typeface="Times New Roman"/>
+                <a:sym typeface="Times New Roman"/>
+              </a:defRPr>
+            </a:pPr>
+            <a:r>
+              <a:rPr b="1">
+                <a:solidFill>
+                  <a:srgbClr val="262626"/>
+                </a:solidFill>
+                <a:uFill>
+                  <a:solidFill>
+                    <a:srgbClr val="262626"/>
+                  </a:solidFill>
+                </a:uFill>
+                <a:latin typeface="Helvetica Neue"/>
+                <a:ea typeface="Helvetica Neue"/>
+                <a:cs typeface="Helvetica Neue"/>
+                <a:sym typeface="Helvetica Neue"/>
+              </a:rPr>
+              <a:t>Precondiciones</a:t>
+            </a:r>
+            <a:r>
+              <a:rPr>
+                <a:solidFill>
+                  <a:srgbClr val="262626"/>
+                </a:solidFill>
+                <a:uFill>
+                  <a:solidFill>
+                    <a:srgbClr val="262626"/>
+                  </a:solidFill>
+                </a:uFill>
+                <a:latin typeface="Helvetica Neue"/>
+                <a:ea typeface="Helvetica Neue"/>
+                <a:cs typeface="Helvetica Neue"/>
+                <a:sym typeface="Helvetica Neue"/>
+              </a:rPr>
+              <a:t>:</a:t>
+            </a:r>
+          </a:p>
+          <a:p>
+            <a:pPr marL="678180" marR="1248410" algn="just" defTabSz="457200">
+              <a:lnSpc>
+                <a:spcPct val="115000"/>
+              </a:lnSpc>
+              <a:spcBef>
+                <a:spcPts val="0"/>
+              </a:spcBef>
+              <a:defRPr sz="1700">
+                <a:solidFill>
+                  <a:srgbClr val="000000"/>
+                </a:solidFill>
+                <a:uFill>
+                  <a:solidFill>
+                    <a:srgbClr val="000000"/>
+                  </a:solidFill>
+                </a:uFill>
+                <a:latin typeface="Times New Roman"/>
+                <a:ea typeface="Times New Roman"/>
+                <a:cs typeface="Times New Roman"/>
+                <a:sym typeface="Times New Roman"/>
+              </a:defRPr>
+            </a:pPr>
+            <a:r>
+              <a:rPr>
+                <a:solidFill>
+                  <a:srgbClr val="262626"/>
+                </a:solidFill>
+                <a:uFill>
+                  <a:solidFill>
+                    <a:srgbClr val="262626"/>
+                  </a:solidFill>
+                </a:uFill>
+                <a:latin typeface="Helvetica Neue"/>
+                <a:ea typeface="Helvetica Neue"/>
+                <a:cs typeface="Helvetica Neue"/>
+                <a:sym typeface="Helvetica Neue"/>
+              </a:rPr>
+              <a:t>Estar dado de alta en la aplicación, como profesional. (Login)</a:t>
+            </a:r>
+          </a:p>
+          <a:p>
+            <a:pPr marL="228600" marR="1248410" algn="just" defTabSz="457200">
+              <a:lnSpc>
+                <a:spcPct val="115000"/>
+              </a:lnSpc>
+              <a:spcBef>
+                <a:spcPts val="0"/>
+              </a:spcBef>
+              <a:defRPr sz="1700">
+                <a:solidFill>
+                  <a:srgbClr val="000000"/>
+                </a:solidFill>
+                <a:uFill>
+                  <a:solidFill>
+                    <a:srgbClr val="000000"/>
+                  </a:solidFill>
+                </a:uFill>
+                <a:latin typeface="Times New Roman"/>
+                <a:ea typeface="Times New Roman"/>
+                <a:cs typeface="Times New Roman"/>
+                <a:sym typeface="Times New Roman"/>
+              </a:defRPr>
+            </a:pPr>
+            <a:r>
+              <a:rPr b="1">
+                <a:solidFill>
+                  <a:srgbClr val="262626"/>
+                </a:solidFill>
+                <a:uFill>
+                  <a:solidFill>
+                    <a:srgbClr val="262626"/>
+                  </a:solidFill>
+                </a:uFill>
+                <a:latin typeface="Helvetica Neue"/>
+                <a:ea typeface="Helvetica Neue"/>
+                <a:cs typeface="Helvetica Neue"/>
+                <a:sym typeface="Helvetica Neue"/>
+              </a:rPr>
+              <a:t>Postcondiciones:</a:t>
+            </a:r>
+          </a:p>
+          <a:p>
+            <a:pPr marL="228600" marR="567690" indent="440055" algn="just" defTabSz="457200">
+              <a:lnSpc>
+                <a:spcPct val="115000"/>
+              </a:lnSpc>
+              <a:spcBef>
+                <a:spcPts val="0"/>
+              </a:spcBef>
+              <a:defRPr sz="1700">
+                <a:solidFill>
+                  <a:srgbClr val="000000"/>
+                </a:solidFill>
+                <a:uFill>
+                  <a:solidFill>
+                    <a:srgbClr val="000000"/>
+                  </a:solidFill>
+                </a:uFill>
+                <a:latin typeface="Times New Roman"/>
+                <a:ea typeface="Times New Roman"/>
+                <a:cs typeface="Times New Roman"/>
+                <a:sym typeface="Times New Roman"/>
+              </a:defRPr>
+            </a:pPr>
+            <a:r>
+              <a:rPr b="1">
+                <a:solidFill>
+                  <a:srgbClr val="262626"/>
+                </a:solidFill>
+                <a:uFill>
+                  <a:solidFill>
+                    <a:srgbClr val="262626"/>
+                  </a:solidFill>
+                </a:uFill>
+                <a:latin typeface="Helvetica Neue"/>
+                <a:ea typeface="Helvetica Neue"/>
+                <a:cs typeface="Helvetica Neue"/>
+                <a:sym typeface="Helvetica Neue"/>
+              </a:rPr>
+              <a:t>Éxito: </a:t>
+            </a:r>
+            <a:r>
+              <a:rPr>
+                <a:solidFill>
+                  <a:srgbClr val="262626"/>
+                </a:solidFill>
+                <a:uFill>
+                  <a:solidFill>
+                    <a:srgbClr val="262626"/>
+                  </a:solidFill>
+                </a:uFill>
+                <a:latin typeface="Helvetica Neue"/>
+                <a:ea typeface="Helvetica Neue"/>
+                <a:cs typeface="Helvetica Neue"/>
+                <a:sym typeface="Helvetica Neue"/>
+              </a:rPr>
+              <a:t>Hay al menos una pregunta por responder.</a:t>
+            </a:r>
+          </a:p>
+          <a:p>
+            <a:pPr marL="228600" marR="567690" indent="440055" algn="just" defTabSz="457200">
+              <a:lnSpc>
+                <a:spcPct val="115000"/>
+              </a:lnSpc>
+              <a:spcBef>
+                <a:spcPts val="0"/>
+              </a:spcBef>
+              <a:defRPr sz="1700">
+                <a:solidFill>
+                  <a:srgbClr val="000000"/>
+                </a:solidFill>
+                <a:uFill>
+                  <a:solidFill>
+                    <a:srgbClr val="000000"/>
+                  </a:solidFill>
+                </a:uFill>
+                <a:latin typeface="Times New Roman"/>
+                <a:ea typeface="Times New Roman"/>
+                <a:cs typeface="Times New Roman"/>
+                <a:sym typeface="Times New Roman"/>
+              </a:defRPr>
+            </a:pPr>
+            <a:r>
+              <a:rPr b="1">
+                <a:solidFill>
+                  <a:srgbClr val="262626"/>
+                </a:solidFill>
+                <a:uFill>
+                  <a:solidFill>
+                    <a:srgbClr val="262626"/>
+                  </a:solidFill>
+                </a:uFill>
+                <a:latin typeface="Helvetica Neue"/>
+                <a:ea typeface="Helvetica Neue"/>
+                <a:cs typeface="Helvetica Neue"/>
+                <a:sym typeface="Helvetica Neue"/>
+              </a:rPr>
+              <a:t>Fallo:</a:t>
+            </a:r>
+            <a:r>
+              <a:rPr>
+                <a:solidFill>
+                  <a:srgbClr val="262626"/>
+                </a:solidFill>
+                <a:uFill>
+                  <a:solidFill>
+                    <a:srgbClr val="262626"/>
+                  </a:solidFill>
+                </a:uFill>
+                <a:latin typeface="Helvetica Neue"/>
+                <a:ea typeface="Helvetica Neue"/>
+                <a:cs typeface="Helvetica Neue"/>
+                <a:sym typeface="Helvetica Neue"/>
+              </a:rPr>
+              <a:t> No hay preguntas pendientes por responder.</a:t>
+            </a:r>
+          </a:p>
+          <a:p>
+            <a:pPr marL="228600" algn="just" defTabSz="457200">
+              <a:lnSpc>
+                <a:spcPct val="115000"/>
+              </a:lnSpc>
+              <a:spcBef>
+                <a:spcPts val="0"/>
+              </a:spcBef>
+              <a:defRPr sz="1700">
+                <a:solidFill>
+                  <a:srgbClr val="000000"/>
+                </a:solidFill>
+                <a:uFill>
+                  <a:solidFill>
+                    <a:srgbClr val="000000"/>
+                  </a:solidFill>
+                </a:uFill>
+                <a:latin typeface="Times New Roman"/>
+                <a:ea typeface="Times New Roman"/>
+                <a:cs typeface="Times New Roman"/>
+                <a:sym typeface="Times New Roman"/>
+              </a:defRPr>
+            </a:pPr>
+            <a:endParaRPr>
+              <a:solidFill>
+                <a:srgbClr val="262626"/>
+              </a:solidFill>
+              <a:uFill>
+                <a:solidFill>
+                  <a:srgbClr val="262626"/>
+                </a:solidFill>
+              </a:uFill>
+              <a:latin typeface="Helvetica Neue"/>
+              <a:ea typeface="Helvetica Neue"/>
+              <a:cs typeface="Helvetica Neue"/>
+              <a:sym typeface="Helvetica Neue"/>
+            </a:endParaRPr>
+          </a:p>
+          <a:p>
+            <a:pPr marL="228600" algn="just" defTabSz="457200">
+              <a:lnSpc>
+                <a:spcPct val="115000"/>
+              </a:lnSpc>
+              <a:spcBef>
+                <a:spcPts val="0"/>
+              </a:spcBef>
+              <a:defRPr sz="1700">
+                <a:solidFill>
+                  <a:srgbClr val="000000"/>
+                </a:solidFill>
+                <a:uFill>
+                  <a:solidFill>
+                    <a:srgbClr val="000000"/>
+                  </a:solidFill>
+                </a:uFill>
+                <a:latin typeface="Times New Roman"/>
+                <a:ea typeface="Times New Roman"/>
+                <a:cs typeface="Times New Roman"/>
+                <a:sym typeface="Times New Roman"/>
+              </a:defRPr>
+            </a:pPr>
+            <a:r>
+              <a:rPr b="1">
+                <a:solidFill>
+                  <a:srgbClr val="262626"/>
+                </a:solidFill>
+                <a:uFill>
+                  <a:solidFill>
+                    <a:srgbClr val="262626"/>
+                  </a:solidFill>
+                </a:uFill>
+                <a:latin typeface="Helvetica Neue"/>
+                <a:ea typeface="Helvetica Neue"/>
+                <a:cs typeface="Helvetica Neue"/>
+                <a:sym typeface="Helvetica Neue"/>
+              </a:rPr>
+              <a:t>Flujo principal</a:t>
+            </a:r>
+          </a:p>
+          <a:p>
+            <a:pPr marL="685800" indent="-228600" algn="just" defTabSz="457200">
+              <a:lnSpc>
+                <a:spcPct val="115000"/>
+              </a:lnSpc>
+              <a:spcBef>
+                <a:spcPts val="0"/>
+              </a:spcBef>
+              <a:buSzPct val="100000"/>
+              <a:buAutoNum type="arabicPeriod"/>
+              <a:defRPr sz="1700">
+                <a:solidFill>
+                  <a:srgbClr val="262626"/>
+                </a:solidFill>
+                <a:uFill>
+                  <a:solidFill>
+                    <a:srgbClr val="000000"/>
+                  </a:solidFill>
+                </a:uFill>
+                <a:latin typeface="Helvetica Neue"/>
+                <a:ea typeface="Helvetica Neue"/>
+                <a:cs typeface="Helvetica Neue"/>
+                <a:sym typeface="Helvetica Neue"/>
+              </a:defRPr>
+            </a:pPr>
+            <a:r>
+              <a:rPr>
+                <a:uFill>
+                  <a:solidFill>
+                    <a:srgbClr val="262626"/>
+                  </a:solidFill>
+                </a:uFill>
+              </a:rPr>
+              <a:t>El médico contesta a la pregunta realizada por un paciente.</a:t>
+            </a:r>
+          </a:p>
+          <a:p>
+            <a:pPr marL="685800" indent="-228600" algn="just" defTabSz="457200">
+              <a:lnSpc>
+                <a:spcPct val="103333"/>
+              </a:lnSpc>
+              <a:spcBef>
+                <a:spcPts val="0"/>
+              </a:spcBef>
+              <a:buSzPct val="100000"/>
+              <a:buAutoNum type="arabicPeriod"/>
+              <a:defRPr sz="1700">
+                <a:solidFill>
+                  <a:srgbClr val="000000"/>
+                </a:solidFill>
+                <a:uFill>
+                  <a:solidFill>
+                    <a:srgbClr val="000000"/>
+                  </a:solidFill>
+                </a:uFill>
+                <a:latin typeface="Helvetica Neue"/>
+                <a:ea typeface="Helvetica Neue"/>
+                <a:cs typeface="Helvetica Neue"/>
+                <a:sym typeface="Helvetica Neue"/>
+              </a:defRPr>
+            </a:pPr>
+            <a:r>
+              <a:rPr>
+                <a:solidFill>
+                  <a:srgbClr val="262626"/>
+                </a:solidFill>
+                <a:uFill>
+                  <a:solidFill>
+                    <a:srgbClr val="262626"/>
+                  </a:solidFill>
+                </a:uFill>
+              </a:rPr>
+              <a:t>El sistema guarda la respuesta del médico para luego poder ser vista por el paciente.</a:t>
+            </a:r>
+          </a:p>
+          <a:p>
+            <a:pPr marL="228600" algn="just" defTabSz="457200">
+              <a:lnSpc>
+                <a:spcPct val="115000"/>
+              </a:lnSpc>
+              <a:spcBef>
+                <a:spcPts val="0"/>
+              </a:spcBef>
+              <a:defRPr sz="1700">
+                <a:solidFill>
+                  <a:srgbClr val="000000"/>
+                </a:solidFill>
+                <a:uFill>
+                  <a:solidFill>
+                    <a:srgbClr val="000000"/>
+                  </a:solidFill>
+                </a:uFill>
+                <a:latin typeface="Times New Roman"/>
+                <a:ea typeface="Times New Roman"/>
+                <a:cs typeface="Times New Roman"/>
+                <a:sym typeface="Times New Roman"/>
+              </a:defRPr>
+            </a:pPr>
+            <a:r>
+              <a:rPr b="1">
+                <a:solidFill>
+                  <a:srgbClr val="262626"/>
+                </a:solidFill>
+                <a:uFill>
+                  <a:solidFill>
+                    <a:srgbClr val="262626"/>
+                  </a:solidFill>
+                </a:uFill>
+                <a:latin typeface="Helvetica Neue"/>
+                <a:ea typeface="Helvetica Neue"/>
+                <a:cs typeface="Helvetica Neue"/>
+                <a:sym typeface="Helvetica Neue"/>
+              </a:rPr>
+              <a:t>Flujos secundarios</a:t>
+            </a:r>
+          </a:p>
+          <a:p>
+            <a:pPr marL="234950" indent="-6350" algn="just" defTabSz="457200">
+              <a:lnSpc>
+                <a:spcPct val="103333"/>
+              </a:lnSpc>
+              <a:spcBef>
+                <a:spcPts val="0"/>
+              </a:spcBef>
+              <a:defRPr sz="1700">
+                <a:solidFill>
+                  <a:srgbClr val="000000"/>
+                </a:solidFill>
+                <a:uFill>
+                  <a:solidFill>
+                    <a:srgbClr val="000000"/>
+                  </a:solidFill>
+                </a:uFill>
+                <a:latin typeface="Times New Roman"/>
+                <a:ea typeface="Times New Roman"/>
+                <a:cs typeface="Times New Roman"/>
+                <a:sym typeface="Times New Roman"/>
+              </a:defRPr>
+            </a:pPr>
+            <a:r>
+              <a:rPr>
+                <a:solidFill>
+                  <a:srgbClr val="262626"/>
+                </a:solidFill>
+                <a:uFill>
+                  <a:solidFill>
+                    <a:srgbClr val="262626"/>
+                  </a:solidFill>
+                </a:uFill>
+                <a:latin typeface="Helvetica Neue"/>
+                <a:ea typeface="Helvetica Neue"/>
+                <a:cs typeface="Helvetica Neue"/>
+                <a:sym typeface="Helvetica Neue"/>
+              </a:rPr>
+              <a:t>1.  Ningún médico contesta la pregunta del paciente</a:t>
+            </a:r>
+          </a:p>
+          <a:p>
+            <a:pPr marL="234950" indent="-6350" algn="just" defTabSz="457200">
+              <a:lnSpc>
+                <a:spcPct val="103333"/>
+              </a:lnSpc>
+              <a:spcBef>
+                <a:spcPts val="0"/>
+              </a:spcBef>
+              <a:defRPr sz="1700">
+                <a:solidFill>
+                  <a:srgbClr val="000000"/>
+                </a:solidFill>
+                <a:uFill>
+                  <a:solidFill>
+                    <a:srgbClr val="000000"/>
+                  </a:solidFill>
+                </a:uFill>
+                <a:latin typeface="Times New Roman"/>
+                <a:ea typeface="Times New Roman"/>
+                <a:cs typeface="Times New Roman"/>
+                <a:sym typeface="Times New Roman"/>
+              </a:defRPr>
+            </a:pPr>
+            <a:r>
+              <a:rPr>
+                <a:solidFill>
+                  <a:srgbClr val="262626"/>
+                </a:solidFill>
+                <a:uFill>
+                  <a:solidFill>
+                    <a:srgbClr val="262626"/>
+                  </a:solidFill>
+                </a:uFill>
+                <a:latin typeface="Helvetica Neue"/>
+                <a:ea typeface="Helvetica Neue"/>
+                <a:cs typeface="Helvetica Neue"/>
+                <a:sym typeface="Helvetica Neue"/>
+              </a:rPr>
+              <a:t>2.  El sistema no guardó correctamente la respuesta.</a:t>
+            </a:r>
+          </a:p>
+        </p:txBody>
+      </p:sp>
+      <p:pic>
+        <p:nvPicPr>
+          <p:cNvPr id="340" name="image3.png"/>
+          <p:cNvPicPr>
+            <a:picLocks noChangeAspect="1"/>
+          </p:cNvPicPr>
+          <p:nvPr/>
+        </p:nvPicPr>
+        <p:blipFill>
+          <a:blip r:embed="rId4">
+            <a:extLst/>
+          </a:blip>
+          <a:stretch>
+            <a:fillRect/>
+          </a:stretch>
+        </p:blipFill>
+        <p:spPr>
+          <a:xfrm>
+            <a:off x="2766525" y="5898250"/>
+            <a:ext cx="7951259" cy="4882354"/>
+          </a:xfrm>
+          <a:prstGeom prst="rect">
+            <a:avLst/>
+          </a:prstGeom>
+          <a:ln w="12700">
+            <a:miter lim="400000"/>
+          </a:ln>
+        </p:spPr>
+      </p:pic>
+      <p:sp>
+        <p:nvSpPr>
+          <p:cNvPr id="3" name="Marcador de número de diapositiva 2"/>
+          <p:cNvSpPr>
+            <a:spLocks noGrp="1"/>
+          </p:cNvSpPr>
+          <p:nvPr>
+            <p:ph type="sldNum" sz="quarter" idx="2"/>
+          </p:nvPr>
+        </p:nvSpPr>
+        <p:spPr/>
+        <p:txBody>
+          <a:bodyPr/>
+          <a:lstStyle/>
+          <a:p>
+            <a:fld id="{86CB4B4D-7CA3-9044-876B-883B54F8677D}" type="slidenum">
+              <a:rPr lang="es-ES" smtClean="0"/>
+              <a:t>31</a:t>
+            </a:fld>
+            <a:endParaRPr lang="es-ES"/>
+          </a:p>
+        </p:txBody>
+      </p:sp>
+    </p:spTree>
+  </p:cSld>
+  <p:clrMapOvr>
+    <a:masterClrMapping/>
+  </p:clrMapOvr>
+  <p:transition spd="med"/>
+</p:sld>
+</file>
+
+<file path=ppt/slides/slide32.xml><?xml version="1.0" encoding="utf-8"?>
 <p:sld xmlns:a="http://schemas.openxmlformats.org/drawingml/2006/main" xmlns:r="http://schemas.openxmlformats.org/officeDocument/2006/relationships" xmlns:p="http://schemas.openxmlformats.org/presentationml/2006/main">
   <p:cSld>
     <p:spTree>
@@ -30414,7 +31490,7 @@
           </a:ln>
           <a:extLst>
             <a:ext uri="{C572A759-6A51-4108-AA02-DFA0A04FC94B}">
-              <ma14:wrappingTextBoxFlag xmlns="" xmlns:ma14="http://schemas.microsoft.com/office/mac/drawingml/2011/main" val="1"/>
+              <ma14:wrappingTextBoxFlag xmlns:ma14="http://schemas.microsoft.com/office/mac/drawingml/2011/main" xmlns="" val="1"/>
             </a:ext>
           </a:extLst>
         </p:spPr>
@@ -30509,7 +31585,7 @@
           </a:ln>
           <a:extLst>
             <a:ext uri="{C572A759-6A51-4108-AA02-DFA0A04FC94B}">
-              <ma14:wrappingTextBoxFlag xmlns="" xmlns:ma14="http://schemas.microsoft.com/office/mac/drawingml/2011/main" val="1"/>
+              <ma14:wrappingTextBoxFlag xmlns:ma14="http://schemas.microsoft.com/office/mac/drawingml/2011/main" xmlns="" val="1"/>
             </a:ext>
           </a:extLst>
         </p:spPr>
@@ -30600,7 +31676,7 @@
           </a:ln>
           <a:extLst>
             <a:ext uri="{C572A759-6A51-4108-AA02-DFA0A04FC94B}">
-              <ma14:wrappingTextBoxFlag xmlns="" xmlns:ma14="http://schemas.microsoft.com/office/mac/drawingml/2011/main" val="1"/>
+              <ma14:wrappingTextBoxFlag xmlns:ma14="http://schemas.microsoft.com/office/mac/drawingml/2011/main" xmlns="" val="1"/>
             </a:ext>
           </a:extLst>
         </p:spPr>
@@ -30706,7 +31782,7 @@
           </a:ln>
           <a:extLst>
             <a:ext uri="{C572A759-6A51-4108-AA02-DFA0A04FC94B}">
-              <ma14:wrappingTextBoxFlag xmlns="" xmlns:ma14="http://schemas.microsoft.com/office/mac/drawingml/2011/main" val="1"/>
+              <ma14:wrappingTextBoxFlag xmlns:ma14="http://schemas.microsoft.com/office/mac/drawingml/2011/main" xmlns="" val="1"/>
             </a:ext>
           </a:extLst>
         </p:spPr>
@@ -30764,7 +31840,7 @@
           </a:ln>
           <a:extLst>
             <a:ext uri="{C572A759-6A51-4108-AA02-DFA0A04FC94B}">
-              <ma14:wrappingTextBoxFlag xmlns="" xmlns:ma14="http://schemas.microsoft.com/office/mac/drawingml/2011/main" val="1"/>
+              <ma14:wrappingTextBoxFlag xmlns:ma14="http://schemas.microsoft.com/office/mac/drawingml/2011/main" xmlns="" val="1"/>
             </a:ext>
           </a:extLst>
         </p:spPr>
@@ -30855,7 +31931,7 @@
           </a:ln>
           <a:extLst>
             <a:ext uri="{C572A759-6A51-4108-AA02-DFA0A04FC94B}">
-              <ma14:wrappingTextBoxFlag xmlns="" xmlns:ma14="http://schemas.microsoft.com/office/mac/drawingml/2011/main" val="1"/>
+              <ma14:wrappingTextBoxFlag xmlns:ma14="http://schemas.microsoft.com/office/mac/drawingml/2011/main" xmlns="" val="1"/>
             </a:ext>
           </a:extLst>
         </p:spPr>
@@ -31826,7 +32902,7 @@
           <a:p>
             <a:fld id="{86CB4B4D-7CA3-9044-876B-883B54F8677D}" type="slidenum">
               <a:rPr lang="es-ES" smtClean="0"/>
-              <a:t>30</a:t>
+              <a:t>32</a:t>
             </a:fld>
             <a:endParaRPr lang="es-ES"/>
           </a:p>
@@ -31841,7 +32917,7 @@
 </p:sld>
 </file>
 
-<file path=ppt/slides/slide31.xml><?xml version="1.0" encoding="utf-8"?>
+<file path=ppt/slides/slide33.xml><?xml version="1.0" encoding="utf-8"?>
 <p:sld xmlns:a="http://schemas.openxmlformats.org/drawingml/2006/main" xmlns:r="http://schemas.openxmlformats.org/officeDocument/2006/relationships" xmlns:p="http://schemas.openxmlformats.org/presentationml/2006/main">
   <p:cSld>
     <p:spTree>
@@ -31935,7 +33011,7 @@
           </a:ln>
           <a:extLst>
             <a:ext uri="{C572A759-6A51-4108-AA02-DFA0A04FC94B}">
-              <ma14:wrappingTextBoxFlag xmlns="" xmlns:ma14="http://schemas.microsoft.com/office/mac/drawingml/2011/main" val="1"/>
+              <ma14:wrappingTextBoxFlag xmlns:ma14="http://schemas.microsoft.com/office/mac/drawingml/2011/main" xmlns="" val="1"/>
             </a:ext>
           </a:extLst>
         </p:spPr>
@@ -31976,7 +33052,7 @@
           </a:ln>
           <a:extLst>
             <a:ext uri="{C572A759-6A51-4108-AA02-DFA0A04FC94B}">
-              <ma14:wrappingTextBoxFlag xmlns="" xmlns:ma14="http://schemas.microsoft.com/office/mac/drawingml/2011/main" val="1"/>
+              <ma14:wrappingTextBoxFlag xmlns:ma14="http://schemas.microsoft.com/office/mac/drawingml/2011/main" xmlns="" val="1"/>
             </a:ext>
           </a:extLst>
         </p:spPr>
@@ -32071,7 +33147,7 @@
           </a:ln>
           <a:extLst>
             <a:ext uri="{C572A759-6A51-4108-AA02-DFA0A04FC94B}">
-              <ma14:wrappingTextBoxFlag xmlns="" xmlns:ma14="http://schemas.microsoft.com/office/mac/drawingml/2011/main" val="1"/>
+              <ma14:wrappingTextBoxFlag xmlns:ma14="http://schemas.microsoft.com/office/mac/drawingml/2011/main" xmlns="" val="1"/>
             </a:ext>
           </a:extLst>
         </p:spPr>
@@ -32162,7 +33238,7 @@
           </a:ln>
           <a:extLst>
             <a:ext uri="{C572A759-6A51-4108-AA02-DFA0A04FC94B}">
-              <ma14:wrappingTextBoxFlag xmlns="" xmlns:ma14="http://schemas.microsoft.com/office/mac/drawingml/2011/main" val="1"/>
+              <ma14:wrappingTextBoxFlag xmlns:ma14="http://schemas.microsoft.com/office/mac/drawingml/2011/main" xmlns="" val="1"/>
             </a:ext>
           </a:extLst>
         </p:spPr>
@@ -32268,7 +33344,7 @@
           </a:ln>
           <a:extLst>
             <a:ext uri="{C572A759-6A51-4108-AA02-DFA0A04FC94B}">
-              <ma14:wrappingTextBoxFlag xmlns="" xmlns:ma14="http://schemas.microsoft.com/office/mac/drawingml/2011/main" val="1"/>
+              <ma14:wrappingTextBoxFlag xmlns:ma14="http://schemas.microsoft.com/office/mac/drawingml/2011/main" xmlns="" val="1"/>
             </a:ext>
           </a:extLst>
         </p:spPr>
@@ -32326,7 +33402,7 @@
           </a:ln>
           <a:extLst>
             <a:ext uri="{C572A759-6A51-4108-AA02-DFA0A04FC94B}">
-              <ma14:wrappingTextBoxFlag xmlns="" xmlns:ma14="http://schemas.microsoft.com/office/mac/drawingml/2011/main" val="1"/>
+              <ma14:wrappingTextBoxFlag xmlns:ma14="http://schemas.microsoft.com/office/mac/drawingml/2011/main" xmlns="" val="1"/>
             </a:ext>
           </a:extLst>
         </p:spPr>
@@ -32417,7 +33493,7 @@
           </a:ln>
           <a:extLst>
             <a:ext uri="{C572A759-6A51-4108-AA02-DFA0A04FC94B}">
-              <ma14:wrappingTextBoxFlag xmlns="" xmlns:ma14="http://schemas.microsoft.com/office/mac/drawingml/2011/main" val="1"/>
+              <ma14:wrappingTextBoxFlag xmlns:ma14="http://schemas.microsoft.com/office/mac/drawingml/2011/main" xmlns="" val="1"/>
             </a:ext>
           </a:extLst>
         </p:spPr>
@@ -33376,7 +34452,7 @@
           <a:p>
             <a:fld id="{86CB4B4D-7CA3-9044-876B-883B54F8677D}" type="slidenum">
               <a:rPr lang="es-ES" smtClean="0"/>
-              <a:t>31</a:t>
+              <a:t>33</a:t>
             </a:fld>
             <a:endParaRPr lang="es-ES"/>
           </a:p>
@@ -33391,7 +34467,7 @@
 </p:sld>
 </file>
 
-<file path=ppt/slides/slide32.xml><?xml version="1.0" encoding="utf-8"?>
+<file path=ppt/slides/slide34.xml><?xml version="1.0" encoding="utf-8"?>
 <p:sld xmlns:a="http://schemas.openxmlformats.org/drawingml/2006/main" xmlns:r="http://schemas.openxmlformats.org/officeDocument/2006/relationships" xmlns:p="http://schemas.openxmlformats.org/presentationml/2006/main">
   <p:cSld>
     <p:spTree>
@@ -33485,7 +34561,7 @@
           </a:ln>
           <a:extLst>
             <a:ext uri="{C572A759-6A51-4108-AA02-DFA0A04FC94B}">
-              <ma14:wrappingTextBoxFlag xmlns="" xmlns:ma14="http://schemas.microsoft.com/office/mac/drawingml/2011/main" val="1"/>
+              <ma14:wrappingTextBoxFlag xmlns:ma14="http://schemas.microsoft.com/office/mac/drawingml/2011/main" xmlns="" val="1"/>
             </a:ext>
           </a:extLst>
         </p:spPr>
@@ -33526,7 +34602,7 @@
           </a:ln>
           <a:extLst>
             <a:ext uri="{C572A759-6A51-4108-AA02-DFA0A04FC94B}">
-              <ma14:wrappingTextBoxFlag xmlns="" xmlns:ma14="http://schemas.microsoft.com/office/mac/drawingml/2011/main" val="1"/>
+              <ma14:wrappingTextBoxFlag xmlns:ma14="http://schemas.microsoft.com/office/mac/drawingml/2011/main" xmlns="" val="1"/>
             </a:ext>
           </a:extLst>
         </p:spPr>
@@ -33621,7 +34697,7 @@
           </a:ln>
           <a:extLst>
             <a:ext uri="{C572A759-6A51-4108-AA02-DFA0A04FC94B}">
-              <ma14:wrappingTextBoxFlag xmlns="" xmlns:ma14="http://schemas.microsoft.com/office/mac/drawingml/2011/main" val="1"/>
+              <ma14:wrappingTextBoxFlag xmlns:ma14="http://schemas.microsoft.com/office/mac/drawingml/2011/main" xmlns="" val="1"/>
             </a:ext>
           </a:extLst>
         </p:spPr>
@@ -33785,7 +34861,7 @@
           </a:ln>
           <a:extLst>
             <a:ext uri="{C572A759-6A51-4108-AA02-DFA0A04FC94B}">
-              <ma14:wrappingTextBoxFlag xmlns="" xmlns:ma14="http://schemas.microsoft.com/office/mac/drawingml/2011/main" val="1"/>
+              <ma14:wrappingTextBoxFlag xmlns:ma14="http://schemas.microsoft.com/office/mac/drawingml/2011/main" xmlns="" val="1"/>
             </a:ext>
           </a:extLst>
         </p:spPr>
@@ -33876,7 +34952,7 @@
           </a:ln>
           <a:extLst>
             <a:ext uri="{C572A759-6A51-4108-AA02-DFA0A04FC94B}">
-              <ma14:wrappingTextBoxFlag xmlns="" xmlns:ma14="http://schemas.microsoft.com/office/mac/drawingml/2011/main" val="1"/>
+              <ma14:wrappingTextBoxFlag xmlns:ma14="http://schemas.microsoft.com/office/mac/drawingml/2011/main" xmlns="" val="1"/>
             </a:ext>
           </a:extLst>
         </p:spPr>
@@ -33965,7 +35041,7 @@
           <a:p>
             <a:fld id="{86CB4B4D-7CA3-9044-876B-883B54F8677D}" type="slidenum">
               <a:rPr lang="es-ES" smtClean="0"/>
-              <a:t>32</a:t>
+              <a:t>34</a:t>
             </a:fld>
             <a:endParaRPr lang="es-ES"/>
           </a:p>
@@ -33980,7 +35056,7 @@
 </p:sld>
 </file>
 
-<file path=ppt/slides/slide33.xml><?xml version="1.0" encoding="utf-8"?>
+<file path=ppt/slides/slide35.xml><?xml version="1.0" encoding="utf-8"?>
 <p:sld xmlns:a="http://schemas.openxmlformats.org/drawingml/2006/main" xmlns:r="http://schemas.openxmlformats.org/officeDocument/2006/relationships" xmlns:p="http://schemas.openxmlformats.org/presentationml/2006/main">
   <p:cSld>
     <p:spTree>
@@ -34074,7 +35150,7 @@
           </a:ln>
           <a:extLst>
             <a:ext uri="{C572A759-6A51-4108-AA02-DFA0A04FC94B}">
-              <ma14:wrappingTextBoxFlag xmlns="" xmlns:ma14="http://schemas.microsoft.com/office/mac/drawingml/2011/main" val="1"/>
+              <ma14:wrappingTextBoxFlag xmlns:ma14="http://schemas.microsoft.com/office/mac/drawingml/2011/main" xmlns="" val="1"/>
             </a:ext>
           </a:extLst>
         </p:spPr>
@@ -34169,7 +35245,7 @@
           </a:ln>
           <a:extLst>
             <a:ext uri="{C572A759-6A51-4108-AA02-DFA0A04FC94B}">
-              <ma14:wrappingTextBoxFlag xmlns="" xmlns:ma14="http://schemas.microsoft.com/office/mac/drawingml/2011/main" val="1"/>
+              <ma14:wrappingTextBoxFlag xmlns:ma14="http://schemas.microsoft.com/office/mac/drawingml/2011/main" xmlns="" val="1"/>
             </a:ext>
           </a:extLst>
         </p:spPr>
@@ -34260,7 +35336,7 @@
           </a:ln>
           <a:extLst>
             <a:ext uri="{C572A759-6A51-4108-AA02-DFA0A04FC94B}">
-              <ma14:wrappingTextBoxFlag xmlns="" xmlns:ma14="http://schemas.microsoft.com/office/mac/drawingml/2011/main" val="1"/>
+              <ma14:wrappingTextBoxFlag xmlns:ma14="http://schemas.microsoft.com/office/mac/drawingml/2011/main" xmlns="" val="1"/>
             </a:ext>
           </a:extLst>
         </p:spPr>
@@ -34351,7 +35427,7 @@
           </a:ln>
           <a:extLst>
             <a:ext uri="{C572A759-6A51-4108-AA02-DFA0A04FC94B}">
-              <ma14:wrappingTextBoxFlag xmlns="" xmlns:ma14="http://schemas.microsoft.com/office/mac/drawingml/2011/main" val="1"/>
+              <ma14:wrappingTextBoxFlag xmlns:ma14="http://schemas.microsoft.com/office/mac/drawingml/2011/main" xmlns="" val="1"/>
             </a:ext>
           </a:extLst>
         </p:spPr>
@@ -34512,7 +35588,7 @@
           <a:p>
             <a:fld id="{86CB4B4D-7CA3-9044-876B-883B54F8677D}" type="slidenum">
               <a:rPr lang="es-ES" smtClean="0"/>
-              <a:t>33</a:t>
+              <a:t>35</a:t>
             </a:fld>
             <a:endParaRPr lang="es-ES"/>
           </a:p>
@@ -34621,7 +35697,7 @@
           </a:ln>
           <a:extLst>
             <a:ext uri="{C572A759-6A51-4108-AA02-DFA0A04FC94B}">
-              <ma14:wrappingTextBoxFlag xmlns="" xmlns:ma14="http://schemas.microsoft.com/office/mac/drawingml/2011/main" val="1"/>
+              <ma14:wrappingTextBoxFlag xmlns:ma14="http://schemas.microsoft.com/office/mac/drawingml/2011/main" xmlns="" val="1"/>
             </a:ext>
           </a:extLst>
         </p:spPr>
@@ -34743,7 +35819,7 @@
             <a:effectLst/>
             <a:extLst>
               <a:ext uri="{C572A759-6A51-4108-AA02-DFA0A04FC94B}">
-                <ma14:wrappingTextBoxFlag xmlns="" xmlns:ma14="http://schemas.microsoft.com/office/mac/drawingml/2011/main" val="1"/>
+                <ma14:wrappingTextBoxFlag xmlns:ma14="http://schemas.microsoft.com/office/mac/drawingml/2011/main" xmlns="" val="1"/>
               </a:ext>
             </a:extLst>
           </p:spPr>
@@ -34793,7 +35869,7 @@
           </a:ln>
           <a:extLst>
             <a:ext uri="{C572A759-6A51-4108-AA02-DFA0A04FC94B}">
-              <ma14:wrappingTextBoxFlag xmlns="" xmlns:ma14="http://schemas.microsoft.com/office/mac/drawingml/2011/main" val="1"/>
+              <ma14:wrappingTextBoxFlag xmlns:ma14="http://schemas.microsoft.com/office/mac/drawingml/2011/main" xmlns="" val="1"/>
             </a:ext>
           </a:extLst>
         </p:spPr>
@@ -35651,7 +36727,7 @@
           </a:ln>
           <a:extLst>
             <a:ext uri="{C572A759-6A51-4108-AA02-DFA0A04FC94B}">
-              <ma14:wrappingTextBoxFlag xmlns="" xmlns:ma14="http://schemas.microsoft.com/office/mac/drawingml/2011/main" val="1"/>
+              <ma14:wrappingTextBoxFlag xmlns:ma14="http://schemas.microsoft.com/office/mac/drawingml/2011/main" xmlns="" val="1"/>
             </a:ext>
           </a:extLst>
         </p:spPr>
@@ -35816,7 +36892,7 @@
             <a:effectLst/>
             <a:extLst>
               <a:ext uri="{C572A759-6A51-4108-AA02-DFA0A04FC94B}">
-                <ma14:wrappingTextBoxFlag xmlns="" xmlns:ma14="http://schemas.microsoft.com/office/mac/drawingml/2011/main" val="1"/>
+                <ma14:wrappingTextBoxFlag xmlns:ma14="http://schemas.microsoft.com/office/mac/drawingml/2011/main" xmlns="" val="1"/>
               </a:ext>
             </a:extLst>
           </p:spPr>
@@ -35916,7 +36992,7 @@
             <a:effectLst/>
             <a:extLst>
               <a:ext uri="{C572A759-6A51-4108-AA02-DFA0A04FC94B}">
-                <ma14:wrappingTextBoxFlag xmlns="" xmlns:ma14="http://schemas.microsoft.com/office/mac/drawingml/2011/main" val="1"/>
+                <ma14:wrappingTextBoxFlag xmlns:ma14="http://schemas.microsoft.com/office/mac/drawingml/2011/main" xmlns="" val="1"/>
               </a:ext>
             </a:extLst>
           </p:spPr>
@@ -36298,7 +37374,7 @@
             <a:effectLst/>
             <a:extLst>
               <a:ext uri="{C572A759-6A51-4108-AA02-DFA0A04FC94B}">
-                <ma14:wrappingTextBoxFlag xmlns="" xmlns:ma14="http://schemas.microsoft.com/office/mac/drawingml/2011/main" val="1"/>
+                <ma14:wrappingTextBoxFlag xmlns:ma14="http://schemas.microsoft.com/office/mac/drawingml/2011/main" xmlns="" val="1"/>
               </a:ext>
             </a:extLst>
           </p:spPr>
@@ -36801,7 +37877,7 @@
           </a:ln>
           <a:extLst>
             <a:ext uri="{C572A759-6A51-4108-AA02-DFA0A04FC94B}">
-              <ma14:wrappingTextBoxFlag xmlns="" xmlns:ma14="http://schemas.microsoft.com/office/mac/drawingml/2011/main" val="1"/>
+              <ma14:wrappingTextBoxFlag xmlns:ma14="http://schemas.microsoft.com/office/mac/drawingml/2011/main" xmlns="" val="1"/>
             </a:ext>
           </a:extLst>
         </p:spPr>
@@ -36842,7 +37918,7 @@
           </a:ln>
           <a:extLst>
             <a:ext uri="{C572A759-6A51-4108-AA02-DFA0A04FC94B}">
-              <ma14:wrappingTextBoxFlag xmlns="" xmlns:ma14="http://schemas.microsoft.com/office/mac/drawingml/2011/main" val="1"/>
+              <ma14:wrappingTextBoxFlag xmlns:ma14="http://schemas.microsoft.com/office/mac/drawingml/2011/main" xmlns="" val="1"/>
             </a:ext>
           </a:extLst>
         </p:spPr>
@@ -37007,7 +38083,7 @@
             <a:effectLst/>
             <a:extLst>
               <a:ext uri="{C572A759-6A51-4108-AA02-DFA0A04FC94B}">
-                <ma14:wrappingTextBoxFlag xmlns="" xmlns:ma14="http://schemas.microsoft.com/office/mac/drawingml/2011/main" val="1"/>
+                <ma14:wrappingTextBoxFlag xmlns:ma14="http://schemas.microsoft.com/office/mac/drawingml/2011/main" xmlns="" val="1"/>
               </a:ext>
             </a:extLst>
           </p:spPr>
@@ -37107,7 +38183,7 @@
             <a:effectLst/>
             <a:extLst>
               <a:ext uri="{C572A759-6A51-4108-AA02-DFA0A04FC94B}">
-                <ma14:wrappingTextBoxFlag xmlns="" xmlns:ma14="http://schemas.microsoft.com/office/mac/drawingml/2011/main" val="1"/>
+                <ma14:wrappingTextBoxFlag xmlns:ma14="http://schemas.microsoft.com/office/mac/drawingml/2011/main" xmlns="" val="1"/>
               </a:ext>
             </a:extLst>
           </p:spPr>
@@ -37357,7 +38433,7 @@
             <a:effectLst/>
             <a:extLst>
               <a:ext uri="{C572A759-6A51-4108-AA02-DFA0A04FC94B}">
-                <ma14:wrappingTextBoxFlag xmlns="" xmlns:ma14="http://schemas.microsoft.com/office/mac/drawingml/2011/main" val="1"/>
+                <ma14:wrappingTextBoxFlag xmlns:ma14="http://schemas.microsoft.com/office/mac/drawingml/2011/main" xmlns="" val="1"/>
               </a:ext>
             </a:extLst>
           </p:spPr>
@@ -37587,7 +38663,7 @@
           </a:ln>
           <a:extLst>
             <a:ext uri="{C572A759-6A51-4108-AA02-DFA0A04FC94B}">
-              <ma14:wrappingTextBoxFlag xmlns="" xmlns:ma14="http://schemas.microsoft.com/office/mac/drawingml/2011/main" val="1"/>
+              <ma14:wrappingTextBoxFlag xmlns:ma14="http://schemas.microsoft.com/office/mac/drawingml/2011/main" xmlns="" val="1"/>
             </a:ext>
           </a:extLst>
         </p:spPr>
@@ -37752,7 +38828,7 @@
             <a:effectLst/>
             <a:extLst>
               <a:ext uri="{C572A759-6A51-4108-AA02-DFA0A04FC94B}">
-                <ma14:wrappingTextBoxFlag xmlns="" xmlns:ma14="http://schemas.microsoft.com/office/mac/drawingml/2011/main" val="1"/>
+                <ma14:wrappingTextBoxFlag xmlns:ma14="http://schemas.microsoft.com/office/mac/drawingml/2011/main" xmlns="" val="1"/>
               </a:ext>
             </a:extLst>
           </p:spPr>
@@ -37976,7 +39052,7 @@
           </a:ln>
           <a:extLst>
             <a:ext uri="{C572A759-6A51-4108-AA02-DFA0A04FC94B}">
-              <ma14:wrappingTextBoxFlag xmlns="" xmlns:ma14="http://schemas.microsoft.com/office/mac/drawingml/2011/main" val="1"/>
+              <ma14:wrappingTextBoxFlag xmlns:ma14="http://schemas.microsoft.com/office/mac/drawingml/2011/main" xmlns="" val="1"/>
             </a:ext>
           </a:extLst>
         </p:spPr>
@@ -38146,7 +39222,7 @@
             <a:effectLst/>
             <a:extLst>
               <a:ext uri="{C572A759-6A51-4108-AA02-DFA0A04FC94B}">
-                <ma14:wrappingTextBoxFlag xmlns="" xmlns:ma14="http://schemas.microsoft.com/office/mac/drawingml/2011/main" val="1"/>
+                <ma14:wrappingTextBoxFlag xmlns:ma14="http://schemas.microsoft.com/office/mac/drawingml/2011/main" xmlns="" val="1"/>
               </a:ext>
             </a:extLst>
           </p:spPr>
@@ -38441,7 +39517,7 @@
             <a:effectLst/>
             <a:extLst>
               <a:ext uri="{C572A759-6A51-4108-AA02-DFA0A04FC94B}">
-                <ma14:wrappingTextBoxFlag xmlns="" xmlns:ma14="http://schemas.microsoft.com/office/mac/drawingml/2011/main" val="1"/>
+                <ma14:wrappingTextBoxFlag xmlns:ma14="http://schemas.microsoft.com/office/mac/drawingml/2011/main" xmlns="" val="1"/>
               </a:ext>
             </a:extLst>
           </p:spPr>
@@ -39179,7 +40255,7 @@
           </a:ln>
           <a:extLst>
             <a:ext uri="{C572A759-6A51-4108-AA02-DFA0A04FC94B}">
-              <ma14:wrappingTextBoxFlag xmlns="" xmlns:ma14="http://schemas.microsoft.com/office/mac/drawingml/2011/main" val="1"/>
+              <ma14:wrappingTextBoxFlag xmlns:ma14="http://schemas.microsoft.com/office/mac/drawingml/2011/main" xmlns="" val="1"/>
             </a:ext>
           </a:extLst>
         </p:spPr>
@@ -39220,7 +40296,7 @@
           </a:ln>
           <a:extLst>
             <a:ext uri="{C572A759-6A51-4108-AA02-DFA0A04FC94B}">
-              <ma14:wrappingTextBoxFlag xmlns="" xmlns:ma14="http://schemas.microsoft.com/office/mac/drawingml/2011/main" val="1"/>
+              <ma14:wrappingTextBoxFlag xmlns:ma14="http://schemas.microsoft.com/office/mac/drawingml/2011/main" xmlns="" val="1"/>
             </a:ext>
           </a:extLst>
         </p:spPr>
@@ -39337,7 +40413,7 @@
             <a:effectLst/>
             <a:extLst>
               <a:ext uri="{C572A759-6A51-4108-AA02-DFA0A04FC94B}">
-                <ma14:wrappingTextBoxFlag xmlns="" xmlns:ma14="http://schemas.microsoft.com/office/mac/drawingml/2011/main" val="1"/>
+                <ma14:wrappingTextBoxFlag xmlns:ma14="http://schemas.microsoft.com/office/mac/drawingml/2011/main" xmlns="" val="1"/>
               </a:ext>
             </a:extLst>
           </p:spPr>
@@ -39382,7 +40458,7 @@
         </p:nvGraphicFramePr>
         <p:xfrm>
           <a:off x="5213618" y="3801894"/>
-          <a:ext cx="15443268" cy="8710168"/>
+          <a:ext cx="15443268" cy="8560245"/>
         </p:xfrm>
         <a:graphic>
           <a:graphicData uri="http://schemas.openxmlformats.org/drawingml/2006/table">
@@ -44524,7 +45600,7 @@
 <file path=ppt/theme/theme1.xml><?xml version="1.0" encoding="utf-8"?>
 <a:theme xmlns:a="http://schemas.openxmlformats.org/drawingml/2006/main" name="New_Template7">
   <a:themeElements>
-    <a:clrScheme name="New_Template7">
+    <a:clrScheme name="Personalizado 1">
       <a:dk1>
         <a:srgbClr val="222222"/>
       </a:dk1>
@@ -44556,10 +45632,10 @@
         <a:srgbClr val="C52060"/>
       </a:accent6>
       <a:hlink>
-        <a:srgbClr val="0000FF"/>
+        <a:srgbClr val="222222"/>
       </a:hlink>
       <a:folHlink>
-        <a:srgbClr val="FF00FF"/>
+        <a:srgbClr val="222222"/>
       </a:folHlink>
     </a:clrScheme>
     <a:fontScheme name="New_Template7">
@@ -46659,4 +47735,299 @@
   </a:objectDefaults>
   <a:extraClrSchemeLst/>
 </a:theme>
+</file>
+
+<file path=ppt/theme/theme3.xml><?xml version="1.0" encoding="utf-8"?>
+<a:theme xmlns:a="http://schemas.openxmlformats.org/drawingml/2006/main" name="Tema de Office">
+  <a:themeElements>
+    <a:clrScheme name="Personalizado 1">
+      <a:dk1>
+        <a:srgbClr val="222222"/>
+      </a:dk1>
+      <a:lt1>
+        <a:srgbClr val="838787"/>
+      </a:lt1>
+      <a:dk2>
+        <a:srgbClr val="222222"/>
+      </a:dk2>
+      <a:lt2>
+        <a:srgbClr val="A6AAA9"/>
+      </a:lt2>
+      <a:accent1>
+        <a:srgbClr val="34A5DA"/>
+      </a:accent1>
+      <a:accent2>
+        <a:srgbClr val="3F969A"/>
+      </a:accent2>
+      <a:accent3>
+        <a:srgbClr val="8ABE5E"/>
+      </a:accent3>
+      <a:accent4>
+        <a:srgbClr val="FDCB56"/>
+      </a:accent4>
+      <a:accent5>
+        <a:srgbClr val="E42832"/>
+      </a:accent5>
+      <a:accent6>
+        <a:srgbClr val="C52060"/>
+      </a:accent6>
+      <a:hlink>
+        <a:srgbClr val="222222"/>
+      </a:hlink>
+      <a:folHlink>
+        <a:srgbClr val="222222"/>
+      </a:folHlink>
+    </a:clrScheme>
+    <a:fontScheme name="Office">
+      <a:majorFont>
+        <a:latin typeface="Calibri Light" panose="020F0302020204030204"/>
+        <a:ea typeface=""/>
+        <a:cs typeface=""/>
+        <a:font script="Jpan" typeface="游ゴシック Light"/>
+        <a:font script="Hang" typeface="맑은 고딕"/>
+        <a:font script="Hans" typeface="等线 Light"/>
+        <a:font script="Hant" typeface="新細明體"/>
+        <a:font script="Arab" typeface="Times New Roman"/>
+        <a:font script="Hebr" typeface="Times New Roman"/>
+        <a:font script="Thai" typeface="Angsana New"/>
+        <a:font script="Ethi" typeface="Nyala"/>
+        <a:font script="Beng" typeface="Vrinda"/>
+        <a:font script="Gujr" typeface="Shruti"/>
+        <a:font script="Khmr" typeface="MoolBoran"/>
+        <a:font script="Knda" typeface="Tunga"/>
+        <a:font script="Guru" typeface="Raavi"/>
+        <a:font script="Cans" typeface="Euphemia"/>
+        <a:font script="Cher" typeface="Plantagenet Cherokee"/>
+        <a:font script="Yiii" typeface="Microsoft Yi Baiti"/>
+        <a:font script="Tibt" typeface="Microsoft Himalaya"/>
+        <a:font script="Thaa" typeface="MV Boli"/>
+        <a:font script="Deva" typeface="Mangal"/>
+        <a:font script="Telu" typeface="Gautami"/>
+        <a:font script="Taml" typeface="Latha"/>
+        <a:font script="Syrc" typeface="Estrangelo Edessa"/>
+        <a:font script="Orya" typeface="Kalinga"/>
+        <a:font script="Mlym" typeface="Kartika"/>
+        <a:font script="Laoo" typeface="DokChampa"/>
+        <a:font script="Sinh" typeface="Iskoola Pota"/>
+        <a:font script="Mong" typeface="Mongolian Baiti"/>
+        <a:font script="Viet" typeface="Times New Roman"/>
+        <a:font script="Uigh" typeface="Microsoft Uighur"/>
+        <a:font script="Geor" typeface="Sylfaen"/>
+        <a:font script="Armn" typeface="Arial"/>
+        <a:font script="Bugi" typeface="Leelawadee UI"/>
+        <a:font script="Bopo" typeface="Microsoft JhengHei"/>
+        <a:font script="Java" typeface="Javanese Text"/>
+        <a:font script="Lisu" typeface="Segoe UI"/>
+        <a:font script="Mymr" typeface="Myanmar Text"/>
+        <a:font script="Nkoo" typeface="Ebrima"/>
+        <a:font script="Olck" typeface="Nirmala UI"/>
+        <a:font script="Osma" typeface="Ebrima"/>
+        <a:font script="Phag" typeface="Phagspa"/>
+        <a:font script="Syrn" typeface="Estrangelo Edessa"/>
+        <a:font script="Syrj" typeface="Estrangelo Edessa"/>
+        <a:font script="Syre" typeface="Estrangelo Edessa"/>
+        <a:font script="Sora" typeface="Nirmala UI"/>
+        <a:font script="Tale" typeface="Microsoft Tai Le"/>
+        <a:font script="Talu" typeface="Microsoft New Tai Lue"/>
+        <a:font script="Tfng" typeface="Ebrima"/>
+      </a:majorFont>
+      <a:minorFont>
+        <a:latin typeface="Calibri" panose="020F0502020204030204"/>
+        <a:ea typeface=""/>
+        <a:cs typeface=""/>
+        <a:font script="Jpan" typeface="游ゴシック"/>
+        <a:font script="Hang" typeface="맑은 고딕"/>
+        <a:font script="Hans" typeface="等线"/>
+        <a:font script="Hant" typeface="新細明體"/>
+        <a:font script="Arab" typeface="Arial"/>
+        <a:font script="Hebr" typeface="Arial"/>
+        <a:font script="Thai" typeface="Cordia New"/>
+        <a:font script="Ethi" typeface="Nyala"/>
+        <a:font script="Beng" typeface="Vrinda"/>
+        <a:font script="Gujr" typeface="Shruti"/>
+        <a:font script="Khmr" typeface="DaunPenh"/>
+        <a:font script="Knda" typeface="Tunga"/>
+        <a:font script="Guru" typeface="Raavi"/>
+        <a:font script="Cans" typeface="Euphemia"/>
+        <a:font script="Cher" typeface="Plantagenet Cherokee"/>
+        <a:font script="Yiii" typeface="Microsoft Yi Baiti"/>
+        <a:font script="Tibt" typeface="Microsoft Himalaya"/>
+        <a:font script="Thaa" typeface="MV Boli"/>
+        <a:font script="Deva" typeface="Mangal"/>
+        <a:font script="Telu" typeface="Gautami"/>
+        <a:font script="Taml" typeface="Latha"/>
+        <a:font script="Syrc" typeface="Estrangelo Edessa"/>
+        <a:font script="Orya" typeface="Kalinga"/>
+        <a:font script="Mlym" typeface="Kartika"/>
+        <a:font script="Laoo" typeface="DokChampa"/>
+        <a:font script="Sinh" typeface="Iskoola Pota"/>
+        <a:font script="Mong" typeface="Mongolian Baiti"/>
+        <a:font script="Viet" typeface="Arial"/>
+        <a:font script="Uigh" typeface="Microsoft Uighur"/>
+        <a:font script="Geor" typeface="Sylfaen"/>
+        <a:font script="Armn" typeface="Arial"/>
+        <a:font script="Bugi" typeface="Leelawadee UI"/>
+        <a:font script="Bopo" typeface="Microsoft JhengHei"/>
+        <a:font script="Java" typeface="Javanese Text"/>
+        <a:font script="Lisu" typeface="Segoe UI"/>
+        <a:font script="Mymr" typeface="Myanmar Text"/>
+        <a:font script="Nkoo" typeface="Ebrima"/>
+        <a:font script="Olck" typeface="Nirmala UI"/>
+        <a:font script="Osma" typeface="Ebrima"/>
+        <a:font script="Phag" typeface="Phagspa"/>
+        <a:font script="Syrn" typeface="Estrangelo Edessa"/>
+        <a:font script="Syrj" typeface="Estrangelo Edessa"/>
+        <a:font script="Syre" typeface="Estrangelo Edessa"/>
+        <a:font script="Sora" typeface="Nirmala UI"/>
+        <a:font script="Tale" typeface="Microsoft Tai Le"/>
+        <a:font script="Talu" typeface="Microsoft New Tai Lue"/>
+        <a:font script="Tfng" typeface="Ebrima"/>
+      </a:minorFont>
+    </a:fontScheme>
+    <a:fmtScheme name="Office">
+      <a:fillStyleLst>
+        <a:solidFill>
+          <a:schemeClr val="phClr"/>
+        </a:solidFill>
+        <a:gradFill rotWithShape="1">
+          <a:gsLst>
+            <a:gs pos="0">
+              <a:schemeClr val="phClr">
+                <a:lumMod val="110000"/>
+                <a:satMod val="105000"/>
+                <a:tint val="67000"/>
+              </a:schemeClr>
+            </a:gs>
+            <a:gs pos="50000">
+              <a:schemeClr val="phClr">
+                <a:lumMod val="105000"/>
+                <a:satMod val="103000"/>
+                <a:tint val="73000"/>
+              </a:schemeClr>
+            </a:gs>
+            <a:gs pos="100000">
+              <a:schemeClr val="phClr">
+                <a:lumMod val="105000"/>
+                <a:satMod val="109000"/>
+                <a:tint val="81000"/>
+              </a:schemeClr>
+            </a:gs>
+          </a:gsLst>
+          <a:lin ang="5400000" scaled="0"/>
+        </a:gradFill>
+        <a:gradFill rotWithShape="1">
+          <a:gsLst>
+            <a:gs pos="0">
+              <a:schemeClr val="phClr">
+                <a:satMod val="103000"/>
+                <a:lumMod val="102000"/>
+                <a:tint val="94000"/>
+              </a:schemeClr>
+            </a:gs>
+            <a:gs pos="50000">
+              <a:schemeClr val="phClr">
+                <a:satMod val="110000"/>
+                <a:lumMod val="100000"/>
+                <a:shade val="100000"/>
+              </a:schemeClr>
+            </a:gs>
+            <a:gs pos="100000">
+              <a:schemeClr val="phClr">
+                <a:lumMod val="99000"/>
+                <a:satMod val="120000"/>
+                <a:shade val="78000"/>
+              </a:schemeClr>
+            </a:gs>
+          </a:gsLst>
+          <a:lin ang="5400000" scaled="0"/>
+        </a:gradFill>
+      </a:fillStyleLst>
+      <a:lnStyleLst>
+        <a:ln w="6350" cap="flat" cmpd="sng" algn="ctr">
+          <a:solidFill>
+            <a:schemeClr val="phClr"/>
+          </a:solidFill>
+          <a:prstDash val="solid"/>
+          <a:miter lim="800000"/>
+        </a:ln>
+        <a:ln w="12700" cap="flat" cmpd="sng" algn="ctr">
+          <a:solidFill>
+            <a:schemeClr val="phClr"/>
+          </a:solidFill>
+          <a:prstDash val="solid"/>
+          <a:miter lim="800000"/>
+        </a:ln>
+        <a:ln w="19050" cap="flat" cmpd="sng" algn="ctr">
+          <a:solidFill>
+            <a:schemeClr val="phClr"/>
+          </a:solidFill>
+          <a:prstDash val="solid"/>
+          <a:miter lim="800000"/>
+        </a:ln>
+      </a:lnStyleLst>
+      <a:effectStyleLst>
+        <a:effectStyle>
+          <a:effectLst/>
+        </a:effectStyle>
+        <a:effectStyle>
+          <a:effectLst/>
+        </a:effectStyle>
+        <a:effectStyle>
+          <a:effectLst>
+            <a:outerShdw blurRad="57150" dist="19050" dir="5400000" algn="ctr" rotWithShape="0">
+              <a:srgbClr val="000000">
+                <a:alpha val="63000"/>
+              </a:srgbClr>
+            </a:outerShdw>
+          </a:effectLst>
+        </a:effectStyle>
+      </a:effectStyleLst>
+      <a:bgFillStyleLst>
+        <a:solidFill>
+          <a:schemeClr val="phClr"/>
+        </a:solidFill>
+        <a:solidFill>
+          <a:schemeClr val="phClr">
+            <a:tint val="95000"/>
+            <a:satMod val="170000"/>
+          </a:schemeClr>
+        </a:solidFill>
+        <a:gradFill rotWithShape="1">
+          <a:gsLst>
+            <a:gs pos="0">
+              <a:schemeClr val="phClr">
+                <a:tint val="93000"/>
+                <a:satMod val="150000"/>
+                <a:shade val="98000"/>
+                <a:lumMod val="102000"/>
+              </a:schemeClr>
+            </a:gs>
+            <a:gs pos="50000">
+              <a:schemeClr val="phClr">
+                <a:tint val="98000"/>
+                <a:satMod val="130000"/>
+                <a:shade val="90000"/>
+                <a:lumMod val="103000"/>
+              </a:schemeClr>
+            </a:gs>
+            <a:gs pos="100000">
+              <a:schemeClr val="phClr">
+                <a:shade val="63000"/>
+                <a:satMod val="120000"/>
+              </a:schemeClr>
+            </a:gs>
+          </a:gsLst>
+          <a:lin ang="5400000" scaled="0"/>
+        </a:gradFill>
+      </a:bgFillStyleLst>
+    </a:fmtScheme>
+  </a:themeElements>
+  <a:objectDefaults/>
+  <a:extraClrSchemeLst/>
+  <a:extLst>
+    <a:ext uri="{05A4C25C-085E-4340-85A3-A5531E510DB2}">
+      <thm15:themeFamily xmlns:thm15="http://schemas.microsoft.com/office/thememl/2012/main" name="Office Theme" id="{62F939B6-93AF-4DB8-9C6B-D6C7DFDC589F}" vid="{4A3C46E8-61CC-4603-A589-7422A47A8E4A}"/>
+    </a:ext>
+  </a:extLst>
+</a:theme>
 </file>
--- a/Plan de proyecto.pptx
+++ b/Plan de proyecto.pptx
@@ -5,10 +5,10 @@
     <p:sldMasterId id="2147483648" r:id="rId1"/>
   </p:sldMasterIdLst>
   <p:notesMasterIdLst>
-    <p:notesMasterId r:id="rId31"/>
+    <p:notesMasterId r:id="rId37"/>
   </p:notesMasterIdLst>
   <p:handoutMasterIdLst>
-    <p:handoutMasterId r:id="rId32"/>
+    <p:handoutMasterId r:id="rId38"/>
   </p:handoutMasterIdLst>
   <p:sldIdLst>
     <p:sldId id="256" r:id="rId2"/>
@@ -40,6 +40,12 @@
     <p:sldId id="295" r:id="rId28"/>
     <p:sldId id="296" r:id="rId29"/>
     <p:sldId id="297" r:id="rId30"/>
+    <p:sldId id="298" r:id="rId31"/>
+    <p:sldId id="299" r:id="rId32"/>
+    <p:sldId id="301" r:id="rId33"/>
+    <p:sldId id="300" r:id="rId34"/>
+    <p:sldId id="302" r:id="rId35"/>
+    <p:sldId id="303" r:id="rId36"/>
   </p:sldIdLst>
   <p:sldSz cx="24384000" cy="13716000"/>
   <p:notesSz cx="6858000" cy="9144000"/>
@@ -21314,50 +21320,46 @@
             <a:endParaRPr lang="es-ES" dirty="0"/>
           </a:p>
           <a:p>
-            <a:pPr lvl="0" fontAlgn="base"/>
-            <a:r>
-              <a:rPr lang="es-ES_tradnl" u="sng" dirty="0"/>
-              <a:t>Análisis</a:t>
-            </a:r>
+            <a:pPr marL="800100" lvl="0" indent="-342900" fontAlgn="base">
+              <a:buFont typeface="Arial" panose="020B0604020202020204" pitchFamily="34" charset="0"/>
+              <a:buChar char="•"/>
+            </a:pPr>
             <a:r>
               <a:rPr lang="es-ES_tradnl" dirty="0"/>
-              <a:t>: recogemos la información, realizamos los requisitos y definimos los usuarios.</a:t>
+              <a:t>Análisis: recogemos la información, realizamos los requisitos y definimos los usuarios.</a:t>
             </a:r>
             <a:endParaRPr lang="es-ES" dirty="0"/>
           </a:p>
           <a:p>
-            <a:pPr lvl="0" fontAlgn="base"/>
-            <a:r>
-              <a:rPr lang="es-ES_tradnl" u="sng" dirty="0"/>
-              <a:t>Diseño</a:t>
-            </a:r>
+            <a:pPr marL="800100" lvl="0" indent="-342900" fontAlgn="base">
+              <a:buFont typeface="Arial" panose="020B0604020202020204" pitchFamily="34" charset="0"/>
+              <a:buChar char="•"/>
+            </a:pPr>
             <a:r>
               <a:rPr lang="es-ES_tradnl" dirty="0"/>
-              <a:t>: realizamos un diseño del entorno gráfico y definimos los estilos que va a tener el programa.</a:t>
+              <a:t>Diseño: realizamos un diseño del entorno gráfico y definimos los estilos que va a tener el programa.</a:t>
             </a:r>
             <a:endParaRPr lang="es-ES" dirty="0"/>
           </a:p>
           <a:p>
-            <a:pPr lvl="0" fontAlgn="base"/>
-            <a:r>
-              <a:rPr lang="es-ES_tradnl" u="sng" dirty="0"/>
-              <a:t>Documentación</a:t>
-            </a:r>
+            <a:pPr marL="800100" lvl="0" indent="-342900" fontAlgn="base">
+              <a:buFont typeface="Arial" panose="020B0604020202020204" pitchFamily="34" charset="0"/>
+              <a:buChar char="•"/>
+            </a:pPr>
             <a:r>
               <a:rPr lang="es-ES_tradnl" dirty="0"/>
-              <a:t>: recopilamos toda la información en el SRS que nos servirá para realizar el diseño del programa.</a:t>
+              <a:t>Documentación: recopilamos toda la información en el SRS que nos servirá para realizar el diseño del programa.</a:t>
             </a:r>
             <a:endParaRPr lang="es-ES" dirty="0"/>
           </a:p>
           <a:p>
-            <a:pPr lvl="0" fontAlgn="base"/>
-            <a:r>
-              <a:rPr lang="es-ES_tradnl" u="sng" dirty="0"/>
-              <a:t>Construcción</a:t>
-            </a:r>
+            <a:pPr marL="800100" lvl="0" indent="-342900" fontAlgn="base">
+              <a:buFont typeface="Arial" panose="020B0604020202020204" pitchFamily="34" charset="0"/>
+              <a:buChar char="•"/>
+            </a:pPr>
             <a:r>
               <a:rPr lang="es-ES_tradnl" dirty="0"/>
-              <a:t>: realizamos la codificación del programa, las pruebas necesarias y el ensamblaje de todas las partes del proyecto.</a:t>
+              <a:t>Construcción: realizamos la codificación del programa, las pruebas necesarias y el ensamblaje de todas las partes del proyecto.</a:t>
             </a:r>
             <a:endParaRPr lang="es-ES" dirty="0"/>
           </a:p>
@@ -25183,9 +25185,9 @@
         </p:nvGrpSpPr>
         <p:grpSpPr>
           <a:xfrm>
-            <a:off x="10867601" y="2512437"/>
+            <a:off x="10903758" y="2797739"/>
             <a:ext cx="4962094" cy="771400"/>
-            <a:chOff x="-492532" y="79108"/>
+            <a:chOff x="-436210" y="364410"/>
             <a:chExt cx="7729511" cy="771399"/>
           </a:xfrm>
         </p:grpSpPr>
@@ -25197,7 +25199,7 @@
           </p:nvSpPr>
           <p:spPr>
             <a:xfrm>
-              <a:off x="-492532" y="79108"/>
+              <a:off x="-436210" y="364410"/>
               <a:ext cx="7149288" cy="771399"/>
             </a:xfrm>
             <a:prstGeom prst="roundRect">
@@ -25249,7 +25251,7 @@
           </p:nvSpPr>
           <p:spPr>
             <a:xfrm>
-              <a:off x="172709" y="182679"/>
+              <a:off x="229031" y="467981"/>
               <a:ext cx="7064270" cy="564256"/>
             </a:xfrm>
             <a:prstGeom prst="rect">
@@ -27445,6 +27447,3643 @@
     <p:extLst>
       <p:ext uri="{BB962C8B-B14F-4D97-AF65-F5344CB8AC3E}">
         <p14:creationId xmlns:p14="http://schemas.microsoft.com/office/powerpoint/2010/main" val="3871056862"/>
+      </p:ext>
+    </p:extLst>
+  </p:cSld>
+  <p:clrMapOvr>
+    <a:masterClrMapping/>
+  </p:clrMapOvr>
+  <p:transition spd="med"/>
+</p:sld>
+</file>
+
+<file path=ppt/slides/slide30.xml><?xml version="1.0" encoding="utf-8"?>
+<p:sld xmlns:a="http://schemas.openxmlformats.org/drawingml/2006/main" xmlns:r="http://schemas.openxmlformats.org/officeDocument/2006/relationships" xmlns:p="http://schemas.openxmlformats.org/presentationml/2006/main">
+  <p:cSld>
+    <p:spTree>
+      <p:nvGrpSpPr>
+        <p:cNvPr id="1" name=""/>
+        <p:cNvGrpSpPr/>
+        <p:nvPr/>
+      </p:nvGrpSpPr>
+      <p:grpSpPr>
+        <a:xfrm>
+          <a:off x="0" y="0"/>
+          <a:ext cx="0" cy="0"/>
+          <a:chOff x="0" y="0"/>
+          <a:chExt cx="0" cy="0"/>
+        </a:xfrm>
+      </p:grpSpPr>
+      <p:pic>
+        <p:nvPicPr>
+          <p:cNvPr id="194" name="pasted-image.tiff"/>
+          <p:cNvPicPr>
+            <a:picLocks noChangeAspect="1"/>
+          </p:cNvPicPr>
+          <p:nvPr/>
+        </p:nvPicPr>
+        <p:blipFill>
+          <a:blip r:embed="rId2">
+            <a:extLst/>
+          </a:blip>
+          <a:stretch>
+            <a:fillRect/>
+          </a:stretch>
+        </p:blipFill>
+        <p:spPr>
+          <a:xfrm>
+            <a:off x="-816206" y="-529723"/>
+            <a:ext cx="26829216" cy="2397845"/>
+          </a:xfrm>
+          <a:prstGeom prst="rect">
+            <a:avLst/>
+          </a:prstGeom>
+          <a:ln w="12700">
+            <a:miter lim="400000"/>
+          </a:ln>
+        </p:spPr>
+      </p:pic>
+      <p:pic>
+        <p:nvPicPr>
+          <p:cNvPr id="195" name="pasted-image.tiff"/>
+          <p:cNvPicPr>
+            <a:picLocks noChangeAspect="1"/>
+          </p:cNvPicPr>
+          <p:nvPr/>
+        </p:nvPicPr>
+        <p:blipFill>
+          <a:blip r:embed="rId3">
+            <a:extLst/>
+          </a:blip>
+          <a:stretch>
+            <a:fillRect/>
+          </a:stretch>
+        </p:blipFill>
+        <p:spPr>
+          <a:xfrm>
+            <a:off x="20120528" y="596900"/>
+            <a:ext cx="2416329" cy="766806"/>
+          </a:xfrm>
+          <a:prstGeom prst="rect">
+            <a:avLst/>
+          </a:prstGeom>
+          <a:ln w="12700">
+            <a:miter lim="400000"/>
+          </a:ln>
+        </p:spPr>
+      </p:pic>
+      <p:sp>
+        <p:nvSpPr>
+          <p:cNvPr id="197" name="Shape 197"/>
+          <p:cNvSpPr/>
+          <p:nvPr/>
+        </p:nvSpPr>
+        <p:spPr>
+          <a:xfrm>
+            <a:off x="1044066" y="500292"/>
+            <a:ext cx="10746532" cy="795089"/>
+          </a:xfrm>
+          <a:prstGeom prst="rect">
+            <a:avLst/>
+          </a:prstGeom>
+          <a:ln w="12700">
+            <a:miter lim="400000"/>
+          </a:ln>
+          <a:extLst>
+            <a:ext uri="{C572A759-6A51-4108-AA02-DFA0A04FC94B}">
+              <ma14:wrappingTextBoxFlag xmlns="" xmlns:ma14="http://schemas.microsoft.com/office/mac/drawingml/2011/main" val="1"/>
+            </a:ext>
+          </a:extLst>
+        </p:spPr>
+        <p:txBody>
+          <a:bodyPr wrap="none" lIns="50800" tIns="50800" rIns="50800" bIns="50800" anchor="ctr">
+            <a:spAutoFit/>
+          </a:bodyPr>
+          <a:lstStyle>
+            <a:lvl1pPr>
+              <a:defRPr sz="4500">
+                <a:solidFill>
+                  <a:srgbClr val="FFFFFF"/>
+                </a:solidFill>
+                <a:latin typeface="Helvetica Neue"/>
+                <a:ea typeface="Helvetica Neue"/>
+                <a:cs typeface="Helvetica Neue"/>
+                <a:sym typeface="Helvetica Neue"/>
+              </a:defRPr>
+            </a:lvl1pPr>
+          </a:lstStyle>
+          <a:p>
+            <a:r>
+              <a:rPr lang="es-ES" dirty="0"/>
+              <a:t>7. Mecanismos de seguimiento y control </a:t>
+            </a:r>
+            <a:endParaRPr dirty="0"/>
+          </a:p>
+        </p:txBody>
+      </p:sp>
+      <p:grpSp>
+        <p:nvGrpSpPr>
+          <p:cNvPr id="200" name="Group 200"/>
+          <p:cNvGrpSpPr/>
+          <p:nvPr/>
+        </p:nvGrpSpPr>
+        <p:grpSpPr>
+          <a:xfrm>
+            <a:off x="8691877" y="3243524"/>
+            <a:ext cx="10410722" cy="771400"/>
+            <a:chOff x="-3570267" y="1789586"/>
+            <a:chExt cx="16216902" cy="771399"/>
+          </a:xfrm>
+        </p:grpSpPr>
+        <p:sp>
+          <p:nvSpPr>
+            <p:cNvPr id="198" name="Shape 198"/>
+            <p:cNvSpPr/>
+            <p:nvPr/>
+          </p:nvSpPr>
+          <p:spPr>
+            <a:xfrm>
+              <a:off x="-3570267" y="1789586"/>
+              <a:ext cx="13823051" cy="771399"/>
+            </a:xfrm>
+            <a:prstGeom prst="roundRect">
+              <a:avLst>
+                <a:gd name="adj" fmla="val 33536"/>
+              </a:avLst>
+            </a:prstGeom>
+            <a:solidFill>
+              <a:srgbClr val="BA6B89"/>
+            </a:solidFill>
+            <a:ln w="12700" cap="flat">
+              <a:noFill/>
+              <a:miter lim="400000"/>
+            </a:ln>
+            <a:effectLst/>
+          </p:spPr>
+          <p:txBody>
+            <a:bodyPr wrap="square" lIns="50800" tIns="50800" rIns="50800" bIns="50800" numCol="1" anchor="ctr">
+              <a:noAutofit/>
+            </a:bodyPr>
+            <a:lstStyle/>
+            <a:p>
+              <a:pPr algn="ctr">
+                <a:lnSpc>
+                  <a:spcPct val="80000"/>
+                </a:lnSpc>
+                <a:spcBef>
+                  <a:spcPts val="0"/>
+                </a:spcBef>
+                <a:defRPr sz="4000" cap="all">
+                  <a:solidFill>
+                    <a:srgbClr val="FFFFFF"/>
+                  </a:solidFill>
+                  <a:latin typeface="+mn-lt"/>
+                  <a:ea typeface="+mn-ea"/>
+                  <a:cs typeface="+mn-cs"/>
+                  <a:sym typeface="DIN Condensed"/>
+                </a:defRPr>
+              </a:pPr>
+              <a:endParaRPr dirty="0"/>
+            </a:p>
+          </p:txBody>
+        </p:sp>
+        <p:sp>
+          <p:nvSpPr>
+            <p:cNvPr id="199" name="Shape 199"/>
+            <p:cNvSpPr/>
+            <p:nvPr/>
+          </p:nvSpPr>
+          <p:spPr>
+            <a:xfrm>
+              <a:off x="-2905026" y="1893155"/>
+              <a:ext cx="15551661" cy="564256"/>
+            </a:xfrm>
+            <a:prstGeom prst="rect">
+              <a:avLst/>
+            </a:prstGeom>
+            <a:noFill/>
+            <a:ln w="12700" cap="flat">
+              <a:noFill/>
+              <a:miter lim="400000"/>
+            </a:ln>
+            <a:effectLst/>
+            <a:extLst>
+              <a:ext uri="{C572A759-6A51-4108-AA02-DFA0A04FC94B}">
+                <ma14:wrappingTextBoxFlag xmlns="" xmlns:ma14="http://schemas.microsoft.com/office/mac/drawingml/2011/main" val="1"/>
+              </a:ext>
+            </a:extLst>
+          </p:spPr>
+          <p:txBody>
+            <a:bodyPr wrap="square" lIns="50800" tIns="50800" rIns="50800" bIns="50800" numCol="1" anchor="ctr">
+              <a:spAutoFit/>
+            </a:bodyPr>
+            <a:lstStyle>
+              <a:lvl1pPr>
+                <a:defRPr>
+                  <a:solidFill>
+                    <a:srgbClr val="FFFFFF"/>
+                  </a:solidFill>
+                </a:defRPr>
+              </a:lvl1pPr>
+            </a:lstStyle>
+            <a:p>
+              <a:r>
+                <a:rPr lang="es-ES" dirty="0"/>
+                <a:t>1 Garantía de calidad y control (Plan de Calidad)</a:t>
+              </a:r>
+              <a:endParaRPr dirty="0"/>
+            </a:p>
+          </p:txBody>
+        </p:sp>
+      </p:grpSp>
+      <p:sp>
+        <p:nvSpPr>
+          <p:cNvPr id="16" name="Shape 212"/>
+          <p:cNvSpPr/>
+          <p:nvPr/>
+        </p:nvSpPr>
+        <p:spPr>
+          <a:xfrm>
+            <a:off x="4564490" y="2490329"/>
+            <a:ext cx="16604319" cy="10196971"/>
+          </a:xfrm>
+          <a:prstGeom prst="roundRect">
+            <a:avLst>
+              <a:gd name="adj" fmla="val 7944"/>
+            </a:avLst>
+          </a:prstGeom>
+          <a:ln w="50800">
+            <a:solidFill>
+              <a:srgbClr val="5B5854"/>
+            </a:solidFill>
+            <a:miter lim="400000"/>
+          </a:ln>
+        </p:spPr>
+        <p:txBody>
+          <a:bodyPr lIns="50800" tIns="50800" rIns="50800" bIns="50800" anchor="ctr"/>
+          <a:lstStyle/>
+          <a:p>
+            <a:pPr algn="ctr">
+              <a:lnSpc>
+                <a:spcPct val="80000"/>
+              </a:lnSpc>
+              <a:spcBef>
+                <a:spcPts val="0"/>
+              </a:spcBef>
+              <a:defRPr sz="100" cap="all">
+                <a:solidFill>
+                  <a:srgbClr val="FFFFFF"/>
+                </a:solidFill>
+                <a:latin typeface="+mn-lt"/>
+                <a:ea typeface="+mn-ea"/>
+                <a:cs typeface="+mn-cs"/>
+                <a:sym typeface="DIN Condensed"/>
+              </a:defRPr>
+            </a:pPr>
+            <a:endParaRPr/>
+          </a:p>
+        </p:txBody>
+      </p:sp>
+      <p:sp>
+        <p:nvSpPr>
+          <p:cNvPr id="3" name="Marcador de número de diapositiva 2"/>
+          <p:cNvSpPr>
+            <a:spLocks noGrp="1"/>
+          </p:cNvSpPr>
+          <p:nvPr>
+            <p:ph type="sldNum" sz="quarter" idx="2"/>
+          </p:nvPr>
+        </p:nvSpPr>
+        <p:spPr/>
+        <p:txBody>
+          <a:bodyPr/>
+          <a:lstStyle/>
+          <a:p>
+            <a:fld id="{86CB4B4D-7CA3-9044-876B-883B54F8677D}" type="slidenum">
+              <a:rPr lang="es-ES" smtClean="0"/>
+              <a:t>30</a:t>
+            </a:fld>
+            <a:endParaRPr lang="es-ES"/>
+          </a:p>
+        </p:txBody>
+      </p:sp>
+      <p:sp>
+        <p:nvSpPr>
+          <p:cNvPr id="6" name="Rectángulo 5"/>
+          <p:cNvSpPr/>
+          <p:nvPr/>
+        </p:nvSpPr>
+        <p:spPr>
+          <a:xfrm>
+            <a:off x="6892901" y="5313387"/>
+            <a:ext cx="12192000" cy="477054"/>
+          </a:xfrm>
+          <a:prstGeom prst="rect">
+            <a:avLst/>
+          </a:prstGeom>
+        </p:spPr>
+        <p:txBody>
+          <a:bodyPr>
+            <a:spAutoFit/>
+          </a:bodyPr>
+          <a:lstStyle/>
+          <a:p>
+            <a:r>
+              <a:rPr lang="es-ES" sz="2500" dirty="0">
+                <a:solidFill>
+                  <a:srgbClr val="00000A"/>
+                </a:solidFill>
+                <a:uFill>
+                  <a:solidFill>
+                    <a:srgbClr val="00000A"/>
+                  </a:solidFill>
+                </a:uFill>
+                <a:latin typeface="Helvetica Neue"/>
+                <a:ea typeface="Helvetica Neue"/>
+                <a:cs typeface="Helvetica Neue"/>
+              </a:rPr>
+              <a:t>La herramienta de versionado que utilizaremos será Git y el servidor GitHub.</a:t>
+            </a:r>
+          </a:p>
+        </p:txBody>
+      </p:sp>
+      <p:sp>
+        <p:nvSpPr>
+          <p:cNvPr id="8" name="Rectángulo 7"/>
+          <p:cNvSpPr/>
+          <p:nvPr/>
+        </p:nvSpPr>
+        <p:spPr>
+          <a:xfrm>
+            <a:off x="6892901" y="6412648"/>
+            <a:ext cx="12192000" cy="3657411"/>
+          </a:xfrm>
+          <a:prstGeom prst="rect">
+            <a:avLst/>
+          </a:prstGeom>
+        </p:spPr>
+        <p:txBody>
+          <a:bodyPr>
+            <a:spAutoFit/>
+          </a:bodyPr>
+          <a:lstStyle/>
+          <a:p>
+            <a:r>
+              <a:rPr lang="es-ES" sz="2500" dirty="0">
+                <a:solidFill>
+                  <a:srgbClr val="00000A"/>
+                </a:solidFill>
+                <a:uFill>
+                  <a:solidFill>
+                    <a:srgbClr val="00000A"/>
+                  </a:solidFill>
+                </a:uFill>
+                <a:latin typeface="Helvetica Neue"/>
+                <a:ea typeface="Helvetica Neue"/>
+                <a:cs typeface="Helvetica Neue"/>
+              </a:rPr>
+              <a:t>Para conseguir crear software de calidad realizaremos revisiones técnicas formales luego de cada tarea finalizada. </a:t>
+            </a:r>
+          </a:p>
+          <a:p>
+            <a:r>
+              <a:rPr lang="es-ES" sz="2500" dirty="0">
+                <a:solidFill>
+                  <a:srgbClr val="00000A"/>
+                </a:solidFill>
+                <a:uFill>
+                  <a:solidFill>
+                    <a:srgbClr val="00000A"/>
+                  </a:solidFill>
+                </a:uFill>
+                <a:latin typeface="Helvetica Neue"/>
+                <a:ea typeface="Helvetica Neue"/>
+                <a:cs typeface="Helvetica Neue"/>
+              </a:rPr>
+              <a:t>Se designará a alguien que revise el trabajo hecho por los otros integrantes del grupo y así poder encontrar errores o simples modificaciones para que tenga más sentido la tarea.</a:t>
+            </a:r>
+          </a:p>
+          <a:p>
+            <a:r>
+              <a:rPr lang="es-ES" sz="2500" dirty="0">
+                <a:solidFill>
+                  <a:srgbClr val="00000A"/>
+                </a:solidFill>
+                <a:uFill>
+                  <a:solidFill>
+                    <a:srgbClr val="00000A"/>
+                  </a:solidFill>
+                </a:uFill>
+                <a:latin typeface="Helvetica Neue"/>
+                <a:ea typeface="Helvetica Neue"/>
+                <a:cs typeface="Helvetica Neue"/>
+              </a:rPr>
+              <a:t>A partir de aquí, en la siguiente reunión se tendrán que exponer las modificaciones realizadas y sus consecuencias.</a:t>
+            </a:r>
+          </a:p>
+        </p:txBody>
+      </p:sp>
+    </p:spTree>
+    <p:extLst>
+      <p:ext uri="{BB962C8B-B14F-4D97-AF65-F5344CB8AC3E}">
+        <p14:creationId xmlns:p14="http://schemas.microsoft.com/office/powerpoint/2010/main" val="69701862"/>
+      </p:ext>
+    </p:extLst>
+  </p:cSld>
+  <p:clrMapOvr>
+    <a:masterClrMapping/>
+  </p:clrMapOvr>
+  <p:transition spd="med"/>
+</p:sld>
+</file>
+
+<file path=ppt/slides/slide31.xml><?xml version="1.0" encoding="utf-8"?>
+<p:sld xmlns:a="http://schemas.openxmlformats.org/drawingml/2006/main" xmlns:r="http://schemas.openxmlformats.org/officeDocument/2006/relationships" xmlns:p="http://schemas.openxmlformats.org/presentationml/2006/main">
+  <p:cSld>
+    <p:spTree>
+      <p:nvGrpSpPr>
+        <p:cNvPr id="1" name=""/>
+        <p:cNvGrpSpPr/>
+        <p:nvPr/>
+      </p:nvGrpSpPr>
+      <p:grpSpPr>
+        <a:xfrm>
+          <a:off x="0" y="0"/>
+          <a:ext cx="0" cy="0"/>
+          <a:chOff x="0" y="0"/>
+          <a:chExt cx="0" cy="0"/>
+        </a:xfrm>
+      </p:grpSpPr>
+      <p:pic>
+        <p:nvPicPr>
+          <p:cNvPr id="194" name="pasted-image.tiff"/>
+          <p:cNvPicPr>
+            <a:picLocks noChangeAspect="1"/>
+          </p:cNvPicPr>
+          <p:nvPr/>
+        </p:nvPicPr>
+        <p:blipFill>
+          <a:blip r:embed="rId2">
+            <a:extLst/>
+          </a:blip>
+          <a:stretch>
+            <a:fillRect/>
+          </a:stretch>
+        </p:blipFill>
+        <p:spPr>
+          <a:xfrm>
+            <a:off x="-816206" y="-529723"/>
+            <a:ext cx="26829216" cy="2397845"/>
+          </a:xfrm>
+          <a:prstGeom prst="rect">
+            <a:avLst/>
+          </a:prstGeom>
+          <a:ln w="12700">
+            <a:miter lim="400000"/>
+          </a:ln>
+        </p:spPr>
+      </p:pic>
+      <p:pic>
+        <p:nvPicPr>
+          <p:cNvPr id="195" name="pasted-image.tiff"/>
+          <p:cNvPicPr>
+            <a:picLocks noChangeAspect="1"/>
+          </p:cNvPicPr>
+          <p:nvPr/>
+        </p:nvPicPr>
+        <p:blipFill>
+          <a:blip r:embed="rId3">
+            <a:extLst/>
+          </a:blip>
+          <a:stretch>
+            <a:fillRect/>
+          </a:stretch>
+        </p:blipFill>
+        <p:spPr>
+          <a:xfrm>
+            <a:off x="20120528" y="596900"/>
+            <a:ext cx="2416329" cy="766806"/>
+          </a:xfrm>
+          <a:prstGeom prst="rect">
+            <a:avLst/>
+          </a:prstGeom>
+          <a:ln w="12700">
+            <a:miter lim="400000"/>
+          </a:ln>
+        </p:spPr>
+      </p:pic>
+      <p:sp>
+        <p:nvSpPr>
+          <p:cNvPr id="197" name="Shape 197"/>
+          <p:cNvSpPr/>
+          <p:nvPr/>
+        </p:nvSpPr>
+        <p:spPr>
+          <a:xfrm>
+            <a:off x="1044066" y="500292"/>
+            <a:ext cx="10746532" cy="795089"/>
+          </a:xfrm>
+          <a:prstGeom prst="rect">
+            <a:avLst/>
+          </a:prstGeom>
+          <a:ln w="12700">
+            <a:miter lim="400000"/>
+          </a:ln>
+          <a:extLst>
+            <a:ext uri="{C572A759-6A51-4108-AA02-DFA0A04FC94B}">
+              <ma14:wrappingTextBoxFlag xmlns="" xmlns:ma14="http://schemas.microsoft.com/office/mac/drawingml/2011/main" val="1"/>
+            </a:ext>
+          </a:extLst>
+        </p:spPr>
+        <p:txBody>
+          <a:bodyPr wrap="none" lIns="50800" tIns="50800" rIns="50800" bIns="50800" anchor="ctr">
+            <a:spAutoFit/>
+          </a:bodyPr>
+          <a:lstStyle>
+            <a:lvl1pPr>
+              <a:defRPr sz="4500">
+                <a:solidFill>
+                  <a:srgbClr val="FFFFFF"/>
+                </a:solidFill>
+                <a:latin typeface="Helvetica Neue"/>
+                <a:ea typeface="Helvetica Neue"/>
+                <a:cs typeface="Helvetica Neue"/>
+                <a:sym typeface="Helvetica Neue"/>
+              </a:defRPr>
+            </a:lvl1pPr>
+          </a:lstStyle>
+          <a:p>
+            <a:r>
+              <a:rPr lang="es-ES" dirty="0"/>
+              <a:t>7. Mecanismos de seguimiento y control </a:t>
+            </a:r>
+            <a:endParaRPr dirty="0"/>
+          </a:p>
+        </p:txBody>
+      </p:sp>
+      <p:grpSp>
+        <p:nvGrpSpPr>
+          <p:cNvPr id="200" name="Group 200"/>
+          <p:cNvGrpSpPr/>
+          <p:nvPr/>
+        </p:nvGrpSpPr>
+        <p:grpSpPr>
+          <a:xfrm>
+            <a:off x="7414996" y="2325396"/>
+            <a:ext cx="12448356" cy="2664491"/>
+            <a:chOff x="-5559280" y="871459"/>
+            <a:chExt cx="19390950" cy="2664487"/>
+          </a:xfrm>
+        </p:grpSpPr>
+        <p:sp>
+          <p:nvSpPr>
+            <p:cNvPr id="198" name="Shape 198"/>
+            <p:cNvSpPr/>
+            <p:nvPr/>
+          </p:nvSpPr>
+          <p:spPr>
+            <a:xfrm>
+              <a:off x="-3570267" y="871459"/>
+              <a:ext cx="13823051" cy="771399"/>
+            </a:xfrm>
+            <a:prstGeom prst="roundRect">
+              <a:avLst>
+                <a:gd name="adj" fmla="val 33536"/>
+              </a:avLst>
+            </a:prstGeom>
+            <a:solidFill>
+              <a:srgbClr val="BA6B89"/>
+            </a:solidFill>
+            <a:ln w="12700" cap="flat">
+              <a:noFill/>
+              <a:miter lim="400000"/>
+            </a:ln>
+            <a:effectLst/>
+          </p:spPr>
+          <p:txBody>
+            <a:bodyPr wrap="square" lIns="50800" tIns="50800" rIns="50800" bIns="50800" numCol="1" anchor="ctr">
+              <a:noAutofit/>
+            </a:bodyPr>
+            <a:lstStyle/>
+            <a:p>
+              <a:pPr algn="ctr">
+                <a:lnSpc>
+                  <a:spcPct val="80000"/>
+                </a:lnSpc>
+                <a:spcBef>
+                  <a:spcPts val="0"/>
+                </a:spcBef>
+                <a:defRPr sz="4000" cap="all">
+                  <a:solidFill>
+                    <a:srgbClr val="FFFFFF"/>
+                  </a:solidFill>
+                  <a:latin typeface="+mn-lt"/>
+                  <a:ea typeface="+mn-ea"/>
+                  <a:cs typeface="+mn-cs"/>
+                  <a:sym typeface="DIN Condensed"/>
+                </a:defRPr>
+              </a:pPr>
+              <a:endParaRPr dirty="0"/>
+            </a:p>
+          </p:txBody>
+        </p:sp>
+        <p:sp>
+          <p:nvSpPr>
+            <p:cNvPr id="199" name="Shape 199"/>
+            <p:cNvSpPr/>
+            <p:nvPr/>
+          </p:nvSpPr>
+          <p:spPr>
+            <a:xfrm>
+              <a:off x="-2905026" y="975028"/>
+              <a:ext cx="15551661" cy="564256"/>
+            </a:xfrm>
+            <a:prstGeom prst="rect">
+              <a:avLst/>
+            </a:prstGeom>
+            <a:noFill/>
+            <a:ln w="12700" cap="flat">
+              <a:noFill/>
+              <a:miter lim="400000"/>
+            </a:ln>
+            <a:effectLst/>
+            <a:extLst>
+              <a:ext uri="{C572A759-6A51-4108-AA02-DFA0A04FC94B}">
+                <ma14:wrappingTextBoxFlag xmlns="" xmlns:ma14="http://schemas.microsoft.com/office/mac/drawingml/2011/main" val="1"/>
+              </a:ext>
+            </a:extLst>
+          </p:spPr>
+          <p:txBody>
+            <a:bodyPr wrap="square" lIns="50800" tIns="50800" rIns="50800" bIns="50800" numCol="1" anchor="ctr">
+              <a:spAutoFit/>
+            </a:bodyPr>
+            <a:lstStyle>
+              <a:lvl1pPr>
+                <a:defRPr>
+                  <a:solidFill>
+                    <a:srgbClr val="FFFFFF"/>
+                  </a:solidFill>
+                </a:defRPr>
+              </a:lvl1pPr>
+            </a:lstStyle>
+            <a:p>
+              <a:r>
+                <a:rPr lang="es-ES" dirty="0"/>
+                <a:t>2 Gestión y control de cambios (Plan GCS)</a:t>
+              </a:r>
+              <a:endParaRPr dirty="0"/>
+            </a:p>
+          </p:txBody>
+        </p:sp>
+        <p:sp>
+          <p:nvSpPr>
+            <p:cNvPr id="12" name="Shape 198"/>
+            <p:cNvSpPr/>
+            <p:nvPr/>
+          </p:nvSpPr>
+          <p:spPr>
+            <a:xfrm>
+              <a:off x="-5559280" y="2764547"/>
+              <a:ext cx="17758030" cy="771399"/>
+            </a:xfrm>
+            <a:prstGeom prst="roundRect">
+              <a:avLst>
+                <a:gd name="adj" fmla="val 33536"/>
+              </a:avLst>
+            </a:prstGeom>
+            <a:solidFill>
+              <a:srgbClr val="BA6B89"/>
+            </a:solidFill>
+            <a:ln w="12700" cap="flat">
+              <a:noFill/>
+              <a:miter lim="400000"/>
+            </a:ln>
+            <a:effectLst/>
+          </p:spPr>
+          <p:txBody>
+            <a:bodyPr wrap="square" lIns="50800" tIns="50800" rIns="50800" bIns="50800" numCol="1" anchor="ctr">
+              <a:noAutofit/>
+            </a:bodyPr>
+            <a:lstStyle/>
+            <a:p>
+              <a:pPr algn="ctr">
+                <a:lnSpc>
+                  <a:spcPct val="80000"/>
+                </a:lnSpc>
+                <a:spcBef>
+                  <a:spcPts val="0"/>
+                </a:spcBef>
+                <a:defRPr sz="4000" cap="all">
+                  <a:solidFill>
+                    <a:srgbClr val="FFFFFF"/>
+                  </a:solidFill>
+                  <a:latin typeface="+mn-lt"/>
+                  <a:ea typeface="+mn-ea"/>
+                  <a:cs typeface="+mn-cs"/>
+                  <a:sym typeface="DIN Condensed"/>
+                </a:defRPr>
+              </a:pPr>
+              <a:endParaRPr dirty="0"/>
+            </a:p>
+          </p:txBody>
+        </p:sp>
+        <p:sp>
+          <p:nvSpPr>
+            <p:cNvPr id="13" name="Shape 199"/>
+            <p:cNvSpPr/>
+            <p:nvPr/>
+          </p:nvSpPr>
+          <p:spPr>
+            <a:xfrm>
+              <a:off x="-4894039" y="2868116"/>
+              <a:ext cx="18725709" cy="564256"/>
+            </a:xfrm>
+            <a:prstGeom prst="rect">
+              <a:avLst/>
+            </a:prstGeom>
+            <a:noFill/>
+            <a:ln w="12700" cap="flat">
+              <a:noFill/>
+              <a:miter lim="400000"/>
+            </a:ln>
+            <a:effectLst/>
+            <a:extLst>
+              <a:ext uri="{C572A759-6A51-4108-AA02-DFA0A04FC94B}">
+                <ma14:wrappingTextBoxFlag xmlns="" xmlns:ma14="http://schemas.microsoft.com/office/mac/drawingml/2011/main" val="1"/>
+              </a:ext>
+            </a:extLst>
+          </p:spPr>
+          <p:txBody>
+            <a:bodyPr wrap="square" lIns="50800" tIns="50800" rIns="50800" bIns="50800" numCol="1" anchor="ctr">
+              <a:spAutoFit/>
+            </a:bodyPr>
+            <a:lstStyle>
+              <a:lvl1pPr>
+                <a:defRPr>
+                  <a:solidFill>
+                    <a:srgbClr val="FFFFFF"/>
+                  </a:solidFill>
+                </a:defRPr>
+              </a:lvl1pPr>
+            </a:lstStyle>
+            <a:p>
+              <a:r>
+                <a:rPr lang="es-ES" dirty="0"/>
+                <a:t>2.1 Introducción: Propósito, Alcance, Definiciones, Referencias</a:t>
+              </a:r>
+              <a:endParaRPr dirty="0"/>
+            </a:p>
+          </p:txBody>
+        </p:sp>
+      </p:grpSp>
+      <p:sp>
+        <p:nvSpPr>
+          <p:cNvPr id="16" name="Shape 212"/>
+          <p:cNvSpPr/>
+          <p:nvPr/>
+        </p:nvSpPr>
+        <p:spPr>
+          <a:xfrm>
+            <a:off x="4564490" y="3657639"/>
+            <a:ext cx="16604319" cy="9486861"/>
+          </a:xfrm>
+          <a:prstGeom prst="roundRect">
+            <a:avLst>
+              <a:gd name="adj" fmla="val 7944"/>
+            </a:avLst>
+          </a:prstGeom>
+          <a:ln w="50800">
+            <a:solidFill>
+              <a:srgbClr val="5B5854"/>
+            </a:solidFill>
+            <a:miter lim="400000"/>
+          </a:ln>
+        </p:spPr>
+        <p:txBody>
+          <a:bodyPr lIns="50800" tIns="50800" rIns="50800" bIns="50800" anchor="ctr"/>
+          <a:lstStyle/>
+          <a:p>
+            <a:pPr algn="ctr">
+              <a:lnSpc>
+                <a:spcPct val="80000"/>
+              </a:lnSpc>
+              <a:spcBef>
+                <a:spcPts val="0"/>
+              </a:spcBef>
+              <a:defRPr sz="100" cap="all">
+                <a:solidFill>
+                  <a:srgbClr val="FFFFFF"/>
+                </a:solidFill>
+                <a:latin typeface="+mn-lt"/>
+                <a:ea typeface="+mn-ea"/>
+                <a:cs typeface="+mn-cs"/>
+                <a:sym typeface="DIN Condensed"/>
+              </a:defRPr>
+            </a:pPr>
+            <a:endParaRPr/>
+          </a:p>
+        </p:txBody>
+      </p:sp>
+      <p:sp>
+        <p:nvSpPr>
+          <p:cNvPr id="3" name="Marcador de número de diapositiva 2"/>
+          <p:cNvSpPr>
+            <a:spLocks noGrp="1"/>
+          </p:cNvSpPr>
+          <p:nvPr>
+            <p:ph type="sldNum" sz="quarter" idx="2"/>
+          </p:nvPr>
+        </p:nvSpPr>
+        <p:spPr/>
+        <p:txBody>
+          <a:bodyPr/>
+          <a:lstStyle/>
+          <a:p>
+            <a:fld id="{86CB4B4D-7CA3-9044-876B-883B54F8677D}" type="slidenum">
+              <a:rPr lang="es-ES" smtClean="0"/>
+              <a:t>31</a:t>
+            </a:fld>
+            <a:endParaRPr lang="es-ES"/>
+          </a:p>
+        </p:txBody>
+      </p:sp>
+      <p:sp>
+        <p:nvSpPr>
+          <p:cNvPr id="4" name="Rectángulo 3"/>
+          <p:cNvSpPr/>
+          <p:nvPr/>
+        </p:nvSpPr>
+        <p:spPr>
+          <a:xfrm>
+            <a:off x="6115697" y="6931435"/>
+            <a:ext cx="4433048" cy="4478149"/>
+          </a:xfrm>
+          <a:prstGeom prst="rect">
+            <a:avLst/>
+          </a:prstGeom>
+        </p:spPr>
+        <p:txBody>
+          <a:bodyPr wrap="square">
+            <a:spAutoFit/>
+          </a:bodyPr>
+          <a:lstStyle/>
+          <a:p>
+            <a:r>
+              <a:rPr lang="es-ES" sz="2500" dirty="0">
+                <a:solidFill>
+                  <a:srgbClr val="00000A"/>
+                </a:solidFill>
+                <a:uFill>
+                  <a:solidFill>
+                    <a:srgbClr val="00000A"/>
+                  </a:solidFill>
+                </a:uFill>
+                <a:latin typeface="Helvetica Neue"/>
+                <a:ea typeface="Helvetica Neue"/>
+                <a:cs typeface="Helvetica Neue"/>
+              </a:rPr>
+              <a:t>Las tareas claves son:</a:t>
+            </a:r>
+          </a:p>
+          <a:p>
+            <a:pPr marL="342900" indent="-342900">
+              <a:buFont typeface="Arial" panose="020B0604020202020204" pitchFamily="34" charset="0"/>
+              <a:buChar char="•"/>
+            </a:pPr>
+            <a:r>
+              <a:rPr lang="es-ES" sz="2500" dirty="0">
+                <a:solidFill>
+                  <a:srgbClr val="00000A"/>
+                </a:solidFill>
+                <a:uFill>
+                  <a:solidFill>
+                    <a:srgbClr val="00000A"/>
+                  </a:solidFill>
+                </a:uFill>
+                <a:latin typeface="Helvetica Neue"/>
+                <a:ea typeface="Helvetica Neue"/>
+                <a:cs typeface="Helvetica Neue"/>
+              </a:rPr>
+              <a:t>Identificar y controlar el cambio</a:t>
+            </a:r>
+          </a:p>
+          <a:p>
+            <a:pPr marL="342900" indent="-342900">
+              <a:buFont typeface="Arial" panose="020B0604020202020204" pitchFamily="34" charset="0"/>
+              <a:buChar char="•"/>
+            </a:pPr>
+            <a:r>
+              <a:rPr lang="es-ES" sz="2500" dirty="0">
+                <a:solidFill>
+                  <a:srgbClr val="00000A"/>
+                </a:solidFill>
+                <a:uFill>
+                  <a:solidFill>
+                    <a:srgbClr val="00000A"/>
+                  </a:solidFill>
+                </a:uFill>
+                <a:latin typeface="Helvetica Neue"/>
+                <a:ea typeface="Helvetica Neue"/>
+                <a:cs typeface="Helvetica Neue"/>
+              </a:rPr>
+              <a:t>Garantizar la correcta implementación del cambio</a:t>
+            </a:r>
+          </a:p>
+          <a:p>
+            <a:pPr marL="342900" indent="-342900">
+              <a:buFont typeface="Arial" panose="020B0604020202020204" pitchFamily="34" charset="0"/>
+              <a:buChar char="•"/>
+            </a:pPr>
+            <a:r>
+              <a:rPr lang="es-ES" sz="2500" dirty="0">
+                <a:solidFill>
+                  <a:srgbClr val="00000A"/>
+                </a:solidFill>
+                <a:uFill>
+                  <a:solidFill>
+                    <a:srgbClr val="00000A"/>
+                  </a:solidFill>
+                </a:uFill>
+                <a:latin typeface="Helvetica Neue"/>
+                <a:ea typeface="Helvetica Neue"/>
+                <a:cs typeface="Helvetica Neue"/>
+              </a:rPr>
+              <a:t>Informar del cambio a todos aquellos que lo necesiten</a:t>
+            </a:r>
+          </a:p>
+        </p:txBody>
+      </p:sp>
+      <p:sp>
+        <p:nvSpPr>
+          <p:cNvPr id="7" name="Rectángulo 6"/>
+          <p:cNvSpPr/>
+          <p:nvPr/>
+        </p:nvSpPr>
+        <p:spPr>
+          <a:xfrm>
+            <a:off x="13957231" y="7453441"/>
+            <a:ext cx="4962525" cy="4580741"/>
+          </a:xfrm>
+          <a:prstGeom prst="rect">
+            <a:avLst/>
+          </a:prstGeom>
+        </p:spPr>
+        <p:txBody>
+          <a:bodyPr wrap="square">
+            <a:spAutoFit/>
+          </a:bodyPr>
+          <a:lstStyle/>
+          <a:p>
+            <a:r>
+              <a:rPr lang="es-ES" sz="2500" dirty="0">
+                <a:solidFill>
+                  <a:srgbClr val="00000A"/>
+                </a:solidFill>
+                <a:uFill>
+                  <a:solidFill>
+                    <a:srgbClr val="00000A"/>
+                  </a:solidFill>
+                </a:uFill>
+                <a:latin typeface="Helvetica Neue"/>
+                <a:ea typeface="Helvetica Neue"/>
+                <a:cs typeface="Helvetica Neue"/>
+              </a:rPr>
+              <a:t>Las actividades de la GCS son:</a:t>
+            </a:r>
+          </a:p>
+          <a:p>
+            <a:pPr marL="342900" indent="-342900">
+              <a:buFont typeface="Arial" panose="020B0604020202020204" pitchFamily="34" charset="0"/>
+              <a:buChar char="•"/>
+            </a:pPr>
+            <a:r>
+              <a:rPr lang="es-ES" sz="2500" dirty="0">
+                <a:solidFill>
+                  <a:srgbClr val="00000A"/>
+                </a:solidFill>
+                <a:uFill>
+                  <a:solidFill>
+                    <a:srgbClr val="00000A"/>
+                  </a:solidFill>
+                </a:uFill>
+                <a:latin typeface="Helvetica Neue"/>
+                <a:ea typeface="Helvetica Neue"/>
+                <a:cs typeface="Helvetica Neue"/>
+              </a:rPr>
+              <a:t>Identificar ECS</a:t>
+            </a:r>
+          </a:p>
+          <a:p>
+            <a:pPr marL="342900" indent="-342900">
+              <a:buFont typeface="Arial" panose="020B0604020202020204" pitchFamily="34" charset="0"/>
+              <a:buChar char="•"/>
+            </a:pPr>
+            <a:r>
+              <a:rPr lang="es-ES" sz="2500" dirty="0">
+                <a:solidFill>
+                  <a:srgbClr val="00000A"/>
+                </a:solidFill>
+                <a:uFill>
+                  <a:solidFill>
+                    <a:srgbClr val="00000A"/>
+                  </a:solidFill>
+                </a:uFill>
+                <a:latin typeface="Helvetica Neue"/>
+                <a:ea typeface="Helvetica Neue"/>
+                <a:cs typeface="Helvetica Neue"/>
+              </a:rPr>
+              <a:t>Control versiones</a:t>
+            </a:r>
+          </a:p>
+          <a:p>
+            <a:pPr marL="342900" indent="-342900">
+              <a:buFont typeface="Arial" panose="020B0604020202020204" pitchFamily="34" charset="0"/>
+              <a:buChar char="•"/>
+            </a:pPr>
+            <a:r>
+              <a:rPr lang="es-ES" sz="2500" dirty="0">
+                <a:solidFill>
+                  <a:srgbClr val="00000A"/>
+                </a:solidFill>
+                <a:uFill>
+                  <a:solidFill>
+                    <a:srgbClr val="00000A"/>
+                  </a:solidFill>
+                </a:uFill>
+                <a:latin typeface="Helvetica Neue"/>
+                <a:ea typeface="Helvetica Neue"/>
+                <a:cs typeface="Helvetica Neue"/>
+              </a:rPr>
+              <a:t>Gestión del cambio</a:t>
+            </a:r>
+          </a:p>
+          <a:p>
+            <a:pPr marL="342900" indent="-342900">
+              <a:buFont typeface="Arial" panose="020B0604020202020204" pitchFamily="34" charset="0"/>
+              <a:buChar char="•"/>
+            </a:pPr>
+            <a:r>
+              <a:rPr lang="es-ES" sz="2500" dirty="0">
+                <a:solidFill>
+                  <a:srgbClr val="00000A"/>
+                </a:solidFill>
+                <a:uFill>
+                  <a:solidFill>
+                    <a:srgbClr val="00000A"/>
+                  </a:solidFill>
+                </a:uFill>
+                <a:latin typeface="Helvetica Neue"/>
+                <a:ea typeface="Helvetica Neue"/>
+                <a:cs typeface="Helvetica Neue"/>
+              </a:rPr>
+              <a:t>Auditoria de configuración</a:t>
+            </a:r>
+          </a:p>
+          <a:p>
+            <a:pPr marL="342900" indent="-342900">
+              <a:buFont typeface="Arial" panose="020B0604020202020204" pitchFamily="34" charset="0"/>
+              <a:buChar char="•"/>
+            </a:pPr>
+            <a:r>
+              <a:rPr lang="es-ES" sz="2500" dirty="0">
+                <a:solidFill>
+                  <a:srgbClr val="00000A"/>
+                </a:solidFill>
+                <a:uFill>
+                  <a:solidFill>
+                    <a:srgbClr val="00000A"/>
+                  </a:solidFill>
+                </a:uFill>
+                <a:latin typeface="Helvetica Neue"/>
+                <a:ea typeface="Helvetica Neue"/>
+                <a:cs typeface="Helvetica Neue"/>
+              </a:rPr>
+              <a:t>Informes de estado</a:t>
+            </a:r>
+          </a:p>
+        </p:txBody>
+      </p:sp>
+      <p:sp>
+        <p:nvSpPr>
+          <p:cNvPr id="10" name="Rectángulo 9"/>
+          <p:cNvSpPr/>
+          <p:nvPr/>
+        </p:nvSpPr>
+        <p:spPr>
+          <a:xfrm>
+            <a:off x="6115698" y="5529774"/>
+            <a:ext cx="6006484" cy="861774"/>
+          </a:xfrm>
+          <a:prstGeom prst="rect">
+            <a:avLst/>
+          </a:prstGeom>
+        </p:spPr>
+        <p:txBody>
+          <a:bodyPr wrap="square">
+            <a:spAutoFit/>
+          </a:bodyPr>
+          <a:lstStyle/>
+          <a:p>
+            <a:r>
+              <a:rPr lang="es-ES" sz="2500" dirty="0">
+                <a:solidFill>
+                  <a:srgbClr val="00000A"/>
+                </a:solidFill>
+                <a:uFill>
+                  <a:solidFill>
+                    <a:srgbClr val="00000A"/>
+                  </a:solidFill>
+                </a:uFill>
+                <a:latin typeface="Helvetica Neue"/>
+                <a:ea typeface="Helvetica Neue"/>
+                <a:cs typeface="Helvetica Neue"/>
+              </a:rPr>
+              <a:t>Gestionamos el cambio en los artefactos a lo largo del ciclo de vida del producto.</a:t>
+            </a:r>
+          </a:p>
+        </p:txBody>
+      </p:sp>
+      <p:sp>
+        <p:nvSpPr>
+          <p:cNvPr id="14" name="Rectángulo 13"/>
+          <p:cNvSpPr/>
+          <p:nvPr/>
+        </p:nvSpPr>
+        <p:spPr>
+          <a:xfrm>
+            <a:off x="13957231" y="5406056"/>
+            <a:ext cx="5305942" cy="1631216"/>
+          </a:xfrm>
+          <a:prstGeom prst="rect">
+            <a:avLst/>
+          </a:prstGeom>
+        </p:spPr>
+        <p:txBody>
+          <a:bodyPr wrap="square">
+            <a:spAutoFit/>
+          </a:bodyPr>
+          <a:lstStyle/>
+          <a:p>
+            <a:r>
+              <a:rPr lang="es-ES" sz="2500" dirty="0">
+                <a:solidFill>
+                  <a:srgbClr val="00000A"/>
+                </a:solidFill>
+                <a:uFill>
+                  <a:solidFill>
+                    <a:srgbClr val="00000A"/>
+                  </a:solidFill>
+                </a:uFill>
+                <a:latin typeface="Helvetica Neue"/>
+                <a:ea typeface="Helvetica Neue"/>
+                <a:cs typeface="Helvetica Neue"/>
+              </a:rPr>
+              <a:t>Garantizamos que en todo momento se controla las copias, los cambios y versiones pasadas, actuales y futuras del proyecto</a:t>
+            </a:r>
+          </a:p>
+        </p:txBody>
+      </p:sp>
+      <p:sp>
+        <p:nvSpPr>
+          <p:cNvPr id="23" name="Shape 212"/>
+          <p:cNvSpPr/>
+          <p:nvPr/>
+        </p:nvSpPr>
+        <p:spPr>
+          <a:xfrm>
+            <a:off x="5732942" y="5277086"/>
+            <a:ext cx="6771996" cy="6905352"/>
+          </a:xfrm>
+          <a:prstGeom prst="roundRect">
+            <a:avLst>
+              <a:gd name="adj" fmla="val 7944"/>
+            </a:avLst>
+          </a:prstGeom>
+          <a:ln w="50800">
+            <a:solidFill>
+              <a:srgbClr val="5B5854"/>
+            </a:solidFill>
+            <a:miter lim="400000"/>
+          </a:ln>
+        </p:spPr>
+        <p:txBody>
+          <a:bodyPr lIns="50800" tIns="50800" rIns="50800" bIns="50800" anchor="ctr"/>
+          <a:lstStyle/>
+          <a:p>
+            <a:pPr algn="ctr">
+              <a:lnSpc>
+                <a:spcPct val="80000"/>
+              </a:lnSpc>
+              <a:spcBef>
+                <a:spcPts val="0"/>
+              </a:spcBef>
+              <a:defRPr sz="100" cap="all">
+                <a:solidFill>
+                  <a:srgbClr val="FFFFFF"/>
+                </a:solidFill>
+                <a:latin typeface="+mn-lt"/>
+                <a:ea typeface="+mn-ea"/>
+                <a:cs typeface="+mn-cs"/>
+                <a:sym typeface="DIN Condensed"/>
+              </a:defRPr>
+            </a:pPr>
+            <a:endParaRPr/>
+          </a:p>
+        </p:txBody>
+      </p:sp>
+      <p:sp>
+        <p:nvSpPr>
+          <p:cNvPr id="24" name="Shape 212"/>
+          <p:cNvSpPr/>
+          <p:nvPr/>
+        </p:nvSpPr>
+        <p:spPr>
+          <a:xfrm>
+            <a:off x="13450875" y="5277086"/>
+            <a:ext cx="6771996" cy="6905352"/>
+          </a:xfrm>
+          <a:prstGeom prst="roundRect">
+            <a:avLst>
+              <a:gd name="adj" fmla="val 7944"/>
+            </a:avLst>
+          </a:prstGeom>
+          <a:ln w="50800">
+            <a:solidFill>
+              <a:srgbClr val="5B5854"/>
+            </a:solidFill>
+            <a:miter lim="400000"/>
+          </a:ln>
+        </p:spPr>
+        <p:txBody>
+          <a:bodyPr lIns="50800" tIns="50800" rIns="50800" bIns="50800" anchor="ctr"/>
+          <a:lstStyle/>
+          <a:p>
+            <a:pPr algn="ctr">
+              <a:lnSpc>
+                <a:spcPct val="80000"/>
+              </a:lnSpc>
+              <a:spcBef>
+                <a:spcPts val="0"/>
+              </a:spcBef>
+              <a:defRPr sz="100" cap="all">
+                <a:solidFill>
+                  <a:srgbClr val="FFFFFF"/>
+                </a:solidFill>
+                <a:latin typeface="+mn-lt"/>
+                <a:ea typeface="+mn-ea"/>
+                <a:cs typeface="+mn-cs"/>
+                <a:sym typeface="DIN Condensed"/>
+              </a:defRPr>
+            </a:pPr>
+            <a:endParaRPr/>
+          </a:p>
+        </p:txBody>
+      </p:sp>
+    </p:spTree>
+    <p:extLst>
+      <p:ext uri="{BB962C8B-B14F-4D97-AF65-F5344CB8AC3E}">
+        <p14:creationId xmlns:p14="http://schemas.microsoft.com/office/powerpoint/2010/main" val="1755441334"/>
+      </p:ext>
+    </p:extLst>
+  </p:cSld>
+  <p:clrMapOvr>
+    <a:masterClrMapping/>
+  </p:clrMapOvr>
+  <p:transition spd="med"/>
+</p:sld>
+</file>
+
+<file path=ppt/slides/slide32.xml><?xml version="1.0" encoding="utf-8"?>
+<p:sld xmlns:a="http://schemas.openxmlformats.org/drawingml/2006/main" xmlns:r="http://schemas.openxmlformats.org/officeDocument/2006/relationships" xmlns:p="http://schemas.openxmlformats.org/presentationml/2006/main">
+  <p:cSld>
+    <p:spTree>
+      <p:nvGrpSpPr>
+        <p:cNvPr id="1" name=""/>
+        <p:cNvGrpSpPr/>
+        <p:nvPr/>
+      </p:nvGrpSpPr>
+      <p:grpSpPr>
+        <a:xfrm>
+          <a:off x="0" y="0"/>
+          <a:ext cx="0" cy="0"/>
+          <a:chOff x="0" y="0"/>
+          <a:chExt cx="0" cy="0"/>
+        </a:xfrm>
+      </p:grpSpPr>
+      <p:pic>
+        <p:nvPicPr>
+          <p:cNvPr id="194" name="pasted-image.tiff"/>
+          <p:cNvPicPr>
+            <a:picLocks noChangeAspect="1"/>
+          </p:cNvPicPr>
+          <p:nvPr/>
+        </p:nvPicPr>
+        <p:blipFill>
+          <a:blip r:embed="rId2">
+            <a:extLst/>
+          </a:blip>
+          <a:stretch>
+            <a:fillRect/>
+          </a:stretch>
+        </p:blipFill>
+        <p:spPr>
+          <a:xfrm>
+            <a:off x="-816206" y="-529723"/>
+            <a:ext cx="26829216" cy="2397845"/>
+          </a:xfrm>
+          <a:prstGeom prst="rect">
+            <a:avLst/>
+          </a:prstGeom>
+          <a:ln w="12700">
+            <a:miter lim="400000"/>
+          </a:ln>
+        </p:spPr>
+      </p:pic>
+      <p:pic>
+        <p:nvPicPr>
+          <p:cNvPr id="195" name="pasted-image.tiff"/>
+          <p:cNvPicPr>
+            <a:picLocks noChangeAspect="1"/>
+          </p:cNvPicPr>
+          <p:nvPr/>
+        </p:nvPicPr>
+        <p:blipFill>
+          <a:blip r:embed="rId3">
+            <a:extLst/>
+          </a:blip>
+          <a:stretch>
+            <a:fillRect/>
+          </a:stretch>
+        </p:blipFill>
+        <p:spPr>
+          <a:xfrm>
+            <a:off x="20120528" y="596900"/>
+            <a:ext cx="2416329" cy="766806"/>
+          </a:xfrm>
+          <a:prstGeom prst="rect">
+            <a:avLst/>
+          </a:prstGeom>
+          <a:ln w="12700">
+            <a:miter lim="400000"/>
+          </a:ln>
+        </p:spPr>
+      </p:pic>
+      <p:sp>
+        <p:nvSpPr>
+          <p:cNvPr id="197" name="Shape 197"/>
+          <p:cNvSpPr/>
+          <p:nvPr/>
+        </p:nvSpPr>
+        <p:spPr>
+          <a:xfrm>
+            <a:off x="1044066" y="500292"/>
+            <a:ext cx="10746532" cy="795089"/>
+          </a:xfrm>
+          <a:prstGeom prst="rect">
+            <a:avLst/>
+          </a:prstGeom>
+          <a:ln w="12700">
+            <a:miter lim="400000"/>
+          </a:ln>
+          <a:extLst>
+            <a:ext uri="{C572A759-6A51-4108-AA02-DFA0A04FC94B}">
+              <ma14:wrappingTextBoxFlag xmlns="" xmlns:ma14="http://schemas.microsoft.com/office/mac/drawingml/2011/main" val="1"/>
+            </a:ext>
+          </a:extLst>
+        </p:spPr>
+        <p:txBody>
+          <a:bodyPr wrap="none" lIns="50800" tIns="50800" rIns="50800" bIns="50800" anchor="ctr">
+            <a:spAutoFit/>
+          </a:bodyPr>
+          <a:lstStyle>
+            <a:lvl1pPr>
+              <a:defRPr sz="4500">
+                <a:solidFill>
+                  <a:srgbClr val="FFFFFF"/>
+                </a:solidFill>
+                <a:latin typeface="Helvetica Neue"/>
+                <a:ea typeface="Helvetica Neue"/>
+                <a:cs typeface="Helvetica Neue"/>
+                <a:sym typeface="Helvetica Neue"/>
+              </a:defRPr>
+            </a:lvl1pPr>
+          </a:lstStyle>
+          <a:p>
+            <a:r>
+              <a:rPr lang="es-ES" dirty="0"/>
+              <a:t>7. Mecanismos de seguimiento y control </a:t>
+            </a:r>
+            <a:endParaRPr dirty="0"/>
+          </a:p>
+        </p:txBody>
+      </p:sp>
+      <p:grpSp>
+        <p:nvGrpSpPr>
+          <p:cNvPr id="200" name="Group 200"/>
+          <p:cNvGrpSpPr/>
+          <p:nvPr/>
+        </p:nvGrpSpPr>
+        <p:grpSpPr>
+          <a:xfrm>
+            <a:off x="8068493" y="2428965"/>
+            <a:ext cx="12448357" cy="1950957"/>
+            <a:chOff x="-4541320" y="975028"/>
+            <a:chExt cx="19390952" cy="1950954"/>
+          </a:xfrm>
+        </p:grpSpPr>
+        <p:sp>
+          <p:nvSpPr>
+            <p:cNvPr id="199" name="Shape 199"/>
+            <p:cNvSpPr/>
+            <p:nvPr/>
+          </p:nvSpPr>
+          <p:spPr>
+            <a:xfrm>
+              <a:off x="-2905026" y="975028"/>
+              <a:ext cx="15551661" cy="564256"/>
+            </a:xfrm>
+            <a:prstGeom prst="rect">
+              <a:avLst/>
+            </a:prstGeom>
+            <a:noFill/>
+            <a:ln w="12700" cap="flat">
+              <a:noFill/>
+              <a:miter lim="400000"/>
+            </a:ln>
+            <a:effectLst/>
+            <a:extLst>
+              <a:ext uri="{C572A759-6A51-4108-AA02-DFA0A04FC94B}">
+                <ma14:wrappingTextBoxFlag xmlns="" xmlns:ma14="http://schemas.microsoft.com/office/mac/drawingml/2011/main" val="1"/>
+              </a:ext>
+            </a:extLst>
+          </p:spPr>
+          <p:txBody>
+            <a:bodyPr wrap="square" lIns="50800" tIns="50800" rIns="50800" bIns="50800" numCol="1" anchor="ctr">
+              <a:spAutoFit/>
+            </a:bodyPr>
+            <a:lstStyle>
+              <a:lvl1pPr>
+                <a:defRPr>
+                  <a:solidFill>
+                    <a:srgbClr val="FFFFFF"/>
+                  </a:solidFill>
+                </a:defRPr>
+              </a:lvl1pPr>
+            </a:lstStyle>
+            <a:p>
+              <a:r>
+                <a:rPr lang="es-ES" dirty="0"/>
+                <a:t>2 Gestión y control de cambios (Plan GCS)</a:t>
+              </a:r>
+              <a:endParaRPr dirty="0"/>
+            </a:p>
+          </p:txBody>
+        </p:sp>
+        <p:sp>
+          <p:nvSpPr>
+            <p:cNvPr id="12" name="Shape 198"/>
+            <p:cNvSpPr/>
+            <p:nvPr/>
+          </p:nvSpPr>
+          <p:spPr>
+            <a:xfrm>
+              <a:off x="-4541320" y="2154583"/>
+              <a:ext cx="13823051" cy="771399"/>
+            </a:xfrm>
+            <a:prstGeom prst="roundRect">
+              <a:avLst>
+                <a:gd name="adj" fmla="val 33536"/>
+              </a:avLst>
+            </a:prstGeom>
+            <a:solidFill>
+              <a:srgbClr val="BA6B89"/>
+            </a:solidFill>
+            <a:ln w="12700" cap="flat">
+              <a:noFill/>
+              <a:miter lim="400000"/>
+            </a:ln>
+            <a:effectLst/>
+          </p:spPr>
+          <p:txBody>
+            <a:bodyPr wrap="square" lIns="50800" tIns="50800" rIns="50800" bIns="50800" numCol="1" anchor="ctr">
+              <a:noAutofit/>
+            </a:bodyPr>
+            <a:lstStyle/>
+            <a:p>
+              <a:pPr algn="ctr">
+                <a:lnSpc>
+                  <a:spcPct val="80000"/>
+                </a:lnSpc>
+                <a:spcBef>
+                  <a:spcPts val="0"/>
+                </a:spcBef>
+                <a:defRPr sz="4000" cap="all">
+                  <a:solidFill>
+                    <a:srgbClr val="FFFFFF"/>
+                  </a:solidFill>
+                  <a:latin typeface="+mn-lt"/>
+                  <a:ea typeface="+mn-ea"/>
+                  <a:cs typeface="+mn-cs"/>
+                  <a:sym typeface="DIN Condensed"/>
+                </a:defRPr>
+              </a:pPr>
+              <a:endParaRPr dirty="0"/>
+            </a:p>
+          </p:txBody>
+        </p:sp>
+        <p:sp>
+          <p:nvSpPr>
+            <p:cNvPr id="13" name="Shape 199"/>
+            <p:cNvSpPr/>
+            <p:nvPr/>
+          </p:nvSpPr>
+          <p:spPr>
+            <a:xfrm>
+              <a:off x="-3876077" y="2287169"/>
+              <a:ext cx="18725709" cy="564256"/>
+            </a:xfrm>
+            <a:prstGeom prst="rect">
+              <a:avLst/>
+            </a:prstGeom>
+            <a:noFill/>
+            <a:ln w="12700" cap="flat">
+              <a:noFill/>
+              <a:miter lim="400000"/>
+            </a:ln>
+            <a:effectLst/>
+            <a:extLst>
+              <a:ext uri="{C572A759-6A51-4108-AA02-DFA0A04FC94B}">
+                <ma14:wrappingTextBoxFlag xmlns="" xmlns:ma14="http://schemas.microsoft.com/office/mac/drawingml/2011/main" val="1"/>
+              </a:ext>
+            </a:extLst>
+          </p:spPr>
+          <p:txBody>
+            <a:bodyPr wrap="square" lIns="50800" tIns="50800" rIns="50800" bIns="50800" numCol="1" anchor="ctr">
+              <a:spAutoFit/>
+            </a:bodyPr>
+            <a:lstStyle>
+              <a:lvl1pPr>
+                <a:defRPr>
+                  <a:solidFill>
+                    <a:srgbClr val="FFFFFF"/>
+                  </a:solidFill>
+                </a:defRPr>
+              </a:lvl1pPr>
+            </a:lstStyle>
+            <a:p>
+              <a:r>
+                <a:rPr lang="es-ES" dirty="0"/>
+                <a:t>2.2 Tipos de artefactos a gestionar (los ECSs)</a:t>
+              </a:r>
+              <a:endParaRPr dirty="0"/>
+            </a:p>
+          </p:txBody>
+        </p:sp>
+      </p:grpSp>
+      <p:sp>
+        <p:nvSpPr>
+          <p:cNvPr id="16" name="Shape 212"/>
+          <p:cNvSpPr/>
+          <p:nvPr/>
+        </p:nvSpPr>
+        <p:spPr>
+          <a:xfrm>
+            <a:off x="4057650" y="2898137"/>
+            <a:ext cx="16459200" cy="10246363"/>
+          </a:xfrm>
+          <a:prstGeom prst="roundRect">
+            <a:avLst>
+              <a:gd name="adj" fmla="val 7944"/>
+            </a:avLst>
+          </a:prstGeom>
+          <a:ln w="50800">
+            <a:solidFill>
+              <a:srgbClr val="5B5854"/>
+            </a:solidFill>
+            <a:miter lim="400000"/>
+          </a:ln>
+        </p:spPr>
+        <p:txBody>
+          <a:bodyPr lIns="50800" tIns="50800" rIns="50800" bIns="50800" anchor="ctr"/>
+          <a:lstStyle/>
+          <a:p>
+            <a:pPr algn="ctr">
+              <a:lnSpc>
+                <a:spcPct val="80000"/>
+              </a:lnSpc>
+              <a:spcBef>
+                <a:spcPts val="0"/>
+              </a:spcBef>
+              <a:defRPr sz="100" cap="all">
+                <a:solidFill>
+                  <a:srgbClr val="FFFFFF"/>
+                </a:solidFill>
+                <a:latin typeface="+mn-lt"/>
+                <a:ea typeface="+mn-ea"/>
+                <a:cs typeface="+mn-cs"/>
+                <a:sym typeface="DIN Condensed"/>
+              </a:defRPr>
+            </a:pPr>
+            <a:endParaRPr/>
+          </a:p>
+        </p:txBody>
+      </p:sp>
+      <p:sp>
+        <p:nvSpPr>
+          <p:cNvPr id="3" name="Marcador de número de diapositiva 2"/>
+          <p:cNvSpPr>
+            <a:spLocks noGrp="1"/>
+          </p:cNvSpPr>
+          <p:nvPr>
+            <p:ph type="sldNum" sz="quarter" idx="2"/>
+          </p:nvPr>
+        </p:nvSpPr>
+        <p:spPr/>
+        <p:txBody>
+          <a:bodyPr/>
+          <a:lstStyle/>
+          <a:p>
+            <a:fld id="{86CB4B4D-7CA3-9044-876B-883B54F8677D}" type="slidenum">
+              <a:rPr lang="es-ES" smtClean="0"/>
+              <a:t>32</a:t>
+            </a:fld>
+            <a:endParaRPr lang="es-ES"/>
+          </a:p>
+        </p:txBody>
+      </p:sp>
+      <p:sp>
+        <p:nvSpPr>
+          <p:cNvPr id="4" name="Rectángulo 3"/>
+          <p:cNvSpPr/>
+          <p:nvPr/>
+        </p:nvSpPr>
+        <p:spPr>
+          <a:xfrm>
+            <a:off x="7520301" y="5422212"/>
+            <a:ext cx="10226335" cy="5401479"/>
+          </a:xfrm>
+          <a:prstGeom prst="rect">
+            <a:avLst/>
+          </a:prstGeom>
+        </p:spPr>
+        <p:txBody>
+          <a:bodyPr wrap="square">
+            <a:spAutoFit/>
+          </a:bodyPr>
+          <a:lstStyle/>
+          <a:p>
+            <a:r>
+              <a:rPr lang="es-ES" sz="2500" dirty="0">
+                <a:solidFill>
+                  <a:srgbClr val="00000A"/>
+                </a:solidFill>
+                <a:uFill>
+                  <a:solidFill>
+                    <a:srgbClr val="00000A"/>
+                  </a:solidFill>
+                </a:uFill>
+                <a:latin typeface="Helvetica Neue"/>
+                <a:ea typeface="Helvetica Neue"/>
+                <a:cs typeface="Helvetica Neue"/>
+              </a:rPr>
+              <a:t>•	La SRS o documento de Especificación de Requisitos Software</a:t>
+            </a:r>
+          </a:p>
+          <a:p>
+            <a:r>
+              <a:rPr lang="es-ES" sz="2500" dirty="0">
+                <a:solidFill>
+                  <a:srgbClr val="00000A"/>
+                </a:solidFill>
+                <a:uFill>
+                  <a:solidFill>
+                    <a:srgbClr val="00000A"/>
+                  </a:solidFill>
+                </a:uFill>
+                <a:latin typeface="Helvetica Neue"/>
+                <a:ea typeface="Helvetica Neue"/>
+                <a:cs typeface="Helvetica Neue"/>
+              </a:rPr>
+              <a:t>•	El plan del proyecto</a:t>
+            </a:r>
+          </a:p>
+          <a:p>
+            <a:r>
+              <a:rPr lang="es-ES" sz="2500" dirty="0">
+                <a:solidFill>
+                  <a:srgbClr val="00000A"/>
+                </a:solidFill>
+                <a:uFill>
+                  <a:solidFill>
+                    <a:srgbClr val="00000A"/>
+                  </a:solidFill>
+                </a:uFill>
+                <a:latin typeface="Helvetica Neue"/>
+                <a:ea typeface="Helvetica Neue"/>
+                <a:cs typeface="Helvetica Neue"/>
+              </a:rPr>
+              <a:t>•	El diseño</a:t>
+            </a:r>
+          </a:p>
+          <a:p>
+            <a:r>
+              <a:rPr lang="es-ES" sz="2500" dirty="0">
+                <a:solidFill>
+                  <a:srgbClr val="00000A"/>
+                </a:solidFill>
+                <a:uFill>
+                  <a:solidFill>
+                    <a:srgbClr val="00000A"/>
+                  </a:solidFill>
+                </a:uFill>
+                <a:latin typeface="Helvetica Neue"/>
+                <a:ea typeface="Helvetica Neue"/>
+                <a:cs typeface="Helvetica Neue"/>
+              </a:rPr>
+              <a:t>•	El código</a:t>
+            </a:r>
+          </a:p>
+          <a:p>
+            <a:r>
+              <a:rPr lang="es-ES" sz="2500" dirty="0">
+                <a:solidFill>
+                  <a:srgbClr val="00000A"/>
+                </a:solidFill>
+                <a:uFill>
+                  <a:solidFill>
+                    <a:srgbClr val="00000A"/>
+                  </a:solidFill>
+                </a:uFill>
+                <a:latin typeface="Helvetica Neue"/>
+                <a:ea typeface="Helvetica Neue"/>
+                <a:cs typeface="Helvetica Neue"/>
+              </a:rPr>
+              <a:t>•	Los casos de prueba</a:t>
+            </a:r>
+          </a:p>
+          <a:p>
+            <a:r>
+              <a:rPr lang="es-ES" sz="2500" dirty="0">
+                <a:solidFill>
+                  <a:srgbClr val="00000A"/>
+                </a:solidFill>
+                <a:uFill>
+                  <a:solidFill>
+                    <a:srgbClr val="00000A"/>
+                  </a:solidFill>
+                </a:uFill>
+                <a:latin typeface="Helvetica Neue"/>
+                <a:ea typeface="Helvetica Neue"/>
+                <a:cs typeface="Helvetica Neue"/>
+              </a:rPr>
+              <a:t>•	Estándares y procedimientos de la Ingeniería del Software</a:t>
+            </a:r>
+          </a:p>
+          <a:p>
+            <a:r>
+              <a:rPr lang="es-ES" sz="2500" dirty="0">
+                <a:solidFill>
+                  <a:srgbClr val="00000A"/>
+                </a:solidFill>
+                <a:uFill>
+                  <a:solidFill>
+                    <a:srgbClr val="00000A"/>
+                  </a:solidFill>
+                </a:uFill>
+                <a:latin typeface="Helvetica Neue"/>
+                <a:ea typeface="Helvetica Neue"/>
+                <a:cs typeface="Helvetica Neue"/>
+              </a:rPr>
+              <a:t>•	El editor y el compilador</a:t>
+            </a:r>
+          </a:p>
+        </p:txBody>
+      </p:sp>
+    </p:spTree>
+    <p:extLst>
+      <p:ext uri="{BB962C8B-B14F-4D97-AF65-F5344CB8AC3E}">
+        <p14:creationId xmlns:p14="http://schemas.microsoft.com/office/powerpoint/2010/main" val="2255549739"/>
+      </p:ext>
+    </p:extLst>
+  </p:cSld>
+  <p:clrMapOvr>
+    <a:masterClrMapping/>
+  </p:clrMapOvr>
+  <p:transition spd="med"/>
+</p:sld>
+</file>
+
+<file path=ppt/slides/slide33.xml><?xml version="1.0" encoding="utf-8"?>
+<p:sld xmlns:a="http://schemas.openxmlformats.org/drawingml/2006/main" xmlns:r="http://schemas.openxmlformats.org/officeDocument/2006/relationships" xmlns:p="http://schemas.openxmlformats.org/presentationml/2006/main">
+  <p:cSld>
+    <p:spTree>
+      <p:nvGrpSpPr>
+        <p:cNvPr id="1" name=""/>
+        <p:cNvGrpSpPr/>
+        <p:nvPr/>
+      </p:nvGrpSpPr>
+      <p:grpSpPr>
+        <a:xfrm>
+          <a:off x="0" y="0"/>
+          <a:ext cx="0" cy="0"/>
+          <a:chOff x="0" y="0"/>
+          <a:chExt cx="0" cy="0"/>
+        </a:xfrm>
+      </p:grpSpPr>
+      <p:pic>
+        <p:nvPicPr>
+          <p:cNvPr id="194" name="pasted-image.tiff"/>
+          <p:cNvPicPr>
+            <a:picLocks noChangeAspect="1"/>
+          </p:cNvPicPr>
+          <p:nvPr/>
+        </p:nvPicPr>
+        <p:blipFill>
+          <a:blip r:embed="rId2">
+            <a:extLst/>
+          </a:blip>
+          <a:stretch>
+            <a:fillRect/>
+          </a:stretch>
+        </p:blipFill>
+        <p:spPr>
+          <a:xfrm>
+            <a:off x="-816206" y="-529723"/>
+            <a:ext cx="26829216" cy="2397845"/>
+          </a:xfrm>
+          <a:prstGeom prst="rect">
+            <a:avLst/>
+          </a:prstGeom>
+          <a:ln w="12700">
+            <a:miter lim="400000"/>
+          </a:ln>
+        </p:spPr>
+      </p:pic>
+      <p:pic>
+        <p:nvPicPr>
+          <p:cNvPr id="195" name="pasted-image.tiff"/>
+          <p:cNvPicPr>
+            <a:picLocks noChangeAspect="1"/>
+          </p:cNvPicPr>
+          <p:nvPr/>
+        </p:nvPicPr>
+        <p:blipFill>
+          <a:blip r:embed="rId3">
+            <a:extLst/>
+          </a:blip>
+          <a:stretch>
+            <a:fillRect/>
+          </a:stretch>
+        </p:blipFill>
+        <p:spPr>
+          <a:xfrm>
+            <a:off x="20120528" y="596900"/>
+            <a:ext cx="2416329" cy="766806"/>
+          </a:xfrm>
+          <a:prstGeom prst="rect">
+            <a:avLst/>
+          </a:prstGeom>
+          <a:ln w="12700">
+            <a:miter lim="400000"/>
+          </a:ln>
+        </p:spPr>
+      </p:pic>
+      <p:sp>
+        <p:nvSpPr>
+          <p:cNvPr id="197" name="Shape 197"/>
+          <p:cNvSpPr/>
+          <p:nvPr/>
+        </p:nvSpPr>
+        <p:spPr>
+          <a:xfrm>
+            <a:off x="1044066" y="500292"/>
+            <a:ext cx="10746532" cy="795089"/>
+          </a:xfrm>
+          <a:prstGeom prst="rect">
+            <a:avLst/>
+          </a:prstGeom>
+          <a:ln w="12700">
+            <a:miter lim="400000"/>
+          </a:ln>
+          <a:extLst>
+            <a:ext uri="{C572A759-6A51-4108-AA02-DFA0A04FC94B}">
+              <ma14:wrappingTextBoxFlag xmlns="" xmlns:ma14="http://schemas.microsoft.com/office/mac/drawingml/2011/main" val="1"/>
+            </a:ext>
+          </a:extLst>
+        </p:spPr>
+        <p:txBody>
+          <a:bodyPr wrap="none" lIns="50800" tIns="50800" rIns="50800" bIns="50800" anchor="ctr">
+            <a:spAutoFit/>
+          </a:bodyPr>
+          <a:lstStyle>
+            <a:lvl1pPr>
+              <a:defRPr sz="4500">
+                <a:solidFill>
+                  <a:srgbClr val="FFFFFF"/>
+                </a:solidFill>
+                <a:latin typeface="Helvetica Neue"/>
+                <a:ea typeface="Helvetica Neue"/>
+                <a:cs typeface="Helvetica Neue"/>
+                <a:sym typeface="Helvetica Neue"/>
+              </a:defRPr>
+            </a:lvl1pPr>
+          </a:lstStyle>
+          <a:p>
+            <a:r>
+              <a:rPr lang="es-ES" dirty="0"/>
+              <a:t>7. Mecanismos de seguimiento y control </a:t>
+            </a:r>
+            <a:endParaRPr dirty="0"/>
+          </a:p>
+        </p:txBody>
+      </p:sp>
+      <p:grpSp>
+        <p:nvGrpSpPr>
+          <p:cNvPr id="200" name="Group 200"/>
+          <p:cNvGrpSpPr/>
+          <p:nvPr/>
+        </p:nvGrpSpPr>
+        <p:grpSpPr>
+          <a:xfrm>
+            <a:off x="8691876" y="2325396"/>
+            <a:ext cx="12448357" cy="2664491"/>
+            <a:chOff x="-3570269" y="871459"/>
+            <a:chExt cx="19390952" cy="2664487"/>
+          </a:xfrm>
+        </p:grpSpPr>
+        <p:sp>
+          <p:nvSpPr>
+            <p:cNvPr id="198" name="Shape 198"/>
+            <p:cNvSpPr/>
+            <p:nvPr/>
+          </p:nvSpPr>
+          <p:spPr>
+            <a:xfrm>
+              <a:off x="-3570267" y="871459"/>
+              <a:ext cx="13823051" cy="771399"/>
+            </a:xfrm>
+            <a:prstGeom prst="roundRect">
+              <a:avLst>
+                <a:gd name="adj" fmla="val 33536"/>
+              </a:avLst>
+            </a:prstGeom>
+            <a:solidFill>
+              <a:srgbClr val="BA6B89"/>
+            </a:solidFill>
+            <a:ln w="12700" cap="flat">
+              <a:noFill/>
+              <a:miter lim="400000"/>
+            </a:ln>
+            <a:effectLst/>
+          </p:spPr>
+          <p:txBody>
+            <a:bodyPr wrap="square" lIns="50800" tIns="50800" rIns="50800" bIns="50800" numCol="1" anchor="ctr">
+              <a:noAutofit/>
+            </a:bodyPr>
+            <a:lstStyle/>
+            <a:p>
+              <a:pPr algn="ctr">
+                <a:lnSpc>
+                  <a:spcPct val="80000"/>
+                </a:lnSpc>
+                <a:spcBef>
+                  <a:spcPts val="0"/>
+                </a:spcBef>
+                <a:defRPr sz="4000" cap="all">
+                  <a:solidFill>
+                    <a:srgbClr val="FFFFFF"/>
+                  </a:solidFill>
+                  <a:latin typeface="+mn-lt"/>
+                  <a:ea typeface="+mn-ea"/>
+                  <a:cs typeface="+mn-cs"/>
+                  <a:sym typeface="DIN Condensed"/>
+                </a:defRPr>
+              </a:pPr>
+              <a:endParaRPr dirty="0"/>
+            </a:p>
+          </p:txBody>
+        </p:sp>
+        <p:sp>
+          <p:nvSpPr>
+            <p:cNvPr id="199" name="Shape 199"/>
+            <p:cNvSpPr/>
+            <p:nvPr/>
+          </p:nvSpPr>
+          <p:spPr>
+            <a:xfrm>
+              <a:off x="-2905026" y="975028"/>
+              <a:ext cx="15551661" cy="564256"/>
+            </a:xfrm>
+            <a:prstGeom prst="rect">
+              <a:avLst/>
+            </a:prstGeom>
+            <a:noFill/>
+            <a:ln w="12700" cap="flat">
+              <a:noFill/>
+              <a:miter lim="400000"/>
+            </a:ln>
+            <a:effectLst/>
+            <a:extLst>
+              <a:ext uri="{C572A759-6A51-4108-AA02-DFA0A04FC94B}">
+                <ma14:wrappingTextBoxFlag xmlns="" xmlns:ma14="http://schemas.microsoft.com/office/mac/drawingml/2011/main" val="1"/>
+              </a:ext>
+            </a:extLst>
+          </p:spPr>
+          <p:txBody>
+            <a:bodyPr wrap="square" lIns="50800" tIns="50800" rIns="50800" bIns="50800" numCol="1" anchor="ctr">
+              <a:spAutoFit/>
+            </a:bodyPr>
+            <a:lstStyle>
+              <a:lvl1pPr>
+                <a:defRPr>
+                  <a:solidFill>
+                    <a:srgbClr val="FFFFFF"/>
+                  </a:solidFill>
+                </a:defRPr>
+              </a:lvl1pPr>
+            </a:lstStyle>
+            <a:p>
+              <a:r>
+                <a:rPr lang="es-ES" dirty="0"/>
+                <a:t>2 Gestión y control de cambios (Plan GCS)</a:t>
+              </a:r>
+              <a:endParaRPr dirty="0"/>
+            </a:p>
+          </p:txBody>
+        </p:sp>
+        <p:sp>
+          <p:nvSpPr>
+            <p:cNvPr id="12" name="Shape 198"/>
+            <p:cNvSpPr/>
+            <p:nvPr/>
+          </p:nvSpPr>
+          <p:spPr>
+            <a:xfrm>
+              <a:off x="-3570269" y="2764547"/>
+              <a:ext cx="13823052" cy="771399"/>
+            </a:xfrm>
+            <a:prstGeom prst="roundRect">
+              <a:avLst>
+                <a:gd name="adj" fmla="val 33536"/>
+              </a:avLst>
+            </a:prstGeom>
+            <a:solidFill>
+              <a:srgbClr val="BA6B89"/>
+            </a:solidFill>
+            <a:ln w="12700" cap="flat">
+              <a:noFill/>
+              <a:miter lim="400000"/>
+            </a:ln>
+            <a:effectLst/>
+          </p:spPr>
+          <p:txBody>
+            <a:bodyPr wrap="square" lIns="50800" tIns="50800" rIns="50800" bIns="50800" numCol="1" anchor="ctr">
+              <a:noAutofit/>
+            </a:bodyPr>
+            <a:lstStyle/>
+            <a:p>
+              <a:pPr algn="ctr">
+                <a:lnSpc>
+                  <a:spcPct val="80000"/>
+                </a:lnSpc>
+                <a:spcBef>
+                  <a:spcPts val="0"/>
+                </a:spcBef>
+                <a:defRPr sz="4000" cap="all">
+                  <a:solidFill>
+                    <a:srgbClr val="FFFFFF"/>
+                  </a:solidFill>
+                  <a:latin typeface="+mn-lt"/>
+                  <a:ea typeface="+mn-ea"/>
+                  <a:cs typeface="+mn-cs"/>
+                  <a:sym typeface="DIN Condensed"/>
+                </a:defRPr>
+              </a:pPr>
+              <a:endParaRPr dirty="0"/>
+            </a:p>
+          </p:txBody>
+        </p:sp>
+        <p:sp>
+          <p:nvSpPr>
+            <p:cNvPr id="13" name="Shape 199"/>
+            <p:cNvSpPr/>
+            <p:nvPr/>
+          </p:nvSpPr>
+          <p:spPr>
+            <a:xfrm>
+              <a:off x="-2905026" y="2897133"/>
+              <a:ext cx="18725709" cy="564256"/>
+            </a:xfrm>
+            <a:prstGeom prst="rect">
+              <a:avLst/>
+            </a:prstGeom>
+            <a:noFill/>
+            <a:ln w="12700" cap="flat">
+              <a:noFill/>
+              <a:miter lim="400000"/>
+            </a:ln>
+            <a:effectLst/>
+            <a:extLst>
+              <a:ext uri="{C572A759-6A51-4108-AA02-DFA0A04FC94B}">
+                <ma14:wrappingTextBoxFlag xmlns="" xmlns:ma14="http://schemas.microsoft.com/office/mac/drawingml/2011/main" val="1"/>
+              </a:ext>
+            </a:extLst>
+          </p:spPr>
+          <p:txBody>
+            <a:bodyPr wrap="square" lIns="50800" tIns="50800" rIns="50800" bIns="50800" numCol="1" anchor="ctr">
+              <a:spAutoFit/>
+            </a:bodyPr>
+            <a:lstStyle>
+              <a:lvl1pPr>
+                <a:defRPr>
+                  <a:solidFill>
+                    <a:srgbClr val="FFFFFF"/>
+                  </a:solidFill>
+                </a:defRPr>
+              </a:lvl1pPr>
+            </a:lstStyle>
+            <a:p>
+              <a:r>
+                <a:rPr lang="es-ES" dirty="0"/>
+                <a:t>2.2 Tipos de artefactos a gestionar (los ECSs)</a:t>
+              </a:r>
+              <a:endParaRPr dirty="0"/>
+            </a:p>
+          </p:txBody>
+        </p:sp>
+      </p:grpSp>
+      <p:sp>
+        <p:nvSpPr>
+          <p:cNvPr id="16" name="Shape 212"/>
+          <p:cNvSpPr/>
+          <p:nvPr/>
+        </p:nvSpPr>
+        <p:spPr>
+          <a:xfrm>
+            <a:off x="6057901" y="3657639"/>
+            <a:ext cx="14062628" cy="9486861"/>
+          </a:xfrm>
+          <a:prstGeom prst="roundRect">
+            <a:avLst>
+              <a:gd name="adj" fmla="val 7944"/>
+            </a:avLst>
+          </a:prstGeom>
+          <a:ln w="50800">
+            <a:solidFill>
+              <a:srgbClr val="5B5854"/>
+            </a:solidFill>
+            <a:miter lim="400000"/>
+          </a:ln>
+        </p:spPr>
+        <p:txBody>
+          <a:bodyPr lIns="50800" tIns="50800" rIns="50800" bIns="50800" anchor="ctr"/>
+          <a:lstStyle/>
+          <a:p>
+            <a:pPr algn="ctr">
+              <a:lnSpc>
+                <a:spcPct val="80000"/>
+              </a:lnSpc>
+              <a:spcBef>
+                <a:spcPts val="0"/>
+              </a:spcBef>
+              <a:defRPr sz="100" cap="all">
+                <a:solidFill>
+                  <a:srgbClr val="FFFFFF"/>
+                </a:solidFill>
+                <a:latin typeface="+mn-lt"/>
+                <a:ea typeface="+mn-ea"/>
+                <a:cs typeface="+mn-cs"/>
+                <a:sym typeface="DIN Condensed"/>
+              </a:defRPr>
+            </a:pPr>
+            <a:endParaRPr/>
+          </a:p>
+        </p:txBody>
+      </p:sp>
+      <p:sp>
+        <p:nvSpPr>
+          <p:cNvPr id="3" name="Marcador de número de diapositiva 2"/>
+          <p:cNvSpPr>
+            <a:spLocks noGrp="1"/>
+          </p:cNvSpPr>
+          <p:nvPr>
+            <p:ph type="sldNum" sz="quarter" idx="2"/>
+          </p:nvPr>
+        </p:nvSpPr>
+        <p:spPr/>
+        <p:txBody>
+          <a:bodyPr/>
+          <a:lstStyle/>
+          <a:p>
+            <a:fld id="{86CB4B4D-7CA3-9044-876B-883B54F8677D}" type="slidenum">
+              <a:rPr lang="es-ES" smtClean="0"/>
+              <a:t>33</a:t>
+            </a:fld>
+            <a:endParaRPr lang="es-ES"/>
+          </a:p>
+        </p:txBody>
+      </p:sp>
+      <p:sp>
+        <p:nvSpPr>
+          <p:cNvPr id="4" name="Rectángulo 3"/>
+          <p:cNvSpPr/>
+          <p:nvPr/>
+        </p:nvSpPr>
+        <p:spPr>
+          <a:xfrm>
+            <a:off x="8691876" y="6076248"/>
+            <a:ext cx="10226335" cy="5401479"/>
+          </a:xfrm>
+          <a:prstGeom prst="rect">
+            <a:avLst/>
+          </a:prstGeom>
+        </p:spPr>
+        <p:txBody>
+          <a:bodyPr wrap="square">
+            <a:spAutoFit/>
+          </a:bodyPr>
+          <a:lstStyle/>
+          <a:p>
+            <a:r>
+              <a:rPr lang="es-ES" sz="2500" dirty="0">
+                <a:solidFill>
+                  <a:srgbClr val="00000A"/>
+                </a:solidFill>
+                <a:uFill>
+                  <a:solidFill>
+                    <a:srgbClr val="00000A"/>
+                  </a:solidFill>
+                </a:uFill>
+                <a:latin typeface="Helvetica Neue"/>
+                <a:ea typeface="Helvetica Neue"/>
+                <a:cs typeface="Helvetica Neue"/>
+              </a:rPr>
+              <a:t>•	La SRS o documento de Especificación de Requisitos Software</a:t>
+            </a:r>
+          </a:p>
+          <a:p>
+            <a:r>
+              <a:rPr lang="es-ES" sz="2500" dirty="0">
+                <a:solidFill>
+                  <a:srgbClr val="00000A"/>
+                </a:solidFill>
+                <a:uFill>
+                  <a:solidFill>
+                    <a:srgbClr val="00000A"/>
+                  </a:solidFill>
+                </a:uFill>
+                <a:latin typeface="Helvetica Neue"/>
+                <a:ea typeface="Helvetica Neue"/>
+                <a:cs typeface="Helvetica Neue"/>
+              </a:rPr>
+              <a:t>•	El plan del proyecto</a:t>
+            </a:r>
+          </a:p>
+          <a:p>
+            <a:r>
+              <a:rPr lang="es-ES" sz="2500" dirty="0">
+                <a:solidFill>
+                  <a:srgbClr val="00000A"/>
+                </a:solidFill>
+                <a:uFill>
+                  <a:solidFill>
+                    <a:srgbClr val="00000A"/>
+                  </a:solidFill>
+                </a:uFill>
+                <a:latin typeface="Helvetica Neue"/>
+                <a:ea typeface="Helvetica Neue"/>
+                <a:cs typeface="Helvetica Neue"/>
+              </a:rPr>
+              <a:t>•	El diseño</a:t>
+            </a:r>
+          </a:p>
+          <a:p>
+            <a:r>
+              <a:rPr lang="es-ES" sz="2500" dirty="0">
+                <a:solidFill>
+                  <a:srgbClr val="00000A"/>
+                </a:solidFill>
+                <a:uFill>
+                  <a:solidFill>
+                    <a:srgbClr val="00000A"/>
+                  </a:solidFill>
+                </a:uFill>
+                <a:latin typeface="Helvetica Neue"/>
+                <a:ea typeface="Helvetica Neue"/>
+                <a:cs typeface="Helvetica Neue"/>
+              </a:rPr>
+              <a:t>•	El código</a:t>
+            </a:r>
+          </a:p>
+          <a:p>
+            <a:r>
+              <a:rPr lang="es-ES" sz="2500" dirty="0">
+                <a:solidFill>
+                  <a:srgbClr val="00000A"/>
+                </a:solidFill>
+                <a:uFill>
+                  <a:solidFill>
+                    <a:srgbClr val="00000A"/>
+                  </a:solidFill>
+                </a:uFill>
+                <a:latin typeface="Helvetica Neue"/>
+                <a:ea typeface="Helvetica Neue"/>
+                <a:cs typeface="Helvetica Neue"/>
+              </a:rPr>
+              <a:t>•	Los casos de prueba</a:t>
+            </a:r>
+          </a:p>
+          <a:p>
+            <a:r>
+              <a:rPr lang="es-ES" sz="2500" dirty="0">
+                <a:solidFill>
+                  <a:srgbClr val="00000A"/>
+                </a:solidFill>
+                <a:uFill>
+                  <a:solidFill>
+                    <a:srgbClr val="00000A"/>
+                  </a:solidFill>
+                </a:uFill>
+                <a:latin typeface="Helvetica Neue"/>
+                <a:ea typeface="Helvetica Neue"/>
+                <a:cs typeface="Helvetica Neue"/>
+              </a:rPr>
+              <a:t>•	Estándares y procedimientos de la Ingeniería del Software</a:t>
+            </a:r>
+          </a:p>
+          <a:p>
+            <a:r>
+              <a:rPr lang="es-ES" sz="2500" dirty="0">
+                <a:solidFill>
+                  <a:srgbClr val="00000A"/>
+                </a:solidFill>
+                <a:uFill>
+                  <a:solidFill>
+                    <a:srgbClr val="00000A"/>
+                  </a:solidFill>
+                </a:uFill>
+                <a:latin typeface="Helvetica Neue"/>
+                <a:ea typeface="Helvetica Neue"/>
+                <a:cs typeface="Helvetica Neue"/>
+              </a:rPr>
+              <a:t>•	El editor y el compilador</a:t>
+            </a:r>
+          </a:p>
+        </p:txBody>
+      </p:sp>
+    </p:spTree>
+    <p:extLst>
+      <p:ext uri="{BB962C8B-B14F-4D97-AF65-F5344CB8AC3E}">
+        <p14:creationId xmlns:p14="http://schemas.microsoft.com/office/powerpoint/2010/main" val="1459069435"/>
+      </p:ext>
+    </p:extLst>
+  </p:cSld>
+  <p:clrMapOvr>
+    <a:masterClrMapping/>
+  </p:clrMapOvr>
+  <p:transition spd="med"/>
+</p:sld>
+</file>
+
+<file path=ppt/slides/slide34.xml><?xml version="1.0" encoding="utf-8"?>
+<p:sld xmlns:a="http://schemas.openxmlformats.org/drawingml/2006/main" xmlns:r="http://schemas.openxmlformats.org/officeDocument/2006/relationships" xmlns:p="http://schemas.openxmlformats.org/presentationml/2006/main">
+  <p:cSld>
+    <p:spTree>
+      <p:nvGrpSpPr>
+        <p:cNvPr id="1" name=""/>
+        <p:cNvGrpSpPr/>
+        <p:nvPr/>
+      </p:nvGrpSpPr>
+      <p:grpSpPr>
+        <a:xfrm>
+          <a:off x="0" y="0"/>
+          <a:ext cx="0" cy="0"/>
+          <a:chOff x="0" y="0"/>
+          <a:chExt cx="0" cy="0"/>
+        </a:xfrm>
+      </p:grpSpPr>
+      <p:pic>
+        <p:nvPicPr>
+          <p:cNvPr id="194" name="pasted-image.tiff"/>
+          <p:cNvPicPr>
+            <a:picLocks noChangeAspect="1"/>
+          </p:cNvPicPr>
+          <p:nvPr/>
+        </p:nvPicPr>
+        <p:blipFill>
+          <a:blip r:embed="rId2">
+            <a:extLst/>
+          </a:blip>
+          <a:stretch>
+            <a:fillRect/>
+          </a:stretch>
+        </p:blipFill>
+        <p:spPr>
+          <a:xfrm>
+            <a:off x="-816206" y="-529723"/>
+            <a:ext cx="26829216" cy="2397845"/>
+          </a:xfrm>
+          <a:prstGeom prst="rect">
+            <a:avLst/>
+          </a:prstGeom>
+          <a:ln w="12700">
+            <a:miter lim="400000"/>
+          </a:ln>
+        </p:spPr>
+      </p:pic>
+      <p:pic>
+        <p:nvPicPr>
+          <p:cNvPr id="195" name="pasted-image.tiff"/>
+          <p:cNvPicPr>
+            <a:picLocks noChangeAspect="1"/>
+          </p:cNvPicPr>
+          <p:nvPr/>
+        </p:nvPicPr>
+        <p:blipFill>
+          <a:blip r:embed="rId3">
+            <a:extLst/>
+          </a:blip>
+          <a:stretch>
+            <a:fillRect/>
+          </a:stretch>
+        </p:blipFill>
+        <p:spPr>
+          <a:xfrm>
+            <a:off x="20120528" y="596900"/>
+            <a:ext cx="2416329" cy="766806"/>
+          </a:xfrm>
+          <a:prstGeom prst="rect">
+            <a:avLst/>
+          </a:prstGeom>
+          <a:ln w="12700">
+            <a:miter lim="400000"/>
+          </a:ln>
+        </p:spPr>
+      </p:pic>
+      <p:sp>
+        <p:nvSpPr>
+          <p:cNvPr id="197" name="Shape 197"/>
+          <p:cNvSpPr/>
+          <p:nvPr/>
+        </p:nvSpPr>
+        <p:spPr>
+          <a:xfrm>
+            <a:off x="1044066" y="500292"/>
+            <a:ext cx="10746532" cy="795089"/>
+          </a:xfrm>
+          <a:prstGeom prst="rect">
+            <a:avLst/>
+          </a:prstGeom>
+          <a:ln w="12700">
+            <a:miter lim="400000"/>
+          </a:ln>
+          <a:extLst>
+            <a:ext uri="{C572A759-6A51-4108-AA02-DFA0A04FC94B}">
+              <ma14:wrappingTextBoxFlag xmlns="" xmlns:ma14="http://schemas.microsoft.com/office/mac/drawingml/2011/main" val="1"/>
+            </a:ext>
+          </a:extLst>
+        </p:spPr>
+        <p:txBody>
+          <a:bodyPr wrap="none" lIns="50800" tIns="50800" rIns="50800" bIns="50800" anchor="ctr">
+            <a:spAutoFit/>
+          </a:bodyPr>
+          <a:lstStyle>
+            <a:lvl1pPr>
+              <a:defRPr sz="4500">
+                <a:solidFill>
+                  <a:srgbClr val="FFFFFF"/>
+                </a:solidFill>
+                <a:latin typeface="Helvetica Neue"/>
+                <a:ea typeface="Helvetica Neue"/>
+                <a:cs typeface="Helvetica Neue"/>
+                <a:sym typeface="Helvetica Neue"/>
+              </a:defRPr>
+            </a:lvl1pPr>
+          </a:lstStyle>
+          <a:p>
+            <a:r>
+              <a:rPr lang="es-ES" dirty="0"/>
+              <a:t>7. Mecanismos de seguimiento y control </a:t>
+            </a:r>
+            <a:endParaRPr dirty="0"/>
+          </a:p>
+        </p:txBody>
+      </p:sp>
+      <p:grpSp>
+        <p:nvGrpSpPr>
+          <p:cNvPr id="200" name="Group 200"/>
+          <p:cNvGrpSpPr/>
+          <p:nvPr/>
+        </p:nvGrpSpPr>
+        <p:grpSpPr>
+          <a:xfrm>
+            <a:off x="7895695" y="2577616"/>
+            <a:ext cx="12224833" cy="771400"/>
+            <a:chOff x="-3570269" y="2764547"/>
+            <a:chExt cx="19042766" cy="771399"/>
+          </a:xfrm>
+        </p:grpSpPr>
+        <p:sp>
+          <p:nvSpPr>
+            <p:cNvPr id="12" name="Shape 198"/>
+            <p:cNvSpPr/>
+            <p:nvPr/>
+          </p:nvSpPr>
+          <p:spPr>
+            <a:xfrm>
+              <a:off x="-3570269" y="2764547"/>
+              <a:ext cx="13823052" cy="771399"/>
+            </a:xfrm>
+            <a:prstGeom prst="roundRect">
+              <a:avLst>
+                <a:gd name="adj" fmla="val 33536"/>
+              </a:avLst>
+            </a:prstGeom>
+            <a:solidFill>
+              <a:srgbClr val="BA6B89"/>
+            </a:solidFill>
+            <a:ln w="12700" cap="flat">
+              <a:noFill/>
+              <a:miter lim="400000"/>
+            </a:ln>
+            <a:effectLst/>
+          </p:spPr>
+          <p:txBody>
+            <a:bodyPr wrap="square" lIns="50800" tIns="50800" rIns="50800" bIns="50800" numCol="1" anchor="ctr">
+              <a:noAutofit/>
+            </a:bodyPr>
+            <a:lstStyle/>
+            <a:p>
+              <a:pPr algn="ctr">
+                <a:lnSpc>
+                  <a:spcPct val="80000"/>
+                </a:lnSpc>
+                <a:spcBef>
+                  <a:spcPts val="0"/>
+                </a:spcBef>
+                <a:defRPr sz="4000" cap="all">
+                  <a:solidFill>
+                    <a:srgbClr val="FFFFFF"/>
+                  </a:solidFill>
+                  <a:latin typeface="+mn-lt"/>
+                  <a:ea typeface="+mn-ea"/>
+                  <a:cs typeface="+mn-cs"/>
+                  <a:sym typeface="DIN Condensed"/>
+                </a:defRPr>
+              </a:pPr>
+              <a:endParaRPr dirty="0"/>
+            </a:p>
+          </p:txBody>
+        </p:sp>
+        <p:sp>
+          <p:nvSpPr>
+            <p:cNvPr id="13" name="Shape 199"/>
+            <p:cNvSpPr/>
+            <p:nvPr/>
+          </p:nvSpPr>
+          <p:spPr>
+            <a:xfrm>
+              <a:off x="-3253212" y="2832791"/>
+              <a:ext cx="18725709" cy="564256"/>
+            </a:xfrm>
+            <a:prstGeom prst="rect">
+              <a:avLst/>
+            </a:prstGeom>
+            <a:noFill/>
+            <a:ln w="12700" cap="flat">
+              <a:noFill/>
+              <a:miter lim="400000"/>
+            </a:ln>
+            <a:effectLst/>
+            <a:extLst>
+              <a:ext uri="{C572A759-6A51-4108-AA02-DFA0A04FC94B}">
+                <ma14:wrappingTextBoxFlag xmlns="" xmlns:ma14="http://schemas.microsoft.com/office/mac/drawingml/2011/main" val="1"/>
+              </a:ext>
+            </a:extLst>
+          </p:spPr>
+          <p:txBody>
+            <a:bodyPr wrap="square" lIns="50800" tIns="50800" rIns="50800" bIns="50800" numCol="1" anchor="ctr">
+              <a:spAutoFit/>
+            </a:bodyPr>
+            <a:lstStyle>
+              <a:lvl1pPr>
+                <a:defRPr>
+                  <a:solidFill>
+                    <a:srgbClr val="FFFFFF"/>
+                  </a:solidFill>
+                </a:defRPr>
+              </a:lvl1pPr>
+            </a:lstStyle>
+            <a:p>
+              <a:r>
+                <a:rPr lang="es-ES" dirty="0"/>
+                <a:t>2.3 Criterios y protocolos para Nombrar los ECSs</a:t>
+              </a:r>
+              <a:endParaRPr dirty="0"/>
+            </a:p>
+          </p:txBody>
+        </p:sp>
+      </p:grpSp>
+      <p:sp>
+        <p:nvSpPr>
+          <p:cNvPr id="16" name="Shape 212"/>
+          <p:cNvSpPr/>
+          <p:nvPr/>
+        </p:nvSpPr>
+        <p:spPr>
+          <a:xfrm>
+            <a:off x="4457701" y="2291597"/>
+            <a:ext cx="16544924" cy="5249435"/>
+          </a:xfrm>
+          <a:prstGeom prst="roundRect">
+            <a:avLst>
+              <a:gd name="adj" fmla="val 7944"/>
+            </a:avLst>
+          </a:prstGeom>
+          <a:ln w="50800">
+            <a:solidFill>
+              <a:srgbClr val="5B5854"/>
+            </a:solidFill>
+            <a:miter lim="400000"/>
+          </a:ln>
+        </p:spPr>
+        <p:txBody>
+          <a:bodyPr lIns="50800" tIns="50800" rIns="50800" bIns="50800" anchor="ctr"/>
+          <a:lstStyle/>
+          <a:p>
+            <a:pPr algn="ctr">
+              <a:lnSpc>
+                <a:spcPct val="80000"/>
+              </a:lnSpc>
+              <a:spcBef>
+                <a:spcPts val="0"/>
+              </a:spcBef>
+              <a:defRPr sz="100" cap="all">
+                <a:solidFill>
+                  <a:srgbClr val="FFFFFF"/>
+                </a:solidFill>
+                <a:latin typeface="+mn-lt"/>
+                <a:ea typeface="+mn-ea"/>
+                <a:cs typeface="+mn-cs"/>
+                <a:sym typeface="DIN Condensed"/>
+              </a:defRPr>
+            </a:pPr>
+            <a:endParaRPr/>
+          </a:p>
+        </p:txBody>
+      </p:sp>
+      <p:sp>
+        <p:nvSpPr>
+          <p:cNvPr id="3" name="Marcador de número de diapositiva 2"/>
+          <p:cNvSpPr>
+            <a:spLocks noGrp="1"/>
+          </p:cNvSpPr>
+          <p:nvPr>
+            <p:ph type="sldNum" sz="quarter" idx="2"/>
+          </p:nvPr>
+        </p:nvSpPr>
+        <p:spPr/>
+        <p:txBody>
+          <a:bodyPr/>
+          <a:lstStyle/>
+          <a:p>
+            <a:fld id="{86CB4B4D-7CA3-9044-876B-883B54F8677D}" type="slidenum">
+              <a:rPr lang="es-ES" smtClean="0"/>
+              <a:t>34</a:t>
+            </a:fld>
+            <a:endParaRPr lang="es-ES"/>
+          </a:p>
+        </p:txBody>
+      </p:sp>
+      <p:sp>
+        <p:nvSpPr>
+          <p:cNvPr id="4" name="Rectángulo 3"/>
+          <p:cNvSpPr/>
+          <p:nvPr/>
+        </p:nvSpPr>
+        <p:spPr>
+          <a:xfrm>
+            <a:off x="7895695" y="3832324"/>
+            <a:ext cx="10226335" cy="3708708"/>
+          </a:xfrm>
+          <a:prstGeom prst="rect">
+            <a:avLst/>
+          </a:prstGeom>
+        </p:spPr>
+        <p:txBody>
+          <a:bodyPr wrap="square">
+            <a:spAutoFit/>
+          </a:bodyPr>
+          <a:lstStyle/>
+          <a:p>
+            <a:r>
+              <a:rPr lang="es-ES" sz="2500" dirty="0">
+                <a:solidFill>
+                  <a:srgbClr val="00000A"/>
+                </a:solidFill>
+                <a:uFill>
+                  <a:solidFill>
+                    <a:srgbClr val="00000A"/>
+                  </a:solidFill>
+                </a:uFill>
+                <a:latin typeface="Helvetica Neue"/>
+                <a:ea typeface="Helvetica Neue"/>
+                <a:cs typeface="Helvetica Neue"/>
+              </a:rPr>
+              <a:t>El criterio que se va a seguir para nombrar las versiones de cada elemento de la configuración es el siguiente:</a:t>
+            </a:r>
+          </a:p>
+          <a:p>
+            <a:r>
+              <a:rPr lang="es-ES" sz="2500" dirty="0" err="1">
+                <a:solidFill>
+                  <a:srgbClr val="00000A"/>
+                </a:solidFill>
+                <a:uFill>
+                  <a:solidFill>
+                    <a:srgbClr val="00000A"/>
+                  </a:solidFill>
+                </a:uFill>
+                <a:latin typeface="Helvetica Neue"/>
+                <a:ea typeface="Helvetica Neue"/>
+                <a:cs typeface="Helvetica Neue"/>
+              </a:rPr>
+              <a:t>vPrincipal.Secundario</a:t>
+            </a:r>
+            <a:endParaRPr lang="es-ES" sz="2500" dirty="0">
+              <a:solidFill>
+                <a:srgbClr val="00000A"/>
+              </a:solidFill>
+              <a:uFill>
+                <a:solidFill>
+                  <a:srgbClr val="00000A"/>
+                </a:solidFill>
+              </a:uFill>
+              <a:latin typeface="Helvetica Neue"/>
+              <a:ea typeface="Helvetica Neue"/>
+              <a:cs typeface="Helvetica Neue"/>
+            </a:endParaRPr>
+          </a:p>
+          <a:p>
+            <a:r>
+              <a:rPr lang="es-ES" sz="2500" dirty="0">
+                <a:solidFill>
+                  <a:srgbClr val="00000A"/>
+                </a:solidFill>
+                <a:uFill>
+                  <a:solidFill>
+                    <a:srgbClr val="00000A"/>
+                  </a:solidFill>
+                </a:uFill>
+                <a:latin typeface="Helvetica Neue"/>
+                <a:ea typeface="Helvetica Neue"/>
+                <a:cs typeface="Helvetica Neue"/>
+              </a:rPr>
+              <a:t>	Donde principal significa cambios notables y grandes dentro del elemento y Secundario los cambios pequeños.</a:t>
+            </a:r>
+          </a:p>
+          <a:p>
+            <a:endParaRPr lang="es-ES" sz="2500" dirty="0">
+              <a:solidFill>
+                <a:srgbClr val="00000A"/>
+              </a:solidFill>
+              <a:uFill>
+                <a:solidFill>
+                  <a:srgbClr val="00000A"/>
+                </a:solidFill>
+              </a:uFill>
+              <a:latin typeface="Helvetica Neue"/>
+              <a:ea typeface="Helvetica Neue"/>
+              <a:cs typeface="Helvetica Neue"/>
+            </a:endParaRPr>
+          </a:p>
+        </p:txBody>
+      </p:sp>
+      <p:grpSp>
+        <p:nvGrpSpPr>
+          <p:cNvPr id="14" name="Group 200"/>
+          <p:cNvGrpSpPr/>
+          <p:nvPr/>
+        </p:nvGrpSpPr>
+        <p:grpSpPr>
+          <a:xfrm>
+            <a:off x="5752570" y="8298997"/>
+            <a:ext cx="15670721" cy="771400"/>
+            <a:chOff x="-4646707" y="2737717"/>
+            <a:chExt cx="19042766" cy="771399"/>
+          </a:xfrm>
+        </p:grpSpPr>
+        <p:sp>
+          <p:nvSpPr>
+            <p:cNvPr id="15" name="Shape 198"/>
+            <p:cNvSpPr/>
+            <p:nvPr/>
+          </p:nvSpPr>
+          <p:spPr>
+            <a:xfrm>
+              <a:off x="-4646707" y="2737717"/>
+              <a:ext cx="17455143" cy="771399"/>
+            </a:xfrm>
+            <a:prstGeom prst="roundRect">
+              <a:avLst>
+                <a:gd name="adj" fmla="val 33536"/>
+              </a:avLst>
+            </a:prstGeom>
+            <a:solidFill>
+              <a:srgbClr val="BA6B89"/>
+            </a:solidFill>
+            <a:ln w="12700" cap="flat">
+              <a:noFill/>
+              <a:miter lim="400000"/>
+            </a:ln>
+            <a:effectLst/>
+          </p:spPr>
+          <p:txBody>
+            <a:bodyPr wrap="square" lIns="50800" tIns="50800" rIns="50800" bIns="50800" numCol="1" anchor="ctr">
+              <a:noAutofit/>
+            </a:bodyPr>
+            <a:lstStyle/>
+            <a:p>
+              <a:pPr algn="ctr">
+                <a:lnSpc>
+                  <a:spcPct val="80000"/>
+                </a:lnSpc>
+                <a:spcBef>
+                  <a:spcPts val="0"/>
+                </a:spcBef>
+                <a:defRPr sz="4000" cap="all">
+                  <a:solidFill>
+                    <a:srgbClr val="FFFFFF"/>
+                  </a:solidFill>
+                  <a:latin typeface="+mn-lt"/>
+                  <a:ea typeface="+mn-ea"/>
+                  <a:cs typeface="+mn-cs"/>
+                  <a:sym typeface="DIN Condensed"/>
+                </a:defRPr>
+              </a:pPr>
+              <a:endParaRPr dirty="0"/>
+            </a:p>
+          </p:txBody>
+        </p:sp>
+        <p:sp>
+          <p:nvSpPr>
+            <p:cNvPr id="17" name="Shape 199"/>
+            <p:cNvSpPr/>
+            <p:nvPr/>
+          </p:nvSpPr>
+          <p:spPr>
+            <a:xfrm>
+              <a:off x="-4329650" y="2805962"/>
+              <a:ext cx="18725709" cy="564256"/>
+            </a:xfrm>
+            <a:prstGeom prst="rect">
+              <a:avLst/>
+            </a:prstGeom>
+            <a:noFill/>
+            <a:ln w="12700" cap="flat">
+              <a:noFill/>
+              <a:miter lim="400000"/>
+            </a:ln>
+            <a:effectLst/>
+            <a:extLst>
+              <a:ext uri="{C572A759-6A51-4108-AA02-DFA0A04FC94B}">
+                <ma14:wrappingTextBoxFlag xmlns="" xmlns:ma14="http://schemas.microsoft.com/office/mac/drawingml/2011/main" val="1"/>
+              </a:ext>
+            </a:extLst>
+          </p:spPr>
+          <p:txBody>
+            <a:bodyPr wrap="square" lIns="50800" tIns="50800" rIns="50800" bIns="50800" numCol="1" anchor="ctr">
+              <a:spAutoFit/>
+            </a:bodyPr>
+            <a:lstStyle>
+              <a:lvl1pPr>
+                <a:defRPr>
+                  <a:solidFill>
+                    <a:srgbClr val="FFFFFF"/>
+                  </a:solidFill>
+                </a:defRPr>
+              </a:lvl1pPr>
+            </a:lstStyle>
+            <a:p>
+              <a:r>
+                <a:rPr lang="es-ES" dirty="0"/>
+                <a:t>2.4 Responsable de los procedimientos de GCS y de la creación de Líneas Base</a:t>
+              </a:r>
+              <a:endParaRPr dirty="0"/>
+            </a:p>
+          </p:txBody>
+        </p:sp>
+      </p:grpSp>
+      <p:sp>
+        <p:nvSpPr>
+          <p:cNvPr id="18" name="Shape 212"/>
+          <p:cNvSpPr/>
+          <p:nvPr/>
+        </p:nvSpPr>
+        <p:spPr>
+          <a:xfrm>
+            <a:off x="4457701" y="7982578"/>
+            <a:ext cx="16544924" cy="5249435"/>
+          </a:xfrm>
+          <a:prstGeom prst="roundRect">
+            <a:avLst>
+              <a:gd name="adj" fmla="val 7944"/>
+            </a:avLst>
+          </a:prstGeom>
+          <a:ln w="50800">
+            <a:solidFill>
+              <a:srgbClr val="5B5854"/>
+            </a:solidFill>
+            <a:miter lim="400000"/>
+          </a:ln>
+        </p:spPr>
+        <p:txBody>
+          <a:bodyPr lIns="50800" tIns="50800" rIns="50800" bIns="50800" anchor="ctr"/>
+          <a:lstStyle/>
+          <a:p>
+            <a:pPr algn="ctr">
+              <a:lnSpc>
+                <a:spcPct val="80000"/>
+              </a:lnSpc>
+              <a:spcBef>
+                <a:spcPts val="0"/>
+              </a:spcBef>
+              <a:defRPr sz="100" cap="all">
+                <a:solidFill>
+                  <a:srgbClr val="FFFFFF"/>
+                </a:solidFill>
+                <a:latin typeface="+mn-lt"/>
+                <a:ea typeface="+mn-ea"/>
+                <a:cs typeface="+mn-cs"/>
+                <a:sym typeface="DIN Condensed"/>
+              </a:defRPr>
+            </a:pPr>
+            <a:endParaRPr/>
+          </a:p>
+        </p:txBody>
+      </p:sp>
+      <p:sp>
+        <p:nvSpPr>
+          <p:cNvPr id="19" name="Rectángulo 18"/>
+          <p:cNvSpPr/>
+          <p:nvPr/>
+        </p:nvSpPr>
+        <p:spPr>
+          <a:xfrm>
+            <a:off x="7524220" y="9896607"/>
+            <a:ext cx="10820930" cy="2067233"/>
+          </a:xfrm>
+          <a:prstGeom prst="rect">
+            <a:avLst/>
+          </a:prstGeom>
+        </p:spPr>
+        <p:txBody>
+          <a:bodyPr wrap="square">
+            <a:spAutoFit/>
+          </a:bodyPr>
+          <a:lstStyle/>
+          <a:p>
+            <a:r>
+              <a:rPr lang="es-ES" sz="2500" dirty="0">
+                <a:solidFill>
+                  <a:srgbClr val="00000A"/>
+                </a:solidFill>
+                <a:uFill>
+                  <a:solidFill>
+                    <a:srgbClr val="00000A"/>
+                  </a:solidFill>
+                </a:uFill>
+                <a:latin typeface="Helvetica Neue"/>
+                <a:ea typeface="Helvetica Neue"/>
+                <a:cs typeface="Helvetica Neue"/>
+              </a:rPr>
+              <a:t>Las actividades las haremos de manera individual, y si en algún momento alguien ve necesario realizar un cambio o cierta duda que afecte al cómputo global, se discutirá ésta hasta llegar a un acuerdo.</a:t>
+            </a:r>
+          </a:p>
+          <a:p>
+            <a:r>
+              <a:rPr lang="es-ES" sz="2500" dirty="0">
+                <a:solidFill>
+                  <a:srgbClr val="00000A"/>
+                </a:solidFill>
+                <a:uFill>
+                  <a:solidFill>
+                    <a:srgbClr val="00000A"/>
+                  </a:solidFill>
+                </a:uFill>
+                <a:latin typeface="Helvetica Neue"/>
+                <a:ea typeface="Helvetica Neue"/>
+                <a:cs typeface="Helvetica Neue"/>
+              </a:rPr>
+              <a:t>Si ésta es aceptada, se seguirán los pasos para realizar dicho cambio.</a:t>
+            </a:r>
+          </a:p>
+        </p:txBody>
+      </p:sp>
+    </p:spTree>
+    <p:extLst>
+      <p:ext uri="{BB962C8B-B14F-4D97-AF65-F5344CB8AC3E}">
+        <p14:creationId xmlns:p14="http://schemas.microsoft.com/office/powerpoint/2010/main" val="169769778"/>
+      </p:ext>
+    </p:extLst>
+  </p:cSld>
+  <p:clrMapOvr>
+    <a:masterClrMapping/>
+  </p:clrMapOvr>
+  <p:transition spd="med"/>
+</p:sld>
+</file>
+
+<file path=ppt/slides/slide35.xml><?xml version="1.0" encoding="utf-8"?>
+<p:sld xmlns:a="http://schemas.openxmlformats.org/drawingml/2006/main" xmlns:r="http://schemas.openxmlformats.org/officeDocument/2006/relationships" xmlns:p="http://schemas.openxmlformats.org/presentationml/2006/main">
+  <p:cSld>
+    <p:spTree>
+      <p:nvGrpSpPr>
+        <p:cNvPr id="1" name=""/>
+        <p:cNvGrpSpPr/>
+        <p:nvPr/>
+      </p:nvGrpSpPr>
+      <p:grpSpPr>
+        <a:xfrm>
+          <a:off x="0" y="0"/>
+          <a:ext cx="0" cy="0"/>
+          <a:chOff x="0" y="0"/>
+          <a:chExt cx="0" cy="0"/>
+        </a:xfrm>
+      </p:grpSpPr>
+      <p:pic>
+        <p:nvPicPr>
+          <p:cNvPr id="194" name="pasted-image.tiff"/>
+          <p:cNvPicPr>
+            <a:picLocks noChangeAspect="1"/>
+          </p:cNvPicPr>
+          <p:nvPr/>
+        </p:nvPicPr>
+        <p:blipFill>
+          <a:blip r:embed="rId2">
+            <a:extLst/>
+          </a:blip>
+          <a:stretch>
+            <a:fillRect/>
+          </a:stretch>
+        </p:blipFill>
+        <p:spPr>
+          <a:xfrm>
+            <a:off x="-816206" y="-529723"/>
+            <a:ext cx="26829216" cy="2397845"/>
+          </a:xfrm>
+          <a:prstGeom prst="rect">
+            <a:avLst/>
+          </a:prstGeom>
+          <a:ln w="12700">
+            <a:miter lim="400000"/>
+          </a:ln>
+        </p:spPr>
+      </p:pic>
+      <p:pic>
+        <p:nvPicPr>
+          <p:cNvPr id="195" name="pasted-image.tiff"/>
+          <p:cNvPicPr>
+            <a:picLocks noChangeAspect="1"/>
+          </p:cNvPicPr>
+          <p:nvPr/>
+        </p:nvPicPr>
+        <p:blipFill>
+          <a:blip r:embed="rId3">
+            <a:extLst/>
+          </a:blip>
+          <a:stretch>
+            <a:fillRect/>
+          </a:stretch>
+        </p:blipFill>
+        <p:spPr>
+          <a:xfrm>
+            <a:off x="20120528" y="596900"/>
+            <a:ext cx="2416329" cy="766806"/>
+          </a:xfrm>
+          <a:prstGeom prst="rect">
+            <a:avLst/>
+          </a:prstGeom>
+          <a:ln w="12700">
+            <a:miter lim="400000"/>
+          </a:ln>
+        </p:spPr>
+      </p:pic>
+      <p:sp>
+        <p:nvSpPr>
+          <p:cNvPr id="197" name="Shape 197"/>
+          <p:cNvSpPr/>
+          <p:nvPr/>
+        </p:nvSpPr>
+        <p:spPr>
+          <a:xfrm>
+            <a:off x="1044066" y="500292"/>
+            <a:ext cx="10746532" cy="795089"/>
+          </a:xfrm>
+          <a:prstGeom prst="rect">
+            <a:avLst/>
+          </a:prstGeom>
+          <a:ln w="12700">
+            <a:miter lim="400000"/>
+          </a:ln>
+          <a:extLst>
+            <a:ext uri="{C572A759-6A51-4108-AA02-DFA0A04FC94B}">
+              <ma14:wrappingTextBoxFlag xmlns="" xmlns:ma14="http://schemas.microsoft.com/office/mac/drawingml/2011/main" val="1"/>
+            </a:ext>
+          </a:extLst>
+        </p:spPr>
+        <p:txBody>
+          <a:bodyPr wrap="none" lIns="50800" tIns="50800" rIns="50800" bIns="50800" anchor="ctr">
+            <a:spAutoFit/>
+          </a:bodyPr>
+          <a:lstStyle>
+            <a:lvl1pPr>
+              <a:defRPr sz="4500">
+                <a:solidFill>
+                  <a:srgbClr val="FFFFFF"/>
+                </a:solidFill>
+                <a:latin typeface="Helvetica Neue"/>
+                <a:ea typeface="Helvetica Neue"/>
+                <a:cs typeface="Helvetica Neue"/>
+                <a:sym typeface="Helvetica Neue"/>
+              </a:defRPr>
+            </a:lvl1pPr>
+          </a:lstStyle>
+          <a:p>
+            <a:r>
+              <a:rPr lang="es-ES" dirty="0"/>
+              <a:t>7. Mecanismos de seguimiento y control </a:t>
+            </a:r>
+            <a:endParaRPr dirty="0"/>
+          </a:p>
+        </p:txBody>
+      </p:sp>
+      <p:grpSp>
+        <p:nvGrpSpPr>
+          <p:cNvPr id="200" name="Group 200"/>
+          <p:cNvGrpSpPr/>
+          <p:nvPr/>
+        </p:nvGrpSpPr>
+        <p:grpSpPr>
+          <a:xfrm>
+            <a:off x="7067019" y="2604789"/>
+            <a:ext cx="12224834" cy="771400"/>
+            <a:chOff x="-4861108" y="2791720"/>
+            <a:chExt cx="19042768" cy="771399"/>
+          </a:xfrm>
+        </p:grpSpPr>
+        <p:sp>
+          <p:nvSpPr>
+            <p:cNvPr id="12" name="Shape 198"/>
+            <p:cNvSpPr/>
+            <p:nvPr/>
+          </p:nvSpPr>
+          <p:spPr>
+            <a:xfrm>
+              <a:off x="-4861108" y="2791720"/>
+              <a:ext cx="18146729" cy="771399"/>
+            </a:xfrm>
+            <a:prstGeom prst="roundRect">
+              <a:avLst>
+                <a:gd name="adj" fmla="val 33536"/>
+              </a:avLst>
+            </a:prstGeom>
+            <a:solidFill>
+              <a:srgbClr val="BA6B89"/>
+            </a:solidFill>
+            <a:ln w="12700" cap="flat">
+              <a:noFill/>
+              <a:miter lim="400000"/>
+            </a:ln>
+            <a:effectLst/>
+          </p:spPr>
+          <p:txBody>
+            <a:bodyPr wrap="square" lIns="50800" tIns="50800" rIns="50800" bIns="50800" numCol="1" anchor="ctr">
+              <a:noAutofit/>
+            </a:bodyPr>
+            <a:lstStyle/>
+            <a:p>
+              <a:pPr algn="ctr">
+                <a:lnSpc>
+                  <a:spcPct val="80000"/>
+                </a:lnSpc>
+                <a:spcBef>
+                  <a:spcPts val="0"/>
+                </a:spcBef>
+                <a:defRPr sz="4000" cap="all">
+                  <a:solidFill>
+                    <a:srgbClr val="FFFFFF"/>
+                  </a:solidFill>
+                  <a:latin typeface="+mn-lt"/>
+                  <a:ea typeface="+mn-ea"/>
+                  <a:cs typeface="+mn-cs"/>
+                  <a:sym typeface="DIN Condensed"/>
+                </a:defRPr>
+              </a:pPr>
+              <a:endParaRPr dirty="0"/>
+            </a:p>
+          </p:txBody>
+        </p:sp>
+        <p:sp>
+          <p:nvSpPr>
+            <p:cNvPr id="13" name="Shape 199"/>
+            <p:cNvSpPr/>
+            <p:nvPr/>
+          </p:nvSpPr>
+          <p:spPr>
+            <a:xfrm>
+              <a:off x="-4544048" y="2859963"/>
+              <a:ext cx="18725708" cy="564256"/>
+            </a:xfrm>
+            <a:prstGeom prst="rect">
+              <a:avLst/>
+            </a:prstGeom>
+            <a:noFill/>
+            <a:ln w="12700" cap="flat">
+              <a:noFill/>
+              <a:miter lim="400000"/>
+            </a:ln>
+            <a:effectLst/>
+            <a:extLst>
+              <a:ext uri="{C572A759-6A51-4108-AA02-DFA0A04FC94B}">
+                <ma14:wrappingTextBoxFlag xmlns="" xmlns:ma14="http://schemas.microsoft.com/office/mac/drawingml/2011/main" val="1"/>
+              </a:ext>
+            </a:extLst>
+          </p:spPr>
+          <p:txBody>
+            <a:bodyPr wrap="square" lIns="50800" tIns="50800" rIns="50800" bIns="50800" numCol="1" anchor="ctr">
+              <a:spAutoFit/>
+            </a:bodyPr>
+            <a:lstStyle>
+              <a:lvl1pPr>
+                <a:defRPr>
+                  <a:solidFill>
+                    <a:srgbClr val="FFFFFF"/>
+                  </a:solidFill>
+                </a:defRPr>
+              </a:lvl1pPr>
+            </a:lstStyle>
+            <a:p>
+              <a:r>
+                <a:rPr lang="es-ES" dirty="0"/>
+                <a:t>2.5 Políticas para el Control de Cambios y la Gestión de Versiones</a:t>
+              </a:r>
+              <a:endParaRPr dirty="0"/>
+            </a:p>
+          </p:txBody>
+        </p:sp>
+      </p:grpSp>
+      <p:sp>
+        <p:nvSpPr>
+          <p:cNvPr id="16" name="Shape 212"/>
+          <p:cNvSpPr/>
+          <p:nvPr/>
+        </p:nvSpPr>
+        <p:spPr>
+          <a:xfrm>
+            <a:off x="4457701" y="2291597"/>
+            <a:ext cx="16544924" cy="5249435"/>
+          </a:xfrm>
+          <a:prstGeom prst="roundRect">
+            <a:avLst>
+              <a:gd name="adj" fmla="val 7944"/>
+            </a:avLst>
+          </a:prstGeom>
+          <a:ln w="50800">
+            <a:solidFill>
+              <a:srgbClr val="5B5854"/>
+            </a:solidFill>
+            <a:miter lim="400000"/>
+          </a:ln>
+        </p:spPr>
+        <p:txBody>
+          <a:bodyPr lIns="50800" tIns="50800" rIns="50800" bIns="50800" anchor="ctr"/>
+          <a:lstStyle/>
+          <a:p>
+            <a:pPr algn="ctr">
+              <a:lnSpc>
+                <a:spcPct val="80000"/>
+              </a:lnSpc>
+              <a:spcBef>
+                <a:spcPts val="0"/>
+              </a:spcBef>
+              <a:defRPr sz="100" cap="all">
+                <a:solidFill>
+                  <a:srgbClr val="FFFFFF"/>
+                </a:solidFill>
+                <a:latin typeface="+mn-lt"/>
+                <a:ea typeface="+mn-ea"/>
+                <a:cs typeface="+mn-cs"/>
+                <a:sym typeface="DIN Condensed"/>
+              </a:defRPr>
+            </a:pPr>
+            <a:endParaRPr/>
+          </a:p>
+        </p:txBody>
+      </p:sp>
+      <p:sp>
+        <p:nvSpPr>
+          <p:cNvPr id="3" name="Marcador de número de diapositiva 2"/>
+          <p:cNvSpPr>
+            <a:spLocks noGrp="1"/>
+          </p:cNvSpPr>
+          <p:nvPr>
+            <p:ph type="sldNum" sz="quarter" idx="2"/>
+          </p:nvPr>
+        </p:nvSpPr>
+        <p:spPr/>
+        <p:txBody>
+          <a:bodyPr/>
+          <a:lstStyle/>
+          <a:p>
+            <a:fld id="{86CB4B4D-7CA3-9044-876B-883B54F8677D}" type="slidenum">
+              <a:rPr lang="es-ES" smtClean="0"/>
+              <a:t>35</a:t>
+            </a:fld>
+            <a:endParaRPr lang="es-ES"/>
+          </a:p>
+        </p:txBody>
+      </p:sp>
+      <p:sp>
+        <p:nvSpPr>
+          <p:cNvPr id="4" name="Rectángulo 3"/>
+          <p:cNvSpPr/>
+          <p:nvPr/>
+        </p:nvSpPr>
+        <p:spPr>
+          <a:xfrm>
+            <a:off x="7270561" y="3832324"/>
+            <a:ext cx="11446064" cy="3272691"/>
+          </a:xfrm>
+          <a:prstGeom prst="rect">
+            <a:avLst/>
+          </a:prstGeom>
+        </p:spPr>
+        <p:txBody>
+          <a:bodyPr wrap="square">
+            <a:spAutoFit/>
+          </a:bodyPr>
+          <a:lstStyle/>
+          <a:p>
+            <a:r>
+              <a:rPr lang="es-ES" sz="2500" dirty="0">
+                <a:solidFill>
+                  <a:srgbClr val="00000A"/>
+                </a:solidFill>
+                <a:uFill>
+                  <a:solidFill>
+                    <a:srgbClr val="00000A"/>
+                  </a:solidFill>
+                </a:uFill>
+                <a:latin typeface="Helvetica Neue"/>
+                <a:ea typeface="Helvetica Neue"/>
+                <a:cs typeface="Helvetica Neue"/>
+              </a:rPr>
+              <a:t>Protocolo para llegar a un acuerdo y los pasos a dar en caso de realizar un cambio: Si es necesario realizar el cambio y cómo afecta éste al resto del proyecto, discutiendo las posibilidades presentadas como respuesta a dicha propuesta.</a:t>
+            </a:r>
+          </a:p>
+          <a:p>
+            <a:r>
+              <a:rPr lang="es-ES" sz="2500" dirty="0">
+                <a:solidFill>
+                  <a:srgbClr val="00000A"/>
+                </a:solidFill>
+                <a:uFill>
+                  <a:solidFill>
+                    <a:srgbClr val="00000A"/>
+                  </a:solidFill>
+                </a:uFill>
+                <a:latin typeface="Helvetica Neue"/>
+                <a:ea typeface="Helvetica Neue"/>
+                <a:cs typeface="Helvetica Neue"/>
+              </a:rPr>
+              <a:t>Emplearemos la herramienta Git y un servidor Git.</a:t>
+            </a:r>
+          </a:p>
+          <a:p>
+            <a:endParaRPr lang="es-ES" sz="2500" dirty="0">
+              <a:solidFill>
+                <a:srgbClr val="00000A"/>
+              </a:solidFill>
+              <a:uFill>
+                <a:solidFill>
+                  <a:srgbClr val="00000A"/>
+                </a:solidFill>
+              </a:uFill>
+              <a:latin typeface="Helvetica Neue"/>
+              <a:ea typeface="Helvetica Neue"/>
+              <a:cs typeface="Helvetica Neue"/>
+            </a:endParaRPr>
+          </a:p>
+        </p:txBody>
+      </p:sp>
+      <p:grpSp>
+        <p:nvGrpSpPr>
+          <p:cNvPr id="14" name="Group 200"/>
+          <p:cNvGrpSpPr/>
+          <p:nvPr/>
+        </p:nvGrpSpPr>
+        <p:grpSpPr>
+          <a:xfrm>
+            <a:off x="8124295" y="8447931"/>
+            <a:ext cx="15670721" cy="771400"/>
+            <a:chOff x="-4646707" y="2737717"/>
+            <a:chExt cx="19042766" cy="771399"/>
+          </a:xfrm>
+        </p:grpSpPr>
+        <p:sp>
+          <p:nvSpPr>
+            <p:cNvPr id="15" name="Shape 198"/>
+            <p:cNvSpPr/>
+            <p:nvPr/>
+          </p:nvSpPr>
+          <p:spPr>
+            <a:xfrm>
+              <a:off x="-4646707" y="2737717"/>
+              <a:ext cx="11656267" cy="771399"/>
+            </a:xfrm>
+            <a:prstGeom prst="roundRect">
+              <a:avLst>
+                <a:gd name="adj" fmla="val 33536"/>
+              </a:avLst>
+            </a:prstGeom>
+            <a:solidFill>
+              <a:srgbClr val="BA6B89"/>
+            </a:solidFill>
+            <a:ln w="12700" cap="flat">
+              <a:noFill/>
+              <a:miter lim="400000"/>
+            </a:ln>
+            <a:effectLst/>
+          </p:spPr>
+          <p:txBody>
+            <a:bodyPr wrap="square" lIns="50800" tIns="50800" rIns="50800" bIns="50800" numCol="1" anchor="ctr">
+              <a:noAutofit/>
+            </a:bodyPr>
+            <a:lstStyle/>
+            <a:p>
+              <a:pPr algn="ctr">
+                <a:lnSpc>
+                  <a:spcPct val="80000"/>
+                </a:lnSpc>
+                <a:spcBef>
+                  <a:spcPts val="0"/>
+                </a:spcBef>
+                <a:defRPr sz="4000" cap="all">
+                  <a:solidFill>
+                    <a:srgbClr val="FFFFFF"/>
+                  </a:solidFill>
+                  <a:latin typeface="+mn-lt"/>
+                  <a:ea typeface="+mn-ea"/>
+                  <a:cs typeface="+mn-cs"/>
+                  <a:sym typeface="DIN Condensed"/>
+                </a:defRPr>
+              </a:pPr>
+              <a:endParaRPr dirty="0"/>
+            </a:p>
+          </p:txBody>
+        </p:sp>
+        <p:sp>
+          <p:nvSpPr>
+            <p:cNvPr id="17" name="Shape 199"/>
+            <p:cNvSpPr/>
+            <p:nvPr/>
+          </p:nvSpPr>
+          <p:spPr>
+            <a:xfrm>
+              <a:off x="-4329650" y="2805962"/>
+              <a:ext cx="18725709" cy="564256"/>
+            </a:xfrm>
+            <a:prstGeom prst="rect">
+              <a:avLst/>
+            </a:prstGeom>
+            <a:noFill/>
+            <a:ln w="12700" cap="flat">
+              <a:noFill/>
+              <a:miter lim="400000"/>
+            </a:ln>
+            <a:effectLst/>
+            <a:extLst>
+              <a:ext uri="{C572A759-6A51-4108-AA02-DFA0A04FC94B}">
+                <ma14:wrappingTextBoxFlag xmlns="" xmlns:ma14="http://schemas.microsoft.com/office/mac/drawingml/2011/main" val="1"/>
+              </a:ext>
+            </a:extLst>
+          </p:spPr>
+          <p:txBody>
+            <a:bodyPr wrap="square" lIns="50800" tIns="50800" rIns="50800" bIns="50800" numCol="1" anchor="ctr">
+              <a:spAutoFit/>
+            </a:bodyPr>
+            <a:lstStyle>
+              <a:lvl1pPr>
+                <a:defRPr>
+                  <a:solidFill>
+                    <a:srgbClr val="FFFFFF"/>
+                  </a:solidFill>
+                </a:defRPr>
+              </a:lvl1pPr>
+            </a:lstStyle>
+            <a:p>
+              <a:r>
+                <a:rPr lang="es-ES" dirty="0"/>
+                <a:t>2.6 Registros para mantener el rastro de los cambios </a:t>
+              </a:r>
+              <a:endParaRPr dirty="0"/>
+            </a:p>
+          </p:txBody>
+        </p:sp>
+      </p:grpSp>
+      <p:sp>
+        <p:nvSpPr>
+          <p:cNvPr id="18" name="Shape 212"/>
+          <p:cNvSpPr/>
+          <p:nvPr/>
+        </p:nvSpPr>
+        <p:spPr>
+          <a:xfrm>
+            <a:off x="4457701" y="7982578"/>
+            <a:ext cx="16544924" cy="5249435"/>
+          </a:xfrm>
+          <a:prstGeom prst="roundRect">
+            <a:avLst>
+              <a:gd name="adj" fmla="val 7944"/>
+            </a:avLst>
+          </a:prstGeom>
+          <a:ln w="50800">
+            <a:solidFill>
+              <a:srgbClr val="5B5854"/>
+            </a:solidFill>
+            <a:miter lim="400000"/>
+          </a:ln>
+        </p:spPr>
+        <p:txBody>
+          <a:bodyPr lIns="50800" tIns="50800" rIns="50800" bIns="50800" anchor="ctr"/>
+          <a:lstStyle/>
+          <a:p>
+            <a:pPr algn="ctr">
+              <a:lnSpc>
+                <a:spcPct val="80000"/>
+              </a:lnSpc>
+              <a:spcBef>
+                <a:spcPts val="0"/>
+              </a:spcBef>
+              <a:defRPr sz="100" cap="all">
+                <a:solidFill>
+                  <a:srgbClr val="FFFFFF"/>
+                </a:solidFill>
+                <a:latin typeface="+mn-lt"/>
+                <a:ea typeface="+mn-ea"/>
+                <a:cs typeface="+mn-cs"/>
+                <a:sym typeface="DIN Condensed"/>
+              </a:defRPr>
+            </a:pPr>
+            <a:endParaRPr/>
+          </a:p>
+        </p:txBody>
+      </p:sp>
+      <p:sp>
+        <p:nvSpPr>
+          <p:cNvPr id="19" name="Rectángulo 18"/>
+          <p:cNvSpPr/>
+          <p:nvPr/>
+        </p:nvSpPr>
+        <p:spPr>
+          <a:xfrm>
+            <a:off x="7583128" y="10671873"/>
+            <a:ext cx="10820930" cy="1246495"/>
+          </a:xfrm>
+          <a:prstGeom prst="rect">
+            <a:avLst/>
+          </a:prstGeom>
+        </p:spPr>
+        <p:txBody>
+          <a:bodyPr wrap="square">
+            <a:spAutoFit/>
+          </a:bodyPr>
+          <a:lstStyle/>
+          <a:p>
+            <a:r>
+              <a:rPr lang="es-ES" sz="2500" dirty="0">
+                <a:solidFill>
+                  <a:srgbClr val="00000A"/>
+                </a:solidFill>
+                <a:uFill>
+                  <a:solidFill>
+                    <a:srgbClr val="00000A"/>
+                  </a:solidFill>
+                </a:uFill>
+                <a:latin typeface="Helvetica Neue"/>
+                <a:ea typeface="Helvetica Neue"/>
+                <a:cs typeface="Helvetica Neue"/>
+              </a:rPr>
+              <a:t>La herramienta Git nos ofrece un historial de todos los cambios, así como una breve descripción, realizados en cada versión. Así mismo los datos de la persona que ha realizado dicho cambio, fecha y archivo.</a:t>
+            </a:r>
+          </a:p>
+        </p:txBody>
+      </p:sp>
+    </p:spTree>
+    <p:extLst>
+      <p:ext uri="{BB962C8B-B14F-4D97-AF65-F5344CB8AC3E}">
+        <p14:creationId xmlns:p14="http://schemas.microsoft.com/office/powerpoint/2010/main" val="4285071432"/>
       </p:ext>
     </p:extLst>
   </p:cSld>
